--- a/20180911.DevOpsDaysTaipei2018/Andrew-ServiceDiscovery (簡報).pptx
+++ b/20180911.DevOpsDaysTaipei2018/Andrew-ServiceDiscovery (簡報).pptx
@@ -8,7 +8,7 @@
     <p:sldMasterId id="2147483690" r:id="rId4"/>
   </p:sldMasterIdLst>
   <p:notesMasterIdLst>
-    <p:notesMasterId r:id="rId20"/>
+    <p:notesMasterId r:id="rId44"/>
   </p:notesMasterIdLst>
   <p:sldIdLst>
     <p:sldId id="447" r:id="rId5"/>
@@ -19,13 +19,37 @@
     <p:sldId id="459" r:id="rId10"/>
     <p:sldId id="460" r:id="rId11"/>
     <p:sldId id="461" r:id="rId12"/>
-    <p:sldId id="452" r:id="rId13"/>
-    <p:sldId id="453" r:id="rId14"/>
-    <p:sldId id="448" r:id="rId15"/>
-    <p:sldId id="455" r:id="rId16"/>
-    <p:sldId id="456" r:id="rId17"/>
-    <p:sldId id="457" r:id="rId18"/>
-    <p:sldId id="458" r:id="rId19"/>
+    <p:sldId id="453" r:id="rId13"/>
+    <p:sldId id="462" r:id="rId14"/>
+    <p:sldId id="483" r:id="rId15"/>
+    <p:sldId id="463" r:id="rId16"/>
+    <p:sldId id="485" r:id="rId17"/>
+    <p:sldId id="484" r:id="rId18"/>
+    <p:sldId id="464" r:id="rId19"/>
+    <p:sldId id="486" r:id="rId20"/>
+    <p:sldId id="465" r:id="rId21"/>
+    <p:sldId id="466" r:id="rId22"/>
+    <p:sldId id="467" r:id="rId23"/>
+    <p:sldId id="468" r:id="rId24"/>
+    <p:sldId id="469" r:id="rId25"/>
+    <p:sldId id="470" r:id="rId26"/>
+    <p:sldId id="471" r:id="rId27"/>
+    <p:sldId id="472" r:id="rId28"/>
+    <p:sldId id="473" r:id="rId29"/>
+    <p:sldId id="474" r:id="rId30"/>
+    <p:sldId id="475" r:id="rId31"/>
+    <p:sldId id="476" r:id="rId32"/>
+    <p:sldId id="477" r:id="rId33"/>
+    <p:sldId id="478" r:id="rId34"/>
+    <p:sldId id="479" r:id="rId35"/>
+    <p:sldId id="480" r:id="rId36"/>
+    <p:sldId id="481" r:id="rId37"/>
+    <p:sldId id="482" r:id="rId38"/>
+    <p:sldId id="448" r:id="rId39"/>
+    <p:sldId id="455" r:id="rId40"/>
+    <p:sldId id="456" r:id="rId41"/>
+    <p:sldId id="457" r:id="rId42"/>
+    <p:sldId id="458" r:id="rId43"/>
   </p:sldIdLst>
   <p:sldSz cx="9144000" cy="5143500" type="screen16x9"/>
   <p:notesSz cx="6858000" cy="9144000"/>
@@ -275,20 +299,44 @@
             <p14:sldId id="459"/>
             <p14:sldId id="460"/>
             <p14:sldId id="461"/>
+            <p14:sldId id="453"/>
+            <p14:sldId id="462"/>
+            <p14:sldId id="483"/>
+            <p14:sldId id="463"/>
+            <p14:sldId id="485"/>
+            <p14:sldId id="484"/>
+            <p14:sldId id="464"/>
+            <p14:sldId id="486"/>
+            <p14:sldId id="465"/>
+            <p14:sldId id="466"/>
           </p14:sldIdLst>
         </p14:section>
         <p14:section name="Advanced" id="{57BBCACD-92BD-41EC-80AF-40015E8C2A69}">
           <p14:sldIdLst>
-            <p14:sldId id="452"/>
+            <p14:sldId id="467"/>
+            <p14:sldId id="468"/>
+            <p14:sldId id="469"/>
+            <p14:sldId id="470"/>
+            <p14:sldId id="471"/>
           </p14:sldIdLst>
         </p14:section>
         <p14:section name="Service Mesh" id="{8BB74E6B-D4EC-4E00-B7D6-1D45BCF2BC6B}">
           <p14:sldIdLst>
-            <p14:sldId id="453"/>
+            <p14:sldId id="472"/>
+            <p14:sldId id="473"/>
+            <p14:sldId id="474"/>
+            <p14:sldId id="475"/>
+            <p14:sldId id="476"/>
+            <p14:sldId id="477"/>
           </p14:sldIdLst>
         </p14:section>
         <p14:section name="Summary" id="{298C6DCD-9458-4D2F-B358-E256149F2389}">
           <p14:sldIdLst>
+            <p14:sldId id="478"/>
+            <p14:sldId id="479"/>
+            <p14:sldId id="480"/>
+            <p14:sldId id="481"/>
+            <p14:sldId id="482"/>
             <p14:sldId id="448"/>
             <p14:sldId id="455"/>
             <p14:sldId id="456"/>
@@ -1165,6 +1213,186 @@
 </file>
 
 <file path=ppt/slideLayouts/slideLayout10.xml><?xml version="1.0" encoding="utf-8"?>
+<p:sldLayout xmlns:a="http://schemas.openxmlformats.org/drawingml/2006/main" xmlns:r="http://schemas.openxmlformats.org/officeDocument/2006/relationships" xmlns:p="http://schemas.openxmlformats.org/presentationml/2006/main" type="blank" preserve="1">
+  <p:cSld name="空白">
+    <p:spTree>
+      <p:nvGrpSpPr>
+        <p:cNvPr id="1" name=""/>
+        <p:cNvGrpSpPr/>
+        <p:nvPr/>
+      </p:nvGrpSpPr>
+      <p:grpSpPr>
+        <a:xfrm>
+          <a:off x="0" y="0"/>
+          <a:ext cx="0" cy="0"/>
+          <a:chOff x="0" y="0"/>
+          <a:chExt cx="0" cy="0"/>
+        </a:xfrm>
+      </p:grpSpPr>
+      <p:sp>
+        <p:nvSpPr>
+          <p:cNvPr id="2" name="日期版面配置區 1">
+            <a:extLst>
+              <a:ext uri="{FF2B5EF4-FFF2-40B4-BE49-F238E27FC236}">
+                <a16:creationId xmlns:a16="http://schemas.microsoft.com/office/drawing/2014/main" id="{AD15CB58-CBCD-4F49-99B4-F4D71EEA35A1}"/>
+              </a:ext>
+            </a:extLst>
+          </p:cNvPr>
+          <p:cNvSpPr>
+            <a:spLocks noGrp="1"/>
+          </p:cNvSpPr>
+          <p:nvPr>
+            <p:ph type="dt" sz="half" idx="10"/>
+          </p:nvPr>
+        </p:nvSpPr>
+        <p:spPr/>
+        <p:txBody>
+          <a:bodyPr/>
+          <a:lstStyle/>
+          <a:p>
+            <a:pPr defTabSz="685800">
+              <a:buClrTx/>
+            </a:pPr>
+            <a:fld id="{79FBDEAA-46ED-4A68-A55F-F830455D2CE7}" type="datetimeFigureOut">
+              <a:rPr lang="zh-TW" altLang="en-US" kern="1200" smtClean="0">
+                <a:solidFill>
+                  <a:prstClr val="black">
+                    <a:tint val="75000"/>
+                  </a:prstClr>
+                </a:solidFill>
+                <a:latin typeface="Calibri" panose="020F0502020204030204"/>
+                <a:ea typeface="新細明體" panose="02020500000000000000" pitchFamily="18" charset="-120"/>
+                <a:cs typeface="+mn-cs"/>
+              </a:rPr>
+              <a:pPr defTabSz="685800">
+                <a:buClrTx/>
+              </a:pPr>
+              <a:t>2018/8/28</a:t>
+            </a:fld>
+            <a:endParaRPr lang="zh-TW" altLang="en-US" kern="1200">
+              <a:solidFill>
+                <a:prstClr val="black">
+                  <a:tint val="75000"/>
+                </a:prstClr>
+              </a:solidFill>
+              <a:latin typeface="Calibri" panose="020F0502020204030204"/>
+              <a:ea typeface="新細明體" panose="02020500000000000000" pitchFamily="18" charset="-120"/>
+              <a:cs typeface="+mn-cs"/>
+            </a:endParaRPr>
+          </a:p>
+        </p:txBody>
+      </p:sp>
+      <p:sp>
+        <p:nvSpPr>
+          <p:cNvPr id="3" name="頁尾版面配置區 2">
+            <a:extLst>
+              <a:ext uri="{FF2B5EF4-FFF2-40B4-BE49-F238E27FC236}">
+                <a16:creationId xmlns:a16="http://schemas.microsoft.com/office/drawing/2014/main" id="{6E37FB0F-14BC-49D8-81E6-BBFB73EEB47A}"/>
+              </a:ext>
+            </a:extLst>
+          </p:cNvPr>
+          <p:cNvSpPr>
+            <a:spLocks noGrp="1"/>
+          </p:cNvSpPr>
+          <p:nvPr>
+            <p:ph type="ftr" sz="quarter" idx="11"/>
+          </p:nvPr>
+        </p:nvSpPr>
+        <p:spPr/>
+        <p:txBody>
+          <a:bodyPr/>
+          <a:lstStyle/>
+          <a:p>
+            <a:pPr defTabSz="685800">
+              <a:buClrTx/>
+            </a:pPr>
+            <a:endParaRPr lang="zh-TW" altLang="en-US" kern="1200">
+              <a:solidFill>
+                <a:prstClr val="black">
+                  <a:tint val="75000"/>
+                </a:prstClr>
+              </a:solidFill>
+              <a:latin typeface="Calibri" panose="020F0502020204030204"/>
+              <a:ea typeface="新細明體" panose="02020500000000000000" pitchFamily="18" charset="-120"/>
+              <a:cs typeface="+mn-cs"/>
+            </a:endParaRPr>
+          </a:p>
+        </p:txBody>
+      </p:sp>
+      <p:sp>
+        <p:nvSpPr>
+          <p:cNvPr id="4" name="投影片編號版面配置區 3">
+            <a:extLst>
+              <a:ext uri="{FF2B5EF4-FFF2-40B4-BE49-F238E27FC236}">
+                <a16:creationId xmlns:a16="http://schemas.microsoft.com/office/drawing/2014/main" id="{4F529B5C-D2B1-4532-8384-CF1050FDBF63}"/>
+              </a:ext>
+            </a:extLst>
+          </p:cNvPr>
+          <p:cNvSpPr>
+            <a:spLocks noGrp="1"/>
+          </p:cNvSpPr>
+          <p:nvPr>
+            <p:ph type="sldNum" sz="quarter" idx="12"/>
+          </p:nvPr>
+        </p:nvSpPr>
+        <p:spPr/>
+        <p:txBody>
+          <a:bodyPr/>
+          <a:lstStyle/>
+          <a:p>
+            <a:pPr defTabSz="685800">
+              <a:buClrTx/>
+            </a:pPr>
+            <a:fld id="{2ED3522C-9944-4E16-B07C-4FDDC028DFA0}" type="slidenum">
+              <a:rPr lang="zh-TW" altLang="en-US" kern="1200" smtClean="0">
+                <a:solidFill>
+                  <a:prstClr val="black">
+                    <a:tint val="75000"/>
+                  </a:prstClr>
+                </a:solidFill>
+                <a:latin typeface="Calibri" panose="020F0502020204030204"/>
+                <a:ea typeface="新細明體" panose="02020500000000000000" pitchFamily="18" charset="-120"/>
+                <a:cs typeface="+mn-cs"/>
+              </a:rPr>
+              <a:pPr defTabSz="685800">
+                <a:buClrTx/>
+              </a:pPr>
+              <a:t>‹#›</a:t>
+            </a:fld>
+            <a:endParaRPr lang="zh-TW" altLang="en-US" kern="1200">
+              <a:solidFill>
+                <a:prstClr val="black">
+                  <a:tint val="75000"/>
+                </a:prstClr>
+              </a:solidFill>
+              <a:latin typeface="Calibri" panose="020F0502020204030204"/>
+              <a:ea typeface="新細明體" panose="02020500000000000000" pitchFamily="18" charset="-120"/>
+              <a:cs typeface="+mn-cs"/>
+            </a:endParaRPr>
+          </a:p>
+        </p:txBody>
+      </p:sp>
+    </p:spTree>
+    <p:extLst>
+      <p:ext uri="{BB962C8B-B14F-4D97-AF65-F5344CB8AC3E}">
+        <p14:creationId xmlns:p14="http://schemas.microsoft.com/office/powerpoint/2010/main" val="1486372861"/>
+      </p:ext>
+    </p:extLst>
+  </p:cSld>
+  <p:clrMapOvr>
+    <a:masterClrMapping/>
+  </p:clrMapOvr>
+  <p:timing>
+    <p:tnLst>
+      <p:par>
+        <p:cTn id="1" dur="indefinite" restart="never" nodeType="tmRoot"/>
+      </p:par>
+    </p:tnLst>
+  </p:timing>
+</p:sldLayout>
+</file>
+
+<file path=ppt/slideLayouts/slideLayout11.xml><?xml version="1.0" encoding="utf-8"?>
 <p:sldLayout xmlns:a="http://schemas.openxmlformats.org/drawingml/2006/main" xmlns:r="http://schemas.openxmlformats.org/officeDocument/2006/relationships" xmlns:p="http://schemas.openxmlformats.org/presentationml/2006/main" type="objTx" preserve="1">
   <p:cSld name="含標題的內容">
     <p:spTree>
@@ -1417,7 +1645,7 @@
               <a:pPr defTabSz="685800">
                 <a:buClrTx/>
               </a:pPr>
-              <a:t>2018/8/27</a:t>
+              <a:t>2018/8/28</a:t>
             </a:fld>
             <a:endParaRPr lang="zh-TW" altLang="en-US" kern="1200">
               <a:solidFill>
@@ -1535,7 +1763,7 @@
 </p:sldLayout>
 </file>
 
-<file path=ppt/slideLayouts/slideLayout11.xml><?xml version="1.0" encoding="utf-8"?>
+<file path=ppt/slideLayouts/slideLayout12.xml><?xml version="1.0" encoding="utf-8"?>
 <p:sldLayout xmlns:a="http://schemas.openxmlformats.org/drawingml/2006/main" xmlns:r="http://schemas.openxmlformats.org/officeDocument/2006/relationships" xmlns:p="http://schemas.openxmlformats.org/presentationml/2006/main" type="picTx" preserve="1">
   <p:cSld name="含標題的圖片">
     <p:spTree>
@@ -1765,7 +1993,7 @@
               <a:pPr defTabSz="685800">
                 <a:buClrTx/>
               </a:pPr>
-              <a:t>2018/8/27</a:t>
+              <a:t>2018/8/28</a:t>
             </a:fld>
             <a:endParaRPr lang="zh-TW" altLang="en-US" kern="1200">
               <a:solidFill>
@@ -1883,7 +2111,7 @@
 </p:sldLayout>
 </file>
 
-<file path=ppt/slideLayouts/slideLayout12.xml><?xml version="1.0" encoding="utf-8"?>
+<file path=ppt/slideLayouts/slideLayout13.xml><?xml version="1.0" encoding="utf-8"?>
 <p:sldLayout xmlns:a="http://schemas.openxmlformats.org/drawingml/2006/main" xmlns:r="http://schemas.openxmlformats.org/officeDocument/2006/relationships" xmlns:p="http://schemas.openxmlformats.org/presentationml/2006/main" type="vertTx" preserve="1">
   <p:cSld name="標題及直排文字">
     <p:spTree>
@@ -2023,7 +2251,7 @@
               <a:pPr defTabSz="685800">
                 <a:buClrTx/>
               </a:pPr>
-              <a:t>2018/8/27</a:t>
+              <a:t>2018/8/28</a:t>
             </a:fld>
             <a:endParaRPr lang="zh-TW" altLang="en-US" kern="1200">
               <a:solidFill>
@@ -2141,7 +2369,7 @@
 </p:sldLayout>
 </file>
 
-<file path=ppt/slideLayouts/slideLayout13.xml><?xml version="1.0" encoding="utf-8"?>
+<file path=ppt/slideLayouts/slideLayout14.xml><?xml version="1.0" encoding="utf-8"?>
 <p:sldLayout xmlns:a="http://schemas.openxmlformats.org/drawingml/2006/main" xmlns:r="http://schemas.openxmlformats.org/officeDocument/2006/relationships" xmlns:p="http://schemas.openxmlformats.org/presentationml/2006/main" type="vertTitleAndTx" preserve="1">
   <p:cSld name="直排標題及文字">
     <p:spTree>
@@ -2291,7 +2519,7 @@
               <a:pPr defTabSz="685800">
                 <a:buClrTx/>
               </a:pPr>
-              <a:t>2018/8/27</a:t>
+              <a:t>2018/8/28</a:t>
             </a:fld>
             <a:endParaRPr lang="zh-TW" altLang="en-US" kern="1200">
               <a:solidFill>
@@ -2409,7 +2637,7 @@
 </p:sldLayout>
 </file>
 
-<file path=ppt/slideLayouts/slideLayout14.xml><?xml version="1.0" encoding="utf-8"?>
+<file path=ppt/slideLayouts/slideLayout15.xml><?xml version="1.0" encoding="utf-8"?>
 <p:sldLayout xmlns:a="http://schemas.openxmlformats.org/drawingml/2006/main" xmlns:r="http://schemas.openxmlformats.org/officeDocument/2006/relationships" xmlns:p="http://schemas.openxmlformats.org/presentationml/2006/main" type="title" preserve="1">
   <p:cSld name="標題投影片">
     <p:spTree>
@@ -2571,7 +2799,7 @@
               <a:pPr defTabSz="685800">
                 <a:buClrTx/>
               </a:pPr>
-              <a:t>2018/8/27</a:t>
+              <a:t>2018/8/28</a:t>
             </a:fld>
             <a:endParaRPr lang="zh-TW" altLang="en-US" kern="1200">
               <a:solidFill>
@@ -2696,7 +2924,7 @@
 </p:sldLayout>
 </file>
 
-<file path=ppt/slideLayouts/slideLayout15.xml><?xml version="1.0" encoding="utf-8"?>
+<file path=ppt/slideLayouts/slideLayout16.xml><?xml version="1.0" encoding="utf-8"?>
 <p:sldLayout xmlns:a="http://schemas.openxmlformats.org/drawingml/2006/main" xmlns:r="http://schemas.openxmlformats.org/officeDocument/2006/relationships" xmlns:p="http://schemas.openxmlformats.org/presentationml/2006/main" type="obj" preserve="1">
   <p:cSld name="標題及內容">
     <p:spTree>
@@ -2836,7 +3064,7 @@
               <a:pPr defTabSz="685800">
                 <a:buClrTx/>
               </a:pPr>
-              <a:t>2018/8/27</a:t>
+              <a:t>2018/8/28</a:t>
             </a:fld>
             <a:endParaRPr lang="zh-TW" altLang="en-US" kern="1200">
               <a:solidFill>
@@ -2954,7 +3182,7 @@
 </p:sldLayout>
 </file>
 
-<file path=ppt/slideLayouts/slideLayout16.xml><?xml version="1.0" encoding="utf-8"?>
+<file path=ppt/slideLayouts/slideLayout17.xml><?xml version="1.0" encoding="utf-8"?>
 <p:sldLayout xmlns:a="http://schemas.openxmlformats.org/drawingml/2006/main" xmlns:r="http://schemas.openxmlformats.org/officeDocument/2006/relationships" xmlns:p="http://schemas.openxmlformats.org/presentationml/2006/main" type="secHead" preserve="1">
   <p:cSld name="章節標題">
     <p:spTree>
@@ -3171,7 +3399,7 @@
               <a:pPr defTabSz="685800">
                 <a:buClrTx/>
               </a:pPr>
-              <a:t>2018/8/27</a:t>
+              <a:t>2018/8/28</a:t>
             </a:fld>
             <a:endParaRPr lang="zh-TW" altLang="en-US" kern="1200">
               <a:solidFill>
@@ -3289,7 +3517,7 @@
 </p:sldLayout>
 </file>
 
-<file path=ppt/slideLayouts/slideLayout17.xml><?xml version="1.0" encoding="utf-8"?>
+<file path=ppt/slideLayouts/slideLayout18.xml><?xml version="1.0" encoding="utf-8"?>
 <p:sldLayout xmlns:a="http://schemas.openxmlformats.org/drawingml/2006/main" xmlns:r="http://schemas.openxmlformats.org/officeDocument/2006/relationships" xmlns:p="http://schemas.openxmlformats.org/presentationml/2006/main" type="twoObj" preserve="1">
   <p:cSld name="兩個內容">
     <p:spTree>
@@ -3496,7 +3724,7 @@
               <a:pPr defTabSz="685800">
                 <a:buClrTx/>
               </a:pPr>
-              <a:t>2018/8/27</a:t>
+              <a:t>2018/8/28</a:t>
             </a:fld>
             <a:endParaRPr lang="zh-TW" altLang="en-US" kern="1200">
               <a:solidFill>
@@ -3614,7 +3842,7 @@
 </p:sldLayout>
 </file>
 
-<file path=ppt/slideLayouts/slideLayout18.xml><?xml version="1.0" encoding="utf-8"?>
+<file path=ppt/slideLayouts/slideLayout19.xml><?xml version="1.0" encoding="utf-8"?>
 <p:sldLayout xmlns:a="http://schemas.openxmlformats.org/drawingml/2006/main" xmlns:r="http://schemas.openxmlformats.org/officeDocument/2006/relationships" xmlns:p="http://schemas.openxmlformats.org/presentationml/2006/main" type="twoTxTwoObj" preserve="1">
   <p:cSld name="比對">
     <p:spTree>
@@ -3968,7 +4196,7 @@
               <a:pPr defTabSz="685800">
                 <a:buClrTx/>
               </a:pPr>
-              <a:t>2018/8/27</a:t>
+              <a:t>2018/8/28</a:t>
             </a:fld>
             <a:endParaRPr lang="zh-TW" altLang="en-US" kern="1200">
               <a:solidFill>
@@ -4086,7 +4314,554 @@
 </p:sldLayout>
 </file>
 
-<file path=ppt/slideLayouts/slideLayout19.xml><?xml version="1.0" encoding="utf-8"?>
+<file path=ppt/slideLayouts/slideLayout2.xml><?xml version="1.0" encoding="utf-8"?>
+<p:sldLayout xmlns:a="http://schemas.openxmlformats.org/drawingml/2006/main" xmlns:r="http://schemas.openxmlformats.org/officeDocument/2006/relationships" xmlns:p="http://schemas.openxmlformats.org/presentationml/2006/main" matchingName="Title and two columns" type="twoColTx">
+  <p:cSld name="TITLE_AND_TWO_COLUMNS">
+    <p:spTree>
+      <p:nvGrpSpPr>
+        <p:cNvPr id="1" name="Shape 66"/>
+        <p:cNvGrpSpPr/>
+        <p:nvPr/>
+      </p:nvGrpSpPr>
+      <p:grpSpPr>
+        <a:xfrm>
+          <a:off x="0" y="0"/>
+          <a:ext cx="0" cy="0"/>
+          <a:chOff x="0" y="0"/>
+          <a:chExt cx="0" cy="0"/>
+        </a:xfrm>
+      </p:grpSpPr>
+      <p:sp>
+        <p:nvSpPr>
+          <p:cNvPr id="67" name="Shape 67"/>
+          <p:cNvSpPr txBox="1">
+            <a:spLocks noGrp="1"/>
+          </p:cNvSpPr>
+          <p:nvPr>
+            <p:ph type="title"/>
+          </p:nvPr>
+        </p:nvSpPr>
+        <p:spPr>
+          <a:xfrm>
+            <a:off x="457200" y="205978"/>
+            <a:ext cx="8229600" cy="857400"/>
+          </a:xfrm>
+          <a:prstGeom prst="rect">
+            <a:avLst/>
+          </a:prstGeom>
+        </p:spPr>
+        <p:txBody>
+          <a:bodyPr spcFirstLastPara="1" wrap="square" lIns="91425" tIns="91425" rIns="91425" bIns="91425" anchor="b" anchorCtr="0"/>
+          <a:lstStyle>
+            <a:lvl1pPr lvl="0" rtl="0">
+              <a:spcBef>
+                <a:spcPts val="0"/>
+              </a:spcBef>
+              <a:spcAft>
+                <a:spcPts val="0"/>
+              </a:spcAft>
+              <a:buSzPts val="3600"/>
+              <a:buNone/>
+              <a:defRPr>
+                <a:solidFill>
+                  <a:srgbClr val="DA0002"/>
+                </a:solidFill>
+              </a:defRPr>
+            </a:lvl1pPr>
+            <a:lvl2pPr lvl="1" rtl="0">
+              <a:spcBef>
+                <a:spcPts val="0"/>
+              </a:spcBef>
+              <a:spcAft>
+                <a:spcPts val="0"/>
+              </a:spcAft>
+              <a:buSzPts val="3600"/>
+              <a:buNone/>
+              <a:defRPr>
+                <a:solidFill>
+                  <a:srgbClr val="DA0002"/>
+                </a:solidFill>
+              </a:defRPr>
+            </a:lvl2pPr>
+            <a:lvl3pPr lvl="2" rtl="0">
+              <a:spcBef>
+                <a:spcPts val="0"/>
+              </a:spcBef>
+              <a:spcAft>
+                <a:spcPts val="0"/>
+              </a:spcAft>
+              <a:buSzPts val="3600"/>
+              <a:buNone/>
+              <a:defRPr>
+                <a:solidFill>
+                  <a:srgbClr val="DA0002"/>
+                </a:solidFill>
+              </a:defRPr>
+            </a:lvl3pPr>
+            <a:lvl4pPr lvl="3" rtl="0">
+              <a:spcBef>
+                <a:spcPts val="0"/>
+              </a:spcBef>
+              <a:spcAft>
+                <a:spcPts val="0"/>
+              </a:spcAft>
+              <a:buSzPts val="3600"/>
+              <a:buNone/>
+              <a:defRPr>
+                <a:solidFill>
+                  <a:srgbClr val="DA0002"/>
+                </a:solidFill>
+              </a:defRPr>
+            </a:lvl4pPr>
+            <a:lvl5pPr lvl="4" rtl="0">
+              <a:spcBef>
+                <a:spcPts val="0"/>
+              </a:spcBef>
+              <a:spcAft>
+                <a:spcPts val="0"/>
+              </a:spcAft>
+              <a:buSzPts val="3600"/>
+              <a:buNone/>
+              <a:defRPr>
+                <a:solidFill>
+                  <a:srgbClr val="DA0002"/>
+                </a:solidFill>
+              </a:defRPr>
+            </a:lvl5pPr>
+            <a:lvl6pPr lvl="5" rtl="0">
+              <a:spcBef>
+                <a:spcPts val="0"/>
+              </a:spcBef>
+              <a:spcAft>
+                <a:spcPts val="0"/>
+              </a:spcAft>
+              <a:buSzPts val="3600"/>
+              <a:buNone/>
+              <a:defRPr>
+                <a:solidFill>
+                  <a:srgbClr val="DA0002"/>
+                </a:solidFill>
+              </a:defRPr>
+            </a:lvl6pPr>
+            <a:lvl7pPr lvl="6" rtl="0">
+              <a:spcBef>
+                <a:spcPts val="0"/>
+              </a:spcBef>
+              <a:spcAft>
+                <a:spcPts val="0"/>
+              </a:spcAft>
+              <a:buSzPts val="3600"/>
+              <a:buNone/>
+              <a:defRPr>
+                <a:solidFill>
+                  <a:srgbClr val="DA0002"/>
+                </a:solidFill>
+              </a:defRPr>
+            </a:lvl7pPr>
+            <a:lvl8pPr lvl="7" rtl="0">
+              <a:spcBef>
+                <a:spcPts val="0"/>
+              </a:spcBef>
+              <a:spcAft>
+                <a:spcPts val="0"/>
+              </a:spcAft>
+              <a:buSzPts val="3600"/>
+              <a:buNone/>
+              <a:defRPr>
+                <a:solidFill>
+                  <a:srgbClr val="DA0002"/>
+                </a:solidFill>
+              </a:defRPr>
+            </a:lvl8pPr>
+            <a:lvl9pPr lvl="8" rtl="0">
+              <a:spcBef>
+                <a:spcPts val="0"/>
+              </a:spcBef>
+              <a:spcAft>
+                <a:spcPts val="0"/>
+              </a:spcAft>
+              <a:buSzPts val="3600"/>
+              <a:buNone/>
+              <a:defRPr>
+                <a:solidFill>
+                  <a:srgbClr val="DA0002"/>
+                </a:solidFill>
+              </a:defRPr>
+            </a:lvl9pPr>
+          </a:lstStyle>
+          <a:p>
+            <a:endParaRPr/>
+          </a:p>
+        </p:txBody>
+      </p:sp>
+      <p:sp>
+        <p:nvSpPr>
+          <p:cNvPr id="68" name="Shape 68"/>
+          <p:cNvSpPr txBox="1">
+            <a:spLocks noGrp="1"/>
+          </p:cNvSpPr>
+          <p:nvPr>
+            <p:ph type="body" idx="1"/>
+          </p:nvPr>
+        </p:nvSpPr>
+        <p:spPr>
+          <a:xfrm>
+            <a:off x="457200" y="1200150"/>
+            <a:ext cx="3994500" cy="3725700"/>
+          </a:xfrm>
+          <a:prstGeom prst="rect">
+            <a:avLst/>
+          </a:prstGeom>
+        </p:spPr>
+        <p:txBody>
+          <a:bodyPr spcFirstLastPara="1" wrap="square" lIns="91425" tIns="91425" rIns="91425" bIns="91425" anchor="t" anchorCtr="0"/>
+          <a:lstStyle>
+            <a:lvl1pPr marL="457200" lvl="0" indent="-419100" rtl="0">
+              <a:spcBef>
+                <a:spcPts val="600"/>
+              </a:spcBef>
+              <a:spcAft>
+                <a:spcPts val="0"/>
+              </a:spcAft>
+              <a:buSzPts val="3000"/>
+              <a:buChar char="●"/>
+              <a:defRPr/>
+            </a:lvl1pPr>
+            <a:lvl2pPr marL="914400" lvl="1" indent="-381000" rtl="0">
+              <a:spcBef>
+                <a:spcPts val="0"/>
+              </a:spcBef>
+              <a:spcAft>
+                <a:spcPts val="0"/>
+              </a:spcAft>
+              <a:buSzPts val="2400"/>
+              <a:buChar char="○"/>
+              <a:defRPr/>
+            </a:lvl2pPr>
+            <a:lvl3pPr marL="1371600" lvl="2" indent="-381000" rtl="0">
+              <a:spcBef>
+                <a:spcPts val="0"/>
+              </a:spcBef>
+              <a:spcAft>
+                <a:spcPts val="0"/>
+              </a:spcAft>
+              <a:buSzPts val="2400"/>
+              <a:buChar char="■"/>
+              <a:defRPr/>
+            </a:lvl3pPr>
+            <a:lvl4pPr marL="1828800" lvl="3" indent="-342900" rtl="0">
+              <a:spcBef>
+                <a:spcPts val="0"/>
+              </a:spcBef>
+              <a:spcAft>
+                <a:spcPts val="0"/>
+              </a:spcAft>
+              <a:buSzPts val="1800"/>
+              <a:buChar char="●"/>
+              <a:defRPr/>
+            </a:lvl4pPr>
+            <a:lvl5pPr marL="2286000" lvl="4" indent="-342900" rtl="0">
+              <a:spcBef>
+                <a:spcPts val="0"/>
+              </a:spcBef>
+              <a:spcAft>
+                <a:spcPts val="0"/>
+              </a:spcAft>
+              <a:buSzPts val="1800"/>
+              <a:buChar char="○"/>
+              <a:defRPr/>
+            </a:lvl5pPr>
+            <a:lvl6pPr marL="2743200" lvl="5" indent="-342900" rtl="0">
+              <a:spcBef>
+                <a:spcPts val="0"/>
+              </a:spcBef>
+              <a:spcAft>
+                <a:spcPts val="0"/>
+              </a:spcAft>
+              <a:buSzPts val="1800"/>
+              <a:buChar char="■"/>
+              <a:defRPr/>
+            </a:lvl6pPr>
+            <a:lvl7pPr marL="3200400" lvl="6" indent="-342900" rtl="0">
+              <a:spcBef>
+                <a:spcPts val="0"/>
+              </a:spcBef>
+              <a:spcAft>
+                <a:spcPts val="0"/>
+              </a:spcAft>
+              <a:buSzPts val="1800"/>
+              <a:buChar char="●"/>
+              <a:defRPr/>
+            </a:lvl7pPr>
+            <a:lvl8pPr marL="3657600" lvl="7" indent="-342900" rtl="0">
+              <a:spcBef>
+                <a:spcPts val="0"/>
+              </a:spcBef>
+              <a:spcAft>
+                <a:spcPts val="0"/>
+              </a:spcAft>
+              <a:buSzPts val="1800"/>
+              <a:buChar char="○"/>
+              <a:defRPr/>
+            </a:lvl8pPr>
+            <a:lvl9pPr marL="4114800" lvl="8" indent="-342900" rtl="0">
+              <a:spcBef>
+                <a:spcPts val="0"/>
+              </a:spcBef>
+              <a:spcAft>
+                <a:spcPts val="0"/>
+              </a:spcAft>
+              <a:buSzPts val="1800"/>
+              <a:buChar char="■"/>
+              <a:defRPr/>
+            </a:lvl9pPr>
+          </a:lstStyle>
+          <a:p>
+            <a:endParaRPr/>
+          </a:p>
+        </p:txBody>
+      </p:sp>
+      <p:sp>
+        <p:nvSpPr>
+          <p:cNvPr id="69" name="Shape 69"/>
+          <p:cNvSpPr txBox="1">
+            <a:spLocks noGrp="1"/>
+          </p:cNvSpPr>
+          <p:nvPr>
+            <p:ph type="body" idx="2"/>
+          </p:nvPr>
+        </p:nvSpPr>
+        <p:spPr>
+          <a:xfrm>
+            <a:off x="4692274" y="1200150"/>
+            <a:ext cx="3994500" cy="3725700"/>
+          </a:xfrm>
+          <a:prstGeom prst="rect">
+            <a:avLst/>
+          </a:prstGeom>
+        </p:spPr>
+        <p:txBody>
+          <a:bodyPr spcFirstLastPara="1" wrap="square" lIns="91425" tIns="91425" rIns="91425" bIns="91425" anchor="t" anchorCtr="0"/>
+          <a:lstStyle>
+            <a:lvl1pPr marL="457200" lvl="0" indent="-419100" rtl="0">
+              <a:spcBef>
+                <a:spcPts val="600"/>
+              </a:spcBef>
+              <a:spcAft>
+                <a:spcPts val="0"/>
+              </a:spcAft>
+              <a:buSzPts val="3000"/>
+              <a:buChar char="●"/>
+              <a:defRPr/>
+            </a:lvl1pPr>
+            <a:lvl2pPr marL="914400" lvl="1" indent="-381000" rtl="0">
+              <a:spcBef>
+                <a:spcPts val="0"/>
+              </a:spcBef>
+              <a:spcAft>
+                <a:spcPts val="0"/>
+              </a:spcAft>
+              <a:buSzPts val="2400"/>
+              <a:buChar char="○"/>
+              <a:defRPr/>
+            </a:lvl2pPr>
+            <a:lvl3pPr marL="1371600" lvl="2" indent="-381000" rtl="0">
+              <a:spcBef>
+                <a:spcPts val="0"/>
+              </a:spcBef>
+              <a:spcAft>
+                <a:spcPts val="0"/>
+              </a:spcAft>
+              <a:buSzPts val="2400"/>
+              <a:buChar char="■"/>
+              <a:defRPr/>
+            </a:lvl3pPr>
+            <a:lvl4pPr marL="1828800" lvl="3" indent="-342900" rtl="0">
+              <a:spcBef>
+                <a:spcPts val="0"/>
+              </a:spcBef>
+              <a:spcAft>
+                <a:spcPts val="0"/>
+              </a:spcAft>
+              <a:buSzPts val="1800"/>
+              <a:buChar char="●"/>
+              <a:defRPr/>
+            </a:lvl4pPr>
+            <a:lvl5pPr marL="2286000" lvl="4" indent="-342900" rtl="0">
+              <a:spcBef>
+                <a:spcPts val="0"/>
+              </a:spcBef>
+              <a:spcAft>
+                <a:spcPts val="0"/>
+              </a:spcAft>
+              <a:buSzPts val="1800"/>
+              <a:buChar char="○"/>
+              <a:defRPr/>
+            </a:lvl5pPr>
+            <a:lvl6pPr marL="2743200" lvl="5" indent="-342900" rtl="0">
+              <a:spcBef>
+                <a:spcPts val="0"/>
+              </a:spcBef>
+              <a:spcAft>
+                <a:spcPts val="0"/>
+              </a:spcAft>
+              <a:buSzPts val="1800"/>
+              <a:buChar char="■"/>
+              <a:defRPr/>
+            </a:lvl6pPr>
+            <a:lvl7pPr marL="3200400" lvl="6" indent="-342900" rtl="0">
+              <a:spcBef>
+                <a:spcPts val="0"/>
+              </a:spcBef>
+              <a:spcAft>
+                <a:spcPts val="0"/>
+              </a:spcAft>
+              <a:buSzPts val="1800"/>
+              <a:buChar char="●"/>
+              <a:defRPr/>
+            </a:lvl7pPr>
+            <a:lvl8pPr marL="3657600" lvl="7" indent="-342900" rtl="0">
+              <a:spcBef>
+                <a:spcPts val="0"/>
+              </a:spcBef>
+              <a:spcAft>
+                <a:spcPts val="0"/>
+              </a:spcAft>
+              <a:buSzPts val="1800"/>
+              <a:buChar char="○"/>
+              <a:defRPr/>
+            </a:lvl8pPr>
+            <a:lvl9pPr marL="4114800" lvl="8" indent="-342900" rtl="0">
+              <a:spcBef>
+                <a:spcPts val="0"/>
+              </a:spcBef>
+              <a:spcAft>
+                <a:spcPts val="0"/>
+              </a:spcAft>
+              <a:buSzPts val="1800"/>
+              <a:buChar char="■"/>
+              <a:defRPr/>
+            </a:lvl9pPr>
+          </a:lstStyle>
+          <a:p>
+            <a:endParaRPr/>
+          </a:p>
+        </p:txBody>
+      </p:sp>
+      <p:cxnSp>
+        <p:nvCxnSpPr>
+          <p:cNvPr id="70" name="Shape 70"/>
+          <p:cNvCxnSpPr/>
+          <p:nvPr/>
+        </p:nvCxnSpPr>
+        <p:spPr>
+          <a:xfrm>
+            <a:off x="457200" y="1143000"/>
+            <a:ext cx="8229600" cy="0"/>
+          </a:xfrm>
+          <a:prstGeom prst="straightConnector1">
+            <a:avLst/>
+          </a:prstGeom>
+          <a:noFill/>
+          <a:ln w="50800" cap="flat" cmpd="sng">
+            <a:solidFill>
+              <a:srgbClr val="DA0002"/>
+            </a:solidFill>
+            <a:prstDash val="solid"/>
+            <a:round/>
+            <a:headEnd type="none" w="sm" len="sm"/>
+            <a:tailEnd type="none" w="sm" len="sm"/>
+          </a:ln>
+        </p:spPr>
+      </p:cxnSp>
+      <p:sp>
+        <p:nvSpPr>
+          <p:cNvPr id="71" name="Shape 71"/>
+          <p:cNvSpPr txBox="1">
+            <a:spLocks noGrp="1"/>
+          </p:cNvSpPr>
+          <p:nvPr>
+            <p:ph type="sldNum" idx="12"/>
+          </p:nvPr>
+        </p:nvSpPr>
+        <p:spPr>
+          <a:xfrm>
+            <a:off x="8556791" y="4749851"/>
+            <a:ext cx="548700" cy="393600"/>
+          </a:xfrm>
+          <a:prstGeom prst="rect">
+            <a:avLst/>
+          </a:prstGeom>
+        </p:spPr>
+        <p:txBody>
+          <a:bodyPr spcFirstLastPara="1" wrap="square" lIns="91425" tIns="91425" rIns="91425" bIns="91425" anchor="ctr" anchorCtr="0">
+            <a:noAutofit/>
+          </a:bodyPr>
+          <a:lstStyle>
+            <a:lvl1pPr lvl="0" rtl="0">
+              <a:buNone/>
+              <a:defRPr/>
+            </a:lvl1pPr>
+            <a:lvl2pPr lvl="1" rtl="0">
+              <a:buNone/>
+              <a:defRPr/>
+            </a:lvl2pPr>
+            <a:lvl3pPr lvl="2" rtl="0">
+              <a:buNone/>
+              <a:defRPr/>
+            </a:lvl3pPr>
+            <a:lvl4pPr lvl="3" rtl="0">
+              <a:buNone/>
+              <a:defRPr/>
+            </a:lvl4pPr>
+            <a:lvl5pPr lvl="4" rtl="0">
+              <a:buNone/>
+              <a:defRPr/>
+            </a:lvl5pPr>
+            <a:lvl6pPr lvl="5" rtl="0">
+              <a:buNone/>
+              <a:defRPr/>
+            </a:lvl6pPr>
+            <a:lvl7pPr lvl="6" rtl="0">
+              <a:buNone/>
+              <a:defRPr/>
+            </a:lvl7pPr>
+            <a:lvl8pPr lvl="7" rtl="0">
+              <a:buNone/>
+              <a:defRPr/>
+            </a:lvl8pPr>
+            <a:lvl9pPr lvl="8" rtl="0">
+              <a:buNone/>
+              <a:defRPr/>
+            </a:lvl9pPr>
+          </a:lstStyle>
+          <a:p>
+            <a:pPr marL="0" lvl="0" indent="0">
+              <a:spcBef>
+                <a:spcPts val="0"/>
+              </a:spcBef>
+              <a:spcAft>
+                <a:spcPts val="0"/>
+              </a:spcAft>
+              <a:buNone/>
+            </a:pPr>
+            <a:fld id="{00000000-1234-1234-1234-123412341234}" type="slidenum">
+              <a:rPr lang="en"/>
+              <a:t>‹#›</a:t>
+            </a:fld>
+            <a:endParaRPr/>
+          </a:p>
+        </p:txBody>
+      </p:sp>
+    </p:spTree>
+  </p:cSld>
+  <p:clrMapOvr>
+    <a:masterClrMapping/>
+  </p:clrMapOvr>
+</p:sldLayout>
+</file>
+
+<file path=ppt/slideLayouts/slideLayout20.xml><?xml version="1.0" encoding="utf-8"?>
 <p:sldLayout xmlns:a="http://schemas.openxmlformats.org/drawingml/2006/main" xmlns:r="http://schemas.openxmlformats.org/officeDocument/2006/relationships" xmlns:p="http://schemas.openxmlformats.org/presentationml/2006/main" type="titleOnly" preserve="1">
   <p:cSld name="只有標題">
     <p:spTree>
@@ -4169,7 +4944,7 @@
               <a:pPr defTabSz="685800">
                 <a:buClrTx/>
               </a:pPr>
-              <a:t>2018/8/27</a:t>
+              <a:t>2018/8/28</a:t>
             </a:fld>
             <a:endParaRPr lang="zh-TW" altLang="en-US" kern="1200">
               <a:solidFill>
@@ -4287,554 +5062,7 @@
 </p:sldLayout>
 </file>
 
-<file path=ppt/slideLayouts/slideLayout2.xml><?xml version="1.0" encoding="utf-8"?>
-<p:sldLayout xmlns:a="http://schemas.openxmlformats.org/drawingml/2006/main" xmlns:r="http://schemas.openxmlformats.org/officeDocument/2006/relationships" xmlns:p="http://schemas.openxmlformats.org/presentationml/2006/main" matchingName="Title and two columns" type="twoColTx">
-  <p:cSld name="TITLE_AND_TWO_COLUMNS">
-    <p:spTree>
-      <p:nvGrpSpPr>
-        <p:cNvPr id="1" name="Shape 66"/>
-        <p:cNvGrpSpPr/>
-        <p:nvPr/>
-      </p:nvGrpSpPr>
-      <p:grpSpPr>
-        <a:xfrm>
-          <a:off x="0" y="0"/>
-          <a:ext cx="0" cy="0"/>
-          <a:chOff x="0" y="0"/>
-          <a:chExt cx="0" cy="0"/>
-        </a:xfrm>
-      </p:grpSpPr>
-      <p:sp>
-        <p:nvSpPr>
-          <p:cNvPr id="67" name="Shape 67"/>
-          <p:cNvSpPr txBox="1">
-            <a:spLocks noGrp="1"/>
-          </p:cNvSpPr>
-          <p:nvPr>
-            <p:ph type="title"/>
-          </p:nvPr>
-        </p:nvSpPr>
-        <p:spPr>
-          <a:xfrm>
-            <a:off x="457200" y="205978"/>
-            <a:ext cx="8229600" cy="857400"/>
-          </a:xfrm>
-          <a:prstGeom prst="rect">
-            <a:avLst/>
-          </a:prstGeom>
-        </p:spPr>
-        <p:txBody>
-          <a:bodyPr spcFirstLastPara="1" wrap="square" lIns="91425" tIns="91425" rIns="91425" bIns="91425" anchor="b" anchorCtr="0"/>
-          <a:lstStyle>
-            <a:lvl1pPr lvl="0" rtl="0">
-              <a:spcBef>
-                <a:spcPts val="0"/>
-              </a:spcBef>
-              <a:spcAft>
-                <a:spcPts val="0"/>
-              </a:spcAft>
-              <a:buSzPts val="3600"/>
-              <a:buNone/>
-              <a:defRPr>
-                <a:solidFill>
-                  <a:srgbClr val="DA0002"/>
-                </a:solidFill>
-              </a:defRPr>
-            </a:lvl1pPr>
-            <a:lvl2pPr lvl="1" rtl="0">
-              <a:spcBef>
-                <a:spcPts val="0"/>
-              </a:spcBef>
-              <a:spcAft>
-                <a:spcPts val="0"/>
-              </a:spcAft>
-              <a:buSzPts val="3600"/>
-              <a:buNone/>
-              <a:defRPr>
-                <a:solidFill>
-                  <a:srgbClr val="DA0002"/>
-                </a:solidFill>
-              </a:defRPr>
-            </a:lvl2pPr>
-            <a:lvl3pPr lvl="2" rtl="0">
-              <a:spcBef>
-                <a:spcPts val="0"/>
-              </a:spcBef>
-              <a:spcAft>
-                <a:spcPts val="0"/>
-              </a:spcAft>
-              <a:buSzPts val="3600"/>
-              <a:buNone/>
-              <a:defRPr>
-                <a:solidFill>
-                  <a:srgbClr val="DA0002"/>
-                </a:solidFill>
-              </a:defRPr>
-            </a:lvl3pPr>
-            <a:lvl4pPr lvl="3" rtl="0">
-              <a:spcBef>
-                <a:spcPts val="0"/>
-              </a:spcBef>
-              <a:spcAft>
-                <a:spcPts val="0"/>
-              </a:spcAft>
-              <a:buSzPts val="3600"/>
-              <a:buNone/>
-              <a:defRPr>
-                <a:solidFill>
-                  <a:srgbClr val="DA0002"/>
-                </a:solidFill>
-              </a:defRPr>
-            </a:lvl4pPr>
-            <a:lvl5pPr lvl="4" rtl="0">
-              <a:spcBef>
-                <a:spcPts val="0"/>
-              </a:spcBef>
-              <a:spcAft>
-                <a:spcPts val="0"/>
-              </a:spcAft>
-              <a:buSzPts val="3600"/>
-              <a:buNone/>
-              <a:defRPr>
-                <a:solidFill>
-                  <a:srgbClr val="DA0002"/>
-                </a:solidFill>
-              </a:defRPr>
-            </a:lvl5pPr>
-            <a:lvl6pPr lvl="5" rtl="0">
-              <a:spcBef>
-                <a:spcPts val="0"/>
-              </a:spcBef>
-              <a:spcAft>
-                <a:spcPts val="0"/>
-              </a:spcAft>
-              <a:buSzPts val="3600"/>
-              <a:buNone/>
-              <a:defRPr>
-                <a:solidFill>
-                  <a:srgbClr val="DA0002"/>
-                </a:solidFill>
-              </a:defRPr>
-            </a:lvl6pPr>
-            <a:lvl7pPr lvl="6" rtl="0">
-              <a:spcBef>
-                <a:spcPts val="0"/>
-              </a:spcBef>
-              <a:spcAft>
-                <a:spcPts val="0"/>
-              </a:spcAft>
-              <a:buSzPts val="3600"/>
-              <a:buNone/>
-              <a:defRPr>
-                <a:solidFill>
-                  <a:srgbClr val="DA0002"/>
-                </a:solidFill>
-              </a:defRPr>
-            </a:lvl7pPr>
-            <a:lvl8pPr lvl="7" rtl="0">
-              <a:spcBef>
-                <a:spcPts val="0"/>
-              </a:spcBef>
-              <a:spcAft>
-                <a:spcPts val="0"/>
-              </a:spcAft>
-              <a:buSzPts val="3600"/>
-              <a:buNone/>
-              <a:defRPr>
-                <a:solidFill>
-                  <a:srgbClr val="DA0002"/>
-                </a:solidFill>
-              </a:defRPr>
-            </a:lvl8pPr>
-            <a:lvl9pPr lvl="8" rtl="0">
-              <a:spcBef>
-                <a:spcPts val="0"/>
-              </a:spcBef>
-              <a:spcAft>
-                <a:spcPts val="0"/>
-              </a:spcAft>
-              <a:buSzPts val="3600"/>
-              <a:buNone/>
-              <a:defRPr>
-                <a:solidFill>
-                  <a:srgbClr val="DA0002"/>
-                </a:solidFill>
-              </a:defRPr>
-            </a:lvl9pPr>
-          </a:lstStyle>
-          <a:p>
-            <a:endParaRPr/>
-          </a:p>
-        </p:txBody>
-      </p:sp>
-      <p:sp>
-        <p:nvSpPr>
-          <p:cNvPr id="68" name="Shape 68"/>
-          <p:cNvSpPr txBox="1">
-            <a:spLocks noGrp="1"/>
-          </p:cNvSpPr>
-          <p:nvPr>
-            <p:ph type="body" idx="1"/>
-          </p:nvPr>
-        </p:nvSpPr>
-        <p:spPr>
-          <a:xfrm>
-            <a:off x="457200" y="1200150"/>
-            <a:ext cx="3994500" cy="3725700"/>
-          </a:xfrm>
-          <a:prstGeom prst="rect">
-            <a:avLst/>
-          </a:prstGeom>
-        </p:spPr>
-        <p:txBody>
-          <a:bodyPr spcFirstLastPara="1" wrap="square" lIns="91425" tIns="91425" rIns="91425" bIns="91425" anchor="t" anchorCtr="0"/>
-          <a:lstStyle>
-            <a:lvl1pPr marL="457200" lvl="0" indent="-419100" rtl="0">
-              <a:spcBef>
-                <a:spcPts val="600"/>
-              </a:spcBef>
-              <a:spcAft>
-                <a:spcPts val="0"/>
-              </a:spcAft>
-              <a:buSzPts val="3000"/>
-              <a:buChar char="●"/>
-              <a:defRPr/>
-            </a:lvl1pPr>
-            <a:lvl2pPr marL="914400" lvl="1" indent="-381000" rtl="0">
-              <a:spcBef>
-                <a:spcPts val="0"/>
-              </a:spcBef>
-              <a:spcAft>
-                <a:spcPts val="0"/>
-              </a:spcAft>
-              <a:buSzPts val="2400"/>
-              <a:buChar char="○"/>
-              <a:defRPr/>
-            </a:lvl2pPr>
-            <a:lvl3pPr marL="1371600" lvl="2" indent="-381000" rtl="0">
-              <a:spcBef>
-                <a:spcPts val="0"/>
-              </a:spcBef>
-              <a:spcAft>
-                <a:spcPts val="0"/>
-              </a:spcAft>
-              <a:buSzPts val="2400"/>
-              <a:buChar char="■"/>
-              <a:defRPr/>
-            </a:lvl3pPr>
-            <a:lvl4pPr marL="1828800" lvl="3" indent="-342900" rtl="0">
-              <a:spcBef>
-                <a:spcPts val="0"/>
-              </a:spcBef>
-              <a:spcAft>
-                <a:spcPts val="0"/>
-              </a:spcAft>
-              <a:buSzPts val="1800"/>
-              <a:buChar char="●"/>
-              <a:defRPr/>
-            </a:lvl4pPr>
-            <a:lvl5pPr marL="2286000" lvl="4" indent="-342900" rtl="0">
-              <a:spcBef>
-                <a:spcPts val="0"/>
-              </a:spcBef>
-              <a:spcAft>
-                <a:spcPts val="0"/>
-              </a:spcAft>
-              <a:buSzPts val="1800"/>
-              <a:buChar char="○"/>
-              <a:defRPr/>
-            </a:lvl5pPr>
-            <a:lvl6pPr marL="2743200" lvl="5" indent="-342900" rtl="0">
-              <a:spcBef>
-                <a:spcPts val="0"/>
-              </a:spcBef>
-              <a:spcAft>
-                <a:spcPts val="0"/>
-              </a:spcAft>
-              <a:buSzPts val="1800"/>
-              <a:buChar char="■"/>
-              <a:defRPr/>
-            </a:lvl6pPr>
-            <a:lvl7pPr marL="3200400" lvl="6" indent="-342900" rtl="0">
-              <a:spcBef>
-                <a:spcPts val="0"/>
-              </a:spcBef>
-              <a:spcAft>
-                <a:spcPts val="0"/>
-              </a:spcAft>
-              <a:buSzPts val="1800"/>
-              <a:buChar char="●"/>
-              <a:defRPr/>
-            </a:lvl7pPr>
-            <a:lvl8pPr marL="3657600" lvl="7" indent="-342900" rtl="0">
-              <a:spcBef>
-                <a:spcPts val="0"/>
-              </a:spcBef>
-              <a:spcAft>
-                <a:spcPts val="0"/>
-              </a:spcAft>
-              <a:buSzPts val="1800"/>
-              <a:buChar char="○"/>
-              <a:defRPr/>
-            </a:lvl8pPr>
-            <a:lvl9pPr marL="4114800" lvl="8" indent="-342900" rtl="0">
-              <a:spcBef>
-                <a:spcPts val="0"/>
-              </a:spcBef>
-              <a:spcAft>
-                <a:spcPts val="0"/>
-              </a:spcAft>
-              <a:buSzPts val="1800"/>
-              <a:buChar char="■"/>
-              <a:defRPr/>
-            </a:lvl9pPr>
-          </a:lstStyle>
-          <a:p>
-            <a:endParaRPr/>
-          </a:p>
-        </p:txBody>
-      </p:sp>
-      <p:sp>
-        <p:nvSpPr>
-          <p:cNvPr id="69" name="Shape 69"/>
-          <p:cNvSpPr txBox="1">
-            <a:spLocks noGrp="1"/>
-          </p:cNvSpPr>
-          <p:nvPr>
-            <p:ph type="body" idx="2"/>
-          </p:nvPr>
-        </p:nvSpPr>
-        <p:spPr>
-          <a:xfrm>
-            <a:off x="4692274" y="1200150"/>
-            <a:ext cx="3994500" cy="3725700"/>
-          </a:xfrm>
-          <a:prstGeom prst="rect">
-            <a:avLst/>
-          </a:prstGeom>
-        </p:spPr>
-        <p:txBody>
-          <a:bodyPr spcFirstLastPara="1" wrap="square" lIns="91425" tIns="91425" rIns="91425" bIns="91425" anchor="t" anchorCtr="0"/>
-          <a:lstStyle>
-            <a:lvl1pPr marL="457200" lvl="0" indent="-419100" rtl="0">
-              <a:spcBef>
-                <a:spcPts val="600"/>
-              </a:spcBef>
-              <a:spcAft>
-                <a:spcPts val="0"/>
-              </a:spcAft>
-              <a:buSzPts val="3000"/>
-              <a:buChar char="●"/>
-              <a:defRPr/>
-            </a:lvl1pPr>
-            <a:lvl2pPr marL="914400" lvl="1" indent="-381000" rtl="0">
-              <a:spcBef>
-                <a:spcPts val="0"/>
-              </a:spcBef>
-              <a:spcAft>
-                <a:spcPts val="0"/>
-              </a:spcAft>
-              <a:buSzPts val="2400"/>
-              <a:buChar char="○"/>
-              <a:defRPr/>
-            </a:lvl2pPr>
-            <a:lvl3pPr marL="1371600" lvl="2" indent="-381000" rtl="0">
-              <a:spcBef>
-                <a:spcPts val="0"/>
-              </a:spcBef>
-              <a:spcAft>
-                <a:spcPts val="0"/>
-              </a:spcAft>
-              <a:buSzPts val="2400"/>
-              <a:buChar char="■"/>
-              <a:defRPr/>
-            </a:lvl3pPr>
-            <a:lvl4pPr marL="1828800" lvl="3" indent="-342900" rtl="0">
-              <a:spcBef>
-                <a:spcPts val="0"/>
-              </a:spcBef>
-              <a:spcAft>
-                <a:spcPts val="0"/>
-              </a:spcAft>
-              <a:buSzPts val="1800"/>
-              <a:buChar char="●"/>
-              <a:defRPr/>
-            </a:lvl4pPr>
-            <a:lvl5pPr marL="2286000" lvl="4" indent="-342900" rtl="0">
-              <a:spcBef>
-                <a:spcPts val="0"/>
-              </a:spcBef>
-              <a:spcAft>
-                <a:spcPts val="0"/>
-              </a:spcAft>
-              <a:buSzPts val="1800"/>
-              <a:buChar char="○"/>
-              <a:defRPr/>
-            </a:lvl5pPr>
-            <a:lvl6pPr marL="2743200" lvl="5" indent="-342900" rtl="0">
-              <a:spcBef>
-                <a:spcPts val="0"/>
-              </a:spcBef>
-              <a:spcAft>
-                <a:spcPts val="0"/>
-              </a:spcAft>
-              <a:buSzPts val="1800"/>
-              <a:buChar char="■"/>
-              <a:defRPr/>
-            </a:lvl6pPr>
-            <a:lvl7pPr marL="3200400" lvl="6" indent="-342900" rtl="0">
-              <a:spcBef>
-                <a:spcPts val="0"/>
-              </a:spcBef>
-              <a:spcAft>
-                <a:spcPts val="0"/>
-              </a:spcAft>
-              <a:buSzPts val="1800"/>
-              <a:buChar char="●"/>
-              <a:defRPr/>
-            </a:lvl7pPr>
-            <a:lvl8pPr marL="3657600" lvl="7" indent="-342900" rtl="0">
-              <a:spcBef>
-                <a:spcPts val="0"/>
-              </a:spcBef>
-              <a:spcAft>
-                <a:spcPts val="0"/>
-              </a:spcAft>
-              <a:buSzPts val="1800"/>
-              <a:buChar char="○"/>
-              <a:defRPr/>
-            </a:lvl8pPr>
-            <a:lvl9pPr marL="4114800" lvl="8" indent="-342900" rtl="0">
-              <a:spcBef>
-                <a:spcPts val="0"/>
-              </a:spcBef>
-              <a:spcAft>
-                <a:spcPts val="0"/>
-              </a:spcAft>
-              <a:buSzPts val="1800"/>
-              <a:buChar char="■"/>
-              <a:defRPr/>
-            </a:lvl9pPr>
-          </a:lstStyle>
-          <a:p>
-            <a:endParaRPr/>
-          </a:p>
-        </p:txBody>
-      </p:sp>
-      <p:cxnSp>
-        <p:nvCxnSpPr>
-          <p:cNvPr id="70" name="Shape 70"/>
-          <p:cNvCxnSpPr/>
-          <p:nvPr/>
-        </p:nvCxnSpPr>
-        <p:spPr>
-          <a:xfrm>
-            <a:off x="457200" y="1143000"/>
-            <a:ext cx="8229600" cy="0"/>
-          </a:xfrm>
-          <a:prstGeom prst="straightConnector1">
-            <a:avLst/>
-          </a:prstGeom>
-          <a:noFill/>
-          <a:ln w="50800" cap="flat" cmpd="sng">
-            <a:solidFill>
-              <a:srgbClr val="DA0002"/>
-            </a:solidFill>
-            <a:prstDash val="solid"/>
-            <a:round/>
-            <a:headEnd type="none" w="sm" len="sm"/>
-            <a:tailEnd type="none" w="sm" len="sm"/>
-          </a:ln>
-        </p:spPr>
-      </p:cxnSp>
-      <p:sp>
-        <p:nvSpPr>
-          <p:cNvPr id="71" name="Shape 71"/>
-          <p:cNvSpPr txBox="1">
-            <a:spLocks noGrp="1"/>
-          </p:cNvSpPr>
-          <p:nvPr>
-            <p:ph type="sldNum" idx="12"/>
-          </p:nvPr>
-        </p:nvSpPr>
-        <p:spPr>
-          <a:xfrm>
-            <a:off x="8556791" y="4749851"/>
-            <a:ext cx="548700" cy="393600"/>
-          </a:xfrm>
-          <a:prstGeom prst="rect">
-            <a:avLst/>
-          </a:prstGeom>
-        </p:spPr>
-        <p:txBody>
-          <a:bodyPr spcFirstLastPara="1" wrap="square" lIns="91425" tIns="91425" rIns="91425" bIns="91425" anchor="ctr" anchorCtr="0">
-            <a:noAutofit/>
-          </a:bodyPr>
-          <a:lstStyle>
-            <a:lvl1pPr lvl="0" rtl="0">
-              <a:buNone/>
-              <a:defRPr/>
-            </a:lvl1pPr>
-            <a:lvl2pPr lvl="1" rtl="0">
-              <a:buNone/>
-              <a:defRPr/>
-            </a:lvl2pPr>
-            <a:lvl3pPr lvl="2" rtl="0">
-              <a:buNone/>
-              <a:defRPr/>
-            </a:lvl3pPr>
-            <a:lvl4pPr lvl="3" rtl="0">
-              <a:buNone/>
-              <a:defRPr/>
-            </a:lvl4pPr>
-            <a:lvl5pPr lvl="4" rtl="0">
-              <a:buNone/>
-              <a:defRPr/>
-            </a:lvl5pPr>
-            <a:lvl6pPr lvl="5" rtl="0">
-              <a:buNone/>
-              <a:defRPr/>
-            </a:lvl6pPr>
-            <a:lvl7pPr lvl="6" rtl="0">
-              <a:buNone/>
-              <a:defRPr/>
-            </a:lvl7pPr>
-            <a:lvl8pPr lvl="7" rtl="0">
-              <a:buNone/>
-              <a:defRPr/>
-            </a:lvl8pPr>
-            <a:lvl9pPr lvl="8" rtl="0">
-              <a:buNone/>
-              <a:defRPr/>
-            </a:lvl9pPr>
-          </a:lstStyle>
-          <a:p>
-            <a:pPr marL="0" lvl="0" indent="0">
-              <a:spcBef>
-                <a:spcPts val="0"/>
-              </a:spcBef>
-              <a:spcAft>
-                <a:spcPts val="0"/>
-              </a:spcAft>
-              <a:buNone/>
-            </a:pPr>
-            <a:fld id="{00000000-1234-1234-1234-123412341234}" type="slidenum">
-              <a:rPr lang="en"/>
-              <a:t>‹#›</a:t>
-            </a:fld>
-            <a:endParaRPr/>
-          </a:p>
-        </p:txBody>
-      </p:sp>
-    </p:spTree>
-  </p:cSld>
-  <p:clrMapOvr>
-    <a:masterClrMapping/>
-  </p:clrMapOvr>
-</p:sldLayout>
-</file>
-
-<file path=ppt/slideLayouts/slideLayout20.xml><?xml version="1.0" encoding="utf-8"?>
+<file path=ppt/slideLayouts/slideLayout21.xml><?xml version="1.0" encoding="utf-8"?>
 <p:sldLayout xmlns:a="http://schemas.openxmlformats.org/drawingml/2006/main" xmlns:r="http://schemas.openxmlformats.org/officeDocument/2006/relationships" xmlns:p="http://schemas.openxmlformats.org/presentationml/2006/main" type="blank" preserve="1">
   <p:cSld name="空白">
     <p:spTree>
@@ -4889,7 +5117,7 @@
               <a:pPr defTabSz="685800">
                 <a:buClrTx/>
               </a:pPr>
-              <a:t>2018/8/27</a:t>
+              <a:t>2018/8/28</a:t>
             </a:fld>
             <a:endParaRPr lang="zh-TW" altLang="en-US" kern="1200">
               <a:solidFill>
@@ -5014,7 +5242,7 @@
 </p:sldLayout>
 </file>
 
-<file path=ppt/slideLayouts/slideLayout21.xml><?xml version="1.0" encoding="utf-8"?>
+<file path=ppt/slideLayouts/slideLayout22.xml><?xml version="1.0" encoding="utf-8"?>
 <p:sldLayout xmlns:a="http://schemas.openxmlformats.org/drawingml/2006/main" xmlns:r="http://schemas.openxmlformats.org/officeDocument/2006/relationships" xmlns:p="http://schemas.openxmlformats.org/presentationml/2006/main" type="objTx" preserve="1">
   <p:cSld name="含標題的內容">
     <p:spTree>
@@ -5267,7 +5495,7 @@
               <a:pPr defTabSz="685800">
                 <a:buClrTx/>
               </a:pPr>
-              <a:t>2018/8/27</a:t>
+              <a:t>2018/8/28</a:t>
             </a:fld>
             <a:endParaRPr lang="zh-TW" altLang="en-US" kern="1200">
               <a:solidFill>
@@ -5385,7 +5613,7 @@
 </p:sldLayout>
 </file>
 
-<file path=ppt/slideLayouts/slideLayout22.xml><?xml version="1.0" encoding="utf-8"?>
+<file path=ppt/slideLayouts/slideLayout23.xml><?xml version="1.0" encoding="utf-8"?>
 <p:sldLayout xmlns:a="http://schemas.openxmlformats.org/drawingml/2006/main" xmlns:r="http://schemas.openxmlformats.org/officeDocument/2006/relationships" xmlns:p="http://schemas.openxmlformats.org/presentationml/2006/main" type="picTx" preserve="1">
   <p:cSld name="含標題的圖片">
     <p:spTree>
@@ -5615,7 +5843,7 @@
               <a:pPr defTabSz="685800">
                 <a:buClrTx/>
               </a:pPr>
-              <a:t>2018/8/27</a:t>
+              <a:t>2018/8/28</a:t>
             </a:fld>
             <a:endParaRPr lang="zh-TW" altLang="en-US" kern="1200">
               <a:solidFill>
@@ -5733,7 +5961,7 @@
 </p:sldLayout>
 </file>
 
-<file path=ppt/slideLayouts/slideLayout23.xml><?xml version="1.0" encoding="utf-8"?>
+<file path=ppt/slideLayouts/slideLayout24.xml><?xml version="1.0" encoding="utf-8"?>
 <p:sldLayout xmlns:a="http://schemas.openxmlformats.org/drawingml/2006/main" xmlns:r="http://schemas.openxmlformats.org/officeDocument/2006/relationships" xmlns:p="http://schemas.openxmlformats.org/presentationml/2006/main" type="vertTx" preserve="1">
   <p:cSld name="標題及直排文字">
     <p:spTree>
@@ -5873,7 +6101,7 @@
               <a:pPr defTabSz="685800">
                 <a:buClrTx/>
               </a:pPr>
-              <a:t>2018/8/27</a:t>
+              <a:t>2018/8/28</a:t>
             </a:fld>
             <a:endParaRPr lang="zh-TW" altLang="en-US" kern="1200">
               <a:solidFill>
@@ -5991,7 +6219,7 @@
 </p:sldLayout>
 </file>
 
-<file path=ppt/slideLayouts/slideLayout24.xml><?xml version="1.0" encoding="utf-8"?>
+<file path=ppt/slideLayouts/slideLayout25.xml><?xml version="1.0" encoding="utf-8"?>
 <p:sldLayout xmlns:a="http://schemas.openxmlformats.org/drawingml/2006/main" xmlns:r="http://schemas.openxmlformats.org/officeDocument/2006/relationships" xmlns:p="http://schemas.openxmlformats.org/presentationml/2006/main" type="vertTitleAndTx" preserve="1">
   <p:cSld name="直排標題及文字">
     <p:spTree>
@@ -6141,7 +6369,7 @@
               <a:pPr defTabSz="685800">
                 <a:buClrTx/>
               </a:pPr>
-              <a:t>2018/8/27</a:t>
+              <a:t>2018/8/28</a:t>
             </a:fld>
             <a:endParaRPr lang="zh-TW" altLang="en-US" kern="1200">
               <a:solidFill>
@@ -6259,7 +6487,7 @@
 </p:sldLayout>
 </file>
 
-<file path=ppt/slideLayouts/slideLayout25.xml><?xml version="1.0" encoding="utf-8"?>
+<file path=ppt/slideLayouts/slideLayout26.xml><?xml version="1.0" encoding="utf-8"?>
 <p:sldLayout xmlns:a="http://schemas.openxmlformats.org/drawingml/2006/main" xmlns:r="http://schemas.openxmlformats.org/officeDocument/2006/relationships" xmlns:p="http://schemas.openxmlformats.org/presentationml/2006/main" matchingName="Title slide" type="title">
   <p:cSld name="Title slide">
     <p:spTree>
@@ -6658,7 +6886,7 @@
 </p:sldLayout>
 </file>
 
-<file path=ppt/slideLayouts/slideLayout26.xml><?xml version="1.0" encoding="utf-8"?>
+<file path=ppt/slideLayouts/slideLayout27.xml><?xml version="1.0" encoding="utf-8"?>
 <p:sldLayout xmlns:a="http://schemas.openxmlformats.org/drawingml/2006/main" xmlns:r="http://schemas.openxmlformats.org/officeDocument/2006/relationships" xmlns:p="http://schemas.openxmlformats.org/presentationml/2006/main" matchingName="Title and body" type="tx">
   <p:cSld name="Title and body">
     <p:spTree>
@@ -7138,7 +7366,7 @@
 </p:sldLayout>
 </file>
 
-<file path=ppt/slideLayouts/slideLayout27.xml><?xml version="1.0" encoding="utf-8"?>
+<file path=ppt/slideLayouts/slideLayout28.xml><?xml version="1.0" encoding="utf-8"?>
 <p:sldLayout xmlns:a="http://schemas.openxmlformats.org/drawingml/2006/main" xmlns:r="http://schemas.openxmlformats.org/officeDocument/2006/relationships" xmlns:p="http://schemas.openxmlformats.org/presentationml/2006/main" matchingName="Title and two columns" type="twoColTx">
   <p:cSld name="Title and two columns">
     <p:spTree>
@@ -7745,7 +7973,7 @@
 </p:sldLayout>
 </file>
 
-<file path=ppt/slideLayouts/slideLayout28.xml><?xml version="1.0" encoding="utf-8"?>
+<file path=ppt/slideLayouts/slideLayout29.xml><?xml version="1.0" encoding="utf-8"?>
 <p:sldLayout xmlns:a="http://schemas.openxmlformats.org/drawingml/2006/main" xmlns:r="http://schemas.openxmlformats.org/officeDocument/2006/relationships" xmlns:p="http://schemas.openxmlformats.org/presentationml/2006/main" matchingName="Blank" type="blank">
   <p:cSld name="Blank">
     <p:spTree>
@@ -7936,6 +8164,405 @@
 </file>
 
 <file path=ppt/slideLayouts/slideLayout3.xml><?xml version="1.0" encoding="utf-8"?>
+<p:sldLayout xmlns:a="http://schemas.openxmlformats.org/drawingml/2006/main" xmlns:r="http://schemas.openxmlformats.org/officeDocument/2006/relationships" xmlns:p="http://schemas.openxmlformats.org/presentationml/2006/main" matchingName="Title slide" type="title">
+  <p:cSld name="Title slide">
+    <p:spTree>
+      <p:nvGrpSpPr>
+        <p:cNvPr id="1" name="Shape 56"/>
+        <p:cNvGrpSpPr/>
+        <p:nvPr/>
+      </p:nvGrpSpPr>
+      <p:grpSpPr>
+        <a:xfrm>
+          <a:off x="0" y="0"/>
+          <a:ext cx="0" cy="0"/>
+          <a:chOff x="0" y="0"/>
+          <a:chExt cx="0" cy="0"/>
+        </a:xfrm>
+      </p:grpSpPr>
+      <p:sp>
+        <p:nvSpPr>
+          <p:cNvPr id="57" name="Shape 57"/>
+          <p:cNvSpPr txBox="1">
+            <a:spLocks noGrp="1"/>
+          </p:cNvSpPr>
+          <p:nvPr>
+            <p:ph type="ctrTitle"/>
+          </p:nvPr>
+        </p:nvSpPr>
+        <p:spPr>
+          <a:xfrm>
+            <a:off x="457200" y="563760"/>
+            <a:ext cx="8229600" cy="3009600"/>
+          </a:xfrm>
+          <a:prstGeom prst="rect">
+            <a:avLst/>
+          </a:prstGeom>
+        </p:spPr>
+        <p:txBody>
+          <a:bodyPr spcFirstLastPara="1" wrap="square" lIns="91425" tIns="91425" rIns="91425" bIns="91425" anchor="t" anchorCtr="0"/>
+          <a:lstStyle>
+            <a:lvl1pPr lvl="0" rtl="0">
+              <a:spcBef>
+                <a:spcPts val="0"/>
+              </a:spcBef>
+              <a:spcAft>
+                <a:spcPts val="0"/>
+              </a:spcAft>
+              <a:buSzPts val="7200"/>
+              <a:buNone/>
+              <a:defRPr sz="7200"/>
+            </a:lvl1pPr>
+            <a:lvl2pPr lvl="1" rtl="0">
+              <a:spcBef>
+                <a:spcPts val="0"/>
+              </a:spcBef>
+              <a:spcAft>
+                <a:spcPts val="0"/>
+              </a:spcAft>
+              <a:buSzPts val="7200"/>
+              <a:buNone/>
+              <a:defRPr sz="7200"/>
+            </a:lvl2pPr>
+            <a:lvl3pPr lvl="2" rtl="0">
+              <a:spcBef>
+                <a:spcPts val="0"/>
+              </a:spcBef>
+              <a:spcAft>
+                <a:spcPts val="0"/>
+              </a:spcAft>
+              <a:buSzPts val="7200"/>
+              <a:buNone/>
+              <a:defRPr sz="7200"/>
+            </a:lvl3pPr>
+            <a:lvl4pPr lvl="3" rtl="0">
+              <a:spcBef>
+                <a:spcPts val="0"/>
+              </a:spcBef>
+              <a:spcAft>
+                <a:spcPts val="0"/>
+              </a:spcAft>
+              <a:buSzPts val="7200"/>
+              <a:buNone/>
+              <a:defRPr sz="7200"/>
+            </a:lvl4pPr>
+            <a:lvl5pPr lvl="4" rtl="0">
+              <a:spcBef>
+                <a:spcPts val="0"/>
+              </a:spcBef>
+              <a:spcAft>
+                <a:spcPts val="0"/>
+              </a:spcAft>
+              <a:buSzPts val="7200"/>
+              <a:buNone/>
+              <a:defRPr sz="7200"/>
+            </a:lvl5pPr>
+            <a:lvl6pPr lvl="5" rtl="0">
+              <a:spcBef>
+                <a:spcPts val="0"/>
+              </a:spcBef>
+              <a:spcAft>
+                <a:spcPts val="0"/>
+              </a:spcAft>
+              <a:buSzPts val="7200"/>
+              <a:buNone/>
+              <a:defRPr sz="7200"/>
+            </a:lvl6pPr>
+            <a:lvl7pPr lvl="6" rtl="0">
+              <a:spcBef>
+                <a:spcPts val="0"/>
+              </a:spcBef>
+              <a:spcAft>
+                <a:spcPts val="0"/>
+              </a:spcAft>
+              <a:buSzPts val="7200"/>
+              <a:buNone/>
+              <a:defRPr sz="7200"/>
+            </a:lvl7pPr>
+            <a:lvl8pPr lvl="7" rtl="0">
+              <a:spcBef>
+                <a:spcPts val="0"/>
+              </a:spcBef>
+              <a:spcAft>
+                <a:spcPts val="0"/>
+              </a:spcAft>
+              <a:buSzPts val="7200"/>
+              <a:buNone/>
+              <a:defRPr sz="7200"/>
+            </a:lvl8pPr>
+            <a:lvl9pPr lvl="8" rtl="0">
+              <a:spcBef>
+                <a:spcPts val="0"/>
+              </a:spcBef>
+              <a:spcAft>
+                <a:spcPts val="0"/>
+              </a:spcAft>
+              <a:buSzPts val="7200"/>
+              <a:buNone/>
+              <a:defRPr sz="7200"/>
+            </a:lvl9pPr>
+          </a:lstStyle>
+          <a:p>
+            <a:endParaRPr/>
+          </a:p>
+        </p:txBody>
+      </p:sp>
+      <p:sp>
+        <p:nvSpPr>
+          <p:cNvPr id="58" name="Shape 58"/>
+          <p:cNvSpPr txBox="1">
+            <a:spLocks noGrp="1"/>
+          </p:cNvSpPr>
+          <p:nvPr>
+            <p:ph type="subTitle" idx="1"/>
+          </p:nvPr>
+        </p:nvSpPr>
+        <p:spPr>
+          <a:xfrm>
+            <a:off x="457200" y="3716392"/>
+            <a:ext cx="8229600" cy="1232700"/>
+          </a:xfrm>
+          <a:prstGeom prst="rect">
+            <a:avLst/>
+          </a:prstGeom>
+        </p:spPr>
+        <p:txBody>
+          <a:bodyPr spcFirstLastPara="1" wrap="square" lIns="91425" tIns="91425" rIns="91425" bIns="91425" anchor="t" anchorCtr="0"/>
+          <a:lstStyle>
+            <a:lvl1pPr lvl="0" rtl="0">
+              <a:spcBef>
+                <a:spcPts val="0"/>
+              </a:spcBef>
+              <a:spcAft>
+                <a:spcPts val="0"/>
+              </a:spcAft>
+              <a:buClr>
+                <a:schemeClr val="dk2"/>
+              </a:buClr>
+              <a:buSzPts val="4800"/>
+              <a:buNone/>
+              <a:defRPr sz="4800">
+                <a:solidFill>
+                  <a:schemeClr val="dk2"/>
+                </a:solidFill>
+              </a:defRPr>
+            </a:lvl1pPr>
+            <a:lvl2pPr lvl="1" rtl="0">
+              <a:spcBef>
+                <a:spcPts val="0"/>
+              </a:spcBef>
+              <a:spcAft>
+                <a:spcPts val="0"/>
+              </a:spcAft>
+              <a:buClr>
+                <a:schemeClr val="dk2"/>
+              </a:buClr>
+              <a:buSzPts val="4800"/>
+              <a:buNone/>
+              <a:defRPr sz="4800">
+                <a:solidFill>
+                  <a:schemeClr val="dk2"/>
+                </a:solidFill>
+              </a:defRPr>
+            </a:lvl2pPr>
+            <a:lvl3pPr lvl="2" rtl="0">
+              <a:spcBef>
+                <a:spcPts val="0"/>
+              </a:spcBef>
+              <a:spcAft>
+                <a:spcPts val="0"/>
+              </a:spcAft>
+              <a:buClr>
+                <a:schemeClr val="dk2"/>
+              </a:buClr>
+              <a:buSzPts val="4800"/>
+              <a:buNone/>
+              <a:defRPr sz="4800">
+                <a:solidFill>
+                  <a:schemeClr val="dk2"/>
+                </a:solidFill>
+              </a:defRPr>
+            </a:lvl3pPr>
+            <a:lvl4pPr lvl="3" rtl="0">
+              <a:spcBef>
+                <a:spcPts val="0"/>
+              </a:spcBef>
+              <a:spcAft>
+                <a:spcPts val="0"/>
+              </a:spcAft>
+              <a:buClr>
+                <a:schemeClr val="dk2"/>
+              </a:buClr>
+              <a:buSzPts val="4800"/>
+              <a:buNone/>
+              <a:defRPr sz="4800">
+                <a:solidFill>
+                  <a:schemeClr val="dk2"/>
+                </a:solidFill>
+              </a:defRPr>
+            </a:lvl4pPr>
+            <a:lvl5pPr lvl="4" rtl="0">
+              <a:spcBef>
+                <a:spcPts val="0"/>
+              </a:spcBef>
+              <a:spcAft>
+                <a:spcPts val="0"/>
+              </a:spcAft>
+              <a:buClr>
+                <a:schemeClr val="dk2"/>
+              </a:buClr>
+              <a:buSzPts val="4800"/>
+              <a:buNone/>
+              <a:defRPr sz="4800">
+                <a:solidFill>
+                  <a:schemeClr val="dk2"/>
+                </a:solidFill>
+              </a:defRPr>
+            </a:lvl5pPr>
+            <a:lvl6pPr lvl="5" rtl="0">
+              <a:spcBef>
+                <a:spcPts val="0"/>
+              </a:spcBef>
+              <a:spcAft>
+                <a:spcPts val="0"/>
+              </a:spcAft>
+              <a:buClr>
+                <a:schemeClr val="dk2"/>
+              </a:buClr>
+              <a:buSzPts val="4800"/>
+              <a:buNone/>
+              <a:defRPr sz="4800">
+                <a:solidFill>
+                  <a:schemeClr val="dk2"/>
+                </a:solidFill>
+              </a:defRPr>
+            </a:lvl6pPr>
+            <a:lvl7pPr lvl="6" rtl="0">
+              <a:spcBef>
+                <a:spcPts val="0"/>
+              </a:spcBef>
+              <a:spcAft>
+                <a:spcPts val="0"/>
+              </a:spcAft>
+              <a:buClr>
+                <a:schemeClr val="dk2"/>
+              </a:buClr>
+              <a:buSzPts val="4800"/>
+              <a:buNone/>
+              <a:defRPr sz="4800">
+                <a:solidFill>
+                  <a:schemeClr val="dk2"/>
+                </a:solidFill>
+              </a:defRPr>
+            </a:lvl7pPr>
+            <a:lvl8pPr lvl="7" rtl="0">
+              <a:spcBef>
+                <a:spcPts val="0"/>
+              </a:spcBef>
+              <a:spcAft>
+                <a:spcPts val="0"/>
+              </a:spcAft>
+              <a:buClr>
+                <a:schemeClr val="dk2"/>
+              </a:buClr>
+              <a:buSzPts val="4800"/>
+              <a:buNone/>
+              <a:defRPr sz="4800">
+                <a:solidFill>
+                  <a:schemeClr val="dk2"/>
+                </a:solidFill>
+              </a:defRPr>
+            </a:lvl8pPr>
+            <a:lvl9pPr lvl="8" rtl="0">
+              <a:spcBef>
+                <a:spcPts val="0"/>
+              </a:spcBef>
+              <a:spcAft>
+                <a:spcPts val="0"/>
+              </a:spcAft>
+              <a:buClr>
+                <a:schemeClr val="dk2"/>
+              </a:buClr>
+              <a:buSzPts val="4800"/>
+              <a:buNone/>
+              <a:defRPr sz="4800">
+                <a:solidFill>
+                  <a:schemeClr val="dk2"/>
+                </a:solidFill>
+              </a:defRPr>
+            </a:lvl9pPr>
+          </a:lstStyle>
+          <a:p>
+            <a:endParaRPr/>
+          </a:p>
+        </p:txBody>
+      </p:sp>
+      <p:cxnSp>
+        <p:nvCxnSpPr>
+          <p:cNvPr id="59" name="Shape 59"/>
+          <p:cNvCxnSpPr/>
+          <p:nvPr/>
+        </p:nvCxnSpPr>
+        <p:spPr>
+          <a:xfrm>
+            <a:off x="457200" y="411480"/>
+            <a:ext cx="8229600" cy="0"/>
+          </a:xfrm>
+          <a:prstGeom prst="straightConnector1">
+            <a:avLst/>
+          </a:prstGeom>
+          <a:noFill/>
+          <a:ln w="57150" cap="flat" cmpd="sng">
+            <a:solidFill>
+              <a:schemeClr val="accent1"/>
+            </a:solidFill>
+            <a:prstDash val="solid"/>
+            <a:round/>
+            <a:headEnd type="none" w="sm" len="sm"/>
+            <a:tailEnd type="none" w="sm" len="sm"/>
+          </a:ln>
+        </p:spPr>
+      </p:cxnSp>
+      <p:cxnSp>
+        <p:nvCxnSpPr>
+          <p:cNvPr id="60" name="Shape 60"/>
+          <p:cNvCxnSpPr/>
+          <p:nvPr/>
+        </p:nvCxnSpPr>
+        <p:spPr>
+          <a:xfrm>
+            <a:off x="457200" y="3633383"/>
+            <a:ext cx="8229600" cy="0"/>
+          </a:xfrm>
+          <a:prstGeom prst="straightConnector1">
+            <a:avLst/>
+          </a:prstGeom>
+          <a:noFill/>
+          <a:ln w="57150" cap="flat" cmpd="sng">
+            <a:solidFill>
+              <a:schemeClr val="accent1"/>
+            </a:solidFill>
+            <a:prstDash val="solid"/>
+            <a:round/>
+            <a:headEnd type="none" w="sm" len="sm"/>
+            <a:tailEnd type="none" w="sm" len="sm"/>
+          </a:ln>
+        </p:spPr>
+      </p:cxnSp>
+    </p:spTree>
+    <p:extLst>
+      <p:ext uri="{BB962C8B-B14F-4D97-AF65-F5344CB8AC3E}">
+        <p14:creationId xmlns:p14="http://schemas.microsoft.com/office/powerpoint/2010/main" val="4139541334"/>
+      </p:ext>
+    </p:extLst>
+  </p:cSld>
+  <p:clrMapOvr>
+    <a:masterClrMapping/>
+  </p:clrMapOvr>
+</p:sldLayout>
+</file>
+
+<file path=ppt/slideLayouts/slideLayout4.xml><?xml version="1.0" encoding="utf-8"?>
 <p:sldLayout xmlns:a="http://schemas.openxmlformats.org/drawingml/2006/main" xmlns:r="http://schemas.openxmlformats.org/officeDocument/2006/relationships" xmlns:p="http://schemas.openxmlformats.org/presentationml/2006/main" type="title" preserve="1">
   <p:cSld name="標題投影片">
     <p:spTree>
@@ -8097,7 +8724,7 @@
               <a:pPr defTabSz="685800">
                 <a:buClrTx/>
               </a:pPr>
-              <a:t>2018/8/27</a:t>
+              <a:t>2018/8/28</a:t>
             </a:fld>
             <a:endParaRPr lang="zh-TW" altLang="en-US" kern="1200">
               <a:solidFill>
@@ -8222,7 +8849,7 @@
 </p:sldLayout>
 </file>
 
-<file path=ppt/slideLayouts/slideLayout4.xml><?xml version="1.0" encoding="utf-8"?>
+<file path=ppt/slideLayouts/slideLayout5.xml><?xml version="1.0" encoding="utf-8"?>
 <p:sldLayout xmlns:a="http://schemas.openxmlformats.org/drawingml/2006/main" xmlns:r="http://schemas.openxmlformats.org/officeDocument/2006/relationships" xmlns:p="http://schemas.openxmlformats.org/presentationml/2006/main" type="obj" preserve="1">
   <p:cSld name="標題及內容">
     <p:spTree>
@@ -8362,7 +8989,7 @@
               <a:pPr defTabSz="685800">
                 <a:buClrTx/>
               </a:pPr>
-              <a:t>2018/8/27</a:t>
+              <a:t>2018/8/28</a:t>
             </a:fld>
             <a:endParaRPr lang="zh-TW" altLang="en-US" kern="1200">
               <a:solidFill>
@@ -8480,7 +9107,7 @@
 </p:sldLayout>
 </file>
 
-<file path=ppt/slideLayouts/slideLayout5.xml><?xml version="1.0" encoding="utf-8"?>
+<file path=ppt/slideLayouts/slideLayout6.xml><?xml version="1.0" encoding="utf-8"?>
 <p:sldLayout xmlns:a="http://schemas.openxmlformats.org/drawingml/2006/main" xmlns:r="http://schemas.openxmlformats.org/officeDocument/2006/relationships" xmlns:p="http://schemas.openxmlformats.org/presentationml/2006/main" type="secHead" preserve="1">
   <p:cSld name="章節標題">
     <p:spTree>
@@ -8697,7 +9324,7 @@
               <a:pPr defTabSz="685800">
                 <a:buClrTx/>
               </a:pPr>
-              <a:t>2018/8/27</a:t>
+              <a:t>2018/8/28</a:t>
             </a:fld>
             <a:endParaRPr lang="zh-TW" altLang="en-US" kern="1200">
               <a:solidFill>
@@ -8815,7 +9442,7 @@
 </p:sldLayout>
 </file>
 
-<file path=ppt/slideLayouts/slideLayout6.xml><?xml version="1.0" encoding="utf-8"?>
+<file path=ppt/slideLayouts/slideLayout7.xml><?xml version="1.0" encoding="utf-8"?>
 <p:sldLayout xmlns:a="http://schemas.openxmlformats.org/drawingml/2006/main" xmlns:r="http://schemas.openxmlformats.org/officeDocument/2006/relationships" xmlns:p="http://schemas.openxmlformats.org/presentationml/2006/main" type="twoObj" preserve="1">
   <p:cSld name="兩個內容">
     <p:spTree>
@@ -9022,7 +9649,7 @@
               <a:pPr defTabSz="685800">
                 <a:buClrTx/>
               </a:pPr>
-              <a:t>2018/8/27</a:t>
+              <a:t>2018/8/28</a:t>
             </a:fld>
             <a:endParaRPr lang="zh-TW" altLang="en-US" kern="1200">
               <a:solidFill>
@@ -9140,7 +9767,7 @@
 </p:sldLayout>
 </file>
 
-<file path=ppt/slideLayouts/slideLayout7.xml><?xml version="1.0" encoding="utf-8"?>
+<file path=ppt/slideLayouts/slideLayout8.xml><?xml version="1.0" encoding="utf-8"?>
 <p:sldLayout xmlns:a="http://schemas.openxmlformats.org/drawingml/2006/main" xmlns:r="http://schemas.openxmlformats.org/officeDocument/2006/relationships" xmlns:p="http://schemas.openxmlformats.org/presentationml/2006/main" type="twoTxTwoObj" preserve="1">
   <p:cSld name="比對">
     <p:spTree>
@@ -9494,7 +10121,7 @@
               <a:pPr defTabSz="685800">
                 <a:buClrTx/>
               </a:pPr>
-              <a:t>2018/8/27</a:t>
+              <a:t>2018/8/28</a:t>
             </a:fld>
             <a:endParaRPr lang="zh-TW" altLang="en-US" kern="1200">
               <a:solidFill>
@@ -9612,7 +10239,7 @@
 </p:sldLayout>
 </file>
 
-<file path=ppt/slideLayouts/slideLayout8.xml><?xml version="1.0" encoding="utf-8"?>
+<file path=ppt/slideLayouts/slideLayout9.xml><?xml version="1.0" encoding="utf-8"?>
 <p:sldLayout xmlns:a="http://schemas.openxmlformats.org/drawingml/2006/main" xmlns:r="http://schemas.openxmlformats.org/officeDocument/2006/relationships" xmlns:p="http://schemas.openxmlformats.org/presentationml/2006/main" type="titleOnly" preserve="1">
   <p:cSld name="只有標題">
     <p:spTree>
@@ -9695,7 +10322,7 @@
               <a:pPr defTabSz="685800">
                 <a:buClrTx/>
               </a:pPr>
-              <a:t>2018/8/27</a:t>
+              <a:t>2018/8/28</a:t>
             </a:fld>
             <a:endParaRPr lang="zh-TW" altLang="en-US" kern="1200">
               <a:solidFill>
@@ -9813,186 +10440,6 @@
 </p:sldLayout>
 </file>
 
-<file path=ppt/slideLayouts/slideLayout9.xml><?xml version="1.0" encoding="utf-8"?>
-<p:sldLayout xmlns:a="http://schemas.openxmlformats.org/drawingml/2006/main" xmlns:r="http://schemas.openxmlformats.org/officeDocument/2006/relationships" xmlns:p="http://schemas.openxmlformats.org/presentationml/2006/main" type="blank" preserve="1">
-  <p:cSld name="空白">
-    <p:spTree>
-      <p:nvGrpSpPr>
-        <p:cNvPr id="1" name=""/>
-        <p:cNvGrpSpPr/>
-        <p:nvPr/>
-      </p:nvGrpSpPr>
-      <p:grpSpPr>
-        <a:xfrm>
-          <a:off x="0" y="0"/>
-          <a:ext cx="0" cy="0"/>
-          <a:chOff x="0" y="0"/>
-          <a:chExt cx="0" cy="0"/>
-        </a:xfrm>
-      </p:grpSpPr>
-      <p:sp>
-        <p:nvSpPr>
-          <p:cNvPr id="2" name="日期版面配置區 1">
-            <a:extLst>
-              <a:ext uri="{FF2B5EF4-FFF2-40B4-BE49-F238E27FC236}">
-                <a16:creationId xmlns:a16="http://schemas.microsoft.com/office/drawing/2014/main" id="{AD15CB58-CBCD-4F49-99B4-F4D71EEA35A1}"/>
-              </a:ext>
-            </a:extLst>
-          </p:cNvPr>
-          <p:cNvSpPr>
-            <a:spLocks noGrp="1"/>
-          </p:cNvSpPr>
-          <p:nvPr>
-            <p:ph type="dt" sz="half" idx="10"/>
-          </p:nvPr>
-        </p:nvSpPr>
-        <p:spPr/>
-        <p:txBody>
-          <a:bodyPr/>
-          <a:lstStyle/>
-          <a:p>
-            <a:pPr defTabSz="685800">
-              <a:buClrTx/>
-            </a:pPr>
-            <a:fld id="{79FBDEAA-46ED-4A68-A55F-F830455D2CE7}" type="datetimeFigureOut">
-              <a:rPr lang="zh-TW" altLang="en-US" kern="1200" smtClean="0">
-                <a:solidFill>
-                  <a:prstClr val="black">
-                    <a:tint val="75000"/>
-                  </a:prstClr>
-                </a:solidFill>
-                <a:latin typeface="Calibri" panose="020F0502020204030204"/>
-                <a:ea typeface="新細明體" panose="02020500000000000000" pitchFamily="18" charset="-120"/>
-                <a:cs typeface="+mn-cs"/>
-              </a:rPr>
-              <a:pPr defTabSz="685800">
-                <a:buClrTx/>
-              </a:pPr>
-              <a:t>2018/8/27</a:t>
-            </a:fld>
-            <a:endParaRPr lang="zh-TW" altLang="en-US" kern="1200">
-              <a:solidFill>
-                <a:prstClr val="black">
-                  <a:tint val="75000"/>
-                </a:prstClr>
-              </a:solidFill>
-              <a:latin typeface="Calibri" panose="020F0502020204030204"/>
-              <a:ea typeface="新細明體" panose="02020500000000000000" pitchFamily="18" charset="-120"/>
-              <a:cs typeface="+mn-cs"/>
-            </a:endParaRPr>
-          </a:p>
-        </p:txBody>
-      </p:sp>
-      <p:sp>
-        <p:nvSpPr>
-          <p:cNvPr id="3" name="頁尾版面配置區 2">
-            <a:extLst>
-              <a:ext uri="{FF2B5EF4-FFF2-40B4-BE49-F238E27FC236}">
-                <a16:creationId xmlns:a16="http://schemas.microsoft.com/office/drawing/2014/main" id="{6E37FB0F-14BC-49D8-81E6-BBFB73EEB47A}"/>
-              </a:ext>
-            </a:extLst>
-          </p:cNvPr>
-          <p:cNvSpPr>
-            <a:spLocks noGrp="1"/>
-          </p:cNvSpPr>
-          <p:nvPr>
-            <p:ph type="ftr" sz="quarter" idx="11"/>
-          </p:nvPr>
-        </p:nvSpPr>
-        <p:spPr/>
-        <p:txBody>
-          <a:bodyPr/>
-          <a:lstStyle/>
-          <a:p>
-            <a:pPr defTabSz="685800">
-              <a:buClrTx/>
-            </a:pPr>
-            <a:endParaRPr lang="zh-TW" altLang="en-US" kern="1200">
-              <a:solidFill>
-                <a:prstClr val="black">
-                  <a:tint val="75000"/>
-                </a:prstClr>
-              </a:solidFill>
-              <a:latin typeface="Calibri" panose="020F0502020204030204"/>
-              <a:ea typeface="新細明體" panose="02020500000000000000" pitchFamily="18" charset="-120"/>
-              <a:cs typeface="+mn-cs"/>
-            </a:endParaRPr>
-          </a:p>
-        </p:txBody>
-      </p:sp>
-      <p:sp>
-        <p:nvSpPr>
-          <p:cNvPr id="4" name="投影片編號版面配置區 3">
-            <a:extLst>
-              <a:ext uri="{FF2B5EF4-FFF2-40B4-BE49-F238E27FC236}">
-                <a16:creationId xmlns:a16="http://schemas.microsoft.com/office/drawing/2014/main" id="{4F529B5C-D2B1-4532-8384-CF1050FDBF63}"/>
-              </a:ext>
-            </a:extLst>
-          </p:cNvPr>
-          <p:cNvSpPr>
-            <a:spLocks noGrp="1"/>
-          </p:cNvSpPr>
-          <p:nvPr>
-            <p:ph type="sldNum" sz="quarter" idx="12"/>
-          </p:nvPr>
-        </p:nvSpPr>
-        <p:spPr/>
-        <p:txBody>
-          <a:bodyPr/>
-          <a:lstStyle/>
-          <a:p>
-            <a:pPr defTabSz="685800">
-              <a:buClrTx/>
-            </a:pPr>
-            <a:fld id="{2ED3522C-9944-4E16-B07C-4FDDC028DFA0}" type="slidenum">
-              <a:rPr lang="zh-TW" altLang="en-US" kern="1200" smtClean="0">
-                <a:solidFill>
-                  <a:prstClr val="black">
-                    <a:tint val="75000"/>
-                  </a:prstClr>
-                </a:solidFill>
-                <a:latin typeface="Calibri" panose="020F0502020204030204"/>
-                <a:ea typeface="新細明體" panose="02020500000000000000" pitchFamily="18" charset="-120"/>
-                <a:cs typeface="+mn-cs"/>
-              </a:rPr>
-              <a:pPr defTabSz="685800">
-                <a:buClrTx/>
-              </a:pPr>
-              <a:t>‹#›</a:t>
-            </a:fld>
-            <a:endParaRPr lang="zh-TW" altLang="en-US" kern="1200">
-              <a:solidFill>
-                <a:prstClr val="black">
-                  <a:tint val="75000"/>
-                </a:prstClr>
-              </a:solidFill>
-              <a:latin typeface="Calibri" panose="020F0502020204030204"/>
-              <a:ea typeface="新細明體" panose="02020500000000000000" pitchFamily="18" charset="-120"/>
-              <a:cs typeface="+mn-cs"/>
-            </a:endParaRPr>
-          </a:p>
-        </p:txBody>
-      </p:sp>
-    </p:spTree>
-    <p:extLst>
-      <p:ext uri="{BB962C8B-B14F-4D97-AF65-F5344CB8AC3E}">
-        <p14:creationId xmlns:p14="http://schemas.microsoft.com/office/powerpoint/2010/main" val="1486372861"/>
-      </p:ext>
-    </p:extLst>
-  </p:cSld>
-  <p:clrMapOvr>
-    <a:masterClrMapping/>
-  </p:clrMapOvr>
-  <p:timing>
-    <p:tnLst>
-      <p:par>
-        <p:cTn id="1" dur="indefinite" restart="never" nodeType="tmRoot"/>
-      </p:par>
-    </p:tnLst>
-  </p:timing>
-</p:sldLayout>
-</file>
-
 <file path=ppt/slideMasters/slideMaster1.xml><?xml version="1.0" encoding="utf-8"?>
 <p:sldMaster xmlns:a="http://schemas.openxmlformats.org/drawingml/2006/main" xmlns:r="http://schemas.openxmlformats.org/officeDocument/2006/relationships" xmlns:p="http://schemas.openxmlformats.org/presentationml/2006/main">
   <p:cSld name="swiss">
@@ -10558,7 +11005,7 @@
           <p:nvPr/>
         </p:nvPicPr>
         <p:blipFill>
-          <a:blip r:embed="rId4">
+          <a:blip r:embed="rId5">
             <a:alphaModFix/>
           </a:blip>
           <a:stretch>
@@ -10585,6 +11032,7 @@
   <p:sldLayoutIdLst>
     <p:sldLayoutId id="2147483657" r:id="rId1"/>
     <p:sldLayoutId id="2147483658" r:id="rId2"/>
+    <p:sldLayoutId id="2147483695" r:id="rId3"/>
   </p:sldLayoutIdLst>
   <p:hf sldNum="0" hdr="0" ftr="0" dt="0"/>
   <p:txStyles>
@@ -11462,7 +11910,7 @@
               <a:pPr defTabSz="685800">
                 <a:buClrTx/>
               </a:pPr>
-              <a:t>2018/8/27</a:t>
+              <a:t>2018/8/28</a:t>
             </a:fld>
             <a:endParaRPr lang="zh-TW" altLang="en-US" kern="1200">
               <a:solidFill>
@@ -12097,7 +12545,7 @@
               <a:pPr defTabSz="685800">
                 <a:buClrTx/>
               </a:pPr>
-              <a:t>2018/8/27</a:t>
+              <a:t>2018/8/28</a:t>
             </a:fld>
             <a:endParaRPr lang="zh-TW" altLang="en-US" kern="1200">
               <a:solidFill>
@@ -14240,7 +14688,7 @@
       </p:grpSpPr>
       <p:sp>
         <p:nvSpPr>
-          <p:cNvPr id="4" name="標題 3"/>
+          <p:cNvPr id="5" name="標題 4"/>
           <p:cNvSpPr>
             <a:spLocks noGrp="1"/>
           </p:cNvSpPr>
@@ -14253,13 +14701,37 @@
           <a:bodyPr/>
           <a:lstStyle/>
           <a:p>
-            <a:endParaRPr lang="en-US"/>
-          </a:p>
-        </p:txBody>
-      </p:sp>
-      <p:sp>
-        <p:nvSpPr>
-          <p:cNvPr id="5" name="文字版面配置區 4"/>
+            <a:r>
+              <a:rPr lang="zh-TW" altLang="en-US" dirty="0" smtClean="0"/>
+              <a:t>案例探討</a:t>
+            </a:r>
+            <a:r>
+              <a:rPr lang="en-US" altLang="zh-TW" dirty="0" smtClean="0"/>
+              <a:t>:</a:t>
+            </a:r>
+            <a:r>
+              <a:rPr lang="zh-TW" altLang="en-US" dirty="0"/>
+              <a:t> </a:t>
+            </a:r>
+            <a:r>
+              <a:rPr lang="en-US" altLang="zh-TW" dirty="0" smtClean="0"/>
+              <a:t>Consul</a:t>
+            </a:r>
+            <a:r>
+              <a:rPr lang="en-US" altLang="zh-TW" dirty="0"/>
+              <a:t> </a:t>
+            </a:r>
+            <a:r>
+              <a:rPr lang="en-US" altLang="zh-TW" dirty="0" smtClean="0"/>
+              <a:t>- Basic</a:t>
+            </a:r>
+            <a:endParaRPr lang="en-US" dirty="0"/>
+          </a:p>
+        </p:txBody>
+      </p:sp>
+      <p:sp>
+        <p:nvSpPr>
+          <p:cNvPr id="6" name="文字版面配置區 5"/>
           <p:cNvSpPr>
             <a:spLocks noGrp="1"/>
           </p:cNvSpPr>
@@ -14272,24 +14744,3547 @@
           <a:bodyPr/>
           <a:lstStyle/>
           <a:p>
-            <a:endParaRPr lang="en-US"/>
+            <a:r>
+              <a:rPr lang="en-US" dirty="0" smtClean="0"/>
+              <a:t>(deployment diagram)</a:t>
+            </a:r>
+          </a:p>
+          <a:p>
+            <a:r>
+              <a:rPr lang="en-US" dirty="0" smtClean="0"/>
+              <a:t>(</a:t>
+            </a:r>
+            <a:r>
+              <a:rPr lang="en-US" dirty="0" err="1" smtClean="0"/>
+              <a:t>docker</a:t>
+            </a:r>
+            <a:r>
+              <a:rPr lang="en-US" dirty="0" smtClean="0"/>
+              <a:t>-compose)</a:t>
+            </a:r>
+          </a:p>
+          <a:p>
+            <a:r>
+              <a:rPr lang="en-US" dirty="0" smtClean="0"/>
+              <a:t>(sample code)</a:t>
+            </a:r>
+          </a:p>
+          <a:p>
+            <a:endParaRPr lang="en-US" dirty="0"/>
+          </a:p>
+          <a:p>
+            <a:pPr marL="38100" indent="0">
+              <a:buNone/>
+            </a:pPr>
+            <a:r>
+              <a:rPr lang="zh-TW" altLang="en-US" dirty="0" smtClean="0"/>
+              <a:t>基本介紹到此為止，接下來</a:t>
+            </a:r>
+            <a:r>
+              <a:rPr lang="en-US" altLang="zh-TW" dirty="0" smtClean="0"/>
+              <a:t>…</a:t>
+            </a:r>
+            <a:endParaRPr lang="en-US" dirty="0"/>
           </a:p>
         </p:txBody>
       </p:sp>
     </p:spTree>
     <p:extLst>
       <p:ext uri="{BB962C8B-B14F-4D97-AF65-F5344CB8AC3E}">
-        <p14:creationId xmlns:p14="http://schemas.microsoft.com/office/powerpoint/2010/main" val="3481930133"/>
+        <p14:creationId xmlns:p14="http://schemas.microsoft.com/office/powerpoint/2010/main" val="406177645"/>
       </p:ext>
     </p:extLst>
   </p:cSld>
   <p:clrMapOvr>
     <a:masterClrMapping/>
   </p:clrMapOvr>
+  <p:timing>
+    <p:tnLst>
+      <p:par>
+        <p:cTn id="1" dur="indefinite" restart="never" nodeType="tmRoot"/>
+      </p:par>
+    </p:tnLst>
+  </p:timing>
 </p:sld>
 </file>
 
 <file path=ppt/slides/slide11.xml><?xml version="1.0" encoding="utf-8"?>
+<p:sld xmlns:a="http://schemas.openxmlformats.org/drawingml/2006/main" xmlns:r="http://schemas.openxmlformats.org/officeDocument/2006/relationships" xmlns:p="http://schemas.openxmlformats.org/presentationml/2006/main">
+  <p:cSld>
+    <p:spTree>
+      <p:nvGrpSpPr>
+        <p:cNvPr id="1" name=""/>
+        <p:cNvGrpSpPr/>
+        <p:nvPr/>
+      </p:nvGrpSpPr>
+      <p:grpSpPr>
+        <a:xfrm>
+          <a:off x="0" y="0"/>
+          <a:ext cx="0" cy="0"/>
+          <a:chOff x="0" y="0"/>
+          <a:chExt cx="0" cy="0"/>
+        </a:xfrm>
+      </p:grpSpPr>
+      <p:sp>
+        <p:nvSpPr>
+          <p:cNvPr id="13" name="標題 12"/>
+          <p:cNvSpPr>
+            <a:spLocks noGrp="1"/>
+          </p:cNvSpPr>
+          <p:nvPr>
+            <p:ph type="ctrTitle"/>
+          </p:nvPr>
+        </p:nvSpPr>
+        <p:spPr/>
+        <p:txBody>
+          <a:bodyPr/>
+          <a:lstStyle/>
+          <a:p>
+            <a:r>
+              <a:rPr lang="en-US" sz="6000" b="0" dirty="0" smtClean="0"/>
+              <a:t/>
+            </a:r>
+            <a:br>
+              <a:rPr lang="en-US" sz="6000" b="0" dirty="0" smtClean="0"/>
+            </a:br>
+            <a:r>
+              <a:rPr lang="en-US" sz="6000" b="0" dirty="0"/>
+              <a:t/>
+            </a:r>
+            <a:br>
+              <a:rPr lang="en-US" sz="6000" b="0" dirty="0"/>
+            </a:br>
+            <a:r>
+              <a:rPr lang="en-US" altLang="zh-TW" sz="6000" b="0" dirty="0" smtClean="0"/>
+              <a:t>2</a:t>
+            </a:r>
+            <a:r>
+              <a:rPr lang="en-US" sz="6000" b="0" dirty="0" smtClean="0"/>
+              <a:t>. Advanced Topics </a:t>
+            </a:r>
+            <a:r>
+              <a:rPr lang="en-US" sz="6000" b="0" dirty="0" smtClean="0"/>
+              <a:t>?</a:t>
+            </a:r>
+            <a:endParaRPr lang="en-US" sz="6000" b="0" dirty="0"/>
+          </a:p>
+        </p:txBody>
+      </p:sp>
+      <p:sp>
+        <p:nvSpPr>
+          <p:cNvPr id="14" name="副標題 13"/>
+          <p:cNvSpPr>
+            <a:spLocks noGrp="1"/>
+          </p:cNvSpPr>
+          <p:nvPr>
+            <p:ph type="subTitle" idx="1"/>
+          </p:nvPr>
+        </p:nvSpPr>
+        <p:spPr/>
+        <p:txBody>
+          <a:bodyPr/>
+          <a:lstStyle/>
+          <a:p>
+            <a:endParaRPr lang="en-US" sz="3600" dirty="0" smtClean="0"/>
+          </a:p>
+          <a:p>
+            <a:r>
+              <a:rPr lang="en-US" sz="3600" dirty="0" smtClean="0"/>
+              <a:t>xxx</a:t>
+            </a:r>
+            <a:endParaRPr lang="en-US" sz="3600" dirty="0"/>
+          </a:p>
+        </p:txBody>
+      </p:sp>
+    </p:spTree>
+    <p:extLst>
+      <p:ext uri="{BB962C8B-B14F-4D97-AF65-F5344CB8AC3E}">
+        <p14:creationId xmlns:p14="http://schemas.microsoft.com/office/powerpoint/2010/main" val="1287729645"/>
+      </p:ext>
+    </p:extLst>
+  </p:cSld>
+  <p:clrMapOvr>
+    <a:masterClrMapping/>
+  </p:clrMapOvr>
+  <p:timing>
+    <p:tnLst>
+      <p:par>
+        <p:cTn id="1" dur="indefinite" restart="never" nodeType="tmRoot"/>
+      </p:par>
+    </p:tnLst>
+  </p:timing>
+</p:sld>
+</file>
+
+<file path=ppt/slides/slide12.xml><?xml version="1.0" encoding="utf-8"?>
+<p:sld xmlns:a="http://schemas.openxmlformats.org/drawingml/2006/main" xmlns:r="http://schemas.openxmlformats.org/officeDocument/2006/relationships" xmlns:p="http://schemas.openxmlformats.org/presentationml/2006/main">
+  <p:cSld>
+    <p:spTree>
+      <p:nvGrpSpPr>
+        <p:cNvPr id="1" name=""/>
+        <p:cNvGrpSpPr/>
+        <p:nvPr/>
+      </p:nvGrpSpPr>
+      <p:grpSpPr>
+        <a:xfrm>
+          <a:off x="0" y="0"/>
+          <a:ext cx="0" cy="0"/>
+          <a:chOff x="0" y="0"/>
+          <a:chExt cx="0" cy="0"/>
+        </a:xfrm>
+      </p:grpSpPr>
+      <p:sp>
+        <p:nvSpPr>
+          <p:cNvPr id="5" name="標題 4"/>
+          <p:cNvSpPr>
+            <a:spLocks noGrp="1"/>
+          </p:cNvSpPr>
+          <p:nvPr>
+            <p:ph type="title"/>
+          </p:nvPr>
+        </p:nvSpPr>
+        <p:spPr/>
+        <p:txBody>
+          <a:bodyPr/>
+          <a:lstStyle/>
+          <a:p>
+            <a:r>
+              <a:rPr lang="en-US" dirty="0" smtClean="0"/>
+              <a:t>Different With </a:t>
+            </a:r>
+            <a:r>
+              <a:rPr lang="en-US" altLang="zh-TW" dirty="0" smtClean="0"/>
+              <a:t>Load Balancer?</a:t>
+            </a:r>
+            <a:endParaRPr lang="en-US" dirty="0"/>
+          </a:p>
+        </p:txBody>
+      </p:sp>
+      <p:sp>
+        <p:nvSpPr>
+          <p:cNvPr id="6" name="文字版面配置區 5"/>
+          <p:cNvSpPr>
+            <a:spLocks noGrp="1"/>
+          </p:cNvSpPr>
+          <p:nvPr>
+            <p:ph type="body" idx="1"/>
+          </p:nvPr>
+        </p:nvSpPr>
+        <p:spPr/>
+        <p:txBody>
+          <a:bodyPr/>
+          <a:lstStyle/>
+          <a:p>
+            <a:endParaRPr lang="en-US"/>
+          </a:p>
+        </p:txBody>
+      </p:sp>
+      <p:pic>
+        <p:nvPicPr>
+          <p:cNvPr id="4" name="Picture 4" descr="With client-side service discovery, the client determines the network locations of available service instances and load balances requests across them"/>
+          <p:cNvPicPr>
+            <a:picLocks noChangeAspect="1" noChangeArrowheads="1"/>
+          </p:cNvPicPr>
+          <p:nvPr/>
+        </p:nvPicPr>
+        <p:blipFill>
+          <a:blip r:embed="rId2">
+            <a:extLst>
+              <a:ext uri="{28A0092B-C50C-407E-A947-70E740481C1C}">
+                <a14:useLocalDpi xmlns:a14="http://schemas.microsoft.com/office/drawing/2010/main" val="0"/>
+              </a:ext>
+            </a:extLst>
+          </a:blip>
+          <a:srcRect/>
+          <a:stretch>
+            <a:fillRect/>
+          </a:stretch>
+        </p:blipFill>
+        <p:spPr bwMode="auto">
+          <a:xfrm>
+            <a:off x="5239104" y="1200150"/>
+            <a:ext cx="3447696" cy="3255784"/>
+          </a:xfrm>
+          <a:prstGeom prst="rect">
+            <a:avLst/>
+          </a:prstGeom>
+          <a:noFill/>
+          <a:extLst>
+            <a:ext uri="{909E8E84-426E-40DD-AFC4-6F175D3DCCD1}">
+              <a14:hiddenFill xmlns:a14="http://schemas.microsoft.com/office/drawing/2010/main">
+                <a:solidFill>
+                  <a:srgbClr val="FFFFFF"/>
+                </a:solidFill>
+              </a14:hiddenFill>
+            </a:ext>
+          </a:extLst>
+        </p:spPr>
+      </p:pic>
+      <p:pic>
+        <p:nvPicPr>
+          <p:cNvPr id="7" name="Picture 2" descr="With the server-side service discovery, the load balancer queries a service registry about service locations; clients interact only with the load balancer"/>
+          <p:cNvPicPr>
+            <a:picLocks noChangeAspect="1" noChangeArrowheads="1"/>
+          </p:cNvPicPr>
+          <p:nvPr/>
+        </p:nvPicPr>
+        <p:blipFill>
+          <a:blip r:embed="rId3">
+            <a:extLst>
+              <a:ext uri="{28A0092B-C50C-407E-A947-70E740481C1C}">
+                <a14:useLocalDpi xmlns:a14="http://schemas.microsoft.com/office/drawing/2010/main" val="0"/>
+              </a:ext>
+            </a:extLst>
+          </a:blip>
+          <a:srcRect/>
+          <a:stretch>
+            <a:fillRect/>
+          </a:stretch>
+        </p:blipFill>
+        <p:spPr bwMode="auto">
+          <a:xfrm>
+            <a:off x="202497" y="1416165"/>
+            <a:ext cx="4582451" cy="2823755"/>
+          </a:xfrm>
+          <a:prstGeom prst="rect">
+            <a:avLst/>
+          </a:prstGeom>
+          <a:noFill/>
+          <a:extLst>
+            <a:ext uri="{909E8E84-426E-40DD-AFC4-6F175D3DCCD1}">
+              <a14:hiddenFill xmlns:a14="http://schemas.microsoft.com/office/drawing/2010/main">
+                <a:solidFill>
+                  <a:srgbClr val="FFFFFF"/>
+                </a:solidFill>
+              </a14:hiddenFill>
+            </a:ext>
+          </a:extLst>
+        </p:spPr>
+      </p:pic>
+      <p:sp>
+        <p:nvSpPr>
+          <p:cNvPr id="8" name="文字方塊 7"/>
+          <p:cNvSpPr txBox="1"/>
+          <p:nvPr/>
+        </p:nvSpPr>
+        <p:spPr>
+          <a:xfrm>
+            <a:off x="1017998" y="4366874"/>
+            <a:ext cx="2951449" cy="523220"/>
+          </a:xfrm>
+          <a:prstGeom prst="rect">
+            <a:avLst/>
+          </a:prstGeom>
+          <a:noFill/>
+        </p:spPr>
+        <p:txBody>
+          <a:bodyPr wrap="none" rtlCol="0">
+            <a:spAutoFit/>
+          </a:bodyPr>
+          <a:lstStyle/>
+          <a:p>
+            <a:r>
+              <a:rPr lang="en-US" dirty="0"/>
+              <a:t>The Server‑Side Discovery Pattern</a:t>
+            </a:r>
+          </a:p>
+          <a:p>
+            <a:endParaRPr lang="en-US" dirty="0"/>
+          </a:p>
+        </p:txBody>
+      </p:sp>
+      <p:sp>
+        <p:nvSpPr>
+          <p:cNvPr id="9" name="文字方塊 8"/>
+          <p:cNvSpPr txBox="1"/>
+          <p:nvPr/>
+        </p:nvSpPr>
+        <p:spPr>
+          <a:xfrm>
+            <a:off x="5521692" y="4455934"/>
+            <a:ext cx="2882520" cy="523220"/>
+          </a:xfrm>
+          <a:prstGeom prst="rect">
+            <a:avLst/>
+          </a:prstGeom>
+          <a:noFill/>
+        </p:spPr>
+        <p:txBody>
+          <a:bodyPr wrap="none" rtlCol="0">
+            <a:spAutoFit/>
+          </a:bodyPr>
+          <a:lstStyle/>
+          <a:p>
+            <a:r>
+              <a:rPr lang="en-US" dirty="0"/>
+              <a:t>The Client‑Side Discovery Pattern</a:t>
+            </a:r>
+          </a:p>
+          <a:p>
+            <a:endParaRPr lang="en-US" dirty="0"/>
+          </a:p>
+        </p:txBody>
+      </p:sp>
+      <p:sp>
+        <p:nvSpPr>
+          <p:cNvPr id="2" name="圓角矩形 1"/>
+          <p:cNvSpPr/>
+          <p:nvPr/>
+        </p:nvSpPr>
+        <p:spPr>
+          <a:xfrm>
+            <a:off x="1609345" y="1943753"/>
+            <a:ext cx="1045028" cy="606117"/>
+          </a:xfrm>
+          <a:prstGeom prst="roundRect">
+            <a:avLst/>
+          </a:prstGeom>
+          <a:noFill/>
+        </p:spPr>
+        <p:style>
+          <a:lnRef idx="2">
+            <a:schemeClr val="accent1"/>
+          </a:lnRef>
+          <a:fillRef idx="1">
+            <a:schemeClr val="lt1"/>
+          </a:fillRef>
+          <a:effectRef idx="0">
+            <a:schemeClr val="accent1"/>
+          </a:effectRef>
+          <a:fontRef idx="minor">
+            <a:schemeClr val="dk1"/>
+          </a:fontRef>
+        </p:style>
+        <p:txBody>
+          <a:bodyPr rtlCol="0" anchor="ctr"/>
+          <a:lstStyle/>
+          <a:p>
+            <a:pPr algn="ctr"/>
+            <a:endParaRPr lang="en-US"/>
+          </a:p>
+        </p:txBody>
+      </p:sp>
+      <p:sp>
+        <p:nvSpPr>
+          <p:cNvPr id="10" name="圓角矩形 9"/>
+          <p:cNvSpPr/>
+          <p:nvPr/>
+        </p:nvSpPr>
+        <p:spPr>
+          <a:xfrm>
+            <a:off x="5768557" y="1802675"/>
+            <a:ext cx="736745" cy="747196"/>
+          </a:xfrm>
+          <a:prstGeom prst="roundRect">
+            <a:avLst/>
+          </a:prstGeom>
+          <a:noFill/>
+        </p:spPr>
+        <p:style>
+          <a:lnRef idx="2">
+            <a:schemeClr val="accent1"/>
+          </a:lnRef>
+          <a:fillRef idx="1">
+            <a:schemeClr val="lt1"/>
+          </a:fillRef>
+          <a:effectRef idx="0">
+            <a:schemeClr val="accent1"/>
+          </a:effectRef>
+          <a:fontRef idx="minor">
+            <a:schemeClr val="dk1"/>
+          </a:fontRef>
+        </p:style>
+        <p:txBody>
+          <a:bodyPr rtlCol="0" anchor="ctr"/>
+          <a:lstStyle/>
+          <a:p>
+            <a:pPr algn="ctr"/>
+            <a:endParaRPr lang="en-US"/>
+          </a:p>
+        </p:txBody>
+      </p:sp>
+      <p:sp>
+        <p:nvSpPr>
+          <p:cNvPr id="3" name="圓角矩形圖說文字 2"/>
+          <p:cNvSpPr/>
+          <p:nvPr/>
+        </p:nvSpPr>
+        <p:spPr>
+          <a:xfrm>
+            <a:off x="329183" y="2730228"/>
+            <a:ext cx="1583218" cy="804672"/>
+          </a:xfrm>
+          <a:prstGeom prst="wedgeRoundRectCallout">
+            <a:avLst>
+              <a:gd name="adj1" fmla="val 34943"/>
+              <a:gd name="adj2" fmla="val -62825"/>
+              <a:gd name="adj3" fmla="val 16667"/>
+            </a:avLst>
+          </a:prstGeom>
+        </p:spPr>
+        <p:style>
+          <a:lnRef idx="2">
+            <a:schemeClr val="accent5"/>
+          </a:lnRef>
+          <a:fillRef idx="1">
+            <a:schemeClr val="lt1"/>
+          </a:fillRef>
+          <a:effectRef idx="0">
+            <a:schemeClr val="accent5"/>
+          </a:effectRef>
+          <a:fontRef idx="minor">
+            <a:schemeClr val="dk1"/>
+          </a:fontRef>
+        </p:style>
+        <p:txBody>
+          <a:bodyPr rtlCol="0" anchor="ctr"/>
+          <a:lstStyle/>
+          <a:p>
+            <a:r>
+              <a:rPr lang="zh-TW" altLang="en-US" dirty="0" smtClean="0"/>
+              <a:t>仰賴基礎建設處理，與商務邏輯整合較困難。</a:t>
+            </a:r>
+            <a:endParaRPr lang="en-US" dirty="0"/>
+          </a:p>
+        </p:txBody>
+      </p:sp>
+      <p:sp>
+        <p:nvSpPr>
+          <p:cNvPr id="11" name="圓角矩形圖說文字 10"/>
+          <p:cNvSpPr/>
+          <p:nvPr/>
+        </p:nvSpPr>
+        <p:spPr>
+          <a:xfrm>
+            <a:off x="6505302" y="2660664"/>
+            <a:ext cx="1583218" cy="804672"/>
+          </a:xfrm>
+          <a:prstGeom prst="wedgeRoundRectCallout">
+            <a:avLst>
+              <a:gd name="adj1" fmla="val -44595"/>
+              <a:gd name="adj2" fmla="val -73215"/>
+              <a:gd name="adj3" fmla="val 16667"/>
+            </a:avLst>
+          </a:prstGeom>
+        </p:spPr>
+        <p:style>
+          <a:lnRef idx="2">
+            <a:schemeClr val="accent5"/>
+          </a:lnRef>
+          <a:fillRef idx="1">
+            <a:schemeClr val="lt1"/>
+          </a:fillRef>
+          <a:effectRef idx="0">
+            <a:schemeClr val="accent5"/>
+          </a:effectRef>
+          <a:fontRef idx="minor">
+            <a:schemeClr val="dk1"/>
+          </a:fontRef>
+        </p:style>
+        <p:txBody>
+          <a:bodyPr rtlCol="0" anchor="ctr"/>
+          <a:lstStyle/>
+          <a:p>
+            <a:r>
+              <a:rPr lang="zh-TW" altLang="en-US" dirty="0" smtClean="0"/>
+              <a:t>直接注入應用程式，容易根據商業邏輯調整。</a:t>
+            </a:r>
+            <a:endParaRPr lang="en-US" dirty="0"/>
+          </a:p>
+        </p:txBody>
+      </p:sp>
+    </p:spTree>
+    <p:extLst>
+      <p:ext uri="{BB962C8B-B14F-4D97-AF65-F5344CB8AC3E}">
+        <p14:creationId xmlns:p14="http://schemas.microsoft.com/office/powerpoint/2010/main" val="14530360"/>
+      </p:ext>
+    </p:extLst>
+  </p:cSld>
+  <p:clrMapOvr>
+    <a:masterClrMapping/>
+  </p:clrMapOvr>
+  <p:timing>
+    <p:tnLst>
+      <p:par>
+        <p:cTn id="1" dur="indefinite" restart="never" nodeType="tmRoot">
+          <p:childTnLst>
+            <p:seq concurrent="1" nextAc="seek">
+              <p:cTn id="2" dur="indefinite" nodeType="mainSeq">
+                <p:childTnLst>
+                  <p:par>
+                    <p:cTn id="3" fill="hold">
+                      <p:stCondLst>
+                        <p:cond delay="indefinite"/>
+                      </p:stCondLst>
+                      <p:childTnLst>
+                        <p:par>
+                          <p:cTn id="4" fill="hold">
+                            <p:stCondLst>
+                              <p:cond delay="0"/>
+                            </p:stCondLst>
+                            <p:childTnLst>
+                              <p:par>
+                                <p:cTn id="5" presetID="10" presetClass="entr" presetSubtype="0" fill="hold" grpId="0" nodeType="clickEffect">
+                                  <p:stCondLst>
+                                    <p:cond delay="0"/>
+                                  </p:stCondLst>
+                                  <p:childTnLst>
+                                    <p:set>
+                                      <p:cBhvr>
+                                        <p:cTn id="6" dur="1" fill="hold">
+                                          <p:stCondLst>
+                                            <p:cond delay="0"/>
+                                          </p:stCondLst>
+                                        </p:cTn>
+                                        <p:tgtEl>
+                                          <p:spTgt spid="2"/>
+                                        </p:tgtEl>
+                                        <p:attrNameLst>
+                                          <p:attrName>style.visibility</p:attrName>
+                                        </p:attrNameLst>
+                                      </p:cBhvr>
+                                      <p:to>
+                                        <p:strVal val="visible"/>
+                                      </p:to>
+                                    </p:set>
+                                    <p:animEffect transition="in" filter="fade">
+                                      <p:cBhvr>
+                                        <p:cTn id="7" dur="500"/>
+                                        <p:tgtEl>
+                                          <p:spTgt spid="2"/>
+                                        </p:tgtEl>
+                                      </p:cBhvr>
+                                    </p:animEffect>
+                                  </p:childTnLst>
+                                </p:cTn>
+                              </p:par>
+                              <p:par>
+                                <p:cTn id="8" presetID="10" presetClass="entr" presetSubtype="0" fill="hold" grpId="0" nodeType="withEffect">
+                                  <p:stCondLst>
+                                    <p:cond delay="0"/>
+                                  </p:stCondLst>
+                                  <p:childTnLst>
+                                    <p:set>
+                                      <p:cBhvr>
+                                        <p:cTn id="9" dur="1" fill="hold">
+                                          <p:stCondLst>
+                                            <p:cond delay="0"/>
+                                          </p:stCondLst>
+                                        </p:cTn>
+                                        <p:tgtEl>
+                                          <p:spTgt spid="10"/>
+                                        </p:tgtEl>
+                                        <p:attrNameLst>
+                                          <p:attrName>style.visibility</p:attrName>
+                                        </p:attrNameLst>
+                                      </p:cBhvr>
+                                      <p:to>
+                                        <p:strVal val="visible"/>
+                                      </p:to>
+                                    </p:set>
+                                    <p:animEffect transition="in" filter="fade">
+                                      <p:cBhvr>
+                                        <p:cTn id="10" dur="500"/>
+                                        <p:tgtEl>
+                                          <p:spTgt spid="10"/>
+                                        </p:tgtEl>
+                                      </p:cBhvr>
+                                    </p:animEffect>
+                                  </p:childTnLst>
+                                </p:cTn>
+                              </p:par>
+                            </p:childTnLst>
+                          </p:cTn>
+                        </p:par>
+                      </p:childTnLst>
+                    </p:cTn>
+                  </p:par>
+                  <p:par>
+                    <p:cTn id="11" fill="hold">
+                      <p:stCondLst>
+                        <p:cond delay="indefinite"/>
+                      </p:stCondLst>
+                      <p:childTnLst>
+                        <p:par>
+                          <p:cTn id="12" fill="hold">
+                            <p:stCondLst>
+                              <p:cond delay="0"/>
+                            </p:stCondLst>
+                            <p:childTnLst>
+                              <p:par>
+                                <p:cTn id="13" presetID="10" presetClass="entr" presetSubtype="0" fill="hold" grpId="0" nodeType="clickEffect">
+                                  <p:stCondLst>
+                                    <p:cond delay="0"/>
+                                  </p:stCondLst>
+                                  <p:childTnLst>
+                                    <p:set>
+                                      <p:cBhvr>
+                                        <p:cTn id="14" dur="1" fill="hold">
+                                          <p:stCondLst>
+                                            <p:cond delay="0"/>
+                                          </p:stCondLst>
+                                        </p:cTn>
+                                        <p:tgtEl>
+                                          <p:spTgt spid="3"/>
+                                        </p:tgtEl>
+                                        <p:attrNameLst>
+                                          <p:attrName>style.visibility</p:attrName>
+                                        </p:attrNameLst>
+                                      </p:cBhvr>
+                                      <p:to>
+                                        <p:strVal val="visible"/>
+                                      </p:to>
+                                    </p:set>
+                                    <p:animEffect transition="in" filter="fade">
+                                      <p:cBhvr>
+                                        <p:cTn id="15" dur="500"/>
+                                        <p:tgtEl>
+                                          <p:spTgt spid="3"/>
+                                        </p:tgtEl>
+                                      </p:cBhvr>
+                                    </p:animEffect>
+                                  </p:childTnLst>
+                                </p:cTn>
+                              </p:par>
+                            </p:childTnLst>
+                          </p:cTn>
+                        </p:par>
+                      </p:childTnLst>
+                    </p:cTn>
+                  </p:par>
+                  <p:par>
+                    <p:cTn id="16" fill="hold">
+                      <p:stCondLst>
+                        <p:cond delay="indefinite"/>
+                      </p:stCondLst>
+                      <p:childTnLst>
+                        <p:par>
+                          <p:cTn id="17" fill="hold">
+                            <p:stCondLst>
+                              <p:cond delay="0"/>
+                            </p:stCondLst>
+                            <p:childTnLst>
+                              <p:par>
+                                <p:cTn id="18" presetID="10" presetClass="entr" presetSubtype="0" fill="hold" grpId="0" nodeType="clickEffect">
+                                  <p:stCondLst>
+                                    <p:cond delay="0"/>
+                                  </p:stCondLst>
+                                  <p:childTnLst>
+                                    <p:set>
+                                      <p:cBhvr>
+                                        <p:cTn id="19" dur="1" fill="hold">
+                                          <p:stCondLst>
+                                            <p:cond delay="0"/>
+                                          </p:stCondLst>
+                                        </p:cTn>
+                                        <p:tgtEl>
+                                          <p:spTgt spid="11"/>
+                                        </p:tgtEl>
+                                        <p:attrNameLst>
+                                          <p:attrName>style.visibility</p:attrName>
+                                        </p:attrNameLst>
+                                      </p:cBhvr>
+                                      <p:to>
+                                        <p:strVal val="visible"/>
+                                      </p:to>
+                                    </p:set>
+                                    <p:animEffect transition="in" filter="fade">
+                                      <p:cBhvr>
+                                        <p:cTn id="20" dur="500"/>
+                                        <p:tgtEl>
+                                          <p:spTgt spid="11"/>
+                                        </p:tgtEl>
+                                      </p:cBhvr>
+                                    </p:animEffect>
+                                  </p:childTnLst>
+                                </p:cTn>
+                              </p:par>
+                            </p:childTnLst>
+                          </p:cTn>
+                        </p:par>
+                      </p:childTnLst>
+                    </p:cTn>
+                  </p:par>
+                </p:childTnLst>
+              </p:cTn>
+              <p:prevCondLst>
+                <p:cond evt="onPrev" delay="0">
+                  <p:tgtEl>
+                    <p:sldTgt/>
+                  </p:tgtEl>
+                </p:cond>
+              </p:prevCondLst>
+              <p:nextCondLst>
+                <p:cond evt="onNext" delay="0">
+                  <p:tgtEl>
+                    <p:sldTgt/>
+                  </p:tgtEl>
+                </p:cond>
+              </p:nextCondLst>
+            </p:seq>
+          </p:childTnLst>
+        </p:cTn>
+      </p:par>
+    </p:tnLst>
+    <p:bldLst>
+      <p:bldP spid="2" grpId="0" animBg="1"/>
+      <p:bldP spid="10" grpId="0" animBg="1"/>
+      <p:bldP spid="3" grpId="0" animBg="1"/>
+      <p:bldP spid="11" grpId="0" animBg="1"/>
+    </p:bldLst>
+  </p:timing>
+</p:sld>
+</file>
+
+<file path=ppt/slides/slide13.xml><?xml version="1.0" encoding="utf-8"?>
+<p:sld xmlns:a="http://schemas.openxmlformats.org/drawingml/2006/main" xmlns:r="http://schemas.openxmlformats.org/officeDocument/2006/relationships" xmlns:p="http://schemas.openxmlformats.org/presentationml/2006/main">
+  <p:cSld>
+    <p:spTree>
+      <p:nvGrpSpPr>
+        <p:cNvPr id="1" name=""/>
+        <p:cNvGrpSpPr/>
+        <p:nvPr/>
+      </p:nvGrpSpPr>
+      <p:grpSpPr>
+        <a:xfrm>
+          <a:off x="0" y="0"/>
+          <a:ext cx="0" cy="0"/>
+          <a:chOff x="0" y="0"/>
+          <a:chExt cx="0" cy="0"/>
+        </a:xfrm>
+      </p:grpSpPr>
+      <p:sp>
+        <p:nvSpPr>
+          <p:cNvPr id="5" name="標題 4"/>
+          <p:cNvSpPr>
+            <a:spLocks noGrp="1"/>
+          </p:cNvSpPr>
+          <p:nvPr>
+            <p:ph type="title"/>
+          </p:nvPr>
+        </p:nvSpPr>
+        <p:spPr/>
+        <p:txBody>
+          <a:bodyPr/>
+          <a:lstStyle/>
+          <a:p>
+            <a:r>
+              <a:rPr lang="en-US" altLang="zh-TW" dirty="0" smtClean="0"/>
+              <a:t>Q: </a:t>
+            </a:r>
+            <a:r>
+              <a:rPr lang="zh-TW" altLang="en-US" dirty="0" smtClean="0"/>
+              <a:t>如何替不同客戶提供不同的 </a:t>
+            </a:r>
+            <a:r>
+              <a:rPr lang="en-US" altLang="zh-TW" dirty="0" smtClean="0"/>
+              <a:t>SLA</a:t>
+            </a:r>
+            <a:r>
+              <a:rPr lang="zh-TW" altLang="en-US" dirty="0" smtClean="0"/>
+              <a:t> </a:t>
+            </a:r>
+            <a:r>
+              <a:rPr lang="en-US" altLang="zh-TW" dirty="0" smtClean="0"/>
+              <a:t>?</a:t>
+            </a:r>
+            <a:endParaRPr lang="en-US" dirty="0"/>
+          </a:p>
+        </p:txBody>
+      </p:sp>
+      <p:sp>
+        <p:nvSpPr>
+          <p:cNvPr id="6" name="文字版面配置區 5"/>
+          <p:cNvSpPr>
+            <a:spLocks noGrp="1"/>
+          </p:cNvSpPr>
+          <p:nvPr>
+            <p:ph type="body" idx="1"/>
+          </p:nvPr>
+        </p:nvSpPr>
+        <p:spPr/>
+        <p:txBody>
+          <a:bodyPr/>
+          <a:lstStyle/>
+          <a:p>
+            <a:r>
+              <a:rPr lang="zh-TW" altLang="en-US" dirty="0" smtClean="0"/>
+              <a:t>提供不同的效能保證 </a:t>
+            </a:r>
+            <a:r>
+              <a:rPr lang="en-US" altLang="zh-TW" dirty="0" smtClean="0"/>
+              <a:t>(share mode)</a:t>
+            </a:r>
+          </a:p>
+          <a:p>
+            <a:r>
+              <a:rPr lang="zh-TW" altLang="en-US" dirty="0" smtClean="0"/>
+              <a:t>提供保證的效能等級 </a:t>
+            </a:r>
+            <a:r>
+              <a:rPr lang="en-US" altLang="zh-TW" dirty="0" smtClean="0"/>
+              <a:t>(standard mode)</a:t>
+            </a:r>
+          </a:p>
+          <a:p>
+            <a:r>
+              <a:rPr lang="zh-TW" altLang="en-US" dirty="0" smtClean="0"/>
+              <a:t>提供專屬客戶獨立的設備 </a:t>
+            </a:r>
+            <a:r>
+              <a:rPr lang="en-US" altLang="zh-TW" dirty="0" smtClean="0"/>
+              <a:t>(isolated mode)</a:t>
+            </a:r>
+            <a:endParaRPr lang="en-US" dirty="0"/>
+          </a:p>
+        </p:txBody>
+      </p:sp>
+    </p:spTree>
+    <p:extLst>
+      <p:ext uri="{BB962C8B-B14F-4D97-AF65-F5344CB8AC3E}">
+        <p14:creationId xmlns:p14="http://schemas.microsoft.com/office/powerpoint/2010/main" val="4124059287"/>
+      </p:ext>
+    </p:extLst>
+  </p:cSld>
+  <p:clrMapOvr>
+    <a:masterClrMapping/>
+  </p:clrMapOvr>
+  <p:timing>
+    <p:tnLst>
+      <p:par>
+        <p:cTn id="1" dur="indefinite" restart="never" nodeType="tmRoot"/>
+      </p:par>
+    </p:tnLst>
+  </p:timing>
+</p:sld>
+</file>
+
+<file path=ppt/slides/slide14.xml><?xml version="1.0" encoding="utf-8"?>
+<p:sld xmlns:a="http://schemas.openxmlformats.org/drawingml/2006/main" xmlns:r="http://schemas.openxmlformats.org/officeDocument/2006/relationships" xmlns:p="http://schemas.openxmlformats.org/presentationml/2006/main">
+  <p:cSld>
+    <p:spTree>
+      <p:nvGrpSpPr>
+        <p:cNvPr id="1" name=""/>
+        <p:cNvGrpSpPr/>
+        <p:nvPr/>
+      </p:nvGrpSpPr>
+      <p:grpSpPr>
+        <a:xfrm>
+          <a:off x="0" y="0"/>
+          <a:ext cx="0" cy="0"/>
+          <a:chOff x="0" y="0"/>
+          <a:chExt cx="0" cy="0"/>
+        </a:xfrm>
+      </p:grpSpPr>
+      <p:sp>
+        <p:nvSpPr>
+          <p:cNvPr id="5" name="標題 4"/>
+          <p:cNvSpPr>
+            <a:spLocks noGrp="1"/>
+          </p:cNvSpPr>
+          <p:nvPr>
+            <p:ph type="title"/>
+          </p:nvPr>
+        </p:nvSpPr>
+        <p:spPr/>
+        <p:txBody>
+          <a:bodyPr/>
+          <a:lstStyle/>
+          <a:p>
+            <a:r>
+              <a:rPr lang="zh-TW" altLang="en-US" dirty="0" smtClean="0"/>
+              <a:t>案例探討</a:t>
+            </a:r>
+            <a:r>
+              <a:rPr lang="en-US" altLang="zh-TW" dirty="0" smtClean="0"/>
+              <a:t>:</a:t>
+            </a:r>
+            <a:r>
+              <a:rPr lang="zh-TW" altLang="en-US" dirty="0" smtClean="0"/>
+              <a:t> </a:t>
+            </a:r>
+            <a:r>
+              <a:rPr lang="en-US" altLang="zh-TW" dirty="0" smtClean="0"/>
+              <a:t>SLA</a:t>
+            </a:r>
+            <a:r>
+              <a:rPr lang="zh-TW" altLang="en-US" dirty="0" smtClean="0"/>
+              <a:t> 層級劃分</a:t>
+            </a:r>
+            <a:endParaRPr lang="en-US" dirty="0"/>
+          </a:p>
+        </p:txBody>
+      </p:sp>
+      <p:sp>
+        <p:nvSpPr>
+          <p:cNvPr id="6" name="文字版面配置區 5"/>
+          <p:cNvSpPr>
+            <a:spLocks noGrp="1"/>
+          </p:cNvSpPr>
+          <p:nvPr>
+            <p:ph type="body" idx="1"/>
+          </p:nvPr>
+        </p:nvSpPr>
+        <p:spPr/>
+        <p:txBody>
+          <a:bodyPr/>
+          <a:lstStyle/>
+          <a:p>
+            <a:r>
+              <a:rPr lang="en-US" altLang="zh-TW" dirty="0" smtClean="0"/>
+              <a:t>(service definition with tags)</a:t>
+            </a:r>
+          </a:p>
+          <a:p>
+            <a:r>
+              <a:rPr lang="en-US" dirty="0" smtClean="0"/>
+              <a:t>(:free, :</a:t>
+            </a:r>
+            <a:r>
+              <a:rPr lang="en-US" dirty="0" err="1" smtClean="0"/>
+              <a:t>vip</a:t>
+            </a:r>
+            <a:r>
+              <a:rPr lang="en-US" dirty="0" smtClean="0"/>
+              <a:t>)</a:t>
+            </a:r>
+          </a:p>
+          <a:p>
+            <a:r>
+              <a:rPr lang="en-US" dirty="0" smtClean="0"/>
+              <a:t>(free client -&gt; :free only)</a:t>
+            </a:r>
+          </a:p>
+          <a:p>
+            <a:r>
+              <a:rPr lang="en-US" dirty="0" smtClean="0"/>
+              <a:t>(</a:t>
+            </a:r>
+            <a:r>
+              <a:rPr lang="en-US" dirty="0" err="1" smtClean="0"/>
+              <a:t>vip</a:t>
+            </a:r>
+            <a:r>
+              <a:rPr lang="en-US" dirty="0" smtClean="0"/>
+              <a:t> client -&gt; :</a:t>
+            </a:r>
+            <a:r>
+              <a:rPr lang="en-US" dirty="0" err="1" smtClean="0"/>
+              <a:t>vip</a:t>
+            </a:r>
+            <a:r>
+              <a:rPr lang="en-US" dirty="0" smtClean="0"/>
+              <a:t> first, use :free if :</a:t>
+            </a:r>
+            <a:r>
+              <a:rPr lang="en-US" dirty="0" err="1" smtClean="0"/>
+              <a:t>vip</a:t>
+            </a:r>
+            <a:r>
+              <a:rPr lang="en-US" dirty="0" smtClean="0"/>
+              <a:t> fail)</a:t>
+            </a:r>
+          </a:p>
+          <a:p>
+            <a:r>
+              <a:rPr lang="en-US" dirty="0" smtClean="0"/>
+              <a:t>(selected client -&gt; :</a:t>
+            </a:r>
+            <a:r>
+              <a:rPr lang="en-US" dirty="0" err="1" smtClean="0"/>
+              <a:t>talentId</a:t>
+            </a:r>
+            <a:r>
+              <a:rPr lang="en-US" dirty="0" smtClean="0"/>
+              <a:t>)</a:t>
+            </a:r>
+            <a:endParaRPr lang="en-US" dirty="0"/>
+          </a:p>
+        </p:txBody>
+      </p:sp>
+    </p:spTree>
+    <p:extLst>
+      <p:ext uri="{BB962C8B-B14F-4D97-AF65-F5344CB8AC3E}">
+        <p14:creationId xmlns:p14="http://schemas.microsoft.com/office/powerpoint/2010/main" val="158227796"/>
+      </p:ext>
+    </p:extLst>
+  </p:cSld>
+  <p:clrMapOvr>
+    <a:masterClrMapping/>
+  </p:clrMapOvr>
+  <p:timing>
+    <p:tnLst>
+      <p:par>
+        <p:cTn id="1" dur="indefinite" restart="never" nodeType="tmRoot"/>
+      </p:par>
+    </p:tnLst>
+  </p:timing>
+</p:sld>
+</file>
+
+<file path=ppt/slides/slide15.xml><?xml version="1.0" encoding="utf-8"?>
+<p:sld xmlns:a="http://schemas.openxmlformats.org/drawingml/2006/main" xmlns:r="http://schemas.openxmlformats.org/officeDocument/2006/relationships" xmlns:p="http://schemas.openxmlformats.org/presentationml/2006/main">
+  <p:cSld>
+    <p:spTree>
+      <p:nvGrpSpPr>
+        <p:cNvPr id="1" name=""/>
+        <p:cNvGrpSpPr/>
+        <p:nvPr/>
+      </p:nvGrpSpPr>
+      <p:grpSpPr>
+        <a:xfrm>
+          <a:off x="0" y="0"/>
+          <a:ext cx="0" cy="0"/>
+          <a:chOff x="0" y="0"/>
+          <a:chExt cx="0" cy="0"/>
+        </a:xfrm>
+      </p:grpSpPr>
+      <p:sp>
+        <p:nvSpPr>
+          <p:cNvPr id="5" name="標題 4"/>
+          <p:cNvSpPr>
+            <a:spLocks noGrp="1"/>
+          </p:cNvSpPr>
+          <p:nvPr>
+            <p:ph type="title"/>
+          </p:nvPr>
+        </p:nvSpPr>
+        <p:spPr/>
+        <p:txBody>
+          <a:bodyPr/>
+          <a:lstStyle/>
+          <a:p>
+            <a:endParaRPr lang="en-US"/>
+          </a:p>
+        </p:txBody>
+      </p:sp>
+      <p:sp>
+        <p:nvSpPr>
+          <p:cNvPr id="6" name="文字版面配置區 5"/>
+          <p:cNvSpPr>
+            <a:spLocks noGrp="1"/>
+          </p:cNvSpPr>
+          <p:nvPr>
+            <p:ph type="body" idx="1"/>
+          </p:nvPr>
+        </p:nvSpPr>
+        <p:spPr/>
+        <p:txBody>
+          <a:bodyPr/>
+          <a:lstStyle/>
+          <a:p>
+            <a:endParaRPr lang="en-US"/>
+          </a:p>
+        </p:txBody>
+      </p:sp>
+    </p:spTree>
+    <p:extLst>
+      <p:ext uri="{BB962C8B-B14F-4D97-AF65-F5344CB8AC3E}">
+        <p14:creationId xmlns:p14="http://schemas.microsoft.com/office/powerpoint/2010/main" val="2797172414"/>
+      </p:ext>
+    </p:extLst>
+  </p:cSld>
+  <p:clrMapOvr>
+    <a:masterClrMapping/>
+  </p:clrMapOvr>
+  <p:timing>
+    <p:tnLst>
+      <p:par>
+        <p:cTn id="1" dur="indefinite" restart="never" nodeType="tmRoot"/>
+      </p:par>
+    </p:tnLst>
+  </p:timing>
+</p:sld>
+</file>
+
+<file path=ppt/slides/slide16.xml><?xml version="1.0" encoding="utf-8"?>
+<p:sld xmlns:a="http://schemas.openxmlformats.org/drawingml/2006/main" xmlns:r="http://schemas.openxmlformats.org/officeDocument/2006/relationships" xmlns:p="http://schemas.openxmlformats.org/presentationml/2006/main">
+  <p:cSld>
+    <p:spTree>
+      <p:nvGrpSpPr>
+        <p:cNvPr id="1" name=""/>
+        <p:cNvGrpSpPr/>
+        <p:nvPr/>
+      </p:nvGrpSpPr>
+      <p:grpSpPr>
+        <a:xfrm>
+          <a:off x="0" y="0"/>
+          <a:ext cx="0" cy="0"/>
+          <a:chOff x="0" y="0"/>
+          <a:chExt cx="0" cy="0"/>
+        </a:xfrm>
+      </p:grpSpPr>
+      <p:sp>
+        <p:nvSpPr>
+          <p:cNvPr id="5" name="標題 4"/>
+          <p:cNvSpPr>
+            <a:spLocks noGrp="1"/>
+          </p:cNvSpPr>
+          <p:nvPr>
+            <p:ph type="title"/>
+          </p:nvPr>
+        </p:nvSpPr>
+        <p:spPr/>
+        <p:txBody>
+          <a:bodyPr/>
+          <a:lstStyle/>
+          <a:p>
+            <a:r>
+              <a:rPr lang="en-US" dirty="0" smtClean="0"/>
+              <a:t>Again: Different?</a:t>
+            </a:r>
+            <a:endParaRPr lang="en-US" dirty="0"/>
+          </a:p>
+        </p:txBody>
+      </p:sp>
+      <p:sp>
+        <p:nvSpPr>
+          <p:cNvPr id="6" name="文字版面配置區 5"/>
+          <p:cNvSpPr>
+            <a:spLocks noGrp="1"/>
+          </p:cNvSpPr>
+          <p:nvPr>
+            <p:ph type="body" idx="1"/>
+          </p:nvPr>
+        </p:nvSpPr>
+        <p:spPr/>
+        <p:txBody>
+          <a:bodyPr/>
+          <a:lstStyle/>
+          <a:p>
+            <a:endParaRPr lang="en-US"/>
+          </a:p>
+        </p:txBody>
+      </p:sp>
+      <p:pic>
+        <p:nvPicPr>
+          <p:cNvPr id="4" name="Picture 4" descr="With client-side service discovery, the client determines the network locations of available service instances and load balances requests across them"/>
+          <p:cNvPicPr>
+            <a:picLocks noChangeAspect="1" noChangeArrowheads="1"/>
+          </p:cNvPicPr>
+          <p:nvPr/>
+        </p:nvPicPr>
+        <p:blipFill>
+          <a:blip r:embed="rId2">
+            <a:extLst>
+              <a:ext uri="{28A0092B-C50C-407E-A947-70E740481C1C}">
+                <a14:useLocalDpi xmlns:a14="http://schemas.microsoft.com/office/drawing/2010/main" val="0"/>
+              </a:ext>
+            </a:extLst>
+          </a:blip>
+          <a:srcRect/>
+          <a:stretch>
+            <a:fillRect/>
+          </a:stretch>
+        </p:blipFill>
+        <p:spPr bwMode="auto">
+          <a:xfrm>
+            <a:off x="5239104" y="1200150"/>
+            <a:ext cx="3447696" cy="3255784"/>
+          </a:xfrm>
+          <a:prstGeom prst="rect">
+            <a:avLst/>
+          </a:prstGeom>
+          <a:noFill/>
+          <a:extLst>
+            <a:ext uri="{909E8E84-426E-40DD-AFC4-6F175D3DCCD1}">
+              <a14:hiddenFill xmlns:a14="http://schemas.microsoft.com/office/drawing/2010/main">
+                <a:solidFill>
+                  <a:srgbClr val="FFFFFF"/>
+                </a:solidFill>
+              </a14:hiddenFill>
+            </a:ext>
+          </a:extLst>
+        </p:spPr>
+      </p:pic>
+      <p:pic>
+        <p:nvPicPr>
+          <p:cNvPr id="7" name="Picture 2" descr="With the server-side service discovery, the load balancer queries a service registry about service locations; clients interact only with the load balancer"/>
+          <p:cNvPicPr>
+            <a:picLocks noChangeAspect="1" noChangeArrowheads="1"/>
+          </p:cNvPicPr>
+          <p:nvPr/>
+        </p:nvPicPr>
+        <p:blipFill>
+          <a:blip r:embed="rId3">
+            <a:extLst>
+              <a:ext uri="{28A0092B-C50C-407E-A947-70E740481C1C}">
+                <a14:useLocalDpi xmlns:a14="http://schemas.microsoft.com/office/drawing/2010/main" val="0"/>
+              </a:ext>
+            </a:extLst>
+          </a:blip>
+          <a:srcRect/>
+          <a:stretch>
+            <a:fillRect/>
+          </a:stretch>
+        </p:blipFill>
+        <p:spPr bwMode="auto">
+          <a:xfrm>
+            <a:off x="202497" y="1416165"/>
+            <a:ext cx="4582451" cy="2823755"/>
+          </a:xfrm>
+          <a:prstGeom prst="rect">
+            <a:avLst/>
+          </a:prstGeom>
+          <a:noFill/>
+          <a:extLst>
+            <a:ext uri="{909E8E84-426E-40DD-AFC4-6F175D3DCCD1}">
+              <a14:hiddenFill xmlns:a14="http://schemas.microsoft.com/office/drawing/2010/main">
+                <a:solidFill>
+                  <a:srgbClr val="FFFFFF"/>
+                </a:solidFill>
+              </a14:hiddenFill>
+            </a:ext>
+          </a:extLst>
+        </p:spPr>
+      </p:pic>
+      <p:sp>
+        <p:nvSpPr>
+          <p:cNvPr id="8" name="文字方塊 7"/>
+          <p:cNvSpPr txBox="1"/>
+          <p:nvPr/>
+        </p:nvSpPr>
+        <p:spPr>
+          <a:xfrm>
+            <a:off x="1017998" y="4366874"/>
+            <a:ext cx="2951449" cy="523220"/>
+          </a:xfrm>
+          <a:prstGeom prst="rect">
+            <a:avLst/>
+          </a:prstGeom>
+          <a:noFill/>
+        </p:spPr>
+        <p:txBody>
+          <a:bodyPr wrap="none" rtlCol="0">
+            <a:spAutoFit/>
+          </a:bodyPr>
+          <a:lstStyle/>
+          <a:p>
+            <a:r>
+              <a:rPr lang="en-US" dirty="0"/>
+              <a:t>The Server‑Side Discovery Pattern</a:t>
+            </a:r>
+          </a:p>
+          <a:p>
+            <a:endParaRPr lang="en-US" dirty="0"/>
+          </a:p>
+        </p:txBody>
+      </p:sp>
+      <p:sp>
+        <p:nvSpPr>
+          <p:cNvPr id="9" name="文字方塊 8"/>
+          <p:cNvSpPr txBox="1"/>
+          <p:nvPr/>
+        </p:nvSpPr>
+        <p:spPr>
+          <a:xfrm>
+            <a:off x="5521692" y="4455934"/>
+            <a:ext cx="2882520" cy="523220"/>
+          </a:xfrm>
+          <a:prstGeom prst="rect">
+            <a:avLst/>
+          </a:prstGeom>
+          <a:noFill/>
+        </p:spPr>
+        <p:txBody>
+          <a:bodyPr wrap="none" rtlCol="0">
+            <a:spAutoFit/>
+          </a:bodyPr>
+          <a:lstStyle/>
+          <a:p>
+            <a:r>
+              <a:rPr lang="en-US" dirty="0"/>
+              <a:t>The Client‑Side Discovery Pattern</a:t>
+            </a:r>
+          </a:p>
+          <a:p>
+            <a:endParaRPr lang="en-US" dirty="0"/>
+          </a:p>
+        </p:txBody>
+      </p:sp>
+      <p:sp>
+        <p:nvSpPr>
+          <p:cNvPr id="2" name="圓角矩形 1"/>
+          <p:cNvSpPr/>
+          <p:nvPr/>
+        </p:nvSpPr>
+        <p:spPr>
+          <a:xfrm>
+            <a:off x="1609345" y="1943753"/>
+            <a:ext cx="1045028" cy="606117"/>
+          </a:xfrm>
+          <a:prstGeom prst="roundRect">
+            <a:avLst/>
+          </a:prstGeom>
+          <a:noFill/>
+        </p:spPr>
+        <p:style>
+          <a:lnRef idx="2">
+            <a:schemeClr val="accent1"/>
+          </a:lnRef>
+          <a:fillRef idx="1">
+            <a:schemeClr val="lt1"/>
+          </a:fillRef>
+          <a:effectRef idx="0">
+            <a:schemeClr val="accent1"/>
+          </a:effectRef>
+          <a:fontRef idx="minor">
+            <a:schemeClr val="dk1"/>
+          </a:fontRef>
+        </p:style>
+        <p:txBody>
+          <a:bodyPr rtlCol="0" anchor="ctr"/>
+          <a:lstStyle/>
+          <a:p>
+            <a:pPr algn="ctr"/>
+            <a:endParaRPr lang="en-US"/>
+          </a:p>
+        </p:txBody>
+      </p:sp>
+      <p:sp>
+        <p:nvSpPr>
+          <p:cNvPr id="10" name="圓角矩形 9"/>
+          <p:cNvSpPr/>
+          <p:nvPr/>
+        </p:nvSpPr>
+        <p:spPr>
+          <a:xfrm>
+            <a:off x="5768557" y="1802675"/>
+            <a:ext cx="736745" cy="747196"/>
+          </a:xfrm>
+          <a:prstGeom prst="roundRect">
+            <a:avLst/>
+          </a:prstGeom>
+          <a:noFill/>
+        </p:spPr>
+        <p:style>
+          <a:lnRef idx="2">
+            <a:schemeClr val="accent1"/>
+          </a:lnRef>
+          <a:fillRef idx="1">
+            <a:schemeClr val="lt1"/>
+          </a:fillRef>
+          <a:effectRef idx="0">
+            <a:schemeClr val="accent1"/>
+          </a:effectRef>
+          <a:fontRef idx="minor">
+            <a:schemeClr val="dk1"/>
+          </a:fontRef>
+        </p:style>
+        <p:txBody>
+          <a:bodyPr rtlCol="0" anchor="ctr"/>
+          <a:lstStyle/>
+          <a:p>
+            <a:pPr algn="ctr"/>
+            <a:endParaRPr lang="en-US"/>
+          </a:p>
+        </p:txBody>
+      </p:sp>
+      <p:sp>
+        <p:nvSpPr>
+          <p:cNvPr id="3" name="圓角矩形圖說文字 2"/>
+          <p:cNvSpPr/>
+          <p:nvPr/>
+        </p:nvSpPr>
+        <p:spPr>
+          <a:xfrm>
+            <a:off x="329182" y="2730227"/>
+            <a:ext cx="2147535" cy="906471"/>
+          </a:xfrm>
+          <a:prstGeom prst="wedgeRoundRectCallout">
+            <a:avLst>
+              <a:gd name="adj1" fmla="val 34943"/>
+              <a:gd name="adj2" fmla="val -62825"/>
+              <a:gd name="adj3" fmla="val 16667"/>
+            </a:avLst>
+          </a:prstGeom>
+        </p:spPr>
+        <p:style>
+          <a:lnRef idx="2">
+            <a:schemeClr val="accent5"/>
+          </a:lnRef>
+          <a:fillRef idx="1">
+            <a:schemeClr val="lt1"/>
+          </a:fillRef>
+          <a:effectRef idx="0">
+            <a:schemeClr val="accent5"/>
+          </a:effectRef>
+          <a:fontRef idx="minor">
+            <a:schemeClr val="dk1"/>
+          </a:fontRef>
+        </p:style>
+        <p:txBody>
+          <a:bodyPr rtlCol="0" anchor="ctr"/>
+          <a:lstStyle/>
+          <a:p>
+            <a:r>
+              <a:rPr lang="zh-TW" altLang="en-US" dirty="0" smtClean="0"/>
+              <a:t>中心化的架構，多了一個服務需要顧及 </a:t>
+            </a:r>
+            <a:r>
+              <a:rPr lang="en-US" altLang="zh-TW" dirty="0" smtClean="0"/>
+              <a:t>HA</a:t>
+            </a:r>
+            <a:r>
+              <a:rPr lang="zh-TW" altLang="en-US" dirty="0" smtClean="0"/>
+              <a:t> </a:t>
+            </a:r>
+            <a:r>
+              <a:rPr lang="en-US" altLang="zh-TW" dirty="0" smtClean="0"/>
+              <a:t>(</a:t>
+            </a:r>
+            <a:r>
+              <a:rPr lang="zh-TW" altLang="en-US" dirty="0" smtClean="0"/>
+              <a:t>單點失敗的風險</a:t>
+            </a:r>
+            <a:r>
+              <a:rPr lang="en-US" altLang="zh-TW" dirty="0" smtClean="0"/>
+              <a:t>)</a:t>
+            </a:r>
+            <a:r>
+              <a:rPr lang="zh-TW" altLang="en-US" dirty="0" smtClean="0"/>
+              <a:t>；同時也隱含了效能瓶頸的風險。</a:t>
+            </a:r>
+            <a:endParaRPr lang="en-US" dirty="0"/>
+          </a:p>
+        </p:txBody>
+      </p:sp>
+      <p:sp>
+        <p:nvSpPr>
+          <p:cNvPr id="11" name="圓角矩形圖說文字 10"/>
+          <p:cNvSpPr/>
+          <p:nvPr/>
+        </p:nvSpPr>
+        <p:spPr>
+          <a:xfrm>
+            <a:off x="6505301" y="2660664"/>
+            <a:ext cx="2095283" cy="887208"/>
+          </a:xfrm>
+          <a:prstGeom prst="wedgeRoundRectCallout">
+            <a:avLst>
+              <a:gd name="adj1" fmla="val -44595"/>
+              <a:gd name="adj2" fmla="val -73215"/>
+              <a:gd name="adj3" fmla="val 16667"/>
+            </a:avLst>
+          </a:prstGeom>
+        </p:spPr>
+        <p:style>
+          <a:lnRef idx="2">
+            <a:schemeClr val="accent5"/>
+          </a:lnRef>
+          <a:fillRef idx="1">
+            <a:schemeClr val="lt1"/>
+          </a:fillRef>
+          <a:effectRef idx="0">
+            <a:schemeClr val="accent5"/>
+          </a:effectRef>
+          <a:fontRef idx="minor">
+            <a:schemeClr val="dk1"/>
+          </a:fontRef>
+        </p:style>
+        <p:txBody>
+          <a:bodyPr rtlCol="0" anchor="ctr"/>
+          <a:lstStyle/>
+          <a:p>
+            <a:r>
+              <a:rPr lang="zh-TW" altLang="en-US" dirty="0" smtClean="0"/>
+              <a:t>去中心化的架構，點對點的通訊，沒有單點失敗與效能瓶頸的風險。</a:t>
+            </a:r>
+            <a:endParaRPr lang="en-US" dirty="0"/>
+          </a:p>
+        </p:txBody>
+      </p:sp>
+      <p:sp>
+        <p:nvSpPr>
+          <p:cNvPr id="12" name="圓角矩形圖說文字 11"/>
+          <p:cNvSpPr/>
+          <p:nvPr/>
+        </p:nvSpPr>
+        <p:spPr>
+          <a:xfrm>
+            <a:off x="329182" y="3811073"/>
+            <a:ext cx="2147535" cy="906471"/>
+          </a:xfrm>
+          <a:prstGeom prst="wedgeRoundRectCallout">
+            <a:avLst>
+              <a:gd name="adj1" fmla="val 34943"/>
+              <a:gd name="adj2" fmla="val -62825"/>
+              <a:gd name="adj3" fmla="val 16667"/>
+            </a:avLst>
+          </a:prstGeom>
+        </p:spPr>
+        <p:style>
+          <a:lnRef idx="2">
+            <a:schemeClr val="accent5"/>
+          </a:lnRef>
+          <a:fillRef idx="1">
+            <a:schemeClr val="lt1"/>
+          </a:fillRef>
+          <a:effectRef idx="0">
+            <a:schemeClr val="accent5"/>
+          </a:effectRef>
+          <a:fontRef idx="minor">
+            <a:schemeClr val="dk1"/>
+          </a:fontRef>
+        </p:style>
+        <p:txBody>
+          <a:bodyPr rtlCol="0" anchor="ctr"/>
+          <a:lstStyle/>
+          <a:p>
+            <a:r>
+              <a:rPr lang="zh-TW" altLang="en-US" dirty="0" smtClean="0"/>
+              <a:t>非侵入式的架構，升級及維護都非常容易，相容性高不易出錯。</a:t>
+            </a:r>
+            <a:endParaRPr lang="en-US" dirty="0"/>
+          </a:p>
+        </p:txBody>
+      </p:sp>
+      <p:sp>
+        <p:nvSpPr>
+          <p:cNvPr id="13" name="圓角矩形圖說文字 12"/>
+          <p:cNvSpPr/>
+          <p:nvPr/>
+        </p:nvSpPr>
+        <p:spPr>
+          <a:xfrm>
+            <a:off x="6505301" y="3679518"/>
+            <a:ext cx="2095283" cy="991759"/>
+          </a:xfrm>
+          <a:prstGeom prst="wedgeRoundRectCallout">
+            <a:avLst>
+              <a:gd name="adj1" fmla="val -44595"/>
+              <a:gd name="adj2" fmla="val -73215"/>
+              <a:gd name="adj3" fmla="val 16667"/>
+            </a:avLst>
+          </a:prstGeom>
+        </p:spPr>
+        <p:style>
+          <a:lnRef idx="2">
+            <a:schemeClr val="accent5"/>
+          </a:lnRef>
+          <a:fillRef idx="1">
+            <a:schemeClr val="lt1"/>
+          </a:fillRef>
+          <a:effectRef idx="0">
+            <a:schemeClr val="accent5"/>
+          </a:effectRef>
+          <a:fontRef idx="minor">
+            <a:schemeClr val="dk1"/>
+          </a:fontRef>
+        </p:style>
+        <p:txBody>
+          <a:bodyPr rtlCol="0" anchor="ctr"/>
+          <a:lstStyle/>
+          <a:p>
+            <a:r>
+              <a:rPr lang="zh-TW" altLang="en-US" dirty="0" smtClean="0"/>
+              <a:t>侵入式的架構，升級需要重新部署應用程式，需要經過大量測試，升級失敗的風險高。</a:t>
+            </a:r>
+            <a:endParaRPr lang="en-US" dirty="0"/>
+          </a:p>
+        </p:txBody>
+      </p:sp>
+    </p:spTree>
+    <p:extLst>
+      <p:ext uri="{BB962C8B-B14F-4D97-AF65-F5344CB8AC3E}">
+        <p14:creationId xmlns:p14="http://schemas.microsoft.com/office/powerpoint/2010/main" val="78858170"/>
+      </p:ext>
+    </p:extLst>
+  </p:cSld>
+  <p:clrMapOvr>
+    <a:masterClrMapping/>
+  </p:clrMapOvr>
+  <p:timing>
+    <p:tnLst>
+      <p:par>
+        <p:cTn id="1" dur="indefinite" restart="never" nodeType="tmRoot">
+          <p:childTnLst>
+            <p:seq concurrent="1" nextAc="seek">
+              <p:cTn id="2" dur="indefinite" nodeType="mainSeq">
+                <p:childTnLst>
+                  <p:par>
+                    <p:cTn id="3" fill="hold">
+                      <p:stCondLst>
+                        <p:cond delay="indefinite"/>
+                      </p:stCondLst>
+                      <p:childTnLst>
+                        <p:par>
+                          <p:cTn id="4" fill="hold">
+                            <p:stCondLst>
+                              <p:cond delay="0"/>
+                            </p:stCondLst>
+                            <p:childTnLst>
+                              <p:par>
+                                <p:cTn id="5" presetID="10" presetClass="entr" presetSubtype="0" fill="hold" grpId="0" nodeType="clickEffect">
+                                  <p:stCondLst>
+                                    <p:cond delay="0"/>
+                                  </p:stCondLst>
+                                  <p:childTnLst>
+                                    <p:set>
+                                      <p:cBhvr>
+                                        <p:cTn id="6" dur="1" fill="hold">
+                                          <p:stCondLst>
+                                            <p:cond delay="0"/>
+                                          </p:stCondLst>
+                                        </p:cTn>
+                                        <p:tgtEl>
+                                          <p:spTgt spid="2"/>
+                                        </p:tgtEl>
+                                        <p:attrNameLst>
+                                          <p:attrName>style.visibility</p:attrName>
+                                        </p:attrNameLst>
+                                      </p:cBhvr>
+                                      <p:to>
+                                        <p:strVal val="visible"/>
+                                      </p:to>
+                                    </p:set>
+                                    <p:animEffect transition="in" filter="fade">
+                                      <p:cBhvr>
+                                        <p:cTn id="7" dur="500"/>
+                                        <p:tgtEl>
+                                          <p:spTgt spid="2"/>
+                                        </p:tgtEl>
+                                      </p:cBhvr>
+                                    </p:animEffect>
+                                  </p:childTnLst>
+                                </p:cTn>
+                              </p:par>
+                              <p:par>
+                                <p:cTn id="8" presetID="10" presetClass="entr" presetSubtype="0" fill="hold" grpId="0" nodeType="withEffect">
+                                  <p:stCondLst>
+                                    <p:cond delay="0"/>
+                                  </p:stCondLst>
+                                  <p:childTnLst>
+                                    <p:set>
+                                      <p:cBhvr>
+                                        <p:cTn id="9" dur="1" fill="hold">
+                                          <p:stCondLst>
+                                            <p:cond delay="0"/>
+                                          </p:stCondLst>
+                                        </p:cTn>
+                                        <p:tgtEl>
+                                          <p:spTgt spid="10"/>
+                                        </p:tgtEl>
+                                        <p:attrNameLst>
+                                          <p:attrName>style.visibility</p:attrName>
+                                        </p:attrNameLst>
+                                      </p:cBhvr>
+                                      <p:to>
+                                        <p:strVal val="visible"/>
+                                      </p:to>
+                                    </p:set>
+                                    <p:animEffect transition="in" filter="fade">
+                                      <p:cBhvr>
+                                        <p:cTn id="10" dur="500"/>
+                                        <p:tgtEl>
+                                          <p:spTgt spid="10"/>
+                                        </p:tgtEl>
+                                      </p:cBhvr>
+                                    </p:animEffect>
+                                  </p:childTnLst>
+                                </p:cTn>
+                              </p:par>
+                            </p:childTnLst>
+                          </p:cTn>
+                        </p:par>
+                      </p:childTnLst>
+                    </p:cTn>
+                  </p:par>
+                  <p:par>
+                    <p:cTn id="11" fill="hold">
+                      <p:stCondLst>
+                        <p:cond delay="indefinite"/>
+                      </p:stCondLst>
+                      <p:childTnLst>
+                        <p:par>
+                          <p:cTn id="12" fill="hold">
+                            <p:stCondLst>
+                              <p:cond delay="0"/>
+                            </p:stCondLst>
+                            <p:childTnLst>
+                              <p:par>
+                                <p:cTn id="13" presetID="10" presetClass="entr" presetSubtype="0" fill="hold" grpId="0" nodeType="clickEffect">
+                                  <p:stCondLst>
+                                    <p:cond delay="0"/>
+                                  </p:stCondLst>
+                                  <p:childTnLst>
+                                    <p:set>
+                                      <p:cBhvr>
+                                        <p:cTn id="14" dur="1" fill="hold">
+                                          <p:stCondLst>
+                                            <p:cond delay="0"/>
+                                          </p:stCondLst>
+                                        </p:cTn>
+                                        <p:tgtEl>
+                                          <p:spTgt spid="3"/>
+                                        </p:tgtEl>
+                                        <p:attrNameLst>
+                                          <p:attrName>style.visibility</p:attrName>
+                                        </p:attrNameLst>
+                                      </p:cBhvr>
+                                      <p:to>
+                                        <p:strVal val="visible"/>
+                                      </p:to>
+                                    </p:set>
+                                    <p:animEffect transition="in" filter="fade">
+                                      <p:cBhvr>
+                                        <p:cTn id="15" dur="500"/>
+                                        <p:tgtEl>
+                                          <p:spTgt spid="3"/>
+                                        </p:tgtEl>
+                                      </p:cBhvr>
+                                    </p:animEffect>
+                                  </p:childTnLst>
+                                </p:cTn>
+                              </p:par>
+                            </p:childTnLst>
+                          </p:cTn>
+                        </p:par>
+                      </p:childTnLst>
+                    </p:cTn>
+                  </p:par>
+                  <p:par>
+                    <p:cTn id="16" fill="hold">
+                      <p:stCondLst>
+                        <p:cond delay="indefinite"/>
+                      </p:stCondLst>
+                      <p:childTnLst>
+                        <p:par>
+                          <p:cTn id="17" fill="hold">
+                            <p:stCondLst>
+                              <p:cond delay="0"/>
+                            </p:stCondLst>
+                            <p:childTnLst>
+                              <p:par>
+                                <p:cTn id="18" presetID="10" presetClass="entr" presetSubtype="0" fill="hold" grpId="0" nodeType="clickEffect">
+                                  <p:stCondLst>
+                                    <p:cond delay="0"/>
+                                  </p:stCondLst>
+                                  <p:childTnLst>
+                                    <p:set>
+                                      <p:cBhvr>
+                                        <p:cTn id="19" dur="1" fill="hold">
+                                          <p:stCondLst>
+                                            <p:cond delay="0"/>
+                                          </p:stCondLst>
+                                        </p:cTn>
+                                        <p:tgtEl>
+                                          <p:spTgt spid="11"/>
+                                        </p:tgtEl>
+                                        <p:attrNameLst>
+                                          <p:attrName>style.visibility</p:attrName>
+                                        </p:attrNameLst>
+                                      </p:cBhvr>
+                                      <p:to>
+                                        <p:strVal val="visible"/>
+                                      </p:to>
+                                    </p:set>
+                                    <p:animEffect transition="in" filter="fade">
+                                      <p:cBhvr>
+                                        <p:cTn id="20" dur="500"/>
+                                        <p:tgtEl>
+                                          <p:spTgt spid="11"/>
+                                        </p:tgtEl>
+                                      </p:cBhvr>
+                                    </p:animEffect>
+                                  </p:childTnLst>
+                                </p:cTn>
+                              </p:par>
+                            </p:childTnLst>
+                          </p:cTn>
+                        </p:par>
+                      </p:childTnLst>
+                    </p:cTn>
+                  </p:par>
+                  <p:par>
+                    <p:cTn id="21" fill="hold">
+                      <p:stCondLst>
+                        <p:cond delay="indefinite"/>
+                      </p:stCondLst>
+                      <p:childTnLst>
+                        <p:par>
+                          <p:cTn id="22" fill="hold">
+                            <p:stCondLst>
+                              <p:cond delay="0"/>
+                            </p:stCondLst>
+                            <p:childTnLst>
+                              <p:par>
+                                <p:cTn id="23" presetID="10" presetClass="entr" presetSubtype="0" fill="hold" grpId="0" nodeType="clickEffect">
+                                  <p:stCondLst>
+                                    <p:cond delay="0"/>
+                                  </p:stCondLst>
+                                  <p:childTnLst>
+                                    <p:set>
+                                      <p:cBhvr>
+                                        <p:cTn id="24" dur="1" fill="hold">
+                                          <p:stCondLst>
+                                            <p:cond delay="0"/>
+                                          </p:stCondLst>
+                                        </p:cTn>
+                                        <p:tgtEl>
+                                          <p:spTgt spid="12"/>
+                                        </p:tgtEl>
+                                        <p:attrNameLst>
+                                          <p:attrName>style.visibility</p:attrName>
+                                        </p:attrNameLst>
+                                      </p:cBhvr>
+                                      <p:to>
+                                        <p:strVal val="visible"/>
+                                      </p:to>
+                                    </p:set>
+                                    <p:animEffect transition="in" filter="fade">
+                                      <p:cBhvr>
+                                        <p:cTn id="25" dur="500"/>
+                                        <p:tgtEl>
+                                          <p:spTgt spid="12"/>
+                                        </p:tgtEl>
+                                      </p:cBhvr>
+                                    </p:animEffect>
+                                  </p:childTnLst>
+                                </p:cTn>
+                              </p:par>
+                            </p:childTnLst>
+                          </p:cTn>
+                        </p:par>
+                      </p:childTnLst>
+                    </p:cTn>
+                  </p:par>
+                  <p:par>
+                    <p:cTn id="26" fill="hold">
+                      <p:stCondLst>
+                        <p:cond delay="indefinite"/>
+                      </p:stCondLst>
+                      <p:childTnLst>
+                        <p:par>
+                          <p:cTn id="27" fill="hold">
+                            <p:stCondLst>
+                              <p:cond delay="0"/>
+                            </p:stCondLst>
+                            <p:childTnLst>
+                              <p:par>
+                                <p:cTn id="28" presetID="10" presetClass="entr" presetSubtype="0" fill="hold" grpId="0" nodeType="clickEffect">
+                                  <p:stCondLst>
+                                    <p:cond delay="0"/>
+                                  </p:stCondLst>
+                                  <p:childTnLst>
+                                    <p:set>
+                                      <p:cBhvr>
+                                        <p:cTn id="29" dur="1" fill="hold">
+                                          <p:stCondLst>
+                                            <p:cond delay="0"/>
+                                          </p:stCondLst>
+                                        </p:cTn>
+                                        <p:tgtEl>
+                                          <p:spTgt spid="13"/>
+                                        </p:tgtEl>
+                                        <p:attrNameLst>
+                                          <p:attrName>style.visibility</p:attrName>
+                                        </p:attrNameLst>
+                                      </p:cBhvr>
+                                      <p:to>
+                                        <p:strVal val="visible"/>
+                                      </p:to>
+                                    </p:set>
+                                    <p:animEffect transition="in" filter="fade">
+                                      <p:cBhvr>
+                                        <p:cTn id="30" dur="500"/>
+                                        <p:tgtEl>
+                                          <p:spTgt spid="13"/>
+                                        </p:tgtEl>
+                                      </p:cBhvr>
+                                    </p:animEffect>
+                                  </p:childTnLst>
+                                </p:cTn>
+                              </p:par>
+                            </p:childTnLst>
+                          </p:cTn>
+                        </p:par>
+                      </p:childTnLst>
+                    </p:cTn>
+                  </p:par>
+                </p:childTnLst>
+              </p:cTn>
+              <p:prevCondLst>
+                <p:cond evt="onPrev" delay="0">
+                  <p:tgtEl>
+                    <p:sldTgt/>
+                  </p:tgtEl>
+                </p:cond>
+              </p:prevCondLst>
+              <p:nextCondLst>
+                <p:cond evt="onNext" delay="0">
+                  <p:tgtEl>
+                    <p:sldTgt/>
+                  </p:tgtEl>
+                </p:cond>
+              </p:nextCondLst>
+            </p:seq>
+          </p:childTnLst>
+        </p:cTn>
+      </p:par>
+    </p:tnLst>
+    <p:bldLst>
+      <p:bldP spid="2" grpId="0" animBg="1"/>
+      <p:bldP spid="10" grpId="0" animBg="1"/>
+      <p:bldP spid="3" grpId="0" animBg="1"/>
+      <p:bldP spid="11" grpId="0" animBg="1"/>
+      <p:bldP spid="12" grpId="0" animBg="1"/>
+      <p:bldP spid="13" grpId="0" animBg="1"/>
+    </p:bldLst>
+  </p:timing>
+</p:sld>
+</file>
+
+<file path=ppt/slides/slide17.xml><?xml version="1.0" encoding="utf-8"?>
+<p:sld xmlns:a="http://schemas.openxmlformats.org/drawingml/2006/main" xmlns:r="http://schemas.openxmlformats.org/officeDocument/2006/relationships" xmlns:p="http://schemas.openxmlformats.org/presentationml/2006/main">
+  <p:cSld>
+    <p:spTree>
+      <p:nvGrpSpPr>
+        <p:cNvPr id="1" name=""/>
+        <p:cNvGrpSpPr/>
+        <p:nvPr/>
+      </p:nvGrpSpPr>
+      <p:grpSpPr>
+        <a:xfrm>
+          <a:off x="0" y="0"/>
+          <a:ext cx="0" cy="0"/>
+          <a:chOff x="0" y="0"/>
+          <a:chExt cx="0" cy="0"/>
+        </a:xfrm>
+      </p:grpSpPr>
+      <p:sp>
+        <p:nvSpPr>
+          <p:cNvPr id="5" name="標題 4"/>
+          <p:cNvSpPr>
+            <a:spLocks noGrp="1"/>
+          </p:cNvSpPr>
+          <p:nvPr>
+            <p:ph type="title"/>
+          </p:nvPr>
+        </p:nvSpPr>
+        <p:spPr/>
+        <p:txBody>
+          <a:bodyPr/>
+          <a:lstStyle/>
+          <a:p>
+            <a:r>
+              <a:rPr lang="zh-TW" altLang="en-US" dirty="0" smtClean="0"/>
+              <a:t>案例探討</a:t>
+            </a:r>
+            <a:r>
+              <a:rPr lang="en-US" altLang="zh-TW" dirty="0" smtClean="0"/>
+              <a:t>:</a:t>
+            </a:r>
+            <a:r>
+              <a:rPr lang="zh-TW" altLang="en-US" dirty="0" smtClean="0"/>
+              <a:t> </a:t>
+            </a:r>
+            <a:r>
+              <a:rPr lang="en-US" altLang="zh-TW" dirty="0" err="1" smtClean="0"/>
+              <a:t>SideCar</a:t>
+            </a:r>
+            <a:r>
+              <a:rPr lang="en-US" altLang="zh-TW" dirty="0" smtClean="0"/>
+              <a:t> / Service Mesh</a:t>
+            </a:r>
+            <a:endParaRPr lang="en-US" dirty="0"/>
+          </a:p>
+        </p:txBody>
+      </p:sp>
+      <p:sp>
+        <p:nvSpPr>
+          <p:cNvPr id="6" name="文字版面配置區 5"/>
+          <p:cNvSpPr>
+            <a:spLocks noGrp="1"/>
+          </p:cNvSpPr>
+          <p:nvPr>
+            <p:ph type="body" idx="1"/>
+          </p:nvPr>
+        </p:nvSpPr>
+        <p:spPr/>
+        <p:txBody>
+          <a:bodyPr/>
+          <a:lstStyle/>
+          <a:p>
+            <a:endParaRPr lang="en-US"/>
+          </a:p>
+        </p:txBody>
+      </p:sp>
+    </p:spTree>
+    <p:extLst>
+      <p:ext uri="{BB962C8B-B14F-4D97-AF65-F5344CB8AC3E}">
+        <p14:creationId xmlns:p14="http://schemas.microsoft.com/office/powerpoint/2010/main" val="1193966206"/>
+      </p:ext>
+    </p:extLst>
+  </p:cSld>
+  <p:clrMapOvr>
+    <a:masterClrMapping/>
+  </p:clrMapOvr>
+  <p:timing>
+    <p:tnLst>
+      <p:par>
+        <p:cTn id="1" dur="indefinite" restart="never" nodeType="tmRoot"/>
+      </p:par>
+    </p:tnLst>
+  </p:timing>
+</p:sld>
+</file>
+
+<file path=ppt/slides/slide18.xml><?xml version="1.0" encoding="utf-8"?>
+<p:sld xmlns:a="http://schemas.openxmlformats.org/drawingml/2006/main" xmlns:r="http://schemas.openxmlformats.org/officeDocument/2006/relationships" xmlns:p="http://schemas.openxmlformats.org/presentationml/2006/main">
+  <p:cSld>
+    <p:spTree>
+      <p:nvGrpSpPr>
+        <p:cNvPr id="1" name=""/>
+        <p:cNvGrpSpPr/>
+        <p:nvPr/>
+      </p:nvGrpSpPr>
+      <p:grpSpPr>
+        <a:xfrm>
+          <a:off x="0" y="0"/>
+          <a:ext cx="0" cy="0"/>
+          <a:chOff x="0" y="0"/>
+          <a:chExt cx="0" cy="0"/>
+        </a:xfrm>
+      </p:grpSpPr>
+      <p:sp>
+        <p:nvSpPr>
+          <p:cNvPr id="5" name="標題 4"/>
+          <p:cNvSpPr>
+            <a:spLocks noGrp="1"/>
+          </p:cNvSpPr>
+          <p:nvPr>
+            <p:ph type="title"/>
+          </p:nvPr>
+        </p:nvSpPr>
+        <p:spPr/>
+        <p:txBody>
+          <a:bodyPr/>
+          <a:lstStyle/>
+          <a:p>
+            <a:endParaRPr lang="en-US"/>
+          </a:p>
+        </p:txBody>
+      </p:sp>
+      <p:sp>
+        <p:nvSpPr>
+          <p:cNvPr id="6" name="文字版面配置區 5"/>
+          <p:cNvSpPr>
+            <a:spLocks noGrp="1"/>
+          </p:cNvSpPr>
+          <p:nvPr>
+            <p:ph type="body" idx="1"/>
+          </p:nvPr>
+        </p:nvSpPr>
+        <p:spPr/>
+        <p:txBody>
+          <a:bodyPr/>
+          <a:lstStyle/>
+          <a:p>
+            <a:endParaRPr lang="en-US"/>
+          </a:p>
+        </p:txBody>
+      </p:sp>
+    </p:spTree>
+    <p:extLst>
+      <p:ext uri="{BB962C8B-B14F-4D97-AF65-F5344CB8AC3E}">
+        <p14:creationId xmlns:p14="http://schemas.microsoft.com/office/powerpoint/2010/main" val="1100533298"/>
+      </p:ext>
+    </p:extLst>
+  </p:cSld>
+  <p:clrMapOvr>
+    <a:masterClrMapping/>
+  </p:clrMapOvr>
+  <p:timing>
+    <p:tnLst>
+      <p:par>
+        <p:cTn id="1" dur="indefinite" restart="never" nodeType="tmRoot"/>
+      </p:par>
+    </p:tnLst>
+  </p:timing>
+</p:sld>
+</file>
+
+<file path=ppt/slides/slide19.xml><?xml version="1.0" encoding="utf-8"?>
+<p:sld xmlns:a="http://schemas.openxmlformats.org/drawingml/2006/main" xmlns:r="http://schemas.openxmlformats.org/officeDocument/2006/relationships" xmlns:p="http://schemas.openxmlformats.org/presentationml/2006/main">
+  <p:cSld>
+    <p:spTree>
+      <p:nvGrpSpPr>
+        <p:cNvPr id="1" name=""/>
+        <p:cNvGrpSpPr/>
+        <p:nvPr/>
+      </p:nvGrpSpPr>
+      <p:grpSpPr>
+        <a:xfrm>
+          <a:off x="0" y="0"/>
+          <a:ext cx="0" cy="0"/>
+          <a:chOff x="0" y="0"/>
+          <a:chExt cx="0" cy="0"/>
+        </a:xfrm>
+      </p:grpSpPr>
+      <p:sp>
+        <p:nvSpPr>
+          <p:cNvPr id="5" name="標題 4"/>
+          <p:cNvSpPr>
+            <a:spLocks noGrp="1"/>
+          </p:cNvSpPr>
+          <p:nvPr>
+            <p:ph type="title"/>
+          </p:nvPr>
+        </p:nvSpPr>
+        <p:spPr/>
+        <p:txBody>
+          <a:bodyPr/>
+          <a:lstStyle/>
+          <a:p>
+            <a:endParaRPr lang="en-US"/>
+          </a:p>
+        </p:txBody>
+      </p:sp>
+      <p:sp>
+        <p:nvSpPr>
+          <p:cNvPr id="6" name="文字版面配置區 5"/>
+          <p:cNvSpPr>
+            <a:spLocks noGrp="1"/>
+          </p:cNvSpPr>
+          <p:nvPr>
+            <p:ph type="body" idx="1"/>
+          </p:nvPr>
+        </p:nvSpPr>
+        <p:spPr/>
+        <p:txBody>
+          <a:bodyPr/>
+          <a:lstStyle/>
+          <a:p>
+            <a:endParaRPr lang="en-US"/>
+          </a:p>
+        </p:txBody>
+      </p:sp>
+    </p:spTree>
+    <p:extLst>
+      <p:ext uri="{BB962C8B-B14F-4D97-AF65-F5344CB8AC3E}">
+        <p14:creationId xmlns:p14="http://schemas.microsoft.com/office/powerpoint/2010/main" val="227275500"/>
+      </p:ext>
+    </p:extLst>
+  </p:cSld>
+  <p:clrMapOvr>
+    <a:masterClrMapping/>
+  </p:clrMapOvr>
+  <p:timing>
+    <p:tnLst>
+      <p:par>
+        <p:cTn id="1" dur="indefinite" restart="never" nodeType="tmRoot"/>
+      </p:par>
+    </p:tnLst>
+  </p:timing>
+</p:sld>
+</file>
+
+<file path=ppt/slides/slide2.xml><?xml version="1.0" encoding="utf-8"?>
+<p:sld xmlns:a="http://schemas.openxmlformats.org/drawingml/2006/main" xmlns:r="http://schemas.openxmlformats.org/officeDocument/2006/relationships" xmlns:p="http://schemas.openxmlformats.org/presentationml/2006/main">
+  <p:cSld>
+    <p:spTree>
+      <p:nvGrpSpPr>
+        <p:cNvPr id="1" name=""/>
+        <p:cNvGrpSpPr/>
+        <p:nvPr/>
+      </p:nvGrpSpPr>
+      <p:grpSpPr>
+        <a:xfrm>
+          <a:off x="0" y="0"/>
+          <a:ext cx="0" cy="0"/>
+          <a:chOff x="0" y="0"/>
+          <a:chExt cx="0" cy="0"/>
+        </a:xfrm>
+      </p:grpSpPr>
+      <p:sp>
+        <p:nvSpPr>
+          <p:cNvPr id="2" name="標題 1"/>
+          <p:cNvSpPr>
+            <a:spLocks noGrp="1"/>
+          </p:cNvSpPr>
+          <p:nvPr>
+            <p:ph type="title"/>
+          </p:nvPr>
+        </p:nvSpPr>
+        <p:spPr/>
+        <p:txBody>
+          <a:bodyPr/>
+          <a:lstStyle/>
+          <a:p>
+            <a:r>
+              <a:rPr lang="en-US" dirty="0" smtClean="0"/>
+              <a:t>AGENDA</a:t>
+            </a:r>
+            <a:endParaRPr lang="en-US" dirty="0"/>
+          </a:p>
+        </p:txBody>
+      </p:sp>
+      <p:sp>
+        <p:nvSpPr>
+          <p:cNvPr id="3" name="文字版面配置區 2"/>
+          <p:cNvSpPr>
+            <a:spLocks noGrp="1"/>
+          </p:cNvSpPr>
+          <p:nvPr>
+            <p:ph type="body" idx="1"/>
+          </p:nvPr>
+        </p:nvSpPr>
+        <p:spPr/>
+        <p:txBody>
+          <a:bodyPr/>
+          <a:lstStyle/>
+          <a:p>
+            <a:endParaRPr lang="en-US" dirty="0"/>
+          </a:p>
+        </p:txBody>
+      </p:sp>
+    </p:spTree>
+    <p:extLst>
+      <p:ext uri="{BB962C8B-B14F-4D97-AF65-F5344CB8AC3E}">
+        <p14:creationId xmlns:p14="http://schemas.microsoft.com/office/powerpoint/2010/main" val="2151037500"/>
+      </p:ext>
+    </p:extLst>
+  </p:cSld>
+  <p:clrMapOvr>
+    <a:masterClrMapping/>
+  </p:clrMapOvr>
+  <p:timing>
+    <p:tnLst>
+      <p:par>
+        <p:cTn id="1" dur="indefinite" restart="never" nodeType="tmRoot"/>
+      </p:par>
+    </p:tnLst>
+  </p:timing>
+</p:sld>
+</file>
+
+<file path=ppt/slides/slide20.xml><?xml version="1.0" encoding="utf-8"?>
+<p:sld xmlns:a="http://schemas.openxmlformats.org/drawingml/2006/main" xmlns:r="http://schemas.openxmlformats.org/officeDocument/2006/relationships" xmlns:p="http://schemas.openxmlformats.org/presentationml/2006/main">
+  <p:cSld>
+    <p:spTree>
+      <p:nvGrpSpPr>
+        <p:cNvPr id="1" name=""/>
+        <p:cNvGrpSpPr/>
+        <p:nvPr/>
+      </p:nvGrpSpPr>
+      <p:grpSpPr>
+        <a:xfrm>
+          <a:off x="0" y="0"/>
+          <a:ext cx="0" cy="0"/>
+          <a:chOff x="0" y="0"/>
+          <a:chExt cx="0" cy="0"/>
+        </a:xfrm>
+      </p:grpSpPr>
+      <p:sp>
+        <p:nvSpPr>
+          <p:cNvPr id="5" name="標題 4"/>
+          <p:cNvSpPr>
+            <a:spLocks noGrp="1"/>
+          </p:cNvSpPr>
+          <p:nvPr>
+            <p:ph type="title"/>
+          </p:nvPr>
+        </p:nvSpPr>
+        <p:spPr/>
+        <p:txBody>
+          <a:bodyPr/>
+          <a:lstStyle/>
+          <a:p>
+            <a:endParaRPr lang="en-US"/>
+          </a:p>
+        </p:txBody>
+      </p:sp>
+      <p:sp>
+        <p:nvSpPr>
+          <p:cNvPr id="6" name="文字版面配置區 5"/>
+          <p:cNvSpPr>
+            <a:spLocks noGrp="1"/>
+          </p:cNvSpPr>
+          <p:nvPr>
+            <p:ph type="body" idx="1"/>
+          </p:nvPr>
+        </p:nvSpPr>
+        <p:spPr/>
+        <p:txBody>
+          <a:bodyPr/>
+          <a:lstStyle/>
+          <a:p>
+            <a:endParaRPr lang="en-US"/>
+          </a:p>
+        </p:txBody>
+      </p:sp>
+    </p:spTree>
+    <p:extLst>
+      <p:ext uri="{BB962C8B-B14F-4D97-AF65-F5344CB8AC3E}">
+        <p14:creationId xmlns:p14="http://schemas.microsoft.com/office/powerpoint/2010/main" val="489020904"/>
+      </p:ext>
+    </p:extLst>
+  </p:cSld>
+  <p:clrMapOvr>
+    <a:masterClrMapping/>
+  </p:clrMapOvr>
+  <p:timing>
+    <p:tnLst>
+      <p:par>
+        <p:cTn id="1" dur="indefinite" restart="never" nodeType="tmRoot"/>
+      </p:par>
+    </p:tnLst>
+  </p:timing>
+</p:sld>
+</file>
+
+<file path=ppt/slides/slide21.xml><?xml version="1.0" encoding="utf-8"?>
+<p:sld xmlns:a="http://schemas.openxmlformats.org/drawingml/2006/main" xmlns:r="http://schemas.openxmlformats.org/officeDocument/2006/relationships" xmlns:p="http://schemas.openxmlformats.org/presentationml/2006/main">
+  <p:cSld>
+    <p:spTree>
+      <p:nvGrpSpPr>
+        <p:cNvPr id="1" name=""/>
+        <p:cNvGrpSpPr/>
+        <p:nvPr/>
+      </p:nvGrpSpPr>
+      <p:grpSpPr>
+        <a:xfrm>
+          <a:off x="0" y="0"/>
+          <a:ext cx="0" cy="0"/>
+          <a:chOff x="0" y="0"/>
+          <a:chExt cx="0" cy="0"/>
+        </a:xfrm>
+      </p:grpSpPr>
+      <p:sp>
+        <p:nvSpPr>
+          <p:cNvPr id="5" name="標題 4"/>
+          <p:cNvSpPr>
+            <a:spLocks noGrp="1"/>
+          </p:cNvSpPr>
+          <p:nvPr>
+            <p:ph type="title"/>
+          </p:nvPr>
+        </p:nvSpPr>
+        <p:spPr/>
+        <p:txBody>
+          <a:bodyPr/>
+          <a:lstStyle/>
+          <a:p>
+            <a:endParaRPr lang="en-US"/>
+          </a:p>
+        </p:txBody>
+      </p:sp>
+      <p:sp>
+        <p:nvSpPr>
+          <p:cNvPr id="6" name="文字版面配置區 5"/>
+          <p:cNvSpPr>
+            <a:spLocks noGrp="1"/>
+          </p:cNvSpPr>
+          <p:nvPr>
+            <p:ph type="body" idx="1"/>
+          </p:nvPr>
+        </p:nvSpPr>
+        <p:spPr/>
+        <p:txBody>
+          <a:bodyPr/>
+          <a:lstStyle/>
+          <a:p>
+            <a:endParaRPr lang="en-US"/>
+          </a:p>
+        </p:txBody>
+      </p:sp>
+    </p:spTree>
+    <p:extLst>
+      <p:ext uri="{BB962C8B-B14F-4D97-AF65-F5344CB8AC3E}">
+        <p14:creationId xmlns:p14="http://schemas.microsoft.com/office/powerpoint/2010/main" val="3350656066"/>
+      </p:ext>
+    </p:extLst>
+  </p:cSld>
+  <p:clrMapOvr>
+    <a:masterClrMapping/>
+  </p:clrMapOvr>
+  <p:timing>
+    <p:tnLst>
+      <p:par>
+        <p:cTn id="1" dur="indefinite" restart="never" nodeType="tmRoot"/>
+      </p:par>
+    </p:tnLst>
+  </p:timing>
+</p:sld>
+</file>
+
+<file path=ppt/slides/slide22.xml><?xml version="1.0" encoding="utf-8"?>
+<p:sld xmlns:a="http://schemas.openxmlformats.org/drawingml/2006/main" xmlns:r="http://schemas.openxmlformats.org/officeDocument/2006/relationships" xmlns:p="http://schemas.openxmlformats.org/presentationml/2006/main">
+  <p:cSld>
+    <p:spTree>
+      <p:nvGrpSpPr>
+        <p:cNvPr id="1" name=""/>
+        <p:cNvGrpSpPr/>
+        <p:nvPr/>
+      </p:nvGrpSpPr>
+      <p:grpSpPr>
+        <a:xfrm>
+          <a:off x="0" y="0"/>
+          <a:ext cx="0" cy="0"/>
+          <a:chOff x="0" y="0"/>
+          <a:chExt cx="0" cy="0"/>
+        </a:xfrm>
+      </p:grpSpPr>
+      <p:sp>
+        <p:nvSpPr>
+          <p:cNvPr id="5" name="標題 4"/>
+          <p:cNvSpPr>
+            <a:spLocks noGrp="1"/>
+          </p:cNvSpPr>
+          <p:nvPr>
+            <p:ph type="title"/>
+          </p:nvPr>
+        </p:nvSpPr>
+        <p:spPr/>
+        <p:txBody>
+          <a:bodyPr/>
+          <a:lstStyle/>
+          <a:p>
+            <a:endParaRPr lang="en-US"/>
+          </a:p>
+        </p:txBody>
+      </p:sp>
+      <p:sp>
+        <p:nvSpPr>
+          <p:cNvPr id="6" name="文字版面配置區 5"/>
+          <p:cNvSpPr>
+            <a:spLocks noGrp="1"/>
+          </p:cNvSpPr>
+          <p:nvPr>
+            <p:ph type="body" idx="1"/>
+          </p:nvPr>
+        </p:nvSpPr>
+        <p:spPr/>
+        <p:txBody>
+          <a:bodyPr/>
+          <a:lstStyle/>
+          <a:p>
+            <a:endParaRPr lang="en-US"/>
+          </a:p>
+        </p:txBody>
+      </p:sp>
+    </p:spTree>
+    <p:extLst>
+      <p:ext uri="{BB962C8B-B14F-4D97-AF65-F5344CB8AC3E}">
+        <p14:creationId xmlns:p14="http://schemas.microsoft.com/office/powerpoint/2010/main" val="761039172"/>
+      </p:ext>
+    </p:extLst>
+  </p:cSld>
+  <p:clrMapOvr>
+    <a:masterClrMapping/>
+  </p:clrMapOvr>
+  <p:timing>
+    <p:tnLst>
+      <p:par>
+        <p:cTn id="1" dur="indefinite" restart="never" nodeType="tmRoot"/>
+      </p:par>
+    </p:tnLst>
+  </p:timing>
+</p:sld>
+</file>
+
+<file path=ppt/slides/slide23.xml><?xml version="1.0" encoding="utf-8"?>
+<p:sld xmlns:a="http://schemas.openxmlformats.org/drawingml/2006/main" xmlns:r="http://schemas.openxmlformats.org/officeDocument/2006/relationships" xmlns:p="http://schemas.openxmlformats.org/presentationml/2006/main">
+  <p:cSld>
+    <p:spTree>
+      <p:nvGrpSpPr>
+        <p:cNvPr id="1" name=""/>
+        <p:cNvGrpSpPr/>
+        <p:nvPr/>
+      </p:nvGrpSpPr>
+      <p:grpSpPr>
+        <a:xfrm>
+          <a:off x="0" y="0"/>
+          <a:ext cx="0" cy="0"/>
+          <a:chOff x="0" y="0"/>
+          <a:chExt cx="0" cy="0"/>
+        </a:xfrm>
+      </p:grpSpPr>
+      <p:sp>
+        <p:nvSpPr>
+          <p:cNvPr id="5" name="標題 4"/>
+          <p:cNvSpPr>
+            <a:spLocks noGrp="1"/>
+          </p:cNvSpPr>
+          <p:nvPr>
+            <p:ph type="title"/>
+          </p:nvPr>
+        </p:nvSpPr>
+        <p:spPr/>
+        <p:txBody>
+          <a:bodyPr/>
+          <a:lstStyle/>
+          <a:p>
+            <a:endParaRPr lang="en-US"/>
+          </a:p>
+        </p:txBody>
+      </p:sp>
+      <p:sp>
+        <p:nvSpPr>
+          <p:cNvPr id="6" name="文字版面配置區 5"/>
+          <p:cNvSpPr>
+            <a:spLocks noGrp="1"/>
+          </p:cNvSpPr>
+          <p:nvPr>
+            <p:ph type="body" idx="1"/>
+          </p:nvPr>
+        </p:nvSpPr>
+        <p:spPr/>
+        <p:txBody>
+          <a:bodyPr/>
+          <a:lstStyle/>
+          <a:p>
+            <a:endParaRPr lang="en-US"/>
+          </a:p>
+        </p:txBody>
+      </p:sp>
+    </p:spTree>
+    <p:extLst>
+      <p:ext uri="{BB962C8B-B14F-4D97-AF65-F5344CB8AC3E}">
+        <p14:creationId xmlns:p14="http://schemas.microsoft.com/office/powerpoint/2010/main" val="2020933129"/>
+      </p:ext>
+    </p:extLst>
+  </p:cSld>
+  <p:clrMapOvr>
+    <a:masterClrMapping/>
+  </p:clrMapOvr>
+  <p:timing>
+    <p:tnLst>
+      <p:par>
+        <p:cTn id="1" dur="indefinite" restart="never" nodeType="tmRoot"/>
+      </p:par>
+    </p:tnLst>
+  </p:timing>
+</p:sld>
+</file>
+
+<file path=ppt/slides/slide24.xml><?xml version="1.0" encoding="utf-8"?>
+<p:sld xmlns:a="http://schemas.openxmlformats.org/drawingml/2006/main" xmlns:r="http://schemas.openxmlformats.org/officeDocument/2006/relationships" xmlns:p="http://schemas.openxmlformats.org/presentationml/2006/main">
+  <p:cSld>
+    <p:spTree>
+      <p:nvGrpSpPr>
+        <p:cNvPr id="1" name=""/>
+        <p:cNvGrpSpPr/>
+        <p:nvPr/>
+      </p:nvGrpSpPr>
+      <p:grpSpPr>
+        <a:xfrm>
+          <a:off x="0" y="0"/>
+          <a:ext cx="0" cy="0"/>
+          <a:chOff x="0" y="0"/>
+          <a:chExt cx="0" cy="0"/>
+        </a:xfrm>
+      </p:grpSpPr>
+      <p:sp>
+        <p:nvSpPr>
+          <p:cNvPr id="5" name="標題 4"/>
+          <p:cNvSpPr>
+            <a:spLocks noGrp="1"/>
+          </p:cNvSpPr>
+          <p:nvPr>
+            <p:ph type="title"/>
+          </p:nvPr>
+        </p:nvSpPr>
+        <p:spPr/>
+        <p:txBody>
+          <a:bodyPr/>
+          <a:lstStyle/>
+          <a:p>
+            <a:endParaRPr lang="en-US"/>
+          </a:p>
+        </p:txBody>
+      </p:sp>
+      <p:sp>
+        <p:nvSpPr>
+          <p:cNvPr id="6" name="文字版面配置區 5"/>
+          <p:cNvSpPr>
+            <a:spLocks noGrp="1"/>
+          </p:cNvSpPr>
+          <p:nvPr>
+            <p:ph type="body" idx="1"/>
+          </p:nvPr>
+        </p:nvSpPr>
+        <p:spPr/>
+        <p:txBody>
+          <a:bodyPr/>
+          <a:lstStyle/>
+          <a:p>
+            <a:endParaRPr lang="en-US"/>
+          </a:p>
+        </p:txBody>
+      </p:sp>
+    </p:spTree>
+    <p:extLst>
+      <p:ext uri="{BB962C8B-B14F-4D97-AF65-F5344CB8AC3E}">
+        <p14:creationId xmlns:p14="http://schemas.microsoft.com/office/powerpoint/2010/main" val="1249252872"/>
+      </p:ext>
+    </p:extLst>
+  </p:cSld>
+  <p:clrMapOvr>
+    <a:masterClrMapping/>
+  </p:clrMapOvr>
+  <p:timing>
+    <p:tnLst>
+      <p:par>
+        <p:cTn id="1" dur="indefinite" restart="never" nodeType="tmRoot"/>
+      </p:par>
+    </p:tnLst>
+  </p:timing>
+</p:sld>
+</file>
+
+<file path=ppt/slides/slide25.xml><?xml version="1.0" encoding="utf-8"?>
+<p:sld xmlns:a="http://schemas.openxmlformats.org/drawingml/2006/main" xmlns:r="http://schemas.openxmlformats.org/officeDocument/2006/relationships" xmlns:p="http://schemas.openxmlformats.org/presentationml/2006/main">
+  <p:cSld>
+    <p:spTree>
+      <p:nvGrpSpPr>
+        <p:cNvPr id="1" name=""/>
+        <p:cNvGrpSpPr/>
+        <p:nvPr/>
+      </p:nvGrpSpPr>
+      <p:grpSpPr>
+        <a:xfrm>
+          <a:off x="0" y="0"/>
+          <a:ext cx="0" cy="0"/>
+          <a:chOff x="0" y="0"/>
+          <a:chExt cx="0" cy="0"/>
+        </a:xfrm>
+      </p:grpSpPr>
+      <p:sp>
+        <p:nvSpPr>
+          <p:cNvPr id="5" name="標題 4"/>
+          <p:cNvSpPr>
+            <a:spLocks noGrp="1"/>
+          </p:cNvSpPr>
+          <p:nvPr>
+            <p:ph type="title"/>
+          </p:nvPr>
+        </p:nvSpPr>
+        <p:spPr/>
+        <p:txBody>
+          <a:bodyPr/>
+          <a:lstStyle/>
+          <a:p>
+            <a:endParaRPr lang="en-US"/>
+          </a:p>
+        </p:txBody>
+      </p:sp>
+      <p:sp>
+        <p:nvSpPr>
+          <p:cNvPr id="6" name="文字版面配置區 5"/>
+          <p:cNvSpPr>
+            <a:spLocks noGrp="1"/>
+          </p:cNvSpPr>
+          <p:nvPr>
+            <p:ph type="body" idx="1"/>
+          </p:nvPr>
+        </p:nvSpPr>
+        <p:spPr/>
+        <p:txBody>
+          <a:bodyPr/>
+          <a:lstStyle/>
+          <a:p>
+            <a:endParaRPr lang="en-US"/>
+          </a:p>
+        </p:txBody>
+      </p:sp>
+    </p:spTree>
+    <p:extLst>
+      <p:ext uri="{BB962C8B-B14F-4D97-AF65-F5344CB8AC3E}">
+        <p14:creationId xmlns:p14="http://schemas.microsoft.com/office/powerpoint/2010/main" val="354321759"/>
+      </p:ext>
+    </p:extLst>
+  </p:cSld>
+  <p:clrMapOvr>
+    <a:masterClrMapping/>
+  </p:clrMapOvr>
+  <p:timing>
+    <p:tnLst>
+      <p:par>
+        <p:cTn id="1" dur="indefinite" restart="never" nodeType="tmRoot"/>
+      </p:par>
+    </p:tnLst>
+  </p:timing>
+</p:sld>
+</file>
+
+<file path=ppt/slides/slide26.xml><?xml version="1.0" encoding="utf-8"?>
+<p:sld xmlns:a="http://schemas.openxmlformats.org/drawingml/2006/main" xmlns:r="http://schemas.openxmlformats.org/officeDocument/2006/relationships" xmlns:p="http://schemas.openxmlformats.org/presentationml/2006/main">
+  <p:cSld>
+    <p:spTree>
+      <p:nvGrpSpPr>
+        <p:cNvPr id="1" name=""/>
+        <p:cNvGrpSpPr/>
+        <p:nvPr/>
+      </p:nvGrpSpPr>
+      <p:grpSpPr>
+        <a:xfrm>
+          <a:off x="0" y="0"/>
+          <a:ext cx="0" cy="0"/>
+          <a:chOff x="0" y="0"/>
+          <a:chExt cx="0" cy="0"/>
+        </a:xfrm>
+      </p:grpSpPr>
+      <p:sp>
+        <p:nvSpPr>
+          <p:cNvPr id="5" name="標題 4"/>
+          <p:cNvSpPr>
+            <a:spLocks noGrp="1"/>
+          </p:cNvSpPr>
+          <p:nvPr>
+            <p:ph type="title"/>
+          </p:nvPr>
+        </p:nvSpPr>
+        <p:spPr/>
+        <p:txBody>
+          <a:bodyPr/>
+          <a:lstStyle/>
+          <a:p>
+            <a:endParaRPr lang="en-US"/>
+          </a:p>
+        </p:txBody>
+      </p:sp>
+      <p:sp>
+        <p:nvSpPr>
+          <p:cNvPr id="6" name="文字版面配置區 5"/>
+          <p:cNvSpPr>
+            <a:spLocks noGrp="1"/>
+          </p:cNvSpPr>
+          <p:nvPr>
+            <p:ph type="body" idx="1"/>
+          </p:nvPr>
+        </p:nvSpPr>
+        <p:spPr/>
+        <p:txBody>
+          <a:bodyPr/>
+          <a:lstStyle/>
+          <a:p>
+            <a:endParaRPr lang="en-US"/>
+          </a:p>
+        </p:txBody>
+      </p:sp>
+    </p:spTree>
+    <p:extLst>
+      <p:ext uri="{BB962C8B-B14F-4D97-AF65-F5344CB8AC3E}">
+        <p14:creationId xmlns:p14="http://schemas.microsoft.com/office/powerpoint/2010/main" val="1670299469"/>
+      </p:ext>
+    </p:extLst>
+  </p:cSld>
+  <p:clrMapOvr>
+    <a:masterClrMapping/>
+  </p:clrMapOvr>
+  <p:timing>
+    <p:tnLst>
+      <p:par>
+        <p:cTn id="1" dur="indefinite" restart="never" nodeType="tmRoot"/>
+      </p:par>
+    </p:tnLst>
+  </p:timing>
+</p:sld>
+</file>
+
+<file path=ppt/slides/slide27.xml><?xml version="1.0" encoding="utf-8"?>
+<p:sld xmlns:a="http://schemas.openxmlformats.org/drawingml/2006/main" xmlns:r="http://schemas.openxmlformats.org/officeDocument/2006/relationships" xmlns:p="http://schemas.openxmlformats.org/presentationml/2006/main">
+  <p:cSld>
+    <p:spTree>
+      <p:nvGrpSpPr>
+        <p:cNvPr id="1" name=""/>
+        <p:cNvGrpSpPr/>
+        <p:nvPr/>
+      </p:nvGrpSpPr>
+      <p:grpSpPr>
+        <a:xfrm>
+          <a:off x="0" y="0"/>
+          <a:ext cx="0" cy="0"/>
+          <a:chOff x="0" y="0"/>
+          <a:chExt cx="0" cy="0"/>
+        </a:xfrm>
+      </p:grpSpPr>
+      <p:sp>
+        <p:nvSpPr>
+          <p:cNvPr id="5" name="標題 4"/>
+          <p:cNvSpPr>
+            <a:spLocks noGrp="1"/>
+          </p:cNvSpPr>
+          <p:nvPr>
+            <p:ph type="title"/>
+          </p:nvPr>
+        </p:nvSpPr>
+        <p:spPr/>
+        <p:txBody>
+          <a:bodyPr/>
+          <a:lstStyle/>
+          <a:p>
+            <a:endParaRPr lang="en-US"/>
+          </a:p>
+        </p:txBody>
+      </p:sp>
+      <p:sp>
+        <p:nvSpPr>
+          <p:cNvPr id="6" name="文字版面配置區 5"/>
+          <p:cNvSpPr>
+            <a:spLocks noGrp="1"/>
+          </p:cNvSpPr>
+          <p:nvPr>
+            <p:ph type="body" idx="1"/>
+          </p:nvPr>
+        </p:nvSpPr>
+        <p:spPr/>
+        <p:txBody>
+          <a:bodyPr/>
+          <a:lstStyle/>
+          <a:p>
+            <a:endParaRPr lang="en-US"/>
+          </a:p>
+        </p:txBody>
+      </p:sp>
+    </p:spTree>
+    <p:extLst>
+      <p:ext uri="{BB962C8B-B14F-4D97-AF65-F5344CB8AC3E}">
+        <p14:creationId xmlns:p14="http://schemas.microsoft.com/office/powerpoint/2010/main" val="392449207"/>
+      </p:ext>
+    </p:extLst>
+  </p:cSld>
+  <p:clrMapOvr>
+    <a:masterClrMapping/>
+  </p:clrMapOvr>
+  <p:timing>
+    <p:tnLst>
+      <p:par>
+        <p:cTn id="1" dur="indefinite" restart="never" nodeType="tmRoot"/>
+      </p:par>
+    </p:tnLst>
+  </p:timing>
+</p:sld>
+</file>
+
+<file path=ppt/slides/slide28.xml><?xml version="1.0" encoding="utf-8"?>
+<p:sld xmlns:a="http://schemas.openxmlformats.org/drawingml/2006/main" xmlns:r="http://schemas.openxmlformats.org/officeDocument/2006/relationships" xmlns:p="http://schemas.openxmlformats.org/presentationml/2006/main">
+  <p:cSld>
+    <p:spTree>
+      <p:nvGrpSpPr>
+        <p:cNvPr id="1" name=""/>
+        <p:cNvGrpSpPr/>
+        <p:nvPr/>
+      </p:nvGrpSpPr>
+      <p:grpSpPr>
+        <a:xfrm>
+          <a:off x="0" y="0"/>
+          <a:ext cx="0" cy="0"/>
+          <a:chOff x="0" y="0"/>
+          <a:chExt cx="0" cy="0"/>
+        </a:xfrm>
+      </p:grpSpPr>
+      <p:sp>
+        <p:nvSpPr>
+          <p:cNvPr id="5" name="標題 4"/>
+          <p:cNvSpPr>
+            <a:spLocks noGrp="1"/>
+          </p:cNvSpPr>
+          <p:nvPr>
+            <p:ph type="title"/>
+          </p:nvPr>
+        </p:nvSpPr>
+        <p:spPr/>
+        <p:txBody>
+          <a:bodyPr/>
+          <a:lstStyle/>
+          <a:p>
+            <a:endParaRPr lang="en-US"/>
+          </a:p>
+        </p:txBody>
+      </p:sp>
+      <p:sp>
+        <p:nvSpPr>
+          <p:cNvPr id="6" name="文字版面配置區 5"/>
+          <p:cNvSpPr>
+            <a:spLocks noGrp="1"/>
+          </p:cNvSpPr>
+          <p:nvPr>
+            <p:ph type="body" idx="1"/>
+          </p:nvPr>
+        </p:nvSpPr>
+        <p:spPr/>
+        <p:txBody>
+          <a:bodyPr/>
+          <a:lstStyle/>
+          <a:p>
+            <a:endParaRPr lang="en-US"/>
+          </a:p>
+        </p:txBody>
+      </p:sp>
+    </p:spTree>
+    <p:extLst>
+      <p:ext uri="{BB962C8B-B14F-4D97-AF65-F5344CB8AC3E}">
+        <p14:creationId xmlns:p14="http://schemas.microsoft.com/office/powerpoint/2010/main" val="3699977112"/>
+      </p:ext>
+    </p:extLst>
+  </p:cSld>
+  <p:clrMapOvr>
+    <a:masterClrMapping/>
+  </p:clrMapOvr>
+  <p:timing>
+    <p:tnLst>
+      <p:par>
+        <p:cTn id="1" dur="indefinite" restart="never" nodeType="tmRoot"/>
+      </p:par>
+    </p:tnLst>
+  </p:timing>
+</p:sld>
+</file>
+
+<file path=ppt/slides/slide29.xml><?xml version="1.0" encoding="utf-8"?>
+<p:sld xmlns:a="http://schemas.openxmlformats.org/drawingml/2006/main" xmlns:r="http://schemas.openxmlformats.org/officeDocument/2006/relationships" xmlns:p="http://schemas.openxmlformats.org/presentationml/2006/main">
+  <p:cSld>
+    <p:spTree>
+      <p:nvGrpSpPr>
+        <p:cNvPr id="1" name=""/>
+        <p:cNvGrpSpPr/>
+        <p:nvPr/>
+      </p:nvGrpSpPr>
+      <p:grpSpPr>
+        <a:xfrm>
+          <a:off x="0" y="0"/>
+          <a:ext cx="0" cy="0"/>
+          <a:chOff x="0" y="0"/>
+          <a:chExt cx="0" cy="0"/>
+        </a:xfrm>
+      </p:grpSpPr>
+      <p:sp>
+        <p:nvSpPr>
+          <p:cNvPr id="5" name="標題 4"/>
+          <p:cNvSpPr>
+            <a:spLocks noGrp="1"/>
+          </p:cNvSpPr>
+          <p:nvPr>
+            <p:ph type="title"/>
+          </p:nvPr>
+        </p:nvSpPr>
+        <p:spPr/>
+        <p:txBody>
+          <a:bodyPr/>
+          <a:lstStyle/>
+          <a:p>
+            <a:endParaRPr lang="en-US"/>
+          </a:p>
+        </p:txBody>
+      </p:sp>
+      <p:sp>
+        <p:nvSpPr>
+          <p:cNvPr id="6" name="文字版面配置區 5"/>
+          <p:cNvSpPr>
+            <a:spLocks noGrp="1"/>
+          </p:cNvSpPr>
+          <p:nvPr>
+            <p:ph type="body" idx="1"/>
+          </p:nvPr>
+        </p:nvSpPr>
+        <p:spPr/>
+        <p:txBody>
+          <a:bodyPr/>
+          <a:lstStyle/>
+          <a:p>
+            <a:endParaRPr lang="en-US"/>
+          </a:p>
+        </p:txBody>
+      </p:sp>
+    </p:spTree>
+    <p:extLst>
+      <p:ext uri="{BB962C8B-B14F-4D97-AF65-F5344CB8AC3E}">
+        <p14:creationId xmlns:p14="http://schemas.microsoft.com/office/powerpoint/2010/main" val="2625946237"/>
+      </p:ext>
+    </p:extLst>
+  </p:cSld>
+  <p:clrMapOvr>
+    <a:masterClrMapping/>
+  </p:clrMapOvr>
+  <p:timing>
+    <p:tnLst>
+      <p:par>
+        <p:cTn id="1" dur="indefinite" restart="never" nodeType="tmRoot"/>
+      </p:par>
+    </p:tnLst>
+  </p:timing>
+</p:sld>
+</file>
+
+<file path=ppt/slides/slide3.xml><?xml version="1.0" encoding="utf-8"?>
+<p:sld xmlns:a="http://schemas.openxmlformats.org/drawingml/2006/main" xmlns:r="http://schemas.openxmlformats.org/officeDocument/2006/relationships" xmlns:p="http://schemas.openxmlformats.org/presentationml/2006/main">
+  <p:cSld>
+    <p:spTree>
+      <p:nvGrpSpPr>
+        <p:cNvPr id="1" name=""/>
+        <p:cNvGrpSpPr/>
+        <p:nvPr/>
+      </p:nvGrpSpPr>
+      <p:grpSpPr>
+        <a:xfrm>
+          <a:off x="0" y="0"/>
+          <a:ext cx="0" cy="0"/>
+          <a:chOff x="0" y="0"/>
+          <a:chExt cx="0" cy="0"/>
+        </a:xfrm>
+      </p:grpSpPr>
+      <p:sp>
+        <p:nvSpPr>
+          <p:cNvPr id="13" name="標題 12"/>
+          <p:cNvSpPr>
+            <a:spLocks noGrp="1"/>
+          </p:cNvSpPr>
+          <p:nvPr>
+            <p:ph type="ctrTitle"/>
+          </p:nvPr>
+        </p:nvSpPr>
+        <p:spPr/>
+        <p:txBody>
+          <a:bodyPr/>
+          <a:lstStyle/>
+          <a:p>
+            <a:r>
+              <a:rPr lang="en-US" sz="6000" b="0" dirty="0" smtClean="0"/>
+              <a:t/>
+            </a:r>
+            <a:br>
+              <a:rPr lang="en-US" sz="6000" b="0" dirty="0" smtClean="0"/>
+            </a:br>
+            <a:r>
+              <a:rPr lang="en-US" sz="6000" b="0" dirty="0"/>
+              <a:t/>
+            </a:r>
+            <a:br>
+              <a:rPr lang="en-US" sz="6000" b="0" dirty="0"/>
+            </a:br>
+            <a:r>
+              <a:rPr lang="en-US" sz="6000" b="0" dirty="0" smtClean="0"/>
+              <a:t>1. What &amp; Why ?</a:t>
+            </a:r>
+            <a:endParaRPr lang="en-US" sz="6000" b="0" dirty="0"/>
+          </a:p>
+        </p:txBody>
+      </p:sp>
+      <p:sp>
+        <p:nvSpPr>
+          <p:cNvPr id="14" name="副標題 13"/>
+          <p:cNvSpPr>
+            <a:spLocks noGrp="1"/>
+          </p:cNvSpPr>
+          <p:nvPr>
+            <p:ph type="subTitle" idx="1"/>
+          </p:nvPr>
+        </p:nvSpPr>
+        <p:spPr/>
+        <p:txBody>
+          <a:bodyPr/>
+          <a:lstStyle/>
+          <a:p>
+            <a:endParaRPr lang="en-US" sz="3600" dirty="0" smtClean="0"/>
+          </a:p>
+          <a:p>
+            <a:r>
+              <a:rPr lang="en-US" sz="3600" dirty="0" smtClean="0"/>
+              <a:t>xxx</a:t>
+            </a:r>
+            <a:endParaRPr lang="en-US" sz="3600" dirty="0"/>
+          </a:p>
+        </p:txBody>
+      </p:sp>
+    </p:spTree>
+    <p:extLst>
+      <p:ext uri="{BB962C8B-B14F-4D97-AF65-F5344CB8AC3E}">
+        <p14:creationId xmlns:p14="http://schemas.microsoft.com/office/powerpoint/2010/main" val="3151825453"/>
+      </p:ext>
+    </p:extLst>
+  </p:cSld>
+  <p:clrMapOvr>
+    <a:masterClrMapping/>
+  </p:clrMapOvr>
+  <p:timing>
+    <p:tnLst>
+      <p:par>
+        <p:cTn id="1" dur="indefinite" restart="never" nodeType="tmRoot"/>
+      </p:par>
+    </p:tnLst>
+  </p:timing>
+</p:sld>
+</file>
+
+<file path=ppt/slides/slide30.xml><?xml version="1.0" encoding="utf-8"?>
+<p:sld xmlns:a="http://schemas.openxmlformats.org/drawingml/2006/main" xmlns:r="http://schemas.openxmlformats.org/officeDocument/2006/relationships" xmlns:p="http://schemas.openxmlformats.org/presentationml/2006/main">
+  <p:cSld>
+    <p:spTree>
+      <p:nvGrpSpPr>
+        <p:cNvPr id="1" name=""/>
+        <p:cNvGrpSpPr/>
+        <p:nvPr/>
+      </p:nvGrpSpPr>
+      <p:grpSpPr>
+        <a:xfrm>
+          <a:off x="0" y="0"/>
+          <a:ext cx="0" cy="0"/>
+          <a:chOff x="0" y="0"/>
+          <a:chExt cx="0" cy="0"/>
+        </a:xfrm>
+      </p:grpSpPr>
+      <p:sp>
+        <p:nvSpPr>
+          <p:cNvPr id="5" name="標題 4"/>
+          <p:cNvSpPr>
+            <a:spLocks noGrp="1"/>
+          </p:cNvSpPr>
+          <p:nvPr>
+            <p:ph type="title"/>
+          </p:nvPr>
+        </p:nvSpPr>
+        <p:spPr/>
+        <p:txBody>
+          <a:bodyPr/>
+          <a:lstStyle/>
+          <a:p>
+            <a:endParaRPr lang="en-US"/>
+          </a:p>
+        </p:txBody>
+      </p:sp>
+      <p:sp>
+        <p:nvSpPr>
+          <p:cNvPr id="6" name="文字版面配置區 5"/>
+          <p:cNvSpPr>
+            <a:spLocks noGrp="1"/>
+          </p:cNvSpPr>
+          <p:nvPr>
+            <p:ph type="body" idx="1"/>
+          </p:nvPr>
+        </p:nvSpPr>
+        <p:spPr/>
+        <p:txBody>
+          <a:bodyPr/>
+          <a:lstStyle/>
+          <a:p>
+            <a:endParaRPr lang="en-US"/>
+          </a:p>
+        </p:txBody>
+      </p:sp>
+    </p:spTree>
+    <p:extLst>
+      <p:ext uri="{BB962C8B-B14F-4D97-AF65-F5344CB8AC3E}">
+        <p14:creationId xmlns:p14="http://schemas.microsoft.com/office/powerpoint/2010/main" val="2603096143"/>
+      </p:ext>
+    </p:extLst>
+  </p:cSld>
+  <p:clrMapOvr>
+    <a:masterClrMapping/>
+  </p:clrMapOvr>
+  <p:timing>
+    <p:tnLst>
+      <p:par>
+        <p:cTn id="1" dur="indefinite" restart="never" nodeType="tmRoot"/>
+      </p:par>
+    </p:tnLst>
+  </p:timing>
+</p:sld>
+</file>
+
+<file path=ppt/slides/slide31.xml><?xml version="1.0" encoding="utf-8"?>
+<p:sld xmlns:a="http://schemas.openxmlformats.org/drawingml/2006/main" xmlns:r="http://schemas.openxmlformats.org/officeDocument/2006/relationships" xmlns:p="http://schemas.openxmlformats.org/presentationml/2006/main">
+  <p:cSld>
+    <p:spTree>
+      <p:nvGrpSpPr>
+        <p:cNvPr id="1" name=""/>
+        <p:cNvGrpSpPr/>
+        <p:nvPr/>
+      </p:nvGrpSpPr>
+      <p:grpSpPr>
+        <a:xfrm>
+          <a:off x="0" y="0"/>
+          <a:ext cx="0" cy="0"/>
+          <a:chOff x="0" y="0"/>
+          <a:chExt cx="0" cy="0"/>
+        </a:xfrm>
+      </p:grpSpPr>
+      <p:sp>
+        <p:nvSpPr>
+          <p:cNvPr id="5" name="標題 4"/>
+          <p:cNvSpPr>
+            <a:spLocks noGrp="1"/>
+          </p:cNvSpPr>
+          <p:nvPr>
+            <p:ph type="title"/>
+          </p:nvPr>
+        </p:nvSpPr>
+        <p:spPr/>
+        <p:txBody>
+          <a:bodyPr/>
+          <a:lstStyle/>
+          <a:p>
+            <a:endParaRPr lang="en-US"/>
+          </a:p>
+        </p:txBody>
+      </p:sp>
+      <p:sp>
+        <p:nvSpPr>
+          <p:cNvPr id="6" name="文字版面配置區 5"/>
+          <p:cNvSpPr>
+            <a:spLocks noGrp="1"/>
+          </p:cNvSpPr>
+          <p:nvPr>
+            <p:ph type="body" idx="1"/>
+          </p:nvPr>
+        </p:nvSpPr>
+        <p:spPr/>
+        <p:txBody>
+          <a:bodyPr/>
+          <a:lstStyle/>
+          <a:p>
+            <a:endParaRPr lang="en-US"/>
+          </a:p>
+        </p:txBody>
+      </p:sp>
+    </p:spTree>
+    <p:extLst>
+      <p:ext uri="{BB962C8B-B14F-4D97-AF65-F5344CB8AC3E}">
+        <p14:creationId xmlns:p14="http://schemas.microsoft.com/office/powerpoint/2010/main" val="3119443067"/>
+      </p:ext>
+    </p:extLst>
+  </p:cSld>
+  <p:clrMapOvr>
+    <a:masterClrMapping/>
+  </p:clrMapOvr>
+  <p:timing>
+    <p:tnLst>
+      <p:par>
+        <p:cTn id="1" dur="indefinite" restart="never" nodeType="tmRoot"/>
+      </p:par>
+    </p:tnLst>
+  </p:timing>
+</p:sld>
+</file>
+
+<file path=ppt/slides/slide32.xml><?xml version="1.0" encoding="utf-8"?>
+<p:sld xmlns:a="http://schemas.openxmlformats.org/drawingml/2006/main" xmlns:r="http://schemas.openxmlformats.org/officeDocument/2006/relationships" xmlns:p="http://schemas.openxmlformats.org/presentationml/2006/main">
+  <p:cSld>
+    <p:spTree>
+      <p:nvGrpSpPr>
+        <p:cNvPr id="1" name=""/>
+        <p:cNvGrpSpPr/>
+        <p:nvPr/>
+      </p:nvGrpSpPr>
+      <p:grpSpPr>
+        <a:xfrm>
+          <a:off x="0" y="0"/>
+          <a:ext cx="0" cy="0"/>
+          <a:chOff x="0" y="0"/>
+          <a:chExt cx="0" cy="0"/>
+        </a:xfrm>
+      </p:grpSpPr>
+      <p:sp>
+        <p:nvSpPr>
+          <p:cNvPr id="5" name="標題 4"/>
+          <p:cNvSpPr>
+            <a:spLocks noGrp="1"/>
+          </p:cNvSpPr>
+          <p:nvPr>
+            <p:ph type="title"/>
+          </p:nvPr>
+        </p:nvSpPr>
+        <p:spPr/>
+        <p:txBody>
+          <a:bodyPr/>
+          <a:lstStyle/>
+          <a:p>
+            <a:endParaRPr lang="en-US"/>
+          </a:p>
+        </p:txBody>
+      </p:sp>
+      <p:sp>
+        <p:nvSpPr>
+          <p:cNvPr id="6" name="文字版面配置區 5"/>
+          <p:cNvSpPr>
+            <a:spLocks noGrp="1"/>
+          </p:cNvSpPr>
+          <p:nvPr>
+            <p:ph type="body" idx="1"/>
+          </p:nvPr>
+        </p:nvSpPr>
+        <p:spPr/>
+        <p:txBody>
+          <a:bodyPr/>
+          <a:lstStyle/>
+          <a:p>
+            <a:endParaRPr lang="en-US"/>
+          </a:p>
+        </p:txBody>
+      </p:sp>
+    </p:spTree>
+    <p:extLst>
+      <p:ext uri="{BB962C8B-B14F-4D97-AF65-F5344CB8AC3E}">
+        <p14:creationId xmlns:p14="http://schemas.microsoft.com/office/powerpoint/2010/main" val="3351526299"/>
+      </p:ext>
+    </p:extLst>
+  </p:cSld>
+  <p:clrMapOvr>
+    <a:masterClrMapping/>
+  </p:clrMapOvr>
+  <p:timing>
+    <p:tnLst>
+      <p:par>
+        <p:cTn id="1" dur="indefinite" restart="never" nodeType="tmRoot"/>
+      </p:par>
+    </p:tnLst>
+  </p:timing>
+</p:sld>
+</file>
+
+<file path=ppt/slides/slide33.xml><?xml version="1.0" encoding="utf-8"?>
+<p:sld xmlns:a="http://schemas.openxmlformats.org/drawingml/2006/main" xmlns:r="http://schemas.openxmlformats.org/officeDocument/2006/relationships" xmlns:p="http://schemas.openxmlformats.org/presentationml/2006/main">
+  <p:cSld>
+    <p:spTree>
+      <p:nvGrpSpPr>
+        <p:cNvPr id="1" name=""/>
+        <p:cNvGrpSpPr/>
+        <p:nvPr/>
+      </p:nvGrpSpPr>
+      <p:grpSpPr>
+        <a:xfrm>
+          <a:off x="0" y="0"/>
+          <a:ext cx="0" cy="0"/>
+          <a:chOff x="0" y="0"/>
+          <a:chExt cx="0" cy="0"/>
+        </a:xfrm>
+      </p:grpSpPr>
+      <p:sp>
+        <p:nvSpPr>
+          <p:cNvPr id="5" name="標題 4"/>
+          <p:cNvSpPr>
+            <a:spLocks noGrp="1"/>
+          </p:cNvSpPr>
+          <p:nvPr>
+            <p:ph type="title"/>
+          </p:nvPr>
+        </p:nvSpPr>
+        <p:spPr/>
+        <p:txBody>
+          <a:bodyPr/>
+          <a:lstStyle/>
+          <a:p>
+            <a:endParaRPr lang="en-US"/>
+          </a:p>
+        </p:txBody>
+      </p:sp>
+      <p:sp>
+        <p:nvSpPr>
+          <p:cNvPr id="6" name="文字版面配置區 5"/>
+          <p:cNvSpPr>
+            <a:spLocks noGrp="1"/>
+          </p:cNvSpPr>
+          <p:nvPr>
+            <p:ph type="body" idx="1"/>
+          </p:nvPr>
+        </p:nvSpPr>
+        <p:spPr/>
+        <p:txBody>
+          <a:bodyPr/>
+          <a:lstStyle/>
+          <a:p>
+            <a:endParaRPr lang="en-US"/>
+          </a:p>
+        </p:txBody>
+      </p:sp>
+    </p:spTree>
+    <p:extLst>
+      <p:ext uri="{BB962C8B-B14F-4D97-AF65-F5344CB8AC3E}">
+        <p14:creationId xmlns:p14="http://schemas.microsoft.com/office/powerpoint/2010/main" val="2076910670"/>
+      </p:ext>
+    </p:extLst>
+  </p:cSld>
+  <p:clrMapOvr>
+    <a:masterClrMapping/>
+  </p:clrMapOvr>
+  <p:timing>
+    <p:tnLst>
+      <p:par>
+        <p:cTn id="1" dur="indefinite" restart="never" nodeType="tmRoot"/>
+      </p:par>
+    </p:tnLst>
+  </p:timing>
+</p:sld>
+</file>
+
+<file path=ppt/slides/slide34.xml><?xml version="1.0" encoding="utf-8"?>
+<p:sld xmlns:a="http://schemas.openxmlformats.org/drawingml/2006/main" xmlns:r="http://schemas.openxmlformats.org/officeDocument/2006/relationships" xmlns:p="http://schemas.openxmlformats.org/presentationml/2006/main">
+  <p:cSld>
+    <p:spTree>
+      <p:nvGrpSpPr>
+        <p:cNvPr id="1" name=""/>
+        <p:cNvGrpSpPr/>
+        <p:nvPr/>
+      </p:nvGrpSpPr>
+      <p:grpSpPr>
+        <a:xfrm>
+          <a:off x="0" y="0"/>
+          <a:ext cx="0" cy="0"/>
+          <a:chOff x="0" y="0"/>
+          <a:chExt cx="0" cy="0"/>
+        </a:xfrm>
+      </p:grpSpPr>
+      <p:sp>
+        <p:nvSpPr>
+          <p:cNvPr id="5" name="標題 4"/>
+          <p:cNvSpPr>
+            <a:spLocks noGrp="1"/>
+          </p:cNvSpPr>
+          <p:nvPr>
+            <p:ph type="title"/>
+          </p:nvPr>
+        </p:nvSpPr>
+        <p:spPr/>
+        <p:txBody>
+          <a:bodyPr/>
+          <a:lstStyle/>
+          <a:p>
+            <a:endParaRPr lang="en-US"/>
+          </a:p>
+        </p:txBody>
+      </p:sp>
+      <p:sp>
+        <p:nvSpPr>
+          <p:cNvPr id="6" name="文字版面配置區 5"/>
+          <p:cNvSpPr>
+            <a:spLocks noGrp="1"/>
+          </p:cNvSpPr>
+          <p:nvPr>
+            <p:ph type="body" idx="1"/>
+          </p:nvPr>
+        </p:nvSpPr>
+        <p:spPr/>
+        <p:txBody>
+          <a:bodyPr/>
+          <a:lstStyle/>
+          <a:p>
+            <a:endParaRPr lang="en-US"/>
+          </a:p>
+        </p:txBody>
+      </p:sp>
+    </p:spTree>
+    <p:extLst>
+      <p:ext uri="{BB962C8B-B14F-4D97-AF65-F5344CB8AC3E}">
+        <p14:creationId xmlns:p14="http://schemas.microsoft.com/office/powerpoint/2010/main" val="2116884512"/>
+      </p:ext>
+    </p:extLst>
+  </p:cSld>
+  <p:clrMapOvr>
+    <a:masterClrMapping/>
+  </p:clrMapOvr>
+  <p:timing>
+    <p:tnLst>
+      <p:par>
+        <p:cTn id="1" dur="indefinite" restart="never" nodeType="tmRoot"/>
+      </p:par>
+    </p:tnLst>
+  </p:timing>
+</p:sld>
+</file>
+
+<file path=ppt/slides/slide35.xml><?xml version="1.0" encoding="utf-8"?>
 <p:sld xmlns:a="http://schemas.openxmlformats.org/drawingml/2006/main" xmlns:r="http://schemas.openxmlformats.org/officeDocument/2006/relationships" xmlns:p="http://schemas.openxmlformats.org/presentationml/2006/main">
   <p:cSld>
     <p:bg>
@@ -14901,7 +18896,7 @@
 </p:sld>
 </file>
 
-<file path=ppt/slides/slide12.xml><?xml version="1.0" encoding="utf-8"?>
+<file path=ppt/slides/slide36.xml><?xml version="1.0" encoding="utf-8"?>
 <p:sld xmlns:a="http://schemas.openxmlformats.org/drawingml/2006/main" xmlns:r="http://schemas.openxmlformats.org/officeDocument/2006/relationships" xmlns:p="http://schemas.openxmlformats.org/presentationml/2006/main">
   <p:cSld>
     <p:spTree>
@@ -14931,7 +18926,7 @@
 </p:sld>
 </file>
 
-<file path=ppt/slides/slide13.xml><?xml version="1.0" encoding="utf-8"?>
+<file path=ppt/slides/slide37.xml><?xml version="1.0" encoding="utf-8"?>
 <p:sld xmlns:a="http://schemas.openxmlformats.org/drawingml/2006/main" xmlns:r="http://schemas.openxmlformats.org/officeDocument/2006/relationships" xmlns:p="http://schemas.openxmlformats.org/presentationml/2006/main">
   <p:cSld>
     <p:spTree>
@@ -14961,7 +18956,7 @@
 </p:sld>
 </file>
 
-<file path=ppt/slides/slide14.xml><?xml version="1.0" encoding="utf-8"?>
+<file path=ppt/slides/slide38.xml><?xml version="1.0" encoding="utf-8"?>
 <p:sld xmlns:a="http://schemas.openxmlformats.org/drawingml/2006/main" xmlns:r="http://schemas.openxmlformats.org/officeDocument/2006/relationships" xmlns:p="http://schemas.openxmlformats.org/presentationml/2006/main">
   <p:cSld>
     <p:spTree>
@@ -14991,7 +18986,7 @@
 </p:sld>
 </file>
 
-<file path=ppt/slides/slide15.xml><?xml version="1.0" encoding="utf-8"?>
+<file path=ppt/slides/slide39.xml><?xml version="1.0" encoding="utf-8"?>
 <p:sld xmlns:a="http://schemas.openxmlformats.org/drawingml/2006/main" xmlns:r="http://schemas.openxmlformats.org/officeDocument/2006/relationships" xmlns:p="http://schemas.openxmlformats.org/presentationml/2006/main">
   <p:cSld>
     <p:spTree>
@@ -15211,178 +19206,6 @@
     <p:extLst>
       <p:ext uri="{BB962C8B-B14F-4D97-AF65-F5344CB8AC3E}">
         <p14:creationId xmlns:p14="http://schemas.microsoft.com/office/powerpoint/2010/main" val="2622291912"/>
-      </p:ext>
-    </p:extLst>
-  </p:cSld>
-  <p:clrMapOvr>
-    <a:masterClrMapping/>
-  </p:clrMapOvr>
-</p:sld>
-</file>
-
-<file path=ppt/slides/slide2.xml><?xml version="1.0" encoding="utf-8"?>
-<p:sld xmlns:a="http://schemas.openxmlformats.org/drawingml/2006/main" xmlns:r="http://schemas.openxmlformats.org/officeDocument/2006/relationships" xmlns:p="http://schemas.openxmlformats.org/presentationml/2006/main">
-  <p:cSld>
-    <p:spTree>
-      <p:nvGrpSpPr>
-        <p:cNvPr id="1" name=""/>
-        <p:cNvGrpSpPr/>
-        <p:nvPr/>
-      </p:nvGrpSpPr>
-      <p:grpSpPr>
-        <a:xfrm>
-          <a:off x="0" y="0"/>
-          <a:ext cx="0" cy="0"/>
-          <a:chOff x="0" y="0"/>
-          <a:chExt cx="0" cy="0"/>
-        </a:xfrm>
-      </p:grpSpPr>
-      <p:sp>
-        <p:nvSpPr>
-          <p:cNvPr id="2" name="標題 1"/>
-          <p:cNvSpPr>
-            <a:spLocks noGrp="1"/>
-          </p:cNvSpPr>
-          <p:nvPr>
-            <p:ph type="title"/>
-          </p:nvPr>
-        </p:nvSpPr>
-        <p:spPr/>
-        <p:txBody>
-          <a:bodyPr/>
-          <a:lstStyle/>
-          <a:p>
-            <a:r>
-              <a:rPr lang="en-US" dirty="0" smtClean="0"/>
-              <a:t>AGENDA</a:t>
-            </a:r>
-            <a:endParaRPr lang="en-US" dirty="0"/>
-          </a:p>
-        </p:txBody>
-      </p:sp>
-      <p:sp>
-        <p:nvSpPr>
-          <p:cNvPr id="3" name="文字版面配置區 2"/>
-          <p:cNvSpPr>
-            <a:spLocks noGrp="1"/>
-          </p:cNvSpPr>
-          <p:nvPr>
-            <p:ph type="body" idx="1"/>
-          </p:nvPr>
-        </p:nvSpPr>
-        <p:spPr/>
-        <p:txBody>
-          <a:bodyPr/>
-          <a:lstStyle/>
-          <a:p>
-            <a:endParaRPr lang="en-US" dirty="0"/>
-          </a:p>
-        </p:txBody>
-      </p:sp>
-    </p:spTree>
-    <p:extLst>
-      <p:ext uri="{BB962C8B-B14F-4D97-AF65-F5344CB8AC3E}">
-        <p14:creationId xmlns:p14="http://schemas.microsoft.com/office/powerpoint/2010/main" val="2151037500"/>
-      </p:ext>
-    </p:extLst>
-  </p:cSld>
-  <p:clrMapOvr>
-    <a:masterClrMapping/>
-  </p:clrMapOvr>
-  <p:timing>
-    <p:tnLst>
-      <p:par>
-        <p:cTn id="1" dur="indefinite" restart="never" nodeType="tmRoot"/>
-      </p:par>
-    </p:tnLst>
-  </p:timing>
-</p:sld>
-</file>
-
-<file path=ppt/slides/slide3.xml><?xml version="1.0" encoding="utf-8"?>
-<p:sld xmlns:a="http://schemas.openxmlformats.org/drawingml/2006/main" xmlns:r="http://schemas.openxmlformats.org/officeDocument/2006/relationships" xmlns:p="http://schemas.openxmlformats.org/presentationml/2006/main">
-  <p:cSld>
-    <p:spTree>
-      <p:nvGrpSpPr>
-        <p:cNvPr id="1" name=""/>
-        <p:cNvGrpSpPr/>
-        <p:nvPr/>
-      </p:nvGrpSpPr>
-      <p:grpSpPr>
-        <a:xfrm>
-          <a:off x="0" y="0"/>
-          <a:ext cx="0" cy="0"/>
-          <a:chOff x="0" y="0"/>
-          <a:chExt cx="0" cy="0"/>
-        </a:xfrm>
-      </p:grpSpPr>
-      <p:sp>
-        <p:nvSpPr>
-          <p:cNvPr id="13" name="標題 12"/>
-          <p:cNvSpPr>
-            <a:spLocks noGrp="1"/>
-          </p:cNvSpPr>
-          <p:nvPr>
-            <p:ph type="ctrTitle"/>
-          </p:nvPr>
-        </p:nvSpPr>
-        <p:spPr/>
-        <p:txBody>
-          <a:bodyPr/>
-          <a:lstStyle/>
-          <a:p>
-            <a:r>
-              <a:rPr lang="en-US" sz="6000" b="0" dirty="0" smtClean="0"/>
-              <a:t/>
-            </a:r>
-            <a:br>
-              <a:rPr lang="en-US" sz="6000" b="0" dirty="0" smtClean="0"/>
-            </a:br>
-            <a:r>
-              <a:rPr lang="en-US" sz="6000" b="0" dirty="0"/>
-              <a:t/>
-            </a:r>
-            <a:br>
-              <a:rPr lang="en-US" sz="6000" b="0" dirty="0"/>
-            </a:br>
-            <a:r>
-              <a:rPr lang="en-US" sz="6000" b="0" dirty="0" smtClean="0"/>
-              <a:t>1. What &amp; Why ?</a:t>
-            </a:r>
-            <a:endParaRPr lang="en-US" sz="6000" b="0" dirty="0"/>
-          </a:p>
-        </p:txBody>
-      </p:sp>
-      <p:sp>
-        <p:nvSpPr>
-          <p:cNvPr id="14" name="副標題 13"/>
-          <p:cNvSpPr>
-            <a:spLocks noGrp="1"/>
-          </p:cNvSpPr>
-          <p:nvPr>
-            <p:ph type="subTitle" idx="1"/>
-          </p:nvPr>
-        </p:nvSpPr>
-        <p:spPr/>
-        <p:txBody>
-          <a:bodyPr/>
-          <a:lstStyle/>
-          <a:p>
-            <a:endParaRPr lang="en-US" sz="3600" dirty="0" smtClean="0"/>
-          </a:p>
-          <a:p>
-            <a:r>
-              <a:rPr lang="en-US" sz="3600" dirty="0" smtClean="0"/>
-              <a:t>xxx</a:t>
-            </a:r>
-            <a:endParaRPr lang="en-US" sz="3600" dirty="0"/>
-          </a:p>
-        </p:txBody>
-      </p:sp>
-    </p:spTree>
-    <p:extLst>
-      <p:ext uri="{BB962C8B-B14F-4D97-AF65-F5344CB8AC3E}">
-        <p14:creationId xmlns:p14="http://schemas.microsoft.com/office/powerpoint/2010/main" val="3151825453"/>
       </p:ext>
     </p:extLst>
   </p:cSld>
@@ -15501,6 +19324,13 @@
   <p:clrMapOvr>
     <a:masterClrMapping/>
   </p:clrMapOvr>
+  <p:timing>
+    <p:tnLst>
+      <p:par>
+        <p:cTn id="1" dur="indefinite" restart="never" nodeType="tmRoot"/>
+      </p:par>
+    </p:tnLst>
+  </p:timing>
 </p:sld>
 </file>
 
@@ -15538,7 +19368,7 @@
           <a:p>
             <a:r>
               <a:rPr lang="en-US" dirty="0" smtClean="0"/>
-              <a:t>Q: </a:t>
+              <a:t>Q1: </a:t>
             </a:r>
             <a:r>
               <a:rPr lang="zh-TW" altLang="en-US" dirty="0" smtClean="0"/>
@@ -15627,20 +19457,25 @@
           <a:p>
             <a:r>
               <a:rPr lang="zh-TW" altLang="en-US" dirty="0" smtClean="0"/>
-              <a:t>如何</a:t>
-            </a:r>
-            <a:r>
-              <a:rPr lang="zh-TW" altLang="en-US" dirty="0"/>
-              <a:t>確保這些服務的組</a:t>
-            </a:r>
-            <a:r>
-              <a:rPr lang="zh-TW" altLang="en-US" dirty="0" smtClean="0"/>
-              <a:t>態是正確的</a:t>
+              <a:t>如何簡化服務部署與啟動的程序</a:t>
             </a:r>
             <a:r>
               <a:rPr lang="en-US" altLang="zh-TW" dirty="0" smtClean="0"/>
               <a:t>?</a:t>
             </a:r>
+            <a:endParaRPr lang="en-US" dirty="0"/>
+          </a:p>
+          <a:p>
+            <a:r>
+              <a:rPr lang="zh-TW" altLang="en-US" dirty="0"/>
+              <a:t>如何確保這些服務的組態是正確的</a:t>
+            </a:r>
+            <a:r>
+              <a:rPr lang="en-US" altLang="zh-TW" dirty="0"/>
+              <a:t>?</a:t>
+            </a:r>
+          </a:p>
+          <a:p>
             <a:endParaRPr lang="en-US" dirty="0"/>
           </a:p>
         </p:txBody>
@@ -16034,6 +19869,10 @@
           <a:bodyPr/>
           <a:lstStyle/>
           <a:p>
+            <a:r>
+              <a:rPr lang="zh-TW" altLang="en-US" dirty="0" smtClean="0"/>
+              <a:t>服務啟動到被呼叫的過程</a:t>
+            </a:r>
             <a:endParaRPr lang="en-US" dirty="0"/>
           </a:p>
         </p:txBody>
@@ -16053,10 +19892,68 @@
           <a:bodyPr/>
           <a:lstStyle/>
           <a:p>
-            <a:endParaRPr lang="en-US"/>
-          </a:p>
-        </p:txBody>
-      </p:sp>
+            <a:endParaRPr lang="en-US" dirty="0"/>
+          </a:p>
+        </p:txBody>
+      </p:sp>
+      <p:sp>
+        <p:nvSpPr>
+          <p:cNvPr id="2" name="文字方塊 1"/>
+          <p:cNvSpPr txBox="1"/>
+          <p:nvPr/>
+        </p:nvSpPr>
+        <p:spPr>
+          <a:xfrm>
+            <a:off x="360535" y="4707853"/>
+            <a:ext cx="3677610" cy="307777"/>
+          </a:xfrm>
+          <a:prstGeom prst="rect">
+            <a:avLst/>
+          </a:prstGeom>
+          <a:noFill/>
+        </p:spPr>
+        <p:txBody>
+          <a:bodyPr wrap="none" rtlCol="0">
+            <a:spAutoFit/>
+          </a:bodyPr>
+          <a:lstStyle/>
+          <a:p>
+            <a:r>
+              <a:rPr lang="en-US" altLang="zh-TW" dirty="0" err="1" smtClean="0"/>
+              <a:t>Sequency</a:t>
+            </a:r>
+            <a:r>
+              <a:rPr lang="en-US" altLang="zh-TW" dirty="0" smtClean="0"/>
+              <a:t> Diagram For Service Registration</a:t>
+            </a:r>
+            <a:endParaRPr lang="en-US" dirty="0"/>
+          </a:p>
+        </p:txBody>
+      </p:sp>
+      <p:pic>
+        <p:nvPicPr>
+          <p:cNvPr id="3" name="圖片 2"/>
+          <p:cNvPicPr>
+            <a:picLocks noChangeAspect="1"/>
+          </p:cNvPicPr>
+          <p:nvPr/>
+        </p:nvPicPr>
+        <p:blipFill>
+          <a:blip r:embed="rId2"/>
+          <a:stretch>
+            <a:fillRect/>
+          </a:stretch>
+        </p:blipFill>
+        <p:spPr>
+          <a:xfrm>
+            <a:off x="981075" y="1200150"/>
+            <a:ext cx="7181850" cy="9201150"/>
+          </a:xfrm>
+          <a:prstGeom prst="rect">
+            <a:avLst/>
+          </a:prstGeom>
+        </p:spPr>
+      </p:pic>
     </p:spTree>
     <p:extLst>
       <p:ext uri="{BB962C8B-B14F-4D97-AF65-F5344CB8AC3E}">
@@ -16070,7 +19967,70 @@
   <p:timing>
     <p:tnLst>
       <p:par>
-        <p:cTn id="1" dur="indefinite" restart="never" nodeType="tmRoot"/>
+        <p:cTn id="1" dur="indefinite" restart="never" nodeType="tmRoot">
+          <p:childTnLst>
+            <p:seq concurrent="1" nextAc="seek">
+              <p:cTn id="2" dur="indefinite" nodeType="mainSeq">
+                <p:childTnLst>
+                  <p:par>
+                    <p:cTn id="3" fill="hold">
+                      <p:stCondLst>
+                        <p:cond delay="indefinite"/>
+                      </p:stCondLst>
+                      <p:childTnLst>
+                        <p:par>
+                          <p:cTn id="4" fill="hold">
+                            <p:stCondLst>
+                              <p:cond delay="0"/>
+                            </p:stCondLst>
+                            <p:childTnLst>
+                              <p:par>
+                                <p:cTn id="5" presetID="42" presetClass="path" presetSubtype="0" accel="50000" decel="50000" fill="hold" nodeType="clickEffect">
+                                  <p:stCondLst>
+                                    <p:cond delay="0"/>
+                                  </p:stCondLst>
+                                  <p:childTnLst>
+                                    <p:animMotion origin="layout" path="M 0 2.22222E-6 L 0 -0.94105 " pathEditMode="relative" rAng="0" ptsTypes="AA">
+                                      <p:cBhvr>
+                                        <p:cTn id="6" dur="2000" fill="hold"/>
+                                        <p:tgtEl>
+                                          <p:spTgt spid="3"/>
+                                        </p:tgtEl>
+                                        <p:attrNameLst>
+                                          <p:attrName>ppt_x</p:attrName>
+                                          <p:attrName>ppt_y</p:attrName>
+                                        </p:attrNameLst>
+                                      </p:cBhvr>
+                                      <p:rCtr x="0" y="-47068"/>
+                                    </p:animMotion>
+                                  </p:childTnLst>
+                                </p:cTn>
+                              </p:par>
+                            </p:childTnLst>
+                          </p:cTn>
+                        </p:par>
+                      </p:childTnLst>
+                    </p:cTn>
+                  </p:par>
+                </p:childTnLst>
+              </p:cTn>
+              <p:prevCondLst>
+                <p:cond evt="onPrev" delay="0">
+                  <p:tgtEl>
+                    <p:sldTgt/>
+                  </p:tgtEl>
+                </p:cond>
+              </p:prevCondLst>
+              <p:nextCondLst>
+                <p:cond evt="onNext" delay="0">
+                  <p:tgtEl>
+                    <p:sldTgt/>
+                  </p:tgtEl>
+                </p:cond>
+              </p:nextCondLst>
+            </p:seq>
+          </p:childTnLst>
+        </p:cTn>
       </p:par>
     </p:tnLst>
   </p:timing>
@@ -16110,16 +20070,12 @@
           <a:lstStyle/>
           <a:p>
             <a:r>
-              <a:rPr lang="en-US" dirty="0" smtClean="0"/>
-              <a:t>Q: </a:t>
-            </a:r>
-            <a:r>
               <a:rPr lang="zh-TW" altLang="en-US" dirty="0" smtClean="0"/>
-              <a:t>如何管理好組態 </a:t>
+              <a:t>案例探討</a:t>
             </a:r>
             <a:r>
               <a:rPr lang="en-US" altLang="zh-TW" dirty="0" smtClean="0"/>
-              <a:t>(configuration)</a:t>
+              <a:t>:</a:t>
             </a:r>
             <a:r>
               <a:rPr lang="zh-TW" altLang="en-US" dirty="0" smtClean="0"/>
@@ -16127,7 +20083,7 @@
             </a:r>
             <a:r>
               <a:rPr lang="en-US" altLang="zh-TW" dirty="0" smtClean="0"/>
-              <a:t>?</a:t>
+              <a:t>Consul</a:t>
             </a:r>
             <a:endParaRPr lang="en-US" dirty="0"/>
           </a:p>
@@ -16152,16 +20108,76 @@
           </a:p>
         </p:txBody>
       </p:sp>
+      <p:pic>
+        <p:nvPicPr>
+          <p:cNvPr id="2" name="圖片 1"/>
+          <p:cNvPicPr>
+            <a:picLocks noChangeAspect="1"/>
+          </p:cNvPicPr>
+          <p:nvPr/>
+        </p:nvPicPr>
+        <p:blipFill>
+          <a:blip r:embed="rId2"/>
+          <a:stretch>
+            <a:fillRect/>
+          </a:stretch>
+        </p:blipFill>
+        <p:spPr>
+          <a:xfrm>
+            <a:off x="457200" y="1200150"/>
+            <a:ext cx="8229600" cy="3268833"/>
+          </a:xfrm>
+          <a:prstGeom prst="rect">
+            <a:avLst/>
+          </a:prstGeom>
+        </p:spPr>
+      </p:pic>
+      <p:sp>
+        <p:nvSpPr>
+          <p:cNvPr id="3" name="文字方塊 2"/>
+          <p:cNvSpPr txBox="1"/>
+          <p:nvPr/>
+        </p:nvSpPr>
+        <p:spPr>
+          <a:xfrm>
+            <a:off x="402336" y="4658446"/>
+            <a:ext cx="3627916" cy="307777"/>
+          </a:xfrm>
+          <a:prstGeom prst="rect">
+            <a:avLst/>
+          </a:prstGeom>
+          <a:noFill/>
+        </p:spPr>
+        <p:txBody>
+          <a:bodyPr wrap="none" rtlCol="0">
+            <a:spAutoFit/>
+          </a:bodyPr>
+          <a:lstStyle/>
+          <a:p>
+            <a:r>
+              <a:rPr lang="en-US" dirty="0"/>
+              <a:t>https://www.hashicorp.com/products/consul</a:t>
+            </a:r>
+          </a:p>
+        </p:txBody>
+      </p:sp>
     </p:spTree>
     <p:extLst>
       <p:ext uri="{BB962C8B-B14F-4D97-AF65-F5344CB8AC3E}">
-        <p14:creationId xmlns:p14="http://schemas.microsoft.com/office/powerpoint/2010/main" val="595644716"/>
+        <p14:creationId xmlns:p14="http://schemas.microsoft.com/office/powerpoint/2010/main" val="3481930133"/>
       </p:ext>
     </p:extLst>
   </p:cSld>
   <p:clrMapOvr>
     <a:masterClrMapping/>
   </p:clrMapOvr>
+  <p:timing>
+    <p:tnLst>
+      <p:par>
+        <p:cTn id="1" dur="indefinite" restart="never" nodeType="tmRoot"/>
+      </p:par>
+    </p:tnLst>
+  </p:timing>
 </p:sld>
 </file>
 

--- a/20180911.DevOpsDaysTaipei2018/Andrew-ServiceDiscovery (簡報).pptx
+++ b/20180911.DevOpsDaysTaipei2018/Andrew-ServiceDiscovery (簡報).pptx
@@ -8,7 +8,7 @@
     <p:sldMasterId id="2147483690" r:id="rId4"/>
   </p:sldMasterIdLst>
   <p:notesMasterIdLst>
-    <p:notesMasterId r:id="rId44"/>
+    <p:notesMasterId r:id="rId45"/>
   </p:notesMasterIdLst>
   <p:sldIdLst>
     <p:sldId id="447" r:id="rId5"/>
@@ -16,40 +16,41 @@
     <p:sldId id="454" r:id="rId7"/>
     <p:sldId id="451" r:id="rId8"/>
     <p:sldId id="450" r:id="rId9"/>
-    <p:sldId id="459" r:id="rId10"/>
-    <p:sldId id="460" r:id="rId11"/>
-    <p:sldId id="461" r:id="rId12"/>
-    <p:sldId id="453" r:id="rId13"/>
-    <p:sldId id="462" r:id="rId14"/>
-    <p:sldId id="483" r:id="rId15"/>
-    <p:sldId id="463" r:id="rId16"/>
-    <p:sldId id="485" r:id="rId17"/>
-    <p:sldId id="484" r:id="rId18"/>
-    <p:sldId id="464" r:id="rId19"/>
-    <p:sldId id="486" r:id="rId20"/>
-    <p:sldId id="465" r:id="rId21"/>
-    <p:sldId id="466" r:id="rId22"/>
-    <p:sldId id="467" r:id="rId23"/>
-    <p:sldId id="468" r:id="rId24"/>
-    <p:sldId id="469" r:id="rId25"/>
-    <p:sldId id="470" r:id="rId26"/>
-    <p:sldId id="471" r:id="rId27"/>
-    <p:sldId id="472" r:id="rId28"/>
-    <p:sldId id="473" r:id="rId29"/>
-    <p:sldId id="474" r:id="rId30"/>
-    <p:sldId id="475" r:id="rId31"/>
-    <p:sldId id="476" r:id="rId32"/>
-    <p:sldId id="477" r:id="rId33"/>
-    <p:sldId id="478" r:id="rId34"/>
-    <p:sldId id="479" r:id="rId35"/>
-    <p:sldId id="480" r:id="rId36"/>
-    <p:sldId id="481" r:id="rId37"/>
-    <p:sldId id="482" r:id="rId38"/>
-    <p:sldId id="448" r:id="rId39"/>
-    <p:sldId id="455" r:id="rId40"/>
-    <p:sldId id="456" r:id="rId41"/>
-    <p:sldId id="457" r:id="rId42"/>
-    <p:sldId id="458" r:id="rId43"/>
+    <p:sldId id="487" r:id="rId10"/>
+    <p:sldId id="459" r:id="rId11"/>
+    <p:sldId id="460" r:id="rId12"/>
+    <p:sldId id="461" r:id="rId13"/>
+    <p:sldId id="453" r:id="rId14"/>
+    <p:sldId id="462" r:id="rId15"/>
+    <p:sldId id="483" r:id="rId16"/>
+    <p:sldId id="463" r:id="rId17"/>
+    <p:sldId id="485" r:id="rId18"/>
+    <p:sldId id="484" r:id="rId19"/>
+    <p:sldId id="464" r:id="rId20"/>
+    <p:sldId id="486" r:id="rId21"/>
+    <p:sldId id="465" r:id="rId22"/>
+    <p:sldId id="466" r:id="rId23"/>
+    <p:sldId id="467" r:id="rId24"/>
+    <p:sldId id="468" r:id="rId25"/>
+    <p:sldId id="469" r:id="rId26"/>
+    <p:sldId id="470" r:id="rId27"/>
+    <p:sldId id="471" r:id="rId28"/>
+    <p:sldId id="472" r:id="rId29"/>
+    <p:sldId id="473" r:id="rId30"/>
+    <p:sldId id="474" r:id="rId31"/>
+    <p:sldId id="475" r:id="rId32"/>
+    <p:sldId id="476" r:id="rId33"/>
+    <p:sldId id="477" r:id="rId34"/>
+    <p:sldId id="478" r:id="rId35"/>
+    <p:sldId id="479" r:id="rId36"/>
+    <p:sldId id="480" r:id="rId37"/>
+    <p:sldId id="481" r:id="rId38"/>
+    <p:sldId id="482" r:id="rId39"/>
+    <p:sldId id="448" r:id="rId40"/>
+    <p:sldId id="455" r:id="rId41"/>
+    <p:sldId id="456" r:id="rId42"/>
+    <p:sldId id="457" r:id="rId43"/>
+    <p:sldId id="458" r:id="rId44"/>
   </p:sldIdLst>
   <p:sldSz cx="9144000" cy="5143500" type="screen16x9"/>
   <p:notesSz cx="6858000" cy="9144000"/>
@@ -296,6 +297,7 @@
           <p14:sldIdLst>
             <p14:sldId id="451"/>
             <p14:sldId id="450"/>
+            <p14:sldId id="487"/>
             <p14:sldId id="459"/>
             <p14:sldId id="460"/>
             <p14:sldId id="461"/>
@@ -1267,7 +1269,7 @@
               <a:pPr defTabSz="685800">
                 <a:buClrTx/>
               </a:pPr>
-              <a:t>2018/8/28</a:t>
+              <a:t>2018/8/30</a:t>
             </a:fld>
             <a:endParaRPr lang="zh-TW" altLang="en-US" kern="1200">
               <a:solidFill>
@@ -1382,13 +1384,6 @@
   <p:clrMapOvr>
     <a:masterClrMapping/>
   </p:clrMapOvr>
-  <p:timing>
-    <p:tnLst>
-      <p:par>
-        <p:cTn id="1" dur="indefinite" restart="never" nodeType="tmRoot"/>
-      </p:par>
-    </p:tnLst>
-  </p:timing>
 </p:sldLayout>
 </file>
 
@@ -1645,7 +1640,7 @@
               <a:pPr defTabSz="685800">
                 <a:buClrTx/>
               </a:pPr>
-              <a:t>2018/8/28</a:t>
+              <a:t>2018/8/30</a:t>
             </a:fld>
             <a:endParaRPr lang="zh-TW" altLang="en-US" kern="1200">
               <a:solidFill>
@@ -1993,7 +1988,7 @@
               <a:pPr defTabSz="685800">
                 <a:buClrTx/>
               </a:pPr>
-              <a:t>2018/8/28</a:t>
+              <a:t>2018/8/30</a:t>
             </a:fld>
             <a:endParaRPr lang="zh-TW" altLang="en-US" kern="1200">
               <a:solidFill>
@@ -2251,7 +2246,7 @@
               <a:pPr defTabSz="685800">
                 <a:buClrTx/>
               </a:pPr>
-              <a:t>2018/8/28</a:t>
+              <a:t>2018/8/30</a:t>
             </a:fld>
             <a:endParaRPr lang="zh-TW" altLang="en-US" kern="1200">
               <a:solidFill>
@@ -2519,7 +2514,7 @@
               <a:pPr defTabSz="685800">
                 <a:buClrTx/>
               </a:pPr>
-              <a:t>2018/8/28</a:t>
+              <a:t>2018/8/30</a:t>
             </a:fld>
             <a:endParaRPr lang="zh-TW" altLang="en-US" kern="1200">
               <a:solidFill>
@@ -2799,7 +2794,7 @@
               <a:pPr defTabSz="685800">
                 <a:buClrTx/>
               </a:pPr>
-              <a:t>2018/8/28</a:t>
+              <a:t>2018/8/30</a:t>
             </a:fld>
             <a:endParaRPr lang="zh-TW" altLang="en-US" kern="1200">
               <a:solidFill>
@@ -2914,13 +2909,6 @@
   <p:clrMapOvr>
     <a:masterClrMapping/>
   </p:clrMapOvr>
-  <p:timing>
-    <p:tnLst>
-      <p:par>
-        <p:cTn id="1" dur="indefinite" restart="never" nodeType="tmRoot"/>
-      </p:par>
-    </p:tnLst>
-  </p:timing>
 </p:sldLayout>
 </file>
 
@@ -3064,7 +3052,7 @@
               <a:pPr defTabSz="685800">
                 <a:buClrTx/>
               </a:pPr>
-              <a:t>2018/8/28</a:t>
+              <a:t>2018/8/30</a:t>
             </a:fld>
             <a:endParaRPr lang="zh-TW" altLang="en-US" kern="1200">
               <a:solidFill>
@@ -3399,7 +3387,7 @@
               <a:pPr defTabSz="685800">
                 <a:buClrTx/>
               </a:pPr>
-              <a:t>2018/8/28</a:t>
+              <a:t>2018/8/30</a:t>
             </a:fld>
             <a:endParaRPr lang="zh-TW" altLang="en-US" kern="1200">
               <a:solidFill>
@@ -3724,7 +3712,7 @@
               <a:pPr defTabSz="685800">
                 <a:buClrTx/>
               </a:pPr>
-              <a:t>2018/8/28</a:t>
+              <a:t>2018/8/30</a:t>
             </a:fld>
             <a:endParaRPr lang="zh-TW" altLang="en-US" kern="1200">
               <a:solidFill>
@@ -4196,7 +4184,7 @@
               <a:pPr defTabSz="685800">
                 <a:buClrTx/>
               </a:pPr>
-              <a:t>2018/8/28</a:t>
+              <a:t>2018/8/30</a:t>
             </a:fld>
             <a:endParaRPr lang="zh-TW" altLang="en-US" kern="1200">
               <a:solidFill>
@@ -4944,7 +4932,7 @@
               <a:pPr defTabSz="685800">
                 <a:buClrTx/>
               </a:pPr>
-              <a:t>2018/8/28</a:t>
+              <a:t>2018/8/30</a:t>
             </a:fld>
             <a:endParaRPr lang="zh-TW" altLang="en-US" kern="1200">
               <a:solidFill>
@@ -5117,7 +5105,7 @@
               <a:pPr defTabSz="685800">
                 <a:buClrTx/>
               </a:pPr>
-              <a:t>2018/8/28</a:t>
+              <a:t>2018/8/30</a:t>
             </a:fld>
             <a:endParaRPr lang="zh-TW" altLang="en-US" kern="1200">
               <a:solidFill>
@@ -5232,13 +5220,6 @@
   <p:clrMapOvr>
     <a:masterClrMapping/>
   </p:clrMapOvr>
-  <p:timing>
-    <p:tnLst>
-      <p:par>
-        <p:cTn id="1" dur="indefinite" restart="never" nodeType="tmRoot"/>
-      </p:par>
-    </p:tnLst>
-  </p:timing>
 </p:sldLayout>
 </file>
 
@@ -5495,7 +5476,7 @@
               <a:pPr defTabSz="685800">
                 <a:buClrTx/>
               </a:pPr>
-              <a:t>2018/8/28</a:t>
+              <a:t>2018/8/30</a:t>
             </a:fld>
             <a:endParaRPr lang="zh-TW" altLang="en-US" kern="1200">
               <a:solidFill>
@@ -5843,7 +5824,7 @@
               <a:pPr defTabSz="685800">
                 <a:buClrTx/>
               </a:pPr>
-              <a:t>2018/8/28</a:t>
+              <a:t>2018/8/30</a:t>
             </a:fld>
             <a:endParaRPr lang="zh-TW" altLang="en-US" kern="1200">
               <a:solidFill>
@@ -6101,7 +6082,7 @@
               <a:pPr defTabSz="685800">
                 <a:buClrTx/>
               </a:pPr>
-              <a:t>2018/8/28</a:t>
+              <a:t>2018/8/30</a:t>
             </a:fld>
             <a:endParaRPr lang="zh-TW" altLang="en-US" kern="1200">
               <a:solidFill>
@@ -6369,7 +6350,7 @@
               <a:pPr defTabSz="685800">
                 <a:buClrTx/>
               </a:pPr>
-              <a:t>2018/8/28</a:t>
+              <a:t>2018/8/30</a:t>
             </a:fld>
             <a:endParaRPr lang="zh-TW" altLang="en-US" kern="1200">
               <a:solidFill>
@@ -8724,7 +8705,7 @@
               <a:pPr defTabSz="685800">
                 <a:buClrTx/>
               </a:pPr>
-              <a:t>2018/8/28</a:t>
+              <a:t>2018/8/30</a:t>
             </a:fld>
             <a:endParaRPr lang="zh-TW" altLang="en-US" kern="1200">
               <a:solidFill>
@@ -8839,13 +8820,6 @@
   <p:clrMapOvr>
     <a:masterClrMapping/>
   </p:clrMapOvr>
-  <p:timing>
-    <p:tnLst>
-      <p:par>
-        <p:cTn id="1" dur="indefinite" restart="never" nodeType="tmRoot"/>
-      </p:par>
-    </p:tnLst>
-  </p:timing>
 </p:sldLayout>
 </file>
 
@@ -8989,7 +8963,7 @@
               <a:pPr defTabSz="685800">
                 <a:buClrTx/>
               </a:pPr>
-              <a:t>2018/8/28</a:t>
+              <a:t>2018/8/30</a:t>
             </a:fld>
             <a:endParaRPr lang="zh-TW" altLang="en-US" kern="1200">
               <a:solidFill>
@@ -9324,7 +9298,7 @@
               <a:pPr defTabSz="685800">
                 <a:buClrTx/>
               </a:pPr>
-              <a:t>2018/8/28</a:t>
+              <a:t>2018/8/30</a:t>
             </a:fld>
             <a:endParaRPr lang="zh-TW" altLang="en-US" kern="1200">
               <a:solidFill>
@@ -9649,7 +9623,7 @@
               <a:pPr defTabSz="685800">
                 <a:buClrTx/>
               </a:pPr>
-              <a:t>2018/8/28</a:t>
+              <a:t>2018/8/30</a:t>
             </a:fld>
             <a:endParaRPr lang="zh-TW" altLang="en-US" kern="1200">
               <a:solidFill>
@@ -10121,7 +10095,7 @@
               <a:pPr defTabSz="685800">
                 <a:buClrTx/>
               </a:pPr>
-              <a:t>2018/8/28</a:t>
+              <a:t>2018/8/30</a:t>
             </a:fld>
             <a:endParaRPr lang="zh-TW" altLang="en-US" kern="1200">
               <a:solidFill>
@@ -10322,7 +10296,7 @@
               <a:pPr defTabSz="685800">
                 <a:buClrTx/>
               </a:pPr>
-              <a:t>2018/8/28</a:t>
+              <a:t>2018/8/30</a:t>
             </a:fld>
             <a:endParaRPr lang="zh-TW" altLang="en-US" kern="1200">
               <a:solidFill>
@@ -11910,7 +11884,7 @@
               <a:pPr defTabSz="685800">
                 <a:buClrTx/>
               </a:pPr>
-              <a:t>2018/8/28</a:t>
+              <a:t>2018/8/30</a:t>
             </a:fld>
             <a:endParaRPr lang="zh-TW" altLang="en-US" kern="1200">
               <a:solidFill>
@@ -12072,13 +12046,6 @@
     <p:sldLayoutId id="2147483676" r:id="rId10"/>
     <p:sldLayoutId id="2147483677" r:id="rId11"/>
   </p:sldLayoutIdLst>
-  <p:timing>
-    <p:tnLst>
-      <p:par>
-        <p:cTn id="1" dur="indefinite" restart="never" nodeType="tmRoot"/>
-      </p:par>
-    </p:tnLst>
-  </p:timing>
   <p:txStyles>
     <p:titleStyle>
       <a:lvl1pPr algn="l" defTabSz="685800" rtl="0" eaLnBrk="1" latinLnBrk="0" hangingPunct="1">
@@ -12545,7 +12512,7 @@
               <a:pPr defTabSz="685800">
                 <a:buClrTx/>
               </a:pPr>
-              <a:t>2018/8/28</a:t>
+              <a:t>2018/8/30</a:t>
             </a:fld>
             <a:endParaRPr lang="zh-TW" altLang="en-US" kern="1200">
               <a:solidFill>
@@ -12707,13 +12674,6 @@
     <p:sldLayoutId id="2147483688" r:id="rId10"/>
     <p:sldLayoutId id="2147483689" r:id="rId11"/>
   </p:sldLayoutIdLst>
-  <p:timing>
-    <p:tnLst>
-      <p:par>
-        <p:cTn id="1" dur="indefinite" restart="never" nodeType="tmRoot"/>
-      </p:par>
-    </p:tnLst>
-  </p:timing>
   <p:txStyles>
     <p:titleStyle>
       <a:lvl1pPr algn="l" defTabSz="685800" rtl="0" eaLnBrk="1" latinLnBrk="0" hangingPunct="1">
@@ -14659,13 +14619,6 @@
   <p:clrMapOvr>
     <a:masterClrMapping/>
   </p:clrMapOvr>
-  <p:timing>
-    <p:tnLst>
-      <p:par>
-        <p:cTn id="1" dur="indefinite" restart="never" nodeType="tmRoot"/>
-      </p:par>
-    </p:tnLst>
-  </p:timing>
 </p:sld>
 </file>
 
@@ -14688,7 +14641,7 @@
       </p:grpSpPr>
       <p:sp>
         <p:nvSpPr>
-          <p:cNvPr id="5" name="標題 4"/>
+          <p:cNvPr id="4" name="標題 3"/>
           <p:cNvSpPr>
             <a:spLocks noGrp="1"/>
           </p:cNvSpPr>
@@ -14702,11 +14655,11 @@
           <a:lstStyle/>
           <a:p>
             <a:r>
-              <a:rPr lang="zh-TW" altLang="en-US" dirty="0" smtClean="0"/>
+              <a:rPr lang="zh-TW" altLang="en-US" dirty="0"/>
               <a:t>案例探討</a:t>
             </a:r>
             <a:r>
-              <a:rPr lang="en-US" altLang="zh-TW" dirty="0" smtClean="0"/>
+              <a:rPr lang="en-US" altLang="zh-TW" dirty="0"/>
               <a:t>:</a:t>
             </a:r>
             <a:r>
@@ -14714,24 +14667,16 @@
               <a:t> </a:t>
             </a:r>
             <a:r>
-              <a:rPr lang="en-US" altLang="zh-TW" dirty="0" smtClean="0"/>
+              <a:rPr lang="en-US" altLang="zh-TW" dirty="0"/>
               <a:t>Consul</a:t>
             </a:r>
-            <a:r>
-              <a:rPr lang="en-US" altLang="zh-TW" dirty="0"/>
-              <a:t> </a:t>
-            </a:r>
-            <a:r>
-              <a:rPr lang="en-US" altLang="zh-TW" dirty="0" smtClean="0"/>
-              <a:t>- Basic</a:t>
-            </a:r>
             <a:endParaRPr lang="en-US" dirty="0"/>
           </a:p>
         </p:txBody>
       </p:sp>
       <p:sp>
         <p:nvSpPr>
-          <p:cNvPr id="6" name="文字版面配置區 5"/>
+          <p:cNvPr id="5" name="文字版面配置區 4"/>
           <p:cNvSpPr>
             <a:spLocks noGrp="1"/>
           </p:cNvSpPr>
@@ -14744,67 +14689,73 @@
           <a:bodyPr/>
           <a:lstStyle/>
           <a:p>
-            <a:r>
-              <a:rPr lang="en-US" dirty="0" smtClean="0"/>
-              <a:t>(deployment diagram)</a:t>
-            </a:r>
-          </a:p>
-          <a:p>
-            <a:r>
-              <a:rPr lang="en-US" dirty="0" smtClean="0"/>
-              <a:t>(</a:t>
-            </a:r>
-            <a:r>
-              <a:rPr lang="en-US" dirty="0" err="1" smtClean="0"/>
-              <a:t>docker</a:t>
-            </a:r>
-            <a:r>
-              <a:rPr lang="en-US" dirty="0" smtClean="0"/>
-              <a:t>-compose)</a:t>
-            </a:r>
-          </a:p>
-          <a:p>
-            <a:r>
-              <a:rPr lang="en-US" dirty="0" smtClean="0"/>
-              <a:t>(sample code)</a:t>
-            </a:r>
-          </a:p>
-          <a:p>
-            <a:endParaRPr lang="en-US" dirty="0"/>
-          </a:p>
-          <a:p>
-            <a:pPr marL="38100" indent="0">
-              <a:buNone/>
-            </a:pPr>
-            <a:r>
-              <a:rPr lang="zh-TW" altLang="en-US" dirty="0" smtClean="0"/>
-              <a:t>基本介紹到此為止，接下來</a:t>
-            </a:r>
-            <a:r>
-              <a:rPr lang="en-US" altLang="zh-TW" dirty="0" smtClean="0"/>
-              <a:t>…</a:t>
-            </a:r>
-            <a:endParaRPr lang="en-US" dirty="0"/>
+            <a:endParaRPr lang="en-US"/>
+          </a:p>
+        </p:txBody>
+      </p:sp>
+      <p:pic>
+        <p:nvPicPr>
+          <p:cNvPr id="2" name="圖片 1"/>
+          <p:cNvPicPr>
+            <a:picLocks noChangeAspect="1"/>
+          </p:cNvPicPr>
+          <p:nvPr/>
+        </p:nvPicPr>
+        <p:blipFill>
+          <a:blip r:embed="rId2"/>
+          <a:stretch>
+            <a:fillRect/>
+          </a:stretch>
+        </p:blipFill>
+        <p:spPr>
+          <a:xfrm>
+            <a:off x="457200" y="1200150"/>
+            <a:ext cx="8229600" cy="3268833"/>
+          </a:xfrm>
+          <a:prstGeom prst="rect">
+            <a:avLst/>
+          </a:prstGeom>
+        </p:spPr>
+      </p:pic>
+      <p:sp>
+        <p:nvSpPr>
+          <p:cNvPr id="3" name="文字方塊 2"/>
+          <p:cNvSpPr txBox="1"/>
+          <p:nvPr/>
+        </p:nvSpPr>
+        <p:spPr>
+          <a:xfrm>
+            <a:off x="402336" y="4658446"/>
+            <a:ext cx="3627916" cy="307777"/>
+          </a:xfrm>
+          <a:prstGeom prst="rect">
+            <a:avLst/>
+          </a:prstGeom>
+          <a:noFill/>
+        </p:spPr>
+        <p:txBody>
+          <a:bodyPr wrap="none" rtlCol="0">
+            <a:spAutoFit/>
+          </a:bodyPr>
+          <a:lstStyle/>
+          <a:p>
+            <a:r>
+              <a:rPr lang="en-US" dirty="0"/>
+              <a:t>https://www.hashicorp.com/products/consul</a:t>
+            </a:r>
           </a:p>
         </p:txBody>
       </p:sp>
     </p:spTree>
     <p:extLst>
       <p:ext uri="{BB962C8B-B14F-4D97-AF65-F5344CB8AC3E}">
-        <p14:creationId xmlns:p14="http://schemas.microsoft.com/office/powerpoint/2010/main" val="406177645"/>
+        <p14:creationId xmlns:p14="http://schemas.microsoft.com/office/powerpoint/2010/main" val="3481930133"/>
       </p:ext>
     </p:extLst>
   </p:cSld>
   <p:clrMapOvr>
     <a:masterClrMapping/>
   </p:clrMapOvr>
-  <p:timing>
-    <p:tnLst>
-      <p:par>
-        <p:cTn id="1" dur="indefinite" restart="never" nodeType="tmRoot"/>
-      </p:par>
-    </p:tnLst>
-  </p:timing>
 </p:sld>
 </file>
 
@@ -14827,12 +14778,12 @@
       </p:grpSpPr>
       <p:sp>
         <p:nvSpPr>
-          <p:cNvPr id="13" name="標題 12"/>
+          <p:cNvPr id="5" name="標題 4"/>
           <p:cNvSpPr>
             <a:spLocks noGrp="1"/>
           </p:cNvSpPr>
           <p:nvPr>
-            <p:ph type="ctrTitle"/>
+            <p:ph type="title"/>
           </p:nvPr>
         </p:nvSpPr>
         <p:spPr/>
@@ -14841,43 +14792,33 @@
           <a:lstStyle/>
           <a:p>
             <a:r>
-              <a:rPr lang="en-US" sz="6000" b="0" dirty="0" smtClean="0"/>
-              <a:t/>
-            </a:r>
-            <a:br>
-              <a:rPr lang="en-US" sz="6000" b="0" dirty="0" smtClean="0"/>
-            </a:br>
-            <a:r>
-              <a:rPr lang="en-US" sz="6000" b="0" dirty="0"/>
-              <a:t/>
-            </a:r>
-            <a:br>
-              <a:rPr lang="en-US" sz="6000" b="0" dirty="0"/>
-            </a:br>
-            <a:r>
-              <a:rPr lang="en-US" altLang="zh-TW" sz="6000" b="0" dirty="0" smtClean="0"/>
-              <a:t>2</a:t>
-            </a:r>
-            <a:r>
-              <a:rPr lang="en-US" sz="6000" b="0" dirty="0" smtClean="0"/>
-              <a:t>. Advanced Topics </a:t>
-            </a:r>
-            <a:r>
-              <a:rPr lang="en-US" sz="6000" b="0" dirty="0" smtClean="0"/>
-              <a:t>?</a:t>
-            </a:r>
-            <a:endParaRPr lang="en-US" sz="6000" b="0" dirty="0"/>
-          </a:p>
-        </p:txBody>
-      </p:sp>
-      <p:sp>
-        <p:nvSpPr>
-          <p:cNvPr id="14" name="副標題 13"/>
+              <a:rPr lang="zh-TW" altLang="en-US" dirty="0"/>
+              <a:t>案例探討</a:t>
+            </a:r>
+            <a:r>
+              <a:rPr lang="en-US" altLang="zh-TW" dirty="0"/>
+              <a:t>:</a:t>
+            </a:r>
+            <a:r>
+              <a:rPr lang="zh-TW" altLang="en-US" dirty="0"/>
+              <a:t> </a:t>
+            </a:r>
+            <a:r>
+              <a:rPr lang="en-US" altLang="zh-TW" dirty="0"/>
+              <a:t>Consul - Basic</a:t>
+            </a:r>
+            <a:endParaRPr lang="en-US" dirty="0"/>
+          </a:p>
+        </p:txBody>
+      </p:sp>
+      <p:sp>
+        <p:nvSpPr>
+          <p:cNvPr id="6" name="文字版面配置區 5"/>
           <p:cNvSpPr>
             <a:spLocks noGrp="1"/>
           </p:cNvSpPr>
           <p:nvPr>
-            <p:ph type="subTitle" idx="1"/>
+            <p:ph type="body" idx="1"/>
           </p:nvPr>
         </p:nvSpPr>
         <p:spPr/>
@@ -14885,34 +14826,60 @@
           <a:bodyPr/>
           <a:lstStyle/>
           <a:p>
-            <a:endParaRPr lang="en-US" sz="3600" dirty="0" smtClean="0"/>
-          </a:p>
-          <a:p>
-            <a:r>
-              <a:rPr lang="en-US" sz="3600" dirty="0" smtClean="0"/>
-              <a:t>xxx</a:t>
-            </a:r>
-            <a:endParaRPr lang="en-US" sz="3600" dirty="0"/>
+            <a:r>
+              <a:rPr lang="en-US" dirty="0"/>
+              <a:t>(deployment diagram)</a:t>
+            </a:r>
+          </a:p>
+          <a:p>
+            <a:r>
+              <a:rPr lang="en-US" dirty="0"/>
+              <a:t>(</a:t>
+            </a:r>
+            <a:r>
+              <a:rPr lang="en-US" dirty="0" err="1"/>
+              <a:t>docker</a:t>
+            </a:r>
+            <a:r>
+              <a:rPr lang="en-US" dirty="0"/>
+              <a:t>-compose)</a:t>
+            </a:r>
+          </a:p>
+          <a:p>
+            <a:r>
+              <a:rPr lang="en-US" dirty="0"/>
+              <a:t>(sample code)</a:t>
+            </a:r>
+          </a:p>
+          <a:p>
+            <a:endParaRPr lang="en-US" dirty="0"/>
+          </a:p>
+          <a:p>
+            <a:pPr marL="38100" indent="0">
+              <a:buNone/>
+            </a:pPr>
+            <a:r>
+              <a:rPr lang="zh-TW" altLang="en-US" dirty="0"/>
+              <a:t>基本介紹到此為止，接下來</a:t>
+            </a:r>
+            <a:r>
+              <a:rPr lang="en-US" altLang="zh-TW" dirty="0"/>
+              <a:t>…</a:t>
+            </a:r>
+            <a:endParaRPr lang="en-US" dirty="0"/>
           </a:p>
         </p:txBody>
       </p:sp>
     </p:spTree>
     <p:extLst>
       <p:ext uri="{BB962C8B-B14F-4D97-AF65-F5344CB8AC3E}">
-        <p14:creationId xmlns:p14="http://schemas.microsoft.com/office/powerpoint/2010/main" val="1287729645"/>
+        <p14:creationId xmlns:p14="http://schemas.microsoft.com/office/powerpoint/2010/main" val="406177645"/>
       </p:ext>
     </p:extLst>
   </p:cSld>
   <p:clrMapOvr>
     <a:masterClrMapping/>
   </p:clrMapOvr>
-  <p:timing>
-    <p:tnLst>
-      <p:par>
-        <p:cTn id="1" dur="indefinite" restart="never" nodeType="tmRoot"/>
-      </p:par>
-    </p:tnLst>
-  </p:timing>
 </p:sld>
 </file>
 
@@ -14935,6 +14902,93 @@
       </p:grpSpPr>
       <p:sp>
         <p:nvSpPr>
+          <p:cNvPr id="13" name="標題 12"/>
+          <p:cNvSpPr>
+            <a:spLocks noGrp="1"/>
+          </p:cNvSpPr>
+          <p:nvPr>
+            <p:ph type="ctrTitle"/>
+          </p:nvPr>
+        </p:nvSpPr>
+        <p:spPr/>
+        <p:txBody>
+          <a:bodyPr/>
+          <a:lstStyle/>
+          <a:p>
+            <a:br>
+              <a:rPr lang="en-US" sz="6000" b="0" dirty="0"/>
+            </a:br>
+            <a:br>
+              <a:rPr lang="en-US" sz="6000" b="0" dirty="0"/>
+            </a:br>
+            <a:r>
+              <a:rPr lang="en-US" altLang="zh-TW" sz="6000" b="0" dirty="0"/>
+              <a:t>2</a:t>
+            </a:r>
+            <a:r>
+              <a:rPr lang="en-US" sz="6000" b="0" dirty="0"/>
+              <a:t>. Advanced Topics ?</a:t>
+            </a:r>
+          </a:p>
+        </p:txBody>
+      </p:sp>
+      <p:sp>
+        <p:nvSpPr>
+          <p:cNvPr id="14" name="副標題 13"/>
+          <p:cNvSpPr>
+            <a:spLocks noGrp="1"/>
+          </p:cNvSpPr>
+          <p:nvPr>
+            <p:ph type="subTitle" idx="1"/>
+          </p:nvPr>
+        </p:nvSpPr>
+        <p:spPr/>
+        <p:txBody>
+          <a:bodyPr/>
+          <a:lstStyle/>
+          <a:p>
+            <a:endParaRPr lang="en-US" sz="3600" dirty="0"/>
+          </a:p>
+          <a:p>
+            <a:r>
+              <a:rPr lang="en-US" sz="3600" dirty="0"/>
+              <a:t>xxx</a:t>
+            </a:r>
+          </a:p>
+        </p:txBody>
+      </p:sp>
+    </p:spTree>
+    <p:extLst>
+      <p:ext uri="{BB962C8B-B14F-4D97-AF65-F5344CB8AC3E}">
+        <p14:creationId xmlns:p14="http://schemas.microsoft.com/office/powerpoint/2010/main" val="1287729645"/>
+      </p:ext>
+    </p:extLst>
+  </p:cSld>
+  <p:clrMapOvr>
+    <a:masterClrMapping/>
+  </p:clrMapOvr>
+</p:sld>
+</file>
+
+<file path=ppt/slides/slide13.xml><?xml version="1.0" encoding="utf-8"?>
+<p:sld xmlns:a="http://schemas.openxmlformats.org/drawingml/2006/main" xmlns:r="http://schemas.openxmlformats.org/officeDocument/2006/relationships" xmlns:p="http://schemas.openxmlformats.org/presentationml/2006/main">
+  <p:cSld>
+    <p:spTree>
+      <p:nvGrpSpPr>
+        <p:cNvPr id="1" name=""/>
+        <p:cNvGrpSpPr/>
+        <p:nvPr/>
+      </p:nvGrpSpPr>
+      <p:grpSpPr>
+        <a:xfrm>
+          <a:off x="0" y="0"/>
+          <a:ext cx="0" cy="0"/>
+          <a:chOff x="0" y="0"/>
+          <a:chExt cx="0" cy="0"/>
+        </a:xfrm>
+      </p:grpSpPr>
+      <p:sp>
+        <p:nvSpPr>
           <p:cNvPr id="5" name="標題 4"/>
           <p:cNvSpPr>
             <a:spLocks noGrp="1"/>
@@ -14949,11 +15003,11 @@
           <a:lstStyle/>
           <a:p>
             <a:r>
-              <a:rPr lang="en-US" dirty="0" smtClean="0"/>
+              <a:rPr lang="en-US" dirty="0"/>
               <a:t>Different With </a:t>
             </a:r>
             <a:r>
-              <a:rPr lang="en-US" altLang="zh-TW" dirty="0" smtClean="0"/>
+              <a:rPr lang="en-US" altLang="zh-TW" dirty="0"/>
               <a:t>Load Balancer?</a:t>
             </a:r>
             <a:endParaRPr lang="en-US" dirty="0"/>
@@ -15241,7 +15295,7 @@
           <a:lstStyle/>
           <a:p>
             <a:r>
-              <a:rPr lang="zh-TW" altLang="en-US" dirty="0" smtClean="0"/>
+              <a:rPr lang="zh-TW" altLang="en-US" dirty="0"/>
               <a:t>仰賴基礎建設處理，與商務邏輯整合較困難。</a:t>
             </a:r>
             <a:endParaRPr lang="en-US" dirty="0"/>
@@ -15286,7 +15340,7 @@
           <a:lstStyle/>
           <a:p>
             <a:r>
-              <a:rPr lang="zh-TW" altLang="en-US" dirty="0" smtClean="0"/>
+              <a:rPr lang="zh-TW" altLang="en-US" dirty="0"/>
               <a:t>直接注入應用程式，容易根據商業邏輯調整。</a:t>
             </a:r>
             <a:endParaRPr lang="en-US" dirty="0"/>
@@ -15536,129 +15590,6 @@
 </p:sld>
 </file>
 
-<file path=ppt/slides/slide13.xml><?xml version="1.0" encoding="utf-8"?>
-<p:sld xmlns:a="http://schemas.openxmlformats.org/drawingml/2006/main" xmlns:r="http://schemas.openxmlformats.org/officeDocument/2006/relationships" xmlns:p="http://schemas.openxmlformats.org/presentationml/2006/main">
-  <p:cSld>
-    <p:spTree>
-      <p:nvGrpSpPr>
-        <p:cNvPr id="1" name=""/>
-        <p:cNvGrpSpPr/>
-        <p:nvPr/>
-      </p:nvGrpSpPr>
-      <p:grpSpPr>
-        <a:xfrm>
-          <a:off x="0" y="0"/>
-          <a:ext cx="0" cy="0"/>
-          <a:chOff x="0" y="0"/>
-          <a:chExt cx="0" cy="0"/>
-        </a:xfrm>
-      </p:grpSpPr>
-      <p:sp>
-        <p:nvSpPr>
-          <p:cNvPr id="5" name="標題 4"/>
-          <p:cNvSpPr>
-            <a:spLocks noGrp="1"/>
-          </p:cNvSpPr>
-          <p:nvPr>
-            <p:ph type="title"/>
-          </p:nvPr>
-        </p:nvSpPr>
-        <p:spPr/>
-        <p:txBody>
-          <a:bodyPr/>
-          <a:lstStyle/>
-          <a:p>
-            <a:r>
-              <a:rPr lang="en-US" altLang="zh-TW" dirty="0" smtClean="0"/>
-              <a:t>Q: </a:t>
-            </a:r>
-            <a:r>
-              <a:rPr lang="zh-TW" altLang="en-US" dirty="0" smtClean="0"/>
-              <a:t>如何替不同客戶提供不同的 </a:t>
-            </a:r>
-            <a:r>
-              <a:rPr lang="en-US" altLang="zh-TW" dirty="0" smtClean="0"/>
-              <a:t>SLA</a:t>
-            </a:r>
-            <a:r>
-              <a:rPr lang="zh-TW" altLang="en-US" dirty="0" smtClean="0"/>
-              <a:t> </a:t>
-            </a:r>
-            <a:r>
-              <a:rPr lang="en-US" altLang="zh-TW" dirty="0" smtClean="0"/>
-              <a:t>?</a:t>
-            </a:r>
-            <a:endParaRPr lang="en-US" dirty="0"/>
-          </a:p>
-        </p:txBody>
-      </p:sp>
-      <p:sp>
-        <p:nvSpPr>
-          <p:cNvPr id="6" name="文字版面配置區 5"/>
-          <p:cNvSpPr>
-            <a:spLocks noGrp="1"/>
-          </p:cNvSpPr>
-          <p:nvPr>
-            <p:ph type="body" idx="1"/>
-          </p:nvPr>
-        </p:nvSpPr>
-        <p:spPr/>
-        <p:txBody>
-          <a:bodyPr/>
-          <a:lstStyle/>
-          <a:p>
-            <a:r>
-              <a:rPr lang="zh-TW" altLang="en-US" dirty="0" smtClean="0"/>
-              <a:t>提供不同的效能保證 </a:t>
-            </a:r>
-            <a:r>
-              <a:rPr lang="en-US" altLang="zh-TW" dirty="0" smtClean="0"/>
-              <a:t>(share mode)</a:t>
-            </a:r>
-          </a:p>
-          <a:p>
-            <a:r>
-              <a:rPr lang="zh-TW" altLang="en-US" dirty="0" smtClean="0"/>
-              <a:t>提供保證的效能等級 </a:t>
-            </a:r>
-            <a:r>
-              <a:rPr lang="en-US" altLang="zh-TW" dirty="0" smtClean="0"/>
-              <a:t>(standard mode)</a:t>
-            </a:r>
-          </a:p>
-          <a:p>
-            <a:r>
-              <a:rPr lang="zh-TW" altLang="en-US" dirty="0" smtClean="0"/>
-              <a:t>提供專屬客戶獨立的設備 </a:t>
-            </a:r>
-            <a:r>
-              <a:rPr lang="en-US" altLang="zh-TW" dirty="0" smtClean="0"/>
-              <a:t>(isolated mode)</a:t>
-            </a:r>
-            <a:endParaRPr lang="en-US" dirty="0"/>
-          </a:p>
-        </p:txBody>
-      </p:sp>
-    </p:spTree>
-    <p:extLst>
-      <p:ext uri="{BB962C8B-B14F-4D97-AF65-F5344CB8AC3E}">
-        <p14:creationId xmlns:p14="http://schemas.microsoft.com/office/powerpoint/2010/main" val="4124059287"/>
-      </p:ext>
-    </p:extLst>
-  </p:cSld>
-  <p:clrMapOvr>
-    <a:masterClrMapping/>
-  </p:clrMapOvr>
-  <p:timing>
-    <p:tnLst>
-      <p:par>
-        <p:cTn id="1" dur="indefinite" restart="never" nodeType="tmRoot"/>
-      </p:par>
-    </p:tnLst>
-  </p:timing>
-</p:sld>
-</file>
-
 <file path=ppt/slides/slide14.xml><?xml version="1.0" encoding="utf-8"?>
 <p:sld xmlns:a="http://schemas.openxmlformats.org/drawingml/2006/main" xmlns:r="http://schemas.openxmlformats.org/officeDocument/2006/relationships" xmlns:p="http://schemas.openxmlformats.org/presentationml/2006/main">
   <p:cSld>
@@ -15692,24 +15623,24 @@
           <a:lstStyle/>
           <a:p>
             <a:r>
-              <a:rPr lang="zh-TW" altLang="en-US" dirty="0" smtClean="0"/>
-              <a:t>案例探討</a:t>
-            </a:r>
-            <a:r>
-              <a:rPr lang="en-US" altLang="zh-TW" dirty="0" smtClean="0"/>
-              <a:t>:</a:t>
-            </a:r>
-            <a:r>
-              <a:rPr lang="zh-TW" altLang="en-US" dirty="0" smtClean="0"/>
+              <a:rPr lang="en-US" altLang="zh-TW" dirty="0"/>
+              <a:t>Q: </a:t>
+            </a:r>
+            <a:r>
+              <a:rPr lang="zh-TW" altLang="en-US" dirty="0"/>
+              <a:t>如何替不同客戶提供不同的 </a:t>
+            </a:r>
+            <a:r>
+              <a:rPr lang="en-US" altLang="zh-TW" dirty="0"/>
+              <a:t>SLA</a:t>
+            </a:r>
+            <a:r>
+              <a:rPr lang="zh-TW" altLang="en-US" dirty="0"/>
               <a:t> </a:t>
             </a:r>
             <a:r>
-              <a:rPr lang="en-US" altLang="zh-TW" dirty="0" smtClean="0"/>
-              <a:t>SLA</a:t>
-            </a:r>
-            <a:r>
-              <a:rPr lang="zh-TW" altLang="en-US" dirty="0" smtClean="0"/>
-              <a:t> 層級劃分</a:t>
+              <a:rPr lang="en-US" altLang="zh-TW" dirty="0"/>
+              <a:t>?</a:t>
             </a:r>
             <a:endParaRPr lang="en-US" dirty="0"/>
           </a:p>
@@ -15731,72 +15662,32 @@
           <a:lstStyle/>
           <a:p>
             <a:r>
-              <a:rPr lang="en-US" altLang="zh-TW" dirty="0" smtClean="0"/>
-              <a:t>(service definition with tags)</a:t>
-            </a:r>
-          </a:p>
-          <a:p>
-            <a:r>
-              <a:rPr lang="en-US" dirty="0" smtClean="0"/>
-              <a:t>(:free, :</a:t>
-            </a:r>
-            <a:r>
-              <a:rPr lang="en-US" dirty="0" err="1" smtClean="0"/>
-              <a:t>vip</a:t>
-            </a:r>
-            <a:r>
-              <a:rPr lang="en-US" dirty="0" smtClean="0"/>
-              <a:t>)</a:t>
-            </a:r>
-          </a:p>
-          <a:p>
-            <a:r>
-              <a:rPr lang="en-US" dirty="0" smtClean="0"/>
-              <a:t>(free client -&gt; :free only)</a:t>
-            </a:r>
-          </a:p>
-          <a:p>
-            <a:r>
-              <a:rPr lang="en-US" dirty="0" smtClean="0"/>
-              <a:t>(</a:t>
-            </a:r>
-            <a:r>
-              <a:rPr lang="en-US" dirty="0" err="1" smtClean="0"/>
-              <a:t>vip</a:t>
-            </a:r>
-            <a:r>
-              <a:rPr lang="en-US" dirty="0" smtClean="0"/>
-              <a:t> client -&gt; :</a:t>
-            </a:r>
-            <a:r>
-              <a:rPr lang="en-US" dirty="0" err="1" smtClean="0"/>
-              <a:t>vip</a:t>
-            </a:r>
-            <a:r>
-              <a:rPr lang="en-US" dirty="0" smtClean="0"/>
-              <a:t> first, use :free if :</a:t>
-            </a:r>
-            <a:r>
-              <a:rPr lang="en-US" dirty="0" err="1" smtClean="0"/>
-              <a:t>vip</a:t>
-            </a:r>
-            <a:r>
-              <a:rPr lang="en-US" dirty="0" smtClean="0"/>
-              <a:t> fail)</a:t>
-            </a:r>
-          </a:p>
-          <a:p>
-            <a:r>
-              <a:rPr lang="en-US" dirty="0" smtClean="0"/>
-              <a:t>(selected client -&gt; :</a:t>
-            </a:r>
-            <a:r>
-              <a:rPr lang="en-US" dirty="0" err="1" smtClean="0"/>
-              <a:t>talentId</a:t>
-            </a:r>
-            <a:r>
-              <a:rPr lang="en-US" dirty="0" smtClean="0"/>
-              <a:t>)</a:t>
+              <a:rPr lang="zh-TW" altLang="en-US" dirty="0"/>
+              <a:t>提供不同的效能保證 </a:t>
+            </a:r>
+            <a:r>
+              <a:rPr lang="en-US" altLang="zh-TW" dirty="0"/>
+              <a:t>(share mode)</a:t>
+            </a:r>
+          </a:p>
+          <a:p>
+            <a:r>
+              <a:rPr lang="zh-TW" altLang="en-US" dirty="0"/>
+              <a:t>提供保證的效能等級 </a:t>
+            </a:r>
+            <a:r>
+              <a:rPr lang="en-US" altLang="zh-TW" dirty="0"/>
+              <a:t>(standard mode)</a:t>
+            </a:r>
+          </a:p>
+          <a:p>
+            <a:r>
+              <a:rPr lang="zh-TW" altLang="en-US" dirty="0"/>
+              <a:t>提供專屬客戶獨立的設備 </a:t>
+            </a:r>
+            <a:r>
+              <a:rPr lang="en-US" altLang="zh-TW" dirty="0"/>
+              <a:t>(isolated mode)</a:t>
             </a:r>
             <a:endParaRPr lang="en-US" dirty="0"/>
           </a:p>
@@ -15805,20 +15696,13 @@
     </p:spTree>
     <p:extLst>
       <p:ext uri="{BB962C8B-B14F-4D97-AF65-F5344CB8AC3E}">
-        <p14:creationId xmlns:p14="http://schemas.microsoft.com/office/powerpoint/2010/main" val="158227796"/>
+        <p14:creationId xmlns:p14="http://schemas.microsoft.com/office/powerpoint/2010/main" val="4124059287"/>
       </p:ext>
     </p:extLst>
   </p:cSld>
   <p:clrMapOvr>
     <a:masterClrMapping/>
   </p:clrMapOvr>
-  <p:timing>
-    <p:tnLst>
-      <p:par>
-        <p:cTn id="1" dur="indefinite" restart="never" nodeType="tmRoot"/>
-      </p:par>
-    </p:tnLst>
-  </p:timing>
 </p:sld>
 </file>
 
@@ -15854,7 +15738,27 @@
           <a:bodyPr/>
           <a:lstStyle/>
           <a:p>
-            <a:endParaRPr lang="en-US"/>
+            <a:r>
+              <a:rPr lang="zh-TW" altLang="en-US" dirty="0"/>
+              <a:t>案例探討</a:t>
+            </a:r>
+            <a:r>
+              <a:rPr lang="en-US" altLang="zh-TW" dirty="0"/>
+              <a:t>:</a:t>
+            </a:r>
+            <a:r>
+              <a:rPr lang="zh-TW" altLang="en-US" dirty="0"/>
+              <a:t> </a:t>
+            </a:r>
+            <a:r>
+              <a:rPr lang="en-US" altLang="zh-TW" dirty="0"/>
+              <a:t>SLA</a:t>
+            </a:r>
+            <a:r>
+              <a:rPr lang="zh-TW" altLang="en-US" dirty="0"/>
+              <a:t> 層級劃分</a:t>
+            </a:r>
+            <a:endParaRPr lang="en-US" dirty="0"/>
           </a:p>
         </p:txBody>
       </p:sp>
@@ -15873,27 +15777,87 @@
           <a:bodyPr/>
           <a:lstStyle/>
           <a:p>
-            <a:endParaRPr lang="en-US"/>
+            <a:r>
+              <a:rPr lang="en-US" altLang="zh-TW" dirty="0"/>
+              <a:t>(service definition with tags)</a:t>
+            </a:r>
+          </a:p>
+          <a:p>
+            <a:r>
+              <a:rPr lang="en-US" dirty="0"/>
+              <a:t>(:free, :</a:t>
+            </a:r>
+            <a:r>
+              <a:rPr lang="en-US" dirty="0" err="1"/>
+              <a:t>vip</a:t>
+            </a:r>
+            <a:r>
+              <a:rPr lang="en-US" dirty="0"/>
+              <a:t>)</a:t>
+            </a:r>
+          </a:p>
+          <a:p>
+            <a:r>
+              <a:rPr lang="en-US" dirty="0"/>
+              <a:t>(free client -&gt; :free only)</a:t>
+            </a:r>
+          </a:p>
+          <a:p>
+            <a:r>
+              <a:rPr lang="en-US" dirty="0"/>
+              <a:t>(</a:t>
+            </a:r>
+            <a:r>
+              <a:rPr lang="en-US" dirty="0" err="1"/>
+              <a:t>vip</a:t>
+            </a:r>
+            <a:r>
+              <a:rPr lang="en-US" dirty="0"/>
+              <a:t> client -&gt; :</a:t>
+            </a:r>
+            <a:r>
+              <a:rPr lang="en-US" dirty="0" err="1"/>
+              <a:t>vip</a:t>
+            </a:r>
+            <a:r>
+              <a:rPr lang="en-US" dirty="0"/>
+              <a:t> first, use :free if :</a:t>
+            </a:r>
+            <a:r>
+              <a:rPr lang="en-US" dirty="0" err="1"/>
+              <a:t>vip</a:t>
+            </a:r>
+            <a:r>
+              <a:rPr lang="en-US" dirty="0"/>
+              <a:t> fail)</a:t>
+            </a:r>
+          </a:p>
+          <a:p>
+            <a:r>
+              <a:rPr lang="en-US" dirty="0"/>
+              <a:t>(selected client -&gt; :</a:t>
+            </a:r>
+            <a:r>
+              <a:rPr lang="en-US" dirty="0" err="1"/>
+              <a:t>talentId</a:t>
+            </a:r>
+            <a:r>
+              <a:rPr lang="en-US" dirty="0"/>
+              <a:t>)</a:t>
+            </a:r>
           </a:p>
         </p:txBody>
       </p:sp>
     </p:spTree>
     <p:extLst>
       <p:ext uri="{BB962C8B-B14F-4D97-AF65-F5344CB8AC3E}">
-        <p14:creationId xmlns:p14="http://schemas.microsoft.com/office/powerpoint/2010/main" val="2797172414"/>
+        <p14:creationId xmlns:p14="http://schemas.microsoft.com/office/powerpoint/2010/main" val="158227796"/>
       </p:ext>
     </p:extLst>
   </p:cSld>
   <p:clrMapOvr>
     <a:masterClrMapping/>
   </p:clrMapOvr>
-  <p:timing>
-    <p:tnLst>
-      <p:par>
-        <p:cTn id="1" dur="indefinite" restart="never" nodeType="tmRoot"/>
-      </p:par>
-    </p:tnLst>
-  </p:timing>
 </p:sld>
 </file>
 
@@ -15929,11 +15893,78 @@
           <a:bodyPr/>
           <a:lstStyle/>
           <a:p>
-            <a:r>
-              <a:rPr lang="en-US" dirty="0" smtClean="0"/>
+            <a:endParaRPr lang="en-US"/>
+          </a:p>
+        </p:txBody>
+      </p:sp>
+      <p:sp>
+        <p:nvSpPr>
+          <p:cNvPr id="6" name="文字版面配置區 5"/>
+          <p:cNvSpPr>
+            <a:spLocks noGrp="1"/>
+          </p:cNvSpPr>
+          <p:nvPr>
+            <p:ph type="body" idx="1"/>
+          </p:nvPr>
+        </p:nvSpPr>
+        <p:spPr/>
+        <p:txBody>
+          <a:bodyPr/>
+          <a:lstStyle/>
+          <a:p>
+            <a:endParaRPr lang="en-US"/>
+          </a:p>
+        </p:txBody>
+      </p:sp>
+    </p:spTree>
+    <p:extLst>
+      <p:ext uri="{BB962C8B-B14F-4D97-AF65-F5344CB8AC3E}">
+        <p14:creationId xmlns:p14="http://schemas.microsoft.com/office/powerpoint/2010/main" val="2797172414"/>
+      </p:ext>
+    </p:extLst>
+  </p:cSld>
+  <p:clrMapOvr>
+    <a:masterClrMapping/>
+  </p:clrMapOvr>
+</p:sld>
+</file>
+
+<file path=ppt/slides/slide17.xml><?xml version="1.0" encoding="utf-8"?>
+<p:sld xmlns:a="http://schemas.openxmlformats.org/drawingml/2006/main" xmlns:r="http://schemas.openxmlformats.org/officeDocument/2006/relationships" xmlns:p="http://schemas.openxmlformats.org/presentationml/2006/main">
+  <p:cSld>
+    <p:spTree>
+      <p:nvGrpSpPr>
+        <p:cNvPr id="1" name=""/>
+        <p:cNvGrpSpPr/>
+        <p:nvPr/>
+      </p:nvGrpSpPr>
+      <p:grpSpPr>
+        <a:xfrm>
+          <a:off x="0" y="0"/>
+          <a:ext cx="0" cy="0"/>
+          <a:chOff x="0" y="0"/>
+          <a:chExt cx="0" cy="0"/>
+        </a:xfrm>
+      </p:grpSpPr>
+      <p:sp>
+        <p:nvSpPr>
+          <p:cNvPr id="5" name="標題 4"/>
+          <p:cNvSpPr>
+            <a:spLocks noGrp="1"/>
+          </p:cNvSpPr>
+          <p:nvPr>
+            <p:ph type="title"/>
+          </p:nvPr>
+        </p:nvSpPr>
+        <p:spPr/>
+        <p:txBody>
+          <a:bodyPr/>
+          <a:lstStyle/>
+          <a:p>
+            <a:r>
+              <a:rPr lang="en-US" dirty="0"/>
               <a:t>Again: Different?</a:t>
             </a:r>
-            <a:endParaRPr lang="en-US" dirty="0"/>
           </a:p>
         </p:txBody>
       </p:sp>
@@ -16218,31 +16249,31 @@
           <a:lstStyle/>
           <a:p>
             <a:r>
-              <a:rPr lang="zh-TW" altLang="en-US" dirty="0" smtClean="0"/>
+              <a:rPr lang="zh-TW" altLang="en-US" dirty="0"/>
               <a:t>中心化的架構，多了一個服務需要顧及 </a:t>
             </a:r>
             <a:r>
-              <a:rPr lang="en-US" altLang="zh-TW" dirty="0" smtClean="0"/>
+              <a:rPr lang="en-US" altLang="zh-TW" dirty="0"/>
               <a:t>HA</a:t>
             </a:r>
             <a:r>
-              <a:rPr lang="zh-TW" altLang="en-US" dirty="0" smtClean="0"/>
+              <a:rPr lang="zh-TW" altLang="en-US" dirty="0"/>
               <a:t> </a:t>
             </a:r>
             <a:r>
-              <a:rPr lang="en-US" altLang="zh-TW" dirty="0" smtClean="0"/>
+              <a:rPr lang="en-US" altLang="zh-TW" dirty="0"/>
               <a:t>(</a:t>
             </a:r>
             <a:r>
-              <a:rPr lang="zh-TW" altLang="en-US" dirty="0" smtClean="0"/>
+              <a:rPr lang="zh-TW" altLang="en-US" dirty="0"/>
               <a:t>單點失敗的風險</a:t>
             </a:r>
             <a:r>
-              <a:rPr lang="en-US" altLang="zh-TW" dirty="0" smtClean="0"/>
+              <a:rPr lang="en-US" altLang="zh-TW" dirty="0"/>
               <a:t>)</a:t>
             </a:r>
             <a:r>
-              <a:rPr lang="zh-TW" altLang="en-US" dirty="0" smtClean="0"/>
+              <a:rPr lang="zh-TW" altLang="en-US" dirty="0"/>
               <a:t>；同時也隱含了效能瓶頸的風險。</a:t>
             </a:r>
             <a:endParaRPr lang="en-US" dirty="0"/>
@@ -16287,7 +16318,7 @@
           <a:lstStyle/>
           <a:p>
             <a:r>
-              <a:rPr lang="zh-TW" altLang="en-US" dirty="0" smtClean="0"/>
+              <a:rPr lang="zh-TW" altLang="en-US" dirty="0"/>
               <a:t>去中心化的架構，點對點的通訊，沒有單點失敗與效能瓶頸的風險。</a:t>
             </a:r>
             <a:endParaRPr lang="en-US" dirty="0"/>
@@ -16332,7 +16363,7 @@
           <a:lstStyle/>
           <a:p>
             <a:r>
-              <a:rPr lang="zh-TW" altLang="en-US" dirty="0" smtClean="0"/>
+              <a:rPr lang="zh-TW" altLang="en-US" dirty="0"/>
               <a:t>非侵入式的架構，升級及維護都非常容易，相容性高不易出錯。</a:t>
             </a:r>
             <a:endParaRPr lang="en-US" dirty="0"/>
@@ -16377,7 +16408,7 @@
           <a:lstStyle/>
           <a:p>
             <a:r>
-              <a:rPr lang="zh-TW" altLang="en-US" dirty="0" smtClean="0"/>
+              <a:rPr lang="zh-TW" altLang="en-US" dirty="0"/>
               <a:t>侵入式的架構，升級需要重新部署應用程式，需要經過大量測試，升級失敗的風險高。</a:t>
             </a:r>
             <a:endParaRPr lang="en-US" dirty="0"/>
@@ -16735,101 +16766,6 @@
 </p:sld>
 </file>
 
-<file path=ppt/slides/slide17.xml><?xml version="1.0" encoding="utf-8"?>
-<p:sld xmlns:a="http://schemas.openxmlformats.org/drawingml/2006/main" xmlns:r="http://schemas.openxmlformats.org/officeDocument/2006/relationships" xmlns:p="http://schemas.openxmlformats.org/presentationml/2006/main">
-  <p:cSld>
-    <p:spTree>
-      <p:nvGrpSpPr>
-        <p:cNvPr id="1" name=""/>
-        <p:cNvGrpSpPr/>
-        <p:nvPr/>
-      </p:nvGrpSpPr>
-      <p:grpSpPr>
-        <a:xfrm>
-          <a:off x="0" y="0"/>
-          <a:ext cx="0" cy="0"/>
-          <a:chOff x="0" y="0"/>
-          <a:chExt cx="0" cy="0"/>
-        </a:xfrm>
-      </p:grpSpPr>
-      <p:sp>
-        <p:nvSpPr>
-          <p:cNvPr id="5" name="標題 4"/>
-          <p:cNvSpPr>
-            <a:spLocks noGrp="1"/>
-          </p:cNvSpPr>
-          <p:nvPr>
-            <p:ph type="title"/>
-          </p:nvPr>
-        </p:nvSpPr>
-        <p:spPr/>
-        <p:txBody>
-          <a:bodyPr/>
-          <a:lstStyle/>
-          <a:p>
-            <a:r>
-              <a:rPr lang="zh-TW" altLang="en-US" dirty="0" smtClean="0"/>
-              <a:t>案例探討</a:t>
-            </a:r>
-            <a:r>
-              <a:rPr lang="en-US" altLang="zh-TW" dirty="0" smtClean="0"/>
-              <a:t>:</a:t>
-            </a:r>
-            <a:r>
-              <a:rPr lang="zh-TW" altLang="en-US" dirty="0" smtClean="0"/>
-              <a:t> </a:t>
-            </a:r>
-            <a:r>
-              <a:rPr lang="en-US" altLang="zh-TW" dirty="0" err="1" smtClean="0"/>
-              <a:t>SideCar</a:t>
-            </a:r>
-            <a:r>
-              <a:rPr lang="en-US" altLang="zh-TW" dirty="0" smtClean="0"/>
-              <a:t> / Service Mesh</a:t>
-            </a:r>
-            <a:endParaRPr lang="en-US" dirty="0"/>
-          </a:p>
-        </p:txBody>
-      </p:sp>
-      <p:sp>
-        <p:nvSpPr>
-          <p:cNvPr id="6" name="文字版面配置區 5"/>
-          <p:cNvSpPr>
-            <a:spLocks noGrp="1"/>
-          </p:cNvSpPr>
-          <p:nvPr>
-            <p:ph type="body" idx="1"/>
-          </p:nvPr>
-        </p:nvSpPr>
-        <p:spPr/>
-        <p:txBody>
-          <a:bodyPr/>
-          <a:lstStyle/>
-          <a:p>
-            <a:endParaRPr lang="en-US"/>
-          </a:p>
-        </p:txBody>
-      </p:sp>
-    </p:spTree>
-    <p:extLst>
-      <p:ext uri="{BB962C8B-B14F-4D97-AF65-F5344CB8AC3E}">
-        <p14:creationId xmlns:p14="http://schemas.microsoft.com/office/powerpoint/2010/main" val="1193966206"/>
-      </p:ext>
-    </p:extLst>
-  </p:cSld>
-  <p:clrMapOvr>
-    <a:masterClrMapping/>
-  </p:clrMapOvr>
-  <p:timing>
-    <p:tnLst>
-      <p:par>
-        <p:cTn id="1" dur="indefinite" restart="never" nodeType="tmRoot"/>
-      </p:par>
-    </p:tnLst>
-  </p:timing>
-</p:sld>
-</file>
-
 <file path=ppt/slides/slide18.xml><?xml version="1.0" encoding="utf-8"?>
 <p:sld xmlns:a="http://schemas.openxmlformats.org/drawingml/2006/main" xmlns:r="http://schemas.openxmlformats.org/officeDocument/2006/relationships" xmlns:p="http://schemas.openxmlformats.org/presentationml/2006/main">
   <p:cSld>
@@ -16862,7 +16798,27 @@
           <a:bodyPr/>
           <a:lstStyle/>
           <a:p>
-            <a:endParaRPr lang="en-US"/>
+            <a:r>
+              <a:rPr lang="zh-TW" altLang="en-US" dirty="0"/>
+              <a:t>案例探討</a:t>
+            </a:r>
+            <a:r>
+              <a:rPr lang="en-US" altLang="zh-TW" dirty="0"/>
+              <a:t>:</a:t>
+            </a:r>
+            <a:r>
+              <a:rPr lang="zh-TW" altLang="en-US" dirty="0"/>
+              <a:t> </a:t>
+            </a:r>
+            <a:r>
+              <a:rPr lang="en-US" altLang="zh-TW" dirty="0" err="1"/>
+              <a:t>SideCar</a:t>
+            </a:r>
+            <a:r>
+              <a:rPr lang="en-US" altLang="zh-TW" dirty="0"/>
+              <a:t> / Service Mesh</a:t>
+            </a:r>
+            <a:endParaRPr lang="en-US" dirty="0"/>
           </a:p>
         </p:txBody>
       </p:sp>
@@ -16888,20 +16844,13 @@
     </p:spTree>
     <p:extLst>
       <p:ext uri="{BB962C8B-B14F-4D97-AF65-F5344CB8AC3E}">
-        <p14:creationId xmlns:p14="http://schemas.microsoft.com/office/powerpoint/2010/main" val="1100533298"/>
+        <p14:creationId xmlns:p14="http://schemas.microsoft.com/office/powerpoint/2010/main" val="1193966206"/>
       </p:ext>
     </p:extLst>
   </p:cSld>
   <p:clrMapOvr>
     <a:masterClrMapping/>
   </p:clrMapOvr>
-  <p:timing>
-    <p:tnLst>
-      <p:par>
-        <p:cTn id="1" dur="indefinite" restart="never" nodeType="tmRoot"/>
-      </p:par>
-    </p:tnLst>
-  </p:timing>
 </p:sld>
 </file>
 
@@ -16963,20 +16912,13 @@
     </p:spTree>
     <p:extLst>
       <p:ext uri="{BB962C8B-B14F-4D97-AF65-F5344CB8AC3E}">
-        <p14:creationId xmlns:p14="http://schemas.microsoft.com/office/powerpoint/2010/main" val="227275500"/>
+        <p14:creationId xmlns:p14="http://schemas.microsoft.com/office/powerpoint/2010/main" val="1100533298"/>
       </p:ext>
     </p:extLst>
   </p:cSld>
   <p:clrMapOvr>
     <a:masterClrMapping/>
   </p:clrMapOvr>
-  <p:timing>
-    <p:tnLst>
-      <p:par>
-        <p:cTn id="1" dur="indefinite" restart="never" nodeType="tmRoot"/>
-      </p:par>
-    </p:tnLst>
-  </p:timing>
 </p:sld>
 </file>
 
@@ -17013,10 +16955,9 @@
           <a:lstStyle/>
           <a:p>
             <a:r>
-              <a:rPr lang="en-US" dirty="0" smtClean="0"/>
+              <a:rPr lang="en-US" dirty="0"/>
               <a:t>AGENDA</a:t>
             </a:r>
-            <a:endParaRPr lang="en-US" dirty="0"/>
           </a:p>
         </p:txBody>
       </p:sp>
@@ -17049,13 +16990,6 @@
   <p:clrMapOvr>
     <a:masterClrMapping/>
   </p:clrMapOvr>
-  <p:timing>
-    <p:tnLst>
-      <p:par>
-        <p:cTn id="1" dur="indefinite" restart="never" nodeType="tmRoot"/>
-      </p:par>
-    </p:tnLst>
-  </p:timing>
 </p:sld>
 </file>
 
@@ -17117,20 +17051,13 @@
     </p:spTree>
     <p:extLst>
       <p:ext uri="{BB962C8B-B14F-4D97-AF65-F5344CB8AC3E}">
-        <p14:creationId xmlns:p14="http://schemas.microsoft.com/office/powerpoint/2010/main" val="489020904"/>
+        <p14:creationId xmlns:p14="http://schemas.microsoft.com/office/powerpoint/2010/main" val="227275500"/>
       </p:ext>
     </p:extLst>
   </p:cSld>
   <p:clrMapOvr>
     <a:masterClrMapping/>
   </p:clrMapOvr>
-  <p:timing>
-    <p:tnLst>
-      <p:par>
-        <p:cTn id="1" dur="indefinite" restart="never" nodeType="tmRoot"/>
-      </p:par>
-    </p:tnLst>
-  </p:timing>
 </p:sld>
 </file>
 
@@ -17192,20 +17119,13 @@
     </p:spTree>
     <p:extLst>
       <p:ext uri="{BB962C8B-B14F-4D97-AF65-F5344CB8AC3E}">
-        <p14:creationId xmlns:p14="http://schemas.microsoft.com/office/powerpoint/2010/main" val="3350656066"/>
+        <p14:creationId xmlns:p14="http://schemas.microsoft.com/office/powerpoint/2010/main" val="489020904"/>
       </p:ext>
     </p:extLst>
   </p:cSld>
   <p:clrMapOvr>
     <a:masterClrMapping/>
   </p:clrMapOvr>
-  <p:timing>
-    <p:tnLst>
-      <p:par>
-        <p:cTn id="1" dur="indefinite" restart="never" nodeType="tmRoot"/>
-      </p:par>
-    </p:tnLst>
-  </p:timing>
 </p:sld>
 </file>
 
@@ -17267,20 +17187,13 @@
     </p:spTree>
     <p:extLst>
       <p:ext uri="{BB962C8B-B14F-4D97-AF65-F5344CB8AC3E}">
-        <p14:creationId xmlns:p14="http://schemas.microsoft.com/office/powerpoint/2010/main" val="761039172"/>
+        <p14:creationId xmlns:p14="http://schemas.microsoft.com/office/powerpoint/2010/main" val="3350656066"/>
       </p:ext>
     </p:extLst>
   </p:cSld>
   <p:clrMapOvr>
     <a:masterClrMapping/>
   </p:clrMapOvr>
-  <p:timing>
-    <p:tnLst>
-      <p:par>
-        <p:cTn id="1" dur="indefinite" restart="never" nodeType="tmRoot"/>
-      </p:par>
-    </p:tnLst>
-  </p:timing>
 </p:sld>
 </file>
 
@@ -17342,20 +17255,13 @@
     </p:spTree>
     <p:extLst>
       <p:ext uri="{BB962C8B-B14F-4D97-AF65-F5344CB8AC3E}">
-        <p14:creationId xmlns:p14="http://schemas.microsoft.com/office/powerpoint/2010/main" val="2020933129"/>
+        <p14:creationId xmlns:p14="http://schemas.microsoft.com/office/powerpoint/2010/main" val="761039172"/>
       </p:ext>
     </p:extLst>
   </p:cSld>
   <p:clrMapOvr>
     <a:masterClrMapping/>
   </p:clrMapOvr>
-  <p:timing>
-    <p:tnLst>
-      <p:par>
-        <p:cTn id="1" dur="indefinite" restart="never" nodeType="tmRoot"/>
-      </p:par>
-    </p:tnLst>
-  </p:timing>
 </p:sld>
 </file>
 
@@ -17417,20 +17323,13 @@
     </p:spTree>
     <p:extLst>
       <p:ext uri="{BB962C8B-B14F-4D97-AF65-F5344CB8AC3E}">
-        <p14:creationId xmlns:p14="http://schemas.microsoft.com/office/powerpoint/2010/main" val="1249252872"/>
+        <p14:creationId xmlns:p14="http://schemas.microsoft.com/office/powerpoint/2010/main" val="2020933129"/>
       </p:ext>
     </p:extLst>
   </p:cSld>
   <p:clrMapOvr>
     <a:masterClrMapping/>
   </p:clrMapOvr>
-  <p:timing>
-    <p:tnLst>
-      <p:par>
-        <p:cTn id="1" dur="indefinite" restart="never" nodeType="tmRoot"/>
-      </p:par>
-    </p:tnLst>
-  </p:timing>
 </p:sld>
 </file>
 
@@ -17492,20 +17391,13 @@
     </p:spTree>
     <p:extLst>
       <p:ext uri="{BB962C8B-B14F-4D97-AF65-F5344CB8AC3E}">
-        <p14:creationId xmlns:p14="http://schemas.microsoft.com/office/powerpoint/2010/main" val="354321759"/>
+        <p14:creationId xmlns:p14="http://schemas.microsoft.com/office/powerpoint/2010/main" val="1249252872"/>
       </p:ext>
     </p:extLst>
   </p:cSld>
   <p:clrMapOvr>
     <a:masterClrMapping/>
   </p:clrMapOvr>
-  <p:timing>
-    <p:tnLst>
-      <p:par>
-        <p:cTn id="1" dur="indefinite" restart="never" nodeType="tmRoot"/>
-      </p:par>
-    </p:tnLst>
-  </p:timing>
 </p:sld>
 </file>
 
@@ -17567,20 +17459,13 @@
     </p:spTree>
     <p:extLst>
       <p:ext uri="{BB962C8B-B14F-4D97-AF65-F5344CB8AC3E}">
-        <p14:creationId xmlns:p14="http://schemas.microsoft.com/office/powerpoint/2010/main" val="1670299469"/>
+        <p14:creationId xmlns:p14="http://schemas.microsoft.com/office/powerpoint/2010/main" val="354321759"/>
       </p:ext>
     </p:extLst>
   </p:cSld>
   <p:clrMapOvr>
     <a:masterClrMapping/>
   </p:clrMapOvr>
-  <p:timing>
-    <p:tnLst>
-      <p:par>
-        <p:cTn id="1" dur="indefinite" restart="never" nodeType="tmRoot"/>
-      </p:par>
-    </p:tnLst>
-  </p:timing>
 </p:sld>
 </file>
 
@@ -17642,20 +17527,13 @@
     </p:spTree>
     <p:extLst>
       <p:ext uri="{BB962C8B-B14F-4D97-AF65-F5344CB8AC3E}">
-        <p14:creationId xmlns:p14="http://schemas.microsoft.com/office/powerpoint/2010/main" val="392449207"/>
+        <p14:creationId xmlns:p14="http://schemas.microsoft.com/office/powerpoint/2010/main" val="1670299469"/>
       </p:ext>
     </p:extLst>
   </p:cSld>
   <p:clrMapOvr>
     <a:masterClrMapping/>
   </p:clrMapOvr>
-  <p:timing>
-    <p:tnLst>
-      <p:par>
-        <p:cTn id="1" dur="indefinite" restart="never" nodeType="tmRoot"/>
-      </p:par>
-    </p:tnLst>
-  </p:timing>
 </p:sld>
 </file>
 
@@ -17717,20 +17595,13 @@
     </p:spTree>
     <p:extLst>
       <p:ext uri="{BB962C8B-B14F-4D97-AF65-F5344CB8AC3E}">
-        <p14:creationId xmlns:p14="http://schemas.microsoft.com/office/powerpoint/2010/main" val="3699977112"/>
+        <p14:creationId xmlns:p14="http://schemas.microsoft.com/office/powerpoint/2010/main" val="392449207"/>
       </p:ext>
     </p:extLst>
   </p:cSld>
   <p:clrMapOvr>
     <a:masterClrMapping/>
   </p:clrMapOvr>
-  <p:timing>
-    <p:tnLst>
-      <p:par>
-        <p:cTn id="1" dur="indefinite" restart="never" nodeType="tmRoot"/>
-      </p:par>
-    </p:tnLst>
-  </p:timing>
 </p:sld>
 </file>
 
@@ -17792,20 +17663,13 @@
     </p:spTree>
     <p:extLst>
       <p:ext uri="{BB962C8B-B14F-4D97-AF65-F5344CB8AC3E}">
-        <p14:creationId xmlns:p14="http://schemas.microsoft.com/office/powerpoint/2010/main" val="2625946237"/>
+        <p14:creationId xmlns:p14="http://schemas.microsoft.com/office/powerpoint/2010/main" val="3699977112"/>
       </p:ext>
     </p:extLst>
   </p:cSld>
   <p:clrMapOvr>
     <a:masterClrMapping/>
   </p:clrMapOvr>
-  <p:timing>
-    <p:tnLst>
-      <p:par>
-        <p:cTn id="1" dur="indefinite" restart="never" nodeType="tmRoot"/>
-      </p:par>
-    </p:tnLst>
-  </p:timing>
 </p:sld>
 </file>
 
@@ -17841,25 +17705,16 @@
           <a:bodyPr/>
           <a:lstStyle/>
           <a:p>
-            <a:r>
-              <a:rPr lang="en-US" sz="6000" b="0" dirty="0" smtClean="0"/>
-              <a:t/>
-            </a:r>
-            <a:br>
-              <a:rPr lang="en-US" sz="6000" b="0" dirty="0" smtClean="0"/>
-            </a:br>
-            <a:r>
-              <a:rPr lang="en-US" sz="6000" b="0" dirty="0"/>
-              <a:t/>
-            </a:r>
             <a:br>
               <a:rPr lang="en-US" sz="6000" b="0" dirty="0"/>
             </a:br>
-            <a:r>
-              <a:rPr lang="en-US" sz="6000" b="0" dirty="0" smtClean="0"/>
+            <a:br>
+              <a:rPr lang="en-US" sz="6000" b="0" dirty="0"/>
+            </a:br>
+            <a:r>
+              <a:rPr lang="en-US" sz="6000" b="0" dirty="0"/>
               <a:t>1. What &amp; Why ?</a:t>
             </a:r>
-            <a:endParaRPr lang="en-US" sz="6000" b="0" dirty="0"/>
           </a:p>
         </p:txBody>
       </p:sp>
@@ -17878,14 +17733,13 @@
           <a:bodyPr/>
           <a:lstStyle/>
           <a:p>
-            <a:endParaRPr lang="en-US" sz="3600" dirty="0" smtClean="0"/>
-          </a:p>
-          <a:p>
-            <a:r>
-              <a:rPr lang="en-US" sz="3600" dirty="0" smtClean="0"/>
+            <a:endParaRPr lang="en-US" sz="3600" dirty="0"/>
+          </a:p>
+          <a:p>
+            <a:r>
+              <a:rPr lang="en-US" sz="3600" dirty="0"/>
               <a:t>xxx</a:t>
             </a:r>
-            <a:endParaRPr lang="en-US" sz="3600" dirty="0"/>
           </a:p>
         </p:txBody>
       </p:sp>
@@ -17899,13 +17753,6 @@
   <p:clrMapOvr>
     <a:masterClrMapping/>
   </p:clrMapOvr>
-  <p:timing>
-    <p:tnLst>
-      <p:par>
-        <p:cTn id="1" dur="indefinite" restart="never" nodeType="tmRoot"/>
-      </p:par>
-    </p:tnLst>
-  </p:timing>
 </p:sld>
 </file>
 
@@ -17967,20 +17814,13 @@
     </p:spTree>
     <p:extLst>
       <p:ext uri="{BB962C8B-B14F-4D97-AF65-F5344CB8AC3E}">
-        <p14:creationId xmlns:p14="http://schemas.microsoft.com/office/powerpoint/2010/main" val="2603096143"/>
+        <p14:creationId xmlns:p14="http://schemas.microsoft.com/office/powerpoint/2010/main" val="2625946237"/>
       </p:ext>
     </p:extLst>
   </p:cSld>
   <p:clrMapOvr>
     <a:masterClrMapping/>
   </p:clrMapOvr>
-  <p:timing>
-    <p:tnLst>
-      <p:par>
-        <p:cTn id="1" dur="indefinite" restart="never" nodeType="tmRoot"/>
-      </p:par>
-    </p:tnLst>
-  </p:timing>
 </p:sld>
 </file>
 
@@ -18042,20 +17882,13 @@
     </p:spTree>
     <p:extLst>
       <p:ext uri="{BB962C8B-B14F-4D97-AF65-F5344CB8AC3E}">
-        <p14:creationId xmlns:p14="http://schemas.microsoft.com/office/powerpoint/2010/main" val="3119443067"/>
+        <p14:creationId xmlns:p14="http://schemas.microsoft.com/office/powerpoint/2010/main" val="2603096143"/>
       </p:ext>
     </p:extLst>
   </p:cSld>
   <p:clrMapOvr>
     <a:masterClrMapping/>
   </p:clrMapOvr>
-  <p:timing>
-    <p:tnLst>
-      <p:par>
-        <p:cTn id="1" dur="indefinite" restart="never" nodeType="tmRoot"/>
-      </p:par>
-    </p:tnLst>
-  </p:timing>
 </p:sld>
 </file>
 
@@ -18117,20 +17950,13 @@
     </p:spTree>
     <p:extLst>
       <p:ext uri="{BB962C8B-B14F-4D97-AF65-F5344CB8AC3E}">
-        <p14:creationId xmlns:p14="http://schemas.microsoft.com/office/powerpoint/2010/main" val="3351526299"/>
+        <p14:creationId xmlns:p14="http://schemas.microsoft.com/office/powerpoint/2010/main" val="3119443067"/>
       </p:ext>
     </p:extLst>
   </p:cSld>
   <p:clrMapOvr>
     <a:masterClrMapping/>
   </p:clrMapOvr>
-  <p:timing>
-    <p:tnLst>
-      <p:par>
-        <p:cTn id="1" dur="indefinite" restart="never" nodeType="tmRoot"/>
-      </p:par>
-    </p:tnLst>
-  </p:timing>
 </p:sld>
 </file>
 
@@ -18192,20 +18018,13 @@
     </p:spTree>
     <p:extLst>
       <p:ext uri="{BB962C8B-B14F-4D97-AF65-F5344CB8AC3E}">
-        <p14:creationId xmlns:p14="http://schemas.microsoft.com/office/powerpoint/2010/main" val="2076910670"/>
+        <p14:creationId xmlns:p14="http://schemas.microsoft.com/office/powerpoint/2010/main" val="3351526299"/>
       </p:ext>
     </p:extLst>
   </p:cSld>
   <p:clrMapOvr>
     <a:masterClrMapping/>
   </p:clrMapOvr>
-  <p:timing>
-    <p:tnLst>
-      <p:par>
-        <p:cTn id="1" dur="indefinite" restart="never" nodeType="tmRoot"/>
-      </p:par>
-    </p:tnLst>
-  </p:timing>
 </p:sld>
 </file>
 
@@ -18267,6 +18086,74 @@
     </p:spTree>
     <p:extLst>
       <p:ext uri="{BB962C8B-B14F-4D97-AF65-F5344CB8AC3E}">
+        <p14:creationId xmlns:p14="http://schemas.microsoft.com/office/powerpoint/2010/main" val="2076910670"/>
+      </p:ext>
+    </p:extLst>
+  </p:cSld>
+  <p:clrMapOvr>
+    <a:masterClrMapping/>
+  </p:clrMapOvr>
+</p:sld>
+</file>
+
+<file path=ppt/slides/slide35.xml><?xml version="1.0" encoding="utf-8"?>
+<p:sld xmlns:a="http://schemas.openxmlformats.org/drawingml/2006/main" xmlns:r="http://schemas.openxmlformats.org/officeDocument/2006/relationships" xmlns:p="http://schemas.openxmlformats.org/presentationml/2006/main">
+  <p:cSld>
+    <p:spTree>
+      <p:nvGrpSpPr>
+        <p:cNvPr id="1" name=""/>
+        <p:cNvGrpSpPr/>
+        <p:nvPr/>
+      </p:nvGrpSpPr>
+      <p:grpSpPr>
+        <a:xfrm>
+          <a:off x="0" y="0"/>
+          <a:ext cx="0" cy="0"/>
+          <a:chOff x="0" y="0"/>
+          <a:chExt cx="0" cy="0"/>
+        </a:xfrm>
+      </p:grpSpPr>
+      <p:sp>
+        <p:nvSpPr>
+          <p:cNvPr id="5" name="標題 4"/>
+          <p:cNvSpPr>
+            <a:spLocks noGrp="1"/>
+          </p:cNvSpPr>
+          <p:nvPr>
+            <p:ph type="title"/>
+          </p:nvPr>
+        </p:nvSpPr>
+        <p:spPr/>
+        <p:txBody>
+          <a:bodyPr/>
+          <a:lstStyle/>
+          <a:p>
+            <a:endParaRPr lang="en-US"/>
+          </a:p>
+        </p:txBody>
+      </p:sp>
+      <p:sp>
+        <p:nvSpPr>
+          <p:cNvPr id="6" name="文字版面配置區 5"/>
+          <p:cNvSpPr>
+            <a:spLocks noGrp="1"/>
+          </p:cNvSpPr>
+          <p:nvPr>
+            <p:ph type="body" idx="1"/>
+          </p:nvPr>
+        </p:nvSpPr>
+        <p:spPr/>
+        <p:txBody>
+          <a:bodyPr/>
+          <a:lstStyle/>
+          <a:p>
+            <a:endParaRPr lang="en-US"/>
+          </a:p>
+        </p:txBody>
+      </p:sp>
+    </p:spTree>
+    <p:extLst>
+      <p:ext uri="{BB962C8B-B14F-4D97-AF65-F5344CB8AC3E}">
         <p14:creationId xmlns:p14="http://schemas.microsoft.com/office/powerpoint/2010/main" val="2116884512"/>
       </p:ext>
     </p:extLst>
@@ -18274,17 +18161,10 @@
   <p:clrMapOvr>
     <a:masterClrMapping/>
   </p:clrMapOvr>
-  <p:timing>
-    <p:tnLst>
-      <p:par>
-        <p:cTn id="1" dur="indefinite" restart="never" nodeType="tmRoot"/>
-      </p:par>
-    </p:tnLst>
-  </p:timing>
 </p:sld>
 </file>
 
-<file path=ppt/slides/slide35.xml><?xml version="1.0" encoding="utf-8"?>
+<file path=ppt/slides/slide36.xml><?xml version="1.0" encoding="utf-8"?>
 <p:sld xmlns:a="http://schemas.openxmlformats.org/drawingml/2006/main" xmlns:r="http://schemas.openxmlformats.org/officeDocument/2006/relationships" xmlns:p="http://schemas.openxmlformats.org/presentationml/2006/main">
   <p:cSld>
     <p:bg>
@@ -18886,17 +18766,10 @@
   <p:clrMapOvr>
     <a:masterClrMapping/>
   </p:clrMapOvr>
-  <p:timing>
-    <p:tnLst>
-      <p:par>
-        <p:cTn id="1" dur="indefinite" restart="never" nodeType="tmRoot"/>
-      </p:par>
-    </p:tnLst>
-  </p:timing>
 </p:sld>
 </file>
 
-<file path=ppt/slides/slide36.xml><?xml version="1.0" encoding="utf-8"?>
+<file path=ppt/slides/slide37.xml><?xml version="1.0" encoding="utf-8"?>
 <p:sld xmlns:a="http://schemas.openxmlformats.org/drawingml/2006/main" xmlns:r="http://schemas.openxmlformats.org/officeDocument/2006/relationships" xmlns:p="http://schemas.openxmlformats.org/presentationml/2006/main">
   <p:cSld>
     <p:spTree>
@@ -18926,7 +18799,7 @@
 </p:sld>
 </file>
 
-<file path=ppt/slides/slide37.xml><?xml version="1.0" encoding="utf-8"?>
+<file path=ppt/slides/slide38.xml><?xml version="1.0" encoding="utf-8"?>
 <p:sld xmlns:a="http://schemas.openxmlformats.org/drawingml/2006/main" xmlns:r="http://schemas.openxmlformats.org/officeDocument/2006/relationships" xmlns:p="http://schemas.openxmlformats.org/presentationml/2006/main">
   <p:cSld>
     <p:spTree>
@@ -18956,7 +18829,7 @@
 </p:sld>
 </file>
 
-<file path=ppt/slides/slide38.xml><?xml version="1.0" encoding="utf-8"?>
+<file path=ppt/slides/slide39.xml><?xml version="1.0" encoding="utf-8"?>
 <p:sld xmlns:a="http://schemas.openxmlformats.org/drawingml/2006/main" xmlns:r="http://schemas.openxmlformats.org/officeDocument/2006/relationships" xmlns:p="http://schemas.openxmlformats.org/presentationml/2006/main">
   <p:cSld>
     <p:spTree>
@@ -18977,235 +18850,6 @@
     <p:extLst>
       <p:ext uri="{BB962C8B-B14F-4D97-AF65-F5344CB8AC3E}">
         <p14:creationId xmlns:p14="http://schemas.microsoft.com/office/powerpoint/2010/main" val="3496851595"/>
-      </p:ext>
-    </p:extLst>
-  </p:cSld>
-  <p:clrMapOvr>
-    <a:masterClrMapping/>
-  </p:clrMapOvr>
-</p:sld>
-</file>
-
-<file path=ppt/slides/slide39.xml><?xml version="1.0" encoding="utf-8"?>
-<p:sld xmlns:a="http://schemas.openxmlformats.org/drawingml/2006/main" xmlns:r="http://schemas.openxmlformats.org/officeDocument/2006/relationships" xmlns:p="http://schemas.openxmlformats.org/presentationml/2006/main">
-  <p:cSld>
-    <p:spTree>
-      <p:nvGrpSpPr>
-        <p:cNvPr id="1" name=""/>
-        <p:cNvGrpSpPr/>
-        <p:nvPr/>
-      </p:nvGrpSpPr>
-      <p:grpSpPr>
-        <a:xfrm>
-          <a:off x="0" y="0"/>
-          <a:ext cx="0" cy="0"/>
-          <a:chOff x="0" y="0"/>
-          <a:chExt cx="0" cy="0"/>
-        </a:xfrm>
-      </p:grpSpPr>
-      <p:sp>
-        <p:nvSpPr>
-          <p:cNvPr id="2" name="標題 1">
-            <a:extLst>
-              <a:ext uri="{FF2B5EF4-FFF2-40B4-BE49-F238E27FC236}">
-                <a16:creationId xmlns:a16="http://schemas.microsoft.com/office/drawing/2014/main" id="{A53AD68D-7080-4188-A296-6F3C8E665F8B}"/>
-              </a:ext>
-            </a:extLst>
-          </p:cNvPr>
-          <p:cNvSpPr>
-            <a:spLocks noGrp="1"/>
-          </p:cNvSpPr>
-          <p:nvPr>
-            <p:ph type="ctrTitle"/>
-          </p:nvPr>
-        </p:nvSpPr>
-        <p:spPr/>
-        <p:txBody>
-          <a:bodyPr/>
-          <a:lstStyle/>
-          <a:p>
-            <a:r>
-              <a:rPr lang="en-US" altLang="zh-TW" dirty="0"/>
-              <a:t/>
-            </a:r>
-            <a:br>
-              <a:rPr lang="en-US" altLang="zh-TW" dirty="0"/>
-            </a:br>
-            <a:r>
-              <a:rPr lang="zh-TW" altLang="en-US" dirty="0"/>
-              <a:t>案例</a:t>
-            </a:r>
-            <a:r>
-              <a:rPr lang="en-US" altLang="zh-TW" dirty="0"/>
-              <a:t>:</a:t>
-            </a:r>
-            <a:r>
-              <a:rPr lang="zh-TW" altLang="en-US" dirty="0"/>
-              <a:t> 拆分基礎服務</a:t>
-            </a:r>
-          </a:p>
-        </p:txBody>
-      </p:sp>
-      <p:sp>
-        <p:nvSpPr>
-          <p:cNvPr id="3" name="副標題 2">
-            <a:extLst>
-              <a:ext uri="{FF2B5EF4-FFF2-40B4-BE49-F238E27FC236}">
-                <a16:creationId xmlns:a16="http://schemas.microsoft.com/office/drawing/2014/main" id="{C2AFF981-6476-4DDC-BB51-9F3108EB7410}"/>
-              </a:ext>
-            </a:extLst>
-          </p:cNvPr>
-          <p:cNvSpPr>
-            <a:spLocks noGrp="1"/>
-          </p:cNvSpPr>
-          <p:nvPr>
-            <p:ph type="subTitle" idx="1"/>
-          </p:nvPr>
-        </p:nvSpPr>
-        <p:spPr/>
-        <p:txBody>
-          <a:bodyPr/>
-          <a:lstStyle/>
-          <a:p>
-            <a:r>
-              <a:rPr lang="zh-CN" altLang="en-US" sz="3600" b="1" dirty="0"/>
-              <a:t>宜人贷系统架构</a:t>
-            </a:r>
-            <a:r>
-              <a:rPr lang="en-US" altLang="zh-CN" sz="3600" b="1" dirty="0"/>
-              <a:t>-</a:t>
-            </a:r>
-            <a:r>
-              <a:rPr lang="zh-CN" altLang="en-US" sz="3600" b="1" dirty="0"/>
-              <a:t>高并发下的进化之路</a:t>
-            </a:r>
-          </a:p>
-          <a:p>
-            <a:endParaRPr lang="zh-TW" altLang="en-US" sz="3600" dirty="0"/>
-          </a:p>
-        </p:txBody>
-      </p:sp>
-      <p:sp>
-        <p:nvSpPr>
-          <p:cNvPr id="4" name="文字方塊 3">
-            <a:extLst>
-              <a:ext uri="{FF2B5EF4-FFF2-40B4-BE49-F238E27FC236}">
-                <a16:creationId xmlns:a16="http://schemas.microsoft.com/office/drawing/2014/main" id="{D29BCA04-079D-4220-A42B-019100319926}"/>
-              </a:ext>
-            </a:extLst>
-          </p:cNvPr>
-          <p:cNvSpPr txBox="1"/>
-          <p:nvPr/>
-        </p:nvSpPr>
-        <p:spPr>
-          <a:xfrm>
-            <a:off x="381000" y="4701540"/>
-            <a:ext cx="3498073" cy="523220"/>
-          </a:xfrm>
-          <a:prstGeom prst="rect">
-            <a:avLst/>
-          </a:prstGeom>
-          <a:noFill/>
-        </p:spPr>
-        <p:txBody>
-          <a:bodyPr wrap="none" rtlCol="0">
-            <a:spAutoFit/>
-          </a:bodyPr>
-          <a:lstStyle/>
-          <a:p>
-            <a:pPr marL="0" marR="0" lvl="0" indent="0" algn="l" defTabSz="914400" rtl="0" eaLnBrk="1" fontAlgn="auto" latinLnBrk="0" hangingPunct="1">
-              <a:lnSpc>
-                <a:spcPct val="100000"/>
-              </a:lnSpc>
-              <a:spcBef>
-                <a:spcPts val="0"/>
-              </a:spcBef>
-              <a:spcAft>
-                <a:spcPts val="0"/>
-              </a:spcAft>
-              <a:buClr>
-                <a:srgbClr val="000000"/>
-              </a:buClr>
-              <a:buSzTx/>
-              <a:buFont typeface="Arial"/>
-              <a:buNone/>
-              <a:tabLst/>
-              <a:defRPr/>
-            </a:pPr>
-            <a:r>
-              <a:rPr kumimoji="0" lang="en-US" altLang="zh-TW" sz="1400" b="0" i="0" u="none" strike="noStrike" kern="0" cap="none" spc="0" normalizeH="0" baseline="0" noProof="0" dirty="0">
-                <a:ln>
-                  <a:noFill/>
-                </a:ln>
-                <a:solidFill>
-                  <a:srgbClr val="000000"/>
-                </a:solidFill>
-                <a:effectLst/>
-                <a:uLnTx/>
-                <a:uFillTx/>
-                <a:latin typeface="Arial"/>
-                <a:cs typeface="Arial"/>
-                <a:sym typeface="Arial"/>
-                <a:hlinkClick r:id="rId2"/>
-              </a:rPr>
-              <a:t>https://www.jianshu.com/p/410250e006cb</a:t>
-            </a:r>
-            <a:endParaRPr kumimoji="0" lang="en-US" altLang="zh-TW" sz="1400" b="0" i="0" u="none" strike="noStrike" kern="0" cap="none" spc="0" normalizeH="0" baseline="0" noProof="0" dirty="0">
-              <a:ln>
-                <a:noFill/>
-              </a:ln>
-              <a:solidFill>
-                <a:srgbClr val="000000"/>
-              </a:solidFill>
-              <a:effectLst/>
-              <a:uLnTx/>
-              <a:uFillTx/>
-              <a:latin typeface="Arial"/>
-              <a:cs typeface="Arial"/>
-              <a:sym typeface="Arial"/>
-            </a:endParaRPr>
-          </a:p>
-          <a:p>
-            <a:pPr marL="0" marR="0" lvl="0" indent="0" algn="l" defTabSz="914400" rtl="0" eaLnBrk="1" fontAlgn="auto" latinLnBrk="0" hangingPunct="1">
-              <a:lnSpc>
-                <a:spcPct val="100000"/>
-              </a:lnSpc>
-              <a:spcBef>
-                <a:spcPts val="0"/>
-              </a:spcBef>
-              <a:spcAft>
-                <a:spcPts val="0"/>
-              </a:spcAft>
-              <a:buClr>
-                <a:srgbClr val="000000"/>
-              </a:buClr>
-              <a:buSzTx/>
-              <a:buFont typeface="Arial"/>
-              <a:buNone/>
-              <a:tabLst/>
-              <a:defRPr/>
-            </a:pPr>
-            <a:endParaRPr kumimoji="0" lang="zh-TW" altLang="en-US" sz="1400" b="0" i="0" u="none" strike="noStrike" kern="0" cap="none" spc="0" normalizeH="0" baseline="0" noProof="0" dirty="0">
-              <a:ln>
-                <a:noFill/>
-              </a:ln>
-              <a:solidFill>
-                <a:srgbClr val="000000"/>
-              </a:solidFill>
-              <a:effectLst/>
-              <a:uLnTx/>
-              <a:uFillTx/>
-              <a:latin typeface="Arial"/>
-              <a:cs typeface="Arial"/>
-              <a:sym typeface="Arial"/>
-            </a:endParaRPr>
-          </a:p>
-        </p:txBody>
-      </p:sp>
-    </p:spTree>
-    <p:extLst>
-      <p:ext uri="{BB962C8B-B14F-4D97-AF65-F5344CB8AC3E}">
-        <p14:creationId xmlns:p14="http://schemas.microsoft.com/office/powerpoint/2010/main" val="2622291912"/>
       </p:ext>
     </p:extLst>
   </p:cSld>
@@ -19299,15 +18943,9 @@
               <a:rPr lang="en-US" dirty="0">
                 <a:hlinkClick r:id="rId3"/>
               </a:rPr>
-              <a:t>https://www.nginx.com/blog/nginmesh-nginx-as-a-proxy-in-an-istio-service-mesh</a:t>
-            </a:r>
-            <a:r>
-              <a:rPr lang="en-US" dirty="0" smtClean="0">
-                <a:hlinkClick r:id="rId3"/>
-              </a:rPr>
-              <a:t>/</a:t>
-            </a:r>
-            <a:endParaRPr lang="en-US" dirty="0" smtClean="0"/>
+              <a:t>https://www.nginx.com/blog/nginmesh-nginx-as-a-proxy-in-an-istio-service-mesh/</a:t>
+            </a:r>
+            <a:endParaRPr lang="en-US" dirty="0"/>
           </a:p>
           <a:p>
             <a:endParaRPr lang="en-US" dirty="0"/>
@@ -19324,13 +18962,231 @@
   <p:clrMapOvr>
     <a:masterClrMapping/>
   </p:clrMapOvr>
-  <p:timing>
-    <p:tnLst>
-      <p:par>
-        <p:cTn id="1" dur="indefinite" restart="never" nodeType="tmRoot"/>
-      </p:par>
-    </p:tnLst>
-  </p:timing>
+</p:sld>
+</file>
+
+<file path=ppt/slides/slide40.xml><?xml version="1.0" encoding="utf-8"?>
+<p:sld xmlns:a="http://schemas.openxmlformats.org/drawingml/2006/main" xmlns:r="http://schemas.openxmlformats.org/officeDocument/2006/relationships" xmlns:p="http://schemas.openxmlformats.org/presentationml/2006/main">
+  <p:cSld>
+    <p:spTree>
+      <p:nvGrpSpPr>
+        <p:cNvPr id="1" name=""/>
+        <p:cNvGrpSpPr/>
+        <p:nvPr/>
+      </p:nvGrpSpPr>
+      <p:grpSpPr>
+        <a:xfrm>
+          <a:off x="0" y="0"/>
+          <a:ext cx="0" cy="0"/>
+          <a:chOff x="0" y="0"/>
+          <a:chExt cx="0" cy="0"/>
+        </a:xfrm>
+      </p:grpSpPr>
+      <p:sp>
+        <p:nvSpPr>
+          <p:cNvPr id="2" name="標題 1">
+            <a:extLst>
+              <a:ext uri="{FF2B5EF4-FFF2-40B4-BE49-F238E27FC236}">
+                <a16:creationId xmlns:a16="http://schemas.microsoft.com/office/drawing/2014/main" id="{A53AD68D-7080-4188-A296-6F3C8E665F8B}"/>
+              </a:ext>
+            </a:extLst>
+          </p:cNvPr>
+          <p:cNvSpPr>
+            <a:spLocks noGrp="1"/>
+          </p:cNvSpPr>
+          <p:nvPr>
+            <p:ph type="ctrTitle"/>
+          </p:nvPr>
+        </p:nvSpPr>
+        <p:spPr/>
+        <p:txBody>
+          <a:bodyPr/>
+          <a:lstStyle/>
+          <a:p>
+            <a:br>
+              <a:rPr lang="en-US" altLang="zh-TW" dirty="0"/>
+            </a:br>
+            <a:r>
+              <a:rPr lang="zh-TW" altLang="en-US" dirty="0"/>
+              <a:t>案例</a:t>
+            </a:r>
+            <a:r>
+              <a:rPr lang="en-US" altLang="zh-TW" dirty="0"/>
+              <a:t>:</a:t>
+            </a:r>
+            <a:r>
+              <a:rPr lang="zh-TW" altLang="en-US" dirty="0"/>
+              <a:t> 拆分基礎服務</a:t>
+            </a:r>
+          </a:p>
+        </p:txBody>
+      </p:sp>
+      <p:sp>
+        <p:nvSpPr>
+          <p:cNvPr id="3" name="副標題 2">
+            <a:extLst>
+              <a:ext uri="{FF2B5EF4-FFF2-40B4-BE49-F238E27FC236}">
+                <a16:creationId xmlns:a16="http://schemas.microsoft.com/office/drawing/2014/main" id="{C2AFF981-6476-4DDC-BB51-9F3108EB7410}"/>
+              </a:ext>
+            </a:extLst>
+          </p:cNvPr>
+          <p:cNvSpPr>
+            <a:spLocks noGrp="1"/>
+          </p:cNvSpPr>
+          <p:nvPr>
+            <p:ph type="subTitle" idx="1"/>
+          </p:nvPr>
+        </p:nvSpPr>
+        <p:spPr/>
+        <p:txBody>
+          <a:bodyPr/>
+          <a:lstStyle/>
+          <a:p>
+            <a:r>
+              <a:rPr lang="zh-CN" altLang="en-US" sz="3600" b="1" dirty="0"/>
+              <a:t>宜人贷系统架构</a:t>
+            </a:r>
+            <a:r>
+              <a:rPr lang="en-US" altLang="zh-CN" sz="3600" b="1" dirty="0"/>
+              <a:t>-</a:t>
+            </a:r>
+            <a:r>
+              <a:rPr lang="zh-CN" altLang="en-US" sz="3600" b="1" dirty="0"/>
+              <a:t>高并发下的进化之路</a:t>
+            </a:r>
+          </a:p>
+          <a:p>
+            <a:endParaRPr lang="zh-TW" altLang="en-US" sz="3600" dirty="0"/>
+          </a:p>
+        </p:txBody>
+      </p:sp>
+      <p:sp>
+        <p:nvSpPr>
+          <p:cNvPr id="4" name="文字方塊 3">
+            <a:extLst>
+              <a:ext uri="{FF2B5EF4-FFF2-40B4-BE49-F238E27FC236}">
+                <a16:creationId xmlns:a16="http://schemas.microsoft.com/office/drawing/2014/main" id="{D29BCA04-079D-4220-A42B-019100319926}"/>
+              </a:ext>
+            </a:extLst>
+          </p:cNvPr>
+          <p:cNvSpPr txBox="1"/>
+          <p:nvPr/>
+        </p:nvSpPr>
+        <p:spPr>
+          <a:xfrm>
+            <a:off x="381000" y="4701540"/>
+            <a:ext cx="3498073" cy="523220"/>
+          </a:xfrm>
+          <a:prstGeom prst="rect">
+            <a:avLst/>
+          </a:prstGeom>
+          <a:noFill/>
+        </p:spPr>
+        <p:txBody>
+          <a:bodyPr wrap="none" rtlCol="0">
+            <a:spAutoFit/>
+          </a:bodyPr>
+          <a:lstStyle/>
+          <a:p>
+            <a:pPr marL="0" marR="0" lvl="0" indent="0" algn="l" defTabSz="914400" rtl="0" eaLnBrk="1" fontAlgn="auto" latinLnBrk="0" hangingPunct="1">
+              <a:lnSpc>
+                <a:spcPct val="100000"/>
+              </a:lnSpc>
+              <a:spcBef>
+                <a:spcPts val="0"/>
+              </a:spcBef>
+              <a:spcAft>
+                <a:spcPts val="0"/>
+              </a:spcAft>
+              <a:buClr>
+                <a:srgbClr val="000000"/>
+              </a:buClr>
+              <a:buSzTx/>
+              <a:buFont typeface="Arial"/>
+              <a:buNone/>
+              <a:tabLst/>
+              <a:defRPr/>
+            </a:pPr>
+            <a:r>
+              <a:rPr kumimoji="0" lang="en-US" altLang="zh-TW" sz="1400" b="0" i="0" u="none" strike="noStrike" kern="0" cap="none" spc="0" normalizeH="0" baseline="0" noProof="0" dirty="0">
+                <a:ln>
+                  <a:noFill/>
+                </a:ln>
+                <a:solidFill>
+                  <a:srgbClr val="000000"/>
+                </a:solidFill>
+                <a:effectLst/>
+                <a:uLnTx/>
+                <a:uFillTx/>
+                <a:latin typeface="Arial"/>
+                <a:cs typeface="Arial"/>
+                <a:sym typeface="Arial"/>
+                <a:hlinkClick r:id="rId2"/>
+              </a:rPr>
+              <a:t>https://www.jianshu.com/p/410250e006cb</a:t>
+            </a:r>
+            <a:endParaRPr kumimoji="0" lang="en-US" altLang="zh-TW" sz="1400" b="0" i="0" u="none" strike="noStrike" kern="0" cap="none" spc="0" normalizeH="0" baseline="0" noProof="0" dirty="0">
+              <a:ln>
+                <a:noFill/>
+              </a:ln>
+              <a:solidFill>
+                <a:srgbClr val="000000"/>
+              </a:solidFill>
+              <a:effectLst/>
+              <a:uLnTx/>
+              <a:uFillTx/>
+              <a:latin typeface="Arial"/>
+              <a:cs typeface="Arial"/>
+              <a:sym typeface="Arial"/>
+            </a:endParaRPr>
+          </a:p>
+          <a:p>
+            <a:pPr marL="0" marR="0" lvl="0" indent="0" algn="l" defTabSz="914400" rtl="0" eaLnBrk="1" fontAlgn="auto" latinLnBrk="0" hangingPunct="1">
+              <a:lnSpc>
+                <a:spcPct val="100000"/>
+              </a:lnSpc>
+              <a:spcBef>
+                <a:spcPts val="0"/>
+              </a:spcBef>
+              <a:spcAft>
+                <a:spcPts val="0"/>
+              </a:spcAft>
+              <a:buClr>
+                <a:srgbClr val="000000"/>
+              </a:buClr>
+              <a:buSzTx/>
+              <a:buFont typeface="Arial"/>
+              <a:buNone/>
+              <a:tabLst/>
+              <a:defRPr/>
+            </a:pPr>
+            <a:endParaRPr kumimoji="0" lang="zh-TW" altLang="en-US" sz="1400" b="0" i="0" u="none" strike="noStrike" kern="0" cap="none" spc="0" normalizeH="0" baseline="0" noProof="0" dirty="0">
+              <a:ln>
+                <a:noFill/>
+              </a:ln>
+              <a:solidFill>
+                <a:srgbClr val="000000"/>
+              </a:solidFill>
+              <a:effectLst/>
+              <a:uLnTx/>
+              <a:uFillTx/>
+              <a:latin typeface="Arial"/>
+              <a:cs typeface="Arial"/>
+              <a:sym typeface="Arial"/>
+            </a:endParaRPr>
+          </a:p>
+        </p:txBody>
+      </p:sp>
+    </p:spTree>
+    <p:extLst>
+      <p:ext uri="{BB962C8B-B14F-4D97-AF65-F5344CB8AC3E}">
+        <p14:creationId xmlns:p14="http://schemas.microsoft.com/office/powerpoint/2010/main" val="2622291912"/>
+      </p:ext>
+    </p:extLst>
+  </p:cSld>
+  <p:clrMapOvr>
+    <a:masterClrMapping/>
+  </p:clrMapOvr>
 </p:sld>
 </file>
 
@@ -19367,15 +19223,15 @@
           <a:lstStyle/>
           <a:p>
             <a:r>
-              <a:rPr lang="en-US" dirty="0" smtClean="0"/>
+              <a:rPr lang="en-US" dirty="0"/>
               <a:t>Q1: </a:t>
             </a:r>
             <a:r>
-              <a:rPr lang="zh-TW" altLang="en-US" dirty="0" smtClean="0"/>
+              <a:rPr lang="zh-TW" altLang="en-US" dirty="0"/>
               <a:t>該如何管理越來越多的服務</a:t>
             </a:r>
             <a:r>
-              <a:rPr lang="en-US" altLang="zh-TW" dirty="0" smtClean="0"/>
+              <a:rPr lang="en-US" altLang="zh-TW" dirty="0"/>
               <a:t>?</a:t>
             </a:r>
             <a:endParaRPr lang="en-US" dirty="0"/>
@@ -19398,38 +19254,8 @@
           <a:lstStyle/>
           <a:p>
             <a:r>
-              <a:rPr lang="zh-TW" altLang="en-US" dirty="0" smtClean="0"/>
+              <a:rPr lang="zh-TW" altLang="en-US" dirty="0"/>
               <a:t>如何掌握每個服務的資訊與狀態</a:t>
-            </a:r>
-            <a:r>
-              <a:rPr lang="en-US" altLang="zh-TW" dirty="0" smtClean="0"/>
-              <a:t>?</a:t>
-            </a:r>
-          </a:p>
-          <a:p>
-            <a:r>
-              <a:rPr lang="zh-TW" altLang="en-US" dirty="0"/>
-              <a:t>如何掌握每</a:t>
-            </a:r>
-            <a:r>
-              <a:rPr lang="zh-TW" altLang="en-US" dirty="0" smtClean="0"/>
-              <a:t>個</a:t>
-            </a:r>
-            <a:r>
-              <a:rPr lang="zh-TW" altLang="en-US" dirty="0"/>
-              <a:t> </a:t>
-            </a:r>
-            <a:r>
-              <a:rPr lang="en-US" altLang="zh-TW" dirty="0" smtClean="0"/>
-              <a:t>instance </a:t>
-            </a:r>
-            <a:r>
-              <a:rPr lang="zh-TW" altLang="en-US" dirty="0" smtClean="0"/>
-              <a:t>的</a:t>
-            </a:r>
-            <a:r>
-              <a:rPr lang="zh-TW" altLang="en-US" dirty="0"/>
-              <a:t>資訊與狀態</a:t>
             </a:r>
             <a:r>
               <a:rPr lang="en-US" altLang="zh-TW" dirty="0"/>
@@ -19438,29 +19264,39 @@
           </a:p>
           <a:p>
             <a:r>
-              <a:rPr lang="zh-TW" altLang="en-US" dirty="0" smtClean="0"/>
-              <a:t>如何精準定位要</a:t>
-            </a:r>
-            <a:r>
               <a:rPr lang="zh-TW" altLang="en-US" dirty="0"/>
-              <a:t>呼叫的</a:t>
-            </a:r>
-            <a:r>
-              <a:rPr lang="zh-TW" altLang="en-US" dirty="0" smtClean="0"/>
-              <a:t>服務</a:t>
-            </a:r>
-            <a:r>
-              <a:rPr lang="en-US" altLang="zh-TW" dirty="0" smtClean="0"/>
+              <a:t>如何掌握每個 </a:t>
+            </a:r>
+            <a:r>
+              <a:rPr lang="en-US" altLang="zh-TW" dirty="0"/>
+              <a:t>instance </a:t>
+            </a:r>
+            <a:r>
+              <a:rPr lang="zh-TW" altLang="en-US" dirty="0"/>
+              <a:t>的資訊與狀態</a:t>
+            </a:r>
+            <a:r>
+              <a:rPr lang="en-US" altLang="zh-TW" dirty="0"/>
               <a:t>?</a:t>
             </a:r>
           </a:p>
           <a:p>
             <a:r>
-              <a:rPr lang="zh-TW" altLang="en-US" dirty="0" smtClean="0"/>
+              <a:rPr lang="zh-TW" altLang="en-US" dirty="0"/>
+              <a:t>如何精準定位要呼叫的服務</a:t>
+            </a:r>
+            <a:r>
+              <a:rPr lang="en-US" altLang="zh-TW" dirty="0"/>
+              <a:t>?</a:t>
+            </a:r>
+          </a:p>
+          <a:p>
+            <a:r>
+              <a:rPr lang="zh-TW" altLang="en-US" dirty="0"/>
               <a:t>如何簡化服務部署與啟動的程序</a:t>
             </a:r>
             <a:r>
-              <a:rPr lang="en-US" altLang="zh-TW" dirty="0" smtClean="0"/>
+              <a:rPr lang="en-US" altLang="zh-TW" dirty="0"/>
               <a:t>?</a:t>
             </a:r>
             <a:endParaRPr lang="en-US" dirty="0"/>
@@ -19490,13 +19326,6 @@
   <p:clrMapOvr>
     <a:masterClrMapping/>
   </p:clrMapOvr>
-  <p:timing>
-    <p:tnLst>
-      <p:par>
-        <p:cTn id="1" dur="indefinite" restart="never" nodeType="tmRoot"/>
-      </p:par>
-    </p:tnLst>
-  </p:timing>
 </p:sld>
 </file>
 
@@ -19519,6 +19348,190 @@
       </p:grpSpPr>
       <p:sp>
         <p:nvSpPr>
+          <p:cNvPr id="5" name="標題 4">
+            <a:extLst>
+              <a:ext uri="{FF2B5EF4-FFF2-40B4-BE49-F238E27FC236}">
+                <a16:creationId xmlns:a16="http://schemas.microsoft.com/office/drawing/2014/main" id="{B8867E9A-119D-4F5A-B22A-85B6132AC970}"/>
+              </a:ext>
+            </a:extLst>
+          </p:cNvPr>
+          <p:cNvSpPr>
+            <a:spLocks noGrp="1"/>
+          </p:cNvSpPr>
+          <p:nvPr>
+            <p:ph type="title"/>
+          </p:nvPr>
+        </p:nvSpPr>
+        <p:spPr/>
+        <p:txBody>
+          <a:bodyPr/>
+          <a:lstStyle/>
+          <a:p>
+            <a:r>
+              <a:rPr lang="zh-TW" altLang="en-US" dirty="0"/>
+              <a:t>管理微服務的挑戰</a:t>
+            </a:r>
+          </a:p>
+        </p:txBody>
+      </p:sp>
+      <p:sp>
+        <p:nvSpPr>
+          <p:cNvPr id="6" name="文字版面配置區 5">
+            <a:extLst>
+              <a:ext uri="{FF2B5EF4-FFF2-40B4-BE49-F238E27FC236}">
+                <a16:creationId xmlns:a16="http://schemas.microsoft.com/office/drawing/2014/main" id="{6909BDF9-C1AD-40A9-8C79-EC7F7928F656}"/>
+              </a:ext>
+            </a:extLst>
+          </p:cNvPr>
+          <p:cNvSpPr>
+            <a:spLocks noGrp="1"/>
+          </p:cNvSpPr>
+          <p:nvPr>
+            <p:ph type="body" idx="1"/>
+          </p:nvPr>
+        </p:nvSpPr>
+        <p:spPr/>
+        <p:txBody>
+          <a:bodyPr/>
+          <a:lstStyle/>
+          <a:p>
+            <a:r>
+              <a:rPr lang="zh-TW" altLang="en-US" dirty="0"/>
+              <a:t>如何掌握 </a:t>
+            </a:r>
+            <a:r>
+              <a:rPr lang="en-US" altLang="zh-TW" dirty="0"/>
+              <a:t>N</a:t>
+            </a:r>
+            <a:r>
+              <a:rPr lang="zh-TW" altLang="en-US" dirty="0"/>
+              <a:t> 種服務的相關資訊 </a:t>
+            </a:r>
+            <a:r>
+              <a:rPr lang="en-US" altLang="zh-TW" dirty="0"/>
+              <a:t>(service</a:t>
+            </a:r>
+            <a:r>
+              <a:rPr lang="zh-TW" altLang="en-US" dirty="0"/>
+              <a:t> </a:t>
+            </a:r>
+            <a:r>
+              <a:rPr lang="en-US" altLang="zh-TW" dirty="0"/>
+              <a:t>definition)</a:t>
+            </a:r>
+            <a:r>
+              <a:rPr lang="zh-TW" altLang="en-US" dirty="0"/>
+              <a:t> 與健康狀態 </a:t>
+            </a:r>
+            <a:r>
+              <a:rPr lang="en-US" altLang="zh-TW" dirty="0"/>
+              <a:t>(health) ?</a:t>
+            </a:r>
+          </a:p>
+          <a:p>
+            <a:r>
+              <a:rPr lang="zh-TW" altLang="en-US" dirty="0"/>
+              <a:t>如何掌握每種服務內的 </a:t>
+            </a:r>
+            <a:r>
+              <a:rPr lang="en-US" altLang="zh-TW" dirty="0"/>
+              <a:t>M</a:t>
+            </a:r>
+            <a:r>
+              <a:rPr lang="zh-TW" altLang="en-US" dirty="0"/>
+              <a:t> 個 </a:t>
+            </a:r>
+            <a:r>
+              <a:rPr lang="en-US" altLang="zh-TW" dirty="0"/>
+              <a:t>instance</a:t>
+            </a:r>
+            <a:r>
+              <a:rPr lang="zh-TW" altLang="en-US" dirty="0"/>
+              <a:t> 相關資訊</a:t>
+            </a:r>
+            <a:r>
+              <a:rPr lang="en-US" altLang="zh-TW" dirty="0"/>
+              <a:t>?</a:t>
+            </a:r>
+          </a:p>
+          <a:p>
+            <a:r>
+              <a:rPr lang="zh-TW" altLang="en-US" dirty="0"/>
+              <a:t>如何管理 </a:t>
+            </a:r>
+            <a:r>
+              <a:rPr lang="en-US" altLang="zh-TW" dirty="0"/>
+              <a:t>((N-1)</a:t>
+            </a:r>
+            <a:r>
+              <a:rPr lang="zh-TW" altLang="en-US" dirty="0"/>
+              <a:t> </a:t>
+            </a:r>
+            <a:r>
+              <a:rPr lang="en-US" altLang="zh-TW" dirty="0"/>
+              <a:t>x</a:t>
+            </a:r>
+            <a:r>
+              <a:rPr lang="zh-TW" altLang="en-US" dirty="0"/>
+              <a:t> </a:t>
+            </a:r>
+            <a:r>
+              <a:rPr lang="en-US" altLang="zh-TW" dirty="0"/>
+              <a:t>M)</a:t>
+            </a:r>
+            <a:r>
+              <a:rPr lang="en-US" altLang="zh-TW" baseline="30000" dirty="0"/>
+              <a:t>2</a:t>
+            </a:r>
+            <a:r>
+              <a:rPr lang="zh-TW" altLang="en-US" dirty="0"/>
+              <a:t> 種可能的連線</a:t>
+            </a:r>
+            <a:r>
+              <a:rPr lang="en-US" altLang="zh-TW" dirty="0"/>
+              <a:t>?</a:t>
+            </a:r>
+          </a:p>
+          <a:p>
+            <a:r>
+              <a:rPr lang="zh-TW" altLang="en-US" dirty="0"/>
+              <a:t>即時的組態更新機制</a:t>
+            </a:r>
+          </a:p>
+        </p:txBody>
+      </p:sp>
+    </p:spTree>
+    <p:extLst>
+      <p:ext uri="{BB962C8B-B14F-4D97-AF65-F5344CB8AC3E}">
+        <p14:creationId xmlns:p14="http://schemas.microsoft.com/office/powerpoint/2010/main" val="840388070"/>
+      </p:ext>
+    </p:extLst>
+  </p:cSld>
+  <p:clrMapOvr>
+    <a:masterClrMapping/>
+  </p:clrMapOvr>
+</p:sld>
+</file>
+
+<file path=ppt/slides/slide7.xml><?xml version="1.0" encoding="utf-8"?>
+<p:sld xmlns:a="http://schemas.openxmlformats.org/drawingml/2006/main" xmlns:r="http://schemas.openxmlformats.org/officeDocument/2006/relationships" xmlns:p="http://schemas.openxmlformats.org/presentationml/2006/main">
+  <p:cSld>
+    <p:spTree>
+      <p:nvGrpSpPr>
+        <p:cNvPr id="1" name=""/>
+        <p:cNvGrpSpPr/>
+        <p:nvPr/>
+      </p:nvGrpSpPr>
+      <p:grpSpPr>
+        <a:xfrm>
+          <a:off x="0" y="0"/>
+          <a:ext cx="0" cy="0"/>
+          <a:chOff x="0" y="0"/>
+          <a:chExt cx="0" cy="0"/>
+        </a:xfrm>
+      </p:grpSpPr>
+      <p:sp>
+        <p:nvSpPr>
           <p:cNvPr id="7" name="文字方塊 6"/>
           <p:cNvSpPr txBox="1"/>
           <p:nvPr/>
@@ -19543,15 +19556,9 @@
               <a:rPr lang="en-US" dirty="0">
                 <a:hlinkClick r:id="rId2"/>
               </a:rPr>
-              <a:t>https://www.nginx.com/blog/service-discovery-in-a-microservices-architecture</a:t>
-            </a:r>
-            <a:r>
-              <a:rPr lang="en-US" dirty="0" smtClean="0">
-                <a:hlinkClick r:id="rId2"/>
-              </a:rPr>
-              <a:t>/</a:t>
-            </a:r>
-            <a:endParaRPr lang="en-US" dirty="0" smtClean="0"/>
+              <a:t>https://www.nginx.com/blog/service-discovery-in-a-microservices-architecture/</a:t>
+            </a:r>
+            <a:endParaRPr lang="en-US" dirty="0"/>
           </a:p>
           <a:p>
             <a:endParaRPr lang="en-US" dirty="0"/>
@@ -19609,17 +19616,10 @@
   <p:clrMapOvr>
     <a:masterClrMapping/>
   </p:clrMapOvr>
-  <p:timing>
-    <p:tnLst>
-      <p:par>
-        <p:cTn id="1" dur="indefinite" restart="never" nodeType="tmRoot"/>
-      </p:par>
-    </p:tnLst>
-  </p:timing>
 </p:sld>
 </file>
 
-<file path=ppt/slides/slide7.xml><?xml version="1.0" encoding="utf-8"?>
+<file path=ppt/slides/slide8.xml><?xml version="1.0" encoding="utf-8"?>
 <p:sld xmlns:a="http://schemas.openxmlformats.org/drawingml/2006/main" xmlns:r="http://schemas.openxmlformats.org/officeDocument/2006/relationships" xmlns:p="http://schemas.openxmlformats.org/presentationml/2006/main">
   <p:cSld>
     <p:spTree>
@@ -19827,17 +19827,10 @@
   <p:clrMapOvr>
     <a:masterClrMapping/>
   </p:clrMapOvr>
-  <p:timing>
-    <p:tnLst>
-      <p:par>
-        <p:cTn id="1" dur="indefinite" restart="never" nodeType="tmRoot"/>
-      </p:par>
-    </p:tnLst>
-  </p:timing>
 </p:sld>
 </file>
 
-<file path=ppt/slides/slide8.xml><?xml version="1.0" encoding="utf-8"?>
+<file path=ppt/slides/slide9.xml><?xml version="1.0" encoding="utf-8"?>
 <p:sld xmlns:a="http://schemas.openxmlformats.org/drawingml/2006/main" xmlns:r="http://schemas.openxmlformats.org/officeDocument/2006/relationships" xmlns:p="http://schemas.openxmlformats.org/presentationml/2006/main">
   <p:cSld>
     <p:spTree>
@@ -19870,7 +19863,7 @@
           <a:lstStyle/>
           <a:p>
             <a:r>
-              <a:rPr lang="zh-TW" altLang="en-US" dirty="0" smtClean="0"/>
+              <a:rPr lang="zh-TW" altLang="en-US" dirty="0"/>
               <a:t>服務啟動到被呼叫的過程</a:t>
             </a:r>
             <a:endParaRPr lang="en-US" dirty="0"/>
@@ -19919,11 +19912,11 @@
           <a:lstStyle/>
           <a:p>
             <a:r>
-              <a:rPr lang="en-US" altLang="zh-TW" dirty="0" err="1" smtClean="0"/>
+              <a:rPr lang="en-US" altLang="zh-TW" dirty="0" err="1"/>
               <a:t>Sequency</a:t>
             </a:r>
             <a:r>
-              <a:rPr lang="en-US" altLang="zh-TW" dirty="0" smtClean="0"/>
+              <a:rPr lang="en-US" altLang="zh-TW" dirty="0"/>
               <a:t> Diagram For Service Registration</a:t>
             </a:r>
             <a:endParaRPr lang="en-US" dirty="0"/>
@@ -20031,150 +20024,6 @@
             </p:seq>
           </p:childTnLst>
         </p:cTn>
-      </p:par>
-    </p:tnLst>
-  </p:timing>
-</p:sld>
-</file>
-
-<file path=ppt/slides/slide9.xml><?xml version="1.0" encoding="utf-8"?>
-<p:sld xmlns:a="http://schemas.openxmlformats.org/drawingml/2006/main" xmlns:r="http://schemas.openxmlformats.org/officeDocument/2006/relationships" xmlns:p="http://schemas.openxmlformats.org/presentationml/2006/main">
-  <p:cSld>
-    <p:spTree>
-      <p:nvGrpSpPr>
-        <p:cNvPr id="1" name=""/>
-        <p:cNvGrpSpPr/>
-        <p:nvPr/>
-      </p:nvGrpSpPr>
-      <p:grpSpPr>
-        <a:xfrm>
-          <a:off x="0" y="0"/>
-          <a:ext cx="0" cy="0"/>
-          <a:chOff x="0" y="0"/>
-          <a:chExt cx="0" cy="0"/>
-        </a:xfrm>
-      </p:grpSpPr>
-      <p:sp>
-        <p:nvSpPr>
-          <p:cNvPr id="4" name="標題 3"/>
-          <p:cNvSpPr>
-            <a:spLocks noGrp="1"/>
-          </p:cNvSpPr>
-          <p:nvPr>
-            <p:ph type="title"/>
-          </p:nvPr>
-        </p:nvSpPr>
-        <p:spPr/>
-        <p:txBody>
-          <a:bodyPr/>
-          <a:lstStyle/>
-          <a:p>
-            <a:r>
-              <a:rPr lang="zh-TW" altLang="en-US" dirty="0" smtClean="0"/>
-              <a:t>案例探討</a:t>
-            </a:r>
-            <a:r>
-              <a:rPr lang="en-US" altLang="zh-TW" dirty="0" smtClean="0"/>
-              <a:t>:</a:t>
-            </a:r>
-            <a:r>
-              <a:rPr lang="zh-TW" altLang="en-US" dirty="0" smtClean="0"/>
-              <a:t> </a:t>
-            </a:r>
-            <a:r>
-              <a:rPr lang="en-US" altLang="zh-TW" dirty="0" smtClean="0"/>
-              <a:t>Consul</a:t>
-            </a:r>
-            <a:endParaRPr lang="en-US" dirty="0"/>
-          </a:p>
-        </p:txBody>
-      </p:sp>
-      <p:sp>
-        <p:nvSpPr>
-          <p:cNvPr id="5" name="文字版面配置區 4"/>
-          <p:cNvSpPr>
-            <a:spLocks noGrp="1"/>
-          </p:cNvSpPr>
-          <p:nvPr>
-            <p:ph type="body" idx="1"/>
-          </p:nvPr>
-        </p:nvSpPr>
-        <p:spPr/>
-        <p:txBody>
-          <a:bodyPr/>
-          <a:lstStyle/>
-          <a:p>
-            <a:endParaRPr lang="en-US"/>
-          </a:p>
-        </p:txBody>
-      </p:sp>
-      <p:pic>
-        <p:nvPicPr>
-          <p:cNvPr id="2" name="圖片 1"/>
-          <p:cNvPicPr>
-            <a:picLocks noChangeAspect="1"/>
-          </p:cNvPicPr>
-          <p:nvPr/>
-        </p:nvPicPr>
-        <p:blipFill>
-          <a:blip r:embed="rId2"/>
-          <a:stretch>
-            <a:fillRect/>
-          </a:stretch>
-        </p:blipFill>
-        <p:spPr>
-          <a:xfrm>
-            <a:off x="457200" y="1200150"/>
-            <a:ext cx="8229600" cy="3268833"/>
-          </a:xfrm>
-          <a:prstGeom prst="rect">
-            <a:avLst/>
-          </a:prstGeom>
-        </p:spPr>
-      </p:pic>
-      <p:sp>
-        <p:nvSpPr>
-          <p:cNvPr id="3" name="文字方塊 2"/>
-          <p:cNvSpPr txBox="1"/>
-          <p:nvPr/>
-        </p:nvSpPr>
-        <p:spPr>
-          <a:xfrm>
-            <a:off x="402336" y="4658446"/>
-            <a:ext cx="3627916" cy="307777"/>
-          </a:xfrm>
-          <a:prstGeom prst="rect">
-            <a:avLst/>
-          </a:prstGeom>
-          <a:noFill/>
-        </p:spPr>
-        <p:txBody>
-          <a:bodyPr wrap="none" rtlCol="0">
-            <a:spAutoFit/>
-          </a:bodyPr>
-          <a:lstStyle/>
-          <a:p>
-            <a:r>
-              <a:rPr lang="en-US" dirty="0"/>
-              <a:t>https://www.hashicorp.com/products/consul</a:t>
-            </a:r>
-          </a:p>
-        </p:txBody>
-      </p:sp>
-    </p:spTree>
-    <p:extLst>
-      <p:ext uri="{BB962C8B-B14F-4D97-AF65-F5344CB8AC3E}">
-        <p14:creationId xmlns:p14="http://schemas.microsoft.com/office/powerpoint/2010/main" val="3481930133"/>
-      </p:ext>
-    </p:extLst>
-  </p:cSld>
-  <p:clrMapOvr>
-    <a:masterClrMapping/>
-  </p:clrMapOvr>
-  <p:timing>
-    <p:tnLst>
-      <p:par>
-        <p:cTn id="1" dur="indefinite" restart="never" nodeType="tmRoot"/>
       </p:par>
     </p:tnLst>
   </p:timing>

--- a/20180911.DevOpsDaysTaipei2018/Andrew-ServiceDiscovery (簡報).pptx
+++ b/20180911.DevOpsDaysTaipei2018/Andrew-ServiceDiscovery (簡報).pptx
@@ -8,48 +8,49 @@
     <p:sldMasterId id="2147483690" r:id="rId4"/>
   </p:sldMasterIdLst>
   <p:notesMasterIdLst>
-    <p:notesMasterId r:id="rId44"/>
+    <p:notesMasterId r:id="rId45"/>
   </p:notesMasterIdLst>
   <p:sldIdLst>
     <p:sldId id="447" r:id="rId5"/>
     <p:sldId id="449" r:id="rId6"/>
     <p:sldId id="454" r:id="rId7"/>
     <p:sldId id="451" r:id="rId8"/>
-    <p:sldId id="450" r:id="rId9"/>
-    <p:sldId id="459" r:id="rId10"/>
-    <p:sldId id="460" r:id="rId11"/>
-    <p:sldId id="461" r:id="rId12"/>
-    <p:sldId id="453" r:id="rId13"/>
-    <p:sldId id="462" r:id="rId14"/>
-    <p:sldId id="483" r:id="rId15"/>
-    <p:sldId id="463" r:id="rId16"/>
-    <p:sldId id="485" r:id="rId17"/>
-    <p:sldId id="484" r:id="rId18"/>
-    <p:sldId id="464" r:id="rId19"/>
-    <p:sldId id="486" r:id="rId20"/>
-    <p:sldId id="465" r:id="rId21"/>
-    <p:sldId id="466" r:id="rId22"/>
-    <p:sldId id="467" r:id="rId23"/>
-    <p:sldId id="468" r:id="rId24"/>
-    <p:sldId id="469" r:id="rId25"/>
-    <p:sldId id="470" r:id="rId26"/>
-    <p:sldId id="471" r:id="rId27"/>
-    <p:sldId id="472" r:id="rId28"/>
-    <p:sldId id="473" r:id="rId29"/>
-    <p:sldId id="474" r:id="rId30"/>
-    <p:sldId id="475" r:id="rId31"/>
-    <p:sldId id="476" r:id="rId32"/>
-    <p:sldId id="477" r:id="rId33"/>
-    <p:sldId id="478" r:id="rId34"/>
-    <p:sldId id="479" r:id="rId35"/>
-    <p:sldId id="480" r:id="rId36"/>
-    <p:sldId id="481" r:id="rId37"/>
-    <p:sldId id="482" r:id="rId38"/>
-    <p:sldId id="448" r:id="rId39"/>
-    <p:sldId id="455" r:id="rId40"/>
-    <p:sldId id="456" r:id="rId41"/>
-    <p:sldId id="457" r:id="rId42"/>
-    <p:sldId id="458" r:id="rId43"/>
+    <p:sldId id="487" r:id="rId9"/>
+    <p:sldId id="450" r:id="rId10"/>
+    <p:sldId id="459" r:id="rId11"/>
+    <p:sldId id="460" r:id="rId12"/>
+    <p:sldId id="461" r:id="rId13"/>
+    <p:sldId id="453" r:id="rId14"/>
+    <p:sldId id="462" r:id="rId15"/>
+    <p:sldId id="483" r:id="rId16"/>
+    <p:sldId id="463" r:id="rId17"/>
+    <p:sldId id="485" r:id="rId18"/>
+    <p:sldId id="484" r:id="rId19"/>
+    <p:sldId id="464" r:id="rId20"/>
+    <p:sldId id="486" r:id="rId21"/>
+    <p:sldId id="465" r:id="rId22"/>
+    <p:sldId id="466" r:id="rId23"/>
+    <p:sldId id="467" r:id="rId24"/>
+    <p:sldId id="468" r:id="rId25"/>
+    <p:sldId id="469" r:id="rId26"/>
+    <p:sldId id="470" r:id="rId27"/>
+    <p:sldId id="471" r:id="rId28"/>
+    <p:sldId id="472" r:id="rId29"/>
+    <p:sldId id="473" r:id="rId30"/>
+    <p:sldId id="474" r:id="rId31"/>
+    <p:sldId id="475" r:id="rId32"/>
+    <p:sldId id="476" r:id="rId33"/>
+    <p:sldId id="477" r:id="rId34"/>
+    <p:sldId id="478" r:id="rId35"/>
+    <p:sldId id="479" r:id="rId36"/>
+    <p:sldId id="480" r:id="rId37"/>
+    <p:sldId id="481" r:id="rId38"/>
+    <p:sldId id="482" r:id="rId39"/>
+    <p:sldId id="448" r:id="rId40"/>
+    <p:sldId id="455" r:id="rId41"/>
+    <p:sldId id="456" r:id="rId42"/>
+    <p:sldId id="457" r:id="rId43"/>
+    <p:sldId id="458" r:id="rId44"/>
   </p:sldIdLst>
   <p:sldSz cx="9144000" cy="5143500" type="screen16x9"/>
   <p:notesSz cx="6858000" cy="9144000"/>
@@ -295,6 +296,7 @@
         <p14:section name="Basic" id="{1FA802AF-5400-4241-A9B4-17CF472FB515}">
           <p14:sldIdLst>
             <p14:sldId id="451"/>
+            <p14:sldId id="487"/>
             <p14:sldId id="450"/>
             <p14:sldId id="459"/>
             <p14:sldId id="460"/>
@@ -792,6 +794,70 @@
 </p:notesMaster>
 </file>
 
+<file path=ppt/notesSlides/notesSlide1.xml><?xml version="1.0" encoding="utf-8"?>
+<p:notes xmlns:a="http://schemas.openxmlformats.org/drawingml/2006/main" xmlns:r="http://schemas.openxmlformats.org/officeDocument/2006/relationships" xmlns:p="http://schemas.openxmlformats.org/presentationml/2006/main">
+  <p:cSld>
+    <p:spTree>
+      <p:nvGrpSpPr>
+        <p:cNvPr id="1" name=""/>
+        <p:cNvGrpSpPr/>
+        <p:nvPr/>
+      </p:nvGrpSpPr>
+      <p:grpSpPr>
+        <a:xfrm>
+          <a:off x="0" y="0"/>
+          <a:ext cx="0" cy="0"/>
+          <a:chOff x="0" y="0"/>
+          <a:chExt cx="0" cy="0"/>
+        </a:xfrm>
+      </p:grpSpPr>
+      <p:sp>
+        <p:nvSpPr>
+          <p:cNvPr id="2" name="投影片圖像版面配置區 1"/>
+          <p:cNvSpPr>
+            <a:spLocks noGrp="1" noRot="1" noChangeAspect="1"/>
+          </p:cNvSpPr>
+          <p:nvPr>
+            <p:ph type="sldImg"/>
+          </p:nvPr>
+        </p:nvSpPr>
+        <p:spPr/>
+      </p:sp>
+      <p:sp>
+        <p:nvSpPr>
+          <p:cNvPr id="3" name="備忘稿版面配置區 2"/>
+          <p:cNvSpPr>
+            <a:spLocks noGrp="1"/>
+          </p:cNvSpPr>
+          <p:nvPr>
+            <p:ph type="body" idx="1"/>
+          </p:nvPr>
+        </p:nvSpPr>
+        <p:spPr/>
+        <p:txBody>
+          <a:bodyPr/>
+          <a:lstStyle/>
+          <a:p>
+            <a:pPr marL="139700" indent="0">
+              <a:buNone/>
+            </a:pPr>
+            <a:endParaRPr lang="en-US" dirty="0"/>
+          </a:p>
+        </p:txBody>
+      </p:sp>
+    </p:spTree>
+    <p:extLst>
+      <p:ext uri="{BB962C8B-B14F-4D97-AF65-F5344CB8AC3E}">
+        <p14:creationId xmlns:p14="http://schemas.microsoft.com/office/powerpoint/2010/main" val="4200077931"/>
+      </p:ext>
+    </p:extLst>
+  </p:cSld>
+  <p:clrMapOvr>
+    <a:masterClrMapping/>
+  </p:clrMapOvr>
+</p:notes>
+</file>
+
 <file path=ppt/slideLayouts/slideLayout1.xml><?xml version="1.0" encoding="utf-8"?>
 <p:sldLayout xmlns:a="http://schemas.openxmlformats.org/drawingml/2006/main" xmlns:r="http://schemas.openxmlformats.org/officeDocument/2006/relationships" xmlns:p="http://schemas.openxmlformats.org/presentationml/2006/main" matchingName="Title and body" type="tx">
   <p:cSld name="TITLE_AND_BODY">
@@ -1267,7 +1333,7 @@
               <a:pPr defTabSz="685800">
                 <a:buClrTx/>
               </a:pPr>
-              <a:t>2018/8/28</a:t>
+              <a:t>2018/9/1</a:t>
             </a:fld>
             <a:endParaRPr lang="zh-TW" altLang="en-US" kern="1200">
               <a:solidFill>
@@ -1645,7 +1711,7 @@
               <a:pPr defTabSz="685800">
                 <a:buClrTx/>
               </a:pPr>
-              <a:t>2018/8/28</a:t>
+              <a:t>2018/9/1</a:t>
             </a:fld>
             <a:endParaRPr lang="zh-TW" altLang="en-US" kern="1200">
               <a:solidFill>
@@ -1993,7 +2059,7 @@
               <a:pPr defTabSz="685800">
                 <a:buClrTx/>
               </a:pPr>
-              <a:t>2018/8/28</a:t>
+              <a:t>2018/9/1</a:t>
             </a:fld>
             <a:endParaRPr lang="zh-TW" altLang="en-US" kern="1200">
               <a:solidFill>
@@ -2251,7 +2317,7 @@
               <a:pPr defTabSz="685800">
                 <a:buClrTx/>
               </a:pPr>
-              <a:t>2018/8/28</a:t>
+              <a:t>2018/9/1</a:t>
             </a:fld>
             <a:endParaRPr lang="zh-TW" altLang="en-US" kern="1200">
               <a:solidFill>
@@ -2519,7 +2585,7 @@
               <a:pPr defTabSz="685800">
                 <a:buClrTx/>
               </a:pPr>
-              <a:t>2018/8/28</a:t>
+              <a:t>2018/9/1</a:t>
             </a:fld>
             <a:endParaRPr lang="zh-TW" altLang="en-US" kern="1200">
               <a:solidFill>
@@ -2799,7 +2865,7 @@
               <a:pPr defTabSz="685800">
                 <a:buClrTx/>
               </a:pPr>
-              <a:t>2018/8/28</a:t>
+              <a:t>2018/9/1</a:t>
             </a:fld>
             <a:endParaRPr lang="zh-TW" altLang="en-US" kern="1200">
               <a:solidFill>
@@ -3064,7 +3130,7 @@
               <a:pPr defTabSz="685800">
                 <a:buClrTx/>
               </a:pPr>
-              <a:t>2018/8/28</a:t>
+              <a:t>2018/9/1</a:t>
             </a:fld>
             <a:endParaRPr lang="zh-TW" altLang="en-US" kern="1200">
               <a:solidFill>
@@ -3399,7 +3465,7 @@
               <a:pPr defTabSz="685800">
                 <a:buClrTx/>
               </a:pPr>
-              <a:t>2018/8/28</a:t>
+              <a:t>2018/9/1</a:t>
             </a:fld>
             <a:endParaRPr lang="zh-TW" altLang="en-US" kern="1200">
               <a:solidFill>
@@ -3724,7 +3790,7 @@
               <a:pPr defTabSz="685800">
                 <a:buClrTx/>
               </a:pPr>
-              <a:t>2018/8/28</a:t>
+              <a:t>2018/9/1</a:t>
             </a:fld>
             <a:endParaRPr lang="zh-TW" altLang="en-US" kern="1200">
               <a:solidFill>
@@ -4196,7 +4262,7 @@
               <a:pPr defTabSz="685800">
                 <a:buClrTx/>
               </a:pPr>
-              <a:t>2018/8/28</a:t>
+              <a:t>2018/9/1</a:t>
             </a:fld>
             <a:endParaRPr lang="zh-TW" altLang="en-US" kern="1200">
               <a:solidFill>
@@ -4944,7 +5010,7 @@
               <a:pPr defTabSz="685800">
                 <a:buClrTx/>
               </a:pPr>
-              <a:t>2018/8/28</a:t>
+              <a:t>2018/9/1</a:t>
             </a:fld>
             <a:endParaRPr lang="zh-TW" altLang="en-US" kern="1200">
               <a:solidFill>
@@ -5117,7 +5183,7 @@
               <a:pPr defTabSz="685800">
                 <a:buClrTx/>
               </a:pPr>
-              <a:t>2018/8/28</a:t>
+              <a:t>2018/9/1</a:t>
             </a:fld>
             <a:endParaRPr lang="zh-TW" altLang="en-US" kern="1200">
               <a:solidFill>
@@ -5495,7 +5561,7 @@
               <a:pPr defTabSz="685800">
                 <a:buClrTx/>
               </a:pPr>
-              <a:t>2018/8/28</a:t>
+              <a:t>2018/9/1</a:t>
             </a:fld>
             <a:endParaRPr lang="zh-TW" altLang="en-US" kern="1200">
               <a:solidFill>
@@ -5843,7 +5909,7 @@
               <a:pPr defTabSz="685800">
                 <a:buClrTx/>
               </a:pPr>
-              <a:t>2018/8/28</a:t>
+              <a:t>2018/9/1</a:t>
             </a:fld>
             <a:endParaRPr lang="zh-TW" altLang="en-US" kern="1200">
               <a:solidFill>
@@ -6101,7 +6167,7 @@
               <a:pPr defTabSz="685800">
                 <a:buClrTx/>
               </a:pPr>
-              <a:t>2018/8/28</a:t>
+              <a:t>2018/9/1</a:t>
             </a:fld>
             <a:endParaRPr lang="zh-TW" altLang="en-US" kern="1200">
               <a:solidFill>
@@ -6369,7 +6435,7 @@
               <a:pPr defTabSz="685800">
                 <a:buClrTx/>
               </a:pPr>
-              <a:t>2018/8/28</a:t>
+              <a:t>2018/9/1</a:t>
             </a:fld>
             <a:endParaRPr lang="zh-TW" altLang="en-US" kern="1200">
               <a:solidFill>
@@ -8724,7 +8790,7 @@
               <a:pPr defTabSz="685800">
                 <a:buClrTx/>
               </a:pPr>
-              <a:t>2018/8/28</a:t>
+              <a:t>2018/9/1</a:t>
             </a:fld>
             <a:endParaRPr lang="zh-TW" altLang="en-US" kern="1200">
               <a:solidFill>
@@ -8989,7 +9055,7 @@
               <a:pPr defTabSz="685800">
                 <a:buClrTx/>
               </a:pPr>
-              <a:t>2018/8/28</a:t>
+              <a:t>2018/9/1</a:t>
             </a:fld>
             <a:endParaRPr lang="zh-TW" altLang="en-US" kern="1200">
               <a:solidFill>
@@ -9324,7 +9390,7 @@
               <a:pPr defTabSz="685800">
                 <a:buClrTx/>
               </a:pPr>
-              <a:t>2018/8/28</a:t>
+              <a:t>2018/9/1</a:t>
             </a:fld>
             <a:endParaRPr lang="zh-TW" altLang="en-US" kern="1200">
               <a:solidFill>
@@ -9649,7 +9715,7 @@
               <a:pPr defTabSz="685800">
                 <a:buClrTx/>
               </a:pPr>
-              <a:t>2018/8/28</a:t>
+              <a:t>2018/9/1</a:t>
             </a:fld>
             <a:endParaRPr lang="zh-TW" altLang="en-US" kern="1200">
               <a:solidFill>
@@ -10121,7 +10187,7 @@
               <a:pPr defTabSz="685800">
                 <a:buClrTx/>
               </a:pPr>
-              <a:t>2018/8/28</a:t>
+              <a:t>2018/9/1</a:t>
             </a:fld>
             <a:endParaRPr lang="zh-TW" altLang="en-US" kern="1200">
               <a:solidFill>
@@ -10322,7 +10388,7 @@
               <a:pPr defTabSz="685800">
                 <a:buClrTx/>
               </a:pPr>
-              <a:t>2018/8/28</a:t>
+              <a:t>2018/9/1</a:t>
             </a:fld>
             <a:endParaRPr lang="zh-TW" altLang="en-US" kern="1200">
               <a:solidFill>
@@ -11910,7 +11976,7 @@
               <a:pPr defTabSz="685800">
                 <a:buClrTx/>
               </a:pPr>
-              <a:t>2018/8/28</a:t>
+              <a:t>2018/9/1</a:t>
             </a:fld>
             <a:endParaRPr lang="zh-TW" altLang="en-US" kern="1200">
               <a:solidFill>
@@ -12545,7 +12611,7 @@
               <a:pPr defTabSz="685800">
                 <a:buClrTx/>
               </a:pPr>
-              <a:t>2018/8/28</a:t>
+              <a:t>2018/9/1</a:t>
             </a:fld>
             <a:endParaRPr lang="zh-TW" altLang="en-US" kern="1200">
               <a:solidFill>
@@ -14688,7 +14754,7 @@
       </p:grpSpPr>
       <p:sp>
         <p:nvSpPr>
-          <p:cNvPr id="5" name="標題 4"/>
+          <p:cNvPr id="4" name="標題 3"/>
           <p:cNvSpPr>
             <a:spLocks noGrp="1"/>
           </p:cNvSpPr>
@@ -14710,28 +14776,20 @@
               <a:t>:</a:t>
             </a:r>
             <a:r>
-              <a:rPr lang="zh-TW" altLang="en-US" dirty="0"/>
+              <a:rPr lang="zh-TW" altLang="en-US" dirty="0" smtClean="0"/>
               <a:t> </a:t>
             </a:r>
             <a:r>
               <a:rPr lang="en-US" altLang="zh-TW" dirty="0" smtClean="0"/>
               <a:t>Consul</a:t>
             </a:r>
-            <a:r>
-              <a:rPr lang="en-US" altLang="zh-TW" dirty="0"/>
-              <a:t> </a:t>
-            </a:r>
-            <a:r>
-              <a:rPr lang="en-US" altLang="zh-TW" dirty="0" smtClean="0"/>
-              <a:t>- Basic</a:t>
-            </a:r>
             <a:endParaRPr lang="en-US" dirty="0"/>
           </a:p>
         </p:txBody>
       </p:sp>
       <p:sp>
         <p:nvSpPr>
-          <p:cNvPr id="6" name="文字版面配置區 5"/>
+          <p:cNvPr id="5" name="文字版面配置區 4"/>
           <p:cNvSpPr>
             <a:spLocks noGrp="1"/>
           </p:cNvSpPr>
@@ -14744,54 +14802,67 @@
           <a:bodyPr/>
           <a:lstStyle/>
           <a:p>
-            <a:r>
-              <a:rPr lang="en-US" dirty="0" smtClean="0"/>
-              <a:t>(deployment diagram)</a:t>
-            </a:r>
-          </a:p>
-          <a:p>
-            <a:r>
-              <a:rPr lang="en-US" dirty="0" smtClean="0"/>
-              <a:t>(</a:t>
-            </a:r>
-            <a:r>
-              <a:rPr lang="en-US" dirty="0" err="1" smtClean="0"/>
-              <a:t>docker</a:t>
-            </a:r>
-            <a:r>
-              <a:rPr lang="en-US" dirty="0" smtClean="0"/>
-              <a:t>-compose)</a:t>
-            </a:r>
-          </a:p>
-          <a:p>
-            <a:r>
-              <a:rPr lang="en-US" dirty="0" smtClean="0"/>
-              <a:t>(sample code)</a:t>
-            </a:r>
-          </a:p>
-          <a:p>
-            <a:endParaRPr lang="en-US" dirty="0"/>
-          </a:p>
-          <a:p>
-            <a:pPr marL="38100" indent="0">
-              <a:buNone/>
-            </a:pPr>
-            <a:r>
-              <a:rPr lang="zh-TW" altLang="en-US" dirty="0" smtClean="0"/>
-              <a:t>基本介紹到此為止，接下來</a:t>
-            </a:r>
-            <a:r>
-              <a:rPr lang="en-US" altLang="zh-TW" dirty="0" smtClean="0"/>
-              <a:t>…</a:t>
-            </a:r>
-            <a:endParaRPr lang="en-US" dirty="0"/>
+            <a:endParaRPr lang="en-US"/>
+          </a:p>
+        </p:txBody>
+      </p:sp>
+      <p:pic>
+        <p:nvPicPr>
+          <p:cNvPr id="2" name="圖片 1"/>
+          <p:cNvPicPr>
+            <a:picLocks noChangeAspect="1"/>
+          </p:cNvPicPr>
+          <p:nvPr/>
+        </p:nvPicPr>
+        <p:blipFill>
+          <a:blip r:embed="rId2"/>
+          <a:stretch>
+            <a:fillRect/>
+          </a:stretch>
+        </p:blipFill>
+        <p:spPr>
+          <a:xfrm>
+            <a:off x="457200" y="1200150"/>
+            <a:ext cx="8229600" cy="3268833"/>
+          </a:xfrm>
+          <a:prstGeom prst="rect">
+            <a:avLst/>
+          </a:prstGeom>
+        </p:spPr>
+      </p:pic>
+      <p:sp>
+        <p:nvSpPr>
+          <p:cNvPr id="3" name="文字方塊 2"/>
+          <p:cNvSpPr txBox="1"/>
+          <p:nvPr/>
+        </p:nvSpPr>
+        <p:spPr>
+          <a:xfrm>
+            <a:off x="402336" y="4658446"/>
+            <a:ext cx="3627916" cy="307777"/>
+          </a:xfrm>
+          <a:prstGeom prst="rect">
+            <a:avLst/>
+          </a:prstGeom>
+          <a:noFill/>
+        </p:spPr>
+        <p:txBody>
+          <a:bodyPr wrap="none" rtlCol="0">
+            <a:spAutoFit/>
+          </a:bodyPr>
+          <a:lstStyle/>
+          <a:p>
+            <a:r>
+              <a:rPr lang="en-US" dirty="0"/>
+              <a:t>https://www.hashicorp.com/products/consul</a:t>
+            </a:r>
           </a:p>
         </p:txBody>
       </p:sp>
     </p:spTree>
     <p:extLst>
       <p:ext uri="{BB962C8B-B14F-4D97-AF65-F5344CB8AC3E}">
-        <p14:creationId xmlns:p14="http://schemas.microsoft.com/office/powerpoint/2010/main" val="406177645"/>
+        <p14:creationId xmlns:p14="http://schemas.microsoft.com/office/powerpoint/2010/main" val="3481930133"/>
       </p:ext>
     </p:extLst>
   </p:cSld>
@@ -14827,6 +14898,145 @@
       </p:grpSpPr>
       <p:sp>
         <p:nvSpPr>
+          <p:cNvPr id="5" name="標題 4"/>
+          <p:cNvSpPr>
+            <a:spLocks noGrp="1"/>
+          </p:cNvSpPr>
+          <p:nvPr>
+            <p:ph type="title"/>
+          </p:nvPr>
+        </p:nvSpPr>
+        <p:spPr/>
+        <p:txBody>
+          <a:bodyPr/>
+          <a:lstStyle/>
+          <a:p>
+            <a:r>
+              <a:rPr lang="zh-TW" altLang="en-US" dirty="0" smtClean="0"/>
+              <a:t>案例探討</a:t>
+            </a:r>
+            <a:r>
+              <a:rPr lang="en-US" altLang="zh-TW" dirty="0" smtClean="0"/>
+              <a:t>:</a:t>
+            </a:r>
+            <a:r>
+              <a:rPr lang="zh-TW" altLang="en-US" dirty="0"/>
+              <a:t> </a:t>
+            </a:r>
+            <a:r>
+              <a:rPr lang="en-US" altLang="zh-TW" dirty="0" smtClean="0"/>
+              <a:t>Consul</a:t>
+            </a:r>
+            <a:r>
+              <a:rPr lang="en-US" altLang="zh-TW" dirty="0"/>
+              <a:t> </a:t>
+            </a:r>
+            <a:r>
+              <a:rPr lang="en-US" altLang="zh-TW" dirty="0" smtClean="0"/>
+              <a:t>- Basic</a:t>
+            </a:r>
+            <a:endParaRPr lang="en-US" dirty="0"/>
+          </a:p>
+        </p:txBody>
+      </p:sp>
+      <p:sp>
+        <p:nvSpPr>
+          <p:cNvPr id="6" name="文字版面配置區 5"/>
+          <p:cNvSpPr>
+            <a:spLocks noGrp="1"/>
+          </p:cNvSpPr>
+          <p:nvPr>
+            <p:ph type="body" idx="1"/>
+          </p:nvPr>
+        </p:nvSpPr>
+        <p:spPr/>
+        <p:txBody>
+          <a:bodyPr/>
+          <a:lstStyle/>
+          <a:p>
+            <a:r>
+              <a:rPr lang="en-US" dirty="0" smtClean="0"/>
+              <a:t>(deployment diagram)</a:t>
+            </a:r>
+          </a:p>
+          <a:p>
+            <a:r>
+              <a:rPr lang="en-US" dirty="0" smtClean="0"/>
+              <a:t>(</a:t>
+            </a:r>
+            <a:r>
+              <a:rPr lang="en-US" dirty="0" err="1" smtClean="0"/>
+              <a:t>docker</a:t>
+            </a:r>
+            <a:r>
+              <a:rPr lang="en-US" dirty="0" smtClean="0"/>
+              <a:t>-compose)</a:t>
+            </a:r>
+          </a:p>
+          <a:p>
+            <a:r>
+              <a:rPr lang="en-US" dirty="0" smtClean="0"/>
+              <a:t>(sample code)</a:t>
+            </a:r>
+          </a:p>
+          <a:p>
+            <a:endParaRPr lang="en-US" dirty="0"/>
+          </a:p>
+          <a:p>
+            <a:pPr marL="38100" indent="0">
+              <a:buNone/>
+            </a:pPr>
+            <a:r>
+              <a:rPr lang="zh-TW" altLang="en-US" dirty="0" smtClean="0"/>
+              <a:t>基本介紹到此為止，接下來</a:t>
+            </a:r>
+            <a:r>
+              <a:rPr lang="en-US" altLang="zh-TW" dirty="0" smtClean="0"/>
+              <a:t>…</a:t>
+            </a:r>
+            <a:endParaRPr lang="en-US" dirty="0"/>
+          </a:p>
+        </p:txBody>
+      </p:sp>
+    </p:spTree>
+    <p:extLst>
+      <p:ext uri="{BB962C8B-B14F-4D97-AF65-F5344CB8AC3E}">
+        <p14:creationId xmlns:p14="http://schemas.microsoft.com/office/powerpoint/2010/main" val="406177645"/>
+      </p:ext>
+    </p:extLst>
+  </p:cSld>
+  <p:clrMapOvr>
+    <a:masterClrMapping/>
+  </p:clrMapOvr>
+  <p:timing>
+    <p:tnLst>
+      <p:par>
+        <p:cTn id="1" dur="indefinite" restart="never" nodeType="tmRoot"/>
+      </p:par>
+    </p:tnLst>
+  </p:timing>
+</p:sld>
+</file>
+
+<file path=ppt/slides/slide12.xml><?xml version="1.0" encoding="utf-8"?>
+<p:sld xmlns:a="http://schemas.openxmlformats.org/drawingml/2006/main" xmlns:r="http://schemas.openxmlformats.org/officeDocument/2006/relationships" xmlns:p="http://schemas.openxmlformats.org/presentationml/2006/main">
+  <p:cSld>
+    <p:spTree>
+      <p:nvGrpSpPr>
+        <p:cNvPr id="1" name=""/>
+        <p:cNvGrpSpPr/>
+        <p:nvPr/>
+      </p:nvGrpSpPr>
+      <p:grpSpPr>
+        <a:xfrm>
+          <a:off x="0" y="0"/>
+          <a:ext cx="0" cy="0"/>
+          <a:chOff x="0" y="0"/>
+          <a:chExt cx="0" cy="0"/>
+        </a:xfrm>
+      </p:grpSpPr>
+      <p:sp>
+        <p:nvSpPr>
           <p:cNvPr id="13" name="標題 12"/>
           <p:cNvSpPr>
             <a:spLocks noGrp="1"/>
@@ -14860,11 +15070,7 @@
             </a:r>
             <a:r>
               <a:rPr lang="en-US" sz="6000" b="0" dirty="0" smtClean="0"/>
-              <a:t>. Advanced Topics </a:t>
-            </a:r>
-            <a:r>
-              <a:rPr lang="en-US" sz="6000" b="0" dirty="0" smtClean="0"/>
-              <a:t>?</a:t>
+              <a:t>. Advanced Topics ?</a:t>
             </a:r>
             <a:endParaRPr lang="en-US" sz="6000" b="0" dirty="0"/>
           </a:p>
@@ -14916,7 +15122,7 @@
 </p:sld>
 </file>
 
-<file path=ppt/slides/slide12.xml><?xml version="1.0" encoding="utf-8"?>
+<file path=ppt/slides/slide13.xml><?xml version="1.0" encoding="utf-8"?>
 <p:sld xmlns:a="http://schemas.openxmlformats.org/drawingml/2006/main" xmlns:r="http://schemas.openxmlformats.org/officeDocument/2006/relationships" xmlns:p="http://schemas.openxmlformats.org/presentationml/2006/main">
   <p:cSld>
     <p:spTree>
@@ -15536,129 +15742,6 @@
 </p:sld>
 </file>
 
-<file path=ppt/slides/slide13.xml><?xml version="1.0" encoding="utf-8"?>
-<p:sld xmlns:a="http://schemas.openxmlformats.org/drawingml/2006/main" xmlns:r="http://schemas.openxmlformats.org/officeDocument/2006/relationships" xmlns:p="http://schemas.openxmlformats.org/presentationml/2006/main">
-  <p:cSld>
-    <p:spTree>
-      <p:nvGrpSpPr>
-        <p:cNvPr id="1" name=""/>
-        <p:cNvGrpSpPr/>
-        <p:nvPr/>
-      </p:nvGrpSpPr>
-      <p:grpSpPr>
-        <a:xfrm>
-          <a:off x="0" y="0"/>
-          <a:ext cx="0" cy="0"/>
-          <a:chOff x="0" y="0"/>
-          <a:chExt cx="0" cy="0"/>
-        </a:xfrm>
-      </p:grpSpPr>
-      <p:sp>
-        <p:nvSpPr>
-          <p:cNvPr id="5" name="標題 4"/>
-          <p:cNvSpPr>
-            <a:spLocks noGrp="1"/>
-          </p:cNvSpPr>
-          <p:nvPr>
-            <p:ph type="title"/>
-          </p:nvPr>
-        </p:nvSpPr>
-        <p:spPr/>
-        <p:txBody>
-          <a:bodyPr/>
-          <a:lstStyle/>
-          <a:p>
-            <a:r>
-              <a:rPr lang="en-US" altLang="zh-TW" dirty="0" smtClean="0"/>
-              <a:t>Q: </a:t>
-            </a:r>
-            <a:r>
-              <a:rPr lang="zh-TW" altLang="en-US" dirty="0" smtClean="0"/>
-              <a:t>如何替不同客戶提供不同的 </a:t>
-            </a:r>
-            <a:r>
-              <a:rPr lang="en-US" altLang="zh-TW" dirty="0" smtClean="0"/>
-              <a:t>SLA</a:t>
-            </a:r>
-            <a:r>
-              <a:rPr lang="zh-TW" altLang="en-US" dirty="0" smtClean="0"/>
-              <a:t> </a:t>
-            </a:r>
-            <a:r>
-              <a:rPr lang="en-US" altLang="zh-TW" dirty="0" smtClean="0"/>
-              <a:t>?</a:t>
-            </a:r>
-            <a:endParaRPr lang="en-US" dirty="0"/>
-          </a:p>
-        </p:txBody>
-      </p:sp>
-      <p:sp>
-        <p:nvSpPr>
-          <p:cNvPr id="6" name="文字版面配置區 5"/>
-          <p:cNvSpPr>
-            <a:spLocks noGrp="1"/>
-          </p:cNvSpPr>
-          <p:nvPr>
-            <p:ph type="body" idx="1"/>
-          </p:nvPr>
-        </p:nvSpPr>
-        <p:spPr/>
-        <p:txBody>
-          <a:bodyPr/>
-          <a:lstStyle/>
-          <a:p>
-            <a:r>
-              <a:rPr lang="zh-TW" altLang="en-US" dirty="0" smtClean="0"/>
-              <a:t>提供不同的效能保證 </a:t>
-            </a:r>
-            <a:r>
-              <a:rPr lang="en-US" altLang="zh-TW" dirty="0" smtClean="0"/>
-              <a:t>(share mode)</a:t>
-            </a:r>
-          </a:p>
-          <a:p>
-            <a:r>
-              <a:rPr lang="zh-TW" altLang="en-US" dirty="0" smtClean="0"/>
-              <a:t>提供保證的效能等級 </a:t>
-            </a:r>
-            <a:r>
-              <a:rPr lang="en-US" altLang="zh-TW" dirty="0" smtClean="0"/>
-              <a:t>(standard mode)</a:t>
-            </a:r>
-          </a:p>
-          <a:p>
-            <a:r>
-              <a:rPr lang="zh-TW" altLang="en-US" dirty="0" smtClean="0"/>
-              <a:t>提供專屬客戶獨立的設備 </a:t>
-            </a:r>
-            <a:r>
-              <a:rPr lang="en-US" altLang="zh-TW" dirty="0" smtClean="0"/>
-              <a:t>(isolated mode)</a:t>
-            </a:r>
-            <a:endParaRPr lang="en-US" dirty="0"/>
-          </a:p>
-        </p:txBody>
-      </p:sp>
-    </p:spTree>
-    <p:extLst>
-      <p:ext uri="{BB962C8B-B14F-4D97-AF65-F5344CB8AC3E}">
-        <p14:creationId xmlns:p14="http://schemas.microsoft.com/office/powerpoint/2010/main" val="4124059287"/>
-      </p:ext>
-    </p:extLst>
-  </p:cSld>
-  <p:clrMapOvr>
-    <a:masterClrMapping/>
-  </p:clrMapOvr>
-  <p:timing>
-    <p:tnLst>
-      <p:par>
-        <p:cTn id="1" dur="indefinite" restart="never" nodeType="tmRoot"/>
-      </p:par>
-    </p:tnLst>
-  </p:timing>
-</p:sld>
-</file>
-
 <file path=ppt/slides/slide14.xml><?xml version="1.0" encoding="utf-8"?>
 <p:sld xmlns:a="http://schemas.openxmlformats.org/drawingml/2006/main" xmlns:r="http://schemas.openxmlformats.org/officeDocument/2006/relationships" xmlns:p="http://schemas.openxmlformats.org/presentationml/2006/main">
   <p:cSld>
@@ -15692,12 +15775,16 @@
           <a:lstStyle/>
           <a:p>
             <a:r>
+              <a:rPr lang="en-US" altLang="zh-TW" dirty="0" smtClean="0"/>
+              <a:t>Q: </a:t>
+            </a:r>
+            <a:r>
               <a:rPr lang="zh-TW" altLang="en-US" dirty="0" smtClean="0"/>
-              <a:t>案例探討</a:t>
+              <a:t>如何替不同客戶提供不同的 </a:t>
             </a:r>
             <a:r>
               <a:rPr lang="en-US" altLang="zh-TW" dirty="0" smtClean="0"/>
-              <a:t>:</a:t>
+              <a:t>SLA</a:t>
             </a:r>
             <a:r>
               <a:rPr lang="zh-TW" altLang="en-US" dirty="0" smtClean="0"/>
@@ -15705,11 +15792,7 @@
             </a:r>
             <a:r>
               <a:rPr lang="en-US" altLang="zh-TW" dirty="0" smtClean="0"/>
-              <a:t>SLA</a:t>
-            </a:r>
-            <a:r>
-              <a:rPr lang="zh-TW" altLang="en-US" dirty="0" smtClean="0"/>
-              <a:t> 層級劃分</a:t>
+              <a:t>?</a:t>
             </a:r>
             <a:endParaRPr lang="en-US" dirty="0"/>
           </a:p>
@@ -15731,72 +15814,32 @@
           <a:lstStyle/>
           <a:p>
             <a:r>
+              <a:rPr lang="zh-TW" altLang="en-US" dirty="0" smtClean="0"/>
+              <a:t>提供不同的效能保證 </a:t>
+            </a:r>
+            <a:r>
               <a:rPr lang="en-US" altLang="zh-TW" dirty="0" smtClean="0"/>
-              <a:t>(service definition with tags)</a:t>
-            </a:r>
-          </a:p>
-          <a:p>
-            <a:r>
-              <a:rPr lang="en-US" dirty="0" smtClean="0"/>
-              <a:t>(:free, :</a:t>
-            </a:r>
-            <a:r>
-              <a:rPr lang="en-US" dirty="0" err="1" smtClean="0"/>
-              <a:t>vip</a:t>
-            </a:r>
-            <a:r>
-              <a:rPr lang="en-US" dirty="0" smtClean="0"/>
-              <a:t>)</a:t>
-            </a:r>
-          </a:p>
-          <a:p>
-            <a:r>
-              <a:rPr lang="en-US" dirty="0" smtClean="0"/>
-              <a:t>(free client -&gt; :free only)</a:t>
-            </a:r>
-          </a:p>
-          <a:p>
-            <a:r>
-              <a:rPr lang="en-US" dirty="0" smtClean="0"/>
-              <a:t>(</a:t>
-            </a:r>
-            <a:r>
-              <a:rPr lang="en-US" dirty="0" err="1" smtClean="0"/>
-              <a:t>vip</a:t>
-            </a:r>
-            <a:r>
-              <a:rPr lang="en-US" dirty="0" smtClean="0"/>
-              <a:t> client -&gt; :</a:t>
-            </a:r>
-            <a:r>
-              <a:rPr lang="en-US" dirty="0" err="1" smtClean="0"/>
-              <a:t>vip</a:t>
-            </a:r>
-            <a:r>
-              <a:rPr lang="en-US" dirty="0" smtClean="0"/>
-              <a:t> first, use :free if :</a:t>
-            </a:r>
-            <a:r>
-              <a:rPr lang="en-US" dirty="0" err="1" smtClean="0"/>
-              <a:t>vip</a:t>
-            </a:r>
-            <a:r>
-              <a:rPr lang="en-US" dirty="0" smtClean="0"/>
-              <a:t> fail)</a:t>
-            </a:r>
-          </a:p>
-          <a:p>
-            <a:r>
-              <a:rPr lang="en-US" dirty="0" smtClean="0"/>
-              <a:t>(selected client -&gt; :</a:t>
-            </a:r>
-            <a:r>
-              <a:rPr lang="en-US" dirty="0" err="1" smtClean="0"/>
-              <a:t>talentId</a:t>
-            </a:r>
-            <a:r>
-              <a:rPr lang="en-US" dirty="0" smtClean="0"/>
-              <a:t>)</a:t>
+              <a:t>(share mode)</a:t>
+            </a:r>
+          </a:p>
+          <a:p>
+            <a:r>
+              <a:rPr lang="zh-TW" altLang="en-US" dirty="0" smtClean="0"/>
+              <a:t>提供保證的效能等級 </a:t>
+            </a:r>
+            <a:r>
+              <a:rPr lang="en-US" altLang="zh-TW" dirty="0" smtClean="0"/>
+              <a:t>(standard mode)</a:t>
+            </a:r>
+          </a:p>
+          <a:p>
+            <a:r>
+              <a:rPr lang="zh-TW" altLang="en-US" dirty="0" smtClean="0"/>
+              <a:t>提供專屬客戶獨立的設備 </a:t>
+            </a:r>
+            <a:r>
+              <a:rPr lang="en-US" altLang="zh-TW" dirty="0" smtClean="0"/>
+              <a:t>(isolated mode)</a:t>
             </a:r>
             <a:endParaRPr lang="en-US" dirty="0"/>
           </a:p>
@@ -15805,7 +15848,7 @@
     </p:spTree>
     <p:extLst>
       <p:ext uri="{BB962C8B-B14F-4D97-AF65-F5344CB8AC3E}">
-        <p14:creationId xmlns:p14="http://schemas.microsoft.com/office/powerpoint/2010/main" val="158227796"/>
+        <p14:creationId xmlns:p14="http://schemas.microsoft.com/office/powerpoint/2010/main" val="4124059287"/>
       </p:ext>
     </p:extLst>
   </p:cSld>
@@ -15854,6 +15897,169 @@
           <a:bodyPr/>
           <a:lstStyle/>
           <a:p>
+            <a:r>
+              <a:rPr lang="zh-TW" altLang="en-US" dirty="0" smtClean="0"/>
+              <a:t>案例探討</a:t>
+            </a:r>
+            <a:r>
+              <a:rPr lang="en-US" altLang="zh-TW" dirty="0" smtClean="0"/>
+              <a:t>:</a:t>
+            </a:r>
+            <a:r>
+              <a:rPr lang="zh-TW" altLang="en-US" dirty="0" smtClean="0"/>
+              <a:t> </a:t>
+            </a:r>
+            <a:r>
+              <a:rPr lang="en-US" altLang="zh-TW" dirty="0" smtClean="0"/>
+              <a:t>SLA</a:t>
+            </a:r>
+            <a:r>
+              <a:rPr lang="zh-TW" altLang="en-US" dirty="0" smtClean="0"/>
+              <a:t> 層級劃分</a:t>
+            </a:r>
+            <a:endParaRPr lang="en-US" dirty="0"/>
+          </a:p>
+        </p:txBody>
+      </p:sp>
+      <p:sp>
+        <p:nvSpPr>
+          <p:cNvPr id="6" name="文字版面配置區 5"/>
+          <p:cNvSpPr>
+            <a:spLocks noGrp="1"/>
+          </p:cNvSpPr>
+          <p:nvPr>
+            <p:ph type="body" idx="1"/>
+          </p:nvPr>
+        </p:nvSpPr>
+        <p:spPr/>
+        <p:txBody>
+          <a:bodyPr/>
+          <a:lstStyle/>
+          <a:p>
+            <a:r>
+              <a:rPr lang="en-US" altLang="zh-TW" dirty="0" smtClean="0"/>
+              <a:t>(service definition with tags)</a:t>
+            </a:r>
+          </a:p>
+          <a:p>
+            <a:r>
+              <a:rPr lang="en-US" dirty="0" smtClean="0"/>
+              <a:t>(:free, :</a:t>
+            </a:r>
+            <a:r>
+              <a:rPr lang="en-US" dirty="0" err="1" smtClean="0"/>
+              <a:t>vip</a:t>
+            </a:r>
+            <a:r>
+              <a:rPr lang="en-US" dirty="0" smtClean="0"/>
+              <a:t>)</a:t>
+            </a:r>
+          </a:p>
+          <a:p>
+            <a:r>
+              <a:rPr lang="en-US" dirty="0" smtClean="0"/>
+              <a:t>(free client -&gt; :free only)</a:t>
+            </a:r>
+          </a:p>
+          <a:p>
+            <a:r>
+              <a:rPr lang="en-US" dirty="0" smtClean="0"/>
+              <a:t>(</a:t>
+            </a:r>
+            <a:r>
+              <a:rPr lang="en-US" dirty="0" err="1" smtClean="0"/>
+              <a:t>vip</a:t>
+            </a:r>
+            <a:r>
+              <a:rPr lang="en-US" dirty="0" smtClean="0"/>
+              <a:t> client -&gt; :</a:t>
+            </a:r>
+            <a:r>
+              <a:rPr lang="en-US" dirty="0" err="1" smtClean="0"/>
+              <a:t>vip</a:t>
+            </a:r>
+            <a:r>
+              <a:rPr lang="en-US" dirty="0" smtClean="0"/>
+              <a:t> first, use :free if :</a:t>
+            </a:r>
+            <a:r>
+              <a:rPr lang="en-US" dirty="0" err="1" smtClean="0"/>
+              <a:t>vip</a:t>
+            </a:r>
+            <a:r>
+              <a:rPr lang="en-US" dirty="0" smtClean="0"/>
+              <a:t> fail)</a:t>
+            </a:r>
+          </a:p>
+          <a:p>
+            <a:r>
+              <a:rPr lang="en-US" dirty="0" smtClean="0"/>
+              <a:t>(selected client -&gt; :</a:t>
+            </a:r>
+            <a:r>
+              <a:rPr lang="en-US" dirty="0" err="1" smtClean="0"/>
+              <a:t>talentId</a:t>
+            </a:r>
+            <a:r>
+              <a:rPr lang="en-US" dirty="0" smtClean="0"/>
+              <a:t>)</a:t>
+            </a:r>
+            <a:endParaRPr lang="en-US" dirty="0"/>
+          </a:p>
+        </p:txBody>
+      </p:sp>
+    </p:spTree>
+    <p:extLst>
+      <p:ext uri="{BB962C8B-B14F-4D97-AF65-F5344CB8AC3E}">
+        <p14:creationId xmlns:p14="http://schemas.microsoft.com/office/powerpoint/2010/main" val="158227796"/>
+      </p:ext>
+    </p:extLst>
+  </p:cSld>
+  <p:clrMapOvr>
+    <a:masterClrMapping/>
+  </p:clrMapOvr>
+  <p:timing>
+    <p:tnLst>
+      <p:par>
+        <p:cTn id="1" dur="indefinite" restart="never" nodeType="tmRoot"/>
+      </p:par>
+    </p:tnLst>
+  </p:timing>
+</p:sld>
+</file>
+
+<file path=ppt/slides/slide16.xml><?xml version="1.0" encoding="utf-8"?>
+<p:sld xmlns:a="http://schemas.openxmlformats.org/drawingml/2006/main" xmlns:r="http://schemas.openxmlformats.org/officeDocument/2006/relationships" xmlns:p="http://schemas.openxmlformats.org/presentationml/2006/main">
+  <p:cSld>
+    <p:spTree>
+      <p:nvGrpSpPr>
+        <p:cNvPr id="1" name=""/>
+        <p:cNvGrpSpPr/>
+        <p:nvPr/>
+      </p:nvGrpSpPr>
+      <p:grpSpPr>
+        <a:xfrm>
+          <a:off x="0" y="0"/>
+          <a:ext cx="0" cy="0"/>
+          <a:chOff x="0" y="0"/>
+          <a:chExt cx="0" cy="0"/>
+        </a:xfrm>
+      </p:grpSpPr>
+      <p:sp>
+        <p:nvSpPr>
+          <p:cNvPr id="5" name="標題 4"/>
+          <p:cNvSpPr>
+            <a:spLocks noGrp="1"/>
+          </p:cNvSpPr>
+          <p:nvPr>
+            <p:ph type="title"/>
+          </p:nvPr>
+        </p:nvSpPr>
+        <p:spPr/>
+        <p:txBody>
+          <a:bodyPr/>
+          <a:lstStyle/>
+          <a:p>
             <a:endParaRPr lang="en-US"/>
           </a:p>
         </p:txBody>
@@ -15897,7 +16103,7 @@
 </p:sld>
 </file>
 
-<file path=ppt/slides/slide16.xml><?xml version="1.0" encoding="utf-8"?>
+<file path=ppt/slides/slide17.xml><?xml version="1.0" encoding="utf-8"?>
 <p:sld xmlns:a="http://schemas.openxmlformats.org/drawingml/2006/main" xmlns:r="http://schemas.openxmlformats.org/officeDocument/2006/relationships" xmlns:p="http://schemas.openxmlformats.org/presentationml/2006/main">
   <p:cSld>
     <p:spTree>
@@ -16735,101 +16941,6 @@
 </p:sld>
 </file>
 
-<file path=ppt/slides/slide17.xml><?xml version="1.0" encoding="utf-8"?>
-<p:sld xmlns:a="http://schemas.openxmlformats.org/drawingml/2006/main" xmlns:r="http://schemas.openxmlformats.org/officeDocument/2006/relationships" xmlns:p="http://schemas.openxmlformats.org/presentationml/2006/main">
-  <p:cSld>
-    <p:spTree>
-      <p:nvGrpSpPr>
-        <p:cNvPr id="1" name=""/>
-        <p:cNvGrpSpPr/>
-        <p:nvPr/>
-      </p:nvGrpSpPr>
-      <p:grpSpPr>
-        <a:xfrm>
-          <a:off x="0" y="0"/>
-          <a:ext cx="0" cy="0"/>
-          <a:chOff x="0" y="0"/>
-          <a:chExt cx="0" cy="0"/>
-        </a:xfrm>
-      </p:grpSpPr>
-      <p:sp>
-        <p:nvSpPr>
-          <p:cNvPr id="5" name="標題 4"/>
-          <p:cNvSpPr>
-            <a:spLocks noGrp="1"/>
-          </p:cNvSpPr>
-          <p:nvPr>
-            <p:ph type="title"/>
-          </p:nvPr>
-        </p:nvSpPr>
-        <p:spPr/>
-        <p:txBody>
-          <a:bodyPr/>
-          <a:lstStyle/>
-          <a:p>
-            <a:r>
-              <a:rPr lang="zh-TW" altLang="en-US" dirty="0" smtClean="0"/>
-              <a:t>案例探討</a:t>
-            </a:r>
-            <a:r>
-              <a:rPr lang="en-US" altLang="zh-TW" dirty="0" smtClean="0"/>
-              <a:t>:</a:t>
-            </a:r>
-            <a:r>
-              <a:rPr lang="zh-TW" altLang="en-US" dirty="0" smtClean="0"/>
-              <a:t> </a:t>
-            </a:r>
-            <a:r>
-              <a:rPr lang="en-US" altLang="zh-TW" dirty="0" err="1" smtClean="0"/>
-              <a:t>SideCar</a:t>
-            </a:r>
-            <a:r>
-              <a:rPr lang="en-US" altLang="zh-TW" dirty="0" smtClean="0"/>
-              <a:t> / Service Mesh</a:t>
-            </a:r>
-            <a:endParaRPr lang="en-US" dirty="0"/>
-          </a:p>
-        </p:txBody>
-      </p:sp>
-      <p:sp>
-        <p:nvSpPr>
-          <p:cNvPr id="6" name="文字版面配置區 5"/>
-          <p:cNvSpPr>
-            <a:spLocks noGrp="1"/>
-          </p:cNvSpPr>
-          <p:nvPr>
-            <p:ph type="body" idx="1"/>
-          </p:nvPr>
-        </p:nvSpPr>
-        <p:spPr/>
-        <p:txBody>
-          <a:bodyPr/>
-          <a:lstStyle/>
-          <a:p>
-            <a:endParaRPr lang="en-US"/>
-          </a:p>
-        </p:txBody>
-      </p:sp>
-    </p:spTree>
-    <p:extLst>
-      <p:ext uri="{BB962C8B-B14F-4D97-AF65-F5344CB8AC3E}">
-        <p14:creationId xmlns:p14="http://schemas.microsoft.com/office/powerpoint/2010/main" val="1193966206"/>
-      </p:ext>
-    </p:extLst>
-  </p:cSld>
-  <p:clrMapOvr>
-    <a:masterClrMapping/>
-  </p:clrMapOvr>
-  <p:timing>
-    <p:tnLst>
-      <p:par>
-        <p:cTn id="1" dur="indefinite" restart="never" nodeType="tmRoot"/>
-      </p:par>
-    </p:tnLst>
-  </p:timing>
-</p:sld>
-</file>
-
 <file path=ppt/slides/slide18.xml><?xml version="1.0" encoding="utf-8"?>
 <p:sld xmlns:a="http://schemas.openxmlformats.org/drawingml/2006/main" xmlns:r="http://schemas.openxmlformats.org/officeDocument/2006/relationships" xmlns:p="http://schemas.openxmlformats.org/presentationml/2006/main">
   <p:cSld>
@@ -16862,7 +16973,27 @@
           <a:bodyPr/>
           <a:lstStyle/>
           <a:p>
-            <a:endParaRPr lang="en-US"/>
+            <a:r>
+              <a:rPr lang="zh-TW" altLang="en-US" dirty="0" smtClean="0"/>
+              <a:t>案例探討</a:t>
+            </a:r>
+            <a:r>
+              <a:rPr lang="en-US" altLang="zh-TW" dirty="0" smtClean="0"/>
+              <a:t>:</a:t>
+            </a:r>
+            <a:r>
+              <a:rPr lang="zh-TW" altLang="en-US" dirty="0" smtClean="0"/>
+              <a:t> </a:t>
+            </a:r>
+            <a:r>
+              <a:rPr lang="en-US" altLang="zh-TW" dirty="0" err="1" smtClean="0"/>
+              <a:t>SideCar</a:t>
+            </a:r>
+            <a:r>
+              <a:rPr lang="en-US" altLang="zh-TW" dirty="0" smtClean="0"/>
+              <a:t> / Service Mesh</a:t>
+            </a:r>
+            <a:endParaRPr lang="en-US" dirty="0"/>
           </a:p>
         </p:txBody>
       </p:sp>
@@ -16888,7 +17019,7 @@
     </p:spTree>
     <p:extLst>
       <p:ext uri="{BB962C8B-B14F-4D97-AF65-F5344CB8AC3E}">
-        <p14:creationId xmlns:p14="http://schemas.microsoft.com/office/powerpoint/2010/main" val="1100533298"/>
+        <p14:creationId xmlns:p14="http://schemas.microsoft.com/office/powerpoint/2010/main" val="1193966206"/>
       </p:ext>
     </p:extLst>
   </p:cSld>
@@ -16963,7 +17094,7 @@
     </p:spTree>
     <p:extLst>
       <p:ext uri="{BB962C8B-B14F-4D97-AF65-F5344CB8AC3E}">
-        <p14:creationId xmlns:p14="http://schemas.microsoft.com/office/powerpoint/2010/main" val="227275500"/>
+        <p14:creationId xmlns:p14="http://schemas.microsoft.com/office/powerpoint/2010/main" val="1100533298"/>
       </p:ext>
     </p:extLst>
   </p:cSld>
@@ -17117,7 +17248,7 @@
     </p:spTree>
     <p:extLst>
       <p:ext uri="{BB962C8B-B14F-4D97-AF65-F5344CB8AC3E}">
-        <p14:creationId xmlns:p14="http://schemas.microsoft.com/office/powerpoint/2010/main" val="489020904"/>
+        <p14:creationId xmlns:p14="http://schemas.microsoft.com/office/powerpoint/2010/main" val="227275500"/>
       </p:ext>
     </p:extLst>
   </p:cSld>
@@ -17192,7 +17323,7 @@
     </p:spTree>
     <p:extLst>
       <p:ext uri="{BB962C8B-B14F-4D97-AF65-F5344CB8AC3E}">
-        <p14:creationId xmlns:p14="http://schemas.microsoft.com/office/powerpoint/2010/main" val="3350656066"/>
+        <p14:creationId xmlns:p14="http://schemas.microsoft.com/office/powerpoint/2010/main" val="489020904"/>
       </p:ext>
     </p:extLst>
   </p:cSld>
@@ -17267,7 +17398,7 @@
     </p:spTree>
     <p:extLst>
       <p:ext uri="{BB962C8B-B14F-4D97-AF65-F5344CB8AC3E}">
-        <p14:creationId xmlns:p14="http://schemas.microsoft.com/office/powerpoint/2010/main" val="761039172"/>
+        <p14:creationId xmlns:p14="http://schemas.microsoft.com/office/powerpoint/2010/main" val="3350656066"/>
       </p:ext>
     </p:extLst>
   </p:cSld>
@@ -17342,7 +17473,7 @@
     </p:spTree>
     <p:extLst>
       <p:ext uri="{BB962C8B-B14F-4D97-AF65-F5344CB8AC3E}">
-        <p14:creationId xmlns:p14="http://schemas.microsoft.com/office/powerpoint/2010/main" val="2020933129"/>
+        <p14:creationId xmlns:p14="http://schemas.microsoft.com/office/powerpoint/2010/main" val="761039172"/>
       </p:ext>
     </p:extLst>
   </p:cSld>
@@ -17417,7 +17548,7 @@
     </p:spTree>
     <p:extLst>
       <p:ext uri="{BB962C8B-B14F-4D97-AF65-F5344CB8AC3E}">
-        <p14:creationId xmlns:p14="http://schemas.microsoft.com/office/powerpoint/2010/main" val="1249252872"/>
+        <p14:creationId xmlns:p14="http://schemas.microsoft.com/office/powerpoint/2010/main" val="2020933129"/>
       </p:ext>
     </p:extLst>
   </p:cSld>
@@ -17492,7 +17623,7 @@
     </p:spTree>
     <p:extLst>
       <p:ext uri="{BB962C8B-B14F-4D97-AF65-F5344CB8AC3E}">
-        <p14:creationId xmlns:p14="http://schemas.microsoft.com/office/powerpoint/2010/main" val="354321759"/>
+        <p14:creationId xmlns:p14="http://schemas.microsoft.com/office/powerpoint/2010/main" val="1249252872"/>
       </p:ext>
     </p:extLst>
   </p:cSld>
@@ -17567,7 +17698,7 @@
     </p:spTree>
     <p:extLst>
       <p:ext uri="{BB962C8B-B14F-4D97-AF65-F5344CB8AC3E}">
-        <p14:creationId xmlns:p14="http://schemas.microsoft.com/office/powerpoint/2010/main" val="1670299469"/>
+        <p14:creationId xmlns:p14="http://schemas.microsoft.com/office/powerpoint/2010/main" val="354321759"/>
       </p:ext>
     </p:extLst>
   </p:cSld>
@@ -17642,7 +17773,7 @@
     </p:spTree>
     <p:extLst>
       <p:ext uri="{BB962C8B-B14F-4D97-AF65-F5344CB8AC3E}">
-        <p14:creationId xmlns:p14="http://schemas.microsoft.com/office/powerpoint/2010/main" val="392449207"/>
+        <p14:creationId xmlns:p14="http://schemas.microsoft.com/office/powerpoint/2010/main" val="1670299469"/>
       </p:ext>
     </p:extLst>
   </p:cSld>
@@ -17717,7 +17848,7 @@
     </p:spTree>
     <p:extLst>
       <p:ext uri="{BB962C8B-B14F-4D97-AF65-F5344CB8AC3E}">
-        <p14:creationId xmlns:p14="http://schemas.microsoft.com/office/powerpoint/2010/main" val="3699977112"/>
+        <p14:creationId xmlns:p14="http://schemas.microsoft.com/office/powerpoint/2010/main" val="392449207"/>
       </p:ext>
     </p:extLst>
   </p:cSld>
@@ -17792,7 +17923,7 @@
     </p:spTree>
     <p:extLst>
       <p:ext uri="{BB962C8B-B14F-4D97-AF65-F5344CB8AC3E}">
-        <p14:creationId xmlns:p14="http://schemas.microsoft.com/office/powerpoint/2010/main" val="2625946237"/>
+        <p14:creationId xmlns:p14="http://schemas.microsoft.com/office/powerpoint/2010/main" val="3699977112"/>
       </p:ext>
     </p:extLst>
   </p:cSld>
@@ -17857,7 +17988,11 @@
             </a:br>
             <a:r>
               <a:rPr lang="en-US" sz="6000" b="0" dirty="0" smtClean="0"/>
-              <a:t>1. What &amp; Why ?</a:t>
+              <a:t>1. </a:t>
+            </a:r>
+            <a:r>
+              <a:rPr lang="zh-TW" altLang="en-US" sz="6000" b="0" dirty="0" smtClean="0"/>
+              <a:t>微服務的管理</a:t>
             </a:r>
             <a:endParaRPr lang="en-US" sz="6000" b="0" dirty="0"/>
           </a:p>
@@ -17967,7 +18102,7 @@
     </p:spTree>
     <p:extLst>
       <p:ext uri="{BB962C8B-B14F-4D97-AF65-F5344CB8AC3E}">
-        <p14:creationId xmlns:p14="http://schemas.microsoft.com/office/powerpoint/2010/main" val="2603096143"/>
+        <p14:creationId xmlns:p14="http://schemas.microsoft.com/office/powerpoint/2010/main" val="2625946237"/>
       </p:ext>
     </p:extLst>
   </p:cSld>
@@ -18042,7 +18177,7 @@
     </p:spTree>
     <p:extLst>
       <p:ext uri="{BB962C8B-B14F-4D97-AF65-F5344CB8AC3E}">
-        <p14:creationId xmlns:p14="http://schemas.microsoft.com/office/powerpoint/2010/main" val="3119443067"/>
+        <p14:creationId xmlns:p14="http://schemas.microsoft.com/office/powerpoint/2010/main" val="2603096143"/>
       </p:ext>
     </p:extLst>
   </p:cSld>
@@ -18117,7 +18252,7 @@
     </p:spTree>
     <p:extLst>
       <p:ext uri="{BB962C8B-B14F-4D97-AF65-F5344CB8AC3E}">
-        <p14:creationId xmlns:p14="http://schemas.microsoft.com/office/powerpoint/2010/main" val="3351526299"/>
+        <p14:creationId xmlns:p14="http://schemas.microsoft.com/office/powerpoint/2010/main" val="3119443067"/>
       </p:ext>
     </p:extLst>
   </p:cSld>
@@ -18192,7 +18327,7 @@
     </p:spTree>
     <p:extLst>
       <p:ext uri="{BB962C8B-B14F-4D97-AF65-F5344CB8AC3E}">
-        <p14:creationId xmlns:p14="http://schemas.microsoft.com/office/powerpoint/2010/main" val="2076910670"/>
+        <p14:creationId xmlns:p14="http://schemas.microsoft.com/office/powerpoint/2010/main" val="3351526299"/>
       </p:ext>
     </p:extLst>
   </p:cSld>
@@ -18267,6 +18402,81 @@
     </p:spTree>
     <p:extLst>
       <p:ext uri="{BB962C8B-B14F-4D97-AF65-F5344CB8AC3E}">
+        <p14:creationId xmlns:p14="http://schemas.microsoft.com/office/powerpoint/2010/main" val="2076910670"/>
+      </p:ext>
+    </p:extLst>
+  </p:cSld>
+  <p:clrMapOvr>
+    <a:masterClrMapping/>
+  </p:clrMapOvr>
+  <p:timing>
+    <p:tnLst>
+      <p:par>
+        <p:cTn id="1" dur="indefinite" restart="never" nodeType="tmRoot"/>
+      </p:par>
+    </p:tnLst>
+  </p:timing>
+</p:sld>
+</file>
+
+<file path=ppt/slides/slide35.xml><?xml version="1.0" encoding="utf-8"?>
+<p:sld xmlns:a="http://schemas.openxmlformats.org/drawingml/2006/main" xmlns:r="http://schemas.openxmlformats.org/officeDocument/2006/relationships" xmlns:p="http://schemas.openxmlformats.org/presentationml/2006/main">
+  <p:cSld>
+    <p:spTree>
+      <p:nvGrpSpPr>
+        <p:cNvPr id="1" name=""/>
+        <p:cNvGrpSpPr/>
+        <p:nvPr/>
+      </p:nvGrpSpPr>
+      <p:grpSpPr>
+        <a:xfrm>
+          <a:off x="0" y="0"/>
+          <a:ext cx="0" cy="0"/>
+          <a:chOff x="0" y="0"/>
+          <a:chExt cx="0" cy="0"/>
+        </a:xfrm>
+      </p:grpSpPr>
+      <p:sp>
+        <p:nvSpPr>
+          <p:cNvPr id="5" name="標題 4"/>
+          <p:cNvSpPr>
+            <a:spLocks noGrp="1"/>
+          </p:cNvSpPr>
+          <p:nvPr>
+            <p:ph type="title"/>
+          </p:nvPr>
+        </p:nvSpPr>
+        <p:spPr/>
+        <p:txBody>
+          <a:bodyPr/>
+          <a:lstStyle/>
+          <a:p>
+            <a:endParaRPr lang="en-US"/>
+          </a:p>
+        </p:txBody>
+      </p:sp>
+      <p:sp>
+        <p:nvSpPr>
+          <p:cNvPr id="6" name="文字版面配置區 5"/>
+          <p:cNvSpPr>
+            <a:spLocks noGrp="1"/>
+          </p:cNvSpPr>
+          <p:nvPr>
+            <p:ph type="body" idx="1"/>
+          </p:nvPr>
+        </p:nvSpPr>
+        <p:spPr/>
+        <p:txBody>
+          <a:bodyPr/>
+          <a:lstStyle/>
+          <a:p>
+            <a:endParaRPr lang="en-US"/>
+          </a:p>
+        </p:txBody>
+      </p:sp>
+    </p:spTree>
+    <p:extLst>
+      <p:ext uri="{BB962C8B-B14F-4D97-AF65-F5344CB8AC3E}">
         <p14:creationId xmlns:p14="http://schemas.microsoft.com/office/powerpoint/2010/main" val="2116884512"/>
       </p:ext>
     </p:extLst>
@@ -18284,7 +18494,7 @@
 </p:sld>
 </file>
 
-<file path=ppt/slides/slide35.xml><?xml version="1.0" encoding="utf-8"?>
+<file path=ppt/slides/slide36.xml><?xml version="1.0" encoding="utf-8"?>
 <p:sld xmlns:a="http://schemas.openxmlformats.org/drawingml/2006/main" xmlns:r="http://schemas.openxmlformats.org/officeDocument/2006/relationships" xmlns:p="http://schemas.openxmlformats.org/presentationml/2006/main">
   <p:cSld>
     <p:bg>
@@ -18896,7 +19106,7 @@
 </p:sld>
 </file>
 
-<file path=ppt/slides/slide36.xml><?xml version="1.0" encoding="utf-8"?>
+<file path=ppt/slides/slide37.xml><?xml version="1.0" encoding="utf-8"?>
 <p:sld xmlns:a="http://schemas.openxmlformats.org/drawingml/2006/main" xmlns:r="http://schemas.openxmlformats.org/officeDocument/2006/relationships" xmlns:p="http://schemas.openxmlformats.org/presentationml/2006/main">
   <p:cSld>
     <p:spTree>
@@ -18926,7 +19136,7 @@
 </p:sld>
 </file>
 
-<file path=ppt/slides/slide37.xml><?xml version="1.0" encoding="utf-8"?>
+<file path=ppt/slides/slide38.xml><?xml version="1.0" encoding="utf-8"?>
 <p:sld xmlns:a="http://schemas.openxmlformats.org/drawingml/2006/main" xmlns:r="http://schemas.openxmlformats.org/officeDocument/2006/relationships" xmlns:p="http://schemas.openxmlformats.org/presentationml/2006/main">
   <p:cSld>
     <p:spTree>
@@ -18956,7 +19166,7 @@
 </p:sld>
 </file>
 
-<file path=ppt/slides/slide38.xml><?xml version="1.0" encoding="utf-8"?>
+<file path=ppt/slides/slide39.xml><?xml version="1.0" encoding="utf-8"?>
 <p:sld xmlns:a="http://schemas.openxmlformats.org/drawingml/2006/main" xmlns:r="http://schemas.openxmlformats.org/officeDocument/2006/relationships" xmlns:p="http://schemas.openxmlformats.org/presentationml/2006/main">
   <p:cSld>
     <p:spTree>
@@ -18977,235 +19187,6 @@
     <p:extLst>
       <p:ext uri="{BB962C8B-B14F-4D97-AF65-F5344CB8AC3E}">
         <p14:creationId xmlns:p14="http://schemas.microsoft.com/office/powerpoint/2010/main" val="3496851595"/>
-      </p:ext>
-    </p:extLst>
-  </p:cSld>
-  <p:clrMapOvr>
-    <a:masterClrMapping/>
-  </p:clrMapOvr>
-</p:sld>
-</file>
-
-<file path=ppt/slides/slide39.xml><?xml version="1.0" encoding="utf-8"?>
-<p:sld xmlns:a="http://schemas.openxmlformats.org/drawingml/2006/main" xmlns:r="http://schemas.openxmlformats.org/officeDocument/2006/relationships" xmlns:p="http://schemas.openxmlformats.org/presentationml/2006/main">
-  <p:cSld>
-    <p:spTree>
-      <p:nvGrpSpPr>
-        <p:cNvPr id="1" name=""/>
-        <p:cNvGrpSpPr/>
-        <p:nvPr/>
-      </p:nvGrpSpPr>
-      <p:grpSpPr>
-        <a:xfrm>
-          <a:off x="0" y="0"/>
-          <a:ext cx="0" cy="0"/>
-          <a:chOff x="0" y="0"/>
-          <a:chExt cx="0" cy="0"/>
-        </a:xfrm>
-      </p:grpSpPr>
-      <p:sp>
-        <p:nvSpPr>
-          <p:cNvPr id="2" name="標題 1">
-            <a:extLst>
-              <a:ext uri="{FF2B5EF4-FFF2-40B4-BE49-F238E27FC236}">
-                <a16:creationId xmlns:a16="http://schemas.microsoft.com/office/drawing/2014/main" id="{A53AD68D-7080-4188-A296-6F3C8E665F8B}"/>
-              </a:ext>
-            </a:extLst>
-          </p:cNvPr>
-          <p:cNvSpPr>
-            <a:spLocks noGrp="1"/>
-          </p:cNvSpPr>
-          <p:nvPr>
-            <p:ph type="ctrTitle"/>
-          </p:nvPr>
-        </p:nvSpPr>
-        <p:spPr/>
-        <p:txBody>
-          <a:bodyPr/>
-          <a:lstStyle/>
-          <a:p>
-            <a:r>
-              <a:rPr lang="en-US" altLang="zh-TW" dirty="0"/>
-              <a:t/>
-            </a:r>
-            <a:br>
-              <a:rPr lang="en-US" altLang="zh-TW" dirty="0"/>
-            </a:br>
-            <a:r>
-              <a:rPr lang="zh-TW" altLang="en-US" dirty="0"/>
-              <a:t>案例</a:t>
-            </a:r>
-            <a:r>
-              <a:rPr lang="en-US" altLang="zh-TW" dirty="0"/>
-              <a:t>:</a:t>
-            </a:r>
-            <a:r>
-              <a:rPr lang="zh-TW" altLang="en-US" dirty="0"/>
-              <a:t> 拆分基礎服務</a:t>
-            </a:r>
-          </a:p>
-        </p:txBody>
-      </p:sp>
-      <p:sp>
-        <p:nvSpPr>
-          <p:cNvPr id="3" name="副標題 2">
-            <a:extLst>
-              <a:ext uri="{FF2B5EF4-FFF2-40B4-BE49-F238E27FC236}">
-                <a16:creationId xmlns:a16="http://schemas.microsoft.com/office/drawing/2014/main" id="{C2AFF981-6476-4DDC-BB51-9F3108EB7410}"/>
-              </a:ext>
-            </a:extLst>
-          </p:cNvPr>
-          <p:cNvSpPr>
-            <a:spLocks noGrp="1"/>
-          </p:cNvSpPr>
-          <p:nvPr>
-            <p:ph type="subTitle" idx="1"/>
-          </p:nvPr>
-        </p:nvSpPr>
-        <p:spPr/>
-        <p:txBody>
-          <a:bodyPr/>
-          <a:lstStyle/>
-          <a:p>
-            <a:r>
-              <a:rPr lang="zh-CN" altLang="en-US" sz="3600" b="1" dirty="0"/>
-              <a:t>宜人贷系统架构</a:t>
-            </a:r>
-            <a:r>
-              <a:rPr lang="en-US" altLang="zh-CN" sz="3600" b="1" dirty="0"/>
-              <a:t>-</a:t>
-            </a:r>
-            <a:r>
-              <a:rPr lang="zh-CN" altLang="en-US" sz="3600" b="1" dirty="0"/>
-              <a:t>高并发下的进化之路</a:t>
-            </a:r>
-          </a:p>
-          <a:p>
-            <a:endParaRPr lang="zh-TW" altLang="en-US" sz="3600" dirty="0"/>
-          </a:p>
-        </p:txBody>
-      </p:sp>
-      <p:sp>
-        <p:nvSpPr>
-          <p:cNvPr id="4" name="文字方塊 3">
-            <a:extLst>
-              <a:ext uri="{FF2B5EF4-FFF2-40B4-BE49-F238E27FC236}">
-                <a16:creationId xmlns:a16="http://schemas.microsoft.com/office/drawing/2014/main" id="{D29BCA04-079D-4220-A42B-019100319926}"/>
-              </a:ext>
-            </a:extLst>
-          </p:cNvPr>
-          <p:cNvSpPr txBox="1"/>
-          <p:nvPr/>
-        </p:nvSpPr>
-        <p:spPr>
-          <a:xfrm>
-            <a:off x="381000" y="4701540"/>
-            <a:ext cx="3498073" cy="523220"/>
-          </a:xfrm>
-          <a:prstGeom prst="rect">
-            <a:avLst/>
-          </a:prstGeom>
-          <a:noFill/>
-        </p:spPr>
-        <p:txBody>
-          <a:bodyPr wrap="none" rtlCol="0">
-            <a:spAutoFit/>
-          </a:bodyPr>
-          <a:lstStyle/>
-          <a:p>
-            <a:pPr marL="0" marR="0" lvl="0" indent="0" algn="l" defTabSz="914400" rtl="0" eaLnBrk="1" fontAlgn="auto" latinLnBrk="0" hangingPunct="1">
-              <a:lnSpc>
-                <a:spcPct val="100000"/>
-              </a:lnSpc>
-              <a:spcBef>
-                <a:spcPts val="0"/>
-              </a:spcBef>
-              <a:spcAft>
-                <a:spcPts val="0"/>
-              </a:spcAft>
-              <a:buClr>
-                <a:srgbClr val="000000"/>
-              </a:buClr>
-              <a:buSzTx/>
-              <a:buFont typeface="Arial"/>
-              <a:buNone/>
-              <a:tabLst/>
-              <a:defRPr/>
-            </a:pPr>
-            <a:r>
-              <a:rPr kumimoji="0" lang="en-US" altLang="zh-TW" sz="1400" b="0" i="0" u="none" strike="noStrike" kern="0" cap="none" spc="0" normalizeH="0" baseline="0" noProof="0" dirty="0">
-                <a:ln>
-                  <a:noFill/>
-                </a:ln>
-                <a:solidFill>
-                  <a:srgbClr val="000000"/>
-                </a:solidFill>
-                <a:effectLst/>
-                <a:uLnTx/>
-                <a:uFillTx/>
-                <a:latin typeface="Arial"/>
-                <a:cs typeface="Arial"/>
-                <a:sym typeface="Arial"/>
-                <a:hlinkClick r:id="rId2"/>
-              </a:rPr>
-              <a:t>https://www.jianshu.com/p/410250e006cb</a:t>
-            </a:r>
-            <a:endParaRPr kumimoji="0" lang="en-US" altLang="zh-TW" sz="1400" b="0" i="0" u="none" strike="noStrike" kern="0" cap="none" spc="0" normalizeH="0" baseline="0" noProof="0" dirty="0">
-              <a:ln>
-                <a:noFill/>
-              </a:ln>
-              <a:solidFill>
-                <a:srgbClr val="000000"/>
-              </a:solidFill>
-              <a:effectLst/>
-              <a:uLnTx/>
-              <a:uFillTx/>
-              <a:latin typeface="Arial"/>
-              <a:cs typeface="Arial"/>
-              <a:sym typeface="Arial"/>
-            </a:endParaRPr>
-          </a:p>
-          <a:p>
-            <a:pPr marL="0" marR="0" lvl="0" indent="0" algn="l" defTabSz="914400" rtl="0" eaLnBrk="1" fontAlgn="auto" latinLnBrk="0" hangingPunct="1">
-              <a:lnSpc>
-                <a:spcPct val="100000"/>
-              </a:lnSpc>
-              <a:spcBef>
-                <a:spcPts val="0"/>
-              </a:spcBef>
-              <a:spcAft>
-                <a:spcPts val="0"/>
-              </a:spcAft>
-              <a:buClr>
-                <a:srgbClr val="000000"/>
-              </a:buClr>
-              <a:buSzTx/>
-              <a:buFont typeface="Arial"/>
-              <a:buNone/>
-              <a:tabLst/>
-              <a:defRPr/>
-            </a:pPr>
-            <a:endParaRPr kumimoji="0" lang="zh-TW" altLang="en-US" sz="1400" b="0" i="0" u="none" strike="noStrike" kern="0" cap="none" spc="0" normalizeH="0" baseline="0" noProof="0" dirty="0">
-              <a:ln>
-                <a:noFill/>
-              </a:ln>
-              <a:solidFill>
-                <a:srgbClr val="000000"/>
-              </a:solidFill>
-              <a:effectLst/>
-              <a:uLnTx/>
-              <a:uFillTx/>
-              <a:latin typeface="Arial"/>
-              <a:cs typeface="Arial"/>
-              <a:sym typeface="Arial"/>
-            </a:endParaRPr>
-          </a:p>
-        </p:txBody>
-      </p:sp>
-    </p:spTree>
-    <p:extLst>
-      <p:ext uri="{BB962C8B-B14F-4D97-AF65-F5344CB8AC3E}">
-        <p14:creationId xmlns:p14="http://schemas.microsoft.com/office/powerpoint/2010/main" val="2622291912"/>
       </p:ext>
     </p:extLst>
   </p:cSld>
@@ -19241,7 +19222,7 @@
           <p:nvPr/>
         </p:nvPicPr>
         <p:blipFill>
-          <a:blip r:embed="rId2">
+          <a:blip r:embed="rId3">
             <a:extLst>
               <a:ext uri="{28A0092B-C50C-407E-A947-70E740481C1C}">
                 <a14:useLocalDpi xmlns:a14="http://schemas.microsoft.com/office/drawing/2010/main" val="0"/>
@@ -19297,13 +19278,13 @@
           <a:p>
             <a:r>
               <a:rPr lang="en-US" dirty="0">
-                <a:hlinkClick r:id="rId3"/>
+                <a:hlinkClick r:id="rId4"/>
               </a:rPr>
               <a:t>https://www.nginx.com/blog/nginmesh-nginx-as-a-proxy-in-an-istio-service-mesh</a:t>
             </a:r>
             <a:r>
               <a:rPr lang="en-US" dirty="0" smtClean="0">
-                <a:hlinkClick r:id="rId3"/>
+                <a:hlinkClick r:id="rId4"/>
               </a:rPr>
               <a:t>/</a:t>
             </a:r>
@@ -19334,7 +19315,355 @@
 </p:sld>
 </file>
 
+<file path=ppt/slides/slide40.xml><?xml version="1.0" encoding="utf-8"?>
+<p:sld xmlns:a="http://schemas.openxmlformats.org/drawingml/2006/main" xmlns:r="http://schemas.openxmlformats.org/officeDocument/2006/relationships" xmlns:p="http://schemas.openxmlformats.org/presentationml/2006/main">
+  <p:cSld>
+    <p:spTree>
+      <p:nvGrpSpPr>
+        <p:cNvPr id="1" name=""/>
+        <p:cNvGrpSpPr/>
+        <p:nvPr/>
+      </p:nvGrpSpPr>
+      <p:grpSpPr>
+        <a:xfrm>
+          <a:off x="0" y="0"/>
+          <a:ext cx="0" cy="0"/>
+          <a:chOff x="0" y="0"/>
+          <a:chExt cx="0" cy="0"/>
+        </a:xfrm>
+      </p:grpSpPr>
+      <p:sp>
+        <p:nvSpPr>
+          <p:cNvPr id="2" name="標題 1">
+            <a:extLst>
+              <a:ext uri="{FF2B5EF4-FFF2-40B4-BE49-F238E27FC236}">
+                <a16:creationId xmlns:a16="http://schemas.microsoft.com/office/drawing/2014/main" id="{A53AD68D-7080-4188-A296-6F3C8E665F8B}"/>
+              </a:ext>
+            </a:extLst>
+          </p:cNvPr>
+          <p:cNvSpPr>
+            <a:spLocks noGrp="1"/>
+          </p:cNvSpPr>
+          <p:nvPr>
+            <p:ph type="ctrTitle"/>
+          </p:nvPr>
+        </p:nvSpPr>
+        <p:spPr/>
+        <p:txBody>
+          <a:bodyPr/>
+          <a:lstStyle/>
+          <a:p>
+            <a:r>
+              <a:rPr lang="en-US" altLang="zh-TW" dirty="0"/>
+              <a:t/>
+            </a:r>
+            <a:br>
+              <a:rPr lang="en-US" altLang="zh-TW" dirty="0"/>
+            </a:br>
+            <a:r>
+              <a:rPr lang="zh-TW" altLang="en-US" dirty="0"/>
+              <a:t>案例</a:t>
+            </a:r>
+            <a:r>
+              <a:rPr lang="en-US" altLang="zh-TW" dirty="0"/>
+              <a:t>:</a:t>
+            </a:r>
+            <a:r>
+              <a:rPr lang="zh-TW" altLang="en-US" dirty="0"/>
+              <a:t> 拆分基礎服務</a:t>
+            </a:r>
+          </a:p>
+        </p:txBody>
+      </p:sp>
+      <p:sp>
+        <p:nvSpPr>
+          <p:cNvPr id="3" name="副標題 2">
+            <a:extLst>
+              <a:ext uri="{FF2B5EF4-FFF2-40B4-BE49-F238E27FC236}">
+                <a16:creationId xmlns:a16="http://schemas.microsoft.com/office/drawing/2014/main" id="{C2AFF981-6476-4DDC-BB51-9F3108EB7410}"/>
+              </a:ext>
+            </a:extLst>
+          </p:cNvPr>
+          <p:cNvSpPr>
+            <a:spLocks noGrp="1"/>
+          </p:cNvSpPr>
+          <p:nvPr>
+            <p:ph type="subTitle" idx="1"/>
+          </p:nvPr>
+        </p:nvSpPr>
+        <p:spPr/>
+        <p:txBody>
+          <a:bodyPr/>
+          <a:lstStyle/>
+          <a:p>
+            <a:r>
+              <a:rPr lang="zh-CN" altLang="en-US" sz="3600" b="1" dirty="0"/>
+              <a:t>宜人贷系统架构</a:t>
+            </a:r>
+            <a:r>
+              <a:rPr lang="en-US" altLang="zh-CN" sz="3600" b="1" dirty="0"/>
+              <a:t>-</a:t>
+            </a:r>
+            <a:r>
+              <a:rPr lang="zh-CN" altLang="en-US" sz="3600" b="1" dirty="0"/>
+              <a:t>高并发下的进化之路</a:t>
+            </a:r>
+          </a:p>
+          <a:p>
+            <a:endParaRPr lang="zh-TW" altLang="en-US" sz="3600" dirty="0"/>
+          </a:p>
+        </p:txBody>
+      </p:sp>
+      <p:sp>
+        <p:nvSpPr>
+          <p:cNvPr id="4" name="文字方塊 3">
+            <a:extLst>
+              <a:ext uri="{FF2B5EF4-FFF2-40B4-BE49-F238E27FC236}">
+                <a16:creationId xmlns:a16="http://schemas.microsoft.com/office/drawing/2014/main" id="{D29BCA04-079D-4220-A42B-019100319926}"/>
+              </a:ext>
+            </a:extLst>
+          </p:cNvPr>
+          <p:cNvSpPr txBox="1"/>
+          <p:nvPr/>
+        </p:nvSpPr>
+        <p:spPr>
+          <a:xfrm>
+            <a:off x="381000" y="4701540"/>
+            <a:ext cx="3498073" cy="523220"/>
+          </a:xfrm>
+          <a:prstGeom prst="rect">
+            <a:avLst/>
+          </a:prstGeom>
+          <a:noFill/>
+        </p:spPr>
+        <p:txBody>
+          <a:bodyPr wrap="none" rtlCol="0">
+            <a:spAutoFit/>
+          </a:bodyPr>
+          <a:lstStyle/>
+          <a:p>
+            <a:pPr marL="0" marR="0" lvl="0" indent="0" algn="l" defTabSz="914400" rtl="0" eaLnBrk="1" fontAlgn="auto" latinLnBrk="0" hangingPunct="1">
+              <a:lnSpc>
+                <a:spcPct val="100000"/>
+              </a:lnSpc>
+              <a:spcBef>
+                <a:spcPts val="0"/>
+              </a:spcBef>
+              <a:spcAft>
+                <a:spcPts val="0"/>
+              </a:spcAft>
+              <a:buClr>
+                <a:srgbClr val="000000"/>
+              </a:buClr>
+              <a:buSzTx/>
+              <a:buFont typeface="Arial"/>
+              <a:buNone/>
+              <a:tabLst/>
+              <a:defRPr/>
+            </a:pPr>
+            <a:r>
+              <a:rPr kumimoji="0" lang="en-US" altLang="zh-TW" sz="1400" b="0" i="0" u="none" strike="noStrike" kern="0" cap="none" spc="0" normalizeH="0" baseline="0" noProof="0" dirty="0">
+                <a:ln>
+                  <a:noFill/>
+                </a:ln>
+                <a:solidFill>
+                  <a:srgbClr val="000000"/>
+                </a:solidFill>
+                <a:effectLst/>
+                <a:uLnTx/>
+                <a:uFillTx/>
+                <a:latin typeface="Arial"/>
+                <a:cs typeface="Arial"/>
+                <a:sym typeface="Arial"/>
+                <a:hlinkClick r:id="rId2"/>
+              </a:rPr>
+              <a:t>https://www.jianshu.com/p/410250e006cb</a:t>
+            </a:r>
+            <a:endParaRPr kumimoji="0" lang="en-US" altLang="zh-TW" sz="1400" b="0" i="0" u="none" strike="noStrike" kern="0" cap="none" spc="0" normalizeH="0" baseline="0" noProof="0" dirty="0">
+              <a:ln>
+                <a:noFill/>
+              </a:ln>
+              <a:solidFill>
+                <a:srgbClr val="000000"/>
+              </a:solidFill>
+              <a:effectLst/>
+              <a:uLnTx/>
+              <a:uFillTx/>
+              <a:latin typeface="Arial"/>
+              <a:cs typeface="Arial"/>
+              <a:sym typeface="Arial"/>
+            </a:endParaRPr>
+          </a:p>
+          <a:p>
+            <a:pPr marL="0" marR="0" lvl="0" indent="0" algn="l" defTabSz="914400" rtl="0" eaLnBrk="1" fontAlgn="auto" latinLnBrk="0" hangingPunct="1">
+              <a:lnSpc>
+                <a:spcPct val="100000"/>
+              </a:lnSpc>
+              <a:spcBef>
+                <a:spcPts val="0"/>
+              </a:spcBef>
+              <a:spcAft>
+                <a:spcPts val="0"/>
+              </a:spcAft>
+              <a:buClr>
+                <a:srgbClr val="000000"/>
+              </a:buClr>
+              <a:buSzTx/>
+              <a:buFont typeface="Arial"/>
+              <a:buNone/>
+              <a:tabLst/>
+              <a:defRPr/>
+            </a:pPr>
+            <a:endParaRPr kumimoji="0" lang="zh-TW" altLang="en-US" sz="1400" b="0" i="0" u="none" strike="noStrike" kern="0" cap="none" spc="0" normalizeH="0" baseline="0" noProof="0" dirty="0">
+              <a:ln>
+                <a:noFill/>
+              </a:ln>
+              <a:solidFill>
+                <a:srgbClr val="000000"/>
+              </a:solidFill>
+              <a:effectLst/>
+              <a:uLnTx/>
+              <a:uFillTx/>
+              <a:latin typeface="Arial"/>
+              <a:cs typeface="Arial"/>
+              <a:sym typeface="Arial"/>
+            </a:endParaRPr>
+          </a:p>
+        </p:txBody>
+      </p:sp>
+    </p:spTree>
+    <p:extLst>
+      <p:ext uri="{BB962C8B-B14F-4D97-AF65-F5344CB8AC3E}">
+        <p14:creationId xmlns:p14="http://schemas.microsoft.com/office/powerpoint/2010/main" val="2622291912"/>
+      </p:ext>
+    </p:extLst>
+  </p:cSld>
+  <p:clrMapOvr>
+    <a:masterClrMapping/>
+  </p:clrMapOvr>
+</p:sld>
+</file>
+
 <file path=ppt/slides/slide5.xml><?xml version="1.0" encoding="utf-8"?>
+<p:sld xmlns:a="http://schemas.openxmlformats.org/drawingml/2006/main" xmlns:r="http://schemas.openxmlformats.org/officeDocument/2006/relationships" xmlns:p="http://schemas.openxmlformats.org/presentationml/2006/main">
+  <p:cSld>
+    <p:spTree>
+      <p:nvGrpSpPr>
+        <p:cNvPr id="1" name=""/>
+        <p:cNvGrpSpPr/>
+        <p:nvPr/>
+      </p:nvGrpSpPr>
+      <p:grpSpPr>
+        <a:xfrm>
+          <a:off x="0" y="0"/>
+          <a:ext cx="0" cy="0"/>
+          <a:chOff x="0" y="0"/>
+          <a:chExt cx="0" cy="0"/>
+        </a:xfrm>
+      </p:grpSpPr>
+      <p:pic>
+        <p:nvPicPr>
+          <p:cNvPr id="1026" name="Picture 2" descr="C:\Users\Jonah\AppData\Local\Temp\enhtmlclip\Image.png"/>
+          <p:cNvPicPr>
+            <a:picLocks noChangeAspect="1" noChangeArrowheads="1"/>
+          </p:cNvPicPr>
+          <p:nvPr/>
+        </p:nvPicPr>
+        <p:blipFill>
+          <a:blip r:embed="rId2">
+            <a:extLst>
+              <a:ext uri="{28A0092B-C50C-407E-A947-70E740481C1C}">
+                <a14:useLocalDpi xmlns:a14="http://schemas.microsoft.com/office/drawing/2010/main" val="0"/>
+              </a:ext>
+            </a:extLst>
+          </a:blip>
+          <a:srcRect/>
+          <a:stretch>
+            <a:fillRect/>
+          </a:stretch>
+        </p:blipFill>
+        <p:spPr bwMode="auto">
+          <a:xfrm>
+            <a:off x="1097278" y="138710"/>
+            <a:ext cx="6928541" cy="4503551"/>
+          </a:xfrm>
+          <a:prstGeom prst="rect">
+            <a:avLst/>
+          </a:prstGeom>
+          <a:noFill/>
+          <a:extLst>
+            <a:ext uri="{909E8E84-426E-40DD-AFC4-6F175D3DCCD1}">
+              <a14:hiddenFill xmlns:a14="http://schemas.microsoft.com/office/drawing/2010/main">
+                <a:solidFill>
+                  <a:srgbClr val="FFFFFF"/>
+                </a:solidFill>
+              </a14:hiddenFill>
+            </a:ext>
+          </a:extLst>
+        </p:spPr>
+      </p:pic>
+      <p:sp>
+        <p:nvSpPr>
+          <p:cNvPr id="2" name="文字方塊 1"/>
+          <p:cNvSpPr txBox="1"/>
+          <p:nvPr/>
+        </p:nvSpPr>
+        <p:spPr>
+          <a:xfrm>
+            <a:off x="370985" y="4728757"/>
+            <a:ext cx="6551794" cy="523220"/>
+          </a:xfrm>
+          <a:prstGeom prst="rect">
+            <a:avLst/>
+          </a:prstGeom>
+          <a:noFill/>
+        </p:spPr>
+        <p:txBody>
+          <a:bodyPr wrap="none" rtlCol="0">
+            <a:spAutoFit/>
+          </a:bodyPr>
+          <a:lstStyle/>
+          <a:p>
+            <a:r>
+              <a:rPr lang="en-US" dirty="0">
+                <a:hlinkClick r:id="rId3"/>
+              </a:rPr>
+              <a:t>https://blog.appdynamics.com/news/visualizing-and-tracking-your-microservices</a:t>
+            </a:r>
+            <a:r>
+              <a:rPr lang="en-US" dirty="0" smtClean="0">
+                <a:hlinkClick r:id="rId3"/>
+              </a:rPr>
+              <a:t>/</a:t>
+            </a:r>
+            <a:endParaRPr lang="en-US" dirty="0" smtClean="0"/>
+          </a:p>
+          <a:p>
+            <a:endParaRPr lang="en-US" dirty="0"/>
+          </a:p>
+        </p:txBody>
+      </p:sp>
+    </p:spTree>
+    <p:extLst>
+      <p:ext uri="{BB962C8B-B14F-4D97-AF65-F5344CB8AC3E}">
+        <p14:creationId xmlns:p14="http://schemas.microsoft.com/office/powerpoint/2010/main" val="3239525781"/>
+      </p:ext>
+    </p:extLst>
+  </p:cSld>
+  <p:clrMapOvr>
+    <a:masterClrMapping/>
+  </p:clrMapOvr>
+  <p:timing>
+    <p:tnLst>
+      <p:par>
+        <p:cTn id="1" dur="indefinite" restart="never" nodeType="tmRoot"/>
+      </p:par>
+    </p:tnLst>
+  </p:timing>
+</p:sld>
+</file>
+
+<file path=ppt/slides/slide6.xml><?xml version="1.0" encoding="utf-8"?>
 <p:sld xmlns:a="http://schemas.openxmlformats.org/drawingml/2006/main" xmlns:r="http://schemas.openxmlformats.org/officeDocument/2006/relationships" xmlns:p="http://schemas.openxmlformats.org/presentationml/2006/main">
   <p:cSld>
     <p:spTree>
@@ -19500,7 +19829,7 @@
 </p:sld>
 </file>
 
-<file path=ppt/slides/slide6.xml><?xml version="1.0" encoding="utf-8"?>
+<file path=ppt/slides/slide7.xml><?xml version="1.0" encoding="utf-8"?>
 <p:sld xmlns:a="http://schemas.openxmlformats.org/drawingml/2006/main" xmlns:r="http://schemas.openxmlformats.org/officeDocument/2006/relationships" xmlns:p="http://schemas.openxmlformats.org/presentationml/2006/main">
   <p:cSld>
     <p:spTree>
@@ -19619,7 +19948,7 @@
 </p:sld>
 </file>
 
-<file path=ppt/slides/slide7.xml><?xml version="1.0" encoding="utf-8"?>
+<file path=ppt/slides/slide8.xml><?xml version="1.0" encoding="utf-8"?>
 <p:sld xmlns:a="http://schemas.openxmlformats.org/drawingml/2006/main" xmlns:r="http://schemas.openxmlformats.org/officeDocument/2006/relationships" xmlns:p="http://schemas.openxmlformats.org/presentationml/2006/main">
   <p:cSld>
     <p:spTree>
@@ -19837,7 +20166,7 @@
 </p:sld>
 </file>
 
-<file path=ppt/slides/slide8.xml><?xml version="1.0" encoding="utf-8"?>
+<file path=ppt/slides/slide9.xml><?xml version="1.0" encoding="utf-8"?>
 <p:sld xmlns:a="http://schemas.openxmlformats.org/drawingml/2006/main" xmlns:r="http://schemas.openxmlformats.org/officeDocument/2006/relationships" xmlns:p="http://schemas.openxmlformats.org/presentationml/2006/main">
   <p:cSld>
     <p:spTree>
@@ -20031,150 +20360,6 @@
             </p:seq>
           </p:childTnLst>
         </p:cTn>
-      </p:par>
-    </p:tnLst>
-  </p:timing>
-</p:sld>
-</file>
-
-<file path=ppt/slides/slide9.xml><?xml version="1.0" encoding="utf-8"?>
-<p:sld xmlns:a="http://schemas.openxmlformats.org/drawingml/2006/main" xmlns:r="http://schemas.openxmlformats.org/officeDocument/2006/relationships" xmlns:p="http://schemas.openxmlformats.org/presentationml/2006/main">
-  <p:cSld>
-    <p:spTree>
-      <p:nvGrpSpPr>
-        <p:cNvPr id="1" name=""/>
-        <p:cNvGrpSpPr/>
-        <p:nvPr/>
-      </p:nvGrpSpPr>
-      <p:grpSpPr>
-        <a:xfrm>
-          <a:off x="0" y="0"/>
-          <a:ext cx="0" cy="0"/>
-          <a:chOff x="0" y="0"/>
-          <a:chExt cx="0" cy="0"/>
-        </a:xfrm>
-      </p:grpSpPr>
-      <p:sp>
-        <p:nvSpPr>
-          <p:cNvPr id="4" name="標題 3"/>
-          <p:cNvSpPr>
-            <a:spLocks noGrp="1"/>
-          </p:cNvSpPr>
-          <p:nvPr>
-            <p:ph type="title"/>
-          </p:nvPr>
-        </p:nvSpPr>
-        <p:spPr/>
-        <p:txBody>
-          <a:bodyPr/>
-          <a:lstStyle/>
-          <a:p>
-            <a:r>
-              <a:rPr lang="zh-TW" altLang="en-US" dirty="0" smtClean="0"/>
-              <a:t>案例探討</a:t>
-            </a:r>
-            <a:r>
-              <a:rPr lang="en-US" altLang="zh-TW" dirty="0" smtClean="0"/>
-              <a:t>:</a:t>
-            </a:r>
-            <a:r>
-              <a:rPr lang="zh-TW" altLang="en-US" dirty="0" smtClean="0"/>
-              <a:t> </a:t>
-            </a:r>
-            <a:r>
-              <a:rPr lang="en-US" altLang="zh-TW" dirty="0" smtClean="0"/>
-              <a:t>Consul</a:t>
-            </a:r>
-            <a:endParaRPr lang="en-US" dirty="0"/>
-          </a:p>
-        </p:txBody>
-      </p:sp>
-      <p:sp>
-        <p:nvSpPr>
-          <p:cNvPr id="5" name="文字版面配置區 4"/>
-          <p:cNvSpPr>
-            <a:spLocks noGrp="1"/>
-          </p:cNvSpPr>
-          <p:nvPr>
-            <p:ph type="body" idx="1"/>
-          </p:nvPr>
-        </p:nvSpPr>
-        <p:spPr/>
-        <p:txBody>
-          <a:bodyPr/>
-          <a:lstStyle/>
-          <a:p>
-            <a:endParaRPr lang="en-US"/>
-          </a:p>
-        </p:txBody>
-      </p:sp>
-      <p:pic>
-        <p:nvPicPr>
-          <p:cNvPr id="2" name="圖片 1"/>
-          <p:cNvPicPr>
-            <a:picLocks noChangeAspect="1"/>
-          </p:cNvPicPr>
-          <p:nvPr/>
-        </p:nvPicPr>
-        <p:blipFill>
-          <a:blip r:embed="rId2"/>
-          <a:stretch>
-            <a:fillRect/>
-          </a:stretch>
-        </p:blipFill>
-        <p:spPr>
-          <a:xfrm>
-            <a:off x="457200" y="1200150"/>
-            <a:ext cx="8229600" cy="3268833"/>
-          </a:xfrm>
-          <a:prstGeom prst="rect">
-            <a:avLst/>
-          </a:prstGeom>
-        </p:spPr>
-      </p:pic>
-      <p:sp>
-        <p:nvSpPr>
-          <p:cNvPr id="3" name="文字方塊 2"/>
-          <p:cNvSpPr txBox="1"/>
-          <p:nvPr/>
-        </p:nvSpPr>
-        <p:spPr>
-          <a:xfrm>
-            <a:off x="402336" y="4658446"/>
-            <a:ext cx="3627916" cy="307777"/>
-          </a:xfrm>
-          <a:prstGeom prst="rect">
-            <a:avLst/>
-          </a:prstGeom>
-          <a:noFill/>
-        </p:spPr>
-        <p:txBody>
-          <a:bodyPr wrap="none" rtlCol="0">
-            <a:spAutoFit/>
-          </a:bodyPr>
-          <a:lstStyle/>
-          <a:p>
-            <a:r>
-              <a:rPr lang="en-US" dirty="0"/>
-              <a:t>https://www.hashicorp.com/products/consul</a:t>
-            </a:r>
-          </a:p>
-        </p:txBody>
-      </p:sp>
-    </p:spTree>
-    <p:extLst>
-      <p:ext uri="{BB962C8B-B14F-4D97-AF65-F5344CB8AC3E}">
-        <p14:creationId xmlns:p14="http://schemas.microsoft.com/office/powerpoint/2010/main" val="3481930133"/>
-      </p:ext>
-    </p:extLst>
-  </p:cSld>
-  <p:clrMapOvr>
-    <a:masterClrMapping/>
-  </p:clrMapOvr>
-  <p:timing>
-    <p:tnLst>
-      <p:par>
-        <p:cTn id="1" dur="indefinite" restart="never" nodeType="tmRoot"/>
       </p:par>
     </p:tnLst>
   </p:timing>

--- a/20180911.DevOpsDaysTaipei2018/Andrew-ServiceDiscovery (簡報).pptx
+++ b/20180911.DevOpsDaysTaipei2018/Andrew-ServiceDiscovery (簡報).pptx
@@ -8,59 +8,62 @@
     <p:sldMasterId id="2147483690" r:id="rId4"/>
   </p:sldMasterIdLst>
   <p:notesMasterIdLst>
-    <p:notesMasterId r:id="rId55"/>
+    <p:notesMasterId r:id="rId58"/>
   </p:notesMasterIdLst>
   <p:sldIdLst>
     <p:sldId id="447" r:id="rId5"/>
     <p:sldId id="449" r:id="rId6"/>
     <p:sldId id="454" r:id="rId7"/>
     <p:sldId id="451" r:id="rId8"/>
-    <p:sldId id="487" r:id="rId9"/>
-    <p:sldId id="496" r:id="rId10"/>
-    <p:sldId id="450" r:id="rId11"/>
-    <p:sldId id="488" r:id="rId12"/>
-    <p:sldId id="459" r:id="rId13"/>
-    <p:sldId id="460" r:id="rId14"/>
-    <p:sldId id="461" r:id="rId15"/>
-    <p:sldId id="453" r:id="rId16"/>
-    <p:sldId id="495" r:id="rId17"/>
-    <p:sldId id="497" r:id="rId18"/>
-    <p:sldId id="498" r:id="rId19"/>
-    <p:sldId id="499" r:id="rId20"/>
-    <p:sldId id="492" r:id="rId21"/>
-    <p:sldId id="494" r:id="rId22"/>
-    <p:sldId id="491" r:id="rId23"/>
-    <p:sldId id="489" r:id="rId24"/>
-    <p:sldId id="483" r:id="rId25"/>
-    <p:sldId id="463" r:id="rId26"/>
-    <p:sldId id="485" r:id="rId27"/>
-    <p:sldId id="490" r:id="rId28"/>
-    <p:sldId id="484" r:id="rId29"/>
-    <p:sldId id="464" r:id="rId30"/>
-    <p:sldId id="486" r:id="rId31"/>
-    <p:sldId id="465" r:id="rId32"/>
-    <p:sldId id="466" r:id="rId33"/>
-    <p:sldId id="467" r:id="rId34"/>
-    <p:sldId id="468" r:id="rId35"/>
-    <p:sldId id="469" r:id="rId36"/>
-    <p:sldId id="470" r:id="rId37"/>
-    <p:sldId id="471" r:id="rId38"/>
-    <p:sldId id="472" r:id="rId39"/>
-    <p:sldId id="473" r:id="rId40"/>
-    <p:sldId id="474" r:id="rId41"/>
-    <p:sldId id="475" r:id="rId42"/>
-    <p:sldId id="476" r:id="rId43"/>
-    <p:sldId id="477" r:id="rId44"/>
-    <p:sldId id="478" r:id="rId45"/>
-    <p:sldId id="479" r:id="rId46"/>
-    <p:sldId id="480" r:id="rId47"/>
-    <p:sldId id="481" r:id="rId48"/>
-    <p:sldId id="482" r:id="rId49"/>
-    <p:sldId id="448" r:id="rId50"/>
-    <p:sldId id="455" r:id="rId51"/>
-    <p:sldId id="456" r:id="rId52"/>
-    <p:sldId id="457" r:id="rId53"/>
-    <p:sldId id="458" r:id="rId54"/>
+    <p:sldId id="500" r:id="rId9"/>
+    <p:sldId id="487" r:id="rId10"/>
+    <p:sldId id="496" r:id="rId11"/>
+    <p:sldId id="450" r:id="rId12"/>
+    <p:sldId id="488" r:id="rId13"/>
+    <p:sldId id="459" r:id="rId14"/>
+    <p:sldId id="460" r:id="rId15"/>
+    <p:sldId id="461" r:id="rId16"/>
+    <p:sldId id="453" r:id="rId17"/>
+    <p:sldId id="495" r:id="rId18"/>
+    <p:sldId id="499" r:id="rId19"/>
+    <p:sldId id="492" r:id="rId20"/>
+    <p:sldId id="503" r:id="rId21"/>
+    <p:sldId id="491" r:id="rId22"/>
+    <p:sldId id="489" r:id="rId23"/>
+    <p:sldId id="483" r:id="rId24"/>
+    <p:sldId id="463" r:id="rId25"/>
+    <p:sldId id="485" r:id="rId26"/>
+    <p:sldId id="504" r:id="rId27"/>
+    <p:sldId id="505" r:id="rId28"/>
+    <p:sldId id="490" r:id="rId29"/>
+    <p:sldId id="484" r:id="rId30"/>
+    <p:sldId id="464" r:id="rId31"/>
+    <p:sldId id="501" r:id="rId32"/>
+    <p:sldId id="502" r:id="rId33"/>
+    <p:sldId id="486" r:id="rId34"/>
+    <p:sldId id="465" r:id="rId35"/>
+    <p:sldId id="466" r:id="rId36"/>
+    <p:sldId id="467" r:id="rId37"/>
+    <p:sldId id="468" r:id="rId38"/>
+    <p:sldId id="469" r:id="rId39"/>
+    <p:sldId id="470" r:id="rId40"/>
+    <p:sldId id="471" r:id="rId41"/>
+    <p:sldId id="472" r:id="rId42"/>
+    <p:sldId id="473" r:id="rId43"/>
+    <p:sldId id="474" r:id="rId44"/>
+    <p:sldId id="475" r:id="rId45"/>
+    <p:sldId id="476" r:id="rId46"/>
+    <p:sldId id="477" r:id="rId47"/>
+    <p:sldId id="478" r:id="rId48"/>
+    <p:sldId id="479" r:id="rId49"/>
+    <p:sldId id="480" r:id="rId50"/>
+    <p:sldId id="481" r:id="rId51"/>
+    <p:sldId id="482" r:id="rId52"/>
+    <p:sldId id="448" r:id="rId53"/>
+    <p:sldId id="455" r:id="rId54"/>
+    <p:sldId id="456" r:id="rId55"/>
+    <p:sldId id="457" r:id="rId56"/>
+    <p:sldId id="458" r:id="rId57"/>
   </p:sldIdLst>
   <p:sldSz cx="9144000" cy="5143500" type="screen16x9"/>
   <p:notesSz cx="6858000" cy="9144000"/>
@@ -306,6 +309,7 @@
         <p14:section name="Basic" id="{1FA802AF-5400-4241-A9B4-17CF472FB515}">
           <p14:sldIdLst>
             <p14:sldId id="451"/>
+            <p14:sldId id="500"/>
             <p14:sldId id="487"/>
             <p14:sldId id="496"/>
             <p14:sldId id="450"/>
@@ -315,19 +319,21 @@
             <p14:sldId id="461"/>
             <p14:sldId id="453"/>
             <p14:sldId id="495"/>
-            <p14:sldId id="497"/>
-            <p14:sldId id="498"/>
             <p14:sldId id="499"/>
             <p14:sldId id="492"/>
-            <p14:sldId id="494"/>
+            <p14:sldId id="503"/>
             <p14:sldId id="491"/>
             <p14:sldId id="489"/>
             <p14:sldId id="483"/>
             <p14:sldId id="463"/>
             <p14:sldId id="485"/>
+            <p14:sldId id="504"/>
+            <p14:sldId id="505"/>
             <p14:sldId id="490"/>
             <p14:sldId id="484"/>
             <p14:sldId id="464"/>
+            <p14:sldId id="501"/>
+            <p14:sldId id="502"/>
             <p14:sldId id="486"/>
             <p14:sldId id="465"/>
             <p14:sldId id="466"/>
@@ -1726,8 +1732,8 @@
 </file>
 
 <file path=ppt/slideLayouts/slideLayout10.xml><?xml version="1.0" encoding="utf-8"?>
-<p:sldLayout xmlns:a="http://schemas.openxmlformats.org/drawingml/2006/main" xmlns:r="http://schemas.openxmlformats.org/officeDocument/2006/relationships" xmlns:p="http://schemas.openxmlformats.org/presentationml/2006/main" type="blank" preserve="1">
-  <p:cSld name="空白">
+<p:sldLayout xmlns:a="http://schemas.openxmlformats.org/drawingml/2006/main" xmlns:r="http://schemas.openxmlformats.org/officeDocument/2006/relationships" xmlns:p="http://schemas.openxmlformats.org/presentationml/2006/main" type="titleOnly" preserve="1">
+  <p:cSld name="只有標題">
     <p:spTree>
       <p:nvGrpSpPr>
         <p:cNvPr id="1" name=""/>
@@ -1744,10 +1750,38 @@
       </p:grpSpPr>
       <p:sp>
         <p:nvSpPr>
-          <p:cNvPr id="2" name="日期版面配置區 1">
+          <p:cNvPr id="2" name="標題 1">
             <a:extLst>
               <a:ext uri="{FF2B5EF4-FFF2-40B4-BE49-F238E27FC236}">
-                <a16:creationId xmlns:a16="http://schemas.microsoft.com/office/drawing/2014/main" id="{AD15CB58-CBCD-4F49-99B4-F4D71EEA35A1}"/>
+                <a16:creationId xmlns:a16="http://schemas.microsoft.com/office/drawing/2014/main" id="{1C79B5ED-801B-4D9E-BE46-A78D4F51EB0A}"/>
+              </a:ext>
+            </a:extLst>
+          </p:cNvPr>
+          <p:cNvSpPr>
+            <a:spLocks noGrp="1"/>
+          </p:cNvSpPr>
+          <p:nvPr>
+            <p:ph type="title"/>
+          </p:nvPr>
+        </p:nvSpPr>
+        <p:spPr/>
+        <p:txBody>
+          <a:bodyPr/>
+          <a:lstStyle/>
+          <a:p>
+            <a:r>
+              <a:rPr lang="zh-TW" altLang="en-US"/>
+              <a:t>按一下以編輯母片標題樣式</a:t>
+            </a:r>
+          </a:p>
+        </p:txBody>
+      </p:sp>
+      <p:sp>
+        <p:nvSpPr>
+          <p:cNvPr id="3" name="日期版面配置區 2">
+            <a:extLst>
+              <a:ext uri="{FF2B5EF4-FFF2-40B4-BE49-F238E27FC236}">
+                <a16:creationId xmlns:a16="http://schemas.microsoft.com/office/drawing/2014/main" id="{A0463496-3FC5-4C53-8967-8561A255D9AA}"/>
               </a:ext>
             </a:extLst>
           </p:cNvPr>
@@ -1780,7 +1814,7 @@
               <a:pPr defTabSz="685800">
                 <a:buClrTx/>
               </a:pPr>
-              <a:t>2018/9/1</a:t>
+              <a:t>2018/9/3</a:t>
             </a:fld>
             <a:endParaRPr lang="zh-TW" altLang="en-US" kern="1200">
               <a:solidFill>
@@ -1797,10 +1831,10 @@
       </p:sp>
       <p:sp>
         <p:nvSpPr>
-          <p:cNvPr id="3" name="頁尾版面配置區 2">
+          <p:cNvPr id="4" name="頁尾版面配置區 3">
             <a:extLst>
               <a:ext uri="{FF2B5EF4-FFF2-40B4-BE49-F238E27FC236}">
-                <a16:creationId xmlns:a16="http://schemas.microsoft.com/office/drawing/2014/main" id="{6E37FB0F-14BC-49D8-81E6-BBFB73EEB47A}"/>
+                <a16:creationId xmlns:a16="http://schemas.microsoft.com/office/drawing/2014/main" id="{5182B4A6-2DDD-4612-9428-23FF95FE8B8C}"/>
               </a:ext>
             </a:extLst>
           </p:cNvPr>
@@ -1834,10 +1868,10 @@
       </p:sp>
       <p:sp>
         <p:nvSpPr>
-          <p:cNvPr id="4" name="投影片編號版面配置區 3">
+          <p:cNvPr id="5" name="投影片編號版面配置區 4">
             <a:extLst>
               <a:ext uri="{FF2B5EF4-FFF2-40B4-BE49-F238E27FC236}">
-                <a16:creationId xmlns:a16="http://schemas.microsoft.com/office/drawing/2014/main" id="{4F529B5C-D2B1-4532-8384-CF1050FDBF63}"/>
+                <a16:creationId xmlns:a16="http://schemas.microsoft.com/office/drawing/2014/main" id="{78066D27-9BCE-497F-B75E-719A87988C76}"/>
               </a:ext>
             </a:extLst>
           </p:cNvPr>
@@ -1888,6 +1922,179 @@
     </p:spTree>
     <p:extLst>
       <p:ext uri="{BB962C8B-B14F-4D97-AF65-F5344CB8AC3E}">
+        <p14:creationId xmlns:p14="http://schemas.microsoft.com/office/powerpoint/2010/main" val="1614044169"/>
+      </p:ext>
+    </p:extLst>
+  </p:cSld>
+  <p:clrMapOvr>
+    <a:masterClrMapping/>
+  </p:clrMapOvr>
+</p:sldLayout>
+</file>
+
+<file path=ppt/slideLayouts/slideLayout11.xml><?xml version="1.0" encoding="utf-8"?>
+<p:sldLayout xmlns:a="http://schemas.openxmlformats.org/drawingml/2006/main" xmlns:r="http://schemas.openxmlformats.org/officeDocument/2006/relationships" xmlns:p="http://schemas.openxmlformats.org/presentationml/2006/main" type="blank" preserve="1">
+  <p:cSld name="空白">
+    <p:spTree>
+      <p:nvGrpSpPr>
+        <p:cNvPr id="1" name=""/>
+        <p:cNvGrpSpPr/>
+        <p:nvPr/>
+      </p:nvGrpSpPr>
+      <p:grpSpPr>
+        <a:xfrm>
+          <a:off x="0" y="0"/>
+          <a:ext cx="0" cy="0"/>
+          <a:chOff x="0" y="0"/>
+          <a:chExt cx="0" cy="0"/>
+        </a:xfrm>
+      </p:grpSpPr>
+      <p:sp>
+        <p:nvSpPr>
+          <p:cNvPr id="2" name="日期版面配置區 1">
+            <a:extLst>
+              <a:ext uri="{FF2B5EF4-FFF2-40B4-BE49-F238E27FC236}">
+                <a16:creationId xmlns:a16="http://schemas.microsoft.com/office/drawing/2014/main" id="{AD15CB58-CBCD-4F49-99B4-F4D71EEA35A1}"/>
+              </a:ext>
+            </a:extLst>
+          </p:cNvPr>
+          <p:cNvSpPr>
+            <a:spLocks noGrp="1"/>
+          </p:cNvSpPr>
+          <p:nvPr>
+            <p:ph type="dt" sz="half" idx="10"/>
+          </p:nvPr>
+        </p:nvSpPr>
+        <p:spPr/>
+        <p:txBody>
+          <a:bodyPr/>
+          <a:lstStyle/>
+          <a:p>
+            <a:pPr defTabSz="685800">
+              <a:buClrTx/>
+            </a:pPr>
+            <a:fld id="{79FBDEAA-46ED-4A68-A55F-F830455D2CE7}" type="datetimeFigureOut">
+              <a:rPr lang="zh-TW" altLang="en-US" kern="1200" smtClean="0">
+                <a:solidFill>
+                  <a:prstClr val="black">
+                    <a:tint val="75000"/>
+                  </a:prstClr>
+                </a:solidFill>
+                <a:latin typeface="Calibri" panose="020F0502020204030204"/>
+                <a:ea typeface="新細明體" panose="02020500000000000000" pitchFamily="18" charset="-120"/>
+                <a:cs typeface="+mn-cs"/>
+              </a:rPr>
+              <a:pPr defTabSz="685800">
+                <a:buClrTx/>
+              </a:pPr>
+              <a:t>2018/9/3</a:t>
+            </a:fld>
+            <a:endParaRPr lang="zh-TW" altLang="en-US" kern="1200">
+              <a:solidFill>
+                <a:prstClr val="black">
+                  <a:tint val="75000"/>
+                </a:prstClr>
+              </a:solidFill>
+              <a:latin typeface="Calibri" panose="020F0502020204030204"/>
+              <a:ea typeface="新細明體" panose="02020500000000000000" pitchFamily="18" charset="-120"/>
+              <a:cs typeface="+mn-cs"/>
+            </a:endParaRPr>
+          </a:p>
+        </p:txBody>
+      </p:sp>
+      <p:sp>
+        <p:nvSpPr>
+          <p:cNvPr id="3" name="頁尾版面配置區 2">
+            <a:extLst>
+              <a:ext uri="{FF2B5EF4-FFF2-40B4-BE49-F238E27FC236}">
+                <a16:creationId xmlns:a16="http://schemas.microsoft.com/office/drawing/2014/main" id="{6E37FB0F-14BC-49D8-81E6-BBFB73EEB47A}"/>
+              </a:ext>
+            </a:extLst>
+          </p:cNvPr>
+          <p:cNvSpPr>
+            <a:spLocks noGrp="1"/>
+          </p:cNvSpPr>
+          <p:nvPr>
+            <p:ph type="ftr" sz="quarter" idx="11"/>
+          </p:nvPr>
+        </p:nvSpPr>
+        <p:spPr/>
+        <p:txBody>
+          <a:bodyPr/>
+          <a:lstStyle/>
+          <a:p>
+            <a:pPr defTabSz="685800">
+              <a:buClrTx/>
+            </a:pPr>
+            <a:endParaRPr lang="zh-TW" altLang="en-US" kern="1200">
+              <a:solidFill>
+                <a:prstClr val="black">
+                  <a:tint val="75000"/>
+                </a:prstClr>
+              </a:solidFill>
+              <a:latin typeface="Calibri" panose="020F0502020204030204"/>
+              <a:ea typeface="新細明體" panose="02020500000000000000" pitchFamily="18" charset="-120"/>
+              <a:cs typeface="+mn-cs"/>
+            </a:endParaRPr>
+          </a:p>
+        </p:txBody>
+      </p:sp>
+      <p:sp>
+        <p:nvSpPr>
+          <p:cNvPr id="4" name="投影片編號版面配置區 3">
+            <a:extLst>
+              <a:ext uri="{FF2B5EF4-FFF2-40B4-BE49-F238E27FC236}">
+                <a16:creationId xmlns:a16="http://schemas.microsoft.com/office/drawing/2014/main" id="{4F529B5C-D2B1-4532-8384-CF1050FDBF63}"/>
+              </a:ext>
+            </a:extLst>
+          </p:cNvPr>
+          <p:cNvSpPr>
+            <a:spLocks noGrp="1"/>
+          </p:cNvSpPr>
+          <p:nvPr>
+            <p:ph type="sldNum" sz="quarter" idx="12"/>
+          </p:nvPr>
+        </p:nvSpPr>
+        <p:spPr/>
+        <p:txBody>
+          <a:bodyPr/>
+          <a:lstStyle/>
+          <a:p>
+            <a:pPr defTabSz="685800">
+              <a:buClrTx/>
+            </a:pPr>
+            <a:fld id="{2ED3522C-9944-4E16-B07C-4FDDC028DFA0}" type="slidenum">
+              <a:rPr lang="zh-TW" altLang="en-US" kern="1200" smtClean="0">
+                <a:solidFill>
+                  <a:prstClr val="black">
+                    <a:tint val="75000"/>
+                  </a:prstClr>
+                </a:solidFill>
+                <a:latin typeface="Calibri" panose="020F0502020204030204"/>
+                <a:ea typeface="新細明體" panose="02020500000000000000" pitchFamily="18" charset="-120"/>
+                <a:cs typeface="+mn-cs"/>
+              </a:rPr>
+              <a:pPr defTabSz="685800">
+                <a:buClrTx/>
+              </a:pPr>
+              <a:t>‹#›</a:t>
+            </a:fld>
+            <a:endParaRPr lang="zh-TW" altLang="en-US" kern="1200">
+              <a:solidFill>
+                <a:prstClr val="black">
+                  <a:tint val="75000"/>
+                </a:prstClr>
+              </a:solidFill>
+              <a:latin typeface="Calibri" panose="020F0502020204030204"/>
+              <a:ea typeface="新細明體" panose="02020500000000000000" pitchFamily="18" charset="-120"/>
+              <a:cs typeface="+mn-cs"/>
+            </a:endParaRPr>
+          </a:p>
+        </p:txBody>
+      </p:sp>
+    </p:spTree>
+    <p:extLst>
+      <p:ext uri="{BB962C8B-B14F-4D97-AF65-F5344CB8AC3E}">
         <p14:creationId xmlns:p14="http://schemas.microsoft.com/office/powerpoint/2010/main" val="1486372861"/>
       </p:ext>
     </p:extLst>
@@ -1905,7 +2112,7 @@
 </p:sldLayout>
 </file>
 
-<file path=ppt/slideLayouts/slideLayout11.xml><?xml version="1.0" encoding="utf-8"?>
+<file path=ppt/slideLayouts/slideLayout12.xml><?xml version="1.0" encoding="utf-8"?>
 <p:sldLayout xmlns:a="http://schemas.openxmlformats.org/drawingml/2006/main" xmlns:r="http://schemas.openxmlformats.org/officeDocument/2006/relationships" xmlns:p="http://schemas.openxmlformats.org/presentationml/2006/main" type="objTx" preserve="1">
   <p:cSld name="含標題的內容">
     <p:spTree>
@@ -2158,7 +2365,7 @@
               <a:pPr defTabSz="685800">
                 <a:buClrTx/>
               </a:pPr>
-              <a:t>2018/9/1</a:t>
+              <a:t>2018/9/3</a:t>
             </a:fld>
             <a:endParaRPr lang="zh-TW" altLang="en-US" kern="1200">
               <a:solidFill>
@@ -2276,7 +2483,7 @@
 </p:sldLayout>
 </file>
 
-<file path=ppt/slideLayouts/slideLayout12.xml><?xml version="1.0" encoding="utf-8"?>
+<file path=ppt/slideLayouts/slideLayout13.xml><?xml version="1.0" encoding="utf-8"?>
 <p:sldLayout xmlns:a="http://schemas.openxmlformats.org/drawingml/2006/main" xmlns:r="http://schemas.openxmlformats.org/officeDocument/2006/relationships" xmlns:p="http://schemas.openxmlformats.org/presentationml/2006/main" type="picTx" preserve="1">
   <p:cSld name="含標題的圖片">
     <p:spTree>
@@ -2506,7 +2713,7 @@
               <a:pPr defTabSz="685800">
                 <a:buClrTx/>
               </a:pPr>
-              <a:t>2018/9/1</a:t>
+              <a:t>2018/9/3</a:t>
             </a:fld>
             <a:endParaRPr lang="zh-TW" altLang="en-US" kern="1200">
               <a:solidFill>
@@ -2624,7 +2831,7 @@
 </p:sldLayout>
 </file>
 
-<file path=ppt/slideLayouts/slideLayout13.xml><?xml version="1.0" encoding="utf-8"?>
+<file path=ppt/slideLayouts/slideLayout14.xml><?xml version="1.0" encoding="utf-8"?>
 <p:sldLayout xmlns:a="http://schemas.openxmlformats.org/drawingml/2006/main" xmlns:r="http://schemas.openxmlformats.org/officeDocument/2006/relationships" xmlns:p="http://schemas.openxmlformats.org/presentationml/2006/main" type="vertTx" preserve="1">
   <p:cSld name="標題及直排文字">
     <p:spTree>
@@ -2764,7 +2971,7 @@
               <a:pPr defTabSz="685800">
                 <a:buClrTx/>
               </a:pPr>
-              <a:t>2018/9/1</a:t>
+              <a:t>2018/9/3</a:t>
             </a:fld>
             <a:endParaRPr lang="zh-TW" altLang="en-US" kern="1200">
               <a:solidFill>
@@ -2882,7 +3089,7 @@
 </p:sldLayout>
 </file>
 
-<file path=ppt/slideLayouts/slideLayout14.xml><?xml version="1.0" encoding="utf-8"?>
+<file path=ppt/slideLayouts/slideLayout15.xml><?xml version="1.0" encoding="utf-8"?>
 <p:sldLayout xmlns:a="http://schemas.openxmlformats.org/drawingml/2006/main" xmlns:r="http://schemas.openxmlformats.org/officeDocument/2006/relationships" xmlns:p="http://schemas.openxmlformats.org/presentationml/2006/main" type="vertTitleAndTx" preserve="1">
   <p:cSld name="直排標題及文字">
     <p:spTree>
@@ -3032,7 +3239,7 @@
               <a:pPr defTabSz="685800">
                 <a:buClrTx/>
               </a:pPr>
-              <a:t>2018/9/1</a:t>
+              <a:t>2018/9/3</a:t>
             </a:fld>
             <a:endParaRPr lang="zh-TW" altLang="en-US" kern="1200">
               <a:solidFill>
@@ -3150,7 +3357,7 @@
 </p:sldLayout>
 </file>
 
-<file path=ppt/slideLayouts/slideLayout15.xml><?xml version="1.0" encoding="utf-8"?>
+<file path=ppt/slideLayouts/slideLayout16.xml><?xml version="1.0" encoding="utf-8"?>
 <p:sldLayout xmlns:a="http://schemas.openxmlformats.org/drawingml/2006/main" xmlns:r="http://schemas.openxmlformats.org/officeDocument/2006/relationships" xmlns:p="http://schemas.openxmlformats.org/presentationml/2006/main" type="title" preserve="1">
   <p:cSld name="標題投影片">
     <p:spTree>
@@ -3312,7 +3519,7 @@
               <a:pPr defTabSz="685800">
                 <a:buClrTx/>
               </a:pPr>
-              <a:t>2018/9/1</a:t>
+              <a:t>2018/9/3</a:t>
             </a:fld>
             <a:endParaRPr lang="zh-TW" altLang="en-US" kern="1200">
               <a:solidFill>
@@ -3437,7 +3644,7 @@
 </p:sldLayout>
 </file>
 
-<file path=ppt/slideLayouts/slideLayout16.xml><?xml version="1.0" encoding="utf-8"?>
+<file path=ppt/slideLayouts/slideLayout17.xml><?xml version="1.0" encoding="utf-8"?>
 <p:sldLayout xmlns:a="http://schemas.openxmlformats.org/drawingml/2006/main" xmlns:r="http://schemas.openxmlformats.org/officeDocument/2006/relationships" xmlns:p="http://schemas.openxmlformats.org/presentationml/2006/main" type="obj" preserve="1">
   <p:cSld name="標題及內容">
     <p:spTree>
@@ -3577,7 +3784,7 @@
               <a:pPr defTabSz="685800">
                 <a:buClrTx/>
               </a:pPr>
-              <a:t>2018/9/1</a:t>
+              <a:t>2018/9/3</a:t>
             </a:fld>
             <a:endParaRPr lang="zh-TW" altLang="en-US" kern="1200">
               <a:solidFill>
@@ -3695,7 +3902,7 @@
 </p:sldLayout>
 </file>
 
-<file path=ppt/slideLayouts/slideLayout17.xml><?xml version="1.0" encoding="utf-8"?>
+<file path=ppt/slideLayouts/slideLayout18.xml><?xml version="1.0" encoding="utf-8"?>
 <p:sldLayout xmlns:a="http://schemas.openxmlformats.org/drawingml/2006/main" xmlns:r="http://schemas.openxmlformats.org/officeDocument/2006/relationships" xmlns:p="http://schemas.openxmlformats.org/presentationml/2006/main" type="secHead" preserve="1">
   <p:cSld name="章節標題">
     <p:spTree>
@@ -3912,7 +4119,7 @@
               <a:pPr defTabSz="685800">
                 <a:buClrTx/>
               </a:pPr>
-              <a:t>2018/9/1</a:t>
+              <a:t>2018/9/3</a:t>
             </a:fld>
             <a:endParaRPr lang="zh-TW" altLang="en-US" kern="1200">
               <a:solidFill>
@@ -4030,7 +4237,7 @@
 </p:sldLayout>
 </file>
 
-<file path=ppt/slideLayouts/slideLayout18.xml><?xml version="1.0" encoding="utf-8"?>
+<file path=ppt/slideLayouts/slideLayout19.xml><?xml version="1.0" encoding="utf-8"?>
 <p:sldLayout xmlns:a="http://schemas.openxmlformats.org/drawingml/2006/main" xmlns:r="http://schemas.openxmlformats.org/officeDocument/2006/relationships" xmlns:p="http://schemas.openxmlformats.org/presentationml/2006/main" type="twoObj" preserve="1">
   <p:cSld name="兩個內容">
     <p:spTree>
@@ -4237,7 +4444,7 @@
               <a:pPr defTabSz="685800">
                 <a:buClrTx/>
               </a:pPr>
-              <a:t>2018/9/1</a:t>
+              <a:t>2018/9/3</a:t>
             </a:fld>
             <a:endParaRPr lang="zh-TW" altLang="en-US" kern="1200">
               <a:solidFill>
@@ -4355,7 +4562,561 @@
 </p:sldLayout>
 </file>
 
-<file path=ppt/slideLayouts/slideLayout19.xml><?xml version="1.0" encoding="utf-8"?>
+<file path=ppt/slideLayouts/slideLayout2.xml><?xml version="1.0" encoding="utf-8"?>
+<p:sldLayout xmlns:a="http://schemas.openxmlformats.org/drawingml/2006/main" xmlns:r="http://schemas.openxmlformats.org/officeDocument/2006/relationships" xmlns:p="http://schemas.openxmlformats.org/presentationml/2006/main" matchingName="Title and two columns" type="twoColTx">
+  <p:cSld name="TITLE_AND_TWO_COLUMNS">
+    <p:spTree>
+      <p:nvGrpSpPr>
+        <p:cNvPr id="1" name="Shape 66"/>
+        <p:cNvGrpSpPr/>
+        <p:nvPr/>
+      </p:nvGrpSpPr>
+      <p:grpSpPr>
+        <a:xfrm>
+          <a:off x="0" y="0"/>
+          <a:ext cx="0" cy="0"/>
+          <a:chOff x="0" y="0"/>
+          <a:chExt cx="0" cy="0"/>
+        </a:xfrm>
+      </p:grpSpPr>
+      <p:sp>
+        <p:nvSpPr>
+          <p:cNvPr id="67" name="Shape 67"/>
+          <p:cNvSpPr txBox="1">
+            <a:spLocks noGrp="1"/>
+          </p:cNvSpPr>
+          <p:nvPr>
+            <p:ph type="title"/>
+          </p:nvPr>
+        </p:nvSpPr>
+        <p:spPr>
+          <a:xfrm>
+            <a:off x="457200" y="205978"/>
+            <a:ext cx="8229600" cy="857400"/>
+          </a:xfrm>
+          <a:prstGeom prst="rect">
+            <a:avLst/>
+          </a:prstGeom>
+        </p:spPr>
+        <p:txBody>
+          <a:bodyPr spcFirstLastPara="1" wrap="square" lIns="91425" tIns="91425" rIns="91425" bIns="91425" anchor="b" anchorCtr="0"/>
+          <a:lstStyle>
+            <a:lvl1pPr lvl="0" rtl="0">
+              <a:spcBef>
+                <a:spcPts val="0"/>
+              </a:spcBef>
+              <a:spcAft>
+                <a:spcPts val="0"/>
+              </a:spcAft>
+              <a:buSzPts val="3600"/>
+              <a:buNone/>
+              <a:defRPr>
+                <a:solidFill>
+                  <a:srgbClr val="DA0002"/>
+                </a:solidFill>
+              </a:defRPr>
+            </a:lvl1pPr>
+            <a:lvl2pPr lvl="1" rtl="0">
+              <a:spcBef>
+                <a:spcPts val="0"/>
+              </a:spcBef>
+              <a:spcAft>
+                <a:spcPts val="0"/>
+              </a:spcAft>
+              <a:buSzPts val="3600"/>
+              <a:buNone/>
+              <a:defRPr>
+                <a:solidFill>
+                  <a:srgbClr val="DA0002"/>
+                </a:solidFill>
+              </a:defRPr>
+            </a:lvl2pPr>
+            <a:lvl3pPr lvl="2" rtl="0">
+              <a:spcBef>
+                <a:spcPts val="0"/>
+              </a:spcBef>
+              <a:spcAft>
+                <a:spcPts val="0"/>
+              </a:spcAft>
+              <a:buSzPts val="3600"/>
+              <a:buNone/>
+              <a:defRPr>
+                <a:solidFill>
+                  <a:srgbClr val="DA0002"/>
+                </a:solidFill>
+              </a:defRPr>
+            </a:lvl3pPr>
+            <a:lvl4pPr lvl="3" rtl="0">
+              <a:spcBef>
+                <a:spcPts val="0"/>
+              </a:spcBef>
+              <a:spcAft>
+                <a:spcPts val="0"/>
+              </a:spcAft>
+              <a:buSzPts val="3600"/>
+              <a:buNone/>
+              <a:defRPr>
+                <a:solidFill>
+                  <a:srgbClr val="DA0002"/>
+                </a:solidFill>
+              </a:defRPr>
+            </a:lvl4pPr>
+            <a:lvl5pPr lvl="4" rtl="0">
+              <a:spcBef>
+                <a:spcPts val="0"/>
+              </a:spcBef>
+              <a:spcAft>
+                <a:spcPts val="0"/>
+              </a:spcAft>
+              <a:buSzPts val="3600"/>
+              <a:buNone/>
+              <a:defRPr>
+                <a:solidFill>
+                  <a:srgbClr val="DA0002"/>
+                </a:solidFill>
+              </a:defRPr>
+            </a:lvl5pPr>
+            <a:lvl6pPr lvl="5" rtl="0">
+              <a:spcBef>
+                <a:spcPts val="0"/>
+              </a:spcBef>
+              <a:spcAft>
+                <a:spcPts val="0"/>
+              </a:spcAft>
+              <a:buSzPts val="3600"/>
+              <a:buNone/>
+              <a:defRPr>
+                <a:solidFill>
+                  <a:srgbClr val="DA0002"/>
+                </a:solidFill>
+              </a:defRPr>
+            </a:lvl6pPr>
+            <a:lvl7pPr lvl="6" rtl="0">
+              <a:spcBef>
+                <a:spcPts val="0"/>
+              </a:spcBef>
+              <a:spcAft>
+                <a:spcPts val="0"/>
+              </a:spcAft>
+              <a:buSzPts val="3600"/>
+              <a:buNone/>
+              <a:defRPr>
+                <a:solidFill>
+                  <a:srgbClr val="DA0002"/>
+                </a:solidFill>
+              </a:defRPr>
+            </a:lvl7pPr>
+            <a:lvl8pPr lvl="7" rtl="0">
+              <a:spcBef>
+                <a:spcPts val="0"/>
+              </a:spcBef>
+              <a:spcAft>
+                <a:spcPts val="0"/>
+              </a:spcAft>
+              <a:buSzPts val="3600"/>
+              <a:buNone/>
+              <a:defRPr>
+                <a:solidFill>
+                  <a:srgbClr val="DA0002"/>
+                </a:solidFill>
+              </a:defRPr>
+            </a:lvl8pPr>
+            <a:lvl9pPr lvl="8" rtl="0">
+              <a:spcBef>
+                <a:spcPts val="0"/>
+              </a:spcBef>
+              <a:spcAft>
+                <a:spcPts val="0"/>
+              </a:spcAft>
+              <a:buSzPts val="3600"/>
+              <a:buNone/>
+              <a:defRPr>
+                <a:solidFill>
+                  <a:srgbClr val="DA0002"/>
+                </a:solidFill>
+              </a:defRPr>
+            </a:lvl9pPr>
+          </a:lstStyle>
+          <a:p>
+            <a:endParaRPr/>
+          </a:p>
+        </p:txBody>
+      </p:sp>
+      <p:sp>
+        <p:nvSpPr>
+          <p:cNvPr id="68" name="Shape 68"/>
+          <p:cNvSpPr txBox="1">
+            <a:spLocks noGrp="1"/>
+          </p:cNvSpPr>
+          <p:nvPr>
+            <p:ph type="body" idx="1"/>
+          </p:nvPr>
+        </p:nvSpPr>
+        <p:spPr>
+          <a:xfrm>
+            <a:off x="457200" y="1200150"/>
+            <a:ext cx="3994500" cy="3725700"/>
+          </a:xfrm>
+          <a:prstGeom prst="rect">
+            <a:avLst/>
+          </a:prstGeom>
+        </p:spPr>
+        <p:txBody>
+          <a:bodyPr spcFirstLastPara="1" wrap="square" lIns="91425" tIns="91425" rIns="91425" bIns="91425" anchor="t" anchorCtr="0"/>
+          <a:lstStyle>
+            <a:lvl1pPr marL="457200" lvl="0" indent="-419100" rtl="0">
+              <a:spcBef>
+                <a:spcPts val="600"/>
+              </a:spcBef>
+              <a:spcAft>
+                <a:spcPts val="0"/>
+              </a:spcAft>
+              <a:buSzPts val="3000"/>
+              <a:buChar char="●"/>
+              <a:defRPr/>
+            </a:lvl1pPr>
+            <a:lvl2pPr marL="914400" lvl="1" indent="-381000" rtl="0">
+              <a:spcBef>
+                <a:spcPts val="0"/>
+              </a:spcBef>
+              <a:spcAft>
+                <a:spcPts val="0"/>
+              </a:spcAft>
+              <a:buSzPts val="2400"/>
+              <a:buChar char="○"/>
+              <a:defRPr/>
+            </a:lvl2pPr>
+            <a:lvl3pPr marL="1371600" lvl="2" indent="-381000" rtl="0">
+              <a:spcBef>
+                <a:spcPts val="0"/>
+              </a:spcBef>
+              <a:spcAft>
+                <a:spcPts val="0"/>
+              </a:spcAft>
+              <a:buSzPts val="2400"/>
+              <a:buChar char="■"/>
+              <a:defRPr/>
+            </a:lvl3pPr>
+            <a:lvl4pPr marL="1828800" lvl="3" indent="-342900" rtl="0">
+              <a:spcBef>
+                <a:spcPts val="0"/>
+              </a:spcBef>
+              <a:spcAft>
+                <a:spcPts val="0"/>
+              </a:spcAft>
+              <a:buSzPts val="1800"/>
+              <a:buChar char="●"/>
+              <a:defRPr/>
+            </a:lvl4pPr>
+            <a:lvl5pPr marL="2286000" lvl="4" indent="-342900" rtl="0">
+              <a:spcBef>
+                <a:spcPts val="0"/>
+              </a:spcBef>
+              <a:spcAft>
+                <a:spcPts val="0"/>
+              </a:spcAft>
+              <a:buSzPts val="1800"/>
+              <a:buChar char="○"/>
+              <a:defRPr/>
+            </a:lvl5pPr>
+            <a:lvl6pPr marL="2743200" lvl="5" indent="-342900" rtl="0">
+              <a:spcBef>
+                <a:spcPts val="0"/>
+              </a:spcBef>
+              <a:spcAft>
+                <a:spcPts val="0"/>
+              </a:spcAft>
+              <a:buSzPts val="1800"/>
+              <a:buChar char="■"/>
+              <a:defRPr/>
+            </a:lvl6pPr>
+            <a:lvl7pPr marL="3200400" lvl="6" indent="-342900" rtl="0">
+              <a:spcBef>
+                <a:spcPts val="0"/>
+              </a:spcBef>
+              <a:spcAft>
+                <a:spcPts val="0"/>
+              </a:spcAft>
+              <a:buSzPts val="1800"/>
+              <a:buChar char="●"/>
+              <a:defRPr/>
+            </a:lvl7pPr>
+            <a:lvl8pPr marL="3657600" lvl="7" indent="-342900" rtl="0">
+              <a:spcBef>
+                <a:spcPts val="0"/>
+              </a:spcBef>
+              <a:spcAft>
+                <a:spcPts val="0"/>
+              </a:spcAft>
+              <a:buSzPts val="1800"/>
+              <a:buChar char="○"/>
+              <a:defRPr/>
+            </a:lvl8pPr>
+            <a:lvl9pPr marL="4114800" lvl="8" indent="-342900" rtl="0">
+              <a:spcBef>
+                <a:spcPts val="0"/>
+              </a:spcBef>
+              <a:spcAft>
+                <a:spcPts val="0"/>
+              </a:spcAft>
+              <a:buSzPts val="1800"/>
+              <a:buChar char="■"/>
+              <a:defRPr/>
+            </a:lvl9pPr>
+          </a:lstStyle>
+          <a:p>
+            <a:endParaRPr/>
+          </a:p>
+        </p:txBody>
+      </p:sp>
+      <p:sp>
+        <p:nvSpPr>
+          <p:cNvPr id="69" name="Shape 69"/>
+          <p:cNvSpPr txBox="1">
+            <a:spLocks noGrp="1"/>
+          </p:cNvSpPr>
+          <p:nvPr>
+            <p:ph type="body" idx="2"/>
+          </p:nvPr>
+        </p:nvSpPr>
+        <p:spPr>
+          <a:xfrm>
+            <a:off x="4692274" y="1200150"/>
+            <a:ext cx="3994500" cy="3725700"/>
+          </a:xfrm>
+          <a:prstGeom prst="rect">
+            <a:avLst/>
+          </a:prstGeom>
+        </p:spPr>
+        <p:txBody>
+          <a:bodyPr spcFirstLastPara="1" wrap="square" lIns="91425" tIns="91425" rIns="91425" bIns="91425" anchor="t" anchorCtr="0"/>
+          <a:lstStyle>
+            <a:lvl1pPr marL="457200" lvl="0" indent="-419100" rtl="0">
+              <a:spcBef>
+                <a:spcPts val="600"/>
+              </a:spcBef>
+              <a:spcAft>
+                <a:spcPts val="0"/>
+              </a:spcAft>
+              <a:buSzPts val="3000"/>
+              <a:buChar char="●"/>
+              <a:defRPr/>
+            </a:lvl1pPr>
+            <a:lvl2pPr marL="914400" lvl="1" indent="-381000" rtl="0">
+              <a:spcBef>
+                <a:spcPts val="0"/>
+              </a:spcBef>
+              <a:spcAft>
+                <a:spcPts val="0"/>
+              </a:spcAft>
+              <a:buSzPts val="2400"/>
+              <a:buChar char="○"/>
+              <a:defRPr/>
+            </a:lvl2pPr>
+            <a:lvl3pPr marL="1371600" lvl="2" indent="-381000" rtl="0">
+              <a:spcBef>
+                <a:spcPts val="0"/>
+              </a:spcBef>
+              <a:spcAft>
+                <a:spcPts val="0"/>
+              </a:spcAft>
+              <a:buSzPts val="2400"/>
+              <a:buChar char="■"/>
+              <a:defRPr/>
+            </a:lvl3pPr>
+            <a:lvl4pPr marL="1828800" lvl="3" indent="-342900" rtl="0">
+              <a:spcBef>
+                <a:spcPts val="0"/>
+              </a:spcBef>
+              <a:spcAft>
+                <a:spcPts val="0"/>
+              </a:spcAft>
+              <a:buSzPts val="1800"/>
+              <a:buChar char="●"/>
+              <a:defRPr/>
+            </a:lvl4pPr>
+            <a:lvl5pPr marL="2286000" lvl="4" indent="-342900" rtl="0">
+              <a:spcBef>
+                <a:spcPts val="0"/>
+              </a:spcBef>
+              <a:spcAft>
+                <a:spcPts val="0"/>
+              </a:spcAft>
+              <a:buSzPts val="1800"/>
+              <a:buChar char="○"/>
+              <a:defRPr/>
+            </a:lvl5pPr>
+            <a:lvl6pPr marL="2743200" lvl="5" indent="-342900" rtl="0">
+              <a:spcBef>
+                <a:spcPts val="0"/>
+              </a:spcBef>
+              <a:spcAft>
+                <a:spcPts val="0"/>
+              </a:spcAft>
+              <a:buSzPts val="1800"/>
+              <a:buChar char="■"/>
+              <a:defRPr/>
+            </a:lvl6pPr>
+            <a:lvl7pPr marL="3200400" lvl="6" indent="-342900" rtl="0">
+              <a:spcBef>
+                <a:spcPts val="0"/>
+              </a:spcBef>
+              <a:spcAft>
+                <a:spcPts val="0"/>
+              </a:spcAft>
+              <a:buSzPts val="1800"/>
+              <a:buChar char="●"/>
+              <a:defRPr/>
+            </a:lvl7pPr>
+            <a:lvl8pPr marL="3657600" lvl="7" indent="-342900" rtl="0">
+              <a:spcBef>
+                <a:spcPts val="0"/>
+              </a:spcBef>
+              <a:spcAft>
+                <a:spcPts val="0"/>
+              </a:spcAft>
+              <a:buSzPts val="1800"/>
+              <a:buChar char="○"/>
+              <a:defRPr/>
+            </a:lvl8pPr>
+            <a:lvl9pPr marL="4114800" lvl="8" indent="-342900" rtl="0">
+              <a:spcBef>
+                <a:spcPts val="0"/>
+              </a:spcBef>
+              <a:spcAft>
+                <a:spcPts val="0"/>
+              </a:spcAft>
+              <a:buSzPts val="1800"/>
+              <a:buChar char="■"/>
+              <a:defRPr/>
+            </a:lvl9pPr>
+          </a:lstStyle>
+          <a:p>
+            <a:endParaRPr/>
+          </a:p>
+        </p:txBody>
+      </p:sp>
+      <p:cxnSp>
+        <p:nvCxnSpPr>
+          <p:cNvPr id="70" name="Shape 70"/>
+          <p:cNvCxnSpPr/>
+          <p:nvPr/>
+        </p:nvCxnSpPr>
+        <p:spPr>
+          <a:xfrm>
+            <a:off x="457200" y="1143000"/>
+            <a:ext cx="8229600" cy="0"/>
+          </a:xfrm>
+          <a:prstGeom prst="straightConnector1">
+            <a:avLst/>
+          </a:prstGeom>
+          <a:noFill/>
+          <a:ln w="50800" cap="flat" cmpd="sng">
+            <a:solidFill>
+              <a:srgbClr val="DA0002"/>
+            </a:solidFill>
+            <a:prstDash val="solid"/>
+            <a:round/>
+            <a:headEnd type="none" w="sm" len="sm"/>
+            <a:tailEnd type="none" w="sm" len="sm"/>
+          </a:ln>
+        </p:spPr>
+      </p:cxnSp>
+      <p:sp>
+        <p:nvSpPr>
+          <p:cNvPr id="71" name="Shape 71"/>
+          <p:cNvSpPr txBox="1">
+            <a:spLocks noGrp="1"/>
+          </p:cNvSpPr>
+          <p:nvPr>
+            <p:ph type="sldNum" idx="12"/>
+          </p:nvPr>
+        </p:nvSpPr>
+        <p:spPr>
+          <a:xfrm>
+            <a:off x="8556791" y="4749851"/>
+            <a:ext cx="548700" cy="393600"/>
+          </a:xfrm>
+          <a:prstGeom prst="rect">
+            <a:avLst/>
+          </a:prstGeom>
+        </p:spPr>
+        <p:txBody>
+          <a:bodyPr spcFirstLastPara="1" wrap="square" lIns="91425" tIns="91425" rIns="91425" bIns="91425" anchor="ctr" anchorCtr="0">
+            <a:noAutofit/>
+          </a:bodyPr>
+          <a:lstStyle>
+            <a:lvl1pPr lvl="0" rtl="0">
+              <a:buNone/>
+              <a:defRPr/>
+            </a:lvl1pPr>
+            <a:lvl2pPr lvl="1" rtl="0">
+              <a:buNone/>
+              <a:defRPr/>
+            </a:lvl2pPr>
+            <a:lvl3pPr lvl="2" rtl="0">
+              <a:buNone/>
+              <a:defRPr/>
+            </a:lvl3pPr>
+            <a:lvl4pPr lvl="3" rtl="0">
+              <a:buNone/>
+              <a:defRPr/>
+            </a:lvl4pPr>
+            <a:lvl5pPr lvl="4" rtl="0">
+              <a:buNone/>
+              <a:defRPr/>
+            </a:lvl5pPr>
+            <a:lvl6pPr lvl="5" rtl="0">
+              <a:buNone/>
+              <a:defRPr/>
+            </a:lvl6pPr>
+            <a:lvl7pPr lvl="6" rtl="0">
+              <a:buNone/>
+              <a:defRPr/>
+            </a:lvl7pPr>
+            <a:lvl8pPr lvl="7" rtl="0">
+              <a:buNone/>
+              <a:defRPr/>
+            </a:lvl8pPr>
+            <a:lvl9pPr lvl="8" rtl="0">
+              <a:buNone/>
+              <a:defRPr/>
+            </a:lvl9pPr>
+          </a:lstStyle>
+          <a:p>
+            <a:pPr marL="0" lvl="0" indent="0">
+              <a:spcBef>
+                <a:spcPts val="0"/>
+              </a:spcBef>
+              <a:spcAft>
+                <a:spcPts val="0"/>
+              </a:spcAft>
+              <a:buNone/>
+            </a:pPr>
+            <a:fld id="{00000000-1234-1234-1234-123412341234}" type="slidenum">
+              <a:rPr lang="en"/>
+              <a:t>‹#›</a:t>
+            </a:fld>
+            <a:endParaRPr/>
+          </a:p>
+        </p:txBody>
+      </p:sp>
+    </p:spTree>
+  </p:cSld>
+  <p:clrMapOvr>
+    <a:masterClrMapping/>
+  </p:clrMapOvr>
+  <p:timing>
+    <p:tnLst>
+      <p:par>
+        <p:cTn id="1" dur="indefinite" restart="never" nodeType="tmRoot"/>
+      </p:par>
+    </p:tnLst>
+  </p:timing>
+</p:sldLayout>
+</file>
+
+<file path=ppt/slideLayouts/slideLayout20.xml><?xml version="1.0" encoding="utf-8"?>
 <p:sldLayout xmlns:a="http://schemas.openxmlformats.org/drawingml/2006/main" xmlns:r="http://schemas.openxmlformats.org/officeDocument/2006/relationships" xmlns:p="http://schemas.openxmlformats.org/presentationml/2006/main" type="twoTxTwoObj" preserve="1">
   <p:cSld name="比對">
     <p:spTree>
@@ -4709,7 +5470,7 @@
               <a:pPr defTabSz="685800">
                 <a:buClrTx/>
               </a:pPr>
-              <a:t>2018/9/1</a:t>
+              <a:t>2018/9/3</a:t>
             </a:fld>
             <a:endParaRPr lang="zh-TW" altLang="en-US" kern="1200">
               <a:solidFill>
@@ -4827,561 +5588,7 @@
 </p:sldLayout>
 </file>
 
-<file path=ppt/slideLayouts/slideLayout2.xml><?xml version="1.0" encoding="utf-8"?>
-<p:sldLayout xmlns:a="http://schemas.openxmlformats.org/drawingml/2006/main" xmlns:r="http://schemas.openxmlformats.org/officeDocument/2006/relationships" xmlns:p="http://schemas.openxmlformats.org/presentationml/2006/main" matchingName="Title and two columns" type="twoColTx">
-  <p:cSld name="TITLE_AND_TWO_COLUMNS">
-    <p:spTree>
-      <p:nvGrpSpPr>
-        <p:cNvPr id="1" name="Shape 66"/>
-        <p:cNvGrpSpPr/>
-        <p:nvPr/>
-      </p:nvGrpSpPr>
-      <p:grpSpPr>
-        <a:xfrm>
-          <a:off x="0" y="0"/>
-          <a:ext cx="0" cy="0"/>
-          <a:chOff x="0" y="0"/>
-          <a:chExt cx="0" cy="0"/>
-        </a:xfrm>
-      </p:grpSpPr>
-      <p:sp>
-        <p:nvSpPr>
-          <p:cNvPr id="67" name="Shape 67"/>
-          <p:cNvSpPr txBox="1">
-            <a:spLocks noGrp="1"/>
-          </p:cNvSpPr>
-          <p:nvPr>
-            <p:ph type="title"/>
-          </p:nvPr>
-        </p:nvSpPr>
-        <p:spPr>
-          <a:xfrm>
-            <a:off x="457200" y="205978"/>
-            <a:ext cx="8229600" cy="857400"/>
-          </a:xfrm>
-          <a:prstGeom prst="rect">
-            <a:avLst/>
-          </a:prstGeom>
-        </p:spPr>
-        <p:txBody>
-          <a:bodyPr spcFirstLastPara="1" wrap="square" lIns="91425" tIns="91425" rIns="91425" bIns="91425" anchor="b" anchorCtr="0"/>
-          <a:lstStyle>
-            <a:lvl1pPr lvl="0" rtl="0">
-              <a:spcBef>
-                <a:spcPts val="0"/>
-              </a:spcBef>
-              <a:spcAft>
-                <a:spcPts val="0"/>
-              </a:spcAft>
-              <a:buSzPts val="3600"/>
-              <a:buNone/>
-              <a:defRPr>
-                <a:solidFill>
-                  <a:srgbClr val="DA0002"/>
-                </a:solidFill>
-              </a:defRPr>
-            </a:lvl1pPr>
-            <a:lvl2pPr lvl="1" rtl="0">
-              <a:spcBef>
-                <a:spcPts val="0"/>
-              </a:spcBef>
-              <a:spcAft>
-                <a:spcPts val="0"/>
-              </a:spcAft>
-              <a:buSzPts val="3600"/>
-              <a:buNone/>
-              <a:defRPr>
-                <a:solidFill>
-                  <a:srgbClr val="DA0002"/>
-                </a:solidFill>
-              </a:defRPr>
-            </a:lvl2pPr>
-            <a:lvl3pPr lvl="2" rtl="0">
-              <a:spcBef>
-                <a:spcPts val="0"/>
-              </a:spcBef>
-              <a:spcAft>
-                <a:spcPts val="0"/>
-              </a:spcAft>
-              <a:buSzPts val="3600"/>
-              <a:buNone/>
-              <a:defRPr>
-                <a:solidFill>
-                  <a:srgbClr val="DA0002"/>
-                </a:solidFill>
-              </a:defRPr>
-            </a:lvl3pPr>
-            <a:lvl4pPr lvl="3" rtl="0">
-              <a:spcBef>
-                <a:spcPts val="0"/>
-              </a:spcBef>
-              <a:spcAft>
-                <a:spcPts val="0"/>
-              </a:spcAft>
-              <a:buSzPts val="3600"/>
-              <a:buNone/>
-              <a:defRPr>
-                <a:solidFill>
-                  <a:srgbClr val="DA0002"/>
-                </a:solidFill>
-              </a:defRPr>
-            </a:lvl4pPr>
-            <a:lvl5pPr lvl="4" rtl="0">
-              <a:spcBef>
-                <a:spcPts val="0"/>
-              </a:spcBef>
-              <a:spcAft>
-                <a:spcPts val="0"/>
-              </a:spcAft>
-              <a:buSzPts val="3600"/>
-              <a:buNone/>
-              <a:defRPr>
-                <a:solidFill>
-                  <a:srgbClr val="DA0002"/>
-                </a:solidFill>
-              </a:defRPr>
-            </a:lvl5pPr>
-            <a:lvl6pPr lvl="5" rtl="0">
-              <a:spcBef>
-                <a:spcPts val="0"/>
-              </a:spcBef>
-              <a:spcAft>
-                <a:spcPts val="0"/>
-              </a:spcAft>
-              <a:buSzPts val="3600"/>
-              <a:buNone/>
-              <a:defRPr>
-                <a:solidFill>
-                  <a:srgbClr val="DA0002"/>
-                </a:solidFill>
-              </a:defRPr>
-            </a:lvl6pPr>
-            <a:lvl7pPr lvl="6" rtl="0">
-              <a:spcBef>
-                <a:spcPts val="0"/>
-              </a:spcBef>
-              <a:spcAft>
-                <a:spcPts val="0"/>
-              </a:spcAft>
-              <a:buSzPts val="3600"/>
-              <a:buNone/>
-              <a:defRPr>
-                <a:solidFill>
-                  <a:srgbClr val="DA0002"/>
-                </a:solidFill>
-              </a:defRPr>
-            </a:lvl7pPr>
-            <a:lvl8pPr lvl="7" rtl="0">
-              <a:spcBef>
-                <a:spcPts val="0"/>
-              </a:spcBef>
-              <a:spcAft>
-                <a:spcPts val="0"/>
-              </a:spcAft>
-              <a:buSzPts val="3600"/>
-              <a:buNone/>
-              <a:defRPr>
-                <a:solidFill>
-                  <a:srgbClr val="DA0002"/>
-                </a:solidFill>
-              </a:defRPr>
-            </a:lvl8pPr>
-            <a:lvl9pPr lvl="8" rtl="0">
-              <a:spcBef>
-                <a:spcPts val="0"/>
-              </a:spcBef>
-              <a:spcAft>
-                <a:spcPts val="0"/>
-              </a:spcAft>
-              <a:buSzPts val="3600"/>
-              <a:buNone/>
-              <a:defRPr>
-                <a:solidFill>
-                  <a:srgbClr val="DA0002"/>
-                </a:solidFill>
-              </a:defRPr>
-            </a:lvl9pPr>
-          </a:lstStyle>
-          <a:p>
-            <a:endParaRPr/>
-          </a:p>
-        </p:txBody>
-      </p:sp>
-      <p:sp>
-        <p:nvSpPr>
-          <p:cNvPr id="68" name="Shape 68"/>
-          <p:cNvSpPr txBox="1">
-            <a:spLocks noGrp="1"/>
-          </p:cNvSpPr>
-          <p:nvPr>
-            <p:ph type="body" idx="1"/>
-          </p:nvPr>
-        </p:nvSpPr>
-        <p:spPr>
-          <a:xfrm>
-            <a:off x="457200" y="1200150"/>
-            <a:ext cx="3994500" cy="3725700"/>
-          </a:xfrm>
-          <a:prstGeom prst="rect">
-            <a:avLst/>
-          </a:prstGeom>
-        </p:spPr>
-        <p:txBody>
-          <a:bodyPr spcFirstLastPara="1" wrap="square" lIns="91425" tIns="91425" rIns="91425" bIns="91425" anchor="t" anchorCtr="0"/>
-          <a:lstStyle>
-            <a:lvl1pPr marL="457200" lvl="0" indent="-419100" rtl="0">
-              <a:spcBef>
-                <a:spcPts val="600"/>
-              </a:spcBef>
-              <a:spcAft>
-                <a:spcPts val="0"/>
-              </a:spcAft>
-              <a:buSzPts val="3000"/>
-              <a:buChar char="●"/>
-              <a:defRPr/>
-            </a:lvl1pPr>
-            <a:lvl2pPr marL="914400" lvl="1" indent="-381000" rtl="0">
-              <a:spcBef>
-                <a:spcPts val="0"/>
-              </a:spcBef>
-              <a:spcAft>
-                <a:spcPts val="0"/>
-              </a:spcAft>
-              <a:buSzPts val="2400"/>
-              <a:buChar char="○"/>
-              <a:defRPr/>
-            </a:lvl2pPr>
-            <a:lvl3pPr marL="1371600" lvl="2" indent="-381000" rtl="0">
-              <a:spcBef>
-                <a:spcPts val="0"/>
-              </a:spcBef>
-              <a:spcAft>
-                <a:spcPts val="0"/>
-              </a:spcAft>
-              <a:buSzPts val="2400"/>
-              <a:buChar char="■"/>
-              <a:defRPr/>
-            </a:lvl3pPr>
-            <a:lvl4pPr marL="1828800" lvl="3" indent="-342900" rtl="0">
-              <a:spcBef>
-                <a:spcPts val="0"/>
-              </a:spcBef>
-              <a:spcAft>
-                <a:spcPts val="0"/>
-              </a:spcAft>
-              <a:buSzPts val="1800"/>
-              <a:buChar char="●"/>
-              <a:defRPr/>
-            </a:lvl4pPr>
-            <a:lvl5pPr marL="2286000" lvl="4" indent="-342900" rtl="0">
-              <a:spcBef>
-                <a:spcPts val="0"/>
-              </a:spcBef>
-              <a:spcAft>
-                <a:spcPts val="0"/>
-              </a:spcAft>
-              <a:buSzPts val="1800"/>
-              <a:buChar char="○"/>
-              <a:defRPr/>
-            </a:lvl5pPr>
-            <a:lvl6pPr marL="2743200" lvl="5" indent="-342900" rtl="0">
-              <a:spcBef>
-                <a:spcPts val="0"/>
-              </a:spcBef>
-              <a:spcAft>
-                <a:spcPts val="0"/>
-              </a:spcAft>
-              <a:buSzPts val="1800"/>
-              <a:buChar char="■"/>
-              <a:defRPr/>
-            </a:lvl6pPr>
-            <a:lvl7pPr marL="3200400" lvl="6" indent="-342900" rtl="0">
-              <a:spcBef>
-                <a:spcPts val="0"/>
-              </a:spcBef>
-              <a:spcAft>
-                <a:spcPts val="0"/>
-              </a:spcAft>
-              <a:buSzPts val="1800"/>
-              <a:buChar char="●"/>
-              <a:defRPr/>
-            </a:lvl7pPr>
-            <a:lvl8pPr marL="3657600" lvl="7" indent="-342900" rtl="0">
-              <a:spcBef>
-                <a:spcPts val="0"/>
-              </a:spcBef>
-              <a:spcAft>
-                <a:spcPts val="0"/>
-              </a:spcAft>
-              <a:buSzPts val="1800"/>
-              <a:buChar char="○"/>
-              <a:defRPr/>
-            </a:lvl8pPr>
-            <a:lvl9pPr marL="4114800" lvl="8" indent="-342900" rtl="0">
-              <a:spcBef>
-                <a:spcPts val="0"/>
-              </a:spcBef>
-              <a:spcAft>
-                <a:spcPts val="0"/>
-              </a:spcAft>
-              <a:buSzPts val="1800"/>
-              <a:buChar char="■"/>
-              <a:defRPr/>
-            </a:lvl9pPr>
-          </a:lstStyle>
-          <a:p>
-            <a:endParaRPr/>
-          </a:p>
-        </p:txBody>
-      </p:sp>
-      <p:sp>
-        <p:nvSpPr>
-          <p:cNvPr id="69" name="Shape 69"/>
-          <p:cNvSpPr txBox="1">
-            <a:spLocks noGrp="1"/>
-          </p:cNvSpPr>
-          <p:nvPr>
-            <p:ph type="body" idx="2"/>
-          </p:nvPr>
-        </p:nvSpPr>
-        <p:spPr>
-          <a:xfrm>
-            <a:off x="4692274" y="1200150"/>
-            <a:ext cx="3994500" cy="3725700"/>
-          </a:xfrm>
-          <a:prstGeom prst="rect">
-            <a:avLst/>
-          </a:prstGeom>
-        </p:spPr>
-        <p:txBody>
-          <a:bodyPr spcFirstLastPara="1" wrap="square" lIns="91425" tIns="91425" rIns="91425" bIns="91425" anchor="t" anchorCtr="0"/>
-          <a:lstStyle>
-            <a:lvl1pPr marL="457200" lvl="0" indent="-419100" rtl="0">
-              <a:spcBef>
-                <a:spcPts val="600"/>
-              </a:spcBef>
-              <a:spcAft>
-                <a:spcPts val="0"/>
-              </a:spcAft>
-              <a:buSzPts val="3000"/>
-              <a:buChar char="●"/>
-              <a:defRPr/>
-            </a:lvl1pPr>
-            <a:lvl2pPr marL="914400" lvl="1" indent="-381000" rtl="0">
-              <a:spcBef>
-                <a:spcPts val="0"/>
-              </a:spcBef>
-              <a:spcAft>
-                <a:spcPts val="0"/>
-              </a:spcAft>
-              <a:buSzPts val="2400"/>
-              <a:buChar char="○"/>
-              <a:defRPr/>
-            </a:lvl2pPr>
-            <a:lvl3pPr marL="1371600" lvl="2" indent="-381000" rtl="0">
-              <a:spcBef>
-                <a:spcPts val="0"/>
-              </a:spcBef>
-              <a:spcAft>
-                <a:spcPts val="0"/>
-              </a:spcAft>
-              <a:buSzPts val="2400"/>
-              <a:buChar char="■"/>
-              <a:defRPr/>
-            </a:lvl3pPr>
-            <a:lvl4pPr marL="1828800" lvl="3" indent="-342900" rtl="0">
-              <a:spcBef>
-                <a:spcPts val="0"/>
-              </a:spcBef>
-              <a:spcAft>
-                <a:spcPts val="0"/>
-              </a:spcAft>
-              <a:buSzPts val="1800"/>
-              <a:buChar char="●"/>
-              <a:defRPr/>
-            </a:lvl4pPr>
-            <a:lvl5pPr marL="2286000" lvl="4" indent="-342900" rtl="0">
-              <a:spcBef>
-                <a:spcPts val="0"/>
-              </a:spcBef>
-              <a:spcAft>
-                <a:spcPts val="0"/>
-              </a:spcAft>
-              <a:buSzPts val="1800"/>
-              <a:buChar char="○"/>
-              <a:defRPr/>
-            </a:lvl5pPr>
-            <a:lvl6pPr marL="2743200" lvl="5" indent="-342900" rtl="0">
-              <a:spcBef>
-                <a:spcPts val="0"/>
-              </a:spcBef>
-              <a:spcAft>
-                <a:spcPts val="0"/>
-              </a:spcAft>
-              <a:buSzPts val="1800"/>
-              <a:buChar char="■"/>
-              <a:defRPr/>
-            </a:lvl6pPr>
-            <a:lvl7pPr marL="3200400" lvl="6" indent="-342900" rtl="0">
-              <a:spcBef>
-                <a:spcPts val="0"/>
-              </a:spcBef>
-              <a:spcAft>
-                <a:spcPts val="0"/>
-              </a:spcAft>
-              <a:buSzPts val="1800"/>
-              <a:buChar char="●"/>
-              <a:defRPr/>
-            </a:lvl7pPr>
-            <a:lvl8pPr marL="3657600" lvl="7" indent="-342900" rtl="0">
-              <a:spcBef>
-                <a:spcPts val="0"/>
-              </a:spcBef>
-              <a:spcAft>
-                <a:spcPts val="0"/>
-              </a:spcAft>
-              <a:buSzPts val="1800"/>
-              <a:buChar char="○"/>
-              <a:defRPr/>
-            </a:lvl8pPr>
-            <a:lvl9pPr marL="4114800" lvl="8" indent="-342900" rtl="0">
-              <a:spcBef>
-                <a:spcPts val="0"/>
-              </a:spcBef>
-              <a:spcAft>
-                <a:spcPts val="0"/>
-              </a:spcAft>
-              <a:buSzPts val="1800"/>
-              <a:buChar char="■"/>
-              <a:defRPr/>
-            </a:lvl9pPr>
-          </a:lstStyle>
-          <a:p>
-            <a:endParaRPr/>
-          </a:p>
-        </p:txBody>
-      </p:sp>
-      <p:cxnSp>
-        <p:nvCxnSpPr>
-          <p:cNvPr id="70" name="Shape 70"/>
-          <p:cNvCxnSpPr/>
-          <p:nvPr/>
-        </p:nvCxnSpPr>
-        <p:spPr>
-          <a:xfrm>
-            <a:off x="457200" y="1143000"/>
-            <a:ext cx="8229600" cy="0"/>
-          </a:xfrm>
-          <a:prstGeom prst="straightConnector1">
-            <a:avLst/>
-          </a:prstGeom>
-          <a:noFill/>
-          <a:ln w="50800" cap="flat" cmpd="sng">
-            <a:solidFill>
-              <a:srgbClr val="DA0002"/>
-            </a:solidFill>
-            <a:prstDash val="solid"/>
-            <a:round/>
-            <a:headEnd type="none" w="sm" len="sm"/>
-            <a:tailEnd type="none" w="sm" len="sm"/>
-          </a:ln>
-        </p:spPr>
-      </p:cxnSp>
-      <p:sp>
-        <p:nvSpPr>
-          <p:cNvPr id="71" name="Shape 71"/>
-          <p:cNvSpPr txBox="1">
-            <a:spLocks noGrp="1"/>
-          </p:cNvSpPr>
-          <p:nvPr>
-            <p:ph type="sldNum" idx="12"/>
-          </p:nvPr>
-        </p:nvSpPr>
-        <p:spPr>
-          <a:xfrm>
-            <a:off x="8556791" y="4749851"/>
-            <a:ext cx="548700" cy="393600"/>
-          </a:xfrm>
-          <a:prstGeom prst="rect">
-            <a:avLst/>
-          </a:prstGeom>
-        </p:spPr>
-        <p:txBody>
-          <a:bodyPr spcFirstLastPara="1" wrap="square" lIns="91425" tIns="91425" rIns="91425" bIns="91425" anchor="ctr" anchorCtr="0">
-            <a:noAutofit/>
-          </a:bodyPr>
-          <a:lstStyle>
-            <a:lvl1pPr lvl="0" rtl="0">
-              <a:buNone/>
-              <a:defRPr/>
-            </a:lvl1pPr>
-            <a:lvl2pPr lvl="1" rtl="0">
-              <a:buNone/>
-              <a:defRPr/>
-            </a:lvl2pPr>
-            <a:lvl3pPr lvl="2" rtl="0">
-              <a:buNone/>
-              <a:defRPr/>
-            </a:lvl3pPr>
-            <a:lvl4pPr lvl="3" rtl="0">
-              <a:buNone/>
-              <a:defRPr/>
-            </a:lvl4pPr>
-            <a:lvl5pPr lvl="4" rtl="0">
-              <a:buNone/>
-              <a:defRPr/>
-            </a:lvl5pPr>
-            <a:lvl6pPr lvl="5" rtl="0">
-              <a:buNone/>
-              <a:defRPr/>
-            </a:lvl6pPr>
-            <a:lvl7pPr lvl="6" rtl="0">
-              <a:buNone/>
-              <a:defRPr/>
-            </a:lvl7pPr>
-            <a:lvl8pPr lvl="7" rtl="0">
-              <a:buNone/>
-              <a:defRPr/>
-            </a:lvl8pPr>
-            <a:lvl9pPr lvl="8" rtl="0">
-              <a:buNone/>
-              <a:defRPr/>
-            </a:lvl9pPr>
-          </a:lstStyle>
-          <a:p>
-            <a:pPr marL="0" lvl="0" indent="0">
-              <a:spcBef>
-                <a:spcPts val="0"/>
-              </a:spcBef>
-              <a:spcAft>
-                <a:spcPts val="0"/>
-              </a:spcAft>
-              <a:buNone/>
-            </a:pPr>
-            <a:fld id="{00000000-1234-1234-1234-123412341234}" type="slidenum">
-              <a:rPr lang="en"/>
-              <a:t>‹#›</a:t>
-            </a:fld>
-            <a:endParaRPr/>
-          </a:p>
-        </p:txBody>
-      </p:sp>
-    </p:spTree>
-  </p:cSld>
-  <p:clrMapOvr>
-    <a:masterClrMapping/>
-  </p:clrMapOvr>
-  <p:timing>
-    <p:tnLst>
-      <p:par>
-        <p:cTn id="1" dur="indefinite" restart="never" nodeType="tmRoot"/>
-      </p:par>
-    </p:tnLst>
-  </p:timing>
-</p:sldLayout>
-</file>
-
-<file path=ppt/slideLayouts/slideLayout20.xml><?xml version="1.0" encoding="utf-8"?>
+<file path=ppt/slideLayouts/slideLayout21.xml><?xml version="1.0" encoding="utf-8"?>
 <p:sldLayout xmlns:a="http://schemas.openxmlformats.org/drawingml/2006/main" xmlns:r="http://schemas.openxmlformats.org/officeDocument/2006/relationships" xmlns:p="http://schemas.openxmlformats.org/presentationml/2006/main" type="titleOnly" preserve="1">
   <p:cSld name="只有標題">
     <p:spTree>
@@ -5464,7 +5671,7 @@
               <a:pPr defTabSz="685800">
                 <a:buClrTx/>
               </a:pPr>
-              <a:t>2018/9/1</a:t>
+              <a:t>2018/9/3</a:t>
             </a:fld>
             <a:endParaRPr lang="zh-TW" altLang="en-US" kern="1200">
               <a:solidFill>
@@ -5582,7 +5789,7 @@
 </p:sldLayout>
 </file>
 
-<file path=ppt/slideLayouts/slideLayout21.xml><?xml version="1.0" encoding="utf-8"?>
+<file path=ppt/slideLayouts/slideLayout22.xml><?xml version="1.0" encoding="utf-8"?>
 <p:sldLayout xmlns:a="http://schemas.openxmlformats.org/drawingml/2006/main" xmlns:r="http://schemas.openxmlformats.org/officeDocument/2006/relationships" xmlns:p="http://schemas.openxmlformats.org/presentationml/2006/main" type="blank" preserve="1">
   <p:cSld name="空白">
     <p:spTree>
@@ -5637,7 +5844,7 @@
               <a:pPr defTabSz="685800">
                 <a:buClrTx/>
               </a:pPr>
-              <a:t>2018/9/1</a:t>
+              <a:t>2018/9/3</a:t>
             </a:fld>
             <a:endParaRPr lang="zh-TW" altLang="en-US" kern="1200">
               <a:solidFill>
@@ -5762,7 +5969,7 @@
 </p:sldLayout>
 </file>
 
-<file path=ppt/slideLayouts/slideLayout22.xml><?xml version="1.0" encoding="utf-8"?>
+<file path=ppt/slideLayouts/slideLayout23.xml><?xml version="1.0" encoding="utf-8"?>
 <p:sldLayout xmlns:a="http://schemas.openxmlformats.org/drawingml/2006/main" xmlns:r="http://schemas.openxmlformats.org/officeDocument/2006/relationships" xmlns:p="http://schemas.openxmlformats.org/presentationml/2006/main" type="objTx" preserve="1">
   <p:cSld name="含標題的內容">
     <p:spTree>
@@ -6015,7 +6222,7 @@
               <a:pPr defTabSz="685800">
                 <a:buClrTx/>
               </a:pPr>
-              <a:t>2018/9/1</a:t>
+              <a:t>2018/9/3</a:t>
             </a:fld>
             <a:endParaRPr lang="zh-TW" altLang="en-US" kern="1200">
               <a:solidFill>
@@ -6133,7 +6340,7 @@
 </p:sldLayout>
 </file>
 
-<file path=ppt/slideLayouts/slideLayout23.xml><?xml version="1.0" encoding="utf-8"?>
+<file path=ppt/slideLayouts/slideLayout24.xml><?xml version="1.0" encoding="utf-8"?>
 <p:sldLayout xmlns:a="http://schemas.openxmlformats.org/drawingml/2006/main" xmlns:r="http://schemas.openxmlformats.org/officeDocument/2006/relationships" xmlns:p="http://schemas.openxmlformats.org/presentationml/2006/main" type="picTx" preserve="1">
   <p:cSld name="含標題的圖片">
     <p:spTree>
@@ -6363,7 +6570,7 @@
               <a:pPr defTabSz="685800">
                 <a:buClrTx/>
               </a:pPr>
-              <a:t>2018/9/1</a:t>
+              <a:t>2018/9/3</a:t>
             </a:fld>
             <a:endParaRPr lang="zh-TW" altLang="en-US" kern="1200">
               <a:solidFill>
@@ -6481,7 +6688,7 @@
 </p:sldLayout>
 </file>
 
-<file path=ppt/slideLayouts/slideLayout24.xml><?xml version="1.0" encoding="utf-8"?>
+<file path=ppt/slideLayouts/slideLayout25.xml><?xml version="1.0" encoding="utf-8"?>
 <p:sldLayout xmlns:a="http://schemas.openxmlformats.org/drawingml/2006/main" xmlns:r="http://schemas.openxmlformats.org/officeDocument/2006/relationships" xmlns:p="http://schemas.openxmlformats.org/presentationml/2006/main" type="vertTx" preserve="1">
   <p:cSld name="標題及直排文字">
     <p:spTree>
@@ -6621,7 +6828,7 @@
               <a:pPr defTabSz="685800">
                 <a:buClrTx/>
               </a:pPr>
-              <a:t>2018/9/1</a:t>
+              <a:t>2018/9/3</a:t>
             </a:fld>
             <a:endParaRPr lang="zh-TW" altLang="en-US" kern="1200">
               <a:solidFill>
@@ -6739,7 +6946,7 @@
 </p:sldLayout>
 </file>
 
-<file path=ppt/slideLayouts/slideLayout25.xml><?xml version="1.0" encoding="utf-8"?>
+<file path=ppt/slideLayouts/slideLayout26.xml><?xml version="1.0" encoding="utf-8"?>
 <p:sldLayout xmlns:a="http://schemas.openxmlformats.org/drawingml/2006/main" xmlns:r="http://schemas.openxmlformats.org/officeDocument/2006/relationships" xmlns:p="http://schemas.openxmlformats.org/presentationml/2006/main" type="vertTitleAndTx" preserve="1">
   <p:cSld name="直排標題及文字">
     <p:spTree>
@@ -6889,7 +7096,7 @@
               <a:pPr defTabSz="685800">
                 <a:buClrTx/>
               </a:pPr>
-              <a:t>2018/9/1</a:t>
+              <a:t>2018/9/3</a:t>
             </a:fld>
             <a:endParaRPr lang="zh-TW" altLang="en-US" kern="1200">
               <a:solidFill>
@@ -7007,7 +7214,7 @@
 </p:sldLayout>
 </file>
 
-<file path=ppt/slideLayouts/slideLayout26.xml><?xml version="1.0" encoding="utf-8"?>
+<file path=ppt/slideLayouts/slideLayout27.xml><?xml version="1.0" encoding="utf-8"?>
 <p:sldLayout xmlns:a="http://schemas.openxmlformats.org/drawingml/2006/main" xmlns:r="http://schemas.openxmlformats.org/officeDocument/2006/relationships" xmlns:p="http://schemas.openxmlformats.org/presentationml/2006/main" matchingName="Title slide" type="title">
   <p:cSld name="Title slide">
     <p:spTree>
@@ -7406,7 +7613,7 @@
 </p:sldLayout>
 </file>
 
-<file path=ppt/slideLayouts/slideLayout27.xml><?xml version="1.0" encoding="utf-8"?>
+<file path=ppt/slideLayouts/slideLayout28.xml><?xml version="1.0" encoding="utf-8"?>
 <p:sldLayout xmlns:a="http://schemas.openxmlformats.org/drawingml/2006/main" xmlns:r="http://schemas.openxmlformats.org/officeDocument/2006/relationships" xmlns:p="http://schemas.openxmlformats.org/presentationml/2006/main" matchingName="Title and body" type="tx">
   <p:cSld name="Title and body">
     <p:spTree>
@@ -7886,7 +8093,7 @@
 </p:sldLayout>
 </file>
 
-<file path=ppt/slideLayouts/slideLayout28.xml><?xml version="1.0" encoding="utf-8"?>
+<file path=ppt/slideLayouts/slideLayout29.xml><?xml version="1.0" encoding="utf-8"?>
 <p:sldLayout xmlns:a="http://schemas.openxmlformats.org/drawingml/2006/main" xmlns:r="http://schemas.openxmlformats.org/officeDocument/2006/relationships" xmlns:p="http://schemas.openxmlformats.org/presentationml/2006/main" matchingName="Blank" type="blank">
   <p:cSld name="Blank">
     <p:spTree>
@@ -8483,6 +8690,203 @@
 </file>
 
 <file path=ppt/slideLayouts/slideLayout4.xml><?xml version="1.0" encoding="utf-8"?>
+<p:sldLayout xmlns:a="http://schemas.openxmlformats.org/drawingml/2006/main" xmlns:r="http://schemas.openxmlformats.org/officeDocument/2006/relationships" xmlns:p="http://schemas.openxmlformats.org/presentationml/2006/main" matchingName="Blank" type="blank">
+  <p:cSld name="Blank">
+    <p:spTree>
+      <p:nvGrpSpPr>
+        <p:cNvPr id="1" name="Shape 80"/>
+        <p:cNvGrpSpPr/>
+        <p:nvPr/>
+      </p:nvGrpSpPr>
+      <p:grpSpPr>
+        <a:xfrm>
+          <a:off x="0" y="0"/>
+          <a:ext cx="0" cy="0"/>
+          <a:chOff x="0" y="0"/>
+          <a:chExt cx="0" cy="0"/>
+        </a:xfrm>
+      </p:grpSpPr>
+      <p:cxnSp>
+        <p:nvCxnSpPr>
+          <p:cNvPr id="81" name="Shape 81"/>
+          <p:cNvCxnSpPr/>
+          <p:nvPr/>
+        </p:nvCxnSpPr>
+        <p:spPr>
+          <a:xfrm>
+            <a:off x="457200" y="113139"/>
+            <a:ext cx="8229600" cy="0"/>
+          </a:xfrm>
+          <a:prstGeom prst="straightConnector1">
+            <a:avLst/>
+          </a:prstGeom>
+          <a:noFill/>
+          <a:ln w="50800" cap="flat" cmpd="sng">
+            <a:solidFill>
+              <a:schemeClr val="lt2"/>
+            </a:solidFill>
+            <a:prstDash val="solid"/>
+            <a:round/>
+            <a:headEnd type="none" w="sm" len="sm"/>
+            <a:tailEnd type="none" w="sm" len="sm"/>
+          </a:ln>
+        </p:spPr>
+      </p:cxnSp>
+      <p:sp>
+        <p:nvSpPr>
+          <p:cNvPr id="82" name="Shape 82"/>
+          <p:cNvSpPr txBox="1">
+            <a:spLocks noGrp="1"/>
+          </p:cNvSpPr>
+          <p:nvPr>
+            <p:ph type="sldNum" idx="12"/>
+          </p:nvPr>
+        </p:nvSpPr>
+        <p:spPr>
+          <a:xfrm>
+            <a:off x="8556791" y="4749851"/>
+            <a:ext cx="548700" cy="393600"/>
+          </a:xfrm>
+          <a:prstGeom prst="rect">
+            <a:avLst/>
+          </a:prstGeom>
+        </p:spPr>
+        <p:txBody>
+          <a:bodyPr spcFirstLastPara="1" wrap="square" lIns="91425" tIns="91425" rIns="91425" bIns="91425" anchor="ctr" anchorCtr="0">
+            <a:noAutofit/>
+          </a:bodyPr>
+          <a:lstStyle>
+            <a:lvl1pPr lvl="0" rtl="0">
+              <a:buNone/>
+              <a:defRPr/>
+            </a:lvl1pPr>
+            <a:lvl2pPr lvl="1" rtl="0">
+              <a:buNone/>
+              <a:defRPr/>
+            </a:lvl2pPr>
+            <a:lvl3pPr lvl="2" rtl="0">
+              <a:buNone/>
+              <a:defRPr/>
+            </a:lvl3pPr>
+            <a:lvl4pPr lvl="3" rtl="0">
+              <a:buNone/>
+              <a:defRPr/>
+            </a:lvl4pPr>
+            <a:lvl5pPr lvl="4" rtl="0">
+              <a:buNone/>
+              <a:defRPr/>
+            </a:lvl5pPr>
+            <a:lvl6pPr lvl="5" rtl="0">
+              <a:buNone/>
+              <a:defRPr/>
+            </a:lvl6pPr>
+            <a:lvl7pPr lvl="6" rtl="0">
+              <a:buNone/>
+              <a:defRPr/>
+            </a:lvl7pPr>
+            <a:lvl8pPr lvl="7" rtl="0">
+              <a:buNone/>
+              <a:defRPr/>
+            </a:lvl8pPr>
+            <a:lvl9pPr lvl="8" rtl="0">
+              <a:buNone/>
+              <a:defRPr/>
+            </a:lvl9pPr>
+          </a:lstStyle>
+          <a:p>
+            <a:pPr marL="0" marR="0" lvl="0" indent="0" algn="r" defTabSz="914400" rtl="0" eaLnBrk="1" fontAlgn="auto" latinLnBrk="0" hangingPunct="1">
+              <a:lnSpc>
+                <a:spcPct val="100000"/>
+              </a:lnSpc>
+              <a:spcBef>
+                <a:spcPts val="0"/>
+              </a:spcBef>
+              <a:spcAft>
+                <a:spcPts val="0"/>
+              </a:spcAft>
+              <a:buClr>
+                <a:srgbClr val="000000"/>
+              </a:buClr>
+              <a:buSzTx/>
+              <a:buFont typeface="Arial"/>
+              <a:buNone/>
+              <a:tabLst/>
+              <a:defRPr/>
+            </a:pPr>
+            <a:fld id="{00000000-1234-1234-1234-123412341234}" type="slidenum">
+              <a:rPr kumimoji="0" lang="en" sz="1300" b="0" i="0" u="none" strike="noStrike" kern="0" cap="none" spc="0" normalizeH="0" baseline="0" noProof="0">
+                <a:ln>
+                  <a:noFill/>
+                </a:ln>
+                <a:solidFill>
+                  <a:srgbClr val="000000"/>
+                </a:solidFill>
+                <a:effectLst/>
+                <a:uLnTx/>
+                <a:uFillTx/>
+                <a:latin typeface="Arial"/>
+                <a:cs typeface="Arial"/>
+                <a:sym typeface="Arial"/>
+              </a:rPr>
+              <a:pPr marL="0" marR="0" lvl="0" indent="0" algn="r" defTabSz="914400" rtl="0" eaLnBrk="1" fontAlgn="auto" latinLnBrk="0" hangingPunct="1">
+                <a:lnSpc>
+                  <a:spcPct val="100000"/>
+                </a:lnSpc>
+                <a:spcBef>
+                  <a:spcPts val="0"/>
+                </a:spcBef>
+                <a:spcAft>
+                  <a:spcPts val="0"/>
+                </a:spcAft>
+                <a:buClr>
+                  <a:srgbClr val="000000"/>
+                </a:buClr>
+                <a:buSzTx/>
+                <a:buFont typeface="Arial"/>
+                <a:buNone/>
+                <a:tabLst/>
+                <a:defRPr/>
+              </a:pPr>
+              <a:t>‹#›</a:t>
+            </a:fld>
+            <a:endParaRPr kumimoji="0" sz="1300" b="0" i="0" u="none" strike="noStrike" kern="0" cap="none" spc="0" normalizeH="0" baseline="0" noProof="0">
+              <a:ln>
+                <a:noFill/>
+              </a:ln>
+              <a:solidFill>
+                <a:srgbClr val="000000"/>
+              </a:solidFill>
+              <a:effectLst/>
+              <a:uLnTx/>
+              <a:uFillTx/>
+              <a:latin typeface="Arial"/>
+              <a:cs typeface="Arial"/>
+              <a:sym typeface="Arial"/>
+            </a:endParaRPr>
+          </a:p>
+        </p:txBody>
+      </p:sp>
+    </p:spTree>
+    <p:extLst>
+      <p:ext uri="{BB962C8B-B14F-4D97-AF65-F5344CB8AC3E}">
+        <p14:creationId xmlns:p14="http://schemas.microsoft.com/office/powerpoint/2010/main" val="973984161"/>
+      </p:ext>
+    </p:extLst>
+  </p:cSld>
+  <p:clrMapOvr>
+    <a:masterClrMapping/>
+  </p:clrMapOvr>
+  <p:timing>
+    <p:tnLst>
+      <p:par>
+        <p:cTn id="1" dur="indefinite" restart="never" nodeType="tmRoot"/>
+      </p:par>
+    </p:tnLst>
+  </p:timing>
+</p:sldLayout>
+</file>
+
+<file path=ppt/slideLayouts/slideLayout5.xml><?xml version="1.0" encoding="utf-8"?>
 <p:sldLayout xmlns:a="http://schemas.openxmlformats.org/drawingml/2006/main" xmlns:r="http://schemas.openxmlformats.org/officeDocument/2006/relationships" xmlns:p="http://schemas.openxmlformats.org/presentationml/2006/main" type="title" preserve="1">
   <p:cSld name="標題投影片">
     <p:spTree>
@@ -8644,7 +9048,7 @@
               <a:pPr defTabSz="685800">
                 <a:buClrTx/>
               </a:pPr>
-              <a:t>2018/9/1</a:t>
+              <a:t>2018/9/3</a:t>
             </a:fld>
             <a:endParaRPr lang="zh-TW" altLang="en-US" kern="1200">
               <a:solidFill>
@@ -8769,7 +9173,7 @@
 </p:sldLayout>
 </file>
 
-<file path=ppt/slideLayouts/slideLayout5.xml><?xml version="1.0" encoding="utf-8"?>
+<file path=ppt/slideLayouts/slideLayout6.xml><?xml version="1.0" encoding="utf-8"?>
 <p:sldLayout xmlns:a="http://schemas.openxmlformats.org/drawingml/2006/main" xmlns:r="http://schemas.openxmlformats.org/officeDocument/2006/relationships" xmlns:p="http://schemas.openxmlformats.org/presentationml/2006/main" type="obj" preserve="1">
   <p:cSld name="標題及內容">
     <p:spTree>
@@ -8909,7 +9313,7 @@
               <a:pPr defTabSz="685800">
                 <a:buClrTx/>
               </a:pPr>
-              <a:t>2018/9/1</a:t>
+              <a:t>2018/9/3</a:t>
             </a:fld>
             <a:endParaRPr lang="zh-TW" altLang="en-US" kern="1200">
               <a:solidFill>
@@ -9027,7 +9431,7 @@
 </p:sldLayout>
 </file>
 
-<file path=ppt/slideLayouts/slideLayout6.xml><?xml version="1.0" encoding="utf-8"?>
+<file path=ppt/slideLayouts/slideLayout7.xml><?xml version="1.0" encoding="utf-8"?>
 <p:sldLayout xmlns:a="http://schemas.openxmlformats.org/drawingml/2006/main" xmlns:r="http://schemas.openxmlformats.org/officeDocument/2006/relationships" xmlns:p="http://schemas.openxmlformats.org/presentationml/2006/main" type="secHead" preserve="1">
   <p:cSld name="章節標題">
     <p:spTree>
@@ -9244,7 +9648,7 @@
               <a:pPr defTabSz="685800">
                 <a:buClrTx/>
               </a:pPr>
-              <a:t>2018/9/1</a:t>
+              <a:t>2018/9/3</a:t>
             </a:fld>
             <a:endParaRPr lang="zh-TW" altLang="en-US" kern="1200">
               <a:solidFill>
@@ -9362,7 +9766,7 @@
 </p:sldLayout>
 </file>
 
-<file path=ppt/slideLayouts/slideLayout7.xml><?xml version="1.0" encoding="utf-8"?>
+<file path=ppt/slideLayouts/slideLayout8.xml><?xml version="1.0" encoding="utf-8"?>
 <p:sldLayout xmlns:a="http://schemas.openxmlformats.org/drawingml/2006/main" xmlns:r="http://schemas.openxmlformats.org/officeDocument/2006/relationships" xmlns:p="http://schemas.openxmlformats.org/presentationml/2006/main" type="twoObj" preserve="1">
   <p:cSld name="兩個內容">
     <p:spTree>
@@ -9569,7 +9973,7 @@
               <a:pPr defTabSz="685800">
                 <a:buClrTx/>
               </a:pPr>
-              <a:t>2018/9/1</a:t>
+              <a:t>2018/9/3</a:t>
             </a:fld>
             <a:endParaRPr lang="zh-TW" altLang="en-US" kern="1200">
               <a:solidFill>
@@ -9687,7 +10091,7 @@
 </p:sldLayout>
 </file>
 
-<file path=ppt/slideLayouts/slideLayout8.xml><?xml version="1.0" encoding="utf-8"?>
+<file path=ppt/slideLayouts/slideLayout9.xml><?xml version="1.0" encoding="utf-8"?>
 <p:sldLayout xmlns:a="http://schemas.openxmlformats.org/drawingml/2006/main" xmlns:r="http://schemas.openxmlformats.org/officeDocument/2006/relationships" xmlns:p="http://schemas.openxmlformats.org/presentationml/2006/main" type="twoTxTwoObj" preserve="1">
   <p:cSld name="比對">
     <p:spTree>
@@ -10041,7 +10445,7 @@
               <a:pPr defTabSz="685800">
                 <a:buClrTx/>
               </a:pPr>
-              <a:t>2018/9/1</a:t>
+              <a:t>2018/9/3</a:t>
             </a:fld>
             <a:endParaRPr lang="zh-TW" altLang="en-US" kern="1200">
               <a:solidFill>
@@ -10150,207 +10554,6 @@
     <p:extLst>
       <p:ext uri="{BB962C8B-B14F-4D97-AF65-F5344CB8AC3E}">
         <p14:creationId xmlns:p14="http://schemas.microsoft.com/office/powerpoint/2010/main" val="3828416115"/>
-      </p:ext>
-    </p:extLst>
-  </p:cSld>
-  <p:clrMapOvr>
-    <a:masterClrMapping/>
-  </p:clrMapOvr>
-</p:sldLayout>
-</file>
-
-<file path=ppt/slideLayouts/slideLayout9.xml><?xml version="1.0" encoding="utf-8"?>
-<p:sldLayout xmlns:a="http://schemas.openxmlformats.org/drawingml/2006/main" xmlns:r="http://schemas.openxmlformats.org/officeDocument/2006/relationships" xmlns:p="http://schemas.openxmlformats.org/presentationml/2006/main" type="titleOnly" preserve="1">
-  <p:cSld name="只有標題">
-    <p:spTree>
-      <p:nvGrpSpPr>
-        <p:cNvPr id="1" name=""/>
-        <p:cNvGrpSpPr/>
-        <p:nvPr/>
-      </p:nvGrpSpPr>
-      <p:grpSpPr>
-        <a:xfrm>
-          <a:off x="0" y="0"/>
-          <a:ext cx="0" cy="0"/>
-          <a:chOff x="0" y="0"/>
-          <a:chExt cx="0" cy="0"/>
-        </a:xfrm>
-      </p:grpSpPr>
-      <p:sp>
-        <p:nvSpPr>
-          <p:cNvPr id="2" name="標題 1">
-            <a:extLst>
-              <a:ext uri="{FF2B5EF4-FFF2-40B4-BE49-F238E27FC236}">
-                <a16:creationId xmlns:a16="http://schemas.microsoft.com/office/drawing/2014/main" id="{1C79B5ED-801B-4D9E-BE46-A78D4F51EB0A}"/>
-              </a:ext>
-            </a:extLst>
-          </p:cNvPr>
-          <p:cNvSpPr>
-            <a:spLocks noGrp="1"/>
-          </p:cNvSpPr>
-          <p:nvPr>
-            <p:ph type="title"/>
-          </p:nvPr>
-        </p:nvSpPr>
-        <p:spPr/>
-        <p:txBody>
-          <a:bodyPr/>
-          <a:lstStyle/>
-          <a:p>
-            <a:r>
-              <a:rPr lang="zh-TW" altLang="en-US"/>
-              <a:t>按一下以編輯母片標題樣式</a:t>
-            </a:r>
-          </a:p>
-        </p:txBody>
-      </p:sp>
-      <p:sp>
-        <p:nvSpPr>
-          <p:cNvPr id="3" name="日期版面配置區 2">
-            <a:extLst>
-              <a:ext uri="{FF2B5EF4-FFF2-40B4-BE49-F238E27FC236}">
-                <a16:creationId xmlns:a16="http://schemas.microsoft.com/office/drawing/2014/main" id="{A0463496-3FC5-4C53-8967-8561A255D9AA}"/>
-              </a:ext>
-            </a:extLst>
-          </p:cNvPr>
-          <p:cNvSpPr>
-            <a:spLocks noGrp="1"/>
-          </p:cNvSpPr>
-          <p:nvPr>
-            <p:ph type="dt" sz="half" idx="10"/>
-          </p:nvPr>
-        </p:nvSpPr>
-        <p:spPr/>
-        <p:txBody>
-          <a:bodyPr/>
-          <a:lstStyle/>
-          <a:p>
-            <a:pPr defTabSz="685800">
-              <a:buClrTx/>
-            </a:pPr>
-            <a:fld id="{79FBDEAA-46ED-4A68-A55F-F830455D2CE7}" type="datetimeFigureOut">
-              <a:rPr lang="zh-TW" altLang="en-US" kern="1200" smtClean="0">
-                <a:solidFill>
-                  <a:prstClr val="black">
-                    <a:tint val="75000"/>
-                  </a:prstClr>
-                </a:solidFill>
-                <a:latin typeface="Calibri" panose="020F0502020204030204"/>
-                <a:ea typeface="新細明體" panose="02020500000000000000" pitchFamily="18" charset="-120"/>
-                <a:cs typeface="+mn-cs"/>
-              </a:rPr>
-              <a:pPr defTabSz="685800">
-                <a:buClrTx/>
-              </a:pPr>
-              <a:t>2018/9/1</a:t>
-            </a:fld>
-            <a:endParaRPr lang="zh-TW" altLang="en-US" kern="1200">
-              <a:solidFill>
-                <a:prstClr val="black">
-                  <a:tint val="75000"/>
-                </a:prstClr>
-              </a:solidFill>
-              <a:latin typeface="Calibri" panose="020F0502020204030204"/>
-              <a:ea typeface="新細明體" panose="02020500000000000000" pitchFamily="18" charset="-120"/>
-              <a:cs typeface="+mn-cs"/>
-            </a:endParaRPr>
-          </a:p>
-        </p:txBody>
-      </p:sp>
-      <p:sp>
-        <p:nvSpPr>
-          <p:cNvPr id="4" name="頁尾版面配置區 3">
-            <a:extLst>
-              <a:ext uri="{FF2B5EF4-FFF2-40B4-BE49-F238E27FC236}">
-                <a16:creationId xmlns:a16="http://schemas.microsoft.com/office/drawing/2014/main" id="{5182B4A6-2DDD-4612-9428-23FF95FE8B8C}"/>
-              </a:ext>
-            </a:extLst>
-          </p:cNvPr>
-          <p:cNvSpPr>
-            <a:spLocks noGrp="1"/>
-          </p:cNvSpPr>
-          <p:nvPr>
-            <p:ph type="ftr" sz="quarter" idx="11"/>
-          </p:nvPr>
-        </p:nvSpPr>
-        <p:spPr/>
-        <p:txBody>
-          <a:bodyPr/>
-          <a:lstStyle/>
-          <a:p>
-            <a:pPr defTabSz="685800">
-              <a:buClrTx/>
-            </a:pPr>
-            <a:endParaRPr lang="zh-TW" altLang="en-US" kern="1200">
-              <a:solidFill>
-                <a:prstClr val="black">
-                  <a:tint val="75000"/>
-                </a:prstClr>
-              </a:solidFill>
-              <a:latin typeface="Calibri" panose="020F0502020204030204"/>
-              <a:ea typeface="新細明體" panose="02020500000000000000" pitchFamily="18" charset="-120"/>
-              <a:cs typeface="+mn-cs"/>
-            </a:endParaRPr>
-          </a:p>
-        </p:txBody>
-      </p:sp>
-      <p:sp>
-        <p:nvSpPr>
-          <p:cNvPr id="5" name="投影片編號版面配置區 4">
-            <a:extLst>
-              <a:ext uri="{FF2B5EF4-FFF2-40B4-BE49-F238E27FC236}">
-                <a16:creationId xmlns:a16="http://schemas.microsoft.com/office/drawing/2014/main" id="{78066D27-9BCE-497F-B75E-719A87988C76}"/>
-              </a:ext>
-            </a:extLst>
-          </p:cNvPr>
-          <p:cNvSpPr>
-            <a:spLocks noGrp="1"/>
-          </p:cNvSpPr>
-          <p:nvPr>
-            <p:ph type="sldNum" sz="quarter" idx="12"/>
-          </p:nvPr>
-        </p:nvSpPr>
-        <p:spPr/>
-        <p:txBody>
-          <a:bodyPr/>
-          <a:lstStyle/>
-          <a:p>
-            <a:pPr defTabSz="685800">
-              <a:buClrTx/>
-            </a:pPr>
-            <a:fld id="{2ED3522C-9944-4E16-B07C-4FDDC028DFA0}" type="slidenum">
-              <a:rPr lang="zh-TW" altLang="en-US" kern="1200" smtClean="0">
-                <a:solidFill>
-                  <a:prstClr val="black">
-                    <a:tint val="75000"/>
-                  </a:prstClr>
-                </a:solidFill>
-                <a:latin typeface="Calibri" panose="020F0502020204030204"/>
-                <a:ea typeface="新細明體" panose="02020500000000000000" pitchFamily="18" charset="-120"/>
-                <a:cs typeface="+mn-cs"/>
-              </a:rPr>
-              <a:pPr defTabSz="685800">
-                <a:buClrTx/>
-              </a:pPr>
-              <a:t>‹#›</a:t>
-            </a:fld>
-            <a:endParaRPr lang="zh-TW" altLang="en-US" kern="1200">
-              <a:solidFill>
-                <a:prstClr val="black">
-                  <a:tint val="75000"/>
-                </a:prstClr>
-              </a:solidFill>
-              <a:latin typeface="Calibri" panose="020F0502020204030204"/>
-              <a:ea typeface="新細明體" panose="02020500000000000000" pitchFamily="18" charset="-120"/>
-              <a:cs typeface="+mn-cs"/>
-            </a:endParaRPr>
-          </a:p>
-        </p:txBody>
-      </p:sp>
-    </p:spTree>
-    <p:extLst>
-      <p:ext uri="{BB962C8B-B14F-4D97-AF65-F5344CB8AC3E}">
-        <p14:creationId xmlns:p14="http://schemas.microsoft.com/office/powerpoint/2010/main" val="1614044169"/>
       </p:ext>
     </p:extLst>
   </p:cSld>
@@ -10925,7 +11128,7 @@
           <p:nvPr/>
         </p:nvPicPr>
         <p:blipFill>
-          <a:blip r:embed="rId5">
+          <a:blip r:embed="rId6">
             <a:alphaModFix/>
           </a:blip>
           <a:stretch>
@@ -10955,7 +11158,7 @@
           <p:nvPr userDrawn="1"/>
         </p:nvPicPr>
         <p:blipFill>
-          <a:blip r:embed="rId6"/>
+          <a:blip r:embed="rId7"/>
           <a:stretch>
             <a:fillRect/>
           </a:stretch>
@@ -10977,6 +11180,7 @@
     <p:sldLayoutId id="2147483657" r:id="rId1"/>
     <p:sldLayoutId id="2147483658" r:id="rId2"/>
     <p:sldLayoutId id="2147483695" r:id="rId3"/>
+    <p:sldLayoutId id="2147483696" r:id="rId4"/>
   </p:sldLayoutIdLst>
   <p:timing>
     <p:tnLst>
@@ -11861,7 +12065,7 @@
               <a:pPr defTabSz="685800">
                 <a:buClrTx/>
               </a:pPr>
-              <a:t>2018/9/1</a:t>
+              <a:t>2018/9/3</a:t>
             </a:fld>
             <a:endParaRPr lang="zh-TW" altLang="en-US" kern="1200">
               <a:solidFill>
@@ -12496,7 +12700,7 @@
               <a:pPr defTabSz="685800">
                 <a:buClrTx/>
               </a:pPr>
-              <a:t>2018/9/1</a:t>
+              <a:t>2018/9/3</a:t>
             </a:fld>
             <a:endParaRPr lang="zh-TW" altLang="en-US" kern="1200">
               <a:solidFill>
@@ -14689,6 +14893,314 @@
           <a:chExt cx="0" cy="0"/>
         </a:xfrm>
       </p:grpSpPr>
+      <p:sp>
+        <p:nvSpPr>
+          <p:cNvPr id="7" name="文字方塊 6"/>
+          <p:cNvSpPr txBox="1"/>
+          <p:nvPr/>
+        </p:nvSpPr>
+        <p:spPr>
+          <a:xfrm>
+            <a:off x="381435" y="4718306"/>
+            <a:ext cx="6353021" cy="523220"/>
+          </a:xfrm>
+          <a:prstGeom prst="rect">
+            <a:avLst/>
+          </a:prstGeom>
+          <a:noFill/>
+        </p:spPr>
+        <p:txBody>
+          <a:bodyPr wrap="none" rtlCol="0">
+            <a:spAutoFit/>
+          </a:bodyPr>
+          <a:lstStyle/>
+          <a:p>
+            <a:r>
+              <a:rPr lang="en-US" dirty="0">
+                <a:hlinkClick r:id="rId3"/>
+              </a:rPr>
+              <a:t>https://www.nginx.com/blog/service-discovery-in-a-microservices-architecture</a:t>
+            </a:r>
+            <a:r>
+              <a:rPr lang="en-US" dirty="0" smtClean="0">
+                <a:hlinkClick r:id="rId3"/>
+              </a:rPr>
+              <a:t>/</a:t>
+            </a:r>
+            <a:endParaRPr lang="en-US" dirty="0" smtClean="0"/>
+          </a:p>
+          <a:p>
+            <a:endParaRPr lang="en-US" dirty="0"/>
+          </a:p>
+        </p:txBody>
+      </p:sp>
+      <p:pic>
+        <p:nvPicPr>
+          <p:cNvPr id="2050" name="Picture 2" descr="Service discovery is difficult in a modern, cloud-based microservices application because the set of instances, and their IP addresses, are subject to constant change"/>
+          <p:cNvPicPr>
+            <a:picLocks noChangeAspect="1" noChangeArrowheads="1"/>
+          </p:cNvPicPr>
+          <p:nvPr/>
+        </p:nvPicPr>
+        <p:blipFill>
+          <a:blip r:embed="rId4">
+            <a:extLst>
+              <a:ext uri="{28A0092B-C50C-407E-A947-70E740481C1C}">
+                <a14:useLocalDpi xmlns:a14="http://schemas.microsoft.com/office/drawing/2010/main" val="0"/>
+              </a:ext>
+            </a:extLst>
+          </a:blip>
+          <a:srcRect/>
+          <a:stretch>
+            <a:fillRect/>
+          </a:stretch>
+        </p:blipFill>
+        <p:spPr bwMode="auto">
+          <a:xfrm>
+            <a:off x="1637497" y="157774"/>
+            <a:ext cx="4370664" cy="4456029"/>
+          </a:xfrm>
+          <a:prstGeom prst="rect">
+            <a:avLst/>
+          </a:prstGeom>
+          <a:noFill/>
+          <a:extLst>
+            <a:ext uri="{909E8E84-426E-40DD-AFC4-6F175D3DCCD1}">
+              <a14:hiddenFill xmlns:a14="http://schemas.microsoft.com/office/drawing/2010/main">
+                <a:solidFill>
+                  <a:srgbClr val="FFFFFF"/>
+                </a:solidFill>
+              </a14:hiddenFill>
+            </a:ext>
+          </a:extLst>
+        </p:spPr>
+      </p:pic>
+      <p:sp>
+        <p:nvSpPr>
+          <p:cNvPr id="2" name="圓角矩形 1"/>
+          <p:cNvSpPr/>
+          <p:nvPr/>
+        </p:nvSpPr>
+        <p:spPr>
+          <a:xfrm>
+            <a:off x="3464270" y="198555"/>
+            <a:ext cx="2466267" cy="4519751"/>
+          </a:xfrm>
+          <a:prstGeom prst="roundRect">
+            <a:avLst>
+              <a:gd name="adj" fmla="val 7085"/>
+            </a:avLst>
+          </a:prstGeom>
+          <a:noFill/>
+        </p:spPr>
+        <p:style>
+          <a:lnRef idx="2">
+            <a:schemeClr val="accent1"/>
+          </a:lnRef>
+          <a:fillRef idx="1">
+            <a:schemeClr val="lt1"/>
+          </a:fillRef>
+          <a:effectRef idx="0">
+            <a:schemeClr val="accent1"/>
+          </a:effectRef>
+          <a:fontRef idx="minor">
+            <a:schemeClr val="dk1"/>
+          </a:fontRef>
+        </p:style>
+        <p:txBody>
+          <a:bodyPr rtlCol="0" anchor="ctr"/>
+          <a:lstStyle/>
+          <a:p>
+            <a:pPr algn="ctr"/>
+            <a:endParaRPr lang="en-US"/>
+          </a:p>
+        </p:txBody>
+      </p:sp>
+      <p:sp>
+        <p:nvSpPr>
+          <p:cNvPr id="3" name="文字方塊 2"/>
+          <p:cNvSpPr txBox="1"/>
+          <p:nvPr/>
+        </p:nvSpPr>
+        <p:spPr>
+          <a:xfrm>
+            <a:off x="6008161" y="381437"/>
+            <a:ext cx="2339102" cy="3108543"/>
+          </a:xfrm>
+          <a:prstGeom prst="rect">
+            <a:avLst/>
+          </a:prstGeom>
+          <a:noFill/>
+        </p:spPr>
+        <p:txBody>
+          <a:bodyPr wrap="none" rtlCol="0">
+            <a:spAutoFit/>
+          </a:bodyPr>
+          <a:lstStyle/>
+          <a:p>
+            <a:r>
+              <a:rPr lang="zh-TW" altLang="en-US" dirty="0" smtClean="0"/>
+              <a:t>越符合 </a:t>
+            </a:r>
+            <a:r>
+              <a:rPr lang="en-US" altLang="zh-TW" dirty="0" smtClean="0"/>
+              <a:t>Cloud</a:t>
+            </a:r>
+            <a:r>
+              <a:rPr lang="zh-TW" altLang="en-US" dirty="0" smtClean="0"/>
+              <a:t> </a:t>
+            </a:r>
+            <a:r>
+              <a:rPr lang="en-US" altLang="zh-TW" dirty="0" smtClean="0"/>
+              <a:t>Native,</a:t>
+            </a:r>
+          </a:p>
+          <a:p>
+            <a:r>
+              <a:rPr lang="en-US" dirty="0" smtClean="0"/>
+              <a:t>DevOps </a:t>
+            </a:r>
+            <a:r>
+              <a:rPr lang="zh-TW" altLang="en-US" dirty="0" smtClean="0"/>
+              <a:t>的原則，越需要</a:t>
+            </a:r>
+            <a:endParaRPr lang="en-US" altLang="zh-TW" dirty="0" smtClean="0"/>
+          </a:p>
+          <a:p>
+            <a:r>
+              <a:rPr lang="zh-TW" altLang="en-US" dirty="0" smtClean="0"/>
+              <a:t>高度動態的部署方式。</a:t>
+            </a:r>
+            <a:endParaRPr lang="en-US" altLang="zh-TW" dirty="0" smtClean="0"/>
+          </a:p>
+          <a:p>
+            <a:endParaRPr lang="en-US" altLang="zh-TW" dirty="0"/>
+          </a:p>
+          <a:p>
+            <a:r>
+              <a:rPr lang="en-US" altLang="zh-TW" dirty="0" smtClean="0"/>
+              <a:t>Auto Scaling </a:t>
+            </a:r>
+            <a:r>
+              <a:rPr lang="zh-TW" altLang="en-US" dirty="0" smtClean="0"/>
+              <a:t>的機制，</a:t>
+            </a:r>
+            <a:endParaRPr lang="en-US" altLang="zh-TW" dirty="0" smtClean="0"/>
+          </a:p>
+          <a:p>
+            <a:r>
+              <a:rPr lang="zh-TW" altLang="en-US" dirty="0" smtClean="0"/>
+              <a:t>部署機制可能幾秒鐘就會</a:t>
+            </a:r>
+            <a:endParaRPr lang="en-US" altLang="zh-TW" dirty="0" smtClean="0"/>
+          </a:p>
+          <a:p>
+            <a:r>
+              <a:rPr lang="zh-TW" altLang="en-US" dirty="0" smtClean="0"/>
+              <a:t>變化；</a:t>
+            </a:r>
+            <a:endParaRPr lang="en-US" altLang="zh-TW" dirty="0" smtClean="0"/>
+          </a:p>
+          <a:p>
+            <a:endParaRPr lang="en-US" altLang="zh-TW" dirty="0"/>
+          </a:p>
+          <a:p>
+            <a:r>
+              <a:rPr lang="en-US" altLang="zh-TW" dirty="0" smtClean="0"/>
+              <a:t>Container </a:t>
+            </a:r>
+            <a:r>
+              <a:rPr lang="zh-TW" altLang="en-US" dirty="0" smtClean="0"/>
+              <a:t>的風行，可能</a:t>
+            </a:r>
+            <a:endParaRPr lang="en-US" altLang="zh-TW" dirty="0" smtClean="0"/>
+          </a:p>
+          <a:p>
+            <a:r>
+              <a:rPr lang="zh-TW" altLang="en-US" dirty="0" smtClean="0"/>
+              <a:t>一台</a:t>
+            </a:r>
+            <a:r>
+              <a:rPr lang="zh-TW" altLang="en-US" dirty="0"/>
+              <a:t> </a:t>
+            </a:r>
+            <a:r>
+              <a:rPr lang="en-US" altLang="zh-TW" dirty="0" smtClean="0"/>
+              <a:t>VM</a:t>
+            </a:r>
+            <a:r>
+              <a:rPr lang="zh-TW" altLang="en-US" dirty="0" smtClean="0"/>
+              <a:t> 就存在多個服務</a:t>
+            </a:r>
+            <a:endParaRPr lang="en-US" altLang="zh-TW" dirty="0" smtClean="0"/>
+          </a:p>
+          <a:p>
+            <a:r>
+              <a:rPr lang="en-US" altLang="zh-TW" dirty="0" smtClean="0"/>
+              <a:t>(instance), IP / PORT </a:t>
+            </a:r>
+            <a:r>
+              <a:rPr lang="zh-TW" altLang="en-US" dirty="0" smtClean="0"/>
+              <a:t>都</a:t>
+            </a:r>
+            <a:endParaRPr lang="en-US" altLang="zh-TW" dirty="0" smtClean="0"/>
+          </a:p>
+          <a:p>
+            <a:r>
+              <a:rPr lang="zh-TW" altLang="en-US" dirty="0" smtClean="0"/>
+              <a:t>有可能數秒鐘就變動一次</a:t>
+            </a:r>
+            <a:r>
+              <a:rPr lang="zh-TW" altLang="en-US" dirty="0"/>
+              <a:t>。</a:t>
+            </a:r>
+            <a:endParaRPr lang="en-US" altLang="zh-TW" dirty="0" smtClean="0"/>
+          </a:p>
+          <a:p>
+            <a:endParaRPr lang="en-US" altLang="zh-TW" dirty="0"/>
+          </a:p>
+          <a:p>
+            <a:endParaRPr lang="en-US" altLang="zh-TW" dirty="0" smtClean="0"/>
+          </a:p>
+        </p:txBody>
+      </p:sp>
+    </p:spTree>
+    <p:extLst>
+      <p:ext uri="{BB962C8B-B14F-4D97-AF65-F5344CB8AC3E}">
+        <p14:creationId xmlns:p14="http://schemas.microsoft.com/office/powerpoint/2010/main" val="4144815228"/>
+      </p:ext>
+    </p:extLst>
+  </p:cSld>
+  <p:clrMapOvr>
+    <a:masterClrMapping/>
+  </p:clrMapOvr>
+  <p:timing>
+    <p:tnLst>
+      <p:par>
+        <p:cTn id="1" dur="indefinite" restart="never" nodeType="tmRoot"/>
+      </p:par>
+    </p:tnLst>
+  </p:timing>
+</p:sld>
+</file>
+
+<file path=ppt/slides/slide11.xml><?xml version="1.0" encoding="utf-8"?>
+<p:sld xmlns:a="http://schemas.openxmlformats.org/drawingml/2006/main" xmlns:r="http://schemas.openxmlformats.org/officeDocument/2006/relationships" xmlns:p="http://schemas.openxmlformats.org/presentationml/2006/main">
+  <p:cSld>
+    <p:spTree>
+      <p:nvGrpSpPr>
+        <p:cNvPr id="1" name=""/>
+        <p:cNvGrpSpPr/>
+        <p:nvPr/>
+      </p:nvGrpSpPr>
+      <p:grpSpPr>
+        <a:xfrm>
+          <a:off x="0" y="0"/>
+          <a:ext cx="0" cy="0"/>
+          <a:chOff x="0" y="0"/>
+          <a:chExt cx="0" cy="0"/>
+        </a:xfrm>
+      </p:grpSpPr>
       <p:pic>
         <p:nvPicPr>
           <p:cNvPr id="7" name="Picture 4" descr="With client-side service discovery, the client determines the network locations of available service instances and load balances requests across them"/>
@@ -15350,7 +15862,7 @@
 </p:sld>
 </file>
 
-<file path=ppt/slides/slide11.xml><?xml version="1.0" encoding="utf-8"?>
+<file path=ppt/slides/slide12.xml><?xml version="1.0" encoding="utf-8"?>
 <p:sld xmlns:a="http://schemas.openxmlformats.org/drawingml/2006/main" xmlns:r="http://schemas.openxmlformats.org/officeDocument/2006/relationships" xmlns:p="http://schemas.openxmlformats.org/presentationml/2006/main">
   <p:cSld>
     <p:spTree>
@@ -15550,7 +16062,7 @@
 </p:sld>
 </file>
 
-<file path=ppt/slides/slide12.xml><?xml version="1.0" encoding="utf-8"?>
+<file path=ppt/slides/slide13.xml><?xml version="1.0" encoding="utf-8"?>
 <p:sld xmlns:a="http://schemas.openxmlformats.org/drawingml/2006/main" xmlns:r="http://schemas.openxmlformats.org/officeDocument/2006/relationships" xmlns:p="http://schemas.openxmlformats.org/presentationml/2006/main">
   <p:cSld>
     <p:spTree>
@@ -15674,89 +16186,49 @@
           </a:p>
         </p:txBody>
       </p:sp>
+      <p:sp>
+        <p:nvSpPr>
+          <p:cNvPr id="6" name="圓角矩形 5"/>
+          <p:cNvSpPr/>
+          <p:nvPr/>
+        </p:nvSpPr>
+        <p:spPr>
+          <a:xfrm>
+            <a:off x="642693" y="1980329"/>
+            <a:ext cx="2591670" cy="2168434"/>
+          </a:xfrm>
+          <a:prstGeom prst="roundRect">
+            <a:avLst/>
+          </a:prstGeom>
+          <a:noFill/>
+        </p:spPr>
+        <p:style>
+          <a:lnRef idx="2">
+            <a:schemeClr val="accent3"/>
+          </a:lnRef>
+          <a:fillRef idx="1">
+            <a:schemeClr val="lt1"/>
+          </a:fillRef>
+          <a:effectRef idx="0">
+            <a:schemeClr val="accent3"/>
+          </a:effectRef>
+          <a:fontRef idx="minor">
+            <a:schemeClr val="dk1"/>
+          </a:fontRef>
+        </p:style>
+        <p:txBody>
+          <a:bodyPr rtlCol="0" anchor="ctr"/>
+          <a:lstStyle/>
+          <a:p>
+            <a:pPr algn="ctr"/>
+            <a:endParaRPr lang="en-US"/>
+          </a:p>
+        </p:txBody>
+      </p:sp>
     </p:spTree>
     <p:extLst>
       <p:ext uri="{BB962C8B-B14F-4D97-AF65-F5344CB8AC3E}">
         <p14:creationId xmlns:p14="http://schemas.microsoft.com/office/powerpoint/2010/main" val="3481930133"/>
-      </p:ext>
-    </p:extLst>
-  </p:cSld>
-  <p:clrMapOvr>
-    <a:masterClrMapping/>
-  </p:clrMapOvr>
-  <p:timing>
-    <p:tnLst>
-      <p:par>
-        <p:cTn id="1" dur="indefinite" restart="never" nodeType="tmRoot"/>
-      </p:par>
-    </p:tnLst>
-  </p:timing>
-</p:sld>
-</file>
-
-<file path=ppt/slides/slide13.xml><?xml version="1.0" encoding="utf-8"?>
-<p:sld xmlns:a="http://schemas.openxmlformats.org/drawingml/2006/main" xmlns:r="http://schemas.openxmlformats.org/officeDocument/2006/relationships" xmlns:p="http://schemas.openxmlformats.org/presentationml/2006/main">
-  <p:cSld>
-    <p:spTree>
-      <p:nvGrpSpPr>
-        <p:cNvPr id="1" name=""/>
-        <p:cNvGrpSpPr/>
-        <p:nvPr/>
-      </p:nvGrpSpPr>
-      <p:grpSpPr>
-        <a:xfrm>
-          <a:off x="0" y="0"/>
-          <a:ext cx="0" cy="0"/>
-          <a:chOff x="0" y="0"/>
-          <a:chExt cx="0" cy="0"/>
-        </a:xfrm>
-      </p:grpSpPr>
-      <p:sp>
-        <p:nvSpPr>
-          <p:cNvPr id="5" name="標題 4"/>
-          <p:cNvSpPr>
-            <a:spLocks noGrp="1"/>
-          </p:cNvSpPr>
-          <p:nvPr>
-            <p:ph type="title"/>
-          </p:nvPr>
-        </p:nvSpPr>
-        <p:spPr/>
-        <p:txBody>
-          <a:bodyPr/>
-          <a:lstStyle/>
-          <a:p>
-            <a:r>
-              <a:rPr lang="en-US" dirty="0" smtClean="0"/>
-              <a:t>Consul: Client Side Disc Pattern</a:t>
-            </a:r>
-            <a:endParaRPr lang="en-US" dirty="0"/>
-          </a:p>
-        </p:txBody>
-      </p:sp>
-      <p:sp>
-        <p:nvSpPr>
-          <p:cNvPr id="6" name="文字版面配置區 5"/>
-          <p:cNvSpPr>
-            <a:spLocks noGrp="1"/>
-          </p:cNvSpPr>
-          <p:nvPr>
-            <p:ph type="body" idx="1"/>
-          </p:nvPr>
-        </p:nvSpPr>
-        <p:spPr/>
-        <p:txBody>
-          <a:bodyPr/>
-          <a:lstStyle/>
-          <a:p>
-            <a:endParaRPr lang="en-US"/>
-          </a:p>
-        </p:txBody>
-      </p:sp>
-    </p:spTree>
-    <p:extLst>
-      <p:ext uri="{BB962C8B-B14F-4D97-AF65-F5344CB8AC3E}">
-        <p14:creationId xmlns:p14="http://schemas.microsoft.com/office/powerpoint/2010/main" val="3079020348"/>
       </p:ext>
     </p:extLst>
   </p:cSld>
@@ -15792,702 +16264,120 @@
       </p:grpSpPr>
       <p:sp>
         <p:nvSpPr>
-          <p:cNvPr id="5" name="圓角矩形 4"/>
-          <p:cNvSpPr/>
+          <p:cNvPr id="5" name="標題 4"/>
+          <p:cNvSpPr>
+            <a:spLocks noGrp="1"/>
+          </p:cNvSpPr>
+          <p:nvPr>
+            <p:ph type="title"/>
+          </p:nvPr>
+        </p:nvSpPr>
+        <p:spPr/>
+        <p:txBody>
+          <a:bodyPr/>
+          <a:lstStyle/>
+          <a:p>
+            <a:r>
+              <a:rPr lang="en-US" dirty="0" smtClean="0"/>
+              <a:t>Consul: Client Side Disc Pattern</a:t>
+            </a:r>
+            <a:endParaRPr lang="en-US" dirty="0"/>
+          </a:p>
+        </p:txBody>
+      </p:sp>
+      <p:sp>
+        <p:nvSpPr>
+          <p:cNvPr id="6" name="文字版面配置區 5"/>
+          <p:cNvSpPr>
+            <a:spLocks noGrp="1"/>
+          </p:cNvSpPr>
+          <p:nvPr>
+            <p:ph type="body" idx="1"/>
+          </p:nvPr>
+        </p:nvSpPr>
+        <p:spPr/>
+        <p:txBody>
+          <a:bodyPr/>
+          <a:lstStyle/>
+          <a:p>
+            <a:endParaRPr lang="en-US" dirty="0"/>
+          </a:p>
+        </p:txBody>
+      </p:sp>
+      <p:sp>
+        <p:nvSpPr>
+          <p:cNvPr id="2" name="文字方塊 1"/>
+          <p:cNvSpPr txBox="1"/>
           <p:nvPr/>
         </p:nvSpPr>
         <p:spPr>
           <a:xfrm>
-            <a:off x="2335638" y="475488"/>
-            <a:ext cx="6541879" cy="3971109"/>
+            <a:off x="-40000" y="4908733"/>
+            <a:ext cx="9224000" cy="307777"/>
           </a:xfrm>
-          <a:prstGeom prst="roundRect">
-            <a:avLst>
-              <a:gd name="adj" fmla="val 9562"/>
-            </a:avLst>
-          </a:prstGeom>
-        </p:spPr>
-        <p:style>
-          <a:lnRef idx="2">
-            <a:schemeClr val="accent1"/>
-          </a:lnRef>
-          <a:fillRef idx="1">
-            <a:schemeClr val="lt1"/>
-          </a:fillRef>
-          <a:effectRef idx="0">
-            <a:schemeClr val="accent1"/>
-          </a:effectRef>
-          <a:fontRef idx="minor">
-            <a:schemeClr val="dk1"/>
-          </a:fontRef>
-        </p:style>
-        <p:txBody>
-          <a:bodyPr rtlCol="0" anchor="ctr"/>
-          <a:lstStyle/>
-          <a:p>
-            <a:pPr algn="ctr"/>
-            <a:endParaRPr lang="en-US"/>
-          </a:p>
-        </p:txBody>
-      </p:sp>
-      <p:sp>
-        <p:nvSpPr>
-          <p:cNvPr id="6" name="圓角矩形 5"/>
-          <p:cNvSpPr/>
-          <p:nvPr/>
-        </p:nvSpPr>
-        <p:spPr>
-          <a:xfrm>
-            <a:off x="2048257" y="783771"/>
-            <a:ext cx="1212233" cy="1045029"/>
-          </a:xfrm>
-          <a:prstGeom prst="roundRect">
+          <a:prstGeom prst="rect">
             <a:avLst/>
           </a:prstGeom>
+          <a:noFill/>
         </p:spPr>
-        <p:style>
-          <a:lnRef idx="2">
-            <a:schemeClr val="accent3"/>
-          </a:lnRef>
-          <a:fillRef idx="1">
-            <a:schemeClr val="lt1"/>
-          </a:fillRef>
-          <a:effectRef idx="0">
-            <a:schemeClr val="accent3"/>
-          </a:effectRef>
-          <a:fontRef idx="minor">
-            <a:schemeClr val="dk1"/>
-          </a:fontRef>
-        </p:style>
-        <p:txBody>
-          <a:bodyPr rtlCol="0" anchor="ctr"/>
+        <p:txBody>
+          <a:bodyPr wrap="none" rtlCol="0">
+            <a:spAutoFit/>
+          </a:bodyPr>
           <a:lstStyle/>
           <a:p>
-            <a:pPr algn="ctr"/>
-            <a:r>
-              <a:rPr lang="en-US" dirty="0" smtClean="0"/>
-              <a:t>API GW</a:t>
-            </a:r>
-            <a:endParaRPr lang="en-US" dirty="0"/>
-          </a:p>
-        </p:txBody>
-      </p:sp>
-      <p:sp>
-        <p:nvSpPr>
-          <p:cNvPr id="10" name="圓角矩形 9"/>
-          <p:cNvSpPr/>
+            <a:r>
+              <a:rPr lang="en-US" dirty="0"/>
+              <a:t>https://medium.com/containers-on-aws/how-to-setup-service-discovery-in-elastic-container-service-3d18479959e6</a:t>
+            </a:r>
+          </a:p>
+        </p:txBody>
+      </p:sp>
+      <p:pic>
+        <p:nvPicPr>
+          <p:cNvPr id="4098" name="Picture 2" descr="https://cdn-images-1.medium.com/max/1500/1*CpBTDx0E8RBRLBp87fOuPQ.png"/>
+          <p:cNvPicPr>
+            <a:picLocks noChangeAspect="1" noChangeArrowheads="1"/>
+          </p:cNvPicPr>
           <p:nvPr/>
-        </p:nvSpPr>
-        <p:spPr>
+        </p:nvPicPr>
+        <p:blipFill>
+          <a:blip r:embed="rId2">
+            <a:extLst>
+              <a:ext uri="{28A0092B-C50C-407E-A947-70E740481C1C}">
+                <a14:useLocalDpi xmlns:a14="http://schemas.microsoft.com/office/drawing/2010/main" val="0"/>
+              </a:ext>
+            </a:extLst>
+          </a:blip>
+          <a:srcRect/>
+          <a:stretch>
+            <a:fillRect/>
+          </a:stretch>
+        </p:blipFill>
+        <p:spPr bwMode="auto">
           <a:xfrm>
-            <a:off x="373598" y="783771"/>
-            <a:ext cx="1212233" cy="1045029"/>
+            <a:off x="457200" y="1219255"/>
+            <a:ext cx="6904852" cy="3670374"/>
           </a:xfrm>
-          <a:prstGeom prst="roundRect">
+          <a:prstGeom prst="rect">
             <a:avLst/>
           </a:prstGeom>
+          <a:noFill/>
+          <a:extLst>
+            <a:ext uri="{909E8E84-426E-40DD-AFC4-6F175D3DCCD1}">
+              <a14:hiddenFill xmlns:a14="http://schemas.microsoft.com/office/drawing/2010/main">
+                <a:solidFill>
+                  <a:srgbClr val="FFFFFF"/>
+                </a:solidFill>
+              </a14:hiddenFill>
+            </a:ext>
+          </a:extLst>
         </p:spPr>
-        <p:style>
-          <a:lnRef idx="2">
-            <a:schemeClr val="accent3"/>
-          </a:lnRef>
-          <a:fillRef idx="1">
-            <a:schemeClr val="lt1"/>
-          </a:fillRef>
-          <a:effectRef idx="0">
-            <a:schemeClr val="accent3"/>
-          </a:effectRef>
-          <a:fontRef idx="minor">
-            <a:schemeClr val="dk1"/>
-          </a:fontRef>
-        </p:style>
-        <p:txBody>
-          <a:bodyPr rtlCol="0" anchor="ctr"/>
-          <a:lstStyle/>
-          <a:p>
-            <a:pPr algn="ctr"/>
-            <a:r>
-              <a:rPr lang="en-US" dirty="0" smtClean="0"/>
-              <a:t>ELB</a:t>
-            </a:r>
-            <a:endParaRPr lang="en-US" dirty="0"/>
-          </a:p>
-        </p:txBody>
-      </p:sp>
-      <p:sp>
-        <p:nvSpPr>
-          <p:cNvPr id="12" name="圓角矩形 11"/>
-          <p:cNvSpPr/>
-          <p:nvPr/>
-        </p:nvSpPr>
-        <p:spPr>
-          <a:xfrm>
-            <a:off x="3422467" y="3195175"/>
-            <a:ext cx="1463039" cy="1045029"/>
-          </a:xfrm>
-          <a:prstGeom prst="roundRect">
-            <a:avLst/>
-          </a:prstGeom>
-        </p:spPr>
-        <p:style>
-          <a:lnRef idx="2">
-            <a:schemeClr val="accent3"/>
-          </a:lnRef>
-          <a:fillRef idx="1">
-            <a:schemeClr val="lt1"/>
-          </a:fillRef>
-          <a:effectRef idx="0">
-            <a:schemeClr val="accent3"/>
-          </a:effectRef>
-          <a:fontRef idx="minor">
-            <a:schemeClr val="dk1"/>
-          </a:fontRef>
-        </p:style>
-        <p:txBody>
-          <a:bodyPr rtlCol="0" anchor="ctr"/>
-          <a:lstStyle/>
-          <a:p>
-            <a:pPr algn="ctr"/>
-            <a:endParaRPr lang="en-US" dirty="0" smtClean="0"/>
-          </a:p>
-          <a:p>
-            <a:pPr algn="ctr"/>
-            <a:r>
-              <a:rPr lang="en-US" dirty="0" smtClean="0"/>
-              <a:t>Consul Agent</a:t>
-            </a:r>
-          </a:p>
-          <a:p>
-            <a:pPr algn="ctr"/>
-            <a:r>
-              <a:rPr lang="en-US" dirty="0" smtClean="0"/>
-              <a:t>(server mode)</a:t>
-            </a:r>
-          </a:p>
-          <a:p>
-            <a:pPr algn="ctr"/>
-            <a:endParaRPr lang="en-US" dirty="0" smtClean="0"/>
-          </a:p>
-          <a:p>
-            <a:pPr algn="ctr"/>
-            <a:r>
-              <a:rPr lang="en-US" dirty="0" smtClean="0"/>
-              <a:t>10.0.0.1:8500</a:t>
-            </a:r>
-            <a:endParaRPr lang="en-US" dirty="0"/>
-          </a:p>
-        </p:txBody>
-      </p:sp>
-      <p:sp>
-        <p:nvSpPr>
-          <p:cNvPr id="13" name="圓角矩形 12"/>
-          <p:cNvSpPr/>
-          <p:nvPr/>
-        </p:nvSpPr>
-        <p:spPr>
-          <a:xfrm>
-            <a:off x="3547871" y="783771"/>
-            <a:ext cx="1212233" cy="1045029"/>
-          </a:xfrm>
-          <a:prstGeom prst="roundRect">
-            <a:avLst/>
-          </a:prstGeom>
-        </p:spPr>
-        <p:style>
-          <a:lnRef idx="2">
-            <a:schemeClr val="accent6"/>
-          </a:lnRef>
-          <a:fillRef idx="1">
-            <a:schemeClr val="lt1"/>
-          </a:fillRef>
-          <a:effectRef idx="0">
-            <a:schemeClr val="accent6"/>
-          </a:effectRef>
-          <a:fontRef idx="minor">
-            <a:schemeClr val="dk1"/>
-          </a:fontRef>
-        </p:style>
-        <p:txBody>
-          <a:bodyPr rtlCol="0" anchor="ctr"/>
-          <a:lstStyle/>
-          <a:p>
-            <a:pPr algn="ctr"/>
-            <a:r>
-              <a:rPr lang="en-US" dirty="0" smtClean="0"/>
-              <a:t>Service A #1</a:t>
-            </a:r>
-            <a:endParaRPr lang="en-US" dirty="0"/>
-          </a:p>
-        </p:txBody>
-      </p:sp>
-      <p:sp>
-        <p:nvSpPr>
-          <p:cNvPr id="14" name="圓角矩形 13"/>
-          <p:cNvSpPr/>
-          <p:nvPr/>
-        </p:nvSpPr>
-        <p:spPr>
-          <a:xfrm>
-            <a:off x="3547871" y="1943754"/>
-            <a:ext cx="1212233" cy="1045029"/>
-          </a:xfrm>
-          <a:prstGeom prst="roundRect">
-            <a:avLst/>
-          </a:prstGeom>
-        </p:spPr>
-        <p:style>
-          <a:lnRef idx="2">
-            <a:schemeClr val="accent6"/>
-          </a:lnRef>
-          <a:fillRef idx="1">
-            <a:schemeClr val="lt1"/>
-          </a:fillRef>
-          <a:effectRef idx="0">
-            <a:schemeClr val="accent6"/>
-          </a:effectRef>
-          <a:fontRef idx="minor">
-            <a:schemeClr val="dk1"/>
-          </a:fontRef>
-        </p:style>
-        <p:txBody>
-          <a:bodyPr rtlCol="0" anchor="ctr"/>
-          <a:lstStyle/>
-          <a:p>
-            <a:pPr algn="ctr"/>
-            <a:r>
-              <a:rPr lang="en-US" dirty="0" smtClean="0"/>
-              <a:t>Service A #2</a:t>
-            </a:r>
-            <a:endParaRPr lang="en-US" dirty="0"/>
-          </a:p>
-        </p:txBody>
-      </p:sp>
-      <p:sp>
-        <p:nvSpPr>
-          <p:cNvPr id="15" name="圓角矩形 14"/>
-          <p:cNvSpPr/>
-          <p:nvPr/>
-        </p:nvSpPr>
-        <p:spPr>
-          <a:xfrm>
-            <a:off x="4833255" y="783771"/>
-            <a:ext cx="1212233" cy="1045029"/>
-          </a:xfrm>
-          <a:prstGeom prst="roundRect">
-            <a:avLst/>
-          </a:prstGeom>
-        </p:spPr>
-        <p:style>
-          <a:lnRef idx="2">
-            <a:schemeClr val="accent6"/>
-          </a:lnRef>
-          <a:fillRef idx="1">
-            <a:schemeClr val="lt1"/>
-          </a:fillRef>
-          <a:effectRef idx="0">
-            <a:schemeClr val="accent6"/>
-          </a:effectRef>
-          <a:fontRef idx="minor">
-            <a:schemeClr val="dk1"/>
-          </a:fontRef>
-        </p:style>
-        <p:txBody>
-          <a:bodyPr rtlCol="0" anchor="ctr"/>
-          <a:lstStyle/>
-          <a:p>
-            <a:pPr algn="ctr"/>
-            <a:r>
-              <a:rPr lang="en-US" dirty="0" smtClean="0"/>
-              <a:t>Service A #3</a:t>
-            </a:r>
-            <a:endParaRPr lang="en-US" dirty="0"/>
-          </a:p>
-        </p:txBody>
-      </p:sp>
-      <p:sp>
-        <p:nvSpPr>
-          <p:cNvPr id="16" name="圓角矩形 15"/>
-          <p:cNvSpPr/>
-          <p:nvPr/>
-        </p:nvSpPr>
-        <p:spPr>
-          <a:xfrm>
-            <a:off x="4833255" y="1943754"/>
-            <a:ext cx="1212233" cy="1045029"/>
-          </a:xfrm>
-          <a:prstGeom prst="roundRect">
-            <a:avLst/>
-          </a:prstGeom>
-        </p:spPr>
-        <p:style>
-          <a:lnRef idx="2">
-            <a:schemeClr val="accent6"/>
-          </a:lnRef>
-          <a:fillRef idx="1">
-            <a:schemeClr val="lt1"/>
-          </a:fillRef>
-          <a:effectRef idx="0">
-            <a:schemeClr val="accent6"/>
-          </a:effectRef>
-          <a:fontRef idx="minor">
-            <a:schemeClr val="dk1"/>
-          </a:fontRef>
-        </p:style>
-        <p:txBody>
-          <a:bodyPr rtlCol="0" anchor="ctr"/>
-          <a:lstStyle/>
-          <a:p>
-            <a:pPr algn="ctr"/>
-            <a:r>
-              <a:rPr lang="en-US" dirty="0" smtClean="0"/>
-              <a:t>Service A #4</a:t>
-            </a:r>
-            <a:endParaRPr lang="en-US" dirty="0"/>
-          </a:p>
-        </p:txBody>
-      </p:sp>
-      <p:sp>
-        <p:nvSpPr>
-          <p:cNvPr id="17" name="圓角矩形 16"/>
-          <p:cNvSpPr/>
-          <p:nvPr/>
-        </p:nvSpPr>
-        <p:spPr>
-          <a:xfrm>
-            <a:off x="6118639" y="783771"/>
-            <a:ext cx="1212233" cy="1045029"/>
-          </a:xfrm>
-          <a:prstGeom prst="roundRect">
-            <a:avLst/>
-          </a:prstGeom>
-        </p:spPr>
-        <p:style>
-          <a:lnRef idx="2">
-            <a:schemeClr val="accent2"/>
-          </a:lnRef>
-          <a:fillRef idx="1">
-            <a:schemeClr val="lt1"/>
-          </a:fillRef>
-          <a:effectRef idx="0">
-            <a:schemeClr val="accent2"/>
-          </a:effectRef>
-          <a:fontRef idx="minor">
-            <a:schemeClr val="dk1"/>
-          </a:fontRef>
-        </p:style>
-        <p:txBody>
-          <a:bodyPr rtlCol="0" anchor="ctr"/>
-          <a:lstStyle/>
-          <a:p>
-            <a:pPr algn="ctr"/>
-            <a:r>
-              <a:rPr lang="en-US" dirty="0" smtClean="0"/>
-              <a:t>Service A #1</a:t>
-            </a:r>
-            <a:endParaRPr lang="en-US" dirty="0"/>
-          </a:p>
-        </p:txBody>
-      </p:sp>
-      <p:sp>
-        <p:nvSpPr>
-          <p:cNvPr id="18" name="圓角矩形 17"/>
-          <p:cNvSpPr/>
-          <p:nvPr/>
-        </p:nvSpPr>
-        <p:spPr>
-          <a:xfrm>
-            <a:off x="6118639" y="1943754"/>
-            <a:ext cx="1212233" cy="1045029"/>
-          </a:xfrm>
-          <a:prstGeom prst="roundRect">
-            <a:avLst/>
-          </a:prstGeom>
-        </p:spPr>
-        <p:style>
-          <a:lnRef idx="2">
-            <a:schemeClr val="accent2"/>
-          </a:lnRef>
-          <a:fillRef idx="1">
-            <a:schemeClr val="lt1"/>
-          </a:fillRef>
-          <a:effectRef idx="0">
-            <a:schemeClr val="accent2"/>
-          </a:effectRef>
-          <a:fontRef idx="minor">
-            <a:schemeClr val="dk1"/>
-          </a:fontRef>
-        </p:style>
-        <p:txBody>
-          <a:bodyPr rtlCol="0" anchor="ctr"/>
-          <a:lstStyle/>
-          <a:p>
-            <a:pPr algn="ctr"/>
-            <a:r>
-              <a:rPr lang="en-US" dirty="0" smtClean="0"/>
-              <a:t>Service A #2</a:t>
-            </a:r>
-            <a:endParaRPr lang="en-US" dirty="0"/>
-          </a:p>
-        </p:txBody>
-      </p:sp>
-      <p:sp>
-        <p:nvSpPr>
-          <p:cNvPr id="19" name="圓角矩形 18"/>
-          <p:cNvSpPr/>
-          <p:nvPr/>
-        </p:nvSpPr>
-        <p:spPr>
-          <a:xfrm>
-            <a:off x="7404023" y="783771"/>
-            <a:ext cx="1212233" cy="1045029"/>
-          </a:xfrm>
-          <a:prstGeom prst="roundRect">
-            <a:avLst/>
-          </a:prstGeom>
-        </p:spPr>
-        <p:style>
-          <a:lnRef idx="2">
-            <a:schemeClr val="accent2"/>
-          </a:lnRef>
-          <a:fillRef idx="1">
-            <a:schemeClr val="lt1"/>
-          </a:fillRef>
-          <a:effectRef idx="0">
-            <a:schemeClr val="accent2"/>
-          </a:effectRef>
-          <a:fontRef idx="minor">
-            <a:schemeClr val="dk1"/>
-          </a:fontRef>
-        </p:style>
-        <p:txBody>
-          <a:bodyPr rtlCol="0" anchor="ctr"/>
-          <a:lstStyle/>
-          <a:p>
-            <a:pPr algn="ctr"/>
-            <a:r>
-              <a:rPr lang="en-US" dirty="0" smtClean="0"/>
-              <a:t>Service A #3</a:t>
-            </a:r>
-            <a:endParaRPr lang="en-US" dirty="0"/>
-          </a:p>
-        </p:txBody>
-      </p:sp>
-      <p:sp>
-        <p:nvSpPr>
-          <p:cNvPr id="20" name="圓角矩形 19"/>
-          <p:cNvSpPr/>
-          <p:nvPr/>
-        </p:nvSpPr>
-        <p:spPr>
-          <a:xfrm>
-            <a:off x="7404023" y="1943754"/>
-            <a:ext cx="1212233" cy="1045029"/>
-          </a:xfrm>
-          <a:prstGeom prst="roundRect">
-            <a:avLst/>
-          </a:prstGeom>
-        </p:spPr>
-        <p:style>
-          <a:lnRef idx="2">
-            <a:schemeClr val="accent2"/>
-          </a:lnRef>
-          <a:fillRef idx="1">
-            <a:schemeClr val="lt1"/>
-          </a:fillRef>
-          <a:effectRef idx="0">
-            <a:schemeClr val="accent2"/>
-          </a:effectRef>
-          <a:fontRef idx="minor">
-            <a:schemeClr val="dk1"/>
-          </a:fontRef>
-        </p:style>
-        <p:txBody>
-          <a:bodyPr rtlCol="0" anchor="ctr"/>
-          <a:lstStyle/>
-          <a:p>
-            <a:pPr algn="ctr"/>
-            <a:r>
-              <a:rPr lang="en-US" dirty="0" smtClean="0"/>
-              <a:t>Service A #4</a:t>
-            </a:r>
-            <a:endParaRPr lang="en-US" dirty="0"/>
-          </a:p>
-        </p:txBody>
-      </p:sp>
-      <p:sp>
-        <p:nvSpPr>
-          <p:cNvPr id="23" name="圓角矩形 22"/>
-          <p:cNvSpPr/>
-          <p:nvPr/>
-        </p:nvSpPr>
-        <p:spPr>
-          <a:xfrm>
-            <a:off x="2048257" y="1943754"/>
-            <a:ext cx="1212233" cy="1045029"/>
-          </a:xfrm>
-          <a:prstGeom prst="roundRect">
-            <a:avLst/>
-          </a:prstGeom>
-        </p:spPr>
-        <p:style>
-          <a:lnRef idx="2">
-            <a:schemeClr val="accent3"/>
-          </a:lnRef>
-          <a:fillRef idx="1">
-            <a:schemeClr val="lt1"/>
-          </a:fillRef>
-          <a:effectRef idx="0">
-            <a:schemeClr val="accent3"/>
-          </a:effectRef>
-          <a:fontRef idx="minor">
-            <a:schemeClr val="dk1"/>
-          </a:fontRef>
-        </p:style>
-        <p:txBody>
-          <a:bodyPr rtlCol="0" anchor="ctr"/>
-          <a:lstStyle/>
-          <a:p>
-            <a:pPr algn="ctr"/>
-            <a:r>
-              <a:rPr lang="en-US" dirty="0" smtClean="0"/>
-              <a:t>API GW</a:t>
-            </a:r>
-            <a:endParaRPr lang="en-US" dirty="0"/>
-          </a:p>
-        </p:txBody>
-      </p:sp>
-      <p:sp>
-        <p:nvSpPr>
-          <p:cNvPr id="24" name="圓角矩形 23"/>
-          <p:cNvSpPr/>
-          <p:nvPr/>
-        </p:nvSpPr>
-        <p:spPr>
-          <a:xfrm>
-            <a:off x="5037037" y="3195175"/>
-            <a:ext cx="1463039" cy="1045029"/>
-          </a:xfrm>
-          <a:prstGeom prst="roundRect">
-            <a:avLst/>
-          </a:prstGeom>
-        </p:spPr>
-        <p:style>
-          <a:lnRef idx="2">
-            <a:schemeClr val="accent3"/>
-          </a:lnRef>
-          <a:fillRef idx="1">
-            <a:schemeClr val="lt1"/>
-          </a:fillRef>
-          <a:effectRef idx="0">
-            <a:schemeClr val="accent3"/>
-          </a:effectRef>
-          <a:fontRef idx="minor">
-            <a:schemeClr val="dk1"/>
-          </a:fontRef>
-        </p:style>
-        <p:txBody>
-          <a:bodyPr rtlCol="0" anchor="ctr"/>
-          <a:lstStyle/>
-          <a:p>
-            <a:pPr algn="ctr"/>
-            <a:endParaRPr lang="en-US" dirty="0" smtClean="0"/>
-          </a:p>
-          <a:p>
-            <a:pPr algn="ctr"/>
-            <a:r>
-              <a:rPr lang="en-US" dirty="0" smtClean="0"/>
-              <a:t>Consul Agent #2</a:t>
-            </a:r>
-          </a:p>
-          <a:p>
-            <a:pPr algn="ctr"/>
-            <a:r>
-              <a:rPr lang="en-US" dirty="0" smtClean="0"/>
-              <a:t>(server mode)</a:t>
-            </a:r>
-          </a:p>
-          <a:p>
-            <a:pPr algn="ctr"/>
-            <a:endParaRPr lang="en-US" dirty="0" smtClean="0"/>
-          </a:p>
-          <a:p>
-            <a:pPr algn="ctr"/>
-            <a:r>
-              <a:rPr lang="en-US" dirty="0" smtClean="0"/>
-              <a:t>10.0.0.1:8500</a:t>
-            </a:r>
-            <a:endParaRPr lang="en-US" dirty="0"/>
-          </a:p>
-        </p:txBody>
-      </p:sp>
-      <p:sp>
-        <p:nvSpPr>
-          <p:cNvPr id="25" name="圓角矩形 24"/>
-          <p:cNvSpPr/>
-          <p:nvPr/>
-        </p:nvSpPr>
-        <p:spPr>
-          <a:xfrm>
-            <a:off x="6651607" y="3195175"/>
-            <a:ext cx="1463039" cy="1045029"/>
-          </a:xfrm>
-          <a:prstGeom prst="roundRect">
-            <a:avLst/>
-          </a:prstGeom>
-        </p:spPr>
-        <p:style>
-          <a:lnRef idx="2">
-            <a:schemeClr val="accent3"/>
-          </a:lnRef>
-          <a:fillRef idx="1">
-            <a:schemeClr val="lt1"/>
-          </a:fillRef>
-          <a:effectRef idx="0">
-            <a:schemeClr val="accent3"/>
-          </a:effectRef>
-          <a:fontRef idx="minor">
-            <a:schemeClr val="dk1"/>
-          </a:fontRef>
-        </p:style>
-        <p:txBody>
-          <a:bodyPr rtlCol="0" anchor="ctr"/>
-          <a:lstStyle/>
-          <a:p>
-            <a:pPr algn="ctr"/>
-            <a:endParaRPr lang="en-US" dirty="0" smtClean="0"/>
-          </a:p>
-          <a:p>
-            <a:pPr algn="ctr"/>
-            <a:r>
-              <a:rPr lang="en-US" dirty="0" smtClean="0"/>
-              <a:t>Consul Agent #3</a:t>
-            </a:r>
-          </a:p>
-          <a:p>
-            <a:pPr algn="ctr"/>
-            <a:r>
-              <a:rPr lang="en-US" dirty="0" smtClean="0"/>
-              <a:t>(server mode)</a:t>
-            </a:r>
-          </a:p>
-          <a:p>
-            <a:pPr algn="ctr"/>
-            <a:endParaRPr lang="en-US" dirty="0" smtClean="0"/>
-          </a:p>
-          <a:p>
-            <a:pPr algn="ctr"/>
-            <a:r>
-              <a:rPr lang="en-US" dirty="0" smtClean="0"/>
-              <a:t>10.0.0.1:8500</a:t>
-            </a:r>
-            <a:endParaRPr lang="en-US" dirty="0"/>
-          </a:p>
-        </p:txBody>
-      </p:sp>
+      </p:pic>
     </p:spTree>
     <p:extLst>
       <p:ext uri="{BB962C8B-B14F-4D97-AF65-F5344CB8AC3E}">
-        <p14:creationId xmlns:p14="http://schemas.microsoft.com/office/powerpoint/2010/main" val="3945688765"/>
+        <p14:creationId xmlns:p14="http://schemas.microsoft.com/office/powerpoint/2010/main" val="3079020348"/>
       </p:ext>
     </p:extLst>
   </p:cSld>
@@ -16521,16 +16411,40 @@
           <a:chExt cx="0" cy="0"/>
         </a:xfrm>
       </p:grpSpPr>
-      <p:sp>
-        <p:nvSpPr>
-          <p:cNvPr id="2" name="文字方塊 1"/>
+      <p:pic>
+        <p:nvPicPr>
+          <p:cNvPr id="4" name="圖片 3"/>
+          <p:cNvPicPr>
+            <a:picLocks noChangeAspect="1"/>
+          </p:cNvPicPr>
+          <p:nvPr/>
+        </p:nvPicPr>
+        <p:blipFill>
+          <a:blip r:embed="rId2"/>
+          <a:stretch>
+            <a:fillRect/>
+          </a:stretch>
+        </p:blipFill>
+        <p:spPr>
+          <a:xfrm>
+            <a:off x="261256" y="329844"/>
+            <a:ext cx="8694640" cy="4212106"/>
+          </a:xfrm>
+          <a:prstGeom prst="rect">
+            <a:avLst/>
+          </a:prstGeom>
+        </p:spPr>
+      </p:pic>
+      <p:sp>
+        <p:nvSpPr>
+          <p:cNvPr id="5" name="文字方塊 4"/>
           <p:cNvSpPr txBox="1"/>
           <p:nvPr/>
         </p:nvSpPr>
         <p:spPr>
           <a:xfrm>
-            <a:off x="2293838" y="825573"/>
-            <a:ext cx="2233304" cy="307777"/>
+            <a:off x="219456" y="4702630"/>
+            <a:ext cx="6183103" cy="307777"/>
           </a:xfrm>
           <a:prstGeom prst="rect">
             <a:avLst/>
@@ -16544,17 +16458,16 @@
           <a:lstStyle/>
           <a:p>
             <a:r>
-              <a:rPr lang="en-US" dirty="0" smtClean="0"/>
-              <a:t>( service definition demo )</a:t>
-            </a:r>
-            <a:endParaRPr lang="en-US" dirty="0"/>
+              <a:rPr lang="en-US" dirty="0"/>
+              <a:t>https://cecilphillip.com/using-consul-for-service-discovery-with-asp-net-core/</a:t>
+            </a:r>
           </a:p>
         </p:txBody>
       </p:sp>
     </p:spTree>
     <p:extLst>
       <p:ext uri="{BB962C8B-B14F-4D97-AF65-F5344CB8AC3E}">
-        <p14:creationId xmlns:p14="http://schemas.microsoft.com/office/powerpoint/2010/main" val="3102103618"/>
+        <p14:creationId xmlns:p14="http://schemas.microsoft.com/office/powerpoint/2010/main" val="1674673057"/>
       </p:ext>
     </p:extLst>
   </p:cSld>
@@ -16590,14 +16503,286 @@
       </p:grpSpPr>
       <p:sp>
         <p:nvSpPr>
-          <p:cNvPr id="2" name="文字方塊 1"/>
+          <p:cNvPr id="5" name="標題 4"/>
+          <p:cNvSpPr>
+            <a:spLocks noGrp="1"/>
+          </p:cNvSpPr>
+          <p:nvPr>
+            <p:ph type="title"/>
+          </p:nvPr>
+        </p:nvSpPr>
+        <p:spPr/>
+        <p:txBody>
+          <a:bodyPr/>
+          <a:lstStyle/>
+          <a:p>
+            <a:r>
+              <a:rPr lang="en-US" dirty="0" smtClean="0"/>
+              <a:t>Consul: Server Side Disc Pattern</a:t>
+            </a:r>
+            <a:endParaRPr lang="en-US" dirty="0"/>
+          </a:p>
+        </p:txBody>
+      </p:sp>
+      <p:sp>
+        <p:nvSpPr>
+          <p:cNvPr id="6" name="文字版面配置區 5"/>
+          <p:cNvSpPr>
+            <a:spLocks noGrp="1"/>
+          </p:cNvSpPr>
+          <p:nvPr>
+            <p:ph type="body" idx="1"/>
+          </p:nvPr>
+        </p:nvSpPr>
+        <p:spPr/>
+        <p:txBody>
+          <a:bodyPr/>
+          <a:lstStyle/>
+          <a:p>
+            <a:endParaRPr lang="en-US" dirty="0" smtClean="0"/>
+          </a:p>
+        </p:txBody>
+      </p:sp>
+      <p:pic>
+        <p:nvPicPr>
+          <p:cNvPr id="7" name="Picture 2" descr="Diagram depicts the setup for the consul-api-demo from NGINX, Inc for Service Discovery. NGINX Plus load balances multiple instances of a containerized backend application, obtaining service discovery information via the Consul API and using its watch mechanism."/>
+          <p:cNvPicPr>
+            <a:picLocks noChangeAspect="1" noChangeArrowheads="1"/>
+          </p:cNvPicPr>
+          <p:nvPr/>
+        </p:nvPicPr>
+        <p:blipFill>
+          <a:blip r:embed="rId2">
+            <a:extLst>
+              <a:ext uri="{28A0092B-C50C-407E-A947-70E740481C1C}">
+                <a14:useLocalDpi xmlns:a14="http://schemas.microsoft.com/office/drawing/2010/main" val="0"/>
+              </a:ext>
+            </a:extLst>
+          </a:blip>
+          <a:srcRect/>
+          <a:stretch>
+            <a:fillRect/>
+          </a:stretch>
+        </p:blipFill>
+        <p:spPr bwMode="auto">
+          <a:xfrm>
+            <a:off x="521781" y="1200150"/>
+            <a:ext cx="3966617" cy="3664473"/>
+          </a:xfrm>
+          <a:prstGeom prst="rect">
+            <a:avLst/>
+          </a:prstGeom>
+          <a:noFill/>
+          <a:extLst>
+            <a:ext uri="{909E8E84-426E-40DD-AFC4-6F175D3DCCD1}">
+              <a14:hiddenFill xmlns:a14="http://schemas.microsoft.com/office/drawing/2010/main">
+                <a:solidFill>
+                  <a:srgbClr val="FFFFFF"/>
+                </a:solidFill>
+              </a14:hiddenFill>
+            </a:ext>
+          </a:extLst>
+        </p:spPr>
+      </p:pic>
+      <p:sp>
+        <p:nvSpPr>
+          <p:cNvPr id="8" name="矩形 7"/>
+          <p:cNvSpPr/>
+          <p:nvPr/>
+        </p:nvSpPr>
+        <p:spPr>
+          <a:xfrm>
+            <a:off x="357922" y="4754845"/>
+            <a:ext cx="7552944" cy="307777"/>
+          </a:xfrm>
+          <a:prstGeom prst="rect">
+            <a:avLst/>
+          </a:prstGeom>
+        </p:spPr>
+        <p:txBody>
+          <a:bodyPr wrap="square">
+            <a:spAutoFit/>
+          </a:bodyPr>
+          <a:lstStyle/>
+          <a:p>
+            <a:r>
+              <a:rPr lang="en-US" dirty="0"/>
+              <a:t>https://www.nginx.com/blog/service-discovery-with-nginx-plus-and-consul/</a:t>
+            </a:r>
+          </a:p>
+        </p:txBody>
+      </p:sp>
+      <p:pic>
+        <p:nvPicPr>
+          <p:cNvPr id="9" name="Picture 2" descr="Diagram depicts the setup for the consul-api-demo from NGINX, Inc for Service Discovery. NGINX Plus load balances multiple instances of a containerized backend application, obtaining service discovery information via the Consul API and using its watch mechanism."/>
+          <p:cNvPicPr>
+            <a:picLocks noChangeAspect="1" noChangeArrowheads="1"/>
+          </p:cNvPicPr>
+          <p:nvPr/>
+        </p:nvPicPr>
+        <p:blipFill>
+          <a:blip r:embed="rId2">
+            <a:extLst>
+              <a:ext uri="{28A0092B-C50C-407E-A947-70E740481C1C}">
+                <a14:useLocalDpi xmlns:a14="http://schemas.microsoft.com/office/drawing/2010/main" val="0"/>
+              </a:ext>
+            </a:extLst>
+          </a:blip>
+          <a:srcRect/>
+          <a:stretch>
+            <a:fillRect/>
+          </a:stretch>
+        </p:blipFill>
+        <p:spPr bwMode="auto">
+          <a:xfrm>
+            <a:off x="4332216" y="1200150"/>
+            <a:ext cx="3966617" cy="3664473"/>
+          </a:xfrm>
+          <a:prstGeom prst="rect">
+            <a:avLst/>
+          </a:prstGeom>
+          <a:noFill/>
+          <a:extLst>
+            <a:ext uri="{909E8E84-426E-40DD-AFC4-6F175D3DCCD1}">
+              <a14:hiddenFill xmlns:a14="http://schemas.microsoft.com/office/drawing/2010/main">
+                <a:solidFill>
+                  <a:srgbClr val="FFFFFF"/>
+                </a:solidFill>
+              </a14:hiddenFill>
+            </a:ext>
+          </a:extLst>
+        </p:spPr>
+      </p:pic>
+      <p:sp>
+        <p:nvSpPr>
+          <p:cNvPr id="3" name="矩形 2"/>
+          <p:cNvSpPr/>
+          <p:nvPr/>
+        </p:nvSpPr>
+        <p:spPr>
+          <a:xfrm>
+            <a:off x="6275397" y="3063000"/>
+            <a:ext cx="574766" cy="516223"/>
+          </a:xfrm>
+          <a:prstGeom prst="rect">
+            <a:avLst/>
+          </a:prstGeom>
+          <a:ln>
+            <a:noFill/>
+          </a:ln>
+        </p:spPr>
+        <p:style>
+          <a:lnRef idx="2">
+            <a:schemeClr val="dk1"/>
+          </a:lnRef>
+          <a:fillRef idx="1">
+            <a:schemeClr val="lt1"/>
+          </a:fillRef>
+          <a:effectRef idx="0">
+            <a:schemeClr val="dk1"/>
+          </a:effectRef>
+          <a:fontRef idx="minor">
+            <a:schemeClr val="dk1"/>
+          </a:fontRef>
+        </p:style>
+        <p:txBody>
+          <a:bodyPr rtlCol="0" anchor="ctr"/>
+          <a:lstStyle/>
+          <a:p>
+            <a:pPr algn="ctr"/>
+            <a:endParaRPr lang="en-US"/>
+          </a:p>
+        </p:txBody>
+      </p:sp>
+      <p:sp>
+        <p:nvSpPr>
+          <p:cNvPr id="2" name="矩形 1"/>
+          <p:cNvSpPr/>
+          <p:nvPr/>
+        </p:nvSpPr>
+        <p:spPr>
+          <a:xfrm>
+            <a:off x="5989789" y="3214253"/>
+            <a:ext cx="419686" cy="244792"/>
+          </a:xfrm>
+          <a:prstGeom prst="rect">
+            <a:avLst/>
+          </a:prstGeom>
+          <a:ln w="19050"/>
+        </p:spPr>
+        <p:style>
+          <a:lnRef idx="2">
+            <a:schemeClr val="dk1"/>
+          </a:lnRef>
+          <a:fillRef idx="1">
+            <a:schemeClr val="lt1"/>
+          </a:fillRef>
+          <a:effectRef idx="0">
+            <a:schemeClr val="dk1"/>
+          </a:effectRef>
+          <a:fontRef idx="minor">
+            <a:schemeClr val="dk1"/>
+          </a:fontRef>
+        </p:style>
+        <p:txBody>
+          <a:bodyPr rtlCol="0" anchor="ctr"/>
+          <a:lstStyle/>
+          <a:p>
+            <a:pPr algn="ctr"/>
+            <a:r>
+              <a:rPr lang="en-US" sz="800" dirty="0" smtClean="0"/>
+              <a:t>DNS</a:t>
+            </a:r>
+            <a:endParaRPr lang="en-US" sz="800" dirty="0"/>
+          </a:p>
+        </p:txBody>
+      </p:sp>
+      <p:cxnSp>
+        <p:nvCxnSpPr>
+          <p:cNvPr id="10" name="直線單箭頭接點 9"/>
+          <p:cNvCxnSpPr/>
+          <p:nvPr/>
+        </p:nvCxnSpPr>
+        <p:spPr>
+          <a:xfrm flipH="1">
+            <a:off x="6409475" y="3321111"/>
+            <a:ext cx="425012" cy="0"/>
+          </a:xfrm>
+          <a:prstGeom prst="straightConnector1">
+            <a:avLst/>
+          </a:prstGeom>
+          <a:ln w="28575">
+            <a:solidFill>
+              <a:srgbClr val="00B050"/>
+            </a:solidFill>
+            <a:tailEnd type="triangle"/>
+          </a:ln>
+        </p:spPr>
+        <p:style>
+          <a:lnRef idx="1">
+            <a:schemeClr val="accent1"/>
+          </a:lnRef>
+          <a:fillRef idx="0">
+            <a:schemeClr val="accent1"/>
+          </a:fillRef>
+          <a:effectRef idx="0">
+            <a:schemeClr val="accent1"/>
+          </a:effectRef>
+          <a:fontRef idx="minor">
+            <a:schemeClr val="tx1"/>
+          </a:fontRef>
+        </p:style>
+      </p:cxnSp>
+      <p:sp>
+        <p:nvSpPr>
+          <p:cNvPr id="11" name="文字方塊 10"/>
           <p:cNvSpPr txBox="1"/>
           <p:nvPr/>
         </p:nvSpPr>
         <p:spPr>
           <a:xfrm>
-            <a:off x="2293838" y="825573"/>
-            <a:ext cx="2611612" cy="307777"/>
+            <a:off x="6437216" y="3157345"/>
+            <a:ext cx="465192" cy="338554"/>
           </a:xfrm>
           <a:prstGeom prst="rect">
             <a:avLst/>
@@ -16611,8 +16796,94 @@
           <a:lstStyle/>
           <a:p>
             <a:r>
+              <a:rPr lang="en-US" sz="800" dirty="0" smtClean="0"/>
+              <a:t>DNS</a:t>
+            </a:r>
+          </a:p>
+          <a:p>
+            <a:r>
+              <a:rPr lang="en-US" sz="800" dirty="0" smtClean="0"/>
+              <a:t>Query</a:t>
+            </a:r>
+            <a:endParaRPr lang="en-US" sz="800" dirty="0"/>
+          </a:p>
+        </p:txBody>
+      </p:sp>
+      <p:sp>
+        <p:nvSpPr>
+          <p:cNvPr id="12" name="文字方塊 11"/>
+          <p:cNvSpPr txBox="1"/>
+          <p:nvPr/>
+        </p:nvSpPr>
+        <p:spPr>
+          <a:xfrm>
+            <a:off x="731522" y="3767328"/>
+            <a:ext cx="2159566" cy="523220"/>
+          </a:xfrm>
+          <a:prstGeom prst="rect">
+            <a:avLst/>
+          </a:prstGeom>
+          <a:noFill/>
+        </p:spPr>
+        <p:txBody>
+          <a:bodyPr wrap="none" rtlCol="0">
+            <a:spAutoFit/>
+          </a:bodyPr>
+          <a:lstStyle/>
+          <a:p>
+            <a:r>
               <a:rPr lang="en-US" dirty="0" smtClean="0"/>
-              <a:t>( client code demo , using C# )</a:t>
+              <a:t>Consul-Template</a:t>
+            </a:r>
+          </a:p>
+          <a:p>
+            <a:r>
+              <a:rPr lang="zh-TW" altLang="en-US" dirty="0" smtClean="0"/>
+              <a:t>動態更新其他服務的組態</a:t>
+            </a:r>
+            <a:endParaRPr lang="en-US" dirty="0"/>
+          </a:p>
+        </p:txBody>
+      </p:sp>
+      <p:sp>
+        <p:nvSpPr>
+          <p:cNvPr id="14" name="文字方塊 13"/>
+          <p:cNvSpPr txBox="1"/>
+          <p:nvPr/>
+        </p:nvSpPr>
+        <p:spPr>
+          <a:xfrm>
+            <a:off x="5044698" y="3767328"/>
+            <a:ext cx="1917513" cy="523220"/>
+          </a:xfrm>
+          <a:prstGeom prst="rect">
+            <a:avLst/>
+          </a:prstGeom>
+          <a:noFill/>
+        </p:spPr>
+        <p:txBody>
+          <a:bodyPr wrap="none" rtlCol="0">
+            <a:spAutoFit/>
+          </a:bodyPr>
+          <a:lstStyle/>
+          <a:p>
+            <a:r>
+              <a:rPr lang="en-US" dirty="0" smtClean="0"/>
+              <a:t>Consul DNS Interface</a:t>
+            </a:r>
+          </a:p>
+          <a:p>
+            <a:r>
+              <a:rPr lang="zh-TW" altLang="en-US" dirty="0" smtClean="0"/>
+              <a:t>提供 </a:t>
+            </a:r>
+            <a:r>
+              <a:rPr lang="en-US" altLang="zh-TW" dirty="0" smtClean="0"/>
+              <a:t>DNS</a:t>
+            </a:r>
+            <a:r>
+              <a:rPr lang="zh-TW" altLang="en-US" dirty="0" smtClean="0"/>
+              <a:t> 查詢介面</a:t>
             </a:r>
             <a:endParaRPr lang="en-US" dirty="0"/>
           </a:p>
@@ -16621,7 +16892,7 @@
     </p:spTree>
     <p:extLst>
       <p:ext uri="{BB962C8B-B14F-4D97-AF65-F5344CB8AC3E}">
-        <p14:creationId xmlns:p14="http://schemas.microsoft.com/office/powerpoint/2010/main" val="1674673057"/>
+        <p14:creationId xmlns:p14="http://schemas.microsoft.com/office/powerpoint/2010/main" val="2483647548"/>
       </p:ext>
     </p:extLst>
   </p:cSld>
@@ -16639,7 +16910,7 @@
 </file>
 
 <file path=ppt/slides/slide17.xml><?xml version="1.0" encoding="utf-8"?>
-<p:sld xmlns:a="http://schemas.openxmlformats.org/drawingml/2006/main" xmlns:r="http://schemas.openxmlformats.org/officeDocument/2006/relationships" xmlns:p="http://schemas.openxmlformats.org/presentationml/2006/main">
+<p:sld xmlns:a="http://schemas.openxmlformats.org/drawingml/2006/main" xmlns:r="http://schemas.openxmlformats.org/officeDocument/2006/relationships" xmlns:p="http://schemas.openxmlformats.org/presentationml/2006/main" show="0">
   <p:cSld>
     <p:spTree>
       <p:nvGrpSpPr>
@@ -16657,7 +16928,7 @@
       </p:grpSpPr>
       <p:sp>
         <p:nvSpPr>
-          <p:cNvPr id="5" name="標題 4"/>
+          <p:cNvPr id="2" name="標題 1"/>
           <p:cNvSpPr>
             <a:spLocks noGrp="1"/>
           </p:cNvSpPr>
@@ -16671,16 +16942,20 @@
           <a:lstStyle/>
           <a:p>
             <a:r>
-              <a:rPr lang="en-US" dirty="0" smtClean="0"/>
-              <a:t>Consul: Server Side Disc Pattern</a:t>
-            </a:r>
-            <a:endParaRPr lang="en-US" dirty="0"/>
-          </a:p>
-        </p:txBody>
-      </p:sp>
-      <p:sp>
-        <p:nvSpPr>
-          <p:cNvPr id="6" name="文字版面配置區 5"/>
+              <a:rPr lang="en-US" sz="3200" dirty="0"/>
+              <a:t>Load Balancing Strategies for </a:t>
+            </a:r>
+            <a:r>
+              <a:rPr lang="en-US" sz="3200" dirty="0" smtClean="0"/>
+              <a:t>Consul</a:t>
+            </a:r>
+            <a:endParaRPr lang="en-US" sz="3200" dirty="0"/>
+          </a:p>
+        </p:txBody>
+      </p:sp>
+      <p:sp>
+        <p:nvSpPr>
+          <p:cNvPr id="3" name="文字版面配置區 2"/>
           <p:cNvSpPr>
             <a:spLocks noGrp="1"/>
           </p:cNvSpPr>
@@ -16693,39 +16968,92 @@
           <a:bodyPr/>
           <a:lstStyle/>
           <a:p>
-            <a:endParaRPr lang="en-US" dirty="0" smtClean="0"/>
+            <a:r>
+              <a:rPr lang="en-US" b="1" dirty="0"/>
+              <a:t>Consul Directly</a:t>
+            </a:r>
+          </a:p>
+          <a:p>
+            <a:r>
+              <a:rPr lang="en-US" b="1" dirty="0"/>
+              <a:t>Nginx/</a:t>
+            </a:r>
+            <a:r>
+              <a:rPr lang="en-US" b="1" dirty="0" err="1"/>
+              <a:t>HAProxy</a:t>
+            </a:r>
+            <a:r>
+              <a:rPr lang="en-US" b="1" dirty="0"/>
+              <a:t> with Consul Template</a:t>
+            </a:r>
+          </a:p>
+          <a:p>
+            <a:r>
+              <a:rPr lang="en-US" b="1" dirty="0"/>
+              <a:t>Nginx with Custom Module</a:t>
+            </a:r>
+          </a:p>
+          <a:p>
+            <a:r>
+              <a:rPr lang="en-US" b="1" dirty="0" err="1"/>
+              <a:t>HAProxy</a:t>
+            </a:r>
+            <a:r>
+              <a:rPr lang="en-US" b="1" dirty="0"/>
+              <a:t> 1.8</a:t>
+            </a:r>
           </a:p>
           <a:p>
             <a:endParaRPr lang="en-US" dirty="0"/>
           </a:p>
-          <a:p>
-            <a:r>
-              <a:rPr lang="en-US" dirty="0" smtClean="0"/>
-              <a:t>(demo DNS)</a:t>
-            </a:r>
-          </a:p>
-          <a:p>
-            <a:endParaRPr lang="en-US" dirty="0"/>
-          </a:p>
-          <a:p>
-            <a:r>
-              <a:rPr lang="en-US" dirty="0" smtClean="0"/>
-              <a:t>(demo consul-template)</a:t>
-            </a:r>
-            <a:endParaRPr lang="en-US" dirty="0"/>
+        </p:txBody>
+      </p:sp>
+      <p:sp>
+        <p:nvSpPr>
+          <p:cNvPr id="4" name="矩形 3"/>
+          <p:cNvSpPr/>
+          <p:nvPr/>
+        </p:nvSpPr>
+        <p:spPr>
+          <a:xfrm>
+            <a:off x="370985" y="4754845"/>
+            <a:ext cx="6241433" cy="307777"/>
+          </a:xfrm>
+          <a:prstGeom prst="rect">
+            <a:avLst/>
+          </a:prstGeom>
+        </p:spPr>
+        <p:txBody>
+          <a:bodyPr wrap="square">
+            <a:spAutoFit/>
+          </a:bodyPr>
+          <a:lstStyle/>
+          <a:p>
+            <a:r>
+              <a:rPr lang="en-US" dirty="0"/>
+              <a:t>https://www.hashicorp.com/blog/load-balancing-strategies-for-consul</a:t>
+            </a:r>
           </a:p>
         </p:txBody>
       </p:sp>
     </p:spTree>
     <p:extLst>
       <p:ext uri="{BB962C8B-B14F-4D97-AF65-F5344CB8AC3E}">
-        <p14:creationId xmlns:p14="http://schemas.microsoft.com/office/powerpoint/2010/main" val="2483647548"/>
+        <p14:creationId xmlns:p14="http://schemas.microsoft.com/office/powerpoint/2010/main" val="2198198275"/>
       </p:ext>
     </p:extLst>
   </p:cSld>
   <p:clrMapOvr>
     <a:masterClrMapping/>
   </p:clrMapOvr>
+  <mc:AlternateContent xmlns:mc="http://schemas.openxmlformats.org/markup-compatibility/2006">
+    <mc:Choice xmlns:p14="http://schemas.microsoft.com/office/powerpoint/2010/main" Requires="p14">
+      <p:transition spd="slow" p14:dur="2000"/>
+    </mc:Choice>
+    <mc:Fallback>
+      <p:transition spd="slow"/>
+    </mc:Fallback>
+  </mc:AlternateContent>
   <p:timing>
     <p:tnLst>
       <p:par>
@@ -16755,7 +17083,7 @@
       </p:grpSpPr>
       <p:sp>
         <p:nvSpPr>
-          <p:cNvPr id="2" name="標題 1"/>
+          <p:cNvPr id="5" name="標題 4"/>
           <p:cNvSpPr>
             <a:spLocks noGrp="1"/>
           </p:cNvSpPr>
@@ -16768,13 +17096,17 @@
           <a:bodyPr/>
           <a:lstStyle/>
           <a:p>
-            <a:endParaRPr lang="en-US"/>
-          </a:p>
-        </p:txBody>
-      </p:sp>
-      <p:sp>
-        <p:nvSpPr>
-          <p:cNvPr id="3" name="文字版面配置區 2"/>
+            <a:r>
+              <a:rPr lang="en-US" dirty="0" smtClean="0"/>
+              <a:t>Registry: Service &amp; Node Database</a:t>
+            </a:r>
+            <a:endParaRPr lang="en-US" dirty="0"/>
+          </a:p>
+        </p:txBody>
+      </p:sp>
+      <p:sp>
+        <p:nvSpPr>
+          <p:cNvPr id="6" name="文字版面配置區 5"/>
           <p:cNvSpPr>
             <a:spLocks noGrp="1"/>
           </p:cNvSpPr>
@@ -16787,33 +17119,36 @@
           <a:bodyPr/>
           <a:lstStyle/>
           <a:p>
-            <a:endParaRPr lang="en-US"/>
-          </a:p>
-        </p:txBody>
-      </p:sp>
-      <p:sp>
-        <p:nvSpPr>
-          <p:cNvPr id="4" name="文字版面配置區 3"/>
-          <p:cNvSpPr>
-            <a:spLocks noGrp="1"/>
-          </p:cNvSpPr>
-          <p:nvPr>
-            <p:ph type="body" idx="2"/>
-          </p:nvPr>
-        </p:nvSpPr>
-        <p:spPr/>
-        <p:txBody>
-          <a:bodyPr/>
-          <a:lstStyle/>
-          <a:p>
-            <a:endParaRPr lang="en-US"/>
+            <a:r>
+              <a:rPr lang="en-US" dirty="0" smtClean="0"/>
+              <a:t>Query Service Definition &amp; Service List with Health Check</a:t>
+            </a:r>
+          </a:p>
+          <a:p>
+            <a:r>
+              <a:rPr lang="en-US" dirty="0" smtClean="0"/>
+              <a:t>Service Definition (with Metadata)</a:t>
+            </a:r>
+          </a:p>
+          <a:p>
+            <a:r>
+              <a:rPr lang="en-US" dirty="0" smtClean="0"/>
+              <a:t>Nodes List</a:t>
+            </a:r>
+          </a:p>
+          <a:p>
+            <a:r>
+              <a:rPr lang="en-US" dirty="0" smtClean="0"/>
+              <a:t>Health Status / Health Check Logs</a:t>
+            </a:r>
+            <a:endParaRPr lang="en-US" dirty="0"/>
           </a:p>
         </p:txBody>
       </p:sp>
     </p:spTree>
     <p:extLst>
       <p:ext uri="{BB962C8B-B14F-4D97-AF65-F5344CB8AC3E}">
-        <p14:creationId xmlns:p14="http://schemas.microsoft.com/office/powerpoint/2010/main" val="3996998572"/>
+        <p14:creationId xmlns:p14="http://schemas.microsoft.com/office/powerpoint/2010/main" val="2962489565"/>
       </p:ext>
     </p:extLst>
   </p:cSld>
@@ -16849,7 +17184,7 @@
       </p:grpSpPr>
       <p:sp>
         <p:nvSpPr>
-          <p:cNvPr id="5" name="標題 4"/>
+          <p:cNvPr id="2" name="標題 1"/>
           <p:cNvSpPr>
             <a:spLocks noGrp="1"/>
           </p:cNvSpPr>
@@ -16862,17 +17197,13 @@
           <a:bodyPr/>
           <a:lstStyle/>
           <a:p>
-            <a:r>
-              <a:rPr lang="en-US" dirty="0" smtClean="0"/>
-              <a:t>Registry: Service &amp; Node Database</a:t>
-            </a:r>
-            <a:endParaRPr lang="en-US" dirty="0"/>
-          </a:p>
-        </p:txBody>
-      </p:sp>
-      <p:sp>
-        <p:nvSpPr>
-          <p:cNvPr id="6" name="文字版面配置區 5"/>
+            <a:endParaRPr lang="en-US"/>
+          </a:p>
+        </p:txBody>
+      </p:sp>
+      <p:sp>
+        <p:nvSpPr>
+          <p:cNvPr id="3" name="文字版面配置區 2"/>
           <p:cNvSpPr>
             <a:spLocks noGrp="1"/>
           </p:cNvSpPr>
@@ -16885,36 +17216,33 @@
           <a:bodyPr/>
           <a:lstStyle/>
           <a:p>
-            <a:r>
-              <a:rPr lang="en-US" dirty="0" smtClean="0"/>
-              <a:t>Query Service Definition &amp; Service List with Health Check</a:t>
-            </a:r>
-          </a:p>
-          <a:p>
-            <a:r>
-              <a:rPr lang="en-US" dirty="0" smtClean="0"/>
-              <a:t>Service Definition (with Metadata)</a:t>
-            </a:r>
-          </a:p>
-          <a:p>
-            <a:r>
-              <a:rPr lang="en-US" dirty="0" smtClean="0"/>
-              <a:t>Nodes List</a:t>
-            </a:r>
-          </a:p>
-          <a:p>
-            <a:r>
-              <a:rPr lang="en-US" dirty="0" smtClean="0"/>
-              <a:t>Health Status / Health Check Logs</a:t>
-            </a:r>
-            <a:endParaRPr lang="en-US" dirty="0"/>
+            <a:endParaRPr lang="en-US"/>
+          </a:p>
+        </p:txBody>
+      </p:sp>
+      <p:sp>
+        <p:nvSpPr>
+          <p:cNvPr id="4" name="文字版面配置區 3"/>
+          <p:cNvSpPr>
+            <a:spLocks noGrp="1"/>
+          </p:cNvSpPr>
+          <p:nvPr>
+            <p:ph type="body" idx="2"/>
+          </p:nvPr>
+        </p:nvSpPr>
+        <p:spPr/>
+        <p:txBody>
+          <a:bodyPr/>
+          <a:lstStyle/>
+          <a:p>
+            <a:endParaRPr lang="en-US"/>
           </a:p>
         </p:txBody>
       </p:sp>
     </p:spTree>
     <p:extLst>
       <p:ext uri="{BB962C8B-B14F-4D97-AF65-F5344CB8AC3E}">
-        <p14:creationId xmlns:p14="http://schemas.microsoft.com/office/powerpoint/2010/main" val="2962489565"/>
+        <p14:creationId xmlns:p14="http://schemas.microsoft.com/office/powerpoint/2010/main" val="3282680133"/>
       </p:ext>
     </p:extLst>
   </p:cSld>
@@ -17094,100 +17422,6 @@
       </p:grpSpPr>
       <p:sp>
         <p:nvSpPr>
-          <p:cNvPr id="2" name="標題 1"/>
-          <p:cNvSpPr>
-            <a:spLocks noGrp="1"/>
-          </p:cNvSpPr>
-          <p:nvPr>
-            <p:ph type="title"/>
-          </p:nvPr>
-        </p:nvSpPr>
-        <p:spPr/>
-        <p:txBody>
-          <a:bodyPr/>
-          <a:lstStyle/>
-          <a:p>
-            <a:endParaRPr lang="en-US"/>
-          </a:p>
-        </p:txBody>
-      </p:sp>
-      <p:sp>
-        <p:nvSpPr>
-          <p:cNvPr id="3" name="文字版面配置區 2"/>
-          <p:cNvSpPr>
-            <a:spLocks noGrp="1"/>
-          </p:cNvSpPr>
-          <p:nvPr>
-            <p:ph type="body" idx="1"/>
-          </p:nvPr>
-        </p:nvSpPr>
-        <p:spPr/>
-        <p:txBody>
-          <a:bodyPr/>
-          <a:lstStyle/>
-          <a:p>
-            <a:endParaRPr lang="en-US"/>
-          </a:p>
-        </p:txBody>
-      </p:sp>
-      <p:sp>
-        <p:nvSpPr>
-          <p:cNvPr id="4" name="文字版面配置區 3"/>
-          <p:cNvSpPr>
-            <a:spLocks noGrp="1"/>
-          </p:cNvSpPr>
-          <p:nvPr>
-            <p:ph type="body" idx="2"/>
-          </p:nvPr>
-        </p:nvSpPr>
-        <p:spPr/>
-        <p:txBody>
-          <a:bodyPr/>
-          <a:lstStyle/>
-          <a:p>
-            <a:endParaRPr lang="en-US"/>
-          </a:p>
-        </p:txBody>
-      </p:sp>
-    </p:spTree>
-    <p:extLst>
-      <p:ext uri="{BB962C8B-B14F-4D97-AF65-F5344CB8AC3E}">
-        <p14:creationId xmlns:p14="http://schemas.microsoft.com/office/powerpoint/2010/main" val="3282680133"/>
-      </p:ext>
-    </p:extLst>
-  </p:cSld>
-  <p:clrMapOvr>
-    <a:masterClrMapping/>
-  </p:clrMapOvr>
-  <p:timing>
-    <p:tnLst>
-      <p:par>
-        <p:cTn id="1" dur="indefinite" restart="never" nodeType="tmRoot"/>
-      </p:par>
-    </p:tnLst>
-  </p:timing>
-</p:sld>
-</file>
-
-<file path=ppt/slides/slide21.xml><?xml version="1.0" encoding="utf-8"?>
-<p:sld xmlns:a="http://schemas.openxmlformats.org/drawingml/2006/main" xmlns:r="http://schemas.openxmlformats.org/officeDocument/2006/relationships" xmlns:p="http://schemas.openxmlformats.org/presentationml/2006/main">
-  <p:cSld>
-    <p:spTree>
-      <p:nvGrpSpPr>
-        <p:cNvPr id="1" name=""/>
-        <p:cNvGrpSpPr/>
-        <p:nvPr/>
-      </p:nvGrpSpPr>
-      <p:grpSpPr>
-        <a:xfrm>
-          <a:off x="0" y="0"/>
-          <a:ext cx="0" cy="0"/>
-          <a:chOff x="0" y="0"/>
-          <a:chExt cx="0" cy="0"/>
-        </a:xfrm>
-      </p:grpSpPr>
-      <p:sp>
-        <p:nvSpPr>
           <p:cNvPr id="13" name="標題 12"/>
           <p:cNvSpPr>
             <a:spLocks noGrp="1"/>
@@ -17273,7 +17507,7 @@
 </p:sld>
 </file>
 
-<file path=ppt/slides/slide22.xml><?xml version="1.0" encoding="utf-8"?>
+<file path=ppt/slides/slide21.xml><?xml version="1.0" encoding="utf-8"?>
 <p:sld xmlns:a="http://schemas.openxmlformats.org/drawingml/2006/main" xmlns:r="http://schemas.openxmlformats.org/officeDocument/2006/relationships" xmlns:p="http://schemas.openxmlformats.org/presentationml/2006/main">
   <p:cSld>
     <p:spTree>
@@ -17893,6 +18127,129 @@
 </p:sld>
 </file>
 
+<file path=ppt/slides/slide22.xml><?xml version="1.0" encoding="utf-8"?>
+<p:sld xmlns:a="http://schemas.openxmlformats.org/drawingml/2006/main" xmlns:r="http://schemas.openxmlformats.org/officeDocument/2006/relationships" xmlns:p="http://schemas.openxmlformats.org/presentationml/2006/main">
+  <p:cSld>
+    <p:spTree>
+      <p:nvGrpSpPr>
+        <p:cNvPr id="1" name=""/>
+        <p:cNvGrpSpPr/>
+        <p:nvPr/>
+      </p:nvGrpSpPr>
+      <p:grpSpPr>
+        <a:xfrm>
+          <a:off x="0" y="0"/>
+          <a:ext cx="0" cy="0"/>
+          <a:chOff x="0" y="0"/>
+          <a:chExt cx="0" cy="0"/>
+        </a:xfrm>
+      </p:grpSpPr>
+      <p:sp>
+        <p:nvSpPr>
+          <p:cNvPr id="5" name="標題 4"/>
+          <p:cNvSpPr>
+            <a:spLocks noGrp="1"/>
+          </p:cNvSpPr>
+          <p:nvPr>
+            <p:ph type="title"/>
+          </p:nvPr>
+        </p:nvSpPr>
+        <p:spPr/>
+        <p:txBody>
+          <a:bodyPr/>
+          <a:lstStyle/>
+          <a:p>
+            <a:r>
+              <a:rPr lang="en-US" altLang="zh-TW" dirty="0" smtClean="0"/>
+              <a:t>Q: </a:t>
+            </a:r>
+            <a:r>
+              <a:rPr lang="zh-TW" altLang="en-US" dirty="0" smtClean="0"/>
+              <a:t>如何替不同客戶提供不同的 </a:t>
+            </a:r>
+            <a:r>
+              <a:rPr lang="en-US" altLang="zh-TW" dirty="0" smtClean="0"/>
+              <a:t>SLA</a:t>
+            </a:r>
+            <a:r>
+              <a:rPr lang="zh-TW" altLang="en-US" dirty="0" smtClean="0"/>
+              <a:t> </a:t>
+            </a:r>
+            <a:r>
+              <a:rPr lang="en-US" altLang="zh-TW" dirty="0" smtClean="0"/>
+              <a:t>?</a:t>
+            </a:r>
+            <a:endParaRPr lang="en-US" dirty="0"/>
+          </a:p>
+        </p:txBody>
+      </p:sp>
+      <p:sp>
+        <p:nvSpPr>
+          <p:cNvPr id="6" name="文字版面配置區 5"/>
+          <p:cNvSpPr>
+            <a:spLocks noGrp="1"/>
+          </p:cNvSpPr>
+          <p:nvPr>
+            <p:ph type="body" idx="1"/>
+          </p:nvPr>
+        </p:nvSpPr>
+        <p:spPr/>
+        <p:txBody>
+          <a:bodyPr/>
+          <a:lstStyle/>
+          <a:p>
+            <a:r>
+              <a:rPr lang="zh-TW" altLang="en-US" dirty="0" smtClean="0"/>
+              <a:t>提供不同的效能保證 </a:t>
+            </a:r>
+            <a:r>
+              <a:rPr lang="en-US" altLang="zh-TW" dirty="0" smtClean="0"/>
+              <a:t>(share mode)</a:t>
+            </a:r>
+          </a:p>
+          <a:p>
+            <a:r>
+              <a:rPr lang="zh-TW" altLang="en-US" dirty="0" smtClean="0"/>
+              <a:t>提供保證的效能等級 </a:t>
+            </a:r>
+            <a:r>
+              <a:rPr lang="en-US" altLang="zh-TW" dirty="0" smtClean="0"/>
+              <a:t>(standard mode)</a:t>
+            </a:r>
+          </a:p>
+          <a:p>
+            <a:r>
+              <a:rPr lang="zh-TW" altLang="en-US" dirty="0" smtClean="0"/>
+              <a:t>提供專屬客戶獨立的設備 </a:t>
+            </a:r>
+            <a:r>
+              <a:rPr lang="en-US" altLang="zh-TW" dirty="0" smtClean="0"/>
+              <a:t>(isolated mode)</a:t>
+            </a:r>
+            <a:endParaRPr lang="en-US" dirty="0"/>
+          </a:p>
+        </p:txBody>
+      </p:sp>
+    </p:spTree>
+    <p:extLst>
+      <p:ext uri="{BB962C8B-B14F-4D97-AF65-F5344CB8AC3E}">
+        <p14:creationId xmlns:p14="http://schemas.microsoft.com/office/powerpoint/2010/main" val="4124059287"/>
+      </p:ext>
+    </p:extLst>
+  </p:cSld>
+  <p:clrMapOvr>
+    <a:masterClrMapping/>
+  </p:clrMapOvr>
+  <p:timing>
+    <p:tnLst>
+      <p:par>
+        <p:cTn id="1" dur="indefinite" restart="never" nodeType="tmRoot"/>
+      </p:par>
+    </p:tnLst>
+  </p:timing>
+</p:sld>
+</file>
+
 <file path=ppt/slides/slide23.xml><?xml version="1.0" encoding="utf-8"?>
 <p:sld xmlns:a="http://schemas.openxmlformats.org/drawingml/2006/main" xmlns:r="http://schemas.openxmlformats.org/officeDocument/2006/relationships" xmlns:p="http://schemas.openxmlformats.org/presentationml/2006/main">
   <p:cSld>
@@ -17912,7 +18269,7 @@
       </p:grpSpPr>
       <p:sp>
         <p:nvSpPr>
-          <p:cNvPr id="5" name="標題 4"/>
+          <p:cNvPr id="2" name="標題 1"/>
           <p:cNvSpPr>
             <a:spLocks noGrp="1"/>
           </p:cNvSpPr>
@@ -17925,72 +18282,571 @@
           <a:bodyPr/>
           <a:lstStyle/>
           <a:p>
+            <a:endParaRPr lang="en-US"/>
+          </a:p>
+        </p:txBody>
+      </p:sp>
+      <p:pic>
+        <p:nvPicPr>
+          <p:cNvPr id="5" name="Picture 4" descr="With client-side service discovery, the client determines the network locations of available service instances and load balances requests across them"/>
+          <p:cNvPicPr>
+            <a:picLocks noChangeAspect="1" noChangeArrowheads="1"/>
+          </p:cNvPicPr>
+          <p:nvPr/>
+        </p:nvPicPr>
+        <p:blipFill>
+          <a:blip r:embed="rId2">
+            <a:extLst>
+              <a:ext uri="{28A0092B-C50C-407E-A947-70E740481C1C}">
+                <a14:useLocalDpi xmlns:a14="http://schemas.microsoft.com/office/drawing/2010/main" val="0"/>
+              </a:ext>
+            </a:extLst>
+          </a:blip>
+          <a:srcRect/>
+          <a:stretch>
+            <a:fillRect/>
+          </a:stretch>
+        </p:blipFill>
+        <p:spPr bwMode="auto">
+          <a:xfrm>
+            <a:off x="593053" y="1200150"/>
+            <a:ext cx="3999847" cy="3777200"/>
+          </a:xfrm>
+          <a:prstGeom prst="rect">
+            <a:avLst/>
+          </a:prstGeom>
+          <a:noFill/>
+          <a:extLst>
+            <a:ext uri="{909E8E84-426E-40DD-AFC4-6F175D3DCCD1}">
+              <a14:hiddenFill xmlns:a14="http://schemas.microsoft.com/office/drawing/2010/main">
+                <a:solidFill>
+                  <a:srgbClr val="FFFFFF"/>
+                </a:solidFill>
+              </a14:hiddenFill>
+            </a:ext>
+          </a:extLst>
+        </p:spPr>
+      </p:pic>
+      <p:grpSp>
+        <p:nvGrpSpPr>
+          <p:cNvPr id="10" name="群組 9"/>
+          <p:cNvGrpSpPr/>
+          <p:nvPr/>
+        </p:nvGrpSpPr>
+        <p:grpSpPr>
+          <a:xfrm>
+            <a:off x="4148762" y="1834024"/>
+            <a:ext cx="1130997" cy="307777"/>
+            <a:chOff x="4221914" y="2100506"/>
+            <a:chExt cx="1130997" cy="307777"/>
+          </a:xfrm>
+        </p:grpSpPr>
+        <p:sp>
+          <p:nvSpPr>
+            <p:cNvPr id="6" name="五邊形 5"/>
+            <p:cNvSpPr/>
+            <p:nvPr/>
+          </p:nvSpPr>
+          <p:spPr>
+            <a:xfrm rot="10800000">
+              <a:off x="4221914" y="2110956"/>
+              <a:ext cx="1055479" cy="271707"/>
+            </a:xfrm>
+            <a:prstGeom prst="homePlate">
+              <a:avLst/>
+            </a:prstGeom>
+          </p:spPr>
+          <p:style>
+            <a:lnRef idx="2">
+              <a:schemeClr val="accent3">
+                <a:shade val="50000"/>
+              </a:schemeClr>
+            </a:lnRef>
+            <a:fillRef idx="1">
+              <a:schemeClr val="accent3"/>
+            </a:fillRef>
+            <a:effectRef idx="0">
+              <a:schemeClr val="accent3"/>
+            </a:effectRef>
+            <a:fontRef idx="minor">
+              <a:schemeClr val="lt1"/>
+            </a:fontRef>
+          </p:style>
+          <p:txBody>
+            <a:bodyPr rtlCol="0" anchor="ctr"/>
+            <a:lstStyle/>
+            <a:p>
+              <a:pPr algn="ctr"/>
+              <a:endParaRPr lang="en-US" altLang="zh-TW" dirty="0" smtClean="0"/>
+            </a:p>
+          </p:txBody>
+        </p:sp>
+        <p:sp>
+          <p:nvSpPr>
+            <p:cNvPr id="7" name="流程圖: 接點 6"/>
+            <p:cNvSpPr/>
+            <p:nvPr/>
+          </p:nvSpPr>
+          <p:spPr>
+            <a:xfrm>
+              <a:off x="4310743" y="2189335"/>
+              <a:ext cx="104503" cy="114953"/>
+            </a:xfrm>
+            <a:prstGeom prst="flowChartConnector">
+              <a:avLst/>
+            </a:prstGeom>
+          </p:spPr>
+          <p:style>
+            <a:lnRef idx="2">
+              <a:schemeClr val="accent5"/>
+            </a:lnRef>
+            <a:fillRef idx="1">
+              <a:schemeClr val="lt1"/>
+            </a:fillRef>
+            <a:effectRef idx="0">
+              <a:schemeClr val="accent5"/>
+            </a:effectRef>
+            <a:fontRef idx="minor">
+              <a:schemeClr val="dk1"/>
+            </a:fontRef>
+          </p:style>
+          <p:txBody>
+            <a:bodyPr rtlCol="0" anchor="ctr"/>
+            <a:lstStyle/>
+            <a:p>
+              <a:pPr algn="ctr"/>
+              <a:endParaRPr lang="en-US"/>
+            </a:p>
+          </p:txBody>
+        </p:sp>
+        <p:sp>
+          <p:nvSpPr>
+            <p:cNvPr id="9" name="文字方塊 8"/>
+            <p:cNvSpPr txBox="1"/>
+            <p:nvPr/>
+          </p:nvSpPr>
+          <p:spPr>
+            <a:xfrm>
+              <a:off x="4410024" y="2100506"/>
+              <a:ext cx="942887" cy="307777"/>
+            </a:xfrm>
+            <a:prstGeom prst="rect">
+              <a:avLst/>
+            </a:prstGeom>
+            <a:noFill/>
+          </p:spPr>
+          <p:txBody>
+            <a:bodyPr wrap="none" rtlCol="0">
+              <a:spAutoFit/>
+            </a:bodyPr>
+            <a:lstStyle/>
+            <a:p>
+              <a:r>
+                <a:rPr lang="en-US" altLang="zh-TW" dirty="0" smtClean="0">
+                  <a:solidFill>
+                    <a:schemeClr val="accent1">
+                      <a:lumMod val="60000"/>
+                      <a:lumOff val="40000"/>
+                    </a:schemeClr>
+                  </a:solidFill>
+                </a:rPr>
+                <a:t>SCHOOL</a:t>
+              </a:r>
+              <a:endParaRPr lang="en-US" dirty="0">
+                <a:solidFill>
+                  <a:schemeClr val="accent1">
+                    <a:lumMod val="60000"/>
+                    <a:lumOff val="40000"/>
+                  </a:schemeClr>
+                </a:solidFill>
+              </a:endParaRPr>
+            </a:p>
+          </p:txBody>
+        </p:sp>
+      </p:grpSp>
+      <p:grpSp>
+        <p:nvGrpSpPr>
+          <p:cNvPr id="11" name="群組 10"/>
+          <p:cNvGrpSpPr/>
+          <p:nvPr/>
+        </p:nvGrpSpPr>
+        <p:grpSpPr>
+          <a:xfrm>
+            <a:off x="4148762" y="2934861"/>
+            <a:ext cx="1130997" cy="307777"/>
+            <a:chOff x="4221914" y="2100506"/>
+            <a:chExt cx="1130997" cy="307777"/>
+          </a:xfrm>
+        </p:grpSpPr>
+        <p:sp>
+          <p:nvSpPr>
+            <p:cNvPr id="12" name="五邊形 11"/>
+            <p:cNvSpPr/>
+            <p:nvPr/>
+          </p:nvSpPr>
+          <p:spPr>
+            <a:xfrm rot="10800000">
+              <a:off x="4221914" y="2110956"/>
+              <a:ext cx="1055478" cy="271707"/>
+            </a:xfrm>
+            <a:prstGeom prst="homePlate">
+              <a:avLst/>
+            </a:prstGeom>
+          </p:spPr>
+          <p:style>
+            <a:lnRef idx="2">
+              <a:schemeClr val="accent3">
+                <a:shade val="50000"/>
+              </a:schemeClr>
+            </a:lnRef>
+            <a:fillRef idx="1">
+              <a:schemeClr val="accent3"/>
+            </a:fillRef>
+            <a:effectRef idx="0">
+              <a:schemeClr val="accent3"/>
+            </a:effectRef>
+            <a:fontRef idx="minor">
+              <a:schemeClr val="lt1"/>
+            </a:fontRef>
+          </p:style>
+          <p:txBody>
+            <a:bodyPr rtlCol="0" anchor="ctr"/>
+            <a:lstStyle/>
+            <a:p>
+              <a:pPr algn="ctr"/>
+              <a:endParaRPr lang="en-US" altLang="zh-TW" dirty="0" smtClean="0"/>
+            </a:p>
+          </p:txBody>
+        </p:sp>
+        <p:sp>
+          <p:nvSpPr>
+            <p:cNvPr id="13" name="流程圖: 接點 12"/>
+            <p:cNvSpPr/>
+            <p:nvPr/>
+          </p:nvSpPr>
+          <p:spPr>
+            <a:xfrm>
+              <a:off x="4310743" y="2189335"/>
+              <a:ext cx="104503" cy="114953"/>
+            </a:xfrm>
+            <a:prstGeom prst="flowChartConnector">
+              <a:avLst/>
+            </a:prstGeom>
+          </p:spPr>
+          <p:style>
+            <a:lnRef idx="2">
+              <a:schemeClr val="accent5"/>
+            </a:lnRef>
+            <a:fillRef idx="1">
+              <a:schemeClr val="lt1"/>
+            </a:fillRef>
+            <a:effectRef idx="0">
+              <a:schemeClr val="accent5"/>
+            </a:effectRef>
+            <a:fontRef idx="minor">
+              <a:schemeClr val="dk1"/>
+            </a:fontRef>
+          </p:style>
+          <p:txBody>
+            <a:bodyPr rtlCol="0" anchor="ctr"/>
+            <a:lstStyle/>
+            <a:p>
+              <a:pPr algn="ctr"/>
+              <a:endParaRPr lang="en-US"/>
+            </a:p>
+          </p:txBody>
+        </p:sp>
+        <p:sp>
+          <p:nvSpPr>
+            <p:cNvPr id="14" name="文字方塊 13"/>
+            <p:cNvSpPr txBox="1"/>
+            <p:nvPr/>
+          </p:nvSpPr>
+          <p:spPr>
+            <a:xfrm>
+              <a:off x="4410024" y="2100506"/>
+              <a:ext cx="942887" cy="307777"/>
+            </a:xfrm>
+            <a:prstGeom prst="rect">
+              <a:avLst/>
+            </a:prstGeom>
+            <a:noFill/>
+          </p:spPr>
+          <p:txBody>
+            <a:bodyPr wrap="none" rtlCol="0">
+              <a:spAutoFit/>
+            </a:bodyPr>
+            <a:lstStyle/>
+            <a:p>
+              <a:r>
+                <a:rPr lang="en-US" altLang="zh-TW" dirty="0" smtClean="0">
+                  <a:solidFill>
+                    <a:schemeClr val="accent1">
+                      <a:lumMod val="60000"/>
+                      <a:lumOff val="40000"/>
+                    </a:schemeClr>
+                  </a:solidFill>
+                </a:rPr>
+                <a:t>SCHOOL</a:t>
+              </a:r>
+              <a:endParaRPr lang="en-US" dirty="0">
+                <a:solidFill>
+                  <a:schemeClr val="accent1">
+                    <a:lumMod val="60000"/>
+                    <a:lumOff val="40000"/>
+                  </a:schemeClr>
+                </a:solidFill>
+              </a:endParaRPr>
+            </a:p>
+          </p:txBody>
+        </p:sp>
+      </p:grpSp>
+      <p:grpSp>
+        <p:nvGrpSpPr>
+          <p:cNvPr id="15" name="群組 14"/>
+          <p:cNvGrpSpPr/>
+          <p:nvPr/>
+        </p:nvGrpSpPr>
+        <p:grpSpPr>
+          <a:xfrm>
+            <a:off x="4148761" y="4147095"/>
+            <a:ext cx="1220766" cy="307777"/>
+            <a:chOff x="4221913" y="2100506"/>
+            <a:chExt cx="1220766" cy="307777"/>
+          </a:xfrm>
+        </p:grpSpPr>
+        <p:sp>
+          <p:nvSpPr>
+            <p:cNvPr id="16" name="五邊形 15"/>
+            <p:cNvSpPr/>
+            <p:nvPr/>
+          </p:nvSpPr>
+          <p:spPr>
+            <a:xfrm rot="10800000">
+              <a:off x="4221913" y="2110955"/>
+              <a:ext cx="1130997" cy="271707"/>
+            </a:xfrm>
+            <a:prstGeom prst="homePlate">
+              <a:avLst/>
+            </a:prstGeom>
+          </p:spPr>
+          <p:style>
+            <a:lnRef idx="2">
+              <a:schemeClr val="accent3">
+                <a:shade val="50000"/>
+              </a:schemeClr>
+            </a:lnRef>
+            <a:fillRef idx="1">
+              <a:schemeClr val="accent3"/>
+            </a:fillRef>
+            <a:effectRef idx="0">
+              <a:schemeClr val="accent3"/>
+            </a:effectRef>
+            <a:fontRef idx="minor">
+              <a:schemeClr val="lt1"/>
+            </a:fontRef>
+          </p:style>
+          <p:txBody>
+            <a:bodyPr rtlCol="0" anchor="ctr"/>
+            <a:lstStyle/>
+            <a:p>
+              <a:pPr algn="ctr"/>
+              <a:endParaRPr lang="en-US" altLang="zh-TW" dirty="0" smtClean="0"/>
+            </a:p>
+          </p:txBody>
+        </p:sp>
+        <p:sp>
+          <p:nvSpPr>
+            <p:cNvPr id="17" name="流程圖: 接點 16"/>
+            <p:cNvSpPr/>
+            <p:nvPr/>
+          </p:nvSpPr>
+          <p:spPr>
+            <a:xfrm>
+              <a:off x="4310743" y="2189335"/>
+              <a:ext cx="104503" cy="114953"/>
+            </a:xfrm>
+            <a:prstGeom prst="flowChartConnector">
+              <a:avLst/>
+            </a:prstGeom>
+          </p:spPr>
+          <p:style>
+            <a:lnRef idx="2">
+              <a:schemeClr val="accent5"/>
+            </a:lnRef>
+            <a:fillRef idx="1">
+              <a:schemeClr val="lt1"/>
+            </a:fillRef>
+            <a:effectRef idx="0">
+              <a:schemeClr val="accent5"/>
+            </a:effectRef>
+            <a:fontRef idx="minor">
+              <a:schemeClr val="dk1"/>
+            </a:fontRef>
+          </p:style>
+          <p:txBody>
+            <a:bodyPr rtlCol="0" anchor="ctr"/>
+            <a:lstStyle/>
+            <a:p>
+              <a:pPr algn="ctr"/>
+              <a:endParaRPr lang="en-US"/>
+            </a:p>
+          </p:txBody>
+        </p:sp>
+        <p:sp>
+          <p:nvSpPr>
+            <p:cNvPr id="18" name="文字方塊 17"/>
+            <p:cNvSpPr txBox="1"/>
+            <p:nvPr/>
+          </p:nvSpPr>
+          <p:spPr>
+            <a:xfrm>
+              <a:off x="4410024" y="2100506"/>
+              <a:ext cx="1032655" cy="307777"/>
+            </a:xfrm>
+            <a:prstGeom prst="rect">
+              <a:avLst/>
+            </a:prstGeom>
+            <a:noFill/>
+          </p:spPr>
+          <p:txBody>
+            <a:bodyPr wrap="none" rtlCol="0">
+              <a:spAutoFit/>
+            </a:bodyPr>
+            <a:lstStyle/>
+            <a:p>
+              <a:r>
+                <a:rPr lang="en-US" altLang="zh-TW" dirty="0" smtClean="0">
+                  <a:solidFill>
+                    <a:schemeClr val="accent1">
+                      <a:lumMod val="60000"/>
+                      <a:lumOff val="40000"/>
+                    </a:schemeClr>
+                  </a:solidFill>
+                </a:rPr>
+                <a:t>STUDENT</a:t>
+              </a:r>
+              <a:endParaRPr lang="en-US" dirty="0">
+                <a:solidFill>
+                  <a:schemeClr val="accent1">
+                    <a:lumMod val="60000"/>
+                    <a:lumOff val="40000"/>
+                  </a:schemeClr>
+                </a:solidFill>
+              </a:endParaRPr>
+            </a:p>
+          </p:txBody>
+        </p:sp>
+      </p:grpSp>
+      <p:sp>
+        <p:nvSpPr>
+          <p:cNvPr id="19" name="文字方塊 18"/>
+          <p:cNvSpPr txBox="1"/>
+          <p:nvPr/>
+        </p:nvSpPr>
+        <p:spPr>
+          <a:xfrm>
+            <a:off x="4289842" y="2100506"/>
+            <a:ext cx="2925801" cy="307777"/>
+          </a:xfrm>
+          <a:prstGeom prst="rect">
+            <a:avLst/>
+          </a:prstGeom>
+          <a:noFill/>
+        </p:spPr>
+        <p:txBody>
+          <a:bodyPr wrap="none" rtlCol="0">
+            <a:spAutoFit/>
+          </a:bodyPr>
+          <a:lstStyle/>
+          <a:p>
+            <a:r>
+              <a:rPr lang="zh-TW" altLang="en-US" dirty="0" smtClean="0"/>
+              <a:t>標記該 </a:t>
+            </a:r>
             <a:r>
               <a:rPr lang="en-US" altLang="zh-TW" dirty="0" smtClean="0"/>
-              <a:t>Q: </a:t>
+              <a:t>instance </a:t>
             </a:r>
             <a:r>
               <a:rPr lang="zh-TW" altLang="en-US" dirty="0" smtClean="0"/>
-              <a:t>如何替不同客戶提供不同的 </a:t>
+              <a:t>是給校務系統專用</a:t>
+            </a:r>
+            <a:endParaRPr lang="en-US" dirty="0"/>
+          </a:p>
+        </p:txBody>
+      </p:sp>
+      <p:sp>
+        <p:nvSpPr>
+          <p:cNvPr id="20" name="文字方塊 19"/>
+          <p:cNvSpPr txBox="1"/>
+          <p:nvPr/>
+        </p:nvSpPr>
+        <p:spPr>
+          <a:xfrm>
+            <a:off x="4289842" y="3194919"/>
+            <a:ext cx="2925801" cy="307777"/>
+          </a:xfrm>
+          <a:prstGeom prst="rect">
+            <a:avLst/>
+          </a:prstGeom>
+          <a:noFill/>
+        </p:spPr>
+        <p:txBody>
+          <a:bodyPr wrap="none" rtlCol="0">
+            <a:spAutoFit/>
+          </a:bodyPr>
+          <a:lstStyle/>
+          <a:p>
+            <a:r>
+              <a:rPr lang="zh-TW" altLang="en-US" dirty="0" smtClean="0"/>
+              <a:t>標記該 </a:t>
             </a:r>
             <a:r>
               <a:rPr lang="en-US" altLang="zh-TW" dirty="0" smtClean="0"/>
-              <a:t>SLA</a:t>
+              <a:t>instance </a:t>
             </a:r>
             <a:r>
               <a:rPr lang="zh-TW" altLang="en-US" dirty="0" smtClean="0"/>
-              <a:t> </a:t>
+              <a:t>是給校務系統專用</a:t>
+            </a:r>
+            <a:endParaRPr lang="en-US" dirty="0"/>
+          </a:p>
+        </p:txBody>
+      </p:sp>
+      <p:sp>
+        <p:nvSpPr>
+          <p:cNvPr id="21" name="文字方塊 20"/>
+          <p:cNvSpPr txBox="1"/>
+          <p:nvPr/>
+        </p:nvSpPr>
+        <p:spPr>
+          <a:xfrm>
+            <a:off x="4289842" y="4395523"/>
+            <a:ext cx="2925801" cy="307777"/>
+          </a:xfrm>
+          <a:prstGeom prst="rect">
+            <a:avLst/>
+          </a:prstGeom>
+          <a:noFill/>
+        </p:spPr>
+        <p:txBody>
+          <a:bodyPr wrap="none" rtlCol="0">
+            <a:spAutoFit/>
+          </a:bodyPr>
+          <a:lstStyle/>
+          <a:p>
+            <a:r>
+              <a:rPr lang="zh-TW" altLang="en-US" dirty="0" smtClean="0"/>
+              <a:t>標記該 </a:t>
             </a:r>
             <a:r>
               <a:rPr lang="en-US" altLang="zh-TW" dirty="0" smtClean="0"/>
-              <a:t>?</a:t>
-            </a:r>
-            <a:endParaRPr lang="en-US" dirty="0"/>
-          </a:p>
-        </p:txBody>
-      </p:sp>
-      <p:sp>
-        <p:nvSpPr>
-          <p:cNvPr id="6" name="文字版面配置區 5"/>
-          <p:cNvSpPr>
-            <a:spLocks noGrp="1"/>
-          </p:cNvSpPr>
-          <p:nvPr>
-            <p:ph type="body" idx="1"/>
-          </p:nvPr>
-        </p:nvSpPr>
-        <p:spPr/>
-        <p:txBody>
-          <a:bodyPr/>
-          <a:lstStyle/>
-          <a:p>
+              <a:t>instance </a:t>
+            </a:r>
             <a:r>
               <a:rPr lang="zh-TW" altLang="en-US" dirty="0" smtClean="0"/>
-              <a:t>提供不同的效能保證 </a:t>
-            </a:r>
-            <a:r>
-              <a:rPr lang="en-US" altLang="zh-TW" dirty="0" smtClean="0"/>
-              <a:t>(share mode)</a:t>
-            </a:r>
-          </a:p>
-          <a:p>
-            <a:r>
-              <a:rPr lang="zh-TW" altLang="en-US" dirty="0" smtClean="0"/>
-              <a:t>提供保證的效能等級 </a:t>
-            </a:r>
-            <a:r>
-              <a:rPr lang="en-US" altLang="zh-TW" dirty="0" smtClean="0"/>
-              <a:t>(standard mode)</a:t>
-            </a:r>
-          </a:p>
-          <a:p>
-            <a:r>
-              <a:rPr lang="zh-TW" altLang="en-US" dirty="0" smtClean="0"/>
-              <a:t>提供專屬客戶獨立的設備 </a:t>
-            </a:r>
-            <a:r>
-              <a:rPr lang="en-US" altLang="zh-TW" dirty="0" smtClean="0"/>
-              <a:t>(isolated mode)</a:t>
+              <a:t>是給學生查詢使用</a:t>
             </a:r>
             <a:endParaRPr lang="en-US" dirty="0"/>
           </a:p>
@@ -17999,7 +18855,7 @@
     </p:spTree>
     <p:extLst>
       <p:ext uri="{BB962C8B-B14F-4D97-AF65-F5344CB8AC3E}">
-        <p14:creationId xmlns:p14="http://schemas.microsoft.com/office/powerpoint/2010/main" val="4124059287"/>
+        <p14:creationId xmlns:p14="http://schemas.microsoft.com/office/powerpoint/2010/main" val="3309836599"/>
       </p:ext>
     </p:extLst>
   </p:cSld>
@@ -18033,60 +18889,63 @@
           <a:chExt cx="0" cy="0"/>
         </a:xfrm>
       </p:grpSpPr>
-      <p:sp>
-        <p:nvSpPr>
-          <p:cNvPr id="5" name="標題 4"/>
-          <p:cNvSpPr>
-            <a:spLocks noGrp="1"/>
-          </p:cNvSpPr>
-          <p:nvPr>
-            <p:ph type="title"/>
-          </p:nvPr>
-        </p:nvSpPr>
-        <p:spPr/>
-        <p:txBody>
-          <a:bodyPr/>
+      <p:pic>
+        <p:nvPicPr>
+          <p:cNvPr id="4" name="圖片 3"/>
+          <p:cNvPicPr>
+            <a:picLocks noChangeAspect="1"/>
+          </p:cNvPicPr>
+          <p:nvPr/>
+        </p:nvPicPr>
+        <p:blipFill>
+          <a:blip r:embed="rId2"/>
+          <a:stretch>
+            <a:fillRect/>
+          </a:stretch>
+        </p:blipFill>
+        <p:spPr>
+          <a:xfrm>
+            <a:off x="261256" y="329844"/>
+            <a:ext cx="8694640" cy="4212106"/>
+          </a:xfrm>
+          <a:prstGeom prst="rect">
+            <a:avLst/>
+          </a:prstGeom>
+        </p:spPr>
+      </p:pic>
+      <p:sp>
+        <p:nvSpPr>
+          <p:cNvPr id="5" name="文字方塊 4"/>
+          <p:cNvSpPr txBox="1"/>
+          <p:nvPr/>
+        </p:nvSpPr>
+        <p:spPr>
+          <a:xfrm>
+            <a:off x="219456" y="4702630"/>
+            <a:ext cx="6183103" cy="307777"/>
+          </a:xfrm>
+          <a:prstGeom prst="rect">
+            <a:avLst/>
+          </a:prstGeom>
+          <a:noFill/>
+        </p:spPr>
+        <p:txBody>
+          <a:bodyPr wrap="none" rtlCol="0">
+            <a:spAutoFit/>
+          </a:bodyPr>
           <a:lstStyle/>
           <a:p>
             <a:r>
-              <a:rPr lang="en-US" dirty="0" smtClean="0"/>
-              <a:t>Q: </a:t>
-            </a:r>
-            <a:r>
-              <a:rPr lang="zh-TW" altLang="en-US" dirty="0" smtClean="0"/>
-              <a:t>如何定位 </a:t>
-            </a:r>
-            <a:r>
-              <a:rPr lang="en-US" altLang="zh-TW" dirty="0" smtClean="0"/>
-              <a:t>Service Registry?</a:t>
-            </a:r>
-            <a:endParaRPr lang="en-US" dirty="0"/>
-          </a:p>
-        </p:txBody>
-      </p:sp>
-      <p:sp>
-        <p:nvSpPr>
-          <p:cNvPr id="6" name="文字版面配置區 5"/>
-          <p:cNvSpPr>
-            <a:spLocks noGrp="1"/>
-          </p:cNvSpPr>
-          <p:nvPr>
-            <p:ph type="body" idx="1"/>
-          </p:nvPr>
-        </p:nvSpPr>
-        <p:spPr/>
-        <p:txBody>
-          <a:bodyPr/>
-          <a:lstStyle/>
-          <a:p>
-            <a:endParaRPr lang="en-US" dirty="0"/>
+              <a:rPr lang="en-US" dirty="0"/>
+              <a:t>https://cecilphillip.com/using-consul-for-service-discovery-with-asp-net-core/</a:t>
+            </a:r>
           </a:p>
         </p:txBody>
       </p:sp>
     </p:spTree>
     <p:extLst>
       <p:ext uri="{BB962C8B-B14F-4D97-AF65-F5344CB8AC3E}">
-        <p14:creationId xmlns:p14="http://schemas.microsoft.com/office/powerpoint/2010/main" val="56175396"/>
+        <p14:creationId xmlns:p14="http://schemas.microsoft.com/office/powerpoint/2010/main" val="3406257958"/>
       </p:ext>
     </p:extLst>
   </p:cSld>
@@ -18136,24 +18995,16 @@
           <a:lstStyle/>
           <a:p>
             <a:r>
+              <a:rPr lang="en-US" dirty="0" smtClean="0"/>
+              <a:t>Q: </a:t>
+            </a:r>
+            <a:r>
               <a:rPr lang="zh-TW" altLang="en-US" dirty="0" smtClean="0"/>
-              <a:t>案例探討</a:t>
+              <a:t>如何定位 </a:t>
             </a:r>
             <a:r>
               <a:rPr lang="en-US" altLang="zh-TW" dirty="0" smtClean="0"/>
-              <a:t>:</a:t>
-            </a:r>
-            <a:r>
-              <a:rPr lang="zh-TW" altLang="en-US" dirty="0" smtClean="0"/>
-              <a:t> </a:t>
-            </a:r>
-            <a:r>
-              <a:rPr lang="en-US" altLang="zh-TW" dirty="0" smtClean="0"/>
-              <a:t>SLA</a:t>
-            </a:r>
-            <a:r>
-              <a:rPr lang="zh-TW" altLang="en-US" dirty="0" smtClean="0"/>
-              <a:t> 層級劃分</a:t>
+              <a:t>Service Registry?</a:t>
             </a:r>
             <a:endParaRPr lang="en-US" dirty="0"/>
           </a:p>
@@ -18174,74 +19025,6 @@
           <a:bodyPr/>
           <a:lstStyle/>
           <a:p>
-            <a:r>
-              <a:rPr lang="en-US" altLang="zh-TW" dirty="0" smtClean="0"/>
-              <a:t>(service definition with tags)</a:t>
-            </a:r>
-          </a:p>
-          <a:p>
-            <a:r>
-              <a:rPr lang="en-US" dirty="0" smtClean="0"/>
-              <a:t>(:free, :</a:t>
-            </a:r>
-            <a:r>
-              <a:rPr lang="en-US" dirty="0" err="1" smtClean="0"/>
-              <a:t>vip</a:t>
-            </a:r>
-            <a:r>
-              <a:rPr lang="en-US" dirty="0" smtClean="0"/>
-              <a:t>)</a:t>
-            </a:r>
-          </a:p>
-          <a:p>
-            <a:r>
-              <a:rPr lang="en-US" dirty="0" smtClean="0"/>
-              <a:t>(free client -&gt; :free only)</a:t>
-            </a:r>
-          </a:p>
-          <a:p>
-            <a:r>
-              <a:rPr lang="en-US" dirty="0" smtClean="0"/>
-              <a:t>(</a:t>
-            </a:r>
-            <a:r>
-              <a:rPr lang="en-US" dirty="0" err="1" smtClean="0"/>
-              <a:t>vip</a:t>
-            </a:r>
-            <a:r>
-              <a:rPr lang="en-US" dirty="0" smtClean="0"/>
-              <a:t> client -&gt; :</a:t>
-            </a:r>
-            <a:r>
-              <a:rPr lang="en-US" dirty="0" err="1" smtClean="0"/>
-              <a:t>vip</a:t>
-            </a:r>
-            <a:r>
-              <a:rPr lang="en-US" dirty="0" smtClean="0"/>
-              <a:t> first, use :free if :</a:t>
-            </a:r>
-            <a:r>
-              <a:rPr lang="en-US" dirty="0" err="1" smtClean="0"/>
-              <a:t>vip</a:t>
-            </a:r>
-            <a:r>
-              <a:rPr lang="en-US" dirty="0" smtClean="0"/>
-              <a:t> fail)</a:t>
-            </a:r>
-          </a:p>
-          <a:p>
-            <a:r>
-              <a:rPr lang="en-US" dirty="0" smtClean="0"/>
-              <a:t>(selected client -&gt; :</a:t>
-            </a:r>
-            <a:r>
-              <a:rPr lang="en-US" dirty="0" err="1" smtClean="0"/>
-              <a:t>talentId</a:t>
-            </a:r>
-            <a:r>
-              <a:rPr lang="en-US" dirty="0" smtClean="0"/>
-              <a:t>)</a:t>
-            </a:r>
             <a:endParaRPr lang="en-US" dirty="0"/>
           </a:p>
         </p:txBody>
@@ -18249,7 +19032,7 @@
     </p:spTree>
     <p:extLst>
       <p:ext uri="{BB962C8B-B14F-4D97-AF65-F5344CB8AC3E}">
-        <p14:creationId xmlns:p14="http://schemas.microsoft.com/office/powerpoint/2010/main" val="158227796"/>
+        <p14:creationId xmlns:p14="http://schemas.microsoft.com/office/powerpoint/2010/main" val="56175396"/>
       </p:ext>
     </p:extLst>
   </p:cSld>
@@ -18298,7 +19081,27 @@
           <a:bodyPr/>
           <a:lstStyle/>
           <a:p>
-            <a:endParaRPr lang="en-US"/>
+            <a:r>
+              <a:rPr lang="zh-TW" altLang="en-US" dirty="0" smtClean="0"/>
+              <a:t>案例探討</a:t>
+            </a:r>
+            <a:r>
+              <a:rPr lang="en-US" altLang="zh-TW" dirty="0" smtClean="0"/>
+              <a:t>:</a:t>
+            </a:r>
+            <a:r>
+              <a:rPr lang="zh-TW" altLang="en-US" dirty="0" smtClean="0"/>
+              <a:t> </a:t>
+            </a:r>
+            <a:r>
+              <a:rPr lang="en-US" altLang="zh-TW" dirty="0" smtClean="0"/>
+              <a:t>SLA</a:t>
+            </a:r>
+            <a:r>
+              <a:rPr lang="zh-TW" altLang="en-US" dirty="0" smtClean="0"/>
+              <a:t> 層級劃分</a:t>
+            </a:r>
+            <a:endParaRPr lang="en-US" dirty="0"/>
           </a:p>
         </p:txBody>
       </p:sp>
@@ -18317,7 +19120,220 @@
           <a:bodyPr/>
           <a:lstStyle/>
           <a:p>
+            <a:r>
+              <a:rPr lang="en-US" altLang="zh-TW" dirty="0" smtClean="0"/>
+              <a:t>(service definition with tags)</a:t>
+            </a:r>
+          </a:p>
+          <a:p>
+            <a:r>
+              <a:rPr lang="en-US" dirty="0" smtClean="0"/>
+              <a:t>(:free, :</a:t>
+            </a:r>
+            <a:r>
+              <a:rPr lang="en-US" dirty="0" err="1" smtClean="0"/>
+              <a:t>vip</a:t>
+            </a:r>
+            <a:r>
+              <a:rPr lang="en-US" dirty="0" smtClean="0"/>
+              <a:t>)</a:t>
+            </a:r>
+          </a:p>
+          <a:p>
+            <a:r>
+              <a:rPr lang="en-US" dirty="0" smtClean="0"/>
+              <a:t>(free client -&gt; :free only)</a:t>
+            </a:r>
+          </a:p>
+          <a:p>
+            <a:r>
+              <a:rPr lang="en-US" dirty="0" smtClean="0"/>
+              <a:t>(</a:t>
+            </a:r>
+            <a:r>
+              <a:rPr lang="en-US" dirty="0" err="1" smtClean="0"/>
+              <a:t>vip</a:t>
+            </a:r>
+            <a:r>
+              <a:rPr lang="en-US" dirty="0" smtClean="0"/>
+              <a:t> client -&gt; :</a:t>
+            </a:r>
+            <a:r>
+              <a:rPr lang="en-US" dirty="0" err="1" smtClean="0"/>
+              <a:t>vip</a:t>
+            </a:r>
+            <a:r>
+              <a:rPr lang="en-US" dirty="0" smtClean="0"/>
+              <a:t> first, use :free if :</a:t>
+            </a:r>
+            <a:r>
+              <a:rPr lang="en-US" dirty="0" err="1" smtClean="0"/>
+              <a:t>vip</a:t>
+            </a:r>
+            <a:r>
+              <a:rPr lang="en-US" dirty="0" smtClean="0"/>
+              <a:t> fail)</a:t>
+            </a:r>
+          </a:p>
+          <a:p>
+            <a:r>
+              <a:rPr lang="en-US" dirty="0" smtClean="0"/>
+              <a:t>(selected client -&gt; :</a:t>
+            </a:r>
+            <a:r>
+              <a:rPr lang="en-US" dirty="0" err="1" smtClean="0"/>
+              <a:t>talentId</a:t>
+            </a:r>
+            <a:r>
+              <a:rPr lang="en-US" dirty="0" smtClean="0"/>
+              <a:t>)</a:t>
+            </a:r>
+            <a:endParaRPr lang="en-US" dirty="0"/>
+          </a:p>
+        </p:txBody>
+      </p:sp>
+    </p:spTree>
+    <p:extLst>
+      <p:ext uri="{BB962C8B-B14F-4D97-AF65-F5344CB8AC3E}">
+        <p14:creationId xmlns:p14="http://schemas.microsoft.com/office/powerpoint/2010/main" val="158227796"/>
+      </p:ext>
+    </p:extLst>
+  </p:cSld>
+  <p:clrMapOvr>
+    <a:masterClrMapping/>
+  </p:clrMapOvr>
+  <p:timing>
+    <p:tnLst>
+      <p:par>
+        <p:cTn id="1" dur="indefinite" restart="never" nodeType="tmRoot"/>
+      </p:par>
+    </p:tnLst>
+  </p:timing>
+</p:sld>
+</file>
+
+<file path=ppt/slides/slide27.xml><?xml version="1.0" encoding="utf-8"?>
+<p:sld xmlns:a="http://schemas.openxmlformats.org/drawingml/2006/main" xmlns:r="http://schemas.openxmlformats.org/officeDocument/2006/relationships" xmlns:p="http://schemas.openxmlformats.org/presentationml/2006/main">
+  <p:cSld>
+    <p:spTree>
+      <p:nvGrpSpPr>
+        <p:cNvPr id="1" name=""/>
+        <p:cNvGrpSpPr/>
+        <p:nvPr/>
+      </p:nvGrpSpPr>
+      <p:grpSpPr>
+        <a:xfrm>
+          <a:off x="0" y="0"/>
+          <a:ext cx="0" cy="0"/>
+          <a:chOff x="0" y="0"/>
+          <a:chExt cx="0" cy="0"/>
+        </a:xfrm>
+      </p:grpSpPr>
+      <p:sp>
+        <p:nvSpPr>
+          <p:cNvPr id="5" name="標題 4"/>
+          <p:cNvSpPr>
+            <a:spLocks noGrp="1"/>
+          </p:cNvSpPr>
+          <p:nvPr>
+            <p:ph type="title"/>
+          </p:nvPr>
+        </p:nvSpPr>
+        <p:spPr/>
+        <p:txBody>
+          <a:bodyPr/>
+          <a:lstStyle/>
+          <a:p>
             <a:endParaRPr lang="en-US"/>
+          </a:p>
+        </p:txBody>
+      </p:sp>
+      <p:sp>
+        <p:nvSpPr>
+          <p:cNvPr id="6" name="文字版面配置區 5"/>
+          <p:cNvSpPr>
+            <a:spLocks noGrp="1"/>
+          </p:cNvSpPr>
+          <p:nvPr>
+            <p:ph type="body" idx="1"/>
+          </p:nvPr>
+        </p:nvSpPr>
+        <p:spPr/>
+        <p:txBody>
+          <a:bodyPr/>
+          <a:lstStyle/>
+          <a:p>
+            <a:endParaRPr lang="en-US"/>
+          </a:p>
+        </p:txBody>
+      </p:sp>
+      <p:pic>
+        <p:nvPicPr>
+          <p:cNvPr id="2050" name="Picture 2" descr="Consul Docker Example Of Docker Service Registration And Discovery"/>
+          <p:cNvPicPr>
+            <a:picLocks noChangeAspect="1" noChangeArrowheads="1"/>
+          </p:cNvPicPr>
+          <p:nvPr/>
+        </p:nvPicPr>
+        <p:blipFill>
+          <a:blip r:embed="rId2">
+            <a:extLst>
+              <a:ext uri="{28A0092B-C50C-407E-A947-70E740481C1C}">
+                <a14:useLocalDpi xmlns:a14="http://schemas.microsoft.com/office/drawing/2010/main" val="0"/>
+              </a:ext>
+            </a:extLst>
+          </a:blip>
+          <a:srcRect/>
+          <a:stretch>
+            <a:fillRect/>
+          </a:stretch>
+        </p:blipFill>
+        <p:spPr bwMode="auto">
+          <a:xfrm>
+            <a:off x="1477537" y="205978"/>
+            <a:ext cx="6076950" cy="4562476"/>
+          </a:xfrm>
+          <a:prstGeom prst="rect">
+            <a:avLst/>
+          </a:prstGeom>
+          <a:noFill/>
+          <a:extLst>
+            <a:ext uri="{909E8E84-426E-40DD-AFC4-6F175D3DCCD1}">
+              <a14:hiddenFill xmlns:a14="http://schemas.microsoft.com/office/drawing/2010/main">
+                <a:solidFill>
+                  <a:srgbClr val="FFFFFF"/>
+                </a:solidFill>
+              </a14:hiddenFill>
+            </a:ext>
+          </a:extLst>
+        </p:spPr>
+      </p:pic>
+      <p:sp>
+        <p:nvSpPr>
+          <p:cNvPr id="2" name="文字方塊 1"/>
+          <p:cNvSpPr txBox="1"/>
+          <p:nvPr/>
+        </p:nvSpPr>
+        <p:spPr>
+          <a:xfrm>
+            <a:off x="323959" y="4754880"/>
+            <a:ext cx="7564891" cy="307777"/>
+          </a:xfrm>
+          <a:prstGeom prst="rect">
+            <a:avLst/>
+          </a:prstGeom>
+          <a:noFill/>
+        </p:spPr>
+        <p:txBody>
+          <a:bodyPr wrap="none" rtlCol="0">
+            <a:spAutoFit/>
+          </a:bodyPr>
+          <a:lstStyle/>
+          <a:p>
+            <a:r>
+              <a:rPr lang="en-US" dirty="0"/>
+              <a:t>http://www.aridaz.com/consul-docker-example/docker-service-registration-and-discovery.html</a:t>
+            </a:r>
           </a:p>
         </p:txBody>
       </p:sp>
@@ -18341,7 +19357,299 @@
 </p:sld>
 </file>
 
-<file path=ppt/slides/slide27.xml><?xml version="1.0" encoding="utf-8"?>
+<file path=ppt/slides/slide28.xml><?xml version="1.0" encoding="utf-8"?>
+<p:sld xmlns:a="http://schemas.openxmlformats.org/drawingml/2006/main" xmlns:r="http://schemas.openxmlformats.org/officeDocument/2006/relationships" xmlns:p="http://schemas.openxmlformats.org/presentationml/2006/main">
+  <p:cSld>
+    <p:spTree>
+      <p:nvGrpSpPr>
+        <p:cNvPr id="1" name=""/>
+        <p:cNvGrpSpPr/>
+        <p:nvPr/>
+      </p:nvGrpSpPr>
+      <p:grpSpPr>
+        <a:xfrm>
+          <a:off x="0" y="0"/>
+          <a:ext cx="0" cy="0"/>
+          <a:chOff x="0" y="0"/>
+          <a:chExt cx="0" cy="0"/>
+        </a:xfrm>
+      </p:grpSpPr>
+      <p:sp>
+        <p:nvSpPr>
+          <p:cNvPr id="2" name="標題 1"/>
+          <p:cNvSpPr>
+            <a:spLocks noGrp="1"/>
+          </p:cNvSpPr>
+          <p:nvPr>
+            <p:ph type="title"/>
+          </p:nvPr>
+        </p:nvSpPr>
+        <p:spPr/>
+        <p:txBody>
+          <a:bodyPr/>
+          <a:lstStyle/>
+          <a:p>
+            <a:endParaRPr lang="en-US"/>
+          </a:p>
+        </p:txBody>
+      </p:sp>
+      <p:sp>
+        <p:nvSpPr>
+          <p:cNvPr id="3" name="文字版面配置區 2"/>
+          <p:cNvSpPr>
+            <a:spLocks noGrp="1"/>
+          </p:cNvSpPr>
+          <p:nvPr>
+            <p:ph type="body" idx="1"/>
+          </p:nvPr>
+        </p:nvSpPr>
+        <p:spPr/>
+        <p:txBody>
+          <a:bodyPr/>
+          <a:lstStyle/>
+          <a:p>
+            <a:endParaRPr lang="en-US"/>
+          </a:p>
+        </p:txBody>
+      </p:sp>
+      <p:sp>
+        <p:nvSpPr>
+          <p:cNvPr id="4" name="文字版面配置區 3"/>
+          <p:cNvSpPr>
+            <a:spLocks noGrp="1"/>
+          </p:cNvSpPr>
+          <p:nvPr>
+            <p:ph type="body" idx="2"/>
+          </p:nvPr>
+        </p:nvSpPr>
+        <p:spPr/>
+        <p:txBody>
+          <a:bodyPr/>
+          <a:lstStyle/>
+          <a:p>
+            <a:endParaRPr lang="en-US"/>
+          </a:p>
+        </p:txBody>
+      </p:sp>
+    </p:spTree>
+    <p:extLst>
+      <p:ext uri="{BB962C8B-B14F-4D97-AF65-F5344CB8AC3E}">
+        <p14:creationId xmlns:p14="http://schemas.microsoft.com/office/powerpoint/2010/main" val="4148762997"/>
+      </p:ext>
+    </p:extLst>
+  </p:cSld>
+  <p:clrMapOvr>
+    <a:masterClrMapping/>
+  </p:clrMapOvr>
+  <p:timing>
+    <p:tnLst>
+      <p:par>
+        <p:cTn id="1" dur="indefinite" restart="never" nodeType="tmRoot"/>
+      </p:par>
+    </p:tnLst>
+  </p:timing>
+</p:sld>
+</file>
+
+<file path=ppt/slides/slide29.xml><?xml version="1.0" encoding="utf-8"?>
+<p:sld xmlns:a="http://schemas.openxmlformats.org/drawingml/2006/main" xmlns:r="http://schemas.openxmlformats.org/officeDocument/2006/relationships" xmlns:p="http://schemas.openxmlformats.org/presentationml/2006/main">
+  <p:cSld>
+    <p:spTree>
+      <p:nvGrpSpPr>
+        <p:cNvPr id="1" name=""/>
+        <p:cNvGrpSpPr/>
+        <p:nvPr/>
+      </p:nvGrpSpPr>
+      <p:grpSpPr>
+        <a:xfrm>
+          <a:off x="0" y="0"/>
+          <a:ext cx="0" cy="0"/>
+          <a:chOff x="0" y="0"/>
+          <a:chExt cx="0" cy="0"/>
+        </a:xfrm>
+      </p:grpSpPr>
+      <p:sp>
+        <p:nvSpPr>
+          <p:cNvPr id="2" name="標題 1"/>
+          <p:cNvSpPr>
+            <a:spLocks noGrp="1"/>
+          </p:cNvSpPr>
+          <p:nvPr>
+            <p:ph type="title"/>
+          </p:nvPr>
+        </p:nvSpPr>
+        <p:spPr/>
+        <p:txBody>
+          <a:bodyPr/>
+          <a:lstStyle/>
+          <a:p>
+            <a:endParaRPr lang="en-US"/>
+          </a:p>
+        </p:txBody>
+      </p:sp>
+      <p:sp>
+        <p:nvSpPr>
+          <p:cNvPr id="3" name="文字版面配置區 2"/>
+          <p:cNvSpPr>
+            <a:spLocks noGrp="1"/>
+          </p:cNvSpPr>
+          <p:nvPr>
+            <p:ph type="body" idx="1"/>
+          </p:nvPr>
+        </p:nvSpPr>
+        <p:spPr/>
+        <p:txBody>
+          <a:bodyPr/>
+          <a:lstStyle/>
+          <a:p>
+            <a:endParaRPr lang="en-US"/>
+          </a:p>
+        </p:txBody>
+      </p:sp>
+      <p:sp>
+        <p:nvSpPr>
+          <p:cNvPr id="4" name="文字版面配置區 3"/>
+          <p:cNvSpPr>
+            <a:spLocks noGrp="1"/>
+          </p:cNvSpPr>
+          <p:nvPr>
+            <p:ph type="body" idx="2"/>
+          </p:nvPr>
+        </p:nvSpPr>
+        <p:spPr/>
+        <p:txBody>
+          <a:bodyPr/>
+          <a:lstStyle/>
+          <a:p>
+            <a:endParaRPr lang="en-US"/>
+          </a:p>
+        </p:txBody>
+      </p:sp>
+    </p:spTree>
+    <p:extLst>
+      <p:ext uri="{BB962C8B-B14F-4D97-AF65-F5344CB8AC3E}">
+        <p14:creationId xmlns:p14="http://schemas.microsoft.com/office/powerpoint/2010/main" val="604277481"/>
+      </p:ext>
+    </p:extLst>
+  </p:cSld>
+  <p:clrMapOvr>
+    <a:masterClrMapping/>
+  </p:clrMapOvr>
+  <p:timing>
+    <p:tnLst>
+      <p:par>
+        <p:cTn id="1" dur="indefinite" restart="never" nodeType="tmRoot"/>
+      </p:par>
+    </p:tnLst>
+  </p:timing>
+</p:sld>
+</file>
+
+<file path=ppt/slides/slide3.xml><?xml version="1.0" encoding="utf-8"?>
+<p:sld xmlns:a="http://schemas.openxmlformats.org/drawingml/2006/main" xmlns:r="http://schemas.openxmlformats.org/officeDocument/2006/relationships" xmlns:p="http://schemas.openxmlformats.org/presentationml/2006/main">
+  <p:cSld>
+    <p:spTree>
+      <p:nvGrpSpPr>
+        <p:cNvPr id="1" name=""/>
+        <p:cNvGrpSpPr/>
+        <p:nvPr/>
+      </p:nvGrpSpPr>
+      <p:grpSpPr>
+        <a:xfrm>
+          <a:off x="0" y="0"/>
+          <a:ext cx="0" cy="0"/>
+          <a:chOff x="0" y="0"/>
+          <a:chExt cx="0" cy="0"/>
+        </a:xfrm>
+      </p:grpSpPr>
+      <p:sp>
+        <p:nvSpPr>
+          <p:cNvPr id="13" name="標題 12"/>
+          <p:cNvSpPr>
+            <a:spLocks noGrp="1"/>
+          </p:cNvSpPr>
+          <p:nvPr>
+            <p:ph type="ctrTitle"/>
+          </p:nvPr>
+        </p:nvSpPr>
+        <p:spPr/>
+        <p:txBody>
+          <a:bodyPr/>
+          <a:lstStyle/>
+          <a:p>
+            <a:r>
+              <a:rPr lang="en-US" sz="6000" b="0" dirty="0" smtClean="0"/>
+              <a:t/>
+            </a:r>
+            <a:br>
+              <a:rPr lang="en-US" sz="6000" b="0" dirty="0" smtClean="0"/>
+            </a:br>
+            <a:r>
+              <a:rPr lang="en-US" sz="6000" b="0" dirty="0"/>
+              <a:t/>
+            </a:r>
+            <a:br>
+              <a:rPr lang="en-US" sz="6000" b="0" dirty="0"/>
+            </a:br>
+            <a:r>
+              <a:rPr lang="en-US" sz="6000" b="0" dirty="0" smtClean="0"/>
+              <a:t>1. </a:t>
+            </a:r>
+            <a:r>
+              <a:rPr lang="zh-TW" altLang="en-US" sz="6000" b="0" dirty="0" smtClean="0"/>
+              <a:t>微服務的管理</a:t>
+            </a:r>
+            <a:endParaRPr lang="en-US" sz="6000" b="0" dirty="0"/>
+          </a:p>
+        </p:txBody>
+      </p:sp>
+      <p:sp>
+        <p:nvSpPr>
+          <p:cNvPr id="14" name="副標題 13"/>
+          <p:cNvSpPr>
+            <a:spLocks noGrp="1"/>
+          </p:cNvSpPr>
+          <p:nvPr>
+            <p:ph type="subTitle" idx="1"/>
+          </p:nvPr>
+        </p:nvSpPr>
+        <p:spPr/>
+        <p:txBody>
+          <a:bodyPr/>
+          <a:lstStyle/>
+          <a:p>
+            <a:endParaRPr lang="en-US" sz="3600" dirty="0" smtClean="0"/>
+          </a:p>
+          <a:p>
+            <a:r>
+              <a:rPr lang="en-US" sz="3600" dirty="0" smtClean="0"/>
+              <a:t>xxx</a:t>
+            </a:r>
+            <a:endParaRPr lang="en-US" sz="3600" dirty="0"/>
+          </a:p>
+        </p:txBody>
+      </p:sp>
+    </p:spTree>
+    <p:extLst>
+      <p:ext uri="{BB962C8B-B14F-4D97-AF65-F5344CB8AC3E}">
+        <p14:creationId xmlns:p14="http://schemas.microsoft.com/office/powerpoint/2010/main" val="3151825453"/>
+      </p:ext>
+    </p:extLst>
+  </p:cSld>
+  <p:clrMapOvr>
+    <a:masterClrMapping/>
+  </p:clrMapOvr>
+  <p:timing>
+    <p:tnLst>
+      <p:par>
+        <p:cTn id="1" dur="indefinite" restart="never" nodeType="tmRoot"/>
+      </p:par>
+    </p:tnLst>
+  </p:timing>
+</p:sld>
+</file>
+
+<file path=ppt/slides/slide30.xml><?xml version="1.0" encoding="utf-8"?>
 <p:sld xmlns:a="http://schemas.openxmlformats.org/drawingml/2006/main" xmlns:r="http://schemas.openxmlformats.org/officeDocument/2006/relationships" xmlns:p="http://schemas.openxmlformats.org/presentationml/2006/main">
   <p:cSld>
     <p:spTree>
@@ -19179,355 +20487,6 @@
 </p:sld>
 </file>
 
-<file path=ppt/slides/slide28.xml><?xml version="1.0" encoding="utf-8"?>
-<p:sld xmlns:a="http://schemas.openxmlformats.org/drawingml/2006/main" xmlns:r="http://schemas.openxmlformats.org/officeDocument/2006/relationships" xmlns:p="http://schemas.openxmlformats.org/presentationml/2006/main">
-  <p:cSld>
-    <p:spTree>
-      <p:nvGrpSpPr>
-        <p:cNvPr id="1" name=""/>
-        <p:cNvGrpSpPr/>
-        <p:nvPr/>
-      </p:nvGrpSpPr>
-      <p:grpSpPr>
-        <a:xfrm>
-          <a:off x="0" y="0"/>
-          <a:ext cx="0" cy="0"/>
-          <a:chOff x="0" y="0"/>
-          <a:chExt cx="0" cy="0"/>
-        </a:xfrm>
-      </p:grpSpPr>
-      <p:sp>
-        <p:nvSpPr>
-          <p:cNvPr id="5" name="標題 4"/>
-          <p:cNvSpPr>
-            <a:spLocks noGrp="1"/>
-          </p:cNvSpPr>
-          <p:nvPr>
-            <p:ph type="title"/>
-          </p:nvPr>
-        </p:nvSpPr>
-        <p:spPr/>
-        <p:txBody>
-          <a:bodyPr/>
-          <a:lstStyle/>
-          <a:p>
-            <a:r>
-              <a:rPr lang="zh-TW" altLang="en-US" dirty="0" smtClean="0"/>
-              <a:t>案例探討</a:t>
-            </a:r>
-            <a:r>
-              <a:rPr lang="en-US" altLang="zh-TW" dirty="0" smtClean="0"/>
-              <a:t>:</a:t>
-            </a:r>
-            <a:r>
-              <a:rPr lang="zh-TW" altLang="en-US" dirty="0" smtClean="0"/>
-              <a:t> </a:t>
-            </a:r>
-            <a:r>
-              <a:rPr lang="en-US" altLang="zh-TW" dirty="0" err="1" smtClean="0"/>
-              <a:t>SideCar</a:t>
-            </a:r>
-            <a:r>
-              <a:rPr lang="en-US" altLang="zh-TW" dirty="0" smtClean="0"/>
-              <a:t> / Service Mesh</a:t>
-            </a:r>
-            <a:endParaRPr lang="en-US" dirty="0"/>
-          </a:p>
-        </p:txBody>
-      </p:sp>
-      <p:sp>
-        <p:nvSpPr>
-          <p:cNvPr id="6" name="文字版面配置區 5"/>
-          <p:cNvSpPr>
-            <a:spLocks noGrp="1"/>
-          </p:cNvSpPr>
-          <p:nvPr>
-            <p:ph type="body" idx="1"/>
-          </p:nvPr>
-        </p:nvSpPr>
-        <p:spPr/>
-        <p:txBody>
-          <a:bodyPr/>
-          <a:lstStyle/>
-          <a:p>
-            <a:endParaRPr lang="en-US"/>
-          </a:p>
-        </p:txBody>
-      </p:sp>
-    </p:spTree>
-    <p:extLst>
-      <p:ext uri="{BB962C8B-B14F-4D97-AF65-F5344CB8AC3E}">
-        <p14:creationId xmlns:p14="http://schemas.microsoft.com/office/powerpoint/2010/main" val="1193966206"/>
-      </p:ext>
-    </p:extLst>
-  </p:cSld>
-  <p:clrMapOvr>
-    <a:masterClrMapping/>
-  </p:clrMapOvr>
-  <p:timing>
-    <p:tnLst>
-      <p:par>
-        <p:cTn id="1" dur="indefinite" restart="never" nodeType="tmRoot"/>
-      </p:par>
-    </p:tnLst>
-  </p:timing>
-</p:sld>
-</file>
-
-<file path=ppt/slides/slide29.xml><?xml version="1.0" encoding="utf-8"?>
-<p:sld xmlns:a="http://schemas.openxmlformats.org/drawingml/2006/main" xmlns:r="http://schemas.openxmlformats.org/officeDocument/2006/relationships" xmlns:p="http://schemas.openxmlformats.org/presentationml/2006/main">
-  <p:cSld>
-    <p:spTree>
-      <p:nvGrpSpPr>
-        <p:cNvPr id="1" name=""/>
-        <p:cNvGrpSpPr/>
-        <p:nvPr/>
-      </p:nvGrpSpPr>
-      <p:grpSpPr>
-        <a:xfrm>
-          <a:off x="0" y="0"/>
-          <a:ext cx="0" cy="0"/>
-          <a:chOff x="0" y="0"/>
-          <a:chExt cx="0" cy="0"/>
-        </a:xfrm>
-      </p:grpSpPr>
-      <p:sp>
-        <p:nvSpPr>
-          <p:cNvPr id="5" name="標題 4"/>
-          <p:cNvSpPr>
-            <a:spLocks noGrp="1"/>
-          </p:cNvSpPr>
-          <p:nvPr>
-            <p:ph type="title"/>
-          </p:nvPr>
-        </p:nvSpPr>
-        <p:spPr/>
-        <p:txBody>
-          <a:bodyPr/>
-          <a:lstStyle/>
-          <a:p>
-            <a:endParaRPr lang="en-US"/>
-          </a:p>
-        </p:txBody>
-      </p:sp>
-      <p:sp>
-        <p:nvSpPr>
-          <p:cNvPr id="6" name="文字版面配置區 5"/>
-          <p:cNvSpPr>
-            <a:spLocks noGrp="1"/>
-          </p:cNvSpPr>
-          <p:nvPr>
-            <p:ph type="body" idx="1"/>
-          </p:nvPr>
-        </p:nvSpPr>
-        <p:spPr/>
-        <p:txBody>
-          <a:bodyPr/>
-          <a:lstStyle/>
-          <a:p>
-            <a:endParaRPr lang="en-US"/>
-          </a:p>
-        </p:txBody>
-      </p:sp>
-    </p:spTree>
-    <p:extLst>
-      <p:ext uri="{BB962C8B-B14F-4D97-AF65-F5344CB8AC3E}">
-        <p14:creationId xmlns:p14="http://schemas.microsoft.com/office/powerpoint/2010/main" val="1100533298"/>
-      </p:ext>
-    </p:extLst>
-  </p:cSld>
-  <p:clrMapOvr>
-    <a:masterClrMapping/>
-  </p:clrMapOvr>
-  <p:timing>
-    <p:tnLst>
-      <p:par>
-        <p:cTn id="1" dur="indefinite" restart="never" nodeType="tmRoot"/>
-      </p:par>
-    </p:tnLst>
-  </p:timing>
-</p:sld>
-</file>
-
-<file path=ppt/slides/slide3.xml><?xml version="1.0" encoding="utf-8"?>
-<p:sld xmlns:a="http://schemas.openxmlformats.org/drawingml/2006/main" xmlns:r="http://schemas.openxmlformats.org/officeDocument/2006/relationships" xmlns:p="http://schemas.openxmlformats.org/presentationml/2006/main">
-  <p:cSld>
-    <p:spTree>
-      <p:nvGrpSpPr>
-        <p:cNvPr id="1" name=""/>
-        <p:cNvGrpSpPr/>
-        <p:nvPr/>
-      </p:nvGrpSpPr>
-      <p:grpSpPr>
-        <a:xfrm>
-          <a:off x="0" y="0"/>
-          <a:ext cx="0" cy="0"/>
-          <a:chOff x="0" y="0"/>
-          <a:chExt cx="0" cy="0"/>
-        </a:xfrm>
-      </p:grpSpPr>
-      <p:sp>
-        <p:nvSpPr>
-          <p:cNvPr id="13" name="標題 12"/>
-          <p:cNvSpPr>
-            <a:spLocks noGrp="1"/>
-          </p:cNvSpPr>
-          <p:nvPr>
-            <p:ph type="ctrTitle"/>
-          </p:nvPr>
-        </p:nvSpPr>
-        <p:spPr/>
-        <p:txBody>
-          <a:bodyPr/>
-          <a:lstStyle/>
-          <a:p>
-            <a:r>
-              <a:rPr lang="en-US" sz="6000" b="0" dirty="0" smtClean="0"/>
-              <a:t/>
-            </a:r>
-            <a:br>
-              <a:rPr lang="en-US" sz="6000" b="0" dirty="0" smtClean="0"/>
-            </a:br>
-            <a:r>
-              <a:rPr lang="en-US" sz="6000" b="0" dirty="0"/>
-              <a:t/>
-            </a:r>
-            <a:br>
-              <a:rPr lang="en-US" sz="6000" b="0" dirty="0"/>
-            </a:br>
-            <a:r>
-              <a:rPr lang="en-US" sz="6000" b="0" dirty="0" smtClean="0"/>
-              <a:t>1. </a:t>
-            </a:r>
-            <a:r>
-              <a:rPr lang="zh-TW" altLang="en-US" sz="6000" b="0" dirty="0" smtClean="0"/>
-              <a:t>微服務的管理</a:t>
-            </a:r>
-            <a:endParaRPr lang="en-US" sz="6000" b="0" dirty="0"/>
-          </a:p>
-        </p:txBody>
-      </p:sp>
-      <p:sp>
-        <p:nvSpPr>
-          <p:cNvPr id="14" name="副標題 13"/>
-          <p:cNvSpPr>
-            <a:spLocks noGrp="1"/>
-          </p:cNvSpPr>
-          <p:nvPr>
-            <p:ph type="subTitle" idx="1"/>
-          </p:nvPr>
-        </p:nvSpPr>
-        <p:spPr/>
-        <p:txBody>
-          <a:bodyPr/>
-          <a:lstStyle/>
-          <a:p>
-            <a:endParaRPr lang="en-US" sz="3600" dirty="0" smtClean="0"/>
-          </a:p>
-          <a:p>
-            <a:r>
-              <a:rPr lang="en-US" sz="3600" dirty="0" smtClean="0"/>
-              <a:t>xxx</a:t>
-            </a:r>
-            <a:endParaRPr lang="en-US" sz="3600" dirty="0"/>
-          </a:p>
-        </p:txBody>
-      </p:sp>
-    </p:spTree>
-    <p:extLst>
-      <p:ext uri="{BB962C8B-B14F-4D97-AF65-F5344CB8AC3E}">
-        <p14:creationId xmlns:p14="http://schemas.microsoft.com/office/powerpoint/2010/main" val="3151825453"/>
-      </p:ext>
-    </p:extLst>
-  </p:cSld>
-  <p:clrMapOvr>
-    <a:masterClrMapping/>
-  </p:clrMapOvr>
-  <p:timing>
-    <p:tnLst>
-      <p:par>
-        <p:cTn id="1" dur="indefinite" restart="never" nodeType="tmRoot"/>
-      </p:par>
-    </p:tnLst>
-  </p:timing>
-</p:sld>
-</file>
-
-<file path=ppt/slides/slide30.xml><?xml version="1.0" encoding="utf-8"?>
-<p:sld xmlns:a="http://schemas.openxmlformats.org/drawingml/2006/main" xmlns:r="http://schemas.openxmlformats.org/officeDocument/2006/relationships" xmlns:p="http://schemas.openxmlformats.org/presentationml/2006/main">
-  <p:cSld>
-    <p:spTree>
-      <p:nvGrpSpPr>
-        <p:cNvPr id="1" name=""/>
-        <p:cNvGrpSpPr/>
-        <p:nvPr/>
-      </p:nvGrpSpPr>
-      <p:grpSpPr>
-        <a:xfrm>
-          <a:off x="0" y="0"/>
-          <a:ext cx="0" cy="0"/>
-          <a:chOff x="0" y="0"/>
-          <a:chExt cx="0" cy="0"/>
-        </a:xfrm>
-      </p:grpSpPr>
-      <p:sp>
-        <p:nvSpPr>
-          <p:cNvPr id="5" name="標題 4"/>
-          <p:cNvSpPr>
-            <a:spLocks noGrp="1"/>
-          </p:cNvSpPr>
-          <p:nvPr>
-            <p:ph type="title"/>
-          </p:nvPr>
-        </p:nvSpPr>
-        <p:spPr/>
-        <p:txBody>
-          <a:bodyPr/>
-          <a:lstStyle/>
-          <a:p>
-            <a:endParaRPr lang="en-US"/>
-          </a:p>
-        </p:txBody>
-      </p:sp>
-      <p:sp>
-        <p:nvSpPr>
-          <p:cNvPr id="6" name="文字版面配置區 5"/>
-          <p:cNvSpPr>
-            <a:spLocks noGrp="1"/>
-          </p:cNvSpPr>
-          <p:nvPr>
-            <p:ph type="body" idx="1"/>
-          </p:nvPr>
-        </p:nvSpPr>
-        <p:spPr/>
-        <p:txBody>
-          <a:bodyPr/>
-          <a:lstStyle/>
-          <a:p>
-            <a:endParaRPr lang="en-US"/>
-          </a:p>
-        </p:txBody>
-      </p:sp>
-    </p:spTree>
-    <p:extLst>
-      <p:ext uri="{BB962C8B-B14F-4D97-AF65-F5344CB8AC3E}">
-        <p14:creationId xmlns:p14="http://schemas.microsoft.com/office/powerpoint/2010/main" val="227275500"/>
-      </p:ext>
-    </p:extLst>
-  </p:cSld>
-  <p:clrMapOvr>
-    <a:masterClrMapping/>
-  </p:clrMapOvr>
-  <p:timing>
-    <p:tnLst>
-      <p:par>
-        <p:cTn id="1" dur="indefinite" restart="never" nodeType="tmRoot"/>
-      </p:par>
-    </p:tnLst>
-  </p:timing>
-</p:sld>
-</file>
-
 <file path=ppt/slides/slide31.xml><?xml version="1.0" encoding="utf-8"?>
 <p:sld xmlns:a="http://schemas.openxmlformats.org/drawingml/2006/main" xmlns:r="http://schemas.openxmlformats.org/officeDocument/2006/relationships" xmlns:p="http://schemas.openxmlformats.org/presentationml/2006/main">
   <p:cSld>
@@ -19560,7 +20519,27 @@
           <a:bodyPr/>
           <a:lstStyle/>
           <a:p>
-            <a:endParaRPr lang="en-US"/>
+            <a:r>
+              <a:rPr lang="zh-TW" altLang="en-US" dirty="0" smtClean="0"/>
+              <a:t>案例探討</a:t>
+            </a:r>
+            <a:r>
+              <a:rPr lang="en-US" altLang="zh-TW" dirty="0" smtClean="0"/>
+              <a:t>:</a:t>
+            </a:r>
+            <a:r>
+              <a:rPr lang="zh-TW" altLang="en-US" dirty="0" smtClean="0"/>
+              <a:t> </a:t>
+            </a:r>
+            <a:r>
+              <a:rPr lang="en-US" altLang="zh-TW" dirty="0" err="1" smtClean="0"/>
+              <a:t>SideCar</a:t>
+            </a:r>
+            <a:r>
+              <a:rPr lang="en-US" altLang="zh-TW" dirty="0" smtClean="0"/>
+              <a:t> / Service Mesh</a:t>
+            </a:r>
+            <a:endParaRPr lang="en-US" dirty="0"/>
           </a:p>
         </p:txBody>
       </p:sp>
@@ -19586,7 +20565,7 @@
     </p:spTree>
     <p:extLst>
       <p:ext uri="{BB962C8B-B14F-4D97-AF65-F5344CB8AC3E}">
-        <p14:creationId xmlns:p14="http://schemas.microsoft.com/office/powerpoint/2010/main" val="489020904"/>
+        <p14:creationId xmlns:p14="http://schemas.microsoft.com/office/powerpoint/2010/main" val="1193966206"/>
       </p:ext>
     </p:extLst>
   </p:cSld>
@@ -19661,7 +20640,7 @@
     </p:spTree>
     <p:extLst>
       <p:ext uri="{BB962C8B-B14F-4D97-AF65-F5344CB8AC3E}">
-        <p14:creationId xmlns:p14="http://schemas.microsoft.com/office/powerpoint/2010/main" val="3350656066"/>
+        <p14:creationId xmlns:p14="http://schemas.microsoft.com/office/powerpoint/2010/main" val="1100533298"/>
       </p:ext>
     </p:extLst>
   </p:cSld>
@@ -19736,7 +20715,7 @@
     </p:spTree>
     <p:extLst>
       <p:ext uri="{BB962C8B-B14F-4D97-AF65-F5344CB8AC3E}">
-        <p14:creationId xmlns:p14="http://schemas.microsoft.com/office/powerpoint/2010/main" val="761039172"/>
+        <p14:creationId xmlns:p14="http://schemas.microsoft.com/office/powerpoint/2010/main" val="227275500"/>
       </p:ext>
     </p:extLst>
   </p:cSld>
@@ -19811,7 +20790,7 @@
     </p:spTree>
     <p:extLst>
       <p:ext uri="{BB962C8B-B14F-4D97-AF65-F5344CB8AC3E}">
-        <p14:creationId xmlns:p14="http://schemas.microsoft.com/office/powerpoint/2010/main" val="2020933129"/>
+        <p14:creationId xmlns:p14="http://schemas.microsoft.com/office/powerpoint/2010/main" val="489020904"/>
       </p:ext>
     </p:extLst>
   </p:cSld>
@@ -19886,7 +20865,7 @@
     </p:spTree>
     <p:extLst>
       <p:ext uri="{BB962C8B-B14F-4D97-AF65-F5344CB8AC3E}">
-        <p14:creationId xmlns:p14="http://schemas.microsoft.com/office/powerpoint/2010/main" val="1249252872"/>
+        <p14:creationId xmlns:p14="http://schemas.microsoft.com/office/powerpoint/2010/main" val="3350656066"/>
       </p:ext>
     </p:extLst>
   </p:cSld>
@@ -19961,7 +20940,7 @@
     </p:spTree>
     <p:extLst>
       <p:ext uri="{BB962C8B-B14F-4D97-AF65-F5344CB8AC3E}">
-        <p14:creationId xmlns:p14="http://schemas.microsoft.com/office/powerpoint/2010/main" val="354321759"/>
+        <p14:creationId xmlns:p14="http://schemas.microsoft.com/office/powerpoint/2010/main" val="761039172"/>
       </p:ext>
     </p:extLst>
   </p:cSld>
@@ -20036,7 +21015,7 @@
     </p:spTree>
     <p:extLst>
       <p:ext uri="{BB962C8B-B14F-4D97-AF65-F5344CB8AC3E}">
-        <p14:creationId xmlns:p14="http://schemas.microsoft.com/office/powerpoint/2010/main" val="1670299469"/>
+        <p14:creationId xmlns:p14="http://schemas.microsoft.com/office/powerpoint/2010/main" val="2020933129"/>
       </p:ext>
     </p:extLst>
   </p:cSld>
@@ -20111,7 +21090,7 @@
     </p:spTree>
     <p:extLst>
       <p:ext uri="{BB962C8B-B14F-4D97-AF65-F5344CB8AC3E}">
-        <p14:creationId xmlns:p14="http://schemas.microsoft.com/office/powerpoint/2010/main" val="392449207"/>
+        <p14:creationId xmlns:p14="http://schemas.microsoft.com/office/powerpoint/2010/main" val="1249252872"/>
       </p:ext>
     </p:extLst>
   </p:cSld>
@@ -20186,7 +21165,7 @@
     </p:spTree>
     <p:extLst>
       <p:ext uri="{BB962C8B-B14F-4D97-AF65-F5344CB8AC3E}">
-        <p14:creationId xmlns:p14="http://schemas.microsoft.com/office/powerpoint/2010/main" val="3699977112"/>
+        <p14:creationId xmlns:p14="http://schemas.microsoft.com/office/powerpoint/2010/main" val="354321759"/>
       </p:ext>
     </p:extLst>
   </p:cSld>
@@ -20380,7 +21359,7 @@
     </p:spTree>
     <p:extLst>
       <p:ext uri="{BB962C8B-B14F-4D97-AF65-F5344CB8AC3E}">
-        <p14:creationId xmlns:p14="http://schemas.microsoft.com/office/powerpoint/2010/main" val="2625946237"/>
+        <p14:creationId xmlns:p14="http://schemas.microsoft.com/office/powerpoint/2010/main" val="1670299469"/>
       </p:ext>
     </p:extLst>
   </p:cSld>
@@ -20455,7 +21434,7 @@
     </p:spTree>
     <p:extLst>
       <p:ext uri="{BB962C8B-B14F-4D97-AF65-F5344CB8AC3E}">
-        <p14:creationId xmlns:p14="http://schemas.microsoft.com/office/powerpoint/2010/main" val="2603096143"/>
+        <p14:creationId xmlns:p14="http://schemas.microsoft.com/office/powerpoint/2010/main" val="392449207"/>
       </p:ext>
     </p:extLst>
   </p:cSld>
@@ -20530,7 +21509,7 @@
     </p:spTree>
     <p:extLst>
       <p:ext uri="{BB962C8B-B14F-4D97-AF65-F5344CB8AC3E}">
-        <p14:creationId xmlns:p14="http://schemas.microsoft.com/office/powerpoint/2010/main" val="3119443067"/>
+        <p14:creationId xmlns:p14="http://schemas.microsoft.com/office/powerpoint/2010/main" val="3699977112"/>
       </p:ext>
     </p:extLst>
   </p:cSld>
@@ -20605,7 +21584,7 @@
     </p:spTree>
     <p:extLst>
       <p:ext uri="{BB962C8B-B14F-4D97-AF65-F5344CB8AC3E}">
-        <p14:creationId xmlns:p14="http://schemas.microsoft.com/office/powerpoint/2010/main" val="3351526299"/>
+        <p14:creationId xmlns:p14="http://schemas.microsoft.com/office/powerpoint/2010/main" val="2625946237"/>
       </p:ext>
     </p:extLst>
   </p:cSld>
@@ -20680,7 +21659,7 @@
     </p:spTree>
     <p:extLst>
       <p:ext uri="{BB962C8B-B14F-4D97-AF65-F5344CB8AC3E}">
-        <p14:creationId xmlns:p14="http://schemas.microsoft.com/office/powerpoint/2010/main" val="2076910670"/>
+        <p14:creationId xmlns:p14="http://schemas.microsoft.com/office/powerpoint/2010/main" val="2603096143"/>
       </p:ext>
     </p:extLst>
   </p:cSld>
@@ -20755,6 +21734,231 @@
     </p:spTree>
     <p:extLst>
       <p:ext uri="{BB962C8B-B14F-4D97-AF65-F5344CB8AC3E}">
+        <p14:creationId xmlns:p14="http://schemas.microsoft.com/office/powerpoint/2010/main" val="3119443067"/>
+      </p:ext>
+    </p:extLst>
+  </p:cSld>
+  <p:clrMapOvr>
+    <a:masterClrMapping/>
+  </p:clrMapOvr>
+  <p:timing>
+    <p:tnLst>
+      <p:par>
+        <p:cTn id="1" dur="indefinite" restart="never" nodeType="tmRoot"/>
+      </p:par>
+    </p:tnLst>
+  </p:timing>
+</p:sld>
+</file>
+
+<file path=ppt/slides/slide46.xml><?xml version="1.0" encoding="utf-8"?>
+<p:sld xmlns:a="http://schemas.openxmlformats.org/drawingml/2006/main" xmlns:r="http://schemas.openxmlformats.org/officeDocument/2006/relationships" xmlns:p="http://schemas.openxmlformats.org/presentationml/2006/main">
+  <p:cSld>
+    <p:spTree>
+      <p:nvGrpSpPr>
+        <p:cNvPr id="1" name=""/>
+        <p:cNvGrpSpPr/>
+        <p:nvPr/>
+      </p:nvGrpSpPr>
+      <p:grpSpPr>
+        <a:xfrm>
+          <a:off x="0" y="0"/>
+          <a:ext cx="0" cy="0"/>
+          <a:chOff x="0" y="0"/>
+          <a:chExt cx="0" cy="0"/>
+        </a:xfrm>
+      </p:grpSpPr>
+      <p:sp>
+        <p:nvSpPr>
+          <p:cNvPr id="5" name="標題 4"/>
+          <p:cNvSpPr>
+            <a:spLocks noGrp="1"/>
+          </p:cNvSpPr>
+          <p:nvPr>
+            <p:ph type="title"/>
+          </p:nvPr>
+        </p:nvSpPr>
+        <p:spPr/>
+        <p:txBody>
+          <a:bodyPr/>
+          <a:lstStyle/>
+          <a:p>
+            <a:endParaRPr lang="en-US"/>
+          </a:p>
+        </p:txBody>
+      </p:sp>
+      <p:sp>
+        <p:nvSpPr>
+          <p:cNvPr id="6" name="文字版面配置區 5"/>
+          <p:cNvSpPr>
+            <a:spLocks noGrp="1"/>
+          </p:cNvSpPr>
+          <p:nvPr>
+            <p:ph type="body" idx="1"/>
+          </p:nvPr>
+        </p:nvSpPr>
+        <p:spPr/>
+        <p:txBody>
+          <a:bodyPr/>
+          <a:lstStyle/>
+          <a:p>
+            <a:endParaRPr lang="en-US"/>
+          </a:p>
+        </p:txBody>
+      </p:sp>
+    </p:spTree>
+    <p:extLst>
+      <p:ext uri="{BB962C8B-B14F-4D97-AF65-F5344CB8AC3E}">
+        <p14:creationId xmlns:p14="http://schemas.microsoft.com/office/powerpoint/2010/main" val="3351526299"/>
+      </p:ext>
+    </p:extLst>
+  </p:cSld>
+  <p:clrMapOvr>
+    <a:masterClrMapping/>
+  </p:clrMapOvr>
+  <p:timing>
+    <p:tnLst>
+      <p:par>
+        <p:cTn id="1" dur="indefinite" restart="never" nodeType="tmRoot"/>
+      </p:par>
+    </p:tnLst>
+  </p:timing>
+</p:sld>
+</file>
+
+<file path=ppt/slides/slide47.xml><?xml version="1.0" encoding="utf-8"?>
+<p:sld xmlns:a="http://schemas.openxmlformats.org/drawingml/2006/main" xmlns:r="http://schemas.openxmlformats.org/officeDocument/2006/relationships" xmlns:p="http://schemas.openxmlformats.org/presentationml/2006/main">
+  <p:cSld>
+    <p:spTree>
+      <p:nvGrpSpPr>
+        <p:cNvPr id="1" name=""/>
+        <p:cNvGrpSpPr/>
+        <p:nvPr/>
+      </p:nvGrpSpPr>
+      <p:grpSpPr>
+        <a:xfrm>
+          <a:off x="0" y="0"/>
+          <a:ext cx="0" cy="0"/>
+          <a:chOff x="0" y="0"/>
+          <a:chExt cx="0" cy="0"/>
+        </a:xfrm>
+      </p:grpSpPr>
+      <p:sp>
+        <p:nvSpPr>
+          <p:cNvPr id="5" name="標題 4"/>
+          <p:cNvSpPr>
+            <a:spLocks noGrp="1"/>
+          </p:cNvSpPr>
+          <p:nvPr>
+            <p:ph type="title"/>
+          </p:nvPr>
+        </p:nvSpPr>
+        <p:spPr/>
+        <p:txBody>
+          <a:bodyPr/>
+          <a:lstStyle/>
+          <a:p>
+            <a:endParaRPr lang="en-US"/>
+          </a:p>
+        </p:txBody>
+      </p:sp>
+      <p:sp>
+        <p:nvSpPr>
+          <p:cNvPr id="6" name="文字版面配置區 5"/>
+          <p:cNvSpPr>
+            <a:spLocks noGrp="1"/>
+          </p:cNvSpPr>
+          <p:nvPr>
+            <p:ph type="body" idx="1"/>
+          </p:nvPr>
+        </p:nvSpPr>
+        <p:spPr/>
+        <p:txBody>
+          <a:bodyPr/>
+          <a:lstStyle/>
+          <a:p>
+            <a:endParaRPr lang="en-US"/>
+          </a:p>
+        </p:txBody>
+      </p:sp>
+    </p:spTree>
+    <p:extLst>
+      <p:ext uri="{BB962C8B-B14F-4D97-AF65-F5344CB8AC3E}">
+        <p14:creationId xmlns:p14="http://schemas.microsoft.com/office/powerpoint/2010/main" val="2076910670"/>
+      </p:ext>
+    </p:extLst>
+  </p:cSld>
+  <p:clrMapOvr>
+    <a:masterClrMapping/>
+  </p:clrMapOvr>
+  <p:timing>
+    <p:tnLst>
+      <p:par>
+        <p:cTn id="1" dur="indefinite" restart="never" nodeType="tmRoot"/>
+      </p:par>
+    </p:tnLst>
+  </p:timing>
+</p:sld>
+</file>
+
+<file path=ppt/slides/slide48.xml><?xml version="1.0" encoding="utf-8"?>
+<p:sld xmlns:a="http://schemas.openxmlformats.org/drawingml/2006/main" xmlns:r="http://schemas.openxmlformats.org/officeDocument/2006/relationships" xmlns:p="http://schemas.openxmlformats.org/presentationml/2006/main">
+  <p:cSld>
+    <p:spTree>
+      <p:nvGrpSpPr>
+        <p:cNvPr id="1" name=""/>
+        <p:cNvGrpSpPr/>
+        <p:nvPr/>
+      </p:nvGrpSpPr>
+      <p:grpSpPr>
+        <a:xfrm>
+          <a:off x="0" y="0"/>
+          <a:ext cx="0" cy="0"/>
+          <a:chOff x="0" y="0"/>
+          <a:chExt cx="0" cy="0"/>
+        </a:xfrm>
+      </p:grpSpPr>
+      <p:sp>
+        <p:nvSpPr>
+          <p:cNvPr id="5" name="標題 4"/>
+          <p:cNvSpPr>
+            <a:spLocks noGrp="1"/>
+          </p:cNvSpPr>
+          <p:nvPr>
+            <p:ph type="title"/>
+          </p:nvPr>
+        </p:nvSpPr>
+        <p:spPr/>
+        <p:txBody>
+          <a:bodyPr/>
+          <a:lstStyle/>
+          <a:p>
+            <a:endParaRPr lang="en-US"/>
+          </a:p>
+        </p:txBody>
+      </p:sp>
+      <p:sp>
+        <p:nvSpPr>
+          <p:cNvPr id="6" name="文字版面配置區 5"/>
+          <p:cNvSpPr>
+            <a:spLocks noGrp="1"/>
+          </p:cNvSpPr>
+          <p:nvPr>
+            <p:ph type="body" idx="1"/>
+          </p:nvPr>
+        </p:nvSpPr>
+        <p:spPr/>
+        <p:txBody>
+          <a:bodyPr/>
+          <a:lstStyle/>
+          <a:p>
+            <a:endParaRPr lang="en-US"/>
+          </a:p>
+        </p:txBody>
+      </p:sp>
+    </p:spTree>
+    <p:extLst>
+      <p:ext uri="{BB962C8B-B14F-4D97-AF65-F5344CB8AC3E}">
         <p14:creationId xmlns:p14="http://schemas.microsoft.com/office/powerpoint/2010/main" val="2116884512"/>
       </p:ext>
     </p:extLst>
@@ -20772,7 +21976,7 @@
 </p:sld>
 </file>
 
-<file path=ppt/slides/slide46.xml><?xml version="1.0" encoding="utf-8"?>
+<file path=ppt/slides/slide49.xml><?xml version="1.0" encoding="utf-8"?>
 <p:sld xmlns:a="http://schemas.openxmlformats.org/drawingml/2006/main" xmlns:r="http://schemas.openxmlformats.org/officeDocument/2006/relationships" xmlns:p="http://schemas.openxmlformats.org/presentationml/2006/main">
   <p:cSld>
     <p:bg>
@@ -21384,7 +22588,134 @@
 </p:sld>
 </file>
 
-<file path=ppt/slides/slide47.xml><?xml version="1.0" encoding="utf-8"?>
+<file path=ppt/slides/slide5.xml><?xml version="1.0" encoding="utf-8"?>
+<p:sld xmlns:a="http://schemas.openxmlformats.org/drawingml/2006/main" xmlns:r="http://schemas.openxmlformats.org/officeDocument/2006/relationships" xmlns:p="http://schemas.openxmlformats.org/presentationml/2006/main" show="0">
+  <p:cSld>
+    <p:spTree>
+      <p:nvGrpSpPr>
+        <p:cNvPr id="1" name=""/>
+        <p:cNvGrpSpPr/>
+        <p:nvPr/>
+      </p:nvGrpSpPr>
+      <p:grpSpPr>
+        <a:xfrm>
+          <a:off x="0" y="0"/>
+          <a:ext cx="0" cy="0"/>
+          <a:chOff x="0" y="0"/>
+          <a:chExt cx="0" cy="0"/>
+        </a:xfrm>
+      </p:grpSpPr>
+      <p:pic>
+        <p:nvPicPr>
+          <p:cNvPr id="1026" name="Picture 2" descr="ç¸éåç"/>
+          <p:cNvPicPr>
+            <a:picLocks noChangeAspect="1" noChangeArrowheads="1"/>
+          </p:cNvPicPr>
+          <p:nvPr/>
+        </p:nvPicPr>
+        <p:blipFill>
+          <a:blip r:embed="rId2">
+            <a:extLst>
+              <a:ext uri="{28A0092B-C50C-407E-A947-70E740481C1C}">
+                <a14:useLocalDpi xmlns:a14="http://schemas.microsoft.com/office/drawing/2010/main" val="0"/>
+              </a:ext>
+            </a:extLst>
+          </a:blip>
+          <a:srcRect/>
+          <a:stretch>
+            <a:fillRect/>
+          </a:stretch>
+        </p:blipFill>
+        <p:spPr bwMode="auto">
+          <a:xfrm>
+            <a:off x="2256868" y="182880"/>
+            <a:ext cx="4632230" cy="4728854"/>
+          </a:xfrm>
+          <a:prstGeom prst="rect">
+            <a:avLst/>
+          </a:prstGeom>
+          <a:noFill/>
+          <a:extLst>
+            <a:ext uri="{909E8E84-426E-40DD-AFC4-6F175D3DCCD1}">
+              <a14:hiddenFill xmlns:a14="http://schemas.microsoft.com/office/drawing/2010/main">
+                <a:solidFill>
+                  <a:srgbClr val="FFFFFF"/>
+                </a:solidFill>
+              </a14:hiddenFill>
+            </a:ext>
+          </a:extLst>
+        </p:spPr>
+      </p:pic>
+      <p:sp>
+        <p:nvSpPr>
+          <p:cNvPr id="2" name="文字方塊 1"/>
+          <p:cNvSpPr txBox="1"/>
+          <p:nvPr/>
+        </p:nvSpPr>
+        <p:spPr>
+          <a:xfrm>
+            <a:off x="117459" y="4650124"/>
+            <a:ext cx="4751622" cy="523220"/>
+          </a:xfrm>
+          <a:prstGeom prst="rect">
+            <a:avLst/>
+          </a:prstGeom>
+          <a:noFill/>
+        </p:spPr>
+        <p:txBody>
+          <a:bodyPr wrap="none" rtlCol="0">
+            <a:spAutoFit/>
+          </a:bodyPr>
+          <a:lstStyle/>
+          <a:p>
+            <a:r>
+              <a:rPr lang="en-US" dirty="0">
+                <a:hlinkClick r:id="rId3"/>
+              </a:rPr>
+              <a:t>https://www.nginx.com/blog/introduction-to-microservices</a:t>
+            </a:r>
+            <a:r>
+              <a:rPr lang="en-US" dirty="0" smtClean="0">
+                <a:hlinkClick r:id="rId3"/>
+              </a:rPr>
+              <a:t>/</a:t>
+            </a:r>
+            <a:endParaRPr lang="en-US" dirty="0" smtClean="0"/>
+          </a:p>
+          <a:p>
+            <a:endParaRPr lang="en-US" dirty="0"/>
+          </a:p>
+        </p:txBody>
+      </p:sp>
+    </p:spTree>
+    <p:extLst>
+      <p:ext uri="{BB962C8B-B14F-4D97-AF65-F5344CB8AC3E}">
+        <p14:creationId xmlns:p14="http://schemas.microsoft.com/office/powerpoint/2010/main" val="702287061"/>
+      </p:ext>
+    </p:extLst>
+  </p:cSld>
+  <p:clrMapOvr>
+    <a:masterClrMapping/>
+  </p:clrMapOvr>
+  <mc:AlternateContent xmlns:mc="http://schemas.openxmlformats.org/markup-compatibility/2006">
+    <mc:Choice xmlns:p14="http://schemas.microsoft.com/office/powerpoint/2010/main" Requires="p14">
+      <p:transition spd="slow" p14:dur="2000"/>
+    </mc:Choice>
+    <mc:Fallback>
+      <p:transition spd="slow"/>
+    </mc:Fallback>
+  </mc:AlternateContent>
+  <p:timing>
+    <p:tnLst>
+      <p:par>
+        <p:cTn id="1" dur="indefinite" restart="never" nodeType="tmRoot"/>
+      </p:par>
+    </p:tnLst>
+  </p:timing>
+</p:sld>
+</file>
+
+<file path=ppt/slides/slide50.xml><?xml version="1.0" encoding="utf-8"?>
 <p:sld xmlns:a="http://schemas.openxmlformats.org/drawingml/2006/main" xmlns:r="http://schemas.openxmlformats.org/officeDocument/2006/relationships" xmlns:p="http://schemas.openxmlformats.org/presentationml/2006/main">
   <p:cSld>
     <p:spTree>
@@ -21421,7 +22752,7 @@
 </p:sld>
 </file>
 
-<file path=ppt/slides/slide48.xml><?xml version="1.0" encoding="utf-8"?>
+<file path=ppt/slides/slide51.xml><?xml version="1.0" encoding="utf-8"?>
 <p:sld xmlns:a="http://schemas.openxmlformats.org/drawingml/2006/main" xmlns:r="http://schemas.openxmlformats.org/officeDocument/2006/relationships" xmlns:p="http://schemas.openxmlformats.org/presentationml/2006/main">
   <p:cSld>
     <p:spTree>
@@ -21458,7 +22789,7 @@
 </p:sld>
 </file>
 
-<file path=ppt/slides/slide49.xml><?xml version="1.0" encoding="utf-8"?>
+<file path=ppt/slides/slide52.xml><?xml version="1.0" encoding="utf-8"?>
 <p:sld xmlns:a="http://schemas.openxmlformats.org/drawingml/2006/main" xmlns:r="http://schemas.openxmlformats.org/officeDocument/2006/relationships" xmlns:p="http://schemas.openxmlformats.org/presentationml/2006/main">
   <p:cSld>
     <p:spTree>
@@ -21495,7 +22826,243 @@
 </p:sld>
 </file>
 
-<file path=ppt/slides/slide5.xml><?xml version="1.0" encoding="utf-8"?>
+<file path=ppt/slides/slide53.xml><?xml version="1.0" encoding="utf-8"?>
+<p:sld xmlns:a="http://schemas.openxmlformats.org/drawingml/2006/main" xmlns:r="http://schemas.openxmlformats.org/officeDocument/2006/relationships" xmlns:p="http://schemas.openxmlformats.org/presentationml/2006/main">
+  <p:cSld>
+    <p:spTree>
+      <p:nvGrpSpPr>
+        <p:cNvPr id="1" name=""/>
+        <p:cNvGrpSpPr/>
+        <p:nvPr/>
+      </p:nvGrpSpPr>
+      <p:grpSpPr>
+        <a:xfrm>
+          <a:off x="0" y="0"/>
+          <a:ext cx="0" cy="0"/>
+          <a:chOff x="0" y="0"/>
+          <a:chExt cx="0" cy="0"/>
+        </a:xfrm>
+      </p:grpSpPr>
+      <p:sp>
+        <p:nvSpPr>
+          <p:cNvPr id="2" name="標題 1">
+            <a:extLst>
+              <a:ext uri="{FF2B5EF4-FFF2-40B4-BE49-F238E27FC236}">
+                <a16:creationId xmlns:a16="http://schemas.microsoft.com/office/drawing/2014/main" id="{A53AD68D-7080-4188-A296-6F3C8E665F8B}"/>
+              </a:ext>
+            </a:extLst>
+          </p:cNvPr>
+          <p:cNvSpPr>
+            <a:spLocks noGrp="1"/>
+          </p:cNvSpPr>
+          <p:nvPr>
+            <p:ph type="ctrTitle"/>
+          </p:nvPr>
+        </p:nvSpPr>
+        <p:spPr/>
+        <p:txBody>
+          <a:bodyPr/>
+          <a:lstStyle/>
+          <a:p>
+            <a:r>
+              <a:rPr lang="en-US" altLang="zh-TW" dirty="0"/>
+              <a:t/>
+            </a:r>
+            <a:br>
+              <a:rPr lang="en-US" altLang="zh-TW" dirty="0"/>
+            </a:br>
+            <a:r>
+              <a:rPr lang="zh-TW" altLang="en-US" dirty="0"/>
+              <a:t>案例</a:t>
+            </a:r>
+            <a:r>
+              <a:rPr lang="en-US" altLang="zh-TW" dirty="0"/>
+              <a:t>:</a:t>
+            </a:r>
+            <a:r>
+              <a:rPr lang="zh-TW" altLang="en-US" dirty="0"/>
+              <a:t> 拆分基礎服務</a:t>
+            </a:r>
+          </a:p>
+        </p:txBody>
+      </p:sp>
+      <p:sp>
+        <p:nvSpPr>
+          <p:cNvPr id="3" name="副標題 2">
+            <a:extLst>
+              <a:ext uri="{FF2B5EF4-FFF2-40B4-BE49-F238E27FC236}">
+                <a16:creationId xmlns:a16="http://schemas.microsoft.com/office/drawing/2014/main" id="{C2AFF981-6476-4DDC-BB51-9F3108EB7410}"/>
+              </a:ext>
+            </a:extLst>
+          </p:cNvPr>
+          <p:cNvSpPr>
+            <a:spLocks noGrp="1"/>
+          </p:cNvSpPr>
+          <p:nvPr>
+            <p:ph type="subTitle" idx="1"/>
+          </p:nvPr>
+        </p:nvSpPr>
+        <p:spPr/>
+        <p:txBody>
+          <a:bodyPr/>
+          <a:lstStyle/>
+          <a:p>
+            <a:r>
+              <a:rPr lang="zh-CN" altLang="en-US" sz="3600" b="1" dirty="0"/>
+              <a:t>宜人贷系统架构</a:t>
+            </a:r>
+            <a:r>
+              <a:rPr lang="en-US" altLang="zh-CN" sz="3600" b="1" dirty="0"/>
+              <a:t>-</a:t>
+            </a:r>
+            <a:r>
+              <a:rPr lang="zh-CN" altLang="en-US" sz="3600" b="1" dirty="0"/>
+              <a:t>高并发下的进化之路</a:t>
+            </a:r>
+          </a:p>
+          <a:p>
+            <a:endParaRPr lang="zh-TW" altLang="en-US" sz="3600" dirty="0"/>
+          </a:p>
+        </p:txBody>
+      </p:sp>
+      <p:sp>
+        <p:nvSpPr>
+          <p:cNvPr id="4" name="文字方塊 3">
+            <a:extLst>
+              <a:ext uri="{FF2B5EF4-FFF2-40B4-BE49-F238E27FC236}">
+                <a16:creationId xmlns:a16="http://schemas.microsoft.com/office/drawing/2014/main" id="{D29BCA04-079D-4220-A42B-019100319926}"/>
+              </a:ext>
+            </a:extLst>
+          </p:cNvPr>
+          <p:cNvSpPr txBox="1"/>
+          <p:nvPr/>
+        </p:nvSpPr>
+        <p:spPr>
+          <a:xfrm>
+            <a:off x="381000" y="4701540"/>
+            <a:ext cx="3498073" cy="523220"/>
+          </a:xfrm>
+          <a:prstGeom prst="rect">
+            <a:avLst/>
+          </a:prstGeom>
+          <a:noFill/>
+        </p:spPr>
+        <p:txBody>
+          <a:bodyPr wrap="none" rtlCol="0">
+            <a:spAutoFit/>
+          </a:bodyPr>
+          <a:lstStyle/>
+          <a:p>
+            <a:pPr marL="0" marR="0" lvl="0" indent="0" algn="l" defTabSz="914400" rtl="0" eaLnBrk="1" fontAlgn="auto" latinLnBrk="0" hangingPunct="1">
+              <a:lnSpc>
+                <a:spcPct val="100000"/>
+              </a:lnSpc>
+              <a:spcBef>
+                <a:spcPts val="0"/>
+              </a:spcBef>
+              <a:spcAft>
+                <a:spcPts val="0"/>
+              </a:spcAft>
+              <a:buClr>
+                <a:srgbClr val="000000"/>
+              </a:buClr>
+              <a:buSzTx/>
+              <a:buFont typeface="Arial"/>
+              <a:buNone/>
+              <a:tabLst/>
+              <a:defRPr/>
+            </a:pPr>
+            <a:r>
+              <a:rPr kumimoji="0" lang="en-US" altLang="zh-TW" sz="1400" b="0" i="0" u="none" strike="noStrike" kern="0" cap="none" spc="0" normalizeH="0" baseline="0" noProof="0" dirty="0">
+                <a:ln>
+                  <a:noFill/>
+                </a:ln>
+                <a:solidFill>
+                  <a:srgbClr val="000000"/>
+                </a:solidFill>
+                <a:effectLst/>
+                <a:uLnTx/>
+                <a:uFillTx/>
+                <a:latin typeface="Arial"/>
+                <a:cs typeface="Arial"/>
+                <a:sym typeface="Arial"/>
+                <a:hlinkClick r:id="rId2"/>
+              </a:rPr>
+              <a:t>https://www.jianshu.com/p/410250e006cb</a:t>
+            </a:r>
+            <a:endParaRPr kumimoji="0" lang="en-US" altLang="zh-TW" sz="1400" b="0" i="0" u="none" strike="noStrike" kern="0" cap="none" spc="0" normalizeH="0" baseline="0" noProof="0" dirty="0">
+              <a:ln>
+                <a:noFill/>
+              </a:ln>
+              <a:solidFill>
+                <a:srgbClr val="000000"/>
+              </a:solidFill>
+              <a:effectLst/>
+              <a:uLnTx/>
+              <a:uFillTx/>
+              <a:latin typeface="Arial"/>
+              <a:cs typeface="Arial"/>
+              <a:sym typeface="Arial"/>
+            </a:endParaRPr>
+          </a:p>
+          <a:p>
+            <a:pPr marL="0" marR="0" lvl="0" indent="0" algn="l" defTabSz="914400" rtl="0" eaLnBrk="1" fontAlgn="auto" latinLnBrk="0" hangingPunct="1">
+              <a:lnSpc>
+                <a:spcPct val="100000"/>
+              </a:lnSpc>
+              <a:spcBef>
+                <a:spcPts val="0"/>
+              </a:spcBef>
+              <a:spcAft>
+                <a:spcPts val="0"/>
+              </a:spcAft>
+              <a:buClr>
+                <a:srgbClr val="000000"/>
+              </a:buClr>
+              <a:buSzTx/>
+              <a:buFont typeface="Arial"/>
+              <a:buNone/>
+              <a:tabLst/>
+              <a:defRPr/>
+            </a:pPr>
+            <a:endParaRPr kumimoji="0" lang="zh-TW" altLang="en-US" sz="1400" b="0" i="0" u="none" strike="noStrike" kern="0" cap="none" spc="0" normalizeH="0" baseline="0" noProof="0" dirty="0">
+              <a:ln>
+                <a:noFill/>
+              </a:ln>
+              <a:solidFill>
+                <a:srgbClr val="000000"/>
+              </a:solidFill>
+              <a:effectLst/>
+              <a:uLnTx/>
+              <a:uFillTx/>
+              <a:latin typeface="Arial"/>
+              <a:cs typeface="Arial"/>
+              <a:sym typeface="Arial"/>
+            </a:endParaRPr>
+          </a:p>
+        </p:txBody>
+      </p:sp>
+    </p:spTree>
+    <p:extLst>
+      <p:ext uri="{BB962C8B-B14F-4D97-AF65-F5344CB8AC3E}">
+        <p14:creationId xmlns:p14="http://schemas.microsoft.com/office/powerpoint/2010/main" val="2622291912"/>
+      </p:ext>
+    </p:extLst>
+  </p:cSld>
+  <p:clrMapOvr>
+    <a:masterClrMapping/>
+  </p:clrMapOvr>
+  <p:timing>
+    <p:tnLst>
+      <p:par>
+        <p:cTn id="1" dur="indefinite" restart="never" nodeType="tmRoot"/>
+      </p:par>
+    </p:tnLst>
+  </p:timing>
+</p:sld>
+</file>
+
+<file path=ppt/slides/slide6.xml><?xml version="1.0" encoding="utf-8"?>
 <p:sld xmlns:a="http://schemas.openxmlformats.org/drawingml/2006/main" xmlns:r="http://schemas.openxmlformats.org/officeDocument/2006/relationships" xmlns:p="http://schemas.openxmlformats.org/presentationml/2006/main">
   <p:cSld>
     <p:spTree>
@@ -21614,243 +23181,7 @@
 </p:sld>
 </file>
 
-<file path=ppt/slides/slide50.xml><?xml version="1.0" encoding="utf-8"?>
-<p:sld xmlns:a="http://schemas.openxmlformats.org/drawingml/2006/main" xmlns:r="http://schemas.openxmlformats.org/officeDocument/2006/relationships" xmlns:p="http://schemas.openxmlformats.org/presentationml/2006/main">
-  <p:cSld>
-    <p:spTree>
-      <p:nvGrpSpPr>
-        <p:cNvPr id="1" name=""/>
-        <p:cNvGrpSpPr/>
-        <p:nvPr/>
-      </p:nvGrpSpPr>
-      <p:grpSpPr>
-        <a:xfrm>
-          <a:off x="0" y="0"/>
-          <a:ext cx="0" cy="0"/>
-          <a:chOff x="0" y="0"/>
-          <a:chExt cx="0" cy="0"/>
-        </a:xfrm>
-      </p:grpSpPr>
-      <p:sp>
-        <p:nvSpPr>
-          <p:cNvPr id="2" name="標題 1">
-            <a:extLst>
-              <a:ext uri="{FF2B5EF4-FFF2-40B4-BE49-F238E27FC236}">
-                <a16:creationId xmlns:a16="http://schemas.microsoft.com/office/drawing/2014/main" id="{A53AD68D-7080-4188-A296-6F3C8E665F8B}"/>
-              </a:ext>
-            </a:extLst>
-          </p:cNvPr>
-          <p:cNvSpPr>
-            <a:spLocks noGrp="1"/>
-          </p:cNvSpPr>
-          <p:nvPr>
-            <p:ph type="ctrTitle"/>
-          </p:nvPr>
-        </p:nvSpPr>
-        <p:spPr/>
-        <p:txBody>
-          <a:bodyPr/>
-          <a:lstStyle/>
-          <a:p>
-            <a:r>
-              <a:rPr lang="en-US" altLang="zh-TW" dirty="0"/>
-              <a:t/>
-            </a:r>
-            <a:br>
-              <a:rPr lang="en-US" altLang="zh-TW" dirty="0"/>
-            </a:br>
-            <a:r>
-              <a:rPr lang="zh-TW" altLang="en-US" dirty="0"/>
-              <a:t>案例</a:t>
-            </a:r>
-            <a:r>
-              <a:rPr lang="en-US" altLang="zh-TW" dirty="0"/>
-              <a:t>:</a:t>
-            </a:r>
-            <a:r>
-              <a:rPr lang="zh-TW" altLang="en-US" dirty="0"/>
-              <a:t> 拆分基礎服務</a:t>
-            </a:r>
-          </a:p>
-        </p:txBody>
-      </p:sp>
-      <p:sp>
-        <p:nvSpPr>
-          <p:cNvPr id="3" name="副標題 2">
-            <a:extLst>
-              <a:ext uri="{FF2B5EF4-FFF2-40B4-BE49-F238E27FC236}">
-                <a16:creationId xmlns:a16="http://schemas.microsoft.com/office/drawing/2014/main" id="{C2AFF981-6476-4DDC-BB51-9F3108EB7410}"/>
-              </a:ext>
-            </a:extLst>
-          </p:cNvPr>
-          <p:cNvSpPr>
-            <a:spLocks noGrp="1"/>
-          </p:cNvSpPr>
-          <p:nvPr>
-            <p:ph type="subTitle" idx="1"/>
-          </p:nvPr>
-        </p:nvSpPr>
-        <p:spPr/>
-        <p:txBody>
-          <a:bodyPr/>
-          <a:lstStyle/>
-          <a:p>
-            <a:r>
-              <a:rPr lang="zh-CN" altLang="en-US" sz="3600" b="1" dirty="0"/>
-              <a:t>宜人贷系统架构</a:t>
-            </a:r>
-            <a:r>
-              <a:rPr lang="en-US" altLang="zh-CN" sz="3600" b="1" dirty="0"/>
-              <a:t>-</a:t>
-            </a:r>
-            <a:r>
-              <a:rPr lang="zh-CN" altLang="en-US" sz="3600" b="1" dirty="0"/>
-              <a:t>高并发下的进化之路</a:t>
-            </a:r>
-          </a:p>
-          <a:p>
-            <a:endParaRPr lang="zh-TW" altLang="en-US" sz="3600" dirty="0"/>
-          </a:p>
-        </p:txBody>
-      </p:sp>
-      <p:sp>
-        <p:nvSpPr>
-          <p:cNvPr id="4" name="文字方塊 3">
-            <a:extLst>
-              <a:ext uri="{FF2B5EF4-FFF2-40B4-BE49-F238E27FC236}">
-                <a16:creationId xmlns:a16="http://schemas.microsoft.com/office/drawing/2014/main" id="{D29BCA04-079D-4220-A42B-019100319926}"/>
-              </a:ext>
-            </a:extLst>
-          </p:cNvPr>
-          <p:cNvSpPr txBox="1"/>
-          <p:nvPr/>
-        </p:nvSpPr>
-        <p:spPr>
-          <a:xfrm>
-            <a:off x="381000" y="4701540"/>
-            <a:ext cx="3498073" cy="523220"/>
-          </a:xfrm>
-          <a:prstGeom prst="rect">
-            <a:avLst/>
-          </a:prstGeom>
-          <a:noFill/>
-        </p:spPr>
-        <p:txBody>
-          <a:bodyPr wrap="none" rtlCol="0">
-            <a:spAutoFit/>
-          </a:bodyPr>
-          <a:lstStyle/>
-          <a:p>
-            <a:pPr marL="0" marR="0" lvl="0" indent="0" algn="l" defTabSz="914400" rtl="0" eaLnBrk="1" fontAlgn="auto" latinLnBrk="0" hangingPunct="1">
-              <a:lnSpc>
-                <a:spcPct val="100000"/>
-              </a:lnSpc>
-              <a:spcBef>
-                <a:spcPts val="0"/>
-              </a:spcBef>
-              <a:spcAft>
-                <a:spcPts val="0"/>
-              </a:spcAft>
-              <a:buClr>
-                <a:srgbClr val="000000"/>
-              </a:buClr>
-              <a:buSzTx/>
-              <a:buFont typeface="Arial"/>
-              <a:buNone/>
-              <a:tabLst/>
-              <a:defRPr/>
-            </a:pPr>
-            <a:r>
-              <a:rPr kumimoji="0" lang="en-US" altLang="zh-TW" sz="1400" b="0" i="0" u="none" strike="noStrike" kern="0" cap="none" spc="0" normalizeH="0" baseline="0" noProof="0" dirty="0">
-                <a:ln>
-                  <a:noFill/>
-                </a:ln>
-                <a:solidFill>
-                  <a:srgbClr val="000000"/>
-                </a:solidFill>
-                <a:effectLst/>
-                <a:uLnTx/>
-                <a:uFillTx/>
-                <a:latin typeface="Arial"/>
-                <a:cs typeface="Arial"/>
-                <a:sym typeface="Arial"/>
-                <a:hlinkClick r:id="rId2"/>
-              </a:rPr>
-              <a:t>https://www.jianshu.com/p/410250e006cb</a:t>
-            </a:r>
-            <a:endParaRPr kumimoji="0" lang="en-US" altLang="zh-TW" sz="1400" b="0" i="0" u="none" strike="noStrike" kern="0" cap="none" spc="0" normalizeH="0" baseline="0" noProof="0" dirty="0">
-              <a:ln>
-                <a:noFill/>
-              </a:ln>
-              <a:solidFill>
-                <a:srgbClr val="000000"/>
-              </a:solidFill>
-              <a:effectLst/>
-              <a:uLnTx/>
-              <a:uFillTx/>
-              <a:latin typeface="Arial"/>
-              <a:cs typeface="Arial"/>
-              <a:sym typeface="Arial"/>
-            </a:endParaRPr>
-          </a:p>
-          <a:p>
-            <a:pPr marL="0" marR="0" lvl="0" indent="0" algn="l" defTabSz="914400" rtl="0" eaLnBrk="1" fontAlgn="auto" latinLnBrk="0" hangingPunct="1">
-              <a:lnSpc>
-                <a:spcPct val="100000"/>
-              </a:lnSpc>
-              <a:spcBef>
-                <a:spcPts val="0"/>
-              </a:spcBef>
-              <a:spcAft>
-                <a:spcPts val="0"/>
-              </a:spcAft>
-              <a:buClr>
-                <a:srgbClr val="000000"/>
-              </a:buClr>
-              <a:buSzTx/>
-              <a:buFont typeface="Arial"/>
-              <a:buNone/>
-              <a:tabLst/>
-              <a:defRPr/>
-            </a:pPr>
-            <a:endParaRPr kumimoji="0" lang="zh-TW" altLang="en-US" sz="1400" b="0" i="0" u="none" strike="noStrike" kern="0" cap="none" spc="0" normalizeH="0" baseline="0" noProof="0" dirty="0">
-              <a:ln>
-                <a:noFill/>
-              </a:ln>
-              <a:solidFill>
-                <a:srgbClr val="000000"/>
-              </a:solidFill>
-              <a:effectLst/>
-              <a:uLnTx/>
-              <a:uFillTx/>
-              <a:latin typeface="Arial"/>
-              <a:cs typeface="Arial"/>
-              <a:sym typeface="Arial"/>
-            </a:endParaRPr>
-          </a:p>
-        </p:txBody>
-      </p:sp>
-    </p:spTree>
-    <p:extLst>
-      <p:ext uri="{BB962C8B-B14F-4D97-AF65-F5344CB8AC3E}">
-        <p14:creationId xmlns:p14="http://schemas.microsoft.com/office/powerpoint/2010/main" val="2622291912"/>
-      </p:ext>
-    </p:extLst>
-  </p:cSld>
-  <p:clrMapOvr>
-    <a:masterClrMapping/>
-  </p:clrMapOvr>
-  <p:timing>
-    <p:tnLst>
-      <p:par>
-        <p:cTn id="1" dur="indefinite" restart="never" nodeType="tmRoot"/>
-      </p:par>
-    </p:tnLst>
-  </p:timing>
-</p:sld>
-</file>
-
-<file path=ppt/slides/slide6.xml><?xml version="1.0" encoding="utf-8"?>
+<file path=ppt/slides/slide7.xml><?xml version="1.0" encoding="utf-8"?>
 <p:sld xmlns:a="http://schemas.openxmlformats.org/drawingml/2006/main" xmlns:r="http://schemas.openxmlformats.org/officeDocument/2006/relationships" xmlns:p="http://schemas.openxmlformats.org/presentationml/2006/main">
   <p:cSld>
     <p:spTree>
@@ -21983,172 +23314,6 @@
 </p:sld>
 </file>
 
-<file path=ppt/slides/slide7.xml><?xml version="1.0" encoding="utf-8"?>
-<p:sld xmlns:a="http://schemas.openxmlformats.org/drawingml/2006/main" xmlns:r="http://schemas.openxmlformats.org/officeDocument/2006/relationships" xmlns:p="http://schemas.openxmlformats.org/presentationml/2006/main">
-  <p:cSld>
-    <p:spTree>
-      <p:nvGrpSpPr>
-        <p:cNvPr id="1" name=""/>
-        <p:cNvGrpSpPr/>
-        <p:nvPr/>
-      </p:nvGrpSpPr>
-      <p:grpSpPr>
-        <a:xfrm>
-          <a:off x="0" y="0"/>
-          <a:ext cx="0" cy="0"/>
-          <a:chOff x="0" y="0"/>
-          <a:chExt cx="0" cy="0"/>
-        </a:xfrm>
-      </p:grpSpPr>
-      <p:sp>
-        <p:nvSpPr>
-          <p:cNvPr id="2" name="標題 1"/>
-          <p:cNvSpPr>
-            <a:spLocks noGrp="1"/>
-          </p:cNvSpPr>
-          <p:nvPr>
-            <p:ph type="title"/>
-          </p:nvPr>
-        </p:nvSpPr>
-        <p:spPr/>
-        <p:txBody>
-          <a:bodyPr/>
-          <a:lstStyle/>
-          <a:p>
-            <a:r>
-              <a:rPr lang="en-US" dirty="0" smtClean="0"/>
-              <a:t>Q1: </a:t>
-            </a:r>
-            <a:r>
-              <a:rPr lang="zh-TW" altLang="en-US" dirty="0" smtClean="0"/>
-              <a:t>該如何管理越來越多的服務</a:t>
-            </a:r>
-            <a:r>
-              <a:rPr lang="en-US" altLang="zh-TW" dirty="0" smtClean="0"/>
-              <a:t>?</a:t>
-            </a:r>
-            <a:endParaRPr lang="en-US" dirty="0"/>
-          </a:p>
-        </p:txBody>
-      </p:sp>
-      <p:sp>
-        <p:nvSpPr>
-          <p:cNvPr id="3" name="文字版面配置區 2"/>
-          <p:cNvSpPr>
-            <a:spLocks noGrp="1"/>
-          </p:cNvSpPr>
-          <p:nvPr>
-            <p:ph type="body" idx="1"/>
-          </p:nvPr>
-        </p:nvSpPr>
-        <p:spPr/>
-        <p:txBody>
-          <a:bodyPr/>
-          <a:lstStyle/>
-          <a:p>
-            <a:r>
-              <a:rPr lang="zh-TW" altLang="en-US" dirty="0" smtClean="0"/>
-              <a:t>如何掌握每個服務的資訊與狀態</a:t>
-            </a:r>
-            <a:r>
-              <a:rPr lang="en-US" altLang="zh-TW" dirty="0" smtClean="0"/>
-              <a:t>?</a:t>
-            </a:r>
-          </a:p>
-          <a:p>
-            <a:r>
-              <a:rPr lang="zh-TW" altLang="en-US" dirty="0"/>
-              <a:t>如何掌握每</a:t>
-            </a:r>
-            <a:r>
-              <a:rPr lang="zh-TW" altLang="en-US" dirty="0" smtClean="0"/>
-              <a:t>個</a:t>
-            </a:r>
-            <a:r>
-              <a:rPr lang="zh-TW" altLang="en-US" dirty="0"/>
-              <a:t> </a:t>
-            </a:r>
-            <a:r>
-              <a:rPr lang="en-US" altLang="zh-TW" dirty="0" smtClean="0"/>
-              <a:t>instance </a:t>
-            </a:r>
-            <a:r>
-              <a:rPr lang="zh-TW" altLang="en-US" dirty="0" smtClean="0"/>
-              <a:t>的</a:t>
-            </a:r>
-            <a:r>
-              <a:rPr lang="zh-TW" altLang="en-US" dirty="0"/>
-              <a:t>資訊與狀態</a:t>
-            </a:r>
-            <a:r>
-              <a:rPr lang="en-US" altLang="zh-TW" dirty="0"/>
-              <a:t>?</a:t>
-            </a:r>
-          </a:p>
-          <a:p>
-            <a:r>
-              <a:rPr lang="zh-TW" altLang="en-US" dirty="0" smtClean="0"/>
-              <a:t>如何精準定位要</a:t>
-            </a:r>
-            <a:r>
-              <a:rPr lang="zh-TW" altLang="en-US" dirty="0"/>
-              <a:t>呼叫的</a:t>
-            </a:r>
-            <a:r>
-              <a:rPr lang="zh-TW" altLang="en-US" dirty="0" smtClean="0"/>
-              <a:t>服務</a:t>
-            </a:r>
-            <a:r>
-              <a:rPr lang="en-US" altLang="zh-TW" dirty="0" smtClean="0"/>
-              <a:t>?</a:t>
-            </a:r>
-          </a:p>
-          <a:p>
-            <a:r>
-              <a:rPr lang="zh-TW" altLang="en-US" dirty="0" smtClean="0"/>
-              <a:t>如何簡化服務部署與啟動的程序</a:t>
-            </a:r>
-            <a:r>
-              <a:rPr lang="en-US" altLang="zh-TW" dirty="0" smtClean="0"/>
-              <a:t>?</a:t>
-            </a:r>
-            <a:endParaRPr lang="en-US" dirty="0"/>
-          </a:p>
-          <a:p>
-            <a:r>
-              <a:rPr lang="zh-TW" altLang="en-US" dirty="0"/>
-              <a:t>如何確保這些服務的組態是正確的</a:t>
-            </a:r>
-            <a:r>
-              <a:rPr lang="en-US" altLang="zh-TW" dirty="0"/>
-              <a:t>?</a:t>
-            </a:r>
-          </a:p>
-          <a:p>
-            <a:endParaRPr lang="en-US" dirty="0"/>
-          </a:p>
-        </p:txBody>
-      </p:sp>
-    </p:spTree>
-    <p:extLst>
-      <p:ext uri="{BB962C8B-B14F-4D97-AF65-F5344CB8AC3E}">
-        <p14:creationId xmlns:p14="http://schemas.microsoft.com/office/powerpoint/2010/main" val="2610879504"/>
-      </p:ext>
-    </p:extLst>
-  </p:cSld>
-  <p:clrMapOvr>
-    <a:masterClrMapping/>
-  </p:clrMapOvr>
-  <p:timing>
-    <p:tnLst>
-      <p:par>
-        <p:cTn id="1" dur="indefinite" restart="never" nodeType="tmRoot"/>
-      </p:par>
-    </p:tnLst>
-  </p:timing>
-</p:sld>
-</file>
-
 <file path=ppt/slides/slide8.xml><?xml version="1.0" encoding="utf-8"?>
 <p:sld xmlns:a="http://schemas.openxmlformats.org/drawingml/2006/main" xmlns:r="http://schemas.openxmlformats.org/officeDocument/2006/relationships" xmlns:p="http://schemas.openxmlformats.org/presentationml/2006/main">
   <p:cSld>
@@ -22168,7 +23333,7 @@
       </p:grpSpPr>
       <p:sp>
         <p:nvSpPr>
-          <p:cNvPr id="5" name="標題 4"/>
+          <p:cNvPr id="2" name="標題 1"/>
           <p:cNvSpPr>
             <a:spLocks noGrp="1"/>
           </p:cNvSpPr>
@@ -22182,16 +23347,16 @@
           <a:lstStyle/>
           <a:p>
             <a:r>
+              <a:rPr lang="en-US" dirty="0" smtClean="0"/>
+              <a:t>Q1: </a:t>
+            </a:r>
+            <a:r>
               <a:rPr lang="zh-TW" altLang="en-US" dirty="0" smtClean="0"/>
-              <a:t>管理</a:t>
-            </a:r>
-            <a:r>
-              <a:rPr lang="zh-TW" altLang="en-US" dirty="0"/>
-              <a:t>微</a:t>
-            </a:r>
-            <a:r>
-              <a:rPr lang="zh-TW" altLang="en-US" dirty="0" smtClean="0"/>
-              <a:t>服務的挑戰</a:t>
+              <a:t>該如何管理越來越多的服務</a:t>
+            </a:r>
+            <a:r>
+              <a:rPr lang="en-US" altLang="zh-TW" dirty="0" smtClean="0"/>
+              <a:t>?</a:t>
             </a:r>
             <a:endParaRPr lang="en-US" dirty="0"/>
           </a:p>
@@ -22199,7 +23364,7 @@
       </p:sp>
       <p:sp>
         <p:nvSpPr>
-          <p:cNvPr id="6" name="文字版面配置區 5"/>
+          <p:cNvPr id="3" name="文字版面配置區 2"/>
           <p:cNvSpPr>
             <a:spLocks noGrp="1"/>
           </p:cNvSpPr>
@@ -22214,15 +23379,7 @@
           <a:p>
             <a:r>
               <a:rPr lang="zh-TW" altLang="en-US" dirty="0" smtClean="0"/>
-              <a:t>如何掌握 </a:t>
-            </a:r>
-            <a:r>
-              <a:rPr lang="en-US" altLang="zh-TW" dirty="0" smtClean="0"/>
-              <a:t>N</a:t>
-            </a:r>
-            <a:r>
-              <a:rPr lang="zh-TW" altLang="en-US" dirty="0" smtClean="0"/>
-              <a:t> 種服務的相關資訊</a:t>
+              <a:t>如何掌握每個服務的資訊與狀態</a:t>
             </a:r>
             <a:r>
               <a:rPr lang="en-US" altLang="zh-TW" dirty="0" smtClean="0"/>
@@ -22230,39 +23387,47 @@
             </a:r>
           </a:p>
           <a:p>
-            <a:pPr lvl="1"/>
-            <a:r>
-              <a:rPr lang="en-US" dirty="0" smtClean="0"/>
-              <a:t>Service Definition</a:t>
-            </a:r>
-          </a:p>
-          <a:p>
-            <a:pPr lvl="1"/>
+            <a:r>
+              <a:rPr lang="zh-TW" altLang="en-US" dirty="0"/>
+              <a:t>如何掌握每</a:t>
+            </a:r>
+            <a:r>
+              <a:rPr lang="zh-TW" altLang="en-US" dirty="0" smtClean="0"/>
+              <a:t>個</a:t>
+            </a:r>
+            <a:r>
+              <a:rPr lang="zh-TW" altLang="en-US" dirty="0"/>
+              <a:t> </a:t>
+            </a:r>
             <a:r>
               <a:rPr lang="en-US" altLang="zh-TW" dirty="0" smtClean="0"/>
-              <a:t>Health Status</a:t>
-            </a:r>
-          </a:p>
-          <a:p>
+              <a:t>instance </a:t>
+            </a:r>
             <a:r>
               <a:rPr lang="zh-TW" altLang="en-US" dirty="0" smtClean="0"/>
-              <a:t>如何掌握每種服務的 </a:t>
-            </a:r>
-            <a:r>
-              <a:rPr lang="en-US" altLang="zh-TW" dirty="0" smtClean="0"/>
-              <a:t>M</a:t>
-            </a:r>
+              <a:t>的</a:t>
+            </a:r>
+            <a:r>
+              <a:rPr lang="zh-TW" altLang="en-US" dirty="0"/>
+              <a:t>資訊與狀態</a:t>
+            </a:r>
+            <a:r>
+              <a:rPr lang="en-US" altLang="zh-TW" dirty="0"/>
+              <a:t>?</a:t>
+            </a:r>
+          </a:p>
+          <a:p>
             <a:r>
               <a:rPr lang="zh-TW" altLang="en-US" dirty="0" smtClean="0"/>
-              <a:t> 個 </a:t>
-            </a:r>
-            <a:r>
-              <a:rPr lang="en-US" altLang="zh-TW" dirty="0" smtClean="0"/>
-              <a:t>instance</a:t>
+              <a:t>如何精準定位要</a:t>
+            </a:r>
+            <a:r>
+              <a:rPr lang="zh-TW" altLang="en-US" dirty="0"/>
+              <a:t>呼叫的</a:t>
             </a:r>
             <a:r>
               <a:rPr lang="zh-TW" altLang="en-US" dirty="0" smtClean="0"/>
-              <a:t> 相關資訊</a:t>
+              <a:t>服務</a:t>
             </a:r>
             <a:r>
               <a:rPr lang="en-US" altLang="zh-TW" dirty="0" smtClean="0"/>
@@ -22272,58 +23437,25 @@
           <a:p>
             <a:r>
               <a:rPr lang="zh-TW" altLang="en-US" dirty="0" smtClean="0"/>
-              <a:t>如何管理</a:t>
-            </a:r>
-            <a:r>
-              <a:rPr lang="zh-TW" altLang="en-US" dirty="0"/>
-              <a:t> </a:t>
-            </a:r>
-            <a:r>
-              <a:rPr lang="en-US" altLang="zh-TW" dirty="0" smtClean="0"/>
-              <a:t>(N</a:t>
-            </a:r>
-            <a:r>
-              <a:rPr lang="zh-TW" altLang="en-US" dirty="0" smtClean="0"/>
-              <a:t> </a:t>
-            </a:r>
-            <a:r>
-              <a:rPr lang="en-US" altLang="zh-TW" dirty="0" smtClean="0"/>
-              <a:t>x</a:t>
-            </a:r>
-            <a:r>
-              <a:rPr lang="zh-TW" altLang="en-US" dirty="0"/>
-              <a:t> </a:t>
-            </a:r>
-            <a:r>
-              <a:rPr lang="en-US" altLang="zh-TW" dirty="0" smtClean="0"/>
-              <a:t>M)</a:t>
-            </a:r>
-            <a:r>
-              <a:rPr lang="en-US" altLang="zh-TW" baseline="30000" dirty="0" smtClean="0"/>
-              <a:t>2</a:t>
-            </a:r>
-            <a:r>
-              <a:rPr lang="zh-TW" altLang="en-US" dirty="0" smtClean="0"/>
-              <a:t> 種可能的連線</a:t>
+              <a:t>如何簡化服務部署與啟動的程序</a:t>
             </a:r>
             <a:r>
               <a:rPr lang="en-US" altLang="zh-TW" dirty="0" smtClean="0"/>
               <a:t>?</a:t>
             </a:r>
+            <a:endParaRPr lang="en-US" dirty="0"/>
           </a:p>
           <a:p>
             <a:r>
               <a:rPr lang="zh-TW" altLang="en-US" dirty="0"/>
-              <a:t>即</a:t>
-            </a:r>
-            <a:r>
-              <a:rPr lang="zh-TW" altLang="en-US" dirty="0" smtClean="0"/>
-              <a:t>時的組態更新</a:t>
+              <a:t>如何確保這些服務的組態是正確的</a:t>
             </a:r>
             <a:r>
               <a:rPr lang="en-US" altLang="zh-TW" dirty="0"/>
               <a:t>?</a:t>
             </a:r>
+          </a:p>
+          <a:p>
             <a:endParaRPr lang="en-US" dirty="0"/>
           </a:p>
         </p:txBody>
@@ -22331,7 +23463,7 @@
     </p:spTree>
     <p:extLst>
       <p:ext uri="{BB962C8B-B14F-4D97-AF65-F5344CB8AC3E}">
-        <p14:creationId xmlns:p14="http://schemas.microsoft.com/office/powerpoint/2010/main" val="2956480665"/>
+        <p14:creationId xmlns:p14="http://schemas.microsoft.com/office/powerpoint/2010/main" val="2610879504"/>
       </p:ext>
     </p:extLst>
   </p:cSld>
@@ -22367,156 +23499,119 @@
       </p:grpSpPr>
       <p:sp>
         <p:nvSpPr>
-          <p:cNvPr id="7" name="文字方塊 6"/>
-          <p:cNvSpPr txBox="1"/>
-          <p:nvPr/>
-        </p:nvSpPr>
-        <p:spPr>
-          <a:xfrm>
-            <a:off x="381435" y="4718306"/>
-            <a:ext cx="6353021" cy="523220"/>
-          </a:xfrm>
-          <a:prstGeom prst="rect">
-            <a:avLst/>
-          </a:prstGeom>
-          <a:noFill/>
-        </p:spPr>
-        <p:txBody>
-          <a:bodyPr wrap="none" rtlCol="0">
-            <a:spAutoFit/>
-          </a:bodyPr>
+          <p:cNvPr id="5" name="標題 4"/>
+          <p:cNvSpPr>
+            <a:spLocks noGrp="1"/>
+          </p:cNvSpPr>
+          <p:nvPr>
+            <p:ph type="title"/>
+          </p:nvPr>
+        </p:nvSpPr>
+        <p:spPr/>
+        <p:txBody>
+          <a:bodyPr/>
           <a:lstStyle/>
           <a:p>
             <a:r>
-              <a:rPr lang="en-US" dirty="0">
-                <a:hlinkClick r:id="rId3"/>
-              </a:rPr>
-              <a:t>https://www.nginx.com/blog/service-discovery-in-a-microservices-architecture</a:t>
-            </a:r>
-            <a:r>
-              <a:rPr lang="en-US" dirty="0" smtClean="0">
-                <a:hlinkClick r:id="rId3"/>
-              </a:rPr>
-              <a:t>/</a:t>
-            </a:r>
-            <a:endParaRPr lang="en-US" dirty="0" smtClean="0"/>
-          </a:p>
-          <a:p>
+              <a:rPr lang="zh-TW" altLang="en-US" dirty="0" smtClean="0"/>
+              <a:t>管理</a:t>
+            </a:r>
+            <a:r>
+              <a:rPr lang="zh-TW" altLang="en-US" dirty="0"/>
+              <a:t>微</a:t>
+            </a:r>
+            <a:r>
+              <a:rPr lang="zh-TW" altLang="en-US" dirty="0" smtClean="0"/>
+              <a:t>服務的挑戰</a:t>
+            </a:r>
             <a:endParaRPr lang="en-US" dirty="0"/>
           </a:p>
         </p:txBody>
       </p:sp>
-      <p:pic>
-        <p:nvPicPr>
-          <p:cNvPr id="2050" name="Picture 2" descr="Service discovery is difficult in a modern, cloud-based microservices application because the set of instances, and their IP addresses, are subject to constant change"/>
-          <p:cNvPicPr>
-            <a:picLocks noChangeAspect="1" noChangeArrowheads="1"/>
-          </p:cNvPicPr>
-          <p:nvPr/>
-        </p:nvPicPr>
-        <p:blipFill>
-          <a:blip r:embed="rId4">
-            <a:extLst>
-              <a:ext uri="{28A0092B-C50C-407E-A947-70E740481C1C}">
-                <a14:useLocalDpi xmlns:a14="http://schemas.microsoft.com/office/drawing/2010/main" val="0"/>
-              </a:ext>
-            </a:extLst>
-          </a:blip>
-          <a:srcRect/>
-          <a:stretch>
-            <a:fillRect/>
-          </a:stretch>
-        </p:blipFill>
-        <p:spPr bwMode="auto">
-          <a:xfrm>
-            <a:off x="1637497" y="157774"/>
-            <a:ext cx="4370664" cy="4456029"/>
-          </a:xfrm>
-          <a:prstGeom prst="rect">
-            <a:avLst/>
-          </a:prstGeom>
-          <a:noFill/>
-          <a:extLst>
-            <a:ext uri="{909E8E84-426E-40DD-AFC4-6F175D3DCCD1}">
-              <a14:hiddenFill xmlns:a14="http://schemas.microsoft.com/office/drawing/2010/main">
-                <a:solidFill>
-                  <a:srgbClr val="FFFFFF"/>
-                </a:solidFill>
-              </a14:hiddenFill>
-            </a:ext>
-          </a:extLst>
-        </p:spPr>
-      </p:pic>
-      <p:sp>
-        <p:nvSpPr>
-          <p:cNvPr id="2" name="圓角矩形 1"/>
-          <p:cNvSpPr/>
-          <p:nvPr/>
-        </p:nvSpPr>
-        <p:spPr>
-          <a:xfrm>
-            <a:off x="3464270" y="198555"/>
-            <a:ext cx="2466267" cy="4519751"/>
-          </a:xfrm>
-          <a:prstGeom prst="roundRect">
-            <a:avLst>
-              <a:gd name="adj" fmla="val 7085"/>
-            </a:avLst>
-          </a:prstGeom>
-          <a:noFill/>
-        </p:spPr>
-        <p:style>
-          <a:lnRef idx="2">
-            <a:schemeClr val="accent1"/>
-          </a:lnRef>
-          <a:fillRef idx="1">
-            <a:schemeClr val="lt1"/>
-          </a:fillRef>
-          <a:effectRef idx="0">
-            <a:schemeClr val="accent1"/>
-          </a:effectRef>
-          <a:fontRef idx="minor">
-            <a:schemeClr val="dk1"/>
-          </a:fontRef>
-        </p:style>
-        <p:txBody>
-          <a:bodyPr rtlCol="0" anchor="ctr"/>
+      <p:sp>
+        <p:nvSpPr>
+          <p:cNvPr id="6" name="文字版面配置區 5"/>
+          <p:cNvSpPr>
+            <a:spLocks noGrp="1"/>
+          </p:cNvSpPr>
+          <p:nvPr>
+            <p:ph type="body" idx="1"/>
+          </p:nvPr>
+        </p:nvSpPr>
+        <p:spPr/>
+        <p:txBody>
+          <a:bodyPr/>
           <a:lstStyle/>
           <a:p>
-            <a:pPr algn="ctr"/>
-            <a:endParaRPr lang="en-US"/>
-          </a:p>
-        </p:txBody>
-      </p:sp>
-      <p:sp>
-        <p:nvSpPr>
-          <p:cNvPr id="3" name="文字方塊 2"/>
-          <p:cNvSpPr txBox="1"/>
-          <p:nvPr/>
-        </p:nvSpPr>
-        <p:spPr>
-          <a:xfrm>
-            <a:off x="6008161" y="381437"/>
-            <a:ext cx="2339102" cy="3108543"/>
-          </a:xfrm>
-          <a:prstGeom prst="rect">
-            <a:avLst/>
-          </a:prstGeom>
-          <a:noFill/>
-        </p:spPr>
-        <p:txBody>
-          <a:bodyPr wrap="none" rtlCol="0">
-            <a:spAutoFit/>
-          </a:bodyPr>
-          <a:lstStyle/>
-          <a:p>
             <a:r>
               <a:rPr lang="zh-TW" altLang="en-US" dirty="0" smtClean="0"/>
-              <a:t>越符合 </a:t>
+              <a:t>如何掌握 </a:t>
             </a:r>
             <a:r>
               <a:rPr lang="en-US" altLang="zh-TW" dirty="0" smtClean="0"/>
-              <a:t>Cloud</a:t>
+              <a:t>N</a:t>
+            </a:r>
+            <a:r>
+              <a:rPr lang="zh-TW" altLang="en-US" dirty="0" smtClean="0"/>
+              <a:t> 種服務的相關資訊</a:t>
+            </a:r>
+            <a:r>
+              <a:rPr lang="en-US" altLang="zh-TW" dirty="0" smtClean="0"/>
+              <a:t>?</a:t>
+            </a:r>
+          </a:p>
+          <a:p>
+            <a:pPr lvl="1"/>
+            <a:r>
+              <a:rPr lang="en-US" dirty="0" smtClean="0"/>
+              <a:t>Service Definition</a:t>
+            </a:r>
+          </a:p>
+          <a:p>
+            <a:pPr lvl="1"/>
+            <a:r>
+              <a:rPr lang="en-US" altLang="zh-TW" dirty="0" smtClean="0"/>
+              <a:t>Health Status</a:t>
+            </a:r>
+          </a:p>
+          <a:p>
+            <a:r>
+              <a:rPr lang="zh-TW" altLang="en-US" dirty="0" smtClean="0"/>
+              <a:t>如何掌握每種服務的 </a:t>
+            </a:r>
+            <a:r>
+              <a:rPr lang="en-US" altLang="zh-TW" dirty="0" smtClean="0"/>
+              <a:t>M</a:t>
+            </a:r>
+            <a:r>
+              <a:rPr lang="zh-TW" altLang="en-US" dirty="0" smtClean="0"/>
+              <a:t> 個 </a:t>
+            </a:r>
+            <a:r>
+              <a:rPr lang="en-US" altLang="zh-TW" dirty="0" smtClean="0"/>
+              <a:t>instance</a:t>
+            </a:r>
+            <a:r>
+              <a:rPr lang="zh-TW" altLang="en-US" dirty="0" smtClean="0"/>
+              <a:t> 相關資訊</a:t>
+            </a:r>
+            <a:r>
+              <a:rPr lang="en-US" altLang="zh-TW" dirty="0" smtClean="0"/>
+              <a:t>?</a:t>
+            </a:r>
+          </a:p>
+          <a:p>
+            <a:r>
+              <a:rPr lang="zh-TW" altLang="en-US" dirty="0" smtClean="0"/>
+              <a:t>如何管理</a:t>
+            </a:r>
+            <a:r>
+              <a:rPr lang="zh-TW" altLang="en-US" dirty="0"/>
+              <a:t> </a:t>
+            </a:r>
+            <a:r>
+              <a:rPr lang="en-US" altLang="zh-TW" dirty="0" smtClean="0"/>
+              <a:t>(N</a:t>
             </a:r>
             <a:r>
               <a:rPr lang="zh-TW" altLang="en-US" dirty="0" smtClean="0"/>
@@ -22524,73 +23619,7 @@
             </a:r>
             <a:r>
               <a:rPr lang="en-US" altLang="zh-TW" dirty="0" smtClean="0"/>
-              <a:t>Native,</a:t>
-            </a:r>
-          </a:p>
-          <a:p>
-            <a:r>
-              <a:rPr lang="en-US" dirty="0" smtClean="0"/>
-              <a:t>DevOps </a:t>
-            </a:r>
-            <a:r>
-              <a:rPr lang="zh-TW" altLang="en-US" dirty="0" smtClean="0"/>
-              <a:t>的原則，越需要</a:t>
-            </a:r>
-            <a:endParaRPr lang="en-US" altLang="zh-TW" dirty="0" smtClean="0"/>
-          </a:p>
-          <a:p>
-            <a:r>
-              <a:rPr lang="zh-TW" altLang="en-US" dirty="0" smtClean="0"/>
-              <a:t>高度動態的部署方式。</a:t>
-            </a:r>
-            <a:endParaRPr lang="en-US" altLang="zh-TW" dirty="0" smtClean="0"/>
-          </a:p>
-          <a:p>
-            <a:endParaRPr lang="en-US" altLang="zh-TW" dirty="0"/>
-          </a:p>
-          <a:p>
-            <a:r>
-              <a:rPr lang="en-US" altLang="zh-TW" dirty="0" smtClean="0"/>
-              <a:t>Auto Scaling </a:t>
-            </a:r>
-            <a:r>
-              <a:rPr lang="zh-TW" altLang="en-US" dirty="0" smtClean="0"/>
-              <a:t>的機制，</a:t>
-            </a:r>
-            <a:endParaRPr lang="en-US" altLang="zh-TW" dirty="0" smtClean="0"/>
-          </a:p>
-          <a:p>
-            <a:r>
-              <a:rPr lang="zh-TW" altLang="en-US" dirty="0" smtClean="0"/>
-              <a:t>部署機制可能幾秒鐘就會</a:t>
-            </a:r>
-            <a:endParaRPr lang="en-US" altLang="zh-TW" dirty="0" smtClean="0"/>
-          </a:p>
-          <a:p>
-            <a:r>
-              <a:rPr lang="zh-TW" altLang="en-US" dirty="0" smtClean="0"/>
-              <a:t>變化；</a:t>
-            </a:r>
-            <a:endParaRPr lang="en-US" altLang="zh-TW" dirty="0" smtClean="0"/>
-          </a:p>
-          <a:p>
-            <a:endParaRPr lang="en-US" altLang="zh-TW" dirty="0"/>
-          </a:p>
-          <a:p>
-            <a:r>
-              <a:rPr lang="en-US" altLang="zh-TW" dirty="0" smtClean="0"/>
-              <a:t>Container </a:t>
-            </a:r>
-            <a:r>
-              <a:rPr lang="zh-TW" altLang="en-US" dirty="0" smtClean="0"/>
-              <a:t>的風行，可能</a:t>
-            </a:r>
-            <a:endParaRPr lang="en-US" altLang="zh-TW" dirty="0" smtClean="0"/>
-          </a:p>
-          <a:p>
-            <a:r>
-              <a:rPr lang="zh-TW" altLang="en-US" dirty="0" smtClean="0"/>
-              <a:t>一台</a:t>
+              <a:t>x</a:t>
             </a:r>
             <a:r>
               <a:rPr lang="zh-TW" altLang="en-US" dirty="0"/>
@@ -22598,48 +23627,42 @@
             </a:r>
             <a:r>
               <a:rPr lang="en-US" altLang="zh-TW" dirty="0" smtClean="0"/>
-              <a:t>VM</a:t>
+              <a:t>M)</a:t>
+            </a:r>
+            <a:r>
+              <a:rPr lang="en-US" altLang="zh-TW" baseline="30000" dirty="0" smtClean="0"/>
+              <a:t>2</a:t>
             </a:r>
             <a:r>
               <a:rPr lang="zh-TW" altLang="en-US" dirty="0" smtClean="0"/>
-              <a:t> 就存在多個服務</a:t>
-            </a:r>
-            <a:endParaRPr lang="en-US" altLang="zh-TW" dirty="0" smtClean="0"/>
-          </a:p>
-          <a:p>
+              <a:t> 種可能的連線</a:t>
+            </a:r>
             <a:r>
               <a:rPr lang="en-US" altLang="zh-TW" dirty="0" smtClean="0"/>
-              <a:t>(instance), IP / PORT </a:t>
+              <a:t>?</a:t>
+            </a:r>
+          </a:p>
+          <a:p>
+            <a:r>
+              <a:rPr lang="zh-TW" altLang="en-US" dirty="0"/>
+              <a:t>即</a:t>
             </a:r>
             <a:r>
               <a:rPr lang="zh-TW" altLang="en-US" dirty="0" smtClean="0"/>
-              <a:t>都</a:t>
-            </a:r>
-            <a:endParaRPr lang="en-US" altLang="zh-TW" dirty="0" smtClean="0"/>
-          </a:p>
-          <a:p>
-            <a:r>
-              <a:rPr lang="zh-TW" altLang="en-US" dirty="0" smtClean="0"/>
-              <a:t>有可能數秒鐘就變動一次</a:t>
-            </a:r>
-            <a:r>
-              <a:rPr lang="zh-TW" altLang="en-US" dirty="0"/>
-              <a:t>。</a:t>
-            </a:r>
-            <a:endParaRPr lang="en-US" altLang="zh-TW" dirty="0" smtClean="0"/>
-          </a:p>
-          <a:p>
-            <a:endParaRPr lang="en-US" altLang="zh-TW" dirty="0"/>
-          </a:p>
-          <a:p>
-            <a:endParaRPr lang="en-US" altLang="zh-TW" dirty="0" smtClean="0"/>
+              <a:t>時的組態更新</a:t>
+            </a:r>
+            <a:r>
+              <a:rPr lang="en-US" altLang="zh-TW" dirty="0"/>
+              <a:t>?</a:t>
+            </a:r>
+            <a:endParaRPr lang="en-US" dirty="0"/>
           </a:p>
         </p:txBody>
       </p:sp>
     </p:spTree>
     <p:extLst>
       <p:ext uri="{BB962C8B-B14F-4D97-AF65-F5344CB8AC3E}">
-        <p14:creationId xmlns:p14="http://schemas.microsoft.com/office/powerpoint/2010/main" val="4144815228"/>
+        <p14:creationId xmlns:p14="http://schemas.microsoft.com/office/powerpoint/2010/main" val="2956480665"/>
       </p:ext>
     </p:extLst>
   </p:cSld>
